--- a/2023.RT.Runs/BSB WHAM Sensitivity Tests.pptx
+++ b/2023.RT.Runs/BSB WHAM Sensitivity Tests.pptx
@@ -14,12 +14,30 @@
     <p:sldId id="265" r:id="rId8"/>
     <p:sldId id="267" r:id="rId9"/>
     <p:sldId id="268" r:id="rId10"/>
-    <p:sldId id="266" r:id="rId11"/>
-    <p:sldId id="264" r:id="rId12"/>
-    <p:sldId id="269" r:id="rId13"/>
-    <p:sldId id="273" r:id="rId14"/>
-    <p:sldId id="270" r:id="rId15"/>
-    <p:sldId id="274" r:id="rId16"/>
+    <p:sldId id="275" r:id="rId11"/>
+    <p:sldId id="277" r:id="rId12"/>
+    <p:sldId id="278" r:id="rId13"/>
+    <p:sldId id="279" r:id="rId14"/>
+    <p:sldId id="280" r:id="rId15"/>
+    <p:sldId id="281" r:id="rId16"/>
+    <p:sldId id="282" r:id="rId17"/>
+    <p:sldId id="283" r:id="rId18"/>
+    <p:sldId id="284" r:id="rId19"/>
+    <p:sldId id="285" r:id="rId20"/>
+    <p:sldId id="286" r:id="rId21"/>
+    <p:sldId id="287" r:id="rId22"/>
+    <p:sldId id="288" r:id="rId23"/>
+    <p:sldId id="289" r:id="rId24"/>
+    <p:sldId id="290" r:id="rId25"/>
+    <p:sldId id="291" r:id="rId26"/>
+    <p:sldId id="292" r:id="rId27"/>
+    <p:sldId id="293" r:id="rId28"/>
+    <p:sldId id="276" r:id="rId29"/>
+    <p:sldId id="264" r:id="rId30"/>
+    <p:sldId id="269" r:id="rId31"/>
+    <p:sldId id="273" r:id="rId32"/>
+    <p:sldId id="270" r:id="rId33"/>
+    <p:sldId id="274" r:id="rId34"/>
   </p:sldIdLst>
   <p:sldSz cx="12192000" cy="6858000"/>
   <p:notesSz cx="6858000" cy="9144000"/>
@@ -152,20 +170,6 @@
 </p:cmLst>
 </file>
 
-<file path=ppt/comments/comment2.xml><?xml version="1.0" encoding="utf-8"?>
-<p:cmLst xmlns:a="http://schemas.openxmlformats.org/drawingml/2006/main" xmlns:r="http://schemas.openxmlformats.org/officeDocument/2006/relationships" xmlns:p="http://schemas.openxmlformats.org/presentationml/2006/main">
-  <p:cm authorId="1" dt="2024-01-22T11:53:34.242" idx="1">
-    <p:pos x="7470" y="653"/>
-    <p:text>If I put RE on SOME of the indices, would this scaling issue change</p:text>
-    <p:extLst>
-      <p:ext uri="{C676402C-5697-4E1C-873F-D02D1690AC5C}">
-        <p15:threadingInfo xmlns:p15="http://schemas.microsoft.com/office/powerpoint/2012/main" timeZoneBias="300"/>
-      </p:ext>
-    </p:extLst>
-  </p:cm>
-</p:cmLst>
-</file>
-
 <file path=ppt/slideLayouts/slideLayout1.xml><?xml version="1.0" encoding="utf-8"?>
 <p:sldLayout xmlns:a="http://schemas.openxmlformats.org/drawingml/2006/main" xmlns:r="http://schemas.openxmlformats.org/officeDocument/2006/relationships" xmlns:p="http://schemas.openxmlformats.org/presentationml/2006/main" type="title" preserve="1">
   <p:cSld name="Title Slide">
@@ -297,7 +301,7 @@
           <a:p>
             <a:fld id="{E946A1EF-D084-4303-9967-3757BA40A8BB}" type="datetimeFigureOut">
               <a:rPr lang="en-US" smtClean="0"/>
-              <a:t>1/23/2024</a:t>
+              <a:t>1/25/2024</a:t>
             </a:fld>
             <a:endParaRPr lang="en-US"/>
           </a:p>
@@ -467,7 +471,7 @@
           <a:p>
             <a:fld id="{E946A1EF-D084-4303-9967-3757BA40A8BB}" type="datetimeFigureOut">
               <a:rPr lang="en-US" smtClean="0"/>
-              <a:t>1/23/2024</a:t>
+              <a:t>1/25/2024</a:t>
             </a:fld>
             <a:endParaRPr lang="en-US"/>
           </a:p>
@@ -647,7 +651,7 @@
           <a:p>
             <a:fld id="{E946A1EF-D084-4303-9967-3757BA40A8BB}" type="datetimeFigureOut">
               <a:rPr lang="en-US" smtClean="0"/>
-              <a:t>1/23/2024</a:t>
+              <a:t>1/25/2024</a:t>
             </a:fld>
             <a:endParaRPr lang="en-US"/>
           </a:p>
@@ -817,7 +821,7 @@
           <a:p>
             <a:fld id="{E946A1EF-D084-4303-9967-3757BA40A8BB}" type="datetimeFigureOut">
               <a:rPr lang="en-US" smtClean="0"/>
-              <a:t>1/23/2024</a:t>
+              <a:t>1/25/2024</a:t>
             </a:fld>
             <a:endParaRPr lang="en-US"/>
           </a:p>
@@ -1063,7 +1067,7 @@
           <a:p>
             <a:fld id="{E946A1EF-D084-4303-9967-3757BA40A8BB}" type="datetimeFigureOut">
               <a:rPr lang="en-US" smtClean="0"/>
-              <a:t>1/23/2024</a:t>
+              <a:t>1/25/2024</a:t>
             </a:fld>
             <a:endParaRPr lang="en-US"/>
           </a:p>
@@ -1295,7 +1299,7 @@
           <a:p>
             <a:fld id="{E946A1EF-D084-4303-9967-3757BA40A8BB}" type="datetimeFigureOut">
               <a:rPr lang="en-US" smtClean="0"/>
-              <a:t>1/23/2024</a:t>
+              <a:t>1/25/2024</a:t>
             </a:fld>
             <a:endParaRPr lang="en-US"/>
           </a:p>
@@ -1662,7 +1666,7 @@
           <a:p>
             <a:fld id="{E946A1EF-D084-4303-9967-3757BA40A8BB}" type="datetimeFigureOut">
               <a:rPr lang="en-US" smtClean="0"/>
-              <a:t>1/23/2024</a:t>
+              <a:t>1/25/2024</a:t>
             </a:fld>
             <a:endParaRPr lang="en-US"/>
           </a:p>
@@ -1780,7 +1784,7 @@
           <a:p>
             <a:fld id="{E946A1EF-D084-4303-9967-3757BA40A8BB}" type="datetimeFigureOut">
               <a:rPr lang="en-US" smtClean="0"/>
-              <a:t>1/23/2024</a:t>
+              <a:t>1/25/2024</a:t>
             </a:fld>
             <a:endParaRPr lang="en-US"/>
           </a:p>
@@ -1875,7 +1879,7 @@
           <a:p>
             <a:fld id="{E946A1EF-D084-4303-9967-3757BA40A8BB}" type="datetimeFigureOut">
               <a:rPr lang="en-US" smtClean="0"/>
-              <a:t>1/23/2024</a:t>
+              <a:t>1/25/2024</a:t>
             </a:fld>
             <a:endParaRPr lang="en-US"/>
           </a:p>
@@ -2152,7 +2156,7 @@
           <a:p>
             <a:fld id="{E946A1EF-D084-4303-9967-3757BA40A8BB}" type="datetimeFigureOut">
               <a:rPr lang="en-US" smtClean="0"/>
-              <a:t>1/23/2024</a:t>
+              <a:t>1/25/2024</a:t>
             </a:fld>
             <a:endParaRPr lang="en-US"/>
           </a:p>
@@ -2405,7 +2409,7 @@
           <a:p>
             <a:fld id="{E946A1EF-D084-4303-9967-3757BA40A8BB}" type="datetimeFigureOut">
               <a:rPr lang="en-US" smtClean="0"/>
-              <a:t>1/23/2024</a:t>
+              <a:t>1/25/2024</a:t>
             </a:fld>
             <a:endParaRPr lang="en-US"/>
           </a:p>
@@ -2618,7 +2622,7 @@
           <a:p>
             <a:fld id="{E946A1EF-D084-4303-9967-3757BA40A8BB}" type="datetimeFigureOut">
               <a:rPr lang="en-US" smtClean="0"/>
-              <a:t>1/23/2024</a:t>
+              <a:t>1/25/2024</a:t>
             </a:fld>
             <a:endParaRPr lang="en-US"/>
           </a:p>
@@ -3095,10 +3099,70 @@
           <a:chExt cx="0" cy="0"/>
         </a:xfrm>
       </p:grpSpPr>
+      <p:pic>
+        <p:nvPicPr>
+          <p:cNvPr id="3" name="Picture 2"/>
+          <p:cNvPicPr>
+            <a:picLocks noChangeAspect="1"/>
+          </p:cNvPicPr>
+          <p:nvPr/>
+        </p:nvPicPr>
+        <p:blipFill>
+          <a:blip r:embed="rId2" cstate="print">
+            <a:extLst>
+              <a:ext uri="{28A0092B-C50C-407E-A947-70E740481C1C}">
+                <a14:useLocalDpi xmlns:a14="http://schemas.microsoft.com/office/drawing/2010/main" val="0"/>
+              </a:ext>
+            </a:extLst>
+          </a:blip>
+          <a:stretch>
+            <a:fillRect/>
+          </a:stretch>
+        </p:blipFill>
+        <p:spPr>
+          <a:xfrm>
+            <a:off x="1404984" y="0"/>
+            <a:ext cx="4186376" cy="6698202"/>
+          </a:xfrm>
+          <a:prstGeom prst="rect">
+            <a:avLst/>
+          </a:prstGeom>
+        </p:spPr>
+      </p:pic>
+      <p:pic>
+        <p:nvPicPr>
+          <p:cNvPr id="4" name="Picture 3"/>
+          <p:cNvPicPr>
+            <a:picLocks noChangeAspect="1"/>
+          </p:cNvPicPr>
+          <p:nvPr/>
+        </p:nvPicPr>
+        <p:blipFill>
+          <a:blip r:embed="rId3" cstate="print">
+            <a:extLst>
+              <a:ext uri="{28A0092B-C50C-407E-A947-70E740481C1C}">
+                <a14:useLocalDpi xmlns:a14="http://schemas.microsoft.com/office/drawing/2010/main" val="0"/>
+              </a:ext>
+            </a:extLst>
+          </a:blip>
+          <a:stretch>
+            <a:fillRect/>
+          </a:stretch>
+        </p:blipFill>
+        <p:spPr>
+          <a:xfrm>
+            <a:off x="6287702" y="0"/>
+            <a:ext cx="4286250" cy="6858000"/>
+          </a:xfrm>
+          <a:prstGeom prst="rect">
+            <a:avLst/>
+          </a:prstGeom>
+        </p:spPr>
+      </p:pic>
     </p:spTree>
     <p:extLst>
       <p:ext uri="{BB962C8B-B14F-4D97-AF65-F5344CB8AC3E}">
-        <p14:creationId xmlns:p14="http://schemas.microsoft.com/office/powerpoint/2010/main" val="63192303"/>
+        <p14:creationId xmlns:p14="http://schemas.microsoft.com/office/powerpoint/2010/main" val="1454959603"/>
       </p:ext>
     </p:extLst>
   </p:cSld>
@@ -3125,581 +3189,40 @@
           <a:chExt cx="0" cy="0"/>
         </a:xfrm>
       </p:grpSpPr>
-      <p:sp>
-        <p:nvSpPr>
-          <p:cNvPr id="4" name="Title 3"/>
-          <p:cNvSpPr>
-            <a:spLocks noGrp="1"/>
-          </p:cNvSpPr>
-          <p:nvPr>
-            <p:ph type="title"/>
-          </p:nvPr>
-        </p:nvSpPr>
-        <p:spPr/>
-        <p:txBody>
-          <a:bodyPr/>
-          <a:lstStyle/>
-          <a:p>
-            <a:r>
-              <a:rPr lang="en-US" dirty="0" smtClean="0"/>
-              <a:t>Option 3: Run38 (NEAMAP Spring/Fall?)</a:t>
-            </a:r>
-            <a:endParaRPr lang="en-US" dirty="0"/>
-          </a:p>
-        </p:txBody>
-      </p:sp>
-      <p:sp>
-        <p:nvSpPr>
-          <p:cNvPr id="5" name="Text Placeholder 4"/>
-          <p:cNvSpPr>
-            <a:spLocks noGrp="1"/>
-          </p:cNvSpPr>
-          <p:nvPr>
-            <p:ph type="body" idx="1"/>
-          </p:nvPr>
-        </p:nvSpPr>
-        <p:spPr/>
-        <p:txBody>
-          <a:bodyPr/>
-          <a:lstStyle/>
-          <a:p>
-            <a:r>
-              <a:rPr lang="en-US" dirty="0" smtClean="0"/>
-              <a:t>Run 34 Indices</a:t>
-            </a:r>
-            <a:endParaRPr lang="en-US" dirty="0"/>
-          </a:p>
-        </p:txBody>
-      </p:sp>
-      <p:sp>
-        <p:nvSpPr>
-          <p:cNvPr id="6" name="Content Placeholder 5"/>
-          <p:cNvSpPr>
-            <a:spLocks noGrp="1"/>
-          </p:cNvSpPr>
-          <p:nvPr>
-            <p:ph sz="half" idx="2"/>
-          </p:nvPr>
-        </p:nvSpPr>
-        <p:spPr/>
-        <p:txBody>
-          <a:bodyPr>
-            <a:normAutofit/>
-          </a:bodyPr>
-          <a:lstStyle/>
-          <a:p>
-            <a:r>
-              <a:rPr lang="en-US" dirty="0" smtClean="0"/>
-              <a:t>North VAST</a:t>
-            </a:r>
-          </a:p>
-          <a:p>
-            <a:pPr lvl="1"/>
-            <a:r>
-              <a:rPr lang="en-US" dirty="0" err="1" smtClean="0">
-                <a:solidFill>
-                  <a:schemeClr val="accent5">
-                    <a:lumMod val="75000"/>
-                  </a:schemeClr>
-                </a:solidFill>
-              </a:rPr>
-              <a:t>Sel</a:t>
-            </a:r>
-            <a:r>
-              <a:rPr lang="en-US" dirty="0">
-                <a:solidFill>
-                  <a:schemeClr val="accent5">
-                    <a:lumMod val="75000"/>
-                  </a:schemeClr>
-                </a:solidFill>
-              </a:rPr>
-              <a:t> </a:t>
-            </a:r>
-            <a:r>
-              <a:rPr lang="en-US" dirty="0" smtClean="0">
-                <a:solidFill>
-                  <a:schemeClr val="accent5">
-                    <a:lumMod val="75000"/>
-                  </a:schemeClr>
-                </a:solidFill>
-              </a:rPr>
-              <a:t>RE: 2dar1</a:t>
-            </a:r>
-          </a:p>
-          <a:p>
-            <a:pPr lvl="1"/>
-            <a:r>
-              <a:rPr lang="en-US" dirty="0" smtClean="0">
-                <a:solidFill>
-                  <a:schemeClr val="accent4">
-                    <a:lumMod val="75000"/>
-                  </a:schemeClr>
-                </a:solidFill>
-              </a:rPr>
-              <a:t>Age comp: </a:t>
-            </a:r>
-            <a:r>
-              <a:rPr lang="en-US" dirty="0" err="1" smtClean="0">
-                <a:solidFill>
-                  <a:schemeClr val="accent4">
-                    <a:lumMod val="75000"/>
-                  </a:schemeClr>
-                </a:solidFill>
-              </a:rPr>
-              <a:t>dir-mult</a:t>
-            </a:r>
-            <a:endParaRPr lang="en-US" dirty="0" smtClean="0">
-              <a:solidFill>
-                <a:schemeClr val="accent4">
-                  <a:lumMod val="75000"/>
-                </a:schemeClr>
-              </a:solidFill>
-            </a:endParaRPr>
-          </a:p>
-          <a:p>
-            <a:r>
-              <a:rPr lang="en-US" dirty="0" smtClean="0"/>
-              <a:t>South VAST</a:t>
-            </a:r>
-          </a:p>
-          <a:p>
-            <a:pPr lvl="1"/>
-            <a:r>
-              <a:rPr lang="en-US" dirty="0" err="1" smtClean="0">
-                <a:solidFill>
-                  <a:schemeClr val="accent5">
-                    <a:lumMod val="75000"/>
-                  </a:schemeClr>
-                </a:solidFill>
-              </a:rPr>
-              <a:t>Sel</a:t>
-            </a:r>
-            <a:r>
-              <a:rPr lang="en-US" dirty="0" smtClean="0">
-                <a:solidFill>
-                  <a:schemeClr val="accent5">
-                    <a:lumMod val="75000"/>
-                  </a:schemeClr>
-                </a:solidFill>
-              </a:rPr>
-              <a:t> RE: none</a:t>
-            </a:r>
-          </a:p>
-          <a:p>
-            <a:pPr lvl="1"/>
-            <a:r>
-              <a:rPr lang="en-US" dirty="0" smtClean="0">
-                <a:solidFill>
-                  <a:schemeClr val="accent4">
-                    <a:lumMod val="75000"/>
-                  </a:schemeClr>
-                </a:solidFill>
-              </a:rPr>
-              <a:t>Age comp: logistic-normal-ar1-miss0</a:t>
-            </a:r>
-          </a:p>
-        </p:txBody>
-      </p:sp>
-      <p:sp>
-        <p:nvSpPr>
-          <p:cNvPr id="7" name="Text Placeholder 6"/>
-          <p:cNvSpPr>
-            <a:spLocks noGrp="1"/>
-          </p:cNvSpPr>
-          <p:nvPr>
-            <p:ph type="body" sz="quarter" idx="3"/>
-          </p:nvPr>
-        </p:nvSpPr>
-        <p:spPr/>
-        <p:txBody>
-          <a:bodyPr/>
-          <a:lstStyle/>
-          <a:p>
-            <a:r>
-              <a:rPr lang="en-US" dirty="0" smtClean="0"/>
-              <a:t>Run 38 Indices</a:t>
-            </a:r>
-            <a:endParaRPr lang="en-US" dirty="0"/>
-          </a:p>
-        </p:txBody>
-      </p:sp>
-      <p:sp>
-        <p:nvSpPr>
-          <p:cNvPr id="8" name="Content Placeholder 7"/>
-          <p:cNvSpPr>
-            <a:spLocks noGrp="1"/>
-          </p:cNvSpPr>
-          <p:nvPr>
-            <p:ph sz="quarter" idx="4"/>
-          </p:nvPr>
-        </p:nvSpPr>
+      <p:pic>
+        <p:nvPicPr>
+          <p:cNvPr id="2" name="Picture 1"/>
+          <p:cNvPicPr>
+            <a:picLocks noChangeAspect="1"/>
+          </p:cNvPicPr>
+          <p:nvPr/>
+        </p:nvPicPr>
+        <p:blipFill>
+          <a:blip r:embed="rId2">
+            <a:extLst>
+              <a:ext uri="{28A0092B-C50C-407E-A947-70E740481C1C}">
+                <a14:useLocalDpi xmlns:a14="http://schemas.microsoft.com/office/drawing/2010/main" val="0"/>
+              </a:ext>
+            </a:extLst>
+          </a:blip>
+          <a:stretch>
+            <a:fillRect/>
+          </a:stretch>
+        </p:blipFill>
         <p:spPr>
           <a:xfrm>
-            <a:off x="6172200" y="2505075"/>
-            <a:ext cx="2728866" cy="3684588"/>
-          </a:xfrm>
-        </p:spPr>
-        <p:txBody>
-          <a:bodyPr>
-            <a:normAutofit/>
-          </a:bodyPr>
-          <a:lstStyle/>
-          <a:p>
-            <a:r>
-              <a:rPr lang="en-US" dirty="0" smtClean="0"/>
-              <a:t>North</a:t>
-            </a:r>
-          </a:p>
-          <a:p>
-            <a:pPr lvl="1"/>
-            <a:r>
-              <a:rPr lang="en-US" dirty="0" smtClean="0"/>
-              <a:t>Spring Albatross</a:t>
-            </a:r>
-          </a:p>
-          <a:p>
-            <a:pPr lvl="1"/>
-            <a:r>
-              <a:rPr lang="en-US" dirty="0" smtClean="0"/>
-              <a:t>NEAMAP</a:t>
-            </a:r>
-          </a:p>
-          <a:p>
-            <a:pPr lvl="1"/>
-            <a:r>
-              <a:rPr lang="en-US" dirty="0" smtClean="0"/>
-              <a:t>Bigelow</a:t>
-            </a:r>
-          </a:p>
-          <a:p>
-            <a:r>
-              <a:rPr lang="en-US" dirty="0" err="1" smtClean="0">
-                <a:solidFill>
-                  <a:schemeClr val="accent5">
-                    <a:lumMod val="75000"/>
-                  </a:schemeClr>
-                </a:solidFill>
-              </a:rPr>
-              <a:t>Sel</a:t>
-            </a:r>
-            <a:r>
-              <a:rPr lang="en-US" dirty="0" smtClean="0">
-                <a:solidFill>
-                  <a:schemeClr val="accent5">
-                    <a:lumMod val="75000"/>
-                  </a:schemeClr>
-                </a:solidFill>
-              </a:rPr>
-              <a:t> RE: </a:t>
-            </a:r>
-            <a:r>
-              <a:rPr lang="en-US" dirty="0" smtClean="0">
-                <a:solidFill>
-                  <a:schemeClr val="accent5">
-                    <a:lumMod val="75000"/>
-                  </a:schemeClr>
-                </a:solidFill>
-              </a:rPr>
-              <a:t>2dar1</a:t>
-            </a:r>
-            <a:endParaRPr lang="en-US" dirty="0" smtClean="0">
-              <a:solidFill>
-                <a:schemeClr val="accent5">
-                  <a:lumMod val="75000"/>
-                </a:schemeClr>
-              </a:solidFill>
-            </a:endParaRPr>
-          </a:p>
-          <a:p>
-            <a:r>
-              <a:rPr lang="en-US" dirty="0" smtClean="0">
-                <a:solidFill>
-                  <a:schemeClr val="accent4">
-                    <a:lumMod val="75000"/>
-                  </a:schemeClr>
-                </a:solidFill>
-              </a:rPr>
-              <a:t>Age comp: </a:t>
-            </a:r>
-            <a:r>
-              <a:rPr lang="en-US" dirty="0" err="1" smtClean="0">
-                <a:solidFill>
-                  <a:schemeClr val="accent4">
-                    <a:lumMod val="75000"/>
-                  </a:schemeClr>
-                </a:solidFill>
-              </a:rPr>
-              <a:t>dir-mult</a:t>
-            </a:r>
-            <a:endParaRPr lang="en-US" dirty="0" smtClean="0">
-              <a:solidFill>
-                <a:schemeClr val="accent4">
-                  <a:lumMod val="75000"/>
-                </a:schemeClr>
-              </a:solidFill>
-            </a:endParaRPr>
-          </a:p>
-        </p:txBody>
-      </p:sp>
-      <p:sp>
-        <p:nvSpPr>
-          <p:cNvPr id="10" name="Content Placeholder 7"/>
-          <p:cNvSpPr txBox="1">
-            <a:spLocks/>
-          </p:cNvSpPr>
-          <p:nvPr/>
-        </p:nvSpPr>
-        <p:spPr>
-          <a:xfrm>
-            <a:off x="9075691" y="2391863"/>
-            <a:ext cx="2728866" cy="4200527"/>
+            <a:off x="2667000" y="0"/>
+            <a:ext cx="6858000" cy="6858000"/>
           </a:xfrm>
           <a:prstGeom prst="rect">
             <a:avLst/>
           </a:prstGeom>
         </p:spPr>
-        <p:txBody>
-          <a:bodyPr vert="horz" lIns="91440" tIns="45720" rIns="91440" bIns="45720" rtlCol="0">
-            <a:normAutofit/>
-          </a:bodyPr>
-          <a:lstStyle>
-            <a:lvl1pPr marL="228600" indent="-228600" algn="l" defTabSz="914400" rtl="0" eaLnBrk="1" latinLnBrk="0" hangingPunct="1">
-              <a:lnSpc>
-                <a:spcPct val="90000"/>
-              </a:lnSpc>
-              <a:spcBef>
-                <a:spcPts val="1000"/>
-              </a:spcBef>
-              <a:buFont typeface="Arial" panose="020B0604020202020204" pitchFamily="34" charset="0"/>
-              <a:buChar char="•"/>
-              <a:defRPr sz="2800" kern="1200">
-                <a:solidFill>
-                  <a:schemeClr val="tx1"/>
-                </a:solidFill>
-                <a:latin typeface="+mn-lt"/>
-                <a:ea typeface="+mn-ea"/>
-                <a:cs typeface="+mn-cs"/>
-              </a:defRPr>
-            </a:lvl1pPr>
-            <a:lvl2pPr marL="685800" indent="-228600" algn="l" defTabSz="914400" rtl="0" eaLnBrk="1" latinLnBrk="0" hangingPunct="1">
-              <a:lnSpc>
-                <a:spcPct val="90000"/>
-              </a:lnSpc>
-              <a:spcBef>
-                <a:spcPts val="500"/>
-              </a:spcBef>
-              <a:buFont typeface="Arial" panose="020B0604020202020204" pitchFamily="34" charset="0"/>
-              <a:buChar char="•"/>
-              <a:defRPr sz="2400" kern="1200">
-                <a:solidFill>
-                  <a:schemeClr val="tx1"/>
-                </a:solidFill>
-                <a:latin typeface="+mn-lt"/>
-                <a:ea typeface="+mn-ea"/>
-                <a:cs typeface="+mn-cs"/>
-              </a:defRPr>
-            </a:lvl2pPr>
-            <a:lvl3pPr marL="1143000" indent="-228600" algn="l" defTabSz="914400" rtl="0" eaLnBrk="1" latinLnBrk="0" hangingPunct="1">
-              <a:lnSpc>
-                <a:spcPct val="90000"/>
-              </a:lnSpc>
-              <a:spcBef>
-                <a:spcPts val="500"/>
-              </a:spcBef>
-              <a:buFont typeface="Arial" panose="020B0604020202020204" pitchFamily="34" charset="0"/>
-              <a:buChar char="•"/>
-              <a:defRPr sz="2000" kern="1200">
-                <a:solidFill>
-                  <a:schemeClr val="tx1"/>
-                </a:solidFill>
-                <a:latin typeface="+mn-lt"/>
-                <a:ea typeface="+mn-ea"/>
-                <a:cs typeface="+mn-cs"/>
-              </a:defRPr>
-            </a:lvl3pPr>
-            <a:lvl4pPr marL="1600200" indent="-228600" algn="l" defTabSz="914400" rtl="0" eaLnBrk="1" latinLnBrk="0" hangingPunct="1">
-              <a:lnSpc>
-                <a:spcPct val="90000"/>
-              </a:lnSpc>
-              <a:spcBef>
-                <a:spcPts val="500"/>
-              </a:spcBef>
-              <a:buFont typeface="Arial" panose="020B0604020202020204" pitchFamily="34" charset="0"/>
-              <a:buChar char="•"/>
-              <a:defRPr sz="1800" kern="1200">
-                <a:solidFill>
-                  <a:schemeClr val="tx1"/>
-                </a:solidFill>
-                <a:latin typeface="+mn-lt"/>
-                <a:ea typeface="+mn-ea"/>
-                <a:cs typeface="+mn-cs"/>
-              </a:defRPr>
-            </a:lvl4pPr>
-            <a:lvl5pPr marL="2057400" indent="-228600" algn="l" defTabSz="914400" rtl="0" eaLnBrk="1" latinLnBrk="0" hangingPunct="1">
-              <a:lnSpc>
-                <a:spcPct val="90000"/>
-              </a:lnSpc>
-              <a:spcBef>
-                <a:spcPts val="500"/>
-              </a:spcBef>
-              <a:buFont typeface="Arial" panose="020B0604020202020204" pitchFamily="34" charset="0"/>
-              <a:buChar char="•"/>
-              <a:defRPr sz="1800" kern="1200">
-                <a:solidFill>
-                  <a:schemeClr val="tx1"/>
-                </a:solidFill>
-                <a:latin typeface="+mn-lt"/>
-                <a:ea typeface="+mn-ea"/>
-                <a:cs typeface="+mn-cs"/>
-              </a:defRPr>
-            </a:lvl5pPr>
-            <a:lvl6pPr marL="2514600" indent="-228600" algn="l" defTabSz="914400" rtl="0" eaLnBrk="1" latinLnBrk="0" hangingPunct="1">
-              <a:lnSpc>
-                <a:spcPct val="90000"/>
-              </a:lnSpc>
-              <a:spcBef>
-                <a:spcPts val="500"/>
-              </a:spcBef>
-              <a:buFont typeface="Arial" panose="020B0604020202020204" pitchFamily="34" charset="0"/>
-              <a:buChar char="•"/>
-              <a:defRPr sz="1800" kern="1200">
-                <a:solidFill>
-                  <a:schemeClr val="tx1"/>
-                </a:solidFill>
-                <a:latin typeface="+mn-lt"/>
-                <a:ea typeface="+mn-ea"/>
-                <a:cs typeface="+mn-cs"/>
-              </a:defRPr>
-            </a:lvl6pPr>
-            <a:lvl7pPr marL="2971800" indent="-228600" algn="l" defTabSz="914400" rtl="0" eaLnBrk="1" latinLnBrk="0" hangingPunct="1">
-              <a:lnSpc>
-                <a:spcPct val="90000"/>
-              </a:lnSpc>
-              <a:spcBef>
-                <a:spcPts val="500"/>
-              </a:spcBef>
-              <a:buFont typeface="Arial" panose="020B0604020202020204" pitchFamily="34" charset="0"/>
-              <a:buChar char="•"/>
-              <a:defRPr sz="1800" kern="1200">
-                <a:solidFill>
-                  <a:schemeClr val="tx1"/>
-                </a:solidFill>
-                <a:latin typeface="+mn-lt"/>
-                <a:ea typeface="+mn-ea"/>
-                <a:cs typeface="+mn-cs"/>
-              </a:defRPr>
-            </a:lvl7pPr>
-            <a:lvl8pPr marL="3429000" indent="-228600" algn="l" defTabSz="914400" rtl="0" eaLnBrk="1" latinLnBrk="0" hangingPunct="1">
-              <a:lnSpc>
-                <a:spcPct val="90000"/>
-              </a:lnSpc>
-              <a:spcBef>
-                <a:spcPts val="500"/>
-              </a:spcBef>
-              <a:buFont typeface="Arial" panose="020B0604020202020204" pitchFamily="34" charset="0"/>
-              <a:buChar char="•"/>
-              <a:defRPr sz="1800" kern="1200">
-                <a:solidFill>
-                  <a:schemeClr val="tx1"/>
-                </a:solidFill>
-                <a:latin typeface="+mn-lt"/>
-                <a:ea typeface="+mn-ea"/>
-                <a:cs typeface="+mn-cs"/>
-              </a:defRPr>
-            </a:lvl8pPr>
-            <a:lvl9pPr marL="3886200" indent="-228600" algn="l" defTabSz="914400" rtl="0" eaLnBrk="1" latinLnBrk="0" hangingPunct="1">
-              <a:lnSpc>
-                <a:spcPct val="90000"/>
-              </a:lnSpc>
-              <a:spcBef>
-                <a:spcPts val="500"/>
-              </a:spcBef>
-              <a:buFont typeface="Arial" panose="020B0604020202020204" pitchFamily="34" charset="0"/>
-              <a:buChar char="•"/>
-              <a:defRPr sz="1800" kern="1200">
-                <a:solidFill>
-                  <a:schemeClr val="tx1"/>
-                </a:solidFill>
-                <a:latin typeface="+mn-lt"/>
-                <a:ea typeface="+mn-ea"/>
-                <a:cs typeface="+mn-cs"/>
-              </a:defRPr>
-            </a:lvl9pPr>
-          </a:lstStyle>
-          <a:p>
-            <a:r>
-              <a:rPr lang="en-US" dirty="0" smtClean="0"/>
-              <a:t>South</a:t>
-            </a:r>
-          </a:p>
-          <a:p>
-            <a:pPr lvl="1"/>
-            <a:r>
-              <a:rPr lang="en-US" dirty="0" smtClean="0"/>
-              <a:t>Spring Albatross</a:t>
-            </a:r>
-          </a:p>
-          <a:p>
-            <a:pPr lvl="1"/>
-            <a:r>
-              <a:rPr lang="en-US" dirty="0" smtClean="0"/>
-              <a:t>NEAMAP</a:t>
-            </a:r>
-          </a:p>
-          <a:p>
-            <a:pPr lvl="1"/>
-            <a:r>
-              <a:rPr lang="en-US" dirty="0" smtClean="0"/>
-              <a:t>Winter BT</a:t>
-            </a:r>
-          </a:p>
-          <a:p>
-            <a:pPr lvl="1"/>
-            <a:r>
-              <a:rPr lang="en-US" dirty="0" smtClean="0"/>
-              <a:t>Bigelow</a:t>
-            </a:r>
-          </a:p>
-          <a:p>
-            <a:r>
-              <a:rPr lang="en-US" dirty="0" err="1" smtClean="0">
-                <a:solidFill>
-                  <a:schemeClr val="accent5">
-                    <a:lumMod val="75000"/>
-                  </a:schemeClr>
-                </a:solidFill>
-              </a:rPr>
-              <a:t>Sel</a:t>
-            </a:r>
-            <a:r>
-              <a:rPr lang="en-US" dirty="0" smtClean="0">
-                <a:solidFill>
-                  <a:schemeClr val="accent5">
-                    <a:lumMod val="75000"/>
-                  </a:schemeClr>
-                </a:solidFill>
-              </a:rPr>
-              <a:t> RE: none</a:t>
-            </a:r>
-          </a:p>
-          <a:p>
-            <a:r>
-              <a:rPr lang="en-US" dirty="0" smtClean="0">
-                <a:solidFill>
-                  <a:schemeClr val="accent4">
-                    <a:lumMod val="75000"/>
-                  </a:schemeClr>
-                </a:solidFill>
-              </a:rPr>
-              <a:t>Age comp: logistic-normal-ar1-miss0</a:t>
-            </a:r>
-          </a:p>
-        </p:txBody>
-      </p:sp>
+      </p:pic>
     </p:spTree>
     <p:extLst>
       <p:ext uri="{BB962C8B-B14F-4D97-AF65-F5344CB8AC3E}">
-        <p14:creationId xmlns:p14="http://schemas.microsoft.com/office/powerpoint/2010/main" val="1679956051"/>
+        <p14:creationId xmlns:p14="http://schemas.microsoft.com/office/powerpoint/2010/main" val="3065857741"/>
       </p:ext>
     </p:extLst>
   </p:cSld>
@@ -3726,76 +3249,40 @@
           <a:chExt cx="0" cy="0"/>
         </a:xfrm>
       </p:grpSpPr>
-      <p:sp>
-        <p:nvSpPr>
-          <p:cNvPr id="2" name="Title 1"/>
-          <p:cNvSpPr>
-            <a:spLocks noGrp="1"/>
-          </p:cNvSpPr>
-          <p:nvPr>
-            <p:ph type="title"/>
-          </p:nvPr>
-        </p:nvSpPr>
-        <p:spPr/>
-        <p:txBody>
-          <a:bodyPr/>
-          <a:lstStyle/>
-          <a:p>
-            <a:r>
-              <a:rPr lang="en-US" dirty="0" smtClean="0"/>
-              <a:t>Options for Sensitivity Item 2</a:t>
-            </a:r>
-            <a:endParaRPr lang="en-US" dirty="0"/>
-          </a:p>
-        </p:txBody>
-      </p:sp>
-      <p:sp>
-        <p:nvSpPr>
-          <p:cNvPr id="3" name="Content Placeholder 2"/>
-          <p:cNvSpPr>
-            <a:spLocks noGrp="1"/>
-          </p:cNvSpPr>
-          <p:nvPr>
-            <p:ph idx="1"/>
-          </p:nvPr>
-        </p:nvSpPr>
-        <p:spPr/>
-        <p:txBody>
-          <a:bodyPr/>
-          <a:lstStyle/>
-          <a:p>
-            <a:pPr marL="514350" indent="-514350">
-              <a:buFont typeface="+mj-lt"/>
-              <a:buAutoNum type="arabicPeriod"/>
-            </a:pPr>
-            <a:r>
-              <a:rPr lang="en-US" dirty="0" smtClean="0"/>
-              <a:t>Look at the estimated initial F and the confidence interval. Pick the 25</a:t>
-            </a:r>
-            <a:r>
-              <a:rPr lang="en-US" baseline="30000" dirty="0" smtClean="0"/>
-              <a:t>th</a:t>
-            </a:r>
-            <a:r>
-              <a:rPr lang="en-US" dirty="0" smtClean="0"/>
-              <a:t> and 75</a:t>
-            </a:r>
-            <a:r>
-              <a:rPr lang="en-US" baseline="30000" dirty="0" smtClean="0"/>
-              <a:t>th</a:t>
-            </a:r>
-            <a:r>
-              <a:rPr lang="en-US" dirty="0" smtClean="0"/>
-              <a:t> value of the distribution and fix them at those values in estimation model</a:t>
-            </a:r>
-            <a:endParaRPr lang="en-US" strike="sngStrike" dirty="0"/>
-          </a:p>
-        </p:txBody>
-      </p:sp>
+      <p:pic>
+        <p:nvPicPr>
+          <p:cNvPr id="2" name="Picture 1"/>
+          <p:cNvPicPr>
+            <a:picLocks noChangeAspect="1"/>
+          </p:cNvPicPr>
+          <p:nvPr/>
+        </p:nvPicPr>
+        <p:blipFill>
+          <a:blip r:embed="rId2">
+            <a:extLst>
+              <a:ext uri="{28A0092B-C50C-407E-A947-70E740481C1C}">
+                <a14:useLocalDpi xmlns:a14="http://schemas.microsoft.com/office/drawing/2010/main" val="0"/>
+              </a:ext>
+            </a:extLst>
+          </a:blip>
+          <a:stretch>
+            <a:fillRect/>
+          </a:stretch>
+        </p:blipFill>
+        <p:spPr>
+          <a:xfrm>
+            <a:off x="2667000" y="0"/>
+            <a:ext cx="6858000" cy="6858000"/>
+          </a:xfrm>
+          <a:prstGeom prst="rect">
+            <a:avLst/>
+          </a:prstGeom>
+        </p:spPr>
+      </p:pic>
     </p:spTree>
     <p:extLst>
       <p:ext uri="{BB962C8B-B14F-4D97-AF65-F5344CB8AC3E}">
-        <p14:creationId xmlns:p14="http://schemas.microsoft.com/office/powerpoint/2010/main" val="399200767"/>
+        <p14:creationId xmlns:p14="http://schemas.microsoft.com/office/powerpoint/2010/main" val="2137892858"/>
       </p:ext>
     </p:extLst>
   </p:cSld>
@@ -3822,947 +3309,40 @@
           <a:chExt cx="0" cy="0"/>
         </a:xfrm>
       </p:grpSpPr>
-      <p:sp>
-        <p:nvSpPr>
-          <p:cNvPr id="4" name="Title 3"/>
-          <p:cNvSpPr>
-            <a:spLocks noGrp="1"/>
-          </p:cNvSpPr>
-          <p:nvPr>
-            <p:ph type="title"/>
-          </p:nvPr>
-        </p:nvSpPr>
-        <p:spPr/>
-        <p:txBody>
-          <a:bodyPr/>
-          <a:lstStyle/>
-          <a:p>
-            <a:r>
-              <a:rPr lang="en-US" dirty="0" smtClean="0"/>
-              <a:t>Run 39</a:t>
-            </a:r>
-            <a:endParaRPr lang="en-US" dirty="0"/>
-          </a:p>
-        </p:txBody>
-      </p:sp>
-      <p:sp>
-        <p:nvSpPr>
-          <p:cNvPr id="5" name="Text Placeholder 4"/>
-          <p:cNvSpPr>
-            <a:spLocks noGrp="1"/>
-          </p:cNvSpPr>
-          <p:nvPr>
-            <p:ph type="body" idx="1"/>
-          </p:nvPr>
-        </p:nvSpPr>
-        <p:spPr/>
-        <p:txBody>
-          <a:bodyPr/>
-          <a:lstStyle/>
-          <a:p>
-            <a:r>
-              <a:rPr lang="en-US" dirty="0" smtClean="0"/>
-              <a:t>Run </a:t>
-            </a:r>
-            <a:r>
-              <a:rPr lang="en-US" dirty="0" smtClean="0"/>
-              <a:t>34</a:t>
-            </a:r>
-            <a:endParaRPr lang="en-US" dirty="0"/>
-          </a:p>
-        </p:txBody>
-      </p:sp>
-      <p:sp>
-        <p:nvSpPr>
-          <p:cNvPr id="6" name="Content Placeholder 5"/>
-          <p:cNvSpPr>
-            <a:spLocks noGrp="1"/>
-          </p:cNvSpPr>
-          <p:nvPr>
-            <p:ph sz="half" idx="2"/>
-          </p:nvPr>
-        </p:nvSpPr>
-        <p:spPr/>
-        <p:txBody>
-          <a:bodyPr>
-            <a:normAutofit/>
-          </a:bodyPr>
-          <a:lstStyle/>
-          <a:p>
-            <a:r>
-              <a:rPr lang="en-US" dirty="0" smtClean="0"/>
-              <a:t>Initial F estimated at XXX</a:t>
-            </a:r>
-            <a:endParaRPr lang="en-US" dirty="0" smtClean="0">
-              <a:solidFill>
-                <a:schemeClr val="accent4">
-                  <a:lumMod val="75000"/>
-                </a:schemeClr>
-              </a:solidFill>
-            </a:endParaRPr>
-          </a:p>
-        </p:txBody>
-      </p:sp>
-      <p:sp>
-        <p:nvSpPr>
-          <p:cNvPr id="7" name="Text Placeholder 6"/>
-          <p:cNvSpPr>
-            <a:spLocks noGrp="1"/>
-          </p:cNvSpPr>
-          <p:nvPr>
-            <p:ph type="body" sz="quarter" idx="3"/>
-          </p:nvPr>
-        </p:nvSpPr>
+      <p:pic>
+        <p:nvPicPr>
+          <p:cNvPr id="2" name="Picture 1"/>
+          <p:cNvPicPr>
+            <a:picLocks noChangeAspect="1"/>
+          </p:cNvPicPr>
+          <p:nvPr/>
+        </p:nvPicPr>
+        <p:blipFill>
+          <a:blip r:embed="rId2">
+            <a:extLst>
+              <a:ext uri="{28A0092B-C50C-407E-A947-70E740481C1C}">
+                <a14:useLocalDpi xmlns:a14="http://schemas.microsoft.com/office/drawing/2010/main" val="0"/>
+              </a:ext>
+            </a:extLst>
+          </a:blip>
+          <a:stretch>
+            <a:fillRect/>
+          </a:stretch>
+        </p:blipFill>
         <p:spPr>
           <a:xfrm>
-            <a:off x="6172200" y="2053525"/>
-            <a:ext cx="1390973" cy="451550"/>
-          </a:xfrm>
-        </p:spPr>
-        <p:txBody>
-          <a:bodyPr/>
-          <a:lstStyle/>
-          <a:p>
-            <a:r>
-              <a:rPr lang="en-US" dirty="0" smtClean="0"/>
-              <a:t>Run </a:t>
-            </a:r>
-            <a:r>
-              <a:rPr lang="en-US" dirty="0" smtClean="0"/>
-              <a:t>39</a:t>
-            </a:r>
-            <a:endParaRPr lang="en-US" dirty="0"/>
-          </a:p>
-        </p:txBody>
-      </p:sp>
-      <p:sp>
-        <p:nvSpPr>
-          <p:cNvPr id="8" name="Content Placeholder 7"/>
-          <p:cNvSpPr>
-            <a:spLocks noGrp="1"/>
-          </p:cNvSpPr>
-          <p:nvPr>
-            <p:ph sz="quarter" idx="4"/>
-          </p:nvPr>
-        </p:nvSpPr>
-        <p:spPr>
-          <a:xfrm>
-            <a:off x="6172200" y="2505075"/>
-            <a:ext cx="2728866" cy="501651"/>
-          </a:xfrm>
-        </p:spPr>
-        <p:txBody>
-          <a:bodyPr>
-            <a:normAutofit/>
-          </a:bodyPr>
-          <a:lstStyle/>
-          <a:p>
-            <a:r>
-              <a:rPr lang="en-US" dirty="0" smtClean="0"/>
-              <a:t>F fixed at XXX</a:t>
-            </a:r>
-            <a:endParaRPr lang="en-US" dirty="0" smtClean="0">
-              <a:solidFill>
-                <a:schemeClr val="accent4">
-                  <a:lumMod val="75000"/>
-                </a:schemeClr>
-              </a:solidFill>
-            </a:endParaRPr>
-          </a:p>
-        </p:txBody>
-      </p:sp>
-      <p:sp>
-        <p:nvSpPr>
-          <p:cNvPr id="9" name="Text Placeholder 6"/>
-          <p:cNvSpPr txBox="1">
-            <a:spLocks/>
-          </p:cNvSpPr>
-          <p:nvPr/>
-        </p:nvSpPr>
-        <p:spPr>
-          <a:xfrm>
-            <a:off x="6172200" y="3319462"/>
-            <a:ext cx="1390973" cy="451550"/>
+            <a:off x="2667000" y="0"/>
+            <a:ext cx="6858000" cy="6858000"/>
           </a:xfrm>
           <a:prstGeom prst="rect">
             <a:avLst/>
           </a:prstGeom>
         </p:spPr>
-        <p:txBody>
-          <a:bodyPr vert="horz" lIns="91440" tIns="45720" rIns="91440" bIns="45720" rtlCol="0" anchor="b">
-            <a:normAutofit/>
-          </a:bodyPr>
-          <a:lstStyle>
-            <a:lvl1pPr marL="0" indent="0" algn="l" defTabSz="914400" rtl="0" eaLnBrk="1" latinLnBrk="0" hangingPunct="1">
-              <a:lnSpc>
-                <a:spcPct val="90000"/>
-              </a:lnSpc>
-              <a:spcBef>
-                <a:spcPts val="1000"/>
-              </a:spcBef>
-              <a:buFont typeface="Arial" panose="020B0604020202020204" pitchFamily="34" charset="0"/>
-              <a:buNone/>
-              <a:defRPr sz="2400" b="1" kern="1200">
-                <a:solidFill>
-                  <a:schemeClr val="tx1"/>
-                </a:solidFill>
-                <a:latin typeface="+mn-lt"/>
-                <a:ea typeface="+mn-ea"/>
-                <a:cs typeface="+mn-cs"/>
-              </a:defRPr>
-            </a:lvl1pPr>
-            <a:lvl2pPr marL="457200" indent="0" algn="l" defTabSz="914400" rtl="0" eaLnBrk="1" latinLnBrk="0" hangingPunct="1">
-              <a:lnSpc>
-                <a:spcPct val="90000"/>
-              </a:lnSpc>
-              <a:spcBef>
-                <a:spcPts val="500"/>
-              </a:spcBef>
-              <a:buFont typeface="Arial" panose="020B0604020202020204" pitchFamily="34" charset="0"/>
-              <a:buNone/>
-              <a:defRPr sz="2000" b="1" kern="1200">
-                <a:solidFill>
-                  <a:schemeClr val="tx1"/>
-                </a:solidFill>
-                <a:latin typeface="+mn-lt"/>
-                <a:ea typeface="+mn-ea"/>
-                <a:cs typeface="+mn-cs"/>
-              </a:defRPr>
-            </a:lvl2pPr>
-            <a:lvl3pPr marL="914400" indent="0" algn="l" defTabSz="914400" rtl="0" eaLnBrk="1" latinLnBrk="0" hangingPunct="1">
-              <a:lnSpc>
-                <a:spcPct val="90000"/>
-              </a:lnSpc>
-              <a:spcBef>
-                <a:spcPts val="500"/>
-              </a:spcBef>
-              <a:buFont typeface="Arial" panose="020B0604020202020204" pitchFamily="34" charset="0"/>
-              <a:buNone/>
-              <a:defRPr sz="1800" b="1" kern="1200">
-                <a:solidFill>
-                  <a:schemeClr val="tx1"/>
-                </a:solidFill>
-                <a:latin typeface="+mn-lt"/>
-                <a:ea typeface="+mn-ea"/>
-                <a:cs typeface="+mn-cs"/>
-              </a:defRPr>
-            </a:lvl3pPr>
-            <a:lvl4pPr marL="1371600" indent="0" algn="l" defTabSz="914400" rtl="0" eaLnBrk="1" latinLnBrk="0" hangingPunct="1">
-              <a:lnSpc>
-                <a:spcPct val="90000"/>
-              </a:lnSpc>
-              <a:spcBef>
-                <a:spcPts val="500"/>
-              </a:spcBef>
-              <a:buFont typeface="Arial" panose="020B0604020202020204" pitchFamily="34" charset="0"/>
-              <a:buNone/>
-              <a:defRPr sz="1600" b="1" kern="1200">
-                <a:solidFill>
-                  <a:schemeClr val="tx1"/>
-                </a:solidFill>
-                <a:latin typeface="+mn-lt"/>
-                <a:ea typeface="+mn-ea"/>
-                <a:cs typeface="+mn-cs"/>
-              </a:defRPr>
-            </a:lvl4pPr>
-            <a:lvl5pPr marL="1828800" indent="0" algn="l" defTabSz="914400" rtl="0" eaLnBrk="1" latinLnBrk="0" hangingPunct="1">
-              <a:lnSpc>
-                <a:spcPct val="90000"/>
-              </a:lnSpc>
-              <a:spcBef>
-                <a:spcPts val="500"/>
-              </a:spcBef>
-              <a:buFont typeface="Arial" panose="020B0604020202020204" pitchFamily="34" charset="0"/>
-              <a:buNone/>
-              <a:defRPr sz="1600" b="1" kern="1200">
-                <a:solidFill>
-                  <a:schemeClr val="tx1"/>
-                </a:solidFill>
-                <a:latin typeface="+mn-lt"/>
-                <a:ea typeface="+mn-ea"/>
-                <a:cs typeface="+mn-cs"/>
-              </a:defRPr>
-            </a:lvl5pPr>
-            <a:lvl6pPr marL="2286000" indent="0" algn="l" defTabSz="914400" rtl="0" eaLnBrk="1" latinLnBrk="0" hangingPunct="1">
-              <a:lnSpc>
-                <a:spcPct val="90000"/>
-              </a:lnSpc>
-              <a:spcBef>
-                <a:spcPts val="500"/>
-              </a:spcBef>
-              <a:buFont typeface="Arial" panose="020B0604020202020204" pitchFamily="34" charset="0"/>
-              <a:buNone/>
-              <a:defRPr sz="1600" b="1" kern="1200">
-                <a:solidFill>
-                  <a:schemeClr val="tx1"/>
-                </a:solidFill>
-                <a:latin typeface="+mn-lt"/>
-                <a:ea typeface="+mn-ea"/>
-                <a:cs typeface="+mn-cs"/>
-              </a:defRPr>
-            </a:lvl6pPr>
-            <a:lvl7pPr marL="2743200" indent="0" algn="l" defTabSz="914400" rtl="0" eaLnBrk="1" latinLnBrk="0" hangingPunct="1">
-              <a:lnSpc>
-                <a:spcPct val="90000"/>
-              </a:lnSpc>
-              <a:spcBef>
-                <a:spcPts val="500"/>
-              </a:spcBef>
-              <a:buFont typeface="Arial" panose="020B0604020202020204" pitchFamily="34" charset="0"/>
-              <a:buNone/>
-              <a:defRPr sz="1600" b="1" kern="1200">
-                <a:solidFill>
-                  <a:schemeClr val="tx1"/>
-                </a:solidFill>
-                <a:latin typeface="+mn-lt"/>
-                <a:ea typeface="+mn-ea"/>
-                <a:cs typeface="+mn-cs"/>
-              </a:defRPr>
-            </a:lvl7pPr>
-            <a:lvl8pPr marL="3200400" indent="0" algn="l" defTabSz="914400" rtl="0" eaLnBrk="1" latinLnBrk="0" hangingPunct="1">
-              <a:lnSpc>
-                <a:spcPct val="90000"/>
-              </a:lnSpc>
-              <a:spcBef>
-                <a:spcPts val="500"/>
-              </a:spcBef>
-              <a:buFont typeface="Arial" panose="020B0604020202020204" pitchFamily="34" charset="0"/>
-              <a:buNone/>
-              <a:defRPr sz="1600" b="1" kern="1200">
-                <a:solidFill>
-                  <a:schemeClr val="tx1"/>
-                </a:solidFill>
-                <a:latin typeface="+mn-lt"/>
-                <a:ea typeface="+mn-ea"/>
-                <a:cs typeface="+mn-cs"/>
-              </a:defRPr>
-            </a:lvl8pPr>
-            <a:lvl9pPr marL="3657600" indent="0" algn="l" defTabSz="914400" rtl="0" eaLnBrk="1" latinLnBrk="0" hangingPunct="1">
-              <a:lnSpc>
-                <a:spcPct val="90000"/>
-              </a:lnSpc>
-              <a:spcBef>
-                <a:spcPts val="500"/>
-              </a:spcBef>
-              <a:buFont typeface="Arial" panose="020B0604020202020204" pitchFamily="34" charset="0"/>
-              <a:buNone/>
-              <a:defRPr sz="1600" b="1" kern="1200">
-                <a:solidFill>
-                  <a:schemeClr val="tx1"/>
-                </a:solidFill>
-                <a:latin typeface="+mn-lt"/>
-                <a:ea typeface="+mn-ea"/>
-                <a:cs typeface="+mn-cs"/>
-              </a:defRPr>
-            </a:lvl9pPr>
-          </a:lstStyle>
-          <a:p>
-            <a:r>
-              <a:rPr lang="en-US" dirty="0" smtClean="0"/>
-              <a:t>Run 40</a:t>
-            </a:r>
-            <a:endParaRPr lang="en-US" dirty="0"/>
-          </a:p>
-        </p:txBody>
-      </p:sp>
-      <p:sp>
-        <p:nvSpPr>
-          <p:cNvPr id="11" name="Content Placeholder 7"/>
-          <p:cNvSpPr txBox="1">
-            <a:spLocks/>
-          </p:cNvSpPr>
-          <p:nvPr/>
-        </p:nvSpPr>
-        <p:spPr>
-          <a:xfrm>
-            <a:off x="6172199" y="3771012"/>
-            <a:ext cx="3490993" cy="501651"/>
-          </a:xfrm>
-          <a:prstGeom prst="rect">
-            <a:avLst/>
-          </a:prstGeom>
-        </p:spPr>
-        <p:txBody>
-          <a:bodyPr vert="horz" lIns="91440" tIns="45720" rIns="91440" bIns="45720" rtlCol="0">
-            <a:normAutofit fontScale="92500"/>
-          </a:bodyPr>
-          <a:lstStyle>
-            <a:lvl1pPr marL="228600" indent="-228600" algn="l" defTabSz="914400" rtl="0" eaLnBrk="1" latinLnBrk="0" hangingPunct="1">
-              <a:lnSpc>
-                <a:spcPct val="90000"/>
-              </a:lnSpc>
-              <a:spcBef>
-                <a:spcPts val="1000"/>
-              </a:spcBef>
-              <a:buFont typeface="Arial" panose="020B0604020202020204" pitchFamily="34" charset="0"/>
-              <a:buChar char="•"/>
-              <a:defRPr sz="2800" kern="1200">
-                <a:solidFill>
-                  <a:schemeClr val="tx1"/>
-                </a:solidFill>
-                <a:latin typeface="+mn-lt"/>
-                <a:ea typeface="+mn-ea"/>
-                <a:cs typeface="+mn-cs"/>
-              </a:defRPr>
-            </a:lvl1pPr>
-            <a:lvl2pPr marL="685800" indent="-228600" algn="l" defTabSz="914400" rtl="0" eaLnBrk="1" latinLnBrk="0" hangingPunct="1">
-              <a:lnSpc>
-                <a:spcPct val="90000"/>
-              </a:lnSpc>
-              <a:spcBef>
-                <a:spcPts val="500"/>
-              </a:spcBef>
-              <a:buFont typeface="Arial" panose="020B0604020202020204" pitchFamily="34" charset="0"/>
-              <a:buChar char="•"/>
-              <a:defRPr sz="2400" kern="1200">
-                <a:solidFill>
-                  <a:schemeClr val="tx1"/>
-                </a:solidFill>
-                <a:latin typeface="+mn-lt"/>
-                <a:ea typeface="+mn-ea"/>
-                <a:cs typeface="+mn-cs"/>
-              </a:defRPr>
-            </a:lvl2pPr>
-            <a:lvl3pPr marL="1143000" indent="-228600" algn="l" defTabSz="914400" rtl="0" eaLnBrk="1" latinLnBrk="0" hangingPunct="1">
-              <a:lnSpc>
-                <a:spcPct val="90000"/>
-              </a:lnSpc>
-              <a:spcBef>
-                <a:spcPts val="500"/>
-              </a:spcBef>
-              <a:buFont typeface="Arial" panose="020B0604020202020204" pitchFamily="34" charset="0"/>
-              <a:buChar char="•"/>
-              <a:defRPr sz="2000" kern="1200">
-                <a:solidFill>
-                  <a:schemeClr val="tx1"/>
-                </a:solidFill>
-                <a:latin typeface="+mn-lt"/>
-                <a:ea typeface="+mn-ea"/>
-                <a:cs typeface="+mn-cs"/>
-              </a:defRPr>
-            </a:lvl3pPr>
-            <a:lvl4pPr marL="1600200" indent="-228600" algn="l" defTabSz="914400" rtl="0" eaLnBrk="1" latinLnBrk="0" hangingPunct="1">
-              <a:lnSpc>
-                <a:spcPct val="90000"/>
-              </a:lnSpc>
-              <a:spcBef>
-                <a:spcPts val="500"/>
-              </a:spcBef>
-              <a:buFont typeface="Arial" panose="020B0604020202020204" pitchFamily="34" charset="0"/>
-              <a:buChar char="•"/>
-              <a:defRPr sz="1800" kern="1200">
-                <a:solidFill>
-                  <a:schemeClr val="tx1"/>
-                </a:solidFill>
-                <a:latin typeface="+mn-lt"/>
-                <a:ea typeface="+mn-ea"/>
-                <a:cs typeface="+mn-cs"/>
-              </a:defRPr>
-            </a:lvl4pPr>
-            <a:lvl5pPr marL="2057400" indent="-228600" algn="l" defTabSz="914400" rtl="0" eaLnBrk="1" latinLnBrk="0" hangingPunct="1">
-              <a:lnSpc>
-                <a:spcPct val="90000"/>
-              </a:lnSpc>
-              <a:spcBef>
-                <a:spcPts val="500"/>
-              </a:spcBef>
-              <a:buFont typeface="Arial" panose="020B0604020202020204" pitchFamily="34" charset="0"/>
-              <a:buChar char="•"/>
-              <a:defRPr sz="1800" kern="1200">
-                <a:solidFill>
-                  <a:schemeClr val="tx1"/>
-                </a:solidFill>
-                <a:latin typeface="+mn-lt"/>
-                <a:ea typeface="+mn-ea"/>
-                <a:cs typeface="+mn-cs"/>
-              </a:defRPr>
-            </a:lvl5pPr>
-            <a:lvl6pPr marL="2514600" indent="-228600" algn="l" defTabSz="914400" rtl="0" eaLnBrk="1" latinLnBrk="0" hangingPunct="1">
-              <a:lnSpc>
-                <a:spcPct val="90000"/>
-              </a:lnSpc>
-              <a:spcBef>
-                <a:spcPts val="500"/>
-              </a:spcBef>
-              <a:buFont typeface="Arial" panose="020B0604020202020204" pitchFamily="34" charset="0"/>
-              <a:buChar char="•"/>
-              <a:defRPr sz="1800" kern="1200">
-                <a:solidFill>
-                  <a:schemeClr val="tx1"/>
-                </a:solidFill>
-                <a:latin typeface="+mn-lt"/>
-                <a:ea typeface="+mn-ea"/>
-                <a:cs typeface="+mn-cs"/>
-              </a:defRPr>
-            </a:lvl6pPr>
-            <a:lvl7pPr marL="2971800" indent="-228600" algn="l" defTabSz="914400" rtl="0" eaLnBrk="1" latinLnBrk="0" hangingPunct="1">
-              <a:lnSpc>
-                <a:spcPct val="90000"/>
-              </a:lnSpc>
-              <a:spcBef>
-                <a:spcPts val="500"/>
-              </a:spcBef>
-              <a:buFont typeface="Arial" panose="020B0604020202020204" pitchFamily="34" charset="0"/>
-              <a:buChar char="•"/>
-              <a:defRPr sz="1800" kern="1200">
-                <a:solidFill>
-                  <a:schemeClr val="tx1"/>
-                </a:solidFill>
-                <a:latin typeface="+mn-lt"/>
-                <a:ea typeface="+mn-ea"/>
-                <a:cs typeface="+mn-cs"/>
-              </a:defRPr>
-            </a:lvl7pPr>
-            <a:lvl8pPr marL="3429000" indent="-228600" algn="l" defTabSz="914400" rtl="0" eaLnBrk="1" latinLnBrk="0" hangingPunct="1">
-              <a:lnSpc>
-                <a:spcPct val="90000"/>
-              </a:lnSpc>
-              <a:spcBef>
-                <a:spcPts val="500"/>
-              </a:spcBef>
-              <a:buFont typeface="Arial" panose="020B0604020202020204" pitchFamily="34" charset="0"/>
-              <a:buChar char="•"/>
-              <a:defRPr sz="1800" kern="1200">
-                <a:solidFill>
-                  <a:schemeClr val="tx1"/>
-                </a:solidFill>
-                <a:latin typeface="+mn-lt"/>
-                <a:ea typeface="+mn-ea"/>
-                <a:cs typeface="+mn-cs"/>
-              </a:defRPr>
-            </a:lvl8pPr>
-            <a:lvl9pPr marL="3886200" indent="-228600" algn="l" defTabSz="914400" rtl="0" eaLnBrk="1" latinLnBrk="0" hangingPunct="1">
-              <a:lnSpc>
-                <a:spcPct val="90000"/>
-              </a:lnSpc>
-              <a:spcBef>
-                <a:spcPts val="500"/>
-              </a:spcBef>
-              <a:buFont typeface="Arial" panose="020B0604020202020204" pitchFamily="34" charset="0"/>
-              <a:buChar char="•"/>
-              <a:defRPr sz="1800" kern="1200">
-                <a:solidFill>
-                  <a:schemeClr val="tx1"/>
-                </a:solidFill>
-                <a:latin typeface="+mn-lt"/>
-                <a:ea typeface="+mn-ea"/>
-                <a:cs typeface="+mn-cs"/>
-              </a:defRPr>
-            </a:lvl9pPr>
-          </a:lstStyle>
-          <a:p>
-            <a:r>
-              <a:rPr lang="en-US" dirty="0" smtClean="0"/>
-              <a:t>F fixed at 25% CI Value</a:t>
-            </a:r>
-            <a:endParaRPr lang="en-US" dirty="0" smtClean="0">
-              <a:solidFill>
-                <a:schemeClr val="accent4">
-                  <a:lumMod val="75000"/>
-                </a:schemeClr>
-              </a:solidFill>
-            </a:endParaRPr>
-          </a:p>
-        </p:txBody>
-      </p:sp>
-      <p:sp>
-        <p:nvSpPr>
-          <p:cNvPr id="16" name="Text Placeholder 6"/>
-          <p:cNvSpPr txBox="1">
-            <a:spLocks/>
-          </p:cNvSpPr>
-          <p:nvPr/>
-        </p:nvSpPr>
-        <p:spPr>
-          <a:xfrm>
-            <a:off x="6172200" y="4585399"/>
-            <a:ext cx="1390973" cy="451550"/>
-          </a:xfrm>
-          <a:prstGeom prst="rect">
-            <a:avLst/>
-          </a:prstGeom>
-        </p:spPr>
-        <p:txBody>
-          <a:bodyPr vert="horz" lIns="91440" tIns="45720" rIns="91440" bIns="45720" rtlCol="0" anchor="b">
-            <a:normAutofit/>
-          </a:bodyPr>
-          <a:lstStyle>
-            <a:lvl1pPr marL="0" indent="0" algn="l" defTabSz="914400" rtl="0" eaLnBrk="1" latinLnBrk="0" hangingPunct="1">
-              <a:lnSpc>
-                <a:spcPct val="90000"/>
-              </a:lnSpc>
-              <a:spcBef>
-                <a:spcPts val="1000"/>
-              </a:spcBef>
-              <a:buFont typeface="Arial" panose="020B0604020202020204" pitchFamily="34" charset="0"/>
-              <a:buNone/>
-              <a:defRPr sz="2400" b="1" kern="1200">
-                <a:solidFill>
-                  <a:schemeClr val="tx1"/>
-                </a:solidFill>
-                <a:latin typeface="+mn-lt"/>
-                <a:ea typeface="+mn-ea"/>
-                <a:cs typeface="+mn-cs"/>
-              </a:defRPr>
-            </a:lvl1pPr>
-            <a:lvl2pPr marL="457200" indent="0" algn="l" defTabSz="914400" rtl="0" eaLnBrk="1" latinLnBrk="0" hangingPunct="1">
-              <a:lnSpc>
-                <a:spcPct val="90000"/>
-              </a:lnSpc>
-              <a:spcBef>
-                <a:spcPts val="500"/>
-              </a:spcBef>
-              <a:buFont typeface="Arial" panose="020B0604020202020204" pitchFamily="34" charset="0"/>
-              <a:buNone/>
-              <a:defRPr sz="2000" b="1" kern="1200">
-                <a:solidFill>
-                  <a:schemeClr val="tx1"/>
-                </a:solidFill>
-                <a:latin typeface="+mn-lt"/>
-                <a:ea typeface="+mn-ea"/>
-                <a:cs typeface="+mn-cs"/>
-              </a:defRPr>
-            </a:lvl2pPr>
-            <a:lvl3pPr marL="914400" indent="0" algn="l" defTabSz="914400" rtl="0" eaLnBrk="1" latinLnBrk="0" hangingPunct="1">
-              <a:lnSpc>
-                <a:spcPct val="90000"/>
-              </a:lnSpc>
-              <a:spcBef>
-                <a:spcPts val="500"/>
-              </a:spcBef>
-              <a:buFont typeface="Arial" panose="020B0604020202020204" pitchFamily="34" charset="0"/>
-              <a:buNone/>
-              <a:defRPr sz="1800" b="1" kern="1200">
-                <a:solidFill>
-                  <a:schemeClr val="tx1"/>
-                </a:solidFill>
-                <a:latin typeface="+mn-lt"/>
-                <a:ea typeface="+mn-ea"/>
-                <a:cs typeface="+mn-cs"/>
-              </a:defRPr>
-            </a:lvl3pPr>
-            <a:lvl4pPr marL="1371600" indent="0" algn="l" defTabSz="914400" rtl="0" eaLnBrk="1" latinLnBrk="0" hangingPunct="1">
-              <a:lnSpc>
-                <a:spcPct val="90000"/>
-              </a:lnSpc>
-              <a:spcBef>
-                <a:spcPts val="500"/>
-              </a:spcBef>
-              <a:buFont typeface="Arial" panose="020B0604020202020204" pitchFamily="34" charset="0"/>
-              <a:buNone/>
-              <a:defRPr sz="1600" b="1" kern="1200">
-                <a:solidFill>
-                  <a:schemeClr val="tx1"/>
-                </a:solidFill>
-                <a:latin typeface="+mn-lt"/>
-                <a:ea typeface="+mn-ea"/>
-                <a:cs typeface="+mn-cs"/>
-              </a:defRPr>
-            </a:lvl4pPr>
-            <a:lvl5pPr marL="1828800" indent="0" algn="l" defTabSz="914400" rtl="0" eaLnBrk="1" latinLnBrk="0" hangingPunct="1">
-              <a:lnSpc>
-                <a:spcPct val="90000"/>
-              </a:lnSpc>
-              <a:spcBef>
-                <a:spcPts val="500"/>
-              </a:spcBef>
-              <a:buFont typeface="Arial" panose="020B0604020202020204" pitchFamily="34" charset="0"/>
-              <a:buNone/>
-              <a:defRPr sz="1600" b="1" kern="1200">
-                <a:solidFill>
-                  <a:schemeClr val="tx1"/>
-                </a:solidFill>
-                <a:latin typeface="+mn-lt"/>
-                <a:ea typeface="+mn-ea"/>
-                <a:cs typeface="+mn-cs"/>
-              </a:defRPr>
-            </a:lvl5pPr>
-            <a:lvl6pPr marL="2286000" indent="0" algn="l" defTabSz="914400" rtl="0" eaLnBrk="1" latinLnBrk="0" hangingPunct="1">
-              <a:lnSpc>
-                <a:spcPct val="90000"/>
-              </a:lnSpc>
-              <a:spcBef>
-                <a:spcPts val="500"/>
-              </a:spcBef>
-              <a:buFont typeface="Arial" panose="020B0604020202020204" pitchFamily="34" charset="0"/>
-              <a:buNone/>
-              <a:defRPr sz="1600" b="1" kern="1200">
-                <a:solidFill>
-                  <a:schemeClr val="tx1"/>
-                </a:solidFill>
-                <a:latin typeface="+mn-lt"/>
-                <a:ea typeface="+mn-ea"/>
-                <a:cs typeface="+mn-cs"/>
-              </a:defRPr>
-            </a:lvl6pPr>
-            <a:lvl7pPr marL="2743200" indent="0" algn="l" defTabSz="914400" rtl="0" eaLnBrk="1" latinLnBrk="0" hangingPunct="1">
-              <a:lnSpc>
-                <a:spcPct val="90000"/>
-              </a:lnSpc>
-              <a:spcBef>
-                <a:spcPts val="500"/>
-              </a:spcBef>
-              <a:buFont typeface="Arial" panose="020B0604020202020204" pitchFamily="34" charset="0"/>
-              <a:buNone/>
-              <a:defRPr sz="1600" b="1" kern="1200">
-                <a:solidFill>
-                  <a:schemeClr val="tx1"/>
-                </a:solidFill>
-                <a:latin typeface="+mn-lt"/>
-                <a:ea typeface="+mn-ea"/>
-                <a:cs typeface="+mn-cs"/>
-              </a:defRPr>
-            </a:lvl7pPr>
-            <a:lvl8pPr marL="3200400" indent="0" algn="l" defTabSz="914400" rtl="0" eaLnBrk="1" latinLnBrk="0" hangingPunct="1">
-              <a:lnSpc>
-                <a:spcPct val="90000"/>
-              </a:lnSpc>
-              <a:spcBef>
-                <a:spcPts val="500"/>
-              </a:spcBef>
-              <a:buFont typeface="Arial" panose="020B0604020202020204" pitchFamily="34" charset="0"/>
-              <a:buNone/>
-              <a:defRPr sz="1600" b="1" kern="1200">
-                <a:solidFill>
-                  <a:schemeClr val="tx1"/>
-                </a:solidFill>
-                <a:latin typeface="+mn-lt"/>
-                <a:ea typeface="+mn-ea"/>
-                <a:cs typeface="+mn-cs"/>
-              </a:defRPr>
-            </a:lvl8pPr>
-            <a:lvl9pPr marL="3657600" indent="0" algn="l" defTabSz="914400" rtl="0" eaLnBrk="1" latinLnBrk="0" hangingPunct="1">
-              <a:lnSpc>
-                <a:spcPct val="90000"/>
-              </a:lnSpc>
-              <a:spcBef>
-                <a:spcPts val="500"/>
-              </a:spcBef>
-              <a:buFont typeface="Arial" panose="020B0604020202020204" pitchFamily="34" charset="0"/>
-              <a:buNone/>
-              <a:defRPr sz="1600" b="1" kern="1200">
-                <a:solidFill>
-                  <a:schemeClr val="tx1"/>
-                </a:solidFill>
-                <a:latin typeface="+mn-lt"/>
-                <a:ea typeface="+mn-ea"/>
-                <a:cs typeface="+mn-cs"/>
-              </a:defRPr>
-            </a:lvl9pPr>
-          </a:lstStyle>
-          <a:p>
-            <a:r>
-              <a:rPr lang="en-US" dirty="0" smtClean="0"/>
-              <a:t>Run 41</a:t>
-            </a:r>
-            <a:endParaRPr lang="en-US" dirty="0"/>
-          </a:p>
-        </p:txBody>
-      </p:sp>
-      <p:sp>
-        <p:nvSpPr>
-          <p:cNvPr id="17" name="Content Placeholder 7"/>
-          <p:cNvSpPr txBox="1">
-            <a:spLocks/>
-          </p:cNvSpPr>
-          <p:nvPr/>
-        </p:nvSpPr>
-        <p:spPr>
-          <a:xfrm>
-            <a:off x="6172199" y="5036949"/>
-            <a:ext cx="3490993" cy="501651"/>
-          </a:xfrm>
-          <a:prstGeom prst="rect">
-            <a:avLst/>
-          </a:prstGeom>
-        </p:spPr>
-        <p:txBody>
-          <a:bodyPr vert="horz" lIns="91440" tIns="45720" rIns="91440" bIns="45720" rtlCol="0">
-            <a:normAutofit fontScale="92500"/>
-          </a:bodyPr>
-          <a:lstStyle>
-            <a:lvl1pPr marL="228600" indent="-228600" algn="l" defTabSz="914400" rtl="0" eaLnBrk="1" latinLnBrk="0" hangingPunct="1">
-              <a:lnSpc>
-                <a:spcPct val="90000"/>
-              </a:lnSpc>
-              <a:spcBef>
-                <a:spcPts val="1000"/>
-              </a:spcBef>
-              <a:buFont typeface="Arial" panose="020B0604020202020204" pitchFamily="34" charset="0"/>
-              <a:buChar char="•"/>
-              <a:defRPr sz="2800" kern="1200">
-                <a:solidFill>
-                  <a:schemeClr val="tx1"/>
-                </a:solidFill>
-                <a:latin typeface="+mn-lt"/>
-                <a:ea typeface="+mn-ea"/>
-                <a:cs typeface="+mn-cs"/>
-              </a:defRPr>
-            </a:lvl1pPr>
-            <a:lvl2pPr marL="685800" indent="-228600" algn="l" defTabSz="914400" rtl="0" eaLnBrk="1" latinLnBrk="0" hangingPunct="1">
-              <a:lnSpc>
-                <a:spcPct val="90000"/>
-              </a:lnSpc>
-              <a:spcBef>
-                <a:spcPts val="500"/>
-              </a:spcBef>
-              <a:buFont typeface="Arial" panose="020B0604020202020204" pitchFamily="34" charset="0"/>
-              <a:buChar char="•"/>
-              <a:defRPr sz="2400" kern="1200">
-                <a:solidFill>
-                  <a:schemeClr val="tx1"/>
-                </a:solidFill>
-                <a:latin typeface="+mn-lt"/>
-                <a:ea typeface="+mn-ea"/>
-                <a:cs typeface="+mn-cs"/>
-              </a:defRPr>
-            </a:lvl2pPr>
-            <a:lvl3pPr marL="1143000" indent="-228600" algn="l" defTabSz="914400" rtl="0" eaLnBrk="1" latinLnBrk="0" hangingPunct="1">
-              <a:lnSpc>
-                <a:spcPct val="90000"/>
-              </a:lnSpc>
-              <a:spcBef>
-                <a:spcPts val="500"/>
-              </a:spcBef>
-              <a:buFont typeface="Arial" panose="020B0604020202020204" pitchFamily="34" charset="0"/>
-              <a:buChar char="•"/>
-              <a:defRPr sz="2000" kern="1200">
-                <a:solidFill>
-                  <a:schemeClr val="tx1"/>
-                </a:solidFill>
-                <a:latin typeface="+mn-lt"/>
-                <a:ea typeface="+mn-ea"/>
-                <a:cs typeface="+mn-cs"/>
-              </a:defRPr>
-            </a:lvl3pPr>
-            <a:lvl4pPr marL="1600200" indent="-228600" algn="l" defTabSz="914400" rtl="0" eaLnBrk="1" latinLnBrk="0" hangingPunct="1">
-              <a:lnSpc>
-                <a:spcPct val="90000"/>
-              </a:lnSpc>
-              <a:spcBef>
-                <a:spcPts val="500"/>
-              </a:spcBef>
-              <a:buFont typeface="Arial" panose="020B0604020202020204" pitchFamily="34" charset="0"/>
-              <a:buChar char="•"/>
-              <a:defRPr sz="1800" kern="1200">
-                <a:solidFill>
-                  <a:schemeClr val="tx1"/>
-                </a:solidFill>
-                <a:latin typeface="+mn-lt"/>
-                <a:ea typeface="+mn-ea"/>
-                <a:cs typeface="+mn-cs"/>
-              </a:defRPr>
-            </a:lvl4pPr>
-            <a:lvl5pPr marL="2057400" indent="-228600" algn="l" defTabSz="914400" rtl="0" eaLnBrk="1" latinLnBrk="0" hangingPunct="1">
-              <a:lnSpc>
-                <a:spcPct val="90000"/>
-              </a:lnSpc>
-              <a:spcBef>
-                <a:spcPts val="500"/>
-              </a:spcBef>
-              <a:buFont typeface="Arial" panose="020B0604020202020204" pitchFamily="34" charset="0"/>
-              <a:buChar char="•"/>
-              <a:defRPr sz="1800" kern="1200">
-                <a:solidFill>
-                  <a:schemeClr val="tx1"/>
-                </a:solidFill>
-                <a:latin typeface="+mn-lt"/>
-                <a:ea typeface="+mn-ea"/>
-                <a:cs typeface="+mn-cs"/>
-              </a:defRPr>
-            </a:lvl5pPr>
-            <a:lvl6pPr marL="2514600" indent="-228600" algn="l" defTabSz="914400" rtl="0" eaLnBrk="1" latinLnBrk="0" hangingPunct="1">
-              <a:lnSpc>
-                <a:spcPct val="90000"/>
-              </a:lnSpc>
-              <a:spcBef>
-                <a:spcPts val="500"/>
-              </a:spcBef>
-              <a:buFont typeface="Arial" panose="020B0604020202020204" pitchFamily="34" charset="0"/>
-              <a:buChar char="•"/>
-              <a:defRPr sz="1800" kern="1200">
-                <a:solidFill>
-                  <a:schemeClr val="tx1"/>
-                </a:solidFill>
-                <a:latin typeface="+mn-lt"/>
-                <a:ea typeface="+mn-ea"/>
-                <a:cs typeface="+mn-cs"/>
-              </a:defRPr>
-            </a:lvl6pPr>
-            <a:lvl7pPr marL="2971800" indent="-228600" algn="l" defTabSz="914400" rtl="0" eaLnBrk="1" latinLnBrk="0" hangingPunct="1">
-              <a:lnSpc>
-                <a:spcPct val="90000"/>
-              </a:lnSpc>
-              <a:spcBef>
-                <a:spcPts val="500"/>
-              </a:spcBef>
-              <a:buFont typeface="Arial" panose="020B0604020202020204" pitchFamily="34" charset="0"/>
-              <a:buChar char="•"/>
-              <a:defRPr sz="1800" kern="1200">
-                <a:solidFill>
-                  <a:schemeClr val="tx1"/>
-                </a:solidFill>
-                <a:latin typeface="+mn-lt"/>
-                <a:ea typeface="+mn-ea"/>
-                <a:cs typeface="+mn-cs"/>
-              </a:defRPr>
-            </a:lvl7pPr>
-            <a:lvl8pPr marL="3429000" indent="-228600" algn="l" defTabSz="914400" rtl="0" eaLnBrk="1" latinLnBrk="0" hangingPunct="1">
-              <a:lnSpc>
-                <a:spcPct val="90000"/>
-              </a:lnSpc>
-              <a:spcBef>
-                <a:spcPts val="500"/>
-              </a:spcBef>
-              <a:buFont typeface="Arial" panose="020B0604020202020204" pitchFamily="34" charset="0"/>
-              <a:buChar char="•"/>
-              <a:defRPr sz="1800" kern="1200">
-                <a:solidFill>
-                  <a:schemeClr val="tx1"/>
-                </a:solidFill>
-                <a:latin typeface="+mn-lt"/>
-                <a:ea typeface="+mn-ea"/>
-                <a:cs typeface="+mn-cs"/>
-              </a:defRPr>
-            </a:lvl8pPr>
-            <a:lvl9pPr marL="3886200" indent="-228600" algn="l" defTabSz="914400" rtl="0" eaLnBrk="1" latinLnBrk="0" hangingPunct="1">
-              <a:lnSpc>
-                <a:spcPct val="90000"/>
-              </a:lnSpc>
-              <a:spcBef>
-                <a:spcPts val="500"/>
-              </a:spcBef>
-              <a:buFont typeface="Arial" panose="020B0604020202020204" pitchFamily="34" charset="0"/>
-              <a:buChar char="•"/>
-              <a:defRPr sz="1800" kern="1200">
-                <a:solidFill>
-                  <a:schemeClr val="tx1"/>
-                </a:solidFill>
-                <a:latin typeface="+mn-lt"/>
-                <a:ea typeface="+mn-ea"/>
-                <a:cs typeface="+mn-cs"/>
-              </a:defRPr>
-            </a:lvl9pPr>
-          </a:lstStyle>
-          <a:p>
-            <a:r>
-              <a:rPr lang="en-US" dirty="0" smtClean="0"/>
-              <a:t>F fixed at 75% CI Value</a:t>
-            </a:r>
-            <a:endParaRPr lang="en-US" dirty="0" smtClean="0">
-              <a:solidFill>
-                <a:schemeClr val="accent4">
-                  <a:lumMod val="75000"/>
-                </a:schemeClr>
-              </a:solidFill>
-            </a:endParaRPr>
-          </a:p>
-        </p:txBody>
-      </p:sp>
+      </p:pic>
     </p:spTree>
     <p:extLst>
       <p:ext uri="{BB962C8B-B14F-4D97-AF65-F5344CB8AC3E}">
-        <p14:creationId xmlns:p14="http://schemas.microsoft.com/office/powerpoint/2010/main" val="3855491165"/>
+        <p14:creationId xmlns:p14="http://schemas.microsoft.com/office/powerpoint/2010/main" val="788147187"/>
       </p:ext>
     </p:extLst>
   </p:cSld>
@@ -4789,85 +3369,40 @@
           <a:chExt cx="0" cy="0"/>
         </a:xfrm>
       </p:grpSpPr>
-      <p:sp>
-        <p:nvSpPr>
-          <p:cNvPr id="2" name="Title 1"/>
-          <p:cNvSpPr>
-            <a:spLocks noGrp="1"/>
-          </p:cNvSpPr>
-          <p:nvPr>
-            <p:ph type="title"/>
-          </p:nvPr>
-        </p:nvSpPr>
-        <p:spPr/>
-        <p:txBody>
-          <a:bodyPr/>
-          <a:lstStyle/>
-          <a:p>
-            <a:r>
-              <a:rPr lang="en-US" dirty="0" smtClean="0"/>
-              <a:t>Options for Sensitivity Item 1</a:t>
-            </a:r>
-            <a:endParaRPr lang="en-US" dirty="0"/>
-          </a:p>
-        </p:txBody>
-      </p:sp>
-      <p:sp>
-        <p:nvSpPr>
-          <p:cNvPr id="3" name="Content Placeholder 2"/>
-          <p:cNvSpPr>
-            <a:spLocks noGrp="1"/>
-          </p:cNvSpPr>
-          <p:nvPr>
-            <p:ph idx="1"/>
-          </p:nvPr>
-        </p:nvSpPr>
-        <p:spPr/>
-        <p:txBody>
-          <a:bodyPr/>
-          <a:lstStyle/>
-          <a:p>
-            <a:pPr marL="514350" indent="-514350">
-              <a:buFont typeface="+mj-lt"/>
-              <a:buAutoNum type="arabicPeriod"/>
-            </a:pPr>
-            <a:r>
-              <a:rPr lang="en-US" dirty="0" smtClean="0"/>
-              <a:t>Fix M at higher or lower age constant M values than was </a:t>
-            </a:r>
-            <a:r>
-              <a:rPr lang="en-US" dirty="0" smtClean="0"/>
-              <a:t>used in Run 34</a:t>
-            </a:r>
-            <a:endParaRPr lang="en-US" dirty="0" smtClean="0"/>
-          </a:p>
-          <a:p>
-            <a:pPr marL="514350" indent="-514350">
-              <a:buFont typeface="+mj-lt"/>
-              <a:buAutoNum type="arabicPeriod"/>
-            </a:pPr>
-            <a:r>
-              <a:rPr lang="en-US" dirty="0" smtClean="0"/>
-              <a:t>Fix age-dependent M</a:t>
-            </a:r>
-          </a:p>
-          <a:p>
-            <a:pPr marL="514350" indent="-514350">
-              <a:buFont typeface="+mj-lt"/>
-              <a:buAutoNum type="arabicPeriod"/>
-            </a:pPr>
-            <a:r>
-              <a:rPr lang="en-US" dirty="0" smtClean="0"/>
-              <a:t>Estimate age-dependent M</a:t>
-            </a:r>
-            <a:endParaRPr lang="en-US" dirty="0"/>
-          </a:p>
-        </p:txBody>
-      </p:sp>
+      <p:pic>
+        <p:nvPicPr>
+          <p:cNvPr id="2" name="Picture 1"/>
+          <p:cNvPicPr>
+            <a:picLocks noChangeAspect="1"/>
+          </p:cNvPicPr>
+          <p:nvPr/>
+        </p:nvPicPr>
+        <p:blipFill>
+          <a:blip r:embed="rId2">
+            <a:extLst>
+              <a:ext uri="{28A0092B-C50C-407E-A947-70E740481C1C}">
+                <a14:useLocalDpi xmlns:a14="http://schemas.microsoft.com/office/drawing/2010/main" val="0"/>
+              </a:ext>
+            </a:extLst>
+          </a:blip>
+          <a:stretch>
+            <a:fillRect/>
+          </a:stretch>
+        </p:blipFill>
+        <p:spPr>
+          <a:xfrm>
+            <a:off x="2667000" y="0"/>
+            <a:ext cx="6858000" cy="6858000"/>
+          </a:xfrm>
+          <a:prstGeom prst="rect">
+            <a:avLst/>
+          </a:prstGeom>
+        </p:spPr>
+      </p:pic>
     </p:spTree>
     <p:extLst>
       <p:ext uri="{BB962C8B-B14F-4D97-AF65-F5344CB8AC3E}">
-        <p14:creationId xmlns:p14="http://schemas.microsoft.com/office/powerpoint/2010/main" val="2685896087"/>
+        <p14:creationId xmlns:p14="http://schemas.microsoft.com/office/powerpoint/2010/main" val="1312057802"/>
       </p:ext>
     </p:extLst>
   </p:cSld>
@@ -4894,957 +3429,280 @@
           <a:chExt cx="0" cy="0"/>
         </a:xfrm>
       </p:grpSpPr>
-      <p:sp>
-        <p:nvSpPr>
-          <p:cNvPr id="4" name="Title 3"/>
-          <p:cNvSpPr>
-            <a:spLocks noGrp="1"/>
-          </p:cNvSpPr>
-          <p:nvPr>
-            <p:ph type="title"/>
-          </p:nvPr>
-        </p:nvSpPr>
-        <p:spPr/>
-        <p:txBody>
-          <a:bodyPr/>
-          <a:lstStyle/>
-          <a:p>
-            <a:r>
-              <a:rPr lang="en-US" dirty="0" smtClean="0"/>
-              <a:t>Run 39</a:t>
-            </a:r>
-            <a:endParaRPr lang="en-US" dirty="0"/>
-          </a:p>
-        </p:txBody>
-      </p:sp>
-      <p:sp>
-        <p:nvSpPr>
-          <p:cNvPr id="5" name="Text Placeholder 4"/>
-          <p:cNvSpPr>
-            <a:spLocks noGrp="1"/>
-          </p:cNvSpPr>
-          <p:nvPr>
-            <p:ph type="body" idx="1"/>
-          </p:nvPr>
-        </p:nvSpPr>
-        <p:spPr/>
-        <p:txBody>
-          <a:bodyPr/>
-          <a:lstStyle/>
-          <a:p>
-            <a:r>
-              <a:rPr lang="en-US" dirty="0" smtClean="0"/>
-              <a:t>Run </a:t>
-            </a:r>
-            <a:r>
-              <a:rPr lang="en-US" dirty="0" smtClean="0"/>
-              <a:t>34</a:t>
-            </a:r>
-            <a:endParaRPr lang="en-US" dirty="0"/>
-          </a:p>
-        </p:txBody>
-      </p:sp>
-      <p:sp>
-        <p:nvSpPr>
-          <p:cNvPr id="6" name="Content Placeholder 5"/>
-          <p:cNvSpPr>
-            <a:spLocks noGrp="1"/>
-          </p:cNvSpPr>
-          <p:nvPr>
-            <p:ph sz="half" idx="2"/>
-          </p:nvPr>
-        </p:nvSpPr>
-        <p:spPr/>
-        <p:txBody>
-          <a:bodyPr>
-            <a:normAutofit/>
-          </a:bodyPr>
-          <a:lstStyle/>
-          <a:p>
-            <a:r>
-              <a:rPr lang="en-US" dirty="0" smtClean="0"/>
-              <a:t>Age-invariant M estimated at XXX</a:t>
-            </a:r>
-            <a:endParaRPr lang="en-US" dirty="0" smtClean="0">
-              <a:solidFill>
-                <a:schemeClr val="accent4">
-                  <a:lumMod val="75000"/>
-                </a:schemeClr>
-              </a:solidFill>
-            </a:endParaRPr>
-          </a:p>
-        </p:txBody>
-      </p:sp>
-      <p:sp>
-        <p:nvSpPr>
-          <p:cNvPr id="7" name="Text Placeholder 6"/>
-          <p:cNvSpPr>
-            <a:spLocks noGrp="1"/>
-          </p:cNvSpPr>
-          <p:nvPr>
-            <p:ph type="body" sz="quarter" idx="3"/>
-          </p:nvPr>
-        </p:nvSpPr>
+      <p:pic>
+        <p:nvPicPr>
+          <p:cNvPr id="2" name="Picture 1"/>
+          <p:cNvPicPr>
+            <a:picLocks noChangeAspect="1"/>
+          </p:cNvPicPr>
+          <p:nvPr/>
+        </p:nvPicPr>
+        <p:blipFill>
+          <a:blip r:embed="rId2">
+            <a:extLst>
+              <a:ext uri="{28A0092B-C50C-407E-A947-70E740481C1C}">
+                <a14:useLocalDpi xmlns:a14="http://schemas.microsoft.com/office/drawing/2010/main" val="0"/>
+              </a:ext>
+            </a:extLst>
+          </a:blip>
+          <a:stretch>
+            <a:fillRect/>
+          </a:stretch>
+        </p:blipFill>
         <p:spPr>
           <a:xfrm>
-            <a:off x="6172200" y="2053525"/>
-            <a:ext cx="1390973" cy="451550"/>
-          </a:xfrm>
-        </p:spPr>
-        <p:txBody>
-          <a:bodyPr/>
-          <a:lstStyle/>
-          <a:p>
-            <a:r>
-              <a:rPr lang="en-US" dirty="0" smtClean="0"/>
-              <a:t>Run </a:t>
-            </a:r>
-            <a:r>
-              <a:rPr lang="en-US" dirty="0" smtClean="0"/>
-              <a:t>35</a:t>
-            </a:r>
-            <a:endParaRPr lang="en-US" dirty="0"/>
-          </a:p>
-        </p:txBody>
-      </p:sp>
-      <p:sp>
-        <p:nvSpPr>
-          <p:cNvPr id="8" name="Content Placeholder 7"/>
-          <p:cNvSpPr>
-            <a:spLocks noGrp="1"/>
-          </p:cNvSpPr>
-          <p:nvPr>
-            <p:ph sz="quarter" idx="4"/>
-          </p:nvPr>
-        </p:nvSpPr>
-        <p:spPr>
-          <a:xfrm>
-            <a:off x="6172200" y="2505075"/>
-            <a:ext cx="2728866" cy="501651"/>
-          </a:xfrm>
-        </p:spPr>
-        <p:txBody>
-          <a:bodyPr>
-            <a:normAutofit fontScale="85000" lnSpcReduction="10000"/>
-          </a:bodyPr>
-          <a:lstStyle/>
-          <a:p>
-            <a:r>
-              <a:rPr lang="en-US" dirty="0" smtClean="0">
-                <a:solidFill>
-                  <a:schemeClr val="accent4">
-                    <a:lumMod val="75000"/>
-                  </a:schemeClr>
-                </a:solidFill>
-              </a:rPr>
-              <a:t>Estimated one M?</a:t>
-            </a:r>
-            <a:endParaRPr lang="en-US" dirty="0" smtClean="0">
-              <a:solidFill>
-                <a:schemeClr val="accent4">
-                  <a:lumMod val="75000"/>
-                </a:schemeClr>
-              </a:solidFill>
-            </a:endParaRPr>
-          </a:p>
-        </p:txBody>
-      </p:sp>
-      <p:sp>
-        <p:nvSpPr>
-          <p:cNvPr id="9" name="Text Placeholder 6"/>
-          <p:cNvSpPr txBox="1">
-            <a:spLocks/>
-          </p:cNvSpPr>
-          <p:nvPr/>
-        </p:nvSpPr>
-        <p:spPr>
-          <a:xfrm>
-            <a:off x="6172200" y="3319462"/>
-            <a:ext cx="1390973" cy="451550"/>
+            <a:off x="2667000" y="0"/>
+            <a:ext cx="6858000" cy="6858000"/>
           </a:xfrm>
           <a:prstGeom prst="rect">
             <a:avLst/>
           </a:prstGeom>
         </p:spPr>
-        <p:txBody>
-          <a:bodyPr vert="horz" lIns="91440" tIns="45720" rIns="91440" bIns="45720" rtlCol="0" anchor="b">
-            <a:normAutofit/>
-          </a:bodyPr>
-          <a:lstStyle>
-            <a:lvl1pPr marL="0" indent="0" algn="l" defTabSz="914400" rtl="0" eaLnBrk="1" latinLnBrk="0" hangingPunct="1">
-              <a:lnSpc>
-                <a:spcPct val="90000"/>
-              </a:lnSpc>
-              <a:spcBef>
-                <a:spcPts val="1000"/>
-              </a:spcBef>
-              <a:buFont typeface="Arial" panose="020B0604020202020204" pitchFamily="34" charset="0"/>
-              <a:buNone/>
-              <a:defRPr sz="2400" b="1" kern="1200">
-                <a:solidFill>
-                  <a:schemeClr val="tx1"/>
-                </a:solidFill>
-                <a:latin typeface="+mn-lt"/>
-                <a:ea typeface="+mn-ea"/>
-                <a:cs typeface="+mn-cs"/>
-              </a:defRPr>
-            </a:lvl1pPr>
-            <a:lvl2pPr marL="457200" indent="0" algn="l" defTabSz="914400" rtl="0" eaLnBrk="1" latinLnBrk="0" hangingPunct="1">
-              <a:lnSpc>
-                <a:spcPct val="90000"/>
-              </a:lnSpc>
-              <a:spcBef>
-                <a:spcPts val="500"/>
-              </a:spcBef>
-              <a:buFont typeface="Arial" panose="020B0604020202020204" pitchFamily="34" charset="0"/>
-              <a:buNone/>
-              <a:defRPr sz="2000" b="1" kern="1200">
-                <a:solidFill>
-                  <a:schemeClr val="tx1"/>
-                </a:solidFill>
-                <a:latin typeface="+mn-lt"/>
-                <a:ea typeface="+mn-ea"/>
-                <a:cs typeface="+mn-cs"/>
-              </a:defRPr>
-            </a:lvl2pPr>
-            <a:lvl3pPr marL="914400" indent="0" algn="l" defTabSz="914400" rtl="0" eaLnBrk="1" latinLnBrk="0" hangingPunct="1">
-              <a:lnSpc>
-                <a:spcPct val="90000"/>
-              </a:lnSpc>
-              <a:spcBef>
-                <a:spcPts val="500"/>
-              </a:spcBef>
-              <a:buFont typeface="Arial" panose="020B0604020202020204" pitchFamily="34" charset="0"/>
-              <a:buNone/>
-              <a:defRPr sz="1800" b="1" kern="1200">
-                <a:solidFill>
-                  <a:schemeClr val="tx1"/>
-                </a:solidFill>
-                <a:latin typeface="+mn-lt"/>
-                <a:ea typeface="+mn-ea"/>
-                <a:cs typeface="+mn-cs"/>
-              </a:defRPr>
-            </a:lvl3pPr>
-            <a:lvl4pPr marL="1371600" indent="0" algn="l" defTabSz="914400" rtl="0" eaLnBrk="1" latinLnBrk="0" hangingPunct="1">
-              <a:lnSpc>
-                <a:spcPct val="90000"/>
-              </a:lnSpc>
-              <a:spcBef>
-                <a:spcPts val="500"/>
-              </a:spcBef>
-              <a:buFont typeface="Arial" panose="020B0604020202020204" pitchFamily="34" charset="0"/>
-              <a:buNone/>
-              <a:defRPr sz="1600" b="1" kern="1200">
-                <a:solidFill>
-                  <a:schemeClr val="tx1"/>
-                </a:solidFill>
-                <a:latin typeface="+mn-lt"/>
-                <a:ea typeface="+mn-ea"/>
-                <a:cs typeface="+mn-cs"/>
-              </a:defRPr>
-            </a:lvl4pPr>
-            <a:lvl5pPr marL="1828800" indent="0" algn="l" defTabSz="914400" rtl="0" eaLnBrk="1" latinLnBrk="0" hangingPunct="1">
-              <a:lnSpc>
-                <a:spcPct val="90000"/>
-              </a:lnSpc>
-              <a:spcBef>
-                <a:spcPts val="500"/>
-              </a:spcBef>
-              <a:buFont typeface="Arial" panose="020B0604020202020204" pitchFamily="34" charset="0"/>
-              <a:buNone/>
-              <a:defRPr sz="1600" b="1" kern="1200">
-                <a:solidFill>
-                  <a:schemeClr val="tx1"/>
-                </a:solidFill>
-                <a:latin typeface="+mn-lt"/>
-                <a:ea typeface="+mn-ea"/>
-                <a:cs typeface="+mn-cs"/>
-              </a:defRPr>
-            </a:lvl5pPr>
-            <a:lvl6pPr marL="2286000" indent="0" algn="l" defTabSz="914400" rtl="0" eaLnBrk="1" latinLnBrk="0" hangingPunct="1">
-              <a:lnSpc>
-                <a:spcPct val="90000"/>
-              </a:lnSpc>
-              <a:spcBef>
-                <a:spcPts val="500"/>
-              </a:spcBef>
-              <a:buFont typeface="Arial" panose="020B0604020202020204" pitchFamily="34" charset="0"/>
-              <a:buNone/>
-              <a:defRPr sz="1600" b="1" kern="1200">
-                <a:solidFill>
-                  <a:schemeClr val="tx1"/>
-                </a:solidFill>
-                <a:latin typeface="+mn-lt"/>
-                <a:ea typeface="+mn-ea"/>
-                <a:cs typeface="+mn-cs"/>
-              </a:defRPr>
-            </a:lvl6pPr>
-            <a:lvl7pPr marL="2743200" indent="0" algn="l" defTabSz="914400" rtl="0" eaLnBrk="1" latinLnBrk="0" hangingPunct="1">
-              <a:lnSpc>
-                <a:spcPct val="90000"/>
-              </a:lnSpc>
-              <a:spcBef>
-                <a:spcPts val="500"/>
-              </a:spcBef>
-              <a:buFont typeface="Arial" panose="020B0604020202020204" pitchFamily="34" charset="0"/>
-              <a:buNone/>
-              <a:defRPr sz="1600" b="1" kern="1200">
-                <a:solidFill>
-                  <a:schemeClr val="tx1"/>
-                </a:solidFill>
-                <a:latin typeface="+mn-lt"/>
-                <a:ea typeface="+mn-ea"/>
-                <a:cs typeface="+mn-cs"/>
-              </a:defRPr>
-            </a:lvl7pPr>
-            <a:lvl8pPr marL="3200400" indent="0" algn="l" defTabSz="914400" rtl="0" eaLnBrk="1" latinLnBrk="0" hangingPunct="1">
-              <a:lnSpc>
-                <a:spcPct val="90000"/>
-              </a:lnSpc>
-              <a:spcBef>
-                <a:spcPts val="500"/>
-              </a:spcBef>
-              <a:buFont typeface="Arial" panose="020B0604020202020204" pitchFamily="34" charset="0"/>
-              <a:buNone/>
-              <a:defRPr sz="1600" b="1" kern="1200">
-                <a:solidFill>
-                  <a:schemeClr val="tx1"/>
-                </a:solidFill>
-                <a:latin typeface="+mn-lt"/>
-                <a:ea typeface="+mn-ea"/>
-                <a:cs typeface="+mn-cs"/>
-              </a:defRPr>
-            </a:lvl8pPr>
-            <a:lvl9pPr marL="3657600" indent="0" algn="l" defTabSz="914400" rtl="0" eaLnBrk="1" latinLnBrk="0" hangingPunct="1">
-              <a:lnSpc>
-                <a:spcPct val="90000"/>
-              </a:lnSpc>
-              <a:spcBef>
-                <a:spcPts val="500"/>
-              </a:spcBef>
-              <a:buFont typeface="Arial" panose="020B0604020202020204" pitchFamily="34" charset="0"/>
-              <a:buNone/>
-              <a:defRPr sz="1600" b="1" kern="1200">
-                <a:solidFill>
-                  <a:schemeClr val="tx1"/>
-                </a:solidFill>
-                <a:latin typeface="+mn-lt"/>
-                <a:ea typeface="+mn-ea"/>
-                <a:cs typeface="+mn-cs"/>
-              </a:defRPr>
-            </a:lvl9pPr>
-          </a:lstStyle>
-          <a:p>
-            <a:r>
-              <a:rPr lang="en-US" dirty="0" smtClean="0"/>
-              <a:t>Run 36</a:t>
-            </a:r>
-            <a:endParaRPr lang="en-US" dirty="0"/>
-          </a:p>
-        </p:txBody>
-      </p:sp>
-      <p:sp>
-        <p:nvSpPr>
-          <p:cNvPr id="11" name="Content Placeholder 7"/>
-          <p:cNvSpPr txBox="1">
-            <a:spLocks/>
-          </p:cNvSpPr>
+      </p:pic>
+    </p:spTree>
+    <p:extLst>
+      <p:ext uri="{BB962C8B-B14F-4D97-AF65-F5344CB8AC3E}">
+        <p14:creationId xmlns:p14="http://schemas.microsoft.com/office/powerpoint/2010/main" val="2436795259"/>
+      </p:ext>
+    </p:extLst>
+  </p:cSld>
+  <p:clrMapOvr>
+    <a:masterClrMapping/>
+  </p:clrMapOvr>
+</p:sld>
+</file>
+
+<file path=ppt/slides/slide16.xml><?xml version="1.0" encoding="utf-8"?>
+<p:sld xmlns:a="http://schemas.openxmlformats.org/drawingml/2006/main" xmlns:r="http://schemas.openxmlformats.org/officeDocument/2006/relationships" xmlns:p="http://schemas.openxmlformats.org/presentationml/2006/main">
+  <p:cSld>
+    <p:spTree>
+      <p:nvGrpSpPr>
+        <p:cNvPr id="1" name=""/>
+        <p:cNvGrpSpPr/>
+        <p:nvPr/>
+      </p:nvGrpSpPr>
+      <p:grpSpPr>
+        <a:xfrm>
+          <a:off x="0" y="0"/>
+          <a:ext cx="0" cy="0"/>
+          <a:chOff x="0" y="0"/>
+          <a:chExt cx="0" cy="0"/>
+        </a:xfrm>
+      </p:grpSpPr>
+      <p:pic>
+        <p:nvPicPr>
+          <p:cNvPr id="2" name="Picture 1"/>
+          <p:cNvPicPr>
+            <a:picLocks noChangeAspect="1"/>
+          </p:cNvPicPr>
           <p:nvPr/>
-        </p:nvSpPr>
+        </p:nvPicPr>
+        <p:blipFill>
+          <a:blip r:embed="rId2">
+            <a:extLst>
+              <a:ext uri="{28A0092B-C50C-407E-A947-70E740481C1C}">
+                <a14:useLocalDpi xmlns:a14="http://schemas.microsoft.com/office/drawing/2010/main" val="0"/>
+              </a:ext>
+            </a:extLst>
+          </a:blip>
+          <a:stretch>
+            <a:fillRect/>
+          </a:stretch>
+        </p:blipFill>
         <p:spPr>
           <a:xfrm>
-            <a:off x="6172199" y="3771012"/>
-            <a:ext cx="3490993" cy="501651"/>
+            <a:off x="2667000" y="0"/>
+            <a:ext cx="6858000" cy="6858000"/>
           </a:xfrm>
           <a:prstGeom prst="rect">
             <a:avLst/>
           </a:prstGeom>
         </p:spPr>
-        <p:txBody>
-          <a:bodyPr vert="horz" lIns="91440" tIns="45720" rIns="91440" bIns="45720" rtlCol="0">
-            <a:normAutofit/>
-          </a:bodyPr>
-          <a:lstStyle>
-            <a:lvl1pPr marL="228600" indent="-228600" algn="l" defTabSz="914400" rtl="0" eaLnBrk="1" latinLnBrk="0" hangingPunct="1">
-              <a:lnSpc>
-                <a:spcPct val="90000"/>
-              </a:lnSpc>
-              <a:spcBef>
-                <a:spcPts val="1000"/>
-              </a:spcBef>
-              <a:buFont typeface="Arial" panose="020B0604020202020204" pitchFamily="34" charset="0"/>
-              <a:buChar char="•"/>
-              <a:defRPr sz="2800" kern="1200">
-                <a:solidFill>
-                  <a:schemeClr val="tx1"/>
-                </a:solidFill>
-                <a:latin typeface="+mn-lt"/>
-                <a:ea typeface="+mn-ea"/>
-                <a:cs typeface="+mn-cs"/>
-              </a:defRPr>
-            </a:lvl1pPr>
-            <a:lvl2pPr marL="685800" indent="-228600" algn="l" defTabSz="914400" rtl="0" eaLnBrk="1" latinLnBrk="0" hangingPunct="1">
-              <a:lnSpc>
-                <a:spcPct val="90000"/>
-              </a:lnSpc>
-              <a:spcBef>
-                <a:spcPts val="500"/>
-              </a:spcBef>
-              <a:buFont typeface="Arial" panose="020B0604020202020204" pitchFamily="34" charset="0"/>
-              <a:buChar char="•"/>
-              <a:defRPr sz="2400" kern="1200">
-                <a:solidFill>
-                  <a:schemeClr val="tx1"/>
-                </a:solidFill>
-                <a:latin typeface="+mn-lt"/>
-                <a:ea typeface="+mn-ea"/>
-                <a:cs typeface="+mn-cs"/>
-              </a:defRPr>
-            </a:lvl2pPr>
-            <a:lvl3pPr marL="1143000" indent="-228600" algn="l" defTabSz="914400" rtl="0" eaLnBrk="1" latinLnBrk="0" hangingPunct="1">
-              <a:lnSpc>
-                <a:spcPct val="90000"/>
-              </a:lnSpc>
-              <a:spcBef>
-                <a:spcPts val="500"/>
-              </a:spcBef>
-              <a:buFont typeface="Arial" panose="020B0604020202020204" pitchFamily="34" charset="0"/>
-              <a:buChar char="•"/>
-              <a:defRPr sz="2000" kern="1200">
-                <a:solidFill>
-                  <a:schemeClr val="tx1"/>
-                </a:solidFill>
-                <a:latin typeface="+mn-lt"/>
-                <a:ea typeface="+mn-ea"/>
-                <a:cs typeface="+mn-cs"/>
-              </a:defRPr>
-            </a:lvl3pPr>
-            <a:lvl4pPr marL="1600200" indent="-228600" algn="l" defTabSz="914400" rtl="0" eaLnBrk="1" latinLnBrk="0" hangingPunct="1">
-              <a:lnSpc>
-                <a:spcPct val="90000"/>
-              </a:lnSpc>
-              <a:spcBef>
-                <a:spcPts val="500"/>
-              </a:spcBef>
-              <a:buFont typeface="Arial" panose="020B0604020202020204" pitchFamily="34" charset="0"/>
-              <a:buChar char="•"/>
-              <a:defRPr sz="1800" kern="1200">
-                <a:solidFill>
-                  <a:schemeClr val="tx1"/>
-                </a:solidFill>
-                <a:latin typeface="+mn-lt"/>
-                <a:ea typeface="+mn-ea"/>
-                <a:cs typeface="+mn-cs"/>
-              </a:defRPr>
-            </a:lvl4pPr>
-            <a:lvl5pPr marL="2057400" indent="-228600" algn="l" defTabSz="914400" rtl="0" eaLnBrk="1" latinLnBrk="0" hangingPunct="1">
-              <a:lnSpc>
-                <a:spcPct val="90000"/>
-              </a:lnSpc>
-              <a:spcBef>
-                <a:spcPts val="500"/>
-              </a:spcBef>
-              <a:buFont typeface="Arial" panose="020B0604020202020204" pitchFamily="34" charset="0"/>
-              <a:buChar char="•"/>
-              <a:defRPr sz="1800" kern="1200">
-                <a:solidFill>
-                  <a:schemeClr val="tx1"/>
-                </a:solidFill>
-                <a:latin typeface="+mn-lt"/>
-                <a:ea typeface="+mn-ea"/>
-                <a:cs typeface="+mn-cs"/>
-              </a:defRPr>
-            </a:lvl5pPr>
-            <a:lvl6pPr marL="2514600" indent="-228600" algn="l" defTabSz="914400" rtl="0" eaLnBrk="1" latinLnBrk="0" hangingPunct="1">
-              <a:lnSpc>
-                <a:spcPct val="90000"/>
-              </a:lnSpc>
-              <a:spcBef>
-                <a:spcPts val="500"/>
-              </a:spcBef>
-              <a:buFont typeface="Arial" panose="020B0604020202020204" pitchFamily="34" charset="0"/>
-              <a:buChar char="•"/>
-              <a:defRPr sz="1800" kern="1200">
-                <a:solidFill>
-                  <a:schemeClr val="tx1"/>
-                </a:solidFill>
-                <a:latin typeface="+mn-lt"/>
-                <a:ea typeface="+mn-ea"/>
-                <a:cs typeface="+mn-cs"/>
-              </a:defRPr>
-            </a:lvl6pPr>
-            <a:lvl7pPr marL="2971800" indent="-228600" algn="l" defTabSz="914400" rtl="0" eaLnBrk="1" latinLnBrk="0" hangingPunct="1">
-              <a:lnSpc>
-                <a:spcPct val="90000"/>
-              </a:lnSpc>
-              <a:spcBef>
-                <a:spcPts val="500"/>
-              </a:spcBef>
-              <a:buFont typeface="Arial" panose="020B0604020202020204" pitchFamily="34" charset="0"/>
-              <a:buChar char="•"/>
-              <a:defRPr sz="1800" kern="1200">
-                <a:solidFill>
-                  <a:schemeClr val="tx1"/>
-                </a:solidFill>
-                <a:latin typeface="+mn-lt"/>
-                <a:ea typeface="+mn-ea"/>
-                <a:cs typeface="+mn-cs"/>
-              </a:defRPr>
-            </a:lvl7pPr>
-            <a:lvl8pPr marL="3429000" indent="-228600" algn="l" defTabSz="914400" rtl="0" eaLnBrk="1" latinLnBrk="0" hangingPunct="1">
-              <a:lnSpc>
-                <a:spcPct val="90000"/>
-              </a:lnSpc>
-              <a:spcBef>
-                <a:spcPts val="500"/>
-              </a:spcBef>
-              <a:buFont typeface="Arial" panose="020B0604020202020204" pitchFamily="34" charset="0"/>
-              <a:buChar char="•"/>
-              <a:defRPr sz="1800" kern="1200">
-                <a:solidFill>
-                  <a:schemeClr val="tx1"/>
-                </a:solidFill>
-                <a:latin typeface="+mn-lt"/>
-                <a:ea typeface="+mn-ea"/>
-                <a:cs typeface="+mn-cs"/>
-              </a:defRPr>
-            </a:lvl8pPr>
-            <a:lvl9pPr marL="3886200" indent="-228600" algn="l" defTabSz="914400" rtl="0" eaLnBrk="1" latinLnBrk="0" hangingPunct="1">
-              <a:lnSpc>
-                <a:spcPct val="90000"/>
-              </a:lnSpc>
-              <a:spcBef>
-                <a:spcPts val="500"/>
-              </a:spcBef>
-              <a:buFont typeface="Arial" panose="020B0604020202020204" pitchFamily="34" charset="0"/>
-              <a:buChar char="•"/>
-              <a:defRPr sz="1800" kern="1200">
-                <a:solidFill>
-                  <a:schemeClr val="tx1"/>
-                </a:solidFill>
-                <a:latin typeface="+mn-lt"/>
-                <a:ea typeface="+mn-ea"/>
-                <a:cs typeface="+mn-cs"/>
-              </a:defRPr>
-            </a:lvl9pPr>
-          </a:lstStyle>
-          <a:p>
-            <a:endParaRPr lang="en-US" dirty="0" smtClean="0">
-              <a:solidFill>
-                <a:schemeClr val="accent4">
-                  <a:lumMod val="75000"/>
-                </a:schemeClr>
-              </a:solidFill>
-            </a:endParaRPr>
-          </a:p>
-        </p:txBody>
-      </p:sp>
-      <p:sp>
-        <p:nvSpPr>
-          <p:cNvPr id="17" name="Content Placeholder 7"/>
-          <p:cNvSpPr txBox="1">
-            <a:spLocks/>
-          </p:cNvSpPr>
+      </p:pic>
+    </p:spTree>
+    <p:extLst>
+      <p:ext uri="{BB962C8B-B14F-4D97-AF65-F5344CB8AC3E}">
+        <p14:creationId xmlns:p14="http://schemas.microsoft.com/office/powerpoint/2010/main" val="761150401"/>
+      </p:ext>
+    </p:extLst>
+  </p:cSld>
+  <p:clrMapOvr>
+    <a:masterClrMapping/>
+  </p:clrMapOvr>
+</p:sld>
+</file>
+
+<file path=ppt/slides/slide17.xml><?xml version="1.0" encoding="utf-8"?>
+<p:sld xmlns:a="http://schemas.openxmlformats.org/drawingml/2006/main" xmlns:r="http://schemas.openxmlformats.org/officeDocument/2006/relationships" xmlns:p="http://schemas.openxmlformats.org/presentationml/2006/main">
+  <p:cSld>
+    <p:spTree>
+      <p:nvGrpSpPr>
+        <p:cNvPr id="1" name=""/>
+        <p:cNvGrpSpPr/>
+        <p:nvPr/>
+      </p:nvGrpSpPr>
+      <p:grpSpPr>
+        <a:xfrm>
+          <a:off x="0" y="0"/>
+          <a:ext cx="0" cy="0"/>
+          <a:chOff x="0" y="0"/>
+          <a:chExt cx="0" cy="0"/>
+        </a:xfrm>
+      </p:grpSpPr>
+      <p:pic>
+        <p:nvPicPr>
+          <p:cNvPr id="2" name="Picture 1"/>
+          <p:cNvPicPr>
+            <a:picLocks noChangeAspect="1"/>
+          </p:cNvPicPr>
           <p:nvPr/>
-        </p:nvSpPr>
+        </p:nvPicPr>
+        <p:blipFill>
+          <a:blip r:embed="rId2">
+            <a:extLst>
+              <a:ext uri="{28A0092B-C50C-407E-A947-70E740481C1C}">
+                <a14:useLocalDpi xmlns:a14="http://schemas.microsoft.com/office/drawing/2010/main" val="0"/>
+              </a:ext>
+            </a:extLst>
+          </a:blip>
+          <a:stretch>
+            <a:fillRect/>
+          </a:stretch>
+        </p:blipFill>
         <p:spPr>
           <a:xfrm>
-            <a:off x="6172199" y="5036949"/>
-            <a:ext cx="3490993" cy="501651"/>
+            <a:off x="2667000" y="0"/>
+            <a:ext cx="6858000" cy="6858000"/>
           </a:xfrm>
           <a:prstGeom prst="rect">
             <a:avLst/>
           </a:prstGeom>
         </p:spPr>
-        <p:txBody>
-          <a:bodyPr vert="horz" lIns="91440" tIns="45720" rIns="91440" bIns="45720" rtlCol="0">
-            <a:normAutofit/>
-          </a:bodyPr>
-          <a:lstStyle>
-            <a:lvl1pPr marL="228600" indent="-228600" algn="l" defTabSz="914400" rtl="0" eaLnBrk="1" latinLnBrk="0" hangingPunct="1">
-              <a:lnSpc>
-                <a:spcPct val="90000"/>
-              </a:lnSpc>
-              <a:spcBef>
-                <a:spcPts val="1000"/>
-              </a:spcBef>
-              <a:buFont typeface="Arial" panose="020B0604020202020204" pitchFamily="34" charset="0"/>
-              <a:buChar char="•"/>
-              <a:defRPr sz="2800" kern="1200">
-                <a:solidFill>
-                  <a:schemeClr val="tx1"/>
-                </a:solidFill>
-                <a:latin typeface="+mn-lt"/>
-                <a:ea typeface="+mn-ea"/>
-                <a:cs typeface="+mn-cs"/>
-              </a:defRPr>
-            </a:lvl1pPr>
-            <a:lvl2pPr marL="685800" indent="-228600" algn="l" defTabSz="914400" rtl="0" eaLnBrk="1" latinLnBrk="0" hangingPunct="1">
-              <a:lnSpc>
-                <a:spcPct val="90000"/>
-              </a:lnSpc>
-              <a:spcBef>
-                <a:spcPts val="500"/>
-              </a:spcBef>
-              <a:buFont typeface="Arial" panose="020B0604020202020204" pitchFamily="34" charset="0"/>
-              <a:buChar char="•"/>
-              <a:defRPr sz="2400" kern="1200">
-                <a:solidFill>
-                  <a:schemeClr val="tx1"/>
-                </a:solidFill>
-                <a:latin typeface="+mn-lt"/>
-                <a:ea typeface="+mn-ea"/>
-                <a:cs typeface="+mn-cs"/>
-              </a:defRPr>
-            </a:lvl2pPr>
-            <a:lvl3pPr marL="1143000" indent="-228600" algn="l" defTabSz="914400" rtl="0" eaLnBrk="1" latinLnBrk="0" hangingPunct="1">
-              <a:lnSpc>
-                <a:spcPct val="90000"/>
-              </a:lnSpc>
-              <a:spcBef>
-                <a:spcPts val="500"/>
-              </a:spcBef>
-              <a:buFont typeface="Arial" panose="020B0604020202020204" pitchFamily="34" charset="0"/>
-              <a:buChar char="•"/>
-              <a:defRPr sz="2000" kern="1200">
-                <a:solidFill>
-                  <a:schemeClr val="tx1"/>
-                </a:solidFill>
-                <a:latin typeface="+mn-lt"/>
-                <a:ea typeface="+mn-ea"/>
-                <a:cs typeface="+mn-cs"/>
-              </a:defRPr>
-            </a:lvl3pPr>
-            <a:lvl4pPr marL="1600200" indent="-228600" algn="l" defTabSz="914400" rtl="0" eaLnBrk="1" latinLnBrk="0" hangingPunct="1">
-              <a:lnSpc>
-                <a:spcPct val="90000"/>
-              </a:lnSpc>
-              <a:spcBef>
-                <a:spcPts val="500"/>
-              </a:spcBef>
-              <a:buFont typeface="Arial" panose="020B0604020202020204" pitchFamily="34" charset="0"/>
-              <a:buChar char="•"/>
-              <a:defRPr sz="1800" kern="1200">
-                <a:solidFill>
-                  <a:schemeClr val="tx1"/>
-                </a:solidFill>
-                <a:latin typeface="+mn-lt"/>
-                <a:ea typeface="+mn-ea"/>
-                <a:cs typeface="+mn-cs"/>
-              </a:defRPr>
-            </a:lvl4pPr>
-            <a:lvl5pPr marL="2057400" indent="-228600" algn="l" defTabSz="914400" rtl="0" eaLnBrk="1" latinLnBrk="0" hangingPunct="1">
-              <a:lnSpc>
-                <a:spcPct val="90000"/>
-              </a:lnSpc>
-              <a:spcBef>
-                <a:spcPts val="500"/>
-              </a:spcBef>
-              <a:buFont typeface="Arial" panose="020B0604020202020204" pitchFamily="34" charset="0"/>
-              <a:buChar char="•"/>
-              <a:defRPr sz="1800" kern="1200">
-                <a:solidFill>
-                  <a:schemeClr val="tx1"/>
-                </a:solidFill>
-                <a:latin typeface="+mn-lt"/>
-                <a:ea typeface="+mn-ea"/>
-                <a:cs typeface="+mn-cs"/>
-              </a:defRPr>
-            </a:lvl5pPr>
-            <a:lvl6pPr marL="2514600" indent="-228600" algn="l" defTabSz="914400" rtl="0" eaLnBrk="1" latinLnBrk="0" hangingPunct="1">
-              <a:lnSpc>
-                <a:spcPct val="90000"/>
-              </a:lnSpc>
-              <a:spcBef>
-                <a:spcPts val="500"/>
-              </a:spcBef>
-              <a:buFont typeface="Arial" panose="020B0604020202020204" pitchFamily="34" charset="0"/>
-              <a:buChar char="•"/>
-              <a:defRPr sz="1800" kern="1200">
-                <a:solidFill>
-                  <a:schemeClr val="tx1"/>
-                </a:solidFill>
-                <a:latin typeface="+mn-lt"/>
-                <a:ea typeface="+mn-ea"/>
-                <a:cs typeface="+mn-cs"/>
-              </a:defRPr>
-            </a:lvl6pPr>
-            <a:lvl7pPr marL="2971800" indent="-228600" algn="l" defTabSz="914400" rtl="0" eaLnBrk="1" latinLnBrk="0" hangingPunct="1">
-              <a:lnSpc>
-                <a:spcPct val="90000"/>
-              </a:lnSpc>
-              <a:spcBef>
-                <a:spcPts val="500"/>
-              </a:spcBef>
-              <a:buFont typeface="Arial" panose="020B0604020202020204" pitchFamily="34" charset="0"/>
-              <a:buChar char="•"/>
-              <a:defRPr sz="1800" kern="1200">
-                <a:solidFill>
-                  <a:schemeClr val="tx1"/>
-                </a:solidFill>
-                <a:latin typeface="+mn-lt"/>
-                <a:ea typeface="+mn-ea"/>
-                <a:cs typeface="+mn-cs"/>
-              </a:defRPr>
-            </a:lvl7pPr>
-            <a:lvl8pPr marL="3429000" indent="-228600" algn="l" defTabSz="914400" rtl="0" eaLnBrk="1" latinLnBrk="0" hangingPunct="1">
-              <a:lnSpc>
-                <a:spcPct val="90000"/>
-              </a:lnSpc>
-              <a:spcBef>
-                <a:spcPts val="500"/>
-              </a:spcBef>
-              <a:buFont typeface="Arial" panose="020B0604020202020204" pitchFamily="34" charset="0"/>
-              <a:buChar char="•"/>
-              <a:defRPr sz="1800" kern="1200">
-                <a:solidFill>
-                  <a:schemeClr val="tx1"/>
-                </a:solidFill>
-                <a:latin typeface="+mn-lt"/>
-                <a:ea typeface="+mn-ea"/>
-                <a:cs typeface="+mn-cs"/>
-              </a:defRPr>
-            </a:lvl8pPr>
-            <a:lvl9pPr marL="3886200" indent="-228600" algn="l" defTabSz="914400" rtl="0" eaLnBrk="1" latinLnBrk="0" hangingPunct="1">
-              <a:lnSpc>
-                <a:spcPct val="90000"/>
-              </a:lnSpc>
-              <a:spcBef>
-                <a:spcPts val="500"/>
-              </a:spcBef>
-              <a:buFont typeface="Arial" panose="020B0604020202020204" pitchFamily="34" charset="0"/>
-              <a:buChar char="•"/>
-              <a:defRPr sz="1800" kern="1200">
-                <a:solidFill>
-                  <a:schemeClr val="tx1"/>
-                </a:solidFill>
-                <a:latin typeface="+mn-lt"/>
-                <a:ea typeface="+mn-ea"/>
-                <a:cs typeface="+mn-cs"/>
-              </a:defRPr>
-            </a:lvl9pPr>
-          </a:lstStyle>
-          <a:p>
-            <a:endParaRPr lang="en-US" dirty="0" smtClean="0">
-              <a:solidFill>
-                <a:schemeClr val="accent4">
-                  <a:lumMod val="75000"/>
-                </a:schemeClr>
-              </a:solidFill>
-            </a:endParaRPr>
-          </a:p>
-        </p:txBody>
-      </p:sp>
-      <p:sp>
-        <p:nvSpPr>
-          <p:cNvPr id="12" name="Content Placeholder 7"/>
-          <p:cNvSpPr txBox="1">
-            <a:spLocks/>
-          </p:cNvSpPr>
+      </p:pic>
+    </p:spTree>
+    <p:extLst>
+      <p:ext uri="{BB962C8B-B14F-4D97-AF65-F5344CB8AC3E}">
+        <p14:creationId xmlns:p14="http://schemas.microsoft.com/office/powerpoint/2010/main" val="2867361759"/>
+      </p:ext>
+    </p:extLst>
+  </p:cSld>
+  <p:clrMapOvr>
+    <a:masterClrMapping/>
+  </p:clrMapOvr>
+</p:sld>
+</file>
+
+<file path=ppt/slides/slide18.xml><?xml version="1.0" encoding="utf-8"?>
+<p:sld xmlns:a="http://schemas.openxmlformats.org/drawingml/2006/main" xmlns:r="http://schemas.openxmlformats.org/officeDocument/2006/relationships" xmlns:p="http://schemas.openxmlformats.org/presentationml/2006/main">
+  <p:cSld>
+    <p:spTree>
+      <p:nvGrpSpPr>
+        <p:cNvPr id="1" name=""/>
+        <p:cNvGrpSpPr/>
+        <p:nvPr/>
+      </p:nvGrpSpPr>
+      <p:grpSpPr>
+        <a:xfrm>
+          <a:off x="0" y="0"/>
+          <a:ext cx="0" cy="0"/>
+          <a:chOff x="0" y="0"/>
+          <a:chExt cx="0" cy="0"/>
+        </a:xfrm>
+      </p:grpSpPr>
+      <p:pic>
+        <p:nvPicPr>
+          <p:cNvPr id="2" name="Picture 1"/>
+          <p:cNvPicPr>
+            <a:picLocks noChangeAspect="1"/>
+          </p:cNvPicPr>
           <p:nvPr/>
-        </p:nvSpPr>
+        </p:nvPicPr>
+        <p:blipFill>
+          <a:blip r:embed="rId2">
+            <a:extLst>
+              <a:ext uri="{28A0092B-C50C-407E-A947-70E740481C1C}">
+                <a14:useLocalDpi xmlns:a14="http://schemas.microsoft.com/office/drawing/2010/main" val="0"/>
+              </a:ext>
+            </a:extLst>
+          </a:blip>
+          <a:stretch>
+            <a:fillRect/>
+          </a:stretch>
+        </p:blipFill>
         <p:spPr>
           <a:xfrm>
-            <a:off x="6172198" y="3771011"/>
-            <a:ext cx="2728866" cy="501651"/>
+            <a:off x="2667000" y="0"/>
+            <a:ext cx="6858000" cy="6858000"/>
           </a:xfrm>
           <a:prstGeom prst="rect">
             <a:avLst/>
           </a:prstGeom>
         </p:spPr>
-        <p:txBody>
-          <a:bodyPr vert="horz" lIns="91440" tIns="45720" rIns="91440" bIns="45720" rtlCol="0">
-            <a:normAutofit fontScale="85000" lnSpcReduction="10000"/>
-          </a:bodyPr>
-          <a:lstStyle>
-            <a:lvl1pPr marL="228600" indent="-228600" algn="l" defTabSz="914400" rtl="0" eaLnBrk="1" latinLnBrk="0" hangingPunct="1">
-              <a:lnSpc>
-                <a:spcPct val="90000"/>
-              </a:lnSpc>
-              <a:spcBef>
-                <a:spcPts val="1000"/>
-              </a:spcBef>
-              <a:buFont typeface="Arial" panose="020B0604020202020204" pitchFamily="34" charset="0"/>
-              <a:buChar char="•"/>
-              <a:defRPr sz="2800" kern="1200">
-                <a:solidFill>
-                  <a:schemeClr val="tx1"/>
-                </a:solidFill>
-                <a:latin typeface="+mn-lt"/>
-                <a:ea typeface="+mn-ea"/>
-                <a:cs typeface="+mn-cs"/>
-              </a:defRPr>
-            </a:lvl1pPr>
-            <a:lvl2pPr marL="685800" indent="-228600" algn="l" defTabSz="914400" rtl="0" eaLnBrk="1" latinLnBrk="0" hangingPunct="1">
-              <a:lnSpc>
-                <a:spcPct val="90000"/>
-              </a:lnSpc>
-              <a:spcBef>
-                <a:spcPts val="500"/>
-              </a:spcBef>
-              <a:buFont typeface="Arial" panose="020B0604020202020204" pitchFamily="34" charset="0"/>
-              <a:buChar char="•"/>
-              <a:defRPr sz="2400" kern="1200">
-                <a:solidFill>
-                  <a:schemeClr val="tx1"/>
-                </a:solidFill>
-                <a:latin typeface="+mn-lt"/>
-                <a:ea typeface="+mn-ea"/>
-                <a:cs typeface="+mn-cs"/>
-              </a:defRPr>
-            </a:lvl2pPr>
-            <a:lvl3pPr marL="1143000" indent="-228600" algn="l" defTabSz="914400" rtl="0" eaLnBrk="1" latinLnBrk="0" hangingPunct="1">
-              <a:lnSpc>
-                <a:spcPct val="90000"/>
-              </a:lnSpc>
-              <a:spcBef>
-                <a:spcPts val="500"/>
-              </a:spcBef>
-              <a:buFont typeface="Arial" panose="020B0604020202020204" pitchFamily="34" charset="0"/>
-              <a:buChar char="•"/>
-              <a:defRPr sz="2000" kern="1200">
-                <a:solidFill>
-                  <a:schemeClr val="tx1"/>
-                </a:solidFill>
-                <a:latin typeface="+mn-lt"/>
-                <a:ea typeface="+mn-ea"/>
-                <a:cs typeface="+mn-cs"/>
-              </a:defRPr>
-            </a:lvl3pPr>
-            <a:lvl4pPr marL="1600200" indent="-228600" algn="l" defTabSz="914400" rtl="0" eaLnBrk="1" latinLnBrk="0" hangingPunct="1">
-              <a:lnSpc>
-                <a:spcPct val="90000"/>
-              </a:lnSpc>
-              <a:spcBef>
-                <a:spcPts val="500"/>
-              </a:spcBef>
-              <a:buFont typeface="Arial" panose="020B0604020202020204" pitchFamily="34" charset="0"/>
-              <a:buChar char="•"/>
-              <a:defRPr sz="1800" kern="1200">
-                <a:solidFill>
-                  <a:schemeClr val="tx1"/>
-                </a:solidFill>
-                <a:latin typeface="+mn-lt"/>
-                <a:ea typeface="+mn-ea"/>
-                <a:cs typeface="+mn-cs"/>
-              </a:defRPr>
-            </a:lvl4pPr>
-            <a:lvl5pPr marL="2057400" indent="-228600" algn="l" defTabSz="914400" rtl="0" eaLnBrk="1" latinLnBrk="0" hangingPunct="1">
-              <a:lnSpc>
-                <a:spcPct val="90000"/>
-              </a:lnSpc>
-              <a:spcBef>
-                <a:spcPts val="500"/>
-              </a:spcBef>
-              <a:buFont typeface="Arial" panose="020B0604020202020204" pitchFamily="34" charset="0"/>
-              <a:buChar char="•"/>
-              <a:defRPr sz="1800" kern="1200">
-                <a:solidFill>
-                  <a:schemeClr val="tx1"/>
-                </a:solidFill>
-                <a:latin typeface="+mn-lt"/>
-                <a:ea typeface="+mn-ea"/>
-                <a:cs typeface="+mn-cs"/>
-              </a:defRPr>
-            </a:lvl5pPr>
-            <a:lvl6pPr marL="2514600" indent="-228600" algn="l" defTabSz="914400" rtl="0" eaLnBrk="1" latinLnBrk="0" hangingPunct="1">
-              <a:lnSpc>
-                <a:spcPct val="90000"/>
-              </a:lnSpc>
-              <a:spcBef>
-                <a:spcPts val="500"/>
-              </a:spcBef>
-              <a:buFont typeface="Arial" panose="020B0604020202020204" pitchFamily="34" charset="0"/>
-              <a:buChar char="•"/>
-              <a:defRPr sz="1800" kern="1200">
-                <a:solidFill>
-                  <a:schemeClr val="tx1"/>
-                </a:solidFill>
-                <a:latin typeface="+mn-lt"/>
-                <a:ea typeface="+mn-ea"/>
-                <a:cs typeface="+mn-cs"/>
-              </a:defRPr>
-            </a:lvl6pPr>
-            <a:lvl7pPr marL="2971800" indent="-228600" algn="l" defTabSz="914400" rtl="0" eaLnBrk="1" latinLnBrk="0" hangingPunct="1">
-              <a:lnSpc>
-                <a:spcPct val="90000"/>
-              </a:lnSpc>
-              <a:spcBef>
-                <a:spcPts val="500"/>
-              </a:spcBef>
-              <a:buFont typeface="Arial" panose="020B0604020202020204" pitchFamily="34" charset="0"/>
-              <a:buChar char="•"/>
-              <a:defRPr sz="1800" kern="1200">
-                <a:solidFill>
-                  <a:schemeClr val="tx1"/>
-                </a:solidFill>
-                <a:latin typeface="+mn-lt"/>
-                <a:ea typeface="+mn-ea"/>
-                <a:cs typeface="+mn-cs"/>
-              </a:defRPr>
-            </a:lvl7pPr>
-            <a:lvl8pPr marL="3429000" indent="-228600" algn="l" defTabSz="914400" rtl="0" eaLnBrk="1" latinLnBrk="0" hangingPunct="1">
-              <a:lnSpc>
-                <a:spcPct val="90000"/>
-              </a:lnSpc>
-              <a:spcBef>
-                <a:spcPts val="500"/>
-              </a:spcBef>
-              <a:buFont typeface="Arial" panose="020B0604020202020204" pitchFamily="34" charset="0"/>
-              <a:buChar char="•"/>
-              <a:defRPr sz="1800" kern="1200">
-                <a:solidFill>
-                  <a:schemeClr val="tx1"/>
-                </a:solidFill>
-                <a:latin typeface="+mn-lt"/>
-                <a:ea typeface="+mn-ea"/>
-                <a:cs typeface="+mn-cs"/>
-              </a:defRPr>
-            </a:lvl8pPr>
-            <a:lvl9pPr marL="3886200" indent="-228600" algn="l" defTabSz="914400" rtl="0" eaLnBrk="1" latinLnBrk="0" hangingPunct="1">
-              <a:lnSpc>
-                <a:spcPct val="90000"/>
-              </a:lnSpc>
-              <a:spcBef>
-                <a:spcPts val="500"/>
-              </a:spcBef>
-              <a:buFont typeface="Arial" panose="020B0604020202020204" pitchFamily="34" charset="0"/>
-              <a:buChar char="•"/>
-              <a:defRPr sz="1800" kern="1200">
-                <a:solidFill>
-                  <a:schemeClr val="tx1"/>
-                </a:solidFill>
-                <a:latin typeface="+mn-lt"/>
-                <a:ea typeface="+mn-ea"/>
-                <a:cs typeface="+mn-cs"/>
-              </a:defRPr>
-            </a:lvl9pPr>
-          </a:lstStyle>
-          <a:p>
-            <a:r>
-              <a:rPr lang="en-US" dirty="0" smtClean="0">
-                <a:solidFill>
-                  <a:schemeClr val="accent4">
-                    <a:lumMod val="75000"/>
-                  </a:schemeClr>
-                </a:solidFill>
-              </a:rPr>
-              <a:t>X[] &lt;- 1, x[2,,] &lt;- 2</a:t>
-            </a:r>
-            <a:endParaRPr lang="en-US" dirty="0" smtClean="0">
-              <a:solidFill>
-                <a:schemeClr val="accent4">
-                  <a:lumMod val="75000"/>
-                </a:schemeClr>
-              </a:solidFill>
-            </a:endParaRPr>
-          </a:p>
-        </p:txBody>
-      </p:sp>
+      </p:pic>
     </p:spTree>
     <p:extLst>
       <p:ext uri="{BB962C8B-B14F-4D97-AF65-F5344CB8AC3E}">
-        <p14:creationId xmlns:p14="http://schemas.microsoft.com/office/powerpoint/2010/main" val="1006062046"/>
+        <p14:creationId xmlns:p14="http://schemas.microsoft.com/office/powerpoint/2010/main" val="2607012505"/>
+      </p:ext>
+    </p:extLst>
+  </p:cSld>
+  <p:clrMapOvr>
+    <a:masterClrMapping/>
+  </p:clrMapOvr>
+</p:sld>
+</file>
+
+<file path=ppt/slides/slide19.xml><?xml version="1.0" encoding="utf-8"?>
+<p:sld xmlns:a="http://schemas.openxmlformats.org/drawingml/2006/main" xmlns:r="http://schemas.openxmlformats.org/officeDocument/2006/relationships" xmlns:p="http://schemas.openxmlformats.org/presentationml/2006/main">
+  <p:cSld>
+    <p:spTree>
+      <p:nvGrpSpPr>
+        <p:cNvPr id="1" name=""/>
+        <p:cNvGrpSpPr/>
+        <p:nvPr/>
+      </p:nvGrpSpPr>
+      <p:grpSpPr>
+        <a:xfrm>
+          <a:off x="0" y="0"/>
+          <a:ext cx="0" cy="0"/>
+          <a:chOff x="0" y="0"/>
+          <a:chExt cx="0" cy="0"/>
+        </a:xfrm>
+      </p:grpSpPr>
+      <p:pic>
+        <p:nvPicPr>
+          <p:cNvPr id="2" name="Picture 1"/>
+          <p:cNvPicPr>
+            <a:picLocks noChangeAspect="1"/>
+          </p:cNvPicPr>
+          <p:nvPr/>
+        </p:nvPicPr>
+        <p:blipFill>
+          <a:blip r:embed="rId2">
+            <a:extLst>
+              <a:ext uri="{28A0092B-C50C-407E-A947-70E740481C1C}">
+                <a14:useLocalDpi xmlns:a14="http://schemas.microsoft.com/office/drawing/2010/main" val="0"/>
+              </a:ext>
+            </a:extLst>
+          </a:blip>
+          <a:stretch>
+            <a:fillRect/>
+          </a:stretch>
+        </p:blipFill>
+        <p:spPr>
+          <a:xfrm>
+            <a:off x="2667000" y="0"/>
+            <a:ext cx="6858000" cy="6858000"/>
+          </a:xfrm>
+          <a:prstGeom prst="rect">
+            <a:avLst/>
+          </a:prstGeom>
+        </p:spPr>
+      </p:pic>
+    </p:spTree>
+    <p:extLst>
+      <p:ext uri="{BB962C8B-B14F-4D97-AF65-F5344CB8AC3E}">
+        <p14:creationId xmlns:p14="http://schemas.microsoft.com/office/powerpoint/2010/main" val="561156797"/>
       </p:ext>
     </p:extLst>
   </p:cSld>
@@ -5971,6 +3829,1166 @@
 </p:sld>
 </file>
 
+<file path=ppt/slides/slide20.xml><?xml version="1.0" encoding="utf-8"?>
+<p:sld xmlns:a="http://schemas.openxmlformats.org/drawingml/2006/main" xmlns:r="http://schemas.openxmlformats.org/officeDocument/2006/relationships" xmlns:p="http://schemas.openxmlformats.org/presentationml/2006/main">
+  <p:cSld>
+    <p:spTree>
+      <p:nvGrpSpPr>
+        <p:cNvPr id="1" name=""/>
+        <p:cNvGrpSpPr/>
+        <p:nvPr/>
+      </p:nvGrpSpPr>
+      <p:grpSpPr>
+        <a:xfrm>
+          <a:off x="0" y="0"/>
+          <a:ext cx="0" cy="0"/>
+          <a:chOff x="0" y="0"/>
+          <a:chExt cx="0" cy="0"/>
+        </a:xfrm>
+      </p:grpSpPr>
+      <p:pic>
+        <p:nvPicPr>
+          <p:cNvPr id="2" name="Picture 1"/>
+          <p:cNvPicPr>
+            <a:picLocks noChangeAspect="1"/>
+          </p:cNvPicPr>
+          <p:nvPr/>
+        </p:nvPicPr>
+        <p:blipFill>
+          <a:blip r:embed="rId2">
+            <a:extLst>
+              <a:ext uri="{28A0092B-C50C-407E-A947-70E740481C1C}">
+                <a14:useLocalDpi xmlns:a14="http://schemas.microsoft.com/office/drawing/2010/main" val="0"/>
+              </a:ext>
+            </a:extLst>
+          </a:blip>
+          <a:stretch>
+            <a:fillRect/>
+          </a:stretch>
+        </p:blipFill>
+        <p:spPr>
+          <a:xfrm>
+            <a:off x="2667000" y="0"/>
+            <a:ext cx="6858000" cy="6858000"/>
+          </a:xfrm>
+          <a:prstGeom prst="rect">
+            <a:avLst/>
+          </a:prstGeom>
+        </p:spPr>
+      </p:pic>
+    </p:spTree>
+    <p:extLst>
+      <p:ext uri="{BB962C8B-B14F-4D97-AF65-F5344CB8AC3E}">
+        <p14:creationId xmlns:p14="http://schemas.microsoft.com/office/powerpoint/2010/main" val="744264266"/>
+      </p:ext>
+    </p:extLst>
+  </p:cSld>
+  <p:clrMapOvr>
+    <a:masterClrMapping/>
+  </p:clrMapOvr>
+</p:sld>
+</file>
+
+<file path=ppt/slides/slide21.xml><?xml version="1.0" encoding="utf-8"?>
+<p:sld xmlns:a="http://schemas.openxmlformats.org/drawingml/2006/main" xmlns:r="http://schemas.openxmlformats.org/officeDocument/2006/relationships" xmlns:p="http://schemas.openxmlformats.org/presentationml/2006/main">
+  <p:cSld>
+    <p:spTree>
+      <p:nvGrpSpPr>
+        <p:cNvPr id="1" name=""/>
+        <p:cNvGrpSpPr/>
+        <p:nvPr/>
+      </p:nvGrpSpPr>
+      <p:grpSpPr>
+        <a:xfrm>
+          <a:off x="0" y="0"/>
+          <a:ext cx="0" cy="0"/>
+          <a:chOff x="0" y="0"/>
+          <a:chExt cx="0" cy="0"/>
+        </a:xfrm>
+      </p:grpSpPr>
+      <p:pic>
+        <p:nvPicPr>
+          <p:cNvPr id="2" name="Picture 1"/>
+          <p:cNvPicPr>
+            <a:picLocks noChangeAspect="1"/>
+          </p:cNvPicPr>
+          <p:nvPr/>
+        </p:nvPicPr>
+        <p:blipFill>
+          <a:blip r:embed="rId2">
+            <a:extLst>
+              <a:ext uri="{28A0092B-C50C-407E-A947-70E740481C1C}">
+                <a14:useLocalDpi xmlns:a14="http://schemas.microsoft.com/office/drawing/2010/main" val="0"/>
+              </a:ext>
+            </a:extLst>
+          </a:blip>
+          <a:stretch>
+            <a:fillRect/>
+          </a:stretch>
+        </p:blipFill>
+        <p:spPr>
+          <a:xfrm>
+            <a:off x="2667000" y="0"/>
+            <a:ext cx="6858000" cy="6858000"/>
+          </a:xfrm>
+          <a:prstGeom prst="rect">
+            <a:avLst/>
+          </a:prstGeom>
+        </p:spPr>
+      </p:pic>
+    </p:spTree>
+    <p:extLst>
+      <p:ext uri="{BB962C8B-B14F-4D97-AF65-F5344CB8AC3E}">
+        <p14:creationId xmlns:p14="http://schemas.microsoft.com/office/powerpoint/2010/main" val="2082591535"/>
+      </p:ext>
+    </p:extLst>
+  </p:cSld>
+  <p:clrMapOvr>
+    <a:masterClrMapping/>
+  </p:clrMapOvr>
+</p:sld>
+</file>
+
+<file path=ppt/slides/slide22.xml><?xml version="1.0" encoding="utf-8"?>
+<p:sld xmlns:a="http://schemas.openxmlformats.org/drawingml/2006/main" xmlns:r="http://schemas.openxmlformats.org/officeDocument/2006/relationships" xmlns:p="http://schemas.openxmlformats.org/presentationml/2006/main">
+  <p:cSld>
+    <p:spTree>
+      <p:nvGrpSpPr>
+        <p:cNvPr id="1" name=""/>
+        <p:cNvGrpSpPr/>
+        <p:nvPr/>
+      </p:nvGrpSpPr>
+      <p:grpSpPr>
+        <a:xfrm>
+          <a:off x="0" y="0"/>
+          <a:ext cx="0" cy="0"/>
+          <a:chOff x="0" y="0"/>
+          <a:chExt cx="0" cy="0"/>
+        </a:xfrm>
+      </p:grpSpPr>
+      <p:pic>
+        <p:nvPicPr>
+          <p:cNvPr id="2" name="Picture 1"/>
+          <p:cNvPicPr>
+            <a:picLocks noChangeAspect="1"/>
+          </p:cNvPicPr>
+          <p:nvPr/>
+        </p:nvPicPr>
+        <p:blipFill>
+          <a:blip r:embed="rId2">
+            <a:extLst>
+              <a:ext uri="{28A0092B-C50C-407E-A947-70E740481C1C}">
+                <a14:useLocalDpi xmlns:a14="http://schemas.microsoft.com/office/drawing/2010/main" val="0"/>
+              </a:ext>
+            </a:extLst>
+          </a:blip>
+          <a:stretch>
+            <a:fillRect/>
+          </a:stretch>
+        </p:blipFill>
+        <p:spPr>
+          <a:xfrm>
+            <a:off x="2667000" y="0"/>
+            <a:ext cx="6858000" cy="6858000"/>
+          </a:xfrm>
+          <a:prstGeom prst="rect">
+            <a:avLst/>
+          </a:prstGeom>
+        </p:spPr>
+      </p:pic>
+    </p:spTree>
+    <p:extLst>
+      <p:ext uri="{BB962C8B-B14F-4D97-AF65-F5344CB8AC3E}">
+        <p14:creationId xmlns:p14="http://schemas.microsoft.com/office/powerpoint/2010/main" val="2092244529"/>
+      </p:ext>
+    </p:extLst>
+  </p:cSld>
+  <p:clrMapOvr>
+    <a:masterClrMapping/>
+  </p:clrMapOvr>
+</p:sld>
+</file>
+
+<file path=ppt/slides/slide23.xml><?xml version="1.0" encoding="utf-8"?>
+<p:sld xmlns:a="http://schemas.openxmlformats.org/drawingml/2006/main" xmlns:r="http://schemas.openxmlformats.org/officeDocument/2006/relationships" xmlns:p="http://schemas.openxmlformats.org/presentationml/2006/main">
+  <p:cSld>
+    <p:spTree>
+      <p:nvGrpSpPr>
+        <p:cNvPr id="1" name=""/>
+        <p:cNvGrpSpPr/>
+        <p:nvPr/>
+      </p:nvGrpSpPr>
+      <p:grpSpPr>
+        <a:xfrm>
+          <a:off x="0" y="0"/>
+          <a:ext cx="0" cy="0"/>
+          <a:chOff x="0" y="0"/>
+          <a:chExt cx="0" cy="0"/>
+        </a:xfrm>
+      </p:grpSpPr>
+      <p:pic>
+        <p:nvPicPr>
+          <p:cNvPr id="2" name="Picture 1"/>
+          <p:cNvPicPr>
+            <a:picLocks noChangeAspect="1"/>
+          </p:cNvPicPr>
+          <p:nvPr/>
+        </p:nvPicPr>
+        <p:blipFill>
+          <a:blip r:embed="rId2">
+            <a:extLst>
+              <a:ext uri="{28A0092B-C50C-407E-A947-70E740481C1C}">
+                <a14:useLocalDpi xmlns:a14="http://schemas.microsoft.com/office/drawing/2010/main" val="0"/>
+              </a:ext>
+            </a:extLst>
+          </a:blip>
+          <a:stretch>
+            <a:fillRect/>
+          </a:stretch>
+        </p:blipFill>
+        <p:spPr>
+          <a:xfrm>
+            <a:off x="2667000" y="0"/>
+            <a:ext cx="6858000" cy="6858000"/>
+          </a:xfrm>
+          <a:prstGeom prst="rect">
+            <a:avLst/>
+          </a:prstGeom>
+        </p:spPr>
+      </p:pic>
+    </p:spTree>
+    <p:extLst>
+      <p:ext uri="{BB962C8B-B14F-4D97-AF65-F5344CB8AC3E}">
+        <p14:creationId xmlns:p14="http://schemas.microsoft.com/office/powerpoint/2010/main" val="2403155380"/>
+      </p:ext>
+    </p:extLst>
+  </p:cSld>
+  <p:clrMapOvr>
+    <a:masterClrMapping/>
+  </p:clrMapOvr>
+</p:sld>
+</file>
+
+<file path=ppt/slides/slide24.xml><?xml version="1.0" encoding="utf-8"?>
+<p:sld xmlns:a="http://schemas.openxmlformats.org/drawingml/2006/main" xmlns:r="http://schemas.openxmlformats.org/officeDocument/2006/relationships" xmlns:p="http://schemas.openxmlformats.org/presentationml/2006/main">
+  <p:cSld>
+    <p:spTree>
+      <p:nvGrpSpPr>
+        <p:cNvPr id="1" name=""/>
+        <p:cNvGrpSpPr/>
+        <p:nvPr/>
+      </p:nvGrpSpPr>
+      <p:grpSpPr>
+        <a:xfrm>
+          <a:off x="0" y="0"/>
+          <a:ext cx="0" cy="0"/>
+          <a:chOff x="0" y="0"/>
+          <a:chExt cx="0" cy="0"/>
+        </a:xfrm>
+      </p:grpSpPr>
+      <p:pic>
+        <p:nvPicPr>
+          <p:cNvPr id="2" name="Picture 1"/>
+          <p:cNvPicPr>
+            <a:picLocks noChangeAspect="1"/>
+          </p:cNvPicPr>
+          <p:nvPr/>
+        </p:nvPicPr>
+        <p:blipFill>
+          <a:blip r:embed="rId2">
+            <a:extLst>
+              <a:ext uri="{28A0092B-C50C-407E-A947-70E740481C1C}">
+                <a14:useLocalDpi xmlns:a14="http://schemas.microsoft.com/office/drawing/2010/main" val="0"/>
+              </a:ext>
+            </a:extLst>
+          </a:blip>
+          <a:stretch>
+            <a:fillRect/>
+          </a:stretch>
+        </p:blipFill>
+        <p:spPr>
+          <a:xfrm>
+            <a:off x="2667000" y="0"/>
+            <a:ext cx="6858000" cy="6858000"/>
+          </a:xfrm>
+          <a:prstGeom prst="rect">
+            <a:avLst/>
+          </a:prstGeom>
+        </p:spPr>
+      </p:pic>
+    </p:spTree>
+    <p:extLst>
+      <p:ext uri="{BB962C8B-B14F-4D97-AF65-F5344CB8AC3E}">
+        <p14:creationId xmlns:p14="http://schemas.microsoft.com/office/powerpoint/2010/main" val="3366171140"/>
+      </p:ext>
+    </p:extLst>
+  </p:cSld>
+  <p:clrMapOvr>
+    <a:masterClrMapping/>
+  </p:clrMapOvr>
+</p:sld>
+</file>
+
+<file path=ppt/slides/slide25.xml><?xml version="1.0" encoding="utf-8"?>
+<p:sld xmlns:a="http://schemas.openxmlformats.org/drawingml/2006/main" xmlns:r="http://schemas.openxmlformats.org/officeDocument/2006/relationships" xmlns:p="http://schemas.openxmlformats.org/presentationml/2006/main">
+  <p:cSld>
+    <p:spTree>
+      <p:nvGrpSpPr>
+        <p:cNvPr id="1" name=""/>
+        <p:cNvGrpSpPr/>
+        <p:nvPr/>
+      </p:nvGrpSpPr>
+      <p:grpSpPr>
+        <a:xfrm>
+          <a:off x="0" y="0"/>
+          <a:ext cx="0" cy="0"/>
+          <a:chOff x="0" y="0"/>
+          <a:chExt cx="0" cy="0"/>
+        </a:xfrm>
+      </p:grpSpPr>
+      <p:pic>
+        <p:nvPicPr>
+          <p:cNvPr id="2" name="Picture 1"/>
+          <p:cNvPicPr>
+            <a:picLocks noChangeAspect="1"/>
+          </p:cNvPicPr>
+          <p:nvPr/>
+        </p:nvPicPr>
+        <p:blipFill>
+          <a:blip r:embed="rId2">
+            <a:extLst>
+              <a:ext uri="{28A0092B-C50C-407E-A947-70E740481C1C}">
+                <a14:useLocalDpi xmlns:a14="http://schemas.microsoft.com/office/drawing/2010/main" val="0"/>
+              </a:ext>
+            </a:extLst>
+          </a:blip>
+          <a:stretch>
+            <a:fillRect/>
+          </a:stretch>
+        </p:blipFill>
+        <p:spPr>
+          <a:xfrm>
+            <a:off x="2667000" y="0"/>
+            <a:ext cx="6858000" cy="6858000"/>
+          </a:xfrm>
+          <a:prstGeom prst="rect">
+            <a:avLst/>
+          </a:prstGeom>
+        </p:spPr>
+      </p:pic>
+    </p:spTree>
+    <p:extLst>
+      <p:ext uri="{BB962C8B-B14F-4D97-AF65-F5344CB8AC3E}">
+        <p14:creationId xmlns:p14="http://schemas.microsoft.com/office/powerpoint/2010/main" val="2582873375"/>
+      </p:ext>
+    </p:extLst>
+  </p:cSld>
+  <p:clrMapOvr>
+    <a:masterClrMapping/>
+  </p:clrMapOvr>
+</p:sld>
+</file>
+
+<file path=ppt/slides/slide26.xml><?xml version="1.0" encoding="utf-8"?>
+<p:sld xmlns:a="http://schemas.openxmlformats.org/drawingml/2006/main" xmlns:r="http://schemas.openxmlformats.org/officeDocument/2006/relationships" xmlns:p="http://schemas.openxmlformats.org/presentationml/2006/main">
+  <p:cSld>
+    <p:spTree>
+      <p:nvGrpSpPr>
+        <p:cNvPr id="1" name=""/>
+        <p:cNvGrpSpPr/>
+        <p:nvPr/>
+      </p:nvGrpSpPr>
+      <p:grpSpPr>
+        <a:xfrm>
+          <a:off x="0" y="0"/>
+          <a:ext cx="0" cy="0"/>
+          <a:chOff x="0" y="0"/>
+          <a:chExt cx="0" cy="0"/>
+        </a:xfrm>
+      </p:grpSpPr>
+      <p:pic>
+        <p:nvPicPr>
+          <p:cNvPr id="2" name="Picture 1"/>
+          <p:cNvPicPr>
+            <a:picLocks noChangeAspect="1"/>
+          </p:cNvPicPr>
+          <p:nvPr/>
+        </p:nvPicPr>
+        <p:blipFill>
+          <a:blip r:embed="rId2">
+            <a:extLst>
+              <a:ext uri="{28A0092B-C50C-407E-A947-70E740481C1C}">
+                <a14:useLocalDpi xmlns:a14="http://schemas.microsoft.com/office/drawing/2010/main" val="0"/>
+              </a:ext>
+            </a:extLst>
+          </a:blip>
+          <a:stretch>
+            <a:fillRect/>
+          </a:stretch>
+        </p:blipFill>
+        <p:spPr>
+          <a:xfrm>
+            <a:off x="2667000" y="0"/>
+            <a:ext cx="6858000" cy="6858000"/>
+          </a:xfrm>
+          <a:prstGeom prst="rect">
+            <a:avLst/>
+          </a:prstGeom>
+        </p:spPr>
+      </p:pic>
+    </p:spTree>
+    <p:extLst>
+      <p:ext uri="{BB962C8B-B14F-4D97-AF65-F5344CB8AC3E}">
+        <p14:creationId xmlns:p14="http://schemas.microsoft.com/office/powerpoint/2010/main" val="4260679195"/>
+      </p:ext>
+    </p:extLst>
+  </p:cSld>
+  <p:clrMapOvr>
+    <a:masterClrMapping/>
+  </p:clrMapOvr>
+</p:sld>
+</file>
+
+<file path=ppt/slides/slide27.xml><?xml version="1.0" encoding="utf-8"?>
+<p:sld xmlns:a="http://schemas.openxmlformats.org/drawingml/2006/main" xmlns:r="http://schemas.openxmlformats.org/officeDocument/2006/relationships" xmlns:p="http://schemas.openxmlformats.org/presentationml/2006/main">
+  <p:cSld>
+    <p:spTree>
+      <p:nvGrpSpPr>
+        <p:cNvPr id="1" name=""/>
+        <p:cNvGrpSpPr/>
+        <p:nvPr/>
+      </p:nvGrpSpPr>
+      <p:grpSpPr>
+        <a:xfrm>
+          <a:off x="0" y="0"/>
+          <a:ext cx="0" cy="0"/>
+          <a:chOff x="0" y="0"/>
+          <a:chExt cx="0" cy="0"/>
+        </a:xfrm>
+      </p:grpSpPr>
+      <p:pic>
+        <p:nvPicPr>
+          <p:cNvPr id="3" name="Picture 2"/>
+          <p:cNvPicPr>
+            <a:picLocks noChangeAspect="1"/>
+          </p:cNvPicPr>
+          <p:nvPr/>
+        </p:nvPicPr>
+        <p:blipFill>
+          <a:blip r:embed="rId2">
+            <a:extLst>
+              <a:ext uri="{28A0092B-C50C-407E-A947-70E740481C1C}">
+                <a14:useLocalDpi xmlns:a14="http://schemas.microsoft.com/office/drawing/2010/main" val="0"/>
+              </a:ext>
+            </a:extLst>
+          </a:blip>
+          <a:stretch>
+            <a:fillRect/>
+          </a:stretch>
+        </p:blipFill>
+        <p:spPr>
+          <a:xfrm>
+            <a:off x="2667000" y="0"/>
+            <a:ext cx="6858000" cy="6858000"/>
+          </a:xfrm>
+          <a:prstGeom prst="rect">
+            <a:avLst/>
+          </a:prstGeom>
+        </p:spPr>
+      </p:pic>
+    </p:spTree>
+    <p:extLst>
+      <p:ext uri="{BB962C8B-B14F-4D97-AF65-F5344CB8AC3E}">
+        <p14:creationId xmlns:p14="http://schemas.microsoft.com/office/powerpoint/2010/main" val="585918496"/>
+      </p:ext>
+    </p:extLst>
+  </p:cSld>
+  <p:clrMapOvr>
+    <a:masterClrMapping/>
+  </p:clrMapOvr>
+</p:sld>
+</file>
+
+<file path=ppt/slides/slide28.xml><?xml version="1.0" encoding="utf-8"?>
+<p:sld xmlns:a="http://schemas.openxmlformats.org/drawingml/2006/main" xmlns:r="http://schemas.openxmlformats.org/officeDocument/2006/relationships" xmlns:p="http://schemas.openxmlformats.org/presentationml/2006/main">
+  <p:cSld>
+    <p:spTree>
+      <p:nvGrpSpPr>
+        <p:cNvPr id="1" name=""/>
+        <p:cNvGrpSpPr/>
+        <p:nvPr/>
+      </p:nvGrpSpPr>
+      <p:grpSpPr>
+        <a:xfrm>
+          <a:off x="0" y="0"/>
+          <a:ext cx="0" cy="0"/>
+          <a:chOff x="0" y="0"/>
+          <a:chExt cx="0" cy="0"/>
+        </a:xfrm>
+      </p:grpSpPr>
+      <p:sp>
+        <p:nvSpPr>
+          <p:cNvPr id="2" name="Title 1"/>
+          <p:cNvSpPr>
+            <a:spLocks noGrp="1"/>
+          </p:cNvSpPr>
+          <p:nvPr>
+            <p:ph type="title"/>
+          </p:nvPr>
+        </p:nvSpPr>
+        <p:spPr/>
+        <p:txBody>
+          <a:bodyPr/>
+          <a:lstStyle/>
+          <a:p>
+            <a:r>
+              <a:rPr lang="en-US" dirty="0" smtClean="0"/>
+              <a:t>Conclusions about Sensitivity Test</a:t>
+            </a:r>
+            <a:endParaRPr lang="en-US" dirty="0"/>
+          </a:p>
+        </p:txBody>
+      </p:sp>
+      <p:sp>
+        <p:nvSpPr>
+          <p:cNvPr id="3" name="Content Placeholder 2"/>
+          <p:cNvSpPr>
+            <a:spLocks noGrp="1"/>
+          </p:cNvSpPr>
+          <p:nvPr>
+            <p:ph idx="1"/>
+          </p:nvPr>
+        </p:nvSpPr>
+        <p:spPr/>
+        <p:txBody>
+          <a:bodyPr/>
+          <a:lstStyle/>
+          <a:p>
+            <a:r>
+              <a:rPr lang="en-US" dirty="0" smtClean="0"/>
+              <a:t>When the model is fit using the individual indices, there’s a higher recruitment estimated in the north</a:t>
+            </a:r>
+          </a:p>
+          <a:p>
+            <a:r>
+              <a:rPr lang="en-US" dirty="0" smtClean="0"/>
+              <a:t>This causes a higher SSB estimated as well</a:t>
+            </a:r>
+          </a:p>
+          <a:p>
+            <a:r>
+              <a:rPr lang="en-US" dirty="0" smtClean="0"/>
+              <a:t>Some of the indices fit better </a:t>
+            </a:r>
+            <a:r>
+              <a:rPr lang="en-US" smtClean="0"/>
+              <a:t>than others, </a:t>
+            </a:r>
+            <a:r>
+              <a:rPr lang="en-US" dirty="0" smtClean="0"/>
+              <a:t>because of their assumed CV</a:t>
+            </a:r>
+            <a:endParaRPr lang="en-US" dirty="0"/>
+          </a:p>
+        </p:txBody>
+      </p:sp>
+    </p:spTree>
+    <p:extLst>
+      <p:ext uri="{BB962C8B-B14F-4D97-AF65-F5344CB8AC3E}">
+        <p14:creationId xmlns:p14="http://schemas.microsoft.com/office/powerpoint/2010/main" val="149695505"/>
+      </p:ext>
+    </p:extLst>
+  </p:cSld>
+  <p:clrMapOvr>
+    <a:masterClrMapping/>
+  </p:clrMapOvr>
+</p:sld>
+</file>
+
+<file path=ppt/slides/slide29.xml><?xml version="1.0" encoding="utf-8"?>
+<p:sld xmlns:a="http://schemas.openxmlformats.org/drawingml/2006/main" xmlns:r="http://schemas.openxmlformats.org/officeDocument/2006/relationships" xmlns:p="http://schemas.openxmlformats.org/presentationml/2006/main">
+  <p:cSld>
+    <p:spTree>
+      <p:nvGrpSpPr>
+        <p:cNvPr id="1" name=""/>
+        <p:cNvGrpSpPr/>
+        <p:nvPr/>
+      </p:nvGrpSpPr>
+      <p:grpSpPr>
+        <a:xfrm>
+          <a:off x="0" y="0"/>
+          <a:ext cx="0" cy="0"/>
+          <a:chOff x="0" y="0"/>
+          <a:chExt cx="0" cy="0"/>
+        </a:xfrm>
+      </p:grpSpPr>
+      <p:sp>
+        <p:nvSpPr>
+          <p:cNvPr id="4" name="Title 3"/>
+          <p:cNvSpPr>
+            <a:spLocks noGrp="1"/>
+          </p:cNvSpPr>
+          <p:nvPr>
+            <p:ph type="title"/>
+          </p:nvPr>
+        </p:nvSpPr>
+        <p:spPr/>
+        <p:txBody>
+          <a:bodyPr/>
+          <a:lstStyle/>
+          <a:p>
+            <a:r>
+              <a:rPr lang="en-US" dirty="0" smtClean="0"/>
+              <a:t>Option 3: Run38 (NEAMAP Spring/Fall?)</a:t>
+            </a:r>
+            <a:endParaRPr lang="en-US" dirty="0"/>
+          </a:p>
+        </p:txBody>
+      </p:sp>
+      <p:sp>
+        <p:nvSpPr>
+          <p:cNvPr id="5" name="Text Placeholder 4"/>
+          <p:cNvSpPr>
+            <a:spLocks noGrp="1"/>
+          </p:cNvSpPr>
+          <p:nvPr>
+            <p:ph type="body" idx="1"/>
+          </p:nvPr>
+        </p:nvSpPr>
+        <p:spPr/>
+        <p:txBody>
+          <a:bodyPr/>
+          <a:lstStyle/>
+          <a:p>
+            <a:r>
+              <a:rPr lang="en-US" dirty="0" smtClean="0"/>
+              <a:t>Run 34 Indices</a:t>
+            </a:r>
+            <a:endParaRPr lang="en-US" dirty="0"/>
+          </a:p>
+        </p:txBody>
+      </p:sp>
+      <p:sp>
+        <p:nvSpPr>
+          <p:cNvPr id="6" name="Content Placeholder 5"/>
+          <p:cNvSpPr>
+            <a:spLocks noGrp="1"/>
+          </p:cNvSpPr>
+          <p:nvPr>
+            <p:ph sz="half" idx="2"/>
+          </p:nvPr>
+        </p:nvSpPr>
+        <p:spPr/>
+        <p:txBody>
+          <a:bodyPr>
+            <a:normAutofit/>
+          </a:bodyPr>
+          <a:lstStyle/>
+          <a:p>
+            <a:r>
+              <a:rPr lang="en-US" dirty="0" smtClean="0"/>
+              <a:t>North VAST</a:t>
+            </a:r>
+          </a:p>
+          <a:p>
+            <a:pPr lvl="1"/>
+            <a:r>
+              <a:rPr lang="en-US" dirty="0" err="1" smtClean="0">
+                <a:solidFill>
+                  <a:schemeClr val="accent5">
+                    <a:lumMod val="75000"/>
+                  </a:schemeClr>
+                </a:solidFill>
+              </a:rPr>
+              <a:t>Sel</a:t>
+            </a:r>
+            <a:r>
+              <a:rPr lang="en-US" dirty="0">
+                <a:solidFill>
+                  <a:schemeClr val="accent5">
+                    <a:lumMod val="75000"/>
+                  </a:schemeClr>
+                </a:solidFill>
+              </a:rPr>
+              <a:t> </a:t>
+            </a:r>
+            <a:r>
+              <a:rPr lang="en-US" dirty="0" smtClean="0">
+                <a:solidFill>
+                  <a:schemeClr val="accent5">
+                    <a:lumMod val="75000"/>
+                  </a:schemeClr>
+                </a:solidFill>
+              </a:rPr>
+              <a:t>RE: 2dar1</a:t>
+            </a:r>
+          </a:p>
+          <a:p>
+            <a:pPr lvl="1"/>
+            <a:r>
+              <a:rPr lang="en-US" dirty="0" smtClean="0">
+                <a:solidFill>
+                  <a:schemeClr val="accent4">
+                    <a:lumMod val="75000"/>
+                  </a:schemeClr>
+                </a:solidFill>
+              </a:rPr>
+              <a:t>Age comp: </a:t>
+            </a:r>
+            <a:r>
+              <a:rPr lang="en-US" dirty="0" err="1" smtClean="0">
+                <a:solidFill>
+                  <a:schemeClr val="accent4">
+                    <a:lumMod val="75000"/>
+                  </a:schemeClr>
+                </a:solidFill>
+              </a:rPr>
+              <a:t>dir-mult</a:t>
+            </a:r>
+            <a:endParaRPr lang="en-US" dirty="0" smtClean="0">
+              <a:solidFill>
+                <a:schemeClr val="accent4">
+                  <a:lumMod val="75000"/>
+                </a:schemeClr>
+              </a:solidFill>
+            </a:endParaRPr>
+          </a:p>
+          <a:p>
+            <a:r>
+              <a:rPr lang="en-US" dirty="0" smtClean="0"/>
+              <a:t>South VAST</a:t>
+            </a:r>
+          </a:p>
+          <a:p>
+            <a:pPr lvl="1"/>
+            <a:r>
+              <a:rPr lang="en-US" dirty="0" err="1" smtClean="0">
+                <a:solidFill>
+                  <a:schemeClr val="accent5">
+                    <a:lumMod val="75000"/>
+                  </a:schemeClr>
+                </a:solidFill>
+              </a:rPr>
+              <a:t>Sel</a:t>
+            </a:r>
+            <a:r>
+              <a:rPr lang="en-US" dirty="0" smtClean="0">
+                <a:solidFill>
+                  <a:schemeClr val="accent5">
+                    <a:lumMod val="75000"/>
+                  </a:schemeClr>
+                </a:solidFill>
+              </a:rPr>
+              <a:t> RE: none</a:t>
+            </a:r>
+          </a:p>
+          <a:p>
+            <a:pPr lvl="1"/>
+            <a:r>
+              <a:rPr lang="en-US" dirty="0" smtClean="0">
+                <a:solidFill>
+                  <a:schemeClr val="accent4">
+                    <a:lumMod val="75000"/>
+                  </a:schemeClr>
+                </a:solidFill>
+              </a:rPr>
+              <a:t>Age comp: logistic-normal-ar1-miss0</a:t>
+            </a:r>
+          </a:p>
+        </p:txBody>
+      </p:sp>
+      <p:sp>
+        <p:nvSpPr>
+          <p:cNvPr id="7" name="Text Placeholder 6"/>
+          <p:cNvSpPr>
+            <a:spLocks noGrp="1"/>
+          </p:cNvSpPr>
+          <p:nvPr>
+            <p:ph type="body" sz="quarter" idx="3"/>
+          </p:nvPr>
+        </p:nvSpPr>
+        <p:spPr/>
+        <p:txBody>
+          <a:bodyPr/>
+          <a:lstStyle/>
+          <a:p>
+            <a:r>
+              <a:rPr lang="en-US" dirty="0" smtClean="0"/>
+              <a:t>Run 38 Indices</a:t>
+            </a:r>
+            <a:endParaRPr lang="en-US" dirty="0"/>
+          </a:p>
+        </p:txBody>
+      </p:sp>
+      <p:sp>
+        <p:nvSpPr>
+          <p:cNvPr id="8" name="Content Placeholder 7"/>
+          <p:cNvSpPr>
+            <a:spLocks noGrp="1"/>
+          </p:cNvSpPr>
+          <p:nvPr>
+            <p:ph sz="quarter" idx="4"/>
+          </p:nvPr>
+        </p:nvSpPr>
+        <p:spPr>
+          <a:xfrm>
+            <a:off x="6172200" y="2505075"/>
+            <a:ext cx="2728866" cy="3684588"/>
+          </a:xfrm>
+        </p:spPr>
+        <p:txBody>
+          <a:bodyPr>
+            <a:normAutofit/>
+          </a:bodyPr>
+          <a:lstStyle/>
+          <a:p>
+            <a:r>
+              <a:rPr lang="en-US" dirty="0" smtClean="0"/>
+              <a:t>North</a:t>
+            </a:r>
+          </a:p>
+          <a:p>
+            <a:pPr lvl="1"/>
+            <a:r>
+              <a:rPr lang="en-US" dirty="0" smtClean="0"/>
+              <a:t>Spring Albatross</a:t>
+            </a:r>
+          </a:p>
+          <a:p>
+            <a:pPr lvl="1"/>
+            <a:r>
+              <a:rPr lang="en-US" dirty="0" smtClean="0"/>
+              <a:t>NEAMAP</a:t>
+            </a:r>
+          </a:p>
+          <a:p>
+            <a:pPr lvl="1"/>
+            <a:r>
+              <a:rPr lang="en-US" dirty="0" smtClean="0"/>
+              <a:t>Bigelow</a:t>
+            </a:r>
+          </a:p>
+          <a:p>
+            <a:r>
+              <a:rPr lang="en-US" dirty="0" err="1" smtClean="0">
+                <a:solidFill>
+                  <a:schemeClr val="accent5">
+                    <a:lumMod val="75000"/>
+                  </a:schemeClr>
+                </a:solidFill>
+              </a:rPr>
+              <a:t>Sel</a:t>
+            </a:r>
+            <a:r>
+              <a:rPr lang="en-US" dirty="0" smtClean="0">
+                <a:solidFill>
+                  <a:schemeClr val="accent5">
+                    <a:lumMod val="75000"/>
+                  </a:schemeClr>
+                </a:solidFill>
+              </a:rPr>
+              <a:t> RE: 2dar1</a:t>
+            </a:r>
+          </a:p>
+          <a:p>
+            <a:r>
+              <a:rPr lang="en-US" dirty="0" smtClean="0">
+                <a:solidFill>
+                  <a:schemeClr val="accent4">
+                    <a:lumMod val="75000"/>
+                  </a:schemeClr>
+                </a:solidFill>
+              </a:rPr>
+              <a:t>Age comp: </a:t>
+            </a:r>
+            <a:r>
+              <a:rPr lang="en-US" dirty="0" err="1" smtClean="0">
+                <a:solidFill>
+                  <a:schemeClr val="accent4">
+                    <a:lumMod val="75000"/>
+                  </a:schemeClr>
+                </a:solidFill>
+              </a:rPr>
+              <a:t>dir-mult</a:t>
+            </a:r>
+            <a:endParaRPr lang="en-US" dirty="0" smtClean="0">
+              <a:solidFill>
+                <a:schemeClr val="accent4">
+                  <a:lumMod val="75000"/>
+                </a:schemeClr>
+              </a:solidFill>
+            </a:endParaRPr>
+          </a:p>
+        </p:txBody>
+      </p:sp>
+      <p:sp>
+        <p:nvSpPr>
+          <p:cNvPr id="10" name="Content Placeholder 7"/>
+          <p:cNvSpPr txBox="1">
+            <a:spLocks/>
+          </p:cNvSpPr>
+          <p:nvPr/>
+        </p:nvSpPr>
+        <p:spPr>
+          <a:xfrm>
+            <a:off x="9075691" y="2391863"/>
+            <a:ext cx="2728866" cy="4200527"/>
+          </a:xfrm>
+          <a:prstGeom prst="rect">
+            <a:avLst/>
+          </a:prstGeom>
+        </p:spPr>
+        <p:txBody>
+          <a:bodyPr vert="horz" lIns="91440" tIns="45720" rIns="91440" bIns="45720" rtlCol="0">
+            <a:normAutofit/>
+          </a:bodyPr>
+          <a:lstStyle>
+            <a:lvl1pPr marL="228600" indent="-228600" algn="l" defTabSz="914400" rtl="0" eaLnBrk="1" latinLnBrk="0" hangingPunct="1">
+              <a:lnSpc>
+                <a:spcPct val="90000"/>
+              </a:lnSpc>
+              <a:spcBef>
+                <a:spcPts val="1000"/>
+              </a:spcBef>
+              <a:buFont typeface="Arial" panose="020B0604020202020204" pitchFamily="34" charset="0"/>
+              <a:buChar char="•"/>
+              <a:defRPr sz="2800" kern="1200">
+                <a:solidFill>
+                  <a:schemeClr val="tx1"/>
+                </a:solidFill>
+                <a:latin typeface="+mn-lt"/>
+                <a:ea typeface="+mn-ea"/>
+                <a:cs typeface="+mn-cs"/>
+              </a:defRPr>
+            </a:lvl1pPr>
+            <a:lvl2pPr marL="685800" indent="-228600" algn="l" defTabSz="914400" rtl="0" eaLnBrk="1" latinLnBrk="0" hangingPunct="1">
+              <a:lnSpc>
+                <a:spcPct val="90000"/>
+              </a:lnSpc>
+              <a:spcBef>
+                <a:spcPts val="500"/>
+              </a:spcBef>
+              <a:buFont typeface="Arial" panose="020B0604020202020204" pitchFamily="34" charset="0"/>
+              <a:buChar char="•"/>
+              <a:defRPr sz="2400" kern="1200">
+                <a:solidFill>
+                  <a:schemeClr val="tx1"/>
+                </a:solidFill>
+                <a:latin typeface="+mn-lt"/>
+                <a:ea typeface="+mn-ea"/>
+                <a:cs typeface="+mn-cs"/>
+              </a:defRPr>
+            </a:lvl2pPr>
+            <a:lvl3pPr marL="1143000" indent="-228600" algn="l" defTabSz="914400" rtl="0" eaLnBrk="1" latinLnBrk="0" hangingPunct="1">
+              <a:lnSpc>
+                <a:spcPct val="90000"/>
+              </a:lnSpc>
+              <a:spcBef>
+                <a:spcPts val="500"/>
+              </a:spcBef>
+              <a:buFont typeface="Arial" panose="020B0604020202020204" pitchFamily="34" charset="0"/>
+              <a:buChar char="•"/>
+              <a:defRPr sz="2000" kern="1200">
+                <a:solidFill>
+                  <a:schemeClr val="tx1"/>
+                </a:solidFill>
+                <a:latin typeface="+mn-lt"/>
+                <a:ea typeface="+mn-ea"/>
+                <a:cs typeface="+mn-cs"/>
+              </a:defRPr>
+            </a:lvl3pPr>
+            <a:lvl4pPr marL="1600200" indent="-228600" algn="l" defTabSz="914400" rtl="0" eaLnBrk="1" latinLnBrk="0" hangingPunct="1">
+              <a:lnSpc>
+                <a:spcPct val="90000"/>
+              </a:lnSpc>
+              <a:spcBef>
+                <a:spcPts val="500"/>
+              </a:spcBef>
+              <a:buFont typeface="Arial" panose="020B0604020202020204" pitchFamily="34" charset="0"/>
+              <a:buChar char="•"/>
+              <a:defRPr sz="1800" kern="1200">
+                <a:solidFill>
+                  <a:schemeClr val="tx1"/>
+                </a:solidFill>
+                <a:latin typeface="+mn-lt"/>
+                <a:ea typeface="+mn-ea"/>
+                <a:cs typeface="+mn-cs"/>
+              </a:defRPr>
+            </a:lvl4pPr>
+            <a:lvl5pPr marL="2057400" indent="-228600" algn="l" defTabSz="914400" rtl="0" eaLnBrk="1" latinLnBrk="0" hangingPunct="1">
+              <a:lnSpc>
+                <a:spcPct val="90000"/>
+              </a:lnSpc>
+              <a:spcBef>
+                <a:spcPts val="500"/>
+              </a:spcBef>
+              <a:buFont typeface="Arial" panose="020B0604020202020204" pitchFamily="34" charset="0"/>
+              <a:buChar char="•"/>
+              <a:defRPr sz="1800" kern="1200">
+                <a:solidFill>
+                  <a:schemeClr val="tx1"/>
+                </a:solidFill>
+                <a:latin typeface="+mn-lt"/>
+                <a:ea typeface="+mn-ea"/>
+                <a:cs typeface="+mn-cs"/>
+              </a:defRPr>
+            </a:lvl5pPr>
+            <a:lvl6pPr marL="2514600" indent="-228600" algn="l" defTabSz="914400" rtl="0" eaLnBrk="1" latinLnBrk="0" hangingPunct="1">
+              <a:lnSpc>
+                <a:spcPct val="90000"/>
+              </a:lnSpc>
+              <a:spcBef>
+                <a:spcPts val="500"/>
+              </a:spcBef>
+              <a:buFont typeface="Arial" panose="020B0604020202020204" pitchFamily="34" charset="0"/>
+              <a:buChar char="•"/>
+              <a:defRPr sz="1800" kern="1200">
+                <a:solidFill>
+                  <a:schemeClr val="tx1"/>
+                </a:solidFill>
+                <a:latin typeface="+mn-lt"/>
+                <a:ea typeface="+mn-ea"/>
+                <a:cs typeface="+mn-cs"/>
+              </a:defRPr>
+            </a:lvl6pPr>
+            <a:lvl7pPr marL="2971800" indent="-228600" algn="l" defTabSz="914400" rtl="0" eaLnBrk="1" latinLnBrk="0" hangingPunct="1">
+              <a:lnSpc>
+                <a:spcPct val="90000"/>
+              </a:lnSpc>
+              <a:spcBef>
+                <a:spcPts val="500"/>
+              </a:spcBef>
+              <a:buFont typeface="Arial" panose="020B0604020202020204" pitchFamily="34" charset="0"/>
+              <a:buChar char="•"/>
+              <a:defRPr sz="1800" kern="1200">
+                <a:solidFill>
+                  <a:schemeClr val="tx1"/>
+                </a:solidFill>
+                <a:latin typeface="+mn-lt"/>
+                <a:ea typeface="+mn-ea"/>
+                <a:cs typeface="+mn-cs"/>
+              </a:defRPr>
+            </a:lvl7pPr>
+            <a:lvl8pPr marL="3429000" indent="-228600" algn="l" defTabSz="914400" rtl="0" eaLnBrk="1" latinLnBrk="0" hangingPunct="1">
+              <a:lnSpc>
+                <a:spcPct val="90000"/>
+              </a:lnSpc>
+              <a:spcBef>
+                <a:spcPts val="500"/>
+              </a:spcBef>
+              <a:buFont typeface="Arial" panose="020B0604020202020204" pitchFamily="34" charset="0"/>
+              <a:buChar char="•"/>
+              <a:defRPr sz="1800" kern="1200">
+                <a:solidFill>
+                  <a:schemeClr val="tx1"/>
+                </a:solidFill>
+                <a:latin typeface="+mn-lt"/>
+                <a:ea typeface="+mn-ea"/>
+                <a:cs typeface="+mn-cs"/>
+              </a:defRPr>
+            </a:lvl8pPr>
+            <a:lvl9pPr marL="3886200" indent="-228600" algn="l" defTabSz="914400" rtl="0" eaLnBrk="1" latinLnBrk="0" hangingPunct="1">
+              <a:lnSpc>
+                <a:spcPct val="90000"/>
+              </a:lnSpc>
+              <a:spcBef>
+                <a:spcPts val="500"/>
+              </a:spcBef>
+              <a:buFont typeface="Arial" panose="020B0604020202020204" pitchFamily="34" charset="0"/>
+              <a:buChar char="•"/>
+              <a:defRPr sz="1800" kern="1200">
+                <a:solidFill>
+                  <a:schemeClr val="tx1"/>
+                </a:solidFill>
+                <a:latin typeface="+mn-lt"/>
+                <a:ea typeface="+mn-ea"/>
+                <a:cs typeface="+mn-cs"/>
+              </a:defRPr>
+            </a:lvl9pPr>
+          </a:lstStyle>
+          <a:p>
+            <a:r>
+              <a:rPr lang="en-US" dirty="0" smtClean="0"/>
+              <a:t>South</a:t>
+            </a:r>
+          </a:p>
+          <a:p>
+            <a:pPr lvl="1"/>
+            <a:r>
+              <a:rPr lang="en-US" dirty="0" smtClean="0"/>
+              <a:t>Spring Albatross</a:t>
+            </a:r>
+          </a:p>
+          <a:p>
+            <a:pPr lvl="1"/>
+            <a:r>
+              <a:rPr lang="en-US" dirty="0" smtClean="0"/>
+              <a:t>NEAMAP</a:t>
+            </a:r>
+          </a:p>
+          <a:p>
+            <a:pPr lvl="1"/>
+            <a:r>
+              <a:rPr lang="en-US" dirty="0" smtClean="0"/>
+              <a:t>Winter BT</a:t>
+            </a:r>
+          </a:p>
+          <a:p>
+            <a:pPr lvl="1"/>
+            <a:r>
+              <a:rPr lang="en-US" dirty="0" smtClean="0"/>
+              <a:t>Bigelow</a:t>
+            </a:r>
+          </a:p>
+          <a:p>
+            <a:r>
+              <a:rPr lang="en-US" dirty="0" err="1" smtClean="0">
+                <a:solidFill>
+                  <a:schemeClr val="accent5">
+                    <a:lumMod val="75000"/>
+                  </a:schemeClr>
+                </a:solidFill>
+              </a:rPr>
+              <a:t>Sel</a:t>
+            </a:r>
+            <a:r>
+              <a:rPr lang="en-US" dirty="0" smtClean="0">
+                <a:solidFill>
+                  <a:schemeClr val="accent5">
+                    <a:lumMod val="75000"/>
+                  </a:schemeClr>
+                </a:solidFill>
+              </a:rPr>
+              <a:t> RE: none</a:t>
+            </a:r>
+          </a:p>
+          <a:p>
+            <a:r>
+              <a:rPr lang="en-US" dirty="0" smtClean="0">
+                <a:solidFill>
+                  <a:schemeClr val="accent4">
+                    <a:lumMod val="75000"/>
+                  </a:schemeClr>
+                </a:solidFill>
+              </a:rPr>
+              <a:t>Age comp: logistic-normal-ar1-miss0</a:t>
+            </a:r>
+          </a:p>
+        </p:txBody>
+      </p:sp>
+    </p:spTree>
+    <p:extLst>
+      <p:ext uri="{BB962C8B-B14F-4D97-AF65-F5344CB8AC3E}">
+        <p14:creationId xmlns:p14="http://schemas.microsoft.com/office/powerpoint/2010/main" val="1679956051"/>
+      </p:ext>
+    </p:extLst>
+  </p:cSld>
+  <p:clrMapOvr>
+    <a:masterClrMapping/>
+  </p:clrMapOvr>
+</p:sld>
+</file>
+
 <file path=ppt/slides/slide3.xml><?xml version="1.0" encoding="utf-8"?>
 <p:sld xmlns:a="http://schemas.openxmlformats.org/drawingml/2006/main" xmlns:r="http://schemas.openxmlformats.org/officeDocument/2006/relationships" xmlns:p="http://schemas.openxmlformats.org/presentationml/2006/main">
   <p:cSld>
@@ -6108,6 +5126,2116 @@
     <p:extLst>
       <p:ext uri="{BB962C8B-B14F-4D97-AF65-F5344CB8AC3E}">
         <p14:creationId xmlns:p14="http://schemas.microsoft.com/office/powerpoint/2010/main" val="2619907487"/>
+      </p:ext>
+    </p:extLst>
+  </p:cSld>
+  <p:clrMapOvr>
+    <a:masterClrMapping/>
+  </p:clrMapOvr>
+</p:sld>
+</file>
+
+<file path=ppt/slides/slide30.xml><?xml version="1.0" encoding="utf-8"?>
+<p:sld xmlns:a="http://schemas.openxmlformats.org/drawingml/2006/main" xmlns:r="http://schemas.openxmlformats.org/officeDocument/2006/relationships" xmlns:p="http://schemas.openxmlformats.org/presentationml/2006/main">
+  <p:cSld>
+    <p:spTree>
+      <p:nvGrpSpPr>
+        <p:cNvPr id="1" name=""/>
+        <p:cNvGrpSpPr/>
+        <p:nvPr/>
+      </p:nvGrpSpPr>
+      <p:grpSpPr>
+        <a:xfrm>
+          <a:off x="0" y="0"/>
+          <a:ext cx="0" cy="0"/>
+          <a:chOff x="0" y="0"/>
+          <a:chExt cx="0" cy="0"/>
+        </a:xfrm>
+      </p:grpSpPr>
+      <p:sp>
+        <p:nvSpPr>
+          <p:cNvPr id="2" name="Title 1"/>
+          <p:cNvSpPr>
+            <a:spLocks noGrp="1"/>
+          </p:cNvSpPr>
+          <p:nvPr>
+            <p:ph type="title"/>
+          </p:nvPr>
+        </p:nvSpPr>
+        <p:spPr/>
+        <p:txBody>
+          <a:bodyPr/>
+          <a:lstStyle/>
+          <a:p>
+            <a:r>
+              <a:rPr lang="en-US" dirty="0" smtClean="0"/>
+              <a:t>Options for Sensitivity Item 2</a:t>
+            </a:r>
+            <a:endParaRPr lang="en-US" dirty="0"/>
+          </a:p>
+        </p:txBody>
+      </p:sp>
+      <p:sp>
+        <p:nvSpPr>
+          <p:cNvPr id="3" name="Content Placeholder 2"/>
+          <p:cNvSpPr>
+            <a:spLocks noGrp="1"/>
+          </p:cNvSpPr>
+          <p:nvPr>
+            <p:ph idx="1"/>
+          </p:nvPr>
+        </p:nvSpPr>
+        <p:spPr/>
+        <p:txBody>
+          <a:bodyPr/>
+          <a:lstStyle/>
+          <a:p>
+            <a:pPr marL="514350" indent="-514350">
+              <a:buFont typeface="+mj-lt"/>
+              <a:buAutoNum type="arabicPeriod"/>
+            </a:pPr>
+            <a:r>
+              <a:rPr lang="en-US" dirty="0" smtClean="0"/>
+              <a:t>Look at the estimated initial F and the confidence interval. Pick the 25</a:t>
+            </a:r>
+            <a:r>
+              <a:rPr lang="en-US" baseline="30000" dirty="0" smtClean="0"/>
+              <a:t>th</a:t>
+            </a:r>
+            <a:r>
+              <a:rPr lang="en-US" dirty="0" smtClean="0"/>
+              <a:t> and 75</a:t>
+            </a:r>
+            <a:r>
+              <a:rPr lang="en-US" baseline="30000" dirty="0" smtClean="0"/>
+              <a:t>th</a:t>
+            </a:r>
+            <a:r>
+              <a:rPr lang="en-US" dirty="0" smtClean="0"/>
+              <a:t> value of the distribution and fix them at those values in estimation model</a:t>
+            </a:r>
+            <a:endParaRPr lang="en-US" strike="sngStrike" dirty="0"/>
+          </a:p>
+        </p:txBody>
+      </p:sp>
+    </p:spTree>
+    <p:extLst>
+      <p:ext uri="{BB962C8B-B14F-4D97-AF65-F5344CB8AC3E}">
+        <p14:creationId xmlns:p14="http://schemas.microsoft.com/office/powerpoint/2010/main" val="399200767"/>
+      </p:ext>
+    </p:extLst>
+  </p:cSld>
+  <p:clrMapOvr>
+    <a:masterClrMapping/>
+  </p:clrMapOvr>
+</p:sld>
+</file>
+
+<file path=ppt/slides/slide31.xml><?xml version="1.0" encoding="utf-8"?>
+<p:sld xmlns:a="http://schemas.openxmlformats.org/drawingml/2006/main" xmlns:r="http://schemas.openxmlformats.org/officeDocument/2006/relationships" xmlns:p="http://schemas.openxmlformats.org/presentationml/2006/main">
+  <p:cSld>
+    <p:spTree>
+      <p:nvGrpSpPr>
+        <p:cNvPr id="1" name=""/>
+        <p:cNvGrpSpPr/>
+        <p:nvPr/>
+      </p:nvGrpSpPr>
+      <p:grpSpPr>
+        <a:xfrm>
+          <a:off x="0" y="0"/>
+          <a:ext cx="0" cy="0"/>
+          <a:chOff x="0" y="0"/>
+          <a:chExt cx="0" cy="0"/>
+        </a:xfrm>
+      </p:grpSpPr>
+      <p:sp>
+        <p:nvSpPr>
+          <p:cNvPr id="4" name="Title 3"/>
+          <p:cNvSpPr>
+            <a:spLocks noGrp="1"/>
+          </p:cNvSpPr>
+          <p:nvPr>
+            <p:ph type="title"/>
+          </p:nvPr>
+        </p:nvSpPr>
+        <p:spPr/>
+        <p:txBody>
+          <a:bodyPr/>
+          <a:lstStyle/>
+          <a:p>
+            <a:r>
+              <a:rPr lang="en-US" dirty="0" smtClean="0"/>
+              <a:t>Run 39</a:t>
+            </a:r>
+            <a:endParaRPr lang="en-US" dirty="0"/>
+          </a:p>
+        </p:txBody>
+      </p:sp>
+      <p:sp>
+        <p:nvSpPr>
+          <p:cNvPr id="5" name="Text Placeholder 4"/>
+          <p:cNvSpPr>
+            <a:spLocks noGrp="1"/>
+          </p:cNvSpPr>
+          <p:nvPr>
+            <p:ph type="body" idx="1"/>
+          </p:nvPr>
+        </p:nvSpPr>
+        <p:spPr/>
+        <p:txBody>
+          <a:bodyPr/>
+          <a:lstStyle/>
+          <a:p>
+            <a:r>
+              <a:rPr lang="en-US" dirty="0" smtClean="0"/>
+              <a:t>Run 34</a:t>
+            </a:r>
+            <a:endParaRPr lang="en-US" dirty="0"/>
+          </a:p>
+        </p:txBody>
+      </p:sp>
+      <p:sp>
+        <p:nvSpPr>
+          <p:cNvPr id="6" name="Content Placeholder 5"/>
+          <p:cNvSpPr>
+            <a:spLocks noGrp="1"/>
+          </p:cNvSpPr>
+          <p:nvPr>
+            <p:ph sz="half" idx="2"/>
+          </p:nvPr>
+        </p:nvSpPr>
+        <p:spPr/>
+        <p:txBody>
+          <a:bodyPr>
+            <a:normAutofit/>
+          </a:bodyPr>
+          <a:lstStyle/>
+          <a:p>
+            <a:r>
+              <a:rPr lang="en-US" dirty="0" smtClean="0"/>
+              <a:t>Initial F estimated at XXX</a:t>
+            </a:r>
+            <a:endParaRPr lang="en-US" dirty="0" smtClean="0">
+              <a:solidFill>
+                <a:schemeClr val="accent4">
+                  <a:lumMod val="75000"/>
+                </a:schemeClr>
+              </a:solidFill>
+            </a:endParaRPr>
+          </a:p>
+        </p:txBody>
+      </p:sp>
+      <p:sp>
+        <p:nvSpPr>
+          <p:cNvPr id="7" name="Text Placeholder 6"/>
+          <p:cNvSpPr>
+            <a:spLocks noGrp="1"/>
+          </p:cNvSpPr>
+          <p:nvPr>
+            <p:ph type="body" sz="quarter" idx="3"/>
+          </p:nvPr>
+        </p:nvSpPr>
+        <p:spPr>
+          <a:xfrm>
+            <a:off x="6172200" y="2053525"/>
+            <a:ext cx="1390973" cy="451550"/>
+          </a:xfrm>
+        </p:spPr>
+        <p:txBody>
+          <a:bodyPr/>
+          <a:lstStyle/>
+          <a:p>
+            <a:r>
+              <a:rPr lang="en-US" dirty="0" smtClean="0"/>
+              <a:t>Run 39</a:t>
+            </a:r>
+            <a:endParaRPr lang="en-US" dirty="0"/>
+          </a:p>
+        </p:txBody>
+      </p:sp>
+      <p:sp>
+        <p:nvSpPr>
+          <p:cNvPr id="8" name="Content Placeholder 7"/>
+          <p:cNvSpPr>
+            <a:spLocks noGrp="1"/>
+          </p:cNvSpPr>
+          <p:nvPr>
+            <p:ph sz="quarter" idx="4"/>
+          </p:nvPr>
+        </p:nvSpPr>
+        <p:spPr>
+          <a:xfrm>
+            <a:off x="6172200" y="2505075"/>
+            <a:ext cx="2728866" cy="501651"/>
+          </a:xfrm>
+        </p:spPr>
+        <p:txBody>
+          <a:bodyPr>
+            <a:normAutofit/>
+          </a:bodyPr>
+          <a:lstStyle/>
+          <a:p>
+            <a:r>
+              <a:rPr lang="en-US" dirty="0" smtClean="0"/>
+              <a:t>F fixed at XXX</a:t>
+            </a:r>
+            <a:endParaRPr lang="en-US" dirty="0" smtClean="0">
+              <a:solidFill>
+                <a:schemeClr val="accent4">
+                  <a:lumMod val="75000"/>
+                </a:schemeClr>
+              </a:solidFill>
+            </a:endParaRPr>
+          </a:p>
+        </p:txBody>
+      </p:sp>
+      <p:sp>
+        <p:nvSpPr>
+          <p:cNvPr id="9" name="Text Placeholder 6"/>
+          <p:cNvSpPr txBox="1">
+            <a:spLocks/>
+          </p:cNvSpPr>
+          <p:nvPr/>
+        </p:nvSpPr>
+        <p:spPr>
+          <a:xfrm>
+            <a:off x="6172200" y="3319462"/>
+            <a:ext cx="1390973" cy="451550"/>
+          </a:xfrm>
+          <a:prstGeom prst="rect">
+            <a:avLst/>
+          </a:prstGeom>
+        </p:spPr>
+        <p:txBody>
+          <a:bodyPr vert="horz" lIns="91440" tIns="45720" rIns="91440" bIns="45720" rtlCol="0" anchor="b">
+            <a:normAutofit/>
+          </a:bodyPr>
+          <a:lstStyle>
+            <a:lvl1pPr marL="0" indent="0" algn="l" defTabSz="914400" rtl="0" eaLnBrk="1" latinLnBrk="0" hangingPunct="1">
+              <a:lnSpc>
+                <a:spcPct val="90000"/>
+              </a:lnSpc>
+              <a:spcBef>
+                <a:spcPts val="1000"/>
+              </a:spcBef>
+              <a:buFont typeface="Arial" panose="020B0604020202020204" pitchFamily="34" charset="0"/>
+              <a:buNone/>
+              <a:defRPr sz="2400" b="1" kern="1200">
+                <a:solidFill>
+                  <a:schemeClr val="tx1"/>
+                </a:solidFill>
+                <a:latin typeface="+mn-lt"/>
+                <a:ea typeface="+mn-ea"/>
+                <a:cs typeface="+mn-cs"/>
+              </a:defRPr>
+            </a:lvl1pPr>
+            <a:lvl2pPr marL="457200" indent="0" algn="l" defTabSz="914400" rtl="0" eaLnBrk="1" latinLnBrk="0" hangingPunct="1">
+              <a:lnSpc>
+                <a:spcPct val="90000"/>
+              </a:lnSpc>
+              <a:spcBef>
+                <a:spcPts val="500"/>
+              </a:spcBef>
+              <a:buFont typeface="Arial" panose="020B0604020202020204" pitchFamily="34" charset="0"/>
+              <a:buNone/>
+              <a:defRPr sz="2000" b="1" kern="1200">
+                <a:solidFill>
+                  <a:schemeClr val="tx1"/>
+                </a:solidFill>
+                <a:latin typeface="+mn-lt"/>
+                <a:ea typeface="+mn-ea"/>
+                <a:cs typeface="+mn-cs"/>
+              </a:defRPr>
+            </a:lvl2pPr>
+            <a:lvl3pPr marL="914400" indent="0" algn="l" defTabSz="914400" rtl="0" eaLnBrk="1" latinLnBrk="0" hangingPunct="1">
+              <a:lnSpc>
+                <a:spcPct val="90000"/>
+              </a:lnSpc>
+              <a:spcBef>
+                <a:spcPts val="500"/>
+              </a:spcBef>
+              <a:buFont typeface="Arial" panose="020B0604020202020204" pitchFamily="34" charset="0"/>
+              <a:buNone/>
+              <a:defRPr sz="1800" b="1" kern="1200">
+                <a:solidFill>
+                  <a:schemeClr val="tx1"/>
+                </a:solidFill>
+                <a:latin typeface="+mn-lt"/>
+                <a:ea typeface="+mn-ea"/>
+                <a:cs typeface="+mn-cs"/>
+              </a:defRPr>
+            </a:lvl3pPr>
+            <a:lvl4pPr marL="1371600" indent="0" algn="l" defTabSz="914400" rtl="0" eaLnBrk="1" latinLnBrk="0" hangingPunct="1">
+              <a:lnSpc>
+                <a:spcPct val="90000"/>
+              </a:lnSpc>
+              <a:spcBef>
+                <a:spcPts val="500"/>
+              </a:spcBef>
+              <a:buFont typeface="Arial" panose="020B0604020202020204" pitchFamily="34" charset="0"/>
+              <a:buNone/>
+              <a:defRPr sz="1600" b="1" kern="1200">
+                <a:solidFill>
+                  <a:schemeClr val="tx1"/>
+                </a:solidFill>
+                <a:latin typeface="+mn-lt"/>
+                <a:ea typeface="+mn-ea"/>
+                <a:cs typeface="+mn-cs"/>
+              </a:defRPr>
+            </a:lvl4pPr>
+            <a:lvl5pPr marL="1828800" indent="0" algn="l" defTabSz="914400" rtl="0" eaLnBrk="1" latinLnBrk="0" hangingPunct="1">
+              <a:lnSpc>
+                <a:spcPct val="90000"/>
+              </a:lnSpc>
+              <a:spcBef>
+                <a:spcPts val="500"/>
+              </a:spcBef>
+              <a:buFont typeface="Arial" panose="020B0604020202020204" pitchFamily="34" charset="0"/>
+              <a:buNone/>
+              <a:defRPr sz="1600" b="1" kern="1200">
+                <a:solidFill>
+                  <a:schemeClr val="tx1"/>
+                </a:solidFill>
+                <a:latin typeface="+mn-lt"/>
+                <a:ea typeface="+mn-ea"/>
+                <a:cs typeface="+mn-cs"/>
+              </a:defRPr>
+            </a:lvl5pPr>
+            <a:lvl6pPr marL="2286000" indent="0" algn="l" defTabSz="914400" rtl="0" eaLnBrk="1" latinLnBrk="0" hangingPunct="1">
+              <a:lnSpc>
+                <a:spcPct val="90000"/>
+              </a:lnSpc>
+              <a:spcBef>
+                <a:spcPts val="500"/>
+              </a:spcBef>
+              <a:buFont typeface="Arial" panose="020B0604020202020204" pitchFamily="34" charset="0"/>
+              <a:buNone/>
+              <a:defRPr sz="1600" b="1" kern="1200">
+                <a:solidFill>
+                  <a:schemeClr val="tx1"/>
+                </a:solidFill>
+                <a:latin typeface="+mn-lt"/>
+                <a:ea typeface="+mn-ea"/>
+                <a:cs typeface="+mn-cs"/>
+              </a:defRPr>
+            </a:lvl6pPr>
+            <a:lvl7pPr marL="2743200" indent="0" algn="l" defTabSz="914400" rtl="0" eaLnBrk="1" latinLnBrk="0" hangingPunct="1">
+              <a:lnSpc>
+                <a:spcPct val="90000"/>
+              </a:lnSpc>
+              <a:spcBef>
+                <a:spcPts val="500"/>
+              </a:spcBef>
+              <a:buFont typeface="Arial" panose="020B0604020202020204" pitchFamily="34" charset="0"/>
+              <a:buNone/>
+              <a:defRPr sz="1600" b="1" kern="1200">
+                <a:solidFill>
+                  <a:schemeClr val="tx1"/>
+                </a:solidFill>
+                <a:latin typeface="+mn-lt"/>
+                <a:ea typeface="+mn-ea"/>
+                <a:cs typeface="+mn-cs"/>
+              </a:defRPr>
+            </a:lvl7pPr>
+            <a:lvl8pPr marL="3200400" indent="0" algn="l" defTabSz="914400" rtl="0" eaLnBrk="1" latinLnBrk="0" hangingPunct="1">
+              <a:lnSpc>
+                <a:spcPct val="90000"/>
+              </a:lnSpc>
+              <a:spcBef>
+                <a:spcPts val="500"/>
+              </a:spcBef>
+              <a:buFont typeface="Arial" panose="020B0604020202020204" pitchFamily="34" charset="0"/>
+              <a:buNone/>
+              <a:defRPr sz="1600" b="1" kern="1200">
+                <a:solidFill>
+                  <a:schemeClr val="tx1"/>
+                </a:solidFill>
+                <a:latin typeface="+mn-lt"/>
+                <a:ea typeface="+mn-ea"/>
+                <a:cs typeface="+mn-cs"/>
+              </a:defRPr>
+            </a:lvl8pPr>
+            <a:lvl9pPr marL="3657600" indent="0" algn="l" defTabSz="914400" rtl="0" eaLnBrk="1" latinLnBrk="0" hangingPunct="1">
+              <a:lnSpc>
+                <a:spcPct val="90000"/>
+              </a:lnSpc>
+              <a:spcBef>
+                <a:spcPts val="500"/>
+              </a:spcBef>
+              <a:buFont typeface="Arial" panose="020B0604020202020204" pitchFamily="34" charset="0"/>
+              <a:buNone/>
+              <a:defRPr sz="1600" b="1" kern="1200">
+                <a:solidFill>
+                  <a:schemeClr val="tx1"/>
+                </a:solidFill>
+                <a:latin typeface="+mn-lt"/>
+                <a:ea typeface="+mn-ea"/>
+                <a:cs typeface="+mn-cs"/>
+              </a:defRPr>
+            </a:lvl9pPr>
+          </a:lstStyle>
+          <a:p>
+            <a:r>
+              <a:rPr lang="en-US" dirty="0" smtClean="0"/>
+              <a:t>Run 40</a:t>
+            </a:r>
+            <a:endParaRPr lang="en-US" dirty="0"/>
+          </a:p>
+        </p:txBody>
+      </p:sp>
+      <p:sp>
+        <p:nvSpPr>
+          <p:cNvPr id="11" name="Content Placeholder 7"/>
+          <p:cNvSpPr txBox="1">
+            <a:spLocks/>
+          </p:cNvSpPr>
+          <p:nvPr/>
+        </p:nvSpPr>
+        <p:spPr>
+          <a:xfrm>
+            <a:off x="6172199" y="3771012"/>
+            <a:ext cx="3490993" cy="501651"/>
+          </a:xfrm>
+          <a:prstGeom prst="rect">
+            <a:avLst/>
+          </a:prstGeom>
+        </p:spPr>
+        <p:txBody>
+          <a:bodyPr vert="horz" lIns="91440" tIns="45720" rIns="91440" bIns="45720" rtlCol="0">
+            <a:normAutofit fontScale="92500"/>
+          </a:bodyPr>
+          <a:lstStyle>
+            <a:lvl1pPr marL="228600" indent="-228600" algn="l" defTabSz="914400" rtl="0" eaLnBrk="1" latinLnBrk="0" hangingPunct="1">
+              <a:lnSpc>
+                <a:spcPct val="90000"/>
+              </a:lnSpc>
+              <a:spcBef>
+                <a:spcPts val="1000"/>
+              </a:spcBef>
+              <a:buFont typeface="Arial" panose="020B0604020202020204" pitchFamily="34" charset="0"/>
+              <a:buChar char="•"/>
+              <a:defRPr sz="2800" kern="1200">
+                <a:solidFill>
+                  <a:schemeClr val="tx1"/>
+                </a:solidFill>
+                <a:latin typeface="+mn-lt"/>
+                <a:ea typeface="+mn-ea"/>
+                <a:cs typeface="+mn-cs"/>
+              </a:defRPr>
+            </a:lvl1pPr>
+            <a:lvl2pPr marL="685800" indent="-228600" algn="l" defTabSz="914400" rtl="0" eaLnBrk="1" latinLnBrk="0" hangingPunct="1">
+              <a:lnSpc>
+                <a:spcPct val="90000"/>
+              </a:lnSpc>
+              <a:spcBef>
+                <a:spcPts val="500"/>
+              </a:spcBef>
+              <a:buFont typeface="Arial" panose="020B0604020202020204" pitchFamily="34" charset="0"/>
+              <a:buChar char="•"/>
+              <a:defRPr sz="2400" kern="1200">
+                <a:solidFill>
+                  <a:schemeClr val="tx1"/>
+                </a:solidFill>
+                <a:latin typeface="+mn-lt"/>
+                <a:ea typeface="+mn-ea"/>
+                <a:cs typeface="+mn-cs"/>
+              </a:defRPr>
+            </a:lvl2pPr>
+            <a:lvl3pPr marL="1143000" indent="-228600" algn="l" defTabSz="914400" rtl="0" eaLnBrk="1" latinLnBrk="0" hangingPunct="1">
+              <a:lnSpc>
+                <a:spcPct val="90000"/>
+              </a:lnSpc>
+              <a:spcBef>
+                <a:spcPts val="500"/>
+              </a:spcBef>
+              <a:buFont typeface="Arial" panose="020B0604020202020204" pitchFamily="34" charset="0"/>
+              <a:buChar char="•"/>
+              <a:defRPr sz="2000" kern="1200">
+                <a:solidFill>
+                  <a:schemeClr val="tx1"/>
+                </a:solidFill>
+                <a:latin typeface="+mn-lt"/>
+                <a:ea typeface="+mn-ea"/>
+                <a:cs typeface="+mn-cs"/>
+              </a:defRPr>
+            </a:lvl3pPr>
+            <a:lvl4pPr marL="1600200" indent="-228600" algn="l" defTabSz="914400" rtl="0" eaLnBrk="1" latinLnBrk="0" hangingPunct="1">
+              <a:lnSpc>
+                <a:spcPct val="90000"/>
+              </a:lnSpc>
+              <a:spcBef>
+                <a:spcPts val="500"/>
+              </a:spcBef>
+              <a:buFont typeface="Arial" panose="020B0604020202020204" pitchFamily="34" charset="0"/>
+              <a:buChar char="•"/>
+              <a:defRPr sz="1800" kern="1200">
+                <a:solidFill>
+                  <a:schemeClr val="tx1"/>
+                </a:solidFill>
+                <a:latin typeface="+mn-lt"/>
+                <a:ea typeface="+mn-ea"/>
+                <a:cs typeface="+mn-cs"/>
+              </a:defRPr>
+            </a:lvl4pPr>
+            <a:lvl5pPr marL="2057400" indent="-228600" algn="l" defTabSz="914400" rtl="0" eaLnBrk="1" latinLnBrk="0" hangingPunct="1">
+              <a:lnSpc>
+                <a:spcPct val="90000"/>
+              </a:lnSpc>
+              <a:spcBef>
+                <a:spcPts val="500"/>
+              </a:spcBef>
+              <a:buFont typeface="Arial" panose="020B0604020202020204" pitchFamily="34" charset="0"/>
+              <a:buChar char="•"/>
+              <a:defRPr sz="1800" kern="1200">
+                <a:solidFill>
+                  <a:schemeClr val="tx1"/>
+                </a:solidFill>
+                <a:latin typeface="+mn-lt"/>
+                <a:ea typeface="+mn-ea"/>
+                <a:cs typeface="+mn-cs"/>
+              </a:defRPr>
+            </a:lvl5pPr>
+            <a:lvl6pPr marL="2514600" indent="-228600" algn="l" defTabSz="914400" rtl="0" eaLnBrk="1" latinLnBrk="0" hangingPunct="1">
+              <a:lnSpc>
+                <a:spcPct val="90000"/>
+              </a:lnSpc>
+              <a:spcBef>
+                <a:spcPts val="500"/>
+              </a:spcBef>
+              <a:buFont typeface="Arial" panose="020B0604020202020204" pitchFamily="34" charset="0"/>
+              <a:buChar char="•"/>
+              <a:defRPr sz="1800" kern="1200">
+                <a:solidFill>
+                  <a:schemeClr val="tx1"/>
+                </a:solidFill>
+                <a:latin typeface="+mn-lt"/>
+                <a:ea typeface="+mn-ea"/>
+                <a:cs typeface="+mn-cs"/>
+              </a:defRPr>
+            </a:lvl6pPr>
+            <a:lvl7pPr marL="2971800" indent="-228600" algn="l" defTabSz="914400" rtl="0" eaLnBrk="1" latinLnBrk="0" hangingPunct="1">
+              <a:lnSpc>
+                <a:spcPct val="90000"/>
+              </a:lnSpc>
+              <a:spcBef>
+                <a:spcPts val="500"/>
+              </a:spcBef>
+              <a:buFont typeface="Arial" panose="020B0604020202020204" pitchFamily="34" charset="0"/>
+              <a:buChar char="•"/>
+              <a:defRPr sz="1800" kern="1200">
+                <a:solidFill>
+                  <a:schemeClr val="tx1"/>
+                </a:solidFill>
+                <a:latin typeface="+mn-lt"/>
+                <a:ea typeface="+mn-ea"/>
+                <a:cs typeface="+mn-cs"/>
+              </a:defRPr>
+            </a:lvl7pPr>
+            <a:lvl8pPr marL="3429000" indent="-228600" algn="l" defTabSz="914400" rtl="0" eaLnBrk="1" latinLnBrk="0" hangingPunct="1">
+              <a:lnSpc>
+                <a:spcPct val="90000"/>
+              </a:lnSpc>
+              <a:spcBef>
+                <a:spcPts val="500"/>
+              </a:spcBef>
+              <a:buFont typeface="Arial" panose="020B0604020202020204" pitchFamily="34" charset="0"/>
+              <a:buChar char="•"/>
+              <a:defRPr sz="1800" kern="1200">
+                <a:solidFill>
+                  <a:schemeClr val="tx1"/>
+                </a:solidFill>
+                <a:latin typeface="+mn-lt"/>
+                <a:ea typeface="+mn-ea"/>
+                <a:cs typeface="+mn-cs"/>
+              </a:defRPr>
+            </a:lvl8pPr>
+            <a:lvl9pPr marL="3886200" indent="-228600" algn="l" defTabSz="914400" rtl="0" eaLnBrk="1" latinLnBrk="0" hangingPunct="1">
+              <a:lnSpc>
+                <a:spcPct val="90000"/>
+              </a:lnSpc>
+              <a:spcBef>
+                <a:spcPts val="500"/>
+              </a:spcBef>
+              <a:buFont typeface="Arial" panose="020B0604020202020204" pitchFamily="34" charset="0"/>
+              <a:buChar char="•"/>
+              <a:defRPr sz="1800" kern="1200">
+                <a:solidFill>
+                  <a:schemeClr val="tx1"/>
+                </a:solidFill>
+                <a:latin typeface="+mn-lt"/>
+                <a:ea typeface="+mn-ea"/>
+                <a:cs typeface="+mn-cs"/>
+              </a:defRPr>
+            </a:lvl9pPr>
+          </a:lstStyle>
+          <a:p>
+            <a:r>
+              <a:rPr lang="en-US" dirty="0" smtClean="0"/>
+              <a:t>F fixed at 25% CI Value</a:t>
+            </a:r>
+            <a:endParaRPr lang="en-US" dirty="0" smtClean="0">
+              <a:solidFill>
+                <a:schemeClr val="accent4">
+                  <a:lumMod val="75000"/>
+                </a:schemeClr>
+              </a:solidFill>
+            </a:endParaRPr>
+          </a:p>
+        </p:txBody>
+      </p:sp>
+      <p:sp>
+        <p:nvSpPr>
+          <p:cNvPr id="16" name="Text Placeholder 6"/>
+          <p:cNvSpPr txBox="1">
+            <a:spLocks/>
+          </p:cNvSpPr>
+          <p:nvPr/>
+        </p:nvSpPr>
+        <p:spPr>
+          <a:xfrm>
+            <a:off x="6172200" y="4585399"/>
+            <a:ext cx="1390973" cy="451550"/>
+          </a:xfrm>
+          <a:prstGeom prst="rect">
+            <a:avLst/>
+          </a:prstGeom>
+        </p:spPr>
+        <p:txBody>
+          <a:bodyPr vert="horz" lIns="91440" tIns="45720" rIns="91440" bIns="45720" rtlCol="0" anchor="b">
+            <a:normAutofit/>
+          </a:bodyPr>
+          <a:lstStyle>
+            <a:lvl1pPr marL="0" indent="0" algn="l" defTabSz="914400" rtl="0" eaLnBrk="1" latinLnBrk="0" hangingPunct="1">
+              <a:lnSpc>
+                <a:spcPct val="90000"/>
+              </a:lnSpc>
+              <a:spcBef>
+                <a:spcPts val="1000"/>
+              </a:spcBef>
+              <a:buFont typeface="Arial" panose="020B0604020202020204" pitchFamily="34" charset="0"/>
+              <a:buNone/>
+              <a:defRPr sz="2400" b="1" kern="1200">
+                <a:solidFill>
+                  <a:schemeClr val="tx1"/>
+                </a:solidFill>
+                <a:latin typeface="+mn-lt"/>
+                <a:ea typeface="+mn-ea"/>
+                <a:cs typeface="+mn-cs"/>
+              </a:defRPr>
+            </a:lvl1pPr>
+            <a:lvl2pPr marL="457200" indent="0" algn="l" defTabSz="914400" rtl="0" eaLnBrk="1" latinLnBrk="0" hangingPunct="1">
+              <a:lnSpc>
+                <a:spcPct val="90000"/>
+              </a:lnSpc>
+              <a:spcBef>
+                <a:spcPts val="500"/>
+              </a:spcBef>
+              <a:buFont typeface="Arial" panose="020B0604020202020204" pitchFamily="34" charset="0"/>
+              <a:buNone/>
+              <a:defRPr sz="2000" b="1" kern="1200">
+                <a:solidFill>
+                  <a:schemeClr val="tx1"/>
+                </a:solidFill>
+                <a:latin typeface="+mn-lt"/>
+                <a:ea typeface="+mn-ea"/>
+                <a:cs typeface="+mn-cs"/>
+              </a:defRPr>
+            </a:lvl2pPr>
+            <a:lvl3pPr marL="914400" indent="0" algn="l" defTabSz="914400" rtl="0" eaLnBrk="1" latinLnBrk="0" hangingPunct="1">
+              <a:lnSpc>
+                <a:spcPct val="90000"/>
+              </a:lnSpc>
+              <a:spcBef>
+                <a:spcPts val="500"/>
+              </a:spcBef>
+              <a:buFont typeface="Arial" panose="020B0604020202020204" pitchFamily="34" charset="0"/>
+              <a:buNone/>
+              <a:defRPr sz="1800" b="1" kern="1200">
+                <a:solidFill>
+                  <a:schemeClr val="tx1"/>
+                </a:solidFill>
+                <a:latin typeface="+mn-lt"/>
+                <a:ea typeface="+mn-ea"/>
+                <a:cs typeface="+mn-cs"/>
+              </a:defRPr>
+            </a:lvl3pPr>
+            <a:lvl4pPr marL="1371600" indent="0" algn="l" defTabSz="914400" rtl="0" eaLnBrk="1" latinLnBrk="0" hangingPunct="1">
+              <a:lnSpc>
+                <a:spcPct val="90000"/>
+              </a:lnSpc>
+              <a:spcBef>
+                <a:spcPts val="500"/>
+              </a:spcBef>
+              <a:buFont typeface="Arial" panose="020B0604020202020204" pitchFamily="34" charset="0"/>
+              <a:buNone/>
+              <a:defRPr sz="1600" b="1" kern="1200">
+                <a:solidFill>
+                  <a:schemeClr val="tx1"/>
+                </a:solidFill>
+                <a:latin typeface="+mn-lt"/>
+                <a:ea typeface="+mn-ea"/>
+                <a:cs typeface="+mn-cs"/>
+              </a:defRPr>
+            </a:lvl4pPr>
+            <a:lvl5pPr marL="1828800" indent="0" algn="l" defTabSz="914400" rtl="0" eaLnBrk="1" latinLnBrk="0" hangingPunct="1">
+              <a:lnSpc>
+                <a:spcPct val="90000"/>
+              </a:lnSpc>
+              <a:spcBef>
+                <a:spcPts val="500"/>
+              </a:spcBef>
+              <a:buFont typeface="Arial" panose="020B0604020202020204" pitchFamily="34" charset="0"/>
+              <a:buNone/>
+              <a:defRPr sz="1600" b="1" kern="1200">
+                <a:solidFill>
+                  <a:schemeClr val="tx1"/>
+                </a:solidFill>
+                <a:latin typeface="+mn-lt"/>
+                <a:ea typeface="+mn-ea"/>
+                <a:cs typeface="+mn-cs"/>
+              </a:defRPr>
+            </a:lvl5pPr>
+            <a:lvl6pPr marL="2286000" indent="0" algn="l" defTabSz="914400" rtl="0" eaLnBrk="1" latinLnBrk="0" hangingPunct="1">
+              <a:lnSpc>
+                <a:spcPct val="90000"/>
+              </a:lnSpc>
+              <a:spcBef>
+                <a:spcPts val="500"/>
+              </a:spcBef>
+              <a:buFont typeface="Arial" panose="020B0604020202020204" pitchFamily="34" charset="0"/>
+              <a:buNone/>
+              <a:defRPr sz="1600" b="1" kern="1200">
+                <a:solidFill>
+                  <a:schemeClr val="tx1"/>
+                </a:solidFill>
+                <a:latin typeface="+mn-lt"/>
+                <a:ea typeface="+mn-ea"/>
+                <a:cs typeface="+mn-cs"/>
+              </a:defRPr>
+            </a:lvl6pPr>
+            <a:lvl7pPr marL="2743200" indent="0" algn="l" defTabSz="914400" rtl="0" eaLnBrk="1" latinLnBrk="0" hangingPunct="1">
+              <a:lnSpc>
+                <a:spcPct val="90000"/>
+              </a:lnSpc>
+              <a:spcBef>
+                <a:spcPts val="500"/>
+              </a:spcBef>
+              <a:buFont typeface="Arial" panose="020B0604020202020204" pitchFamily="34" charset="0"/>
+              <a:buNone/>
+              <a:defRPr sz="1600" b="1" kern="1200">
+                <a:solidFill>
+                  <a:schemeClr val="tx1"/>
+                </a:solidFill>
+                <a:latin typeface="+mn-lt"/>
+                <a:ea typeface="+mn-ea"/>
+                <a:cs typeface="+mn-cs"/>
+              </a:defRPr>
+            </a:lvl7pPr>
+            <a:lvl8pPr marL="3200400" indent="0" algn="l" defTabSz="914400" rtl="0" eaLnBrk="1" latinLnBrk="0" hangingPunct="1">
+              <a:lnSpc>
+                <a:spcPct val="90000"/>
+              </a:lnSpc>
+              <a:spcBef>
+                <a:spcPts val="500"/>
+              </a:spcBef>
+              <a:buFont typeface="Arial" panose="020B0604020202020204" pitchFamily="34" charset="0"/>
+              <a:buNone/>
+              <a:defRPr sz="1600" b="1" kern="1200">
+                <a:solidFill>
+                  <a:schemeClr val="tx1"/>
+                </a:solidFill>
+                <a:latin typeface="+mn-lt"/>
+                <a:ea typeface="+mn-ea"/>
+                <a:cs typeface="+mn-cs"/>
+              </a:defRPr>
+            </a:lvl8pPr>
+            <a:lvl9pPr marL="3657600" indent="0" algn="l" defTabSz="914400" rtl="0" eaLnBrk="1" latinLnBrk="0" hangingPunct="1">
+              <a:lnSpc>
+                <a:spcPct val="90000"/>
+              </a:lnSpc>
+              <a:spcBef>
+                <a:spcPts val="500"/>
+              </a:spcBef>
+              <a:buFont typeface="Arial" panose="020B0604020202020204" pitchFamily="34" charset="0"/>
+              <a:buNone/>
+              <a:defRPr sz="1600" b="1" kern="1200">
+                <a:solidFill>
+                  <a:schemeClr val="tx1"/>
+                </a:solidFill>
+                <a:latin typeface="+mn-lt"/>
+                <a:ea typeface="+mn-ea"/>
+                <a:cs typeface="+mn-cs"/>
+              </a:defRPr>
+            </a:lvl9pPr>
+          </a:lstStyle>
+          <a:p>
+            <a:r>
+              <a:rPr lang="en-US" dirty="0" smtClean="0"/>
+              <a:t>Run 41</a:t>
+            </a:r>
+            <a:endParaRPr lang="en-US" dirty="0"/>
+          </a:p>
+        </p:txBody>
+      </p:sp>
+      <p:sp>
+        <p:nvSpPr>
+          <p:cNvPr id="17" name="Content Placeholder 7"/>
+          <p:cNvSpPr txBox="1">
+            <a:spLocks/>
+          </p:cNvSpPr>
+          <p:nvPr/>
+        </p:nvSpPr>
+        <p:spPr>
+          <a:xfrm>
+            <a:off x="6172199" y="5036949"/>
+            <a:ext cx="3490993" cy="501651"/>
+          </a:xfrm>
+          <a:prstGeom prst="rect">
+            <a:avLst/>
+          </a:prstGeom>
+        </p:spPr>
+        <p:txBody>
+          <a:bodyPr vert="horz" lIns="91440" tIns="45720" rIns="91440" bIns="45720" rtlCol="0">
+            <a:normAutofit fontScale="92500"/>
+          </a:bodyPr>
+          <a:lstStyle>
+            <a:lvl1pPr marL="228600" indent="-228600" algn="l" defTabSz="914400" rtl="0" eaLnBrk="1" latinLnBrk="0" hangingPunct="1">
+              <a:lnSpc>
+                <a:spcPct val="90000"/>
+              </a:lnSpc>
+              <a:spcBef>
+                <a:spcPts val="1000"/>
+              </a:spcBef>
+              <a:buFont typeface="Arial" panose="020B0604020202020204" pitchFamily="34" charset="0"/>
+              <a:buChar char="•"/>
+              <a:defRPr sz="2800" kern="1200">
+                <a:solidFill>
+                  <a:schemeClr val="tx1"/>
+                </a:solidFill>
+                <a:latin typeface="+mn-lt"/>
+                <a:ea typeface="+mn-ea"/>
+                <a:cs typeface="+mn-cs"/>
+              </a:defRPr>
+            </a:lvl1pPr>
+            <a:lvl2pPr marL="685800" indent="-228600" algn="l" defTabSz="914400" rtl="0" eaLnBrk="1" latinLnBrk="0" hangingPunct="1">
+              <a:lnSpc>
+                <a:spcPct val="90000"/>
+              </a:lnSpc>
+              <a:spcBef>
+                <a:spcPts val="500"/>
+              </a:spcBef>
+              <a:buFont typeface="Arial" panose="020B0604020202020204" pitchFamily="34" charset="0"/>
+              <a:buChar char="•"/>
+              <a:defRPr sz="2400" kern="1200">
+                <a:solidFill>
+                  <a:schemeClr val="tx1"/>
+                </a:solidFill>
+                <a:latin typeface="+mn-lt"/>
+                <a:ea typeface="+mn-ea"/>
+                <a:cs typeface="+mn-cs"/>
+              </a:defRPr>
+            </a:lvl2pPr>
+            <a:lvl3pPr marL="1143000" indent="-228600" algn="l" defTabSz="914400" rtl="0" eaLnBrk="1" latinLnBrk="0" hangingPunct="1">
+              <a:lnSpc>
+                <a:spcPct val="90000"/>
+              </a:lnSpc>
+              <a:spcBef>
+                <a:spcPts val="500"/>
+              </a:spcBef>
+              <a:buFont typeface="Arial" panose="020B0604020202020204" pitchFamily="34" charset="0"/>
+              <a:buChar char="•"/>
+              <a:defRPr sz="2000" kern="1200">
+                <a:solidFill>
+                  <a:schemeClr val="tx1"/>
+                </a:solidFill>
+                <a:latin typeface="+mn-lt"/>
+                <a:ea typeface="+mn-ea"/>
+                <a:cs typeface="+mn-cs"/>
+              </a:defRPr>
+            </a:lvl3pPr>
+            <a:lvl4pPr marL="1600200" indent="-228600" algn="l" defTabSz="914400" rtl="0" eaLnBrk="1" latinLnBrk="0" hangingPunct="1">
+              <a:lnSpc>
+                <a:spcPct val="90000"/>
+              </a:lnSpc>
+              <a:spcBef>
+                <a:spcPts val="500"/>
+              </a:spcBef>
+              <a:buFont typeface="Arial" panose="020B0604020202020204" pitchFamily="34" charset="0"/>
+              <a:buChar char="•"/>
+              <a:defRPr sz="1800" kern="1200">
+                <a:solidFill>
+                  <a:schemeClr val="tx1"/>
+                </a:solidFill>
+                <a:latin typeface="+mn-lt"/>
+                <a:ea typeface="+mn-ea"/>
+                <a:cs typeface="+mn-cs"/>
+              </a:defRPr>
+            </a:lvl4pPr>
+            <a:lvl5pPr marL="2057400" indent="-228600" algn="l" defTabSz="914400" rtl="0" eaLnBrk="1" latinLnBrk="0" hangingPunct="1">
+              <a:lnSpc>
+                <a:spcPct val="90000"/>
+              </a:lnSpc>
+              <a:spcBef>
+                <a:spcPts val="500"/>
+              </a:spcBef>
+              <a:buFont typeface="Arial" panose="020B0604020202020204" pitchFamily="34" charset="0"/>
+              <a:buChar char="•"/>
+              <a:defRPr sz="1800" kern="1200">
+                <a:solidFill>
+                  <a:schemeClr val="tx1"/>
+                </a:solidFill>
+                <a:latin typeface="+mn-lt"/>
+                <a:ea typeface="+mn-ea"/>
+                <a:cs typeface="+mn-cs"/>
+              </a:defRPr>
+            </a:lvl5pPr>
+            <a:lvl6pPr marL="2514600" indent="-228600" algn="l" defTabSz="914400" rtl="0" eaLnBrk="1" latinLnBrk="0" hangingPunct="1">
+              <a:lnSpc>
+                <a:spcPct val="90000"/>
+              </a:lnSpc>
+              <a:spcBef>
+                <a:spcPts val="500"/>
+              </a:spcBef>
+              <a:buFont typeface="Arial" panose="020B0604020202020204" pitchFamily="34" charset="0"/>
+              <a:buChar char="•"/>
+              <a:defRPr sz="1800" kern="1200">
+                <a:solidFill>
+                  <a:schemeClr val="tx1"/>
+                </a:solidFill>
+                <a:latin typeface="+mn-lt"/>
+                <a:ea typeface="+mn-ea"/>
+                <a:cs typeface="+mn-cs"/>
+              </a:defRPr>
+            </a:lvl6pPr>
+            <a:lvl7pPr marL="2971800" indent="-228600" algn="l" defTabSz="914400" rtl="0" eaLnBrk="1" latinLnBrk="0" hangingPunct="1">
+              <a:lnSpc>
+                <a:spcPct val="90000"/>
+              </a:lnSpc>
+              <a:spcBef>
+                <a:spcPts val="500"/>
+              </a:spcBef>
+              <a:buFont typeface="Arial" panose="020B0604020202020204" pitchFamily="34" charset="0"/>
+              <a:buChar char="•"/>
+              <a:defRPr sz="1800" kern="1200">
+                <a:solidFill>
+                  <a:schemeClr val="tx1"/>
+                </a:solidFill>
+                <a:latin typeface="+mn-lt"/>
+                <a:ea typeface="+mn-ea"/>
+                <a:cs typeface="+mn-cs"/>
+              </a:defRPr>
+            </a:lvl7pPr>
+            <a:lvl8pPr marL="3429000" indent="-228600" algn="l" defTabSz="914400" rtl="0" eaLnBrk="1" latinLnBrk="0" hangingPunct="1">
+              <a:lnSpc>
+                <a:spcPct val="90000"/>
+              </a:lnSpc>
+              <a:spcBef>
+                <a:spcPts val="500"/>
+              </a:spcBef>
+              <a:buFont typeface="Arial" panose="020B0604020202020204" pitchFamily="34" charset="0"/>
+              <a:buChar char="•"/>
+              <a:defRPr sz="1800" kern="1200">
+                <a:solidFill>
+                  <a:schemeClr val="tx1"/>
+                </a:solidFill>
+                <a:latin typeface="+mn-lt"/>
+                <a:ea typeface="+mn-ea"/>
+                <a:cs typeface="+mn-cs"/>
+              </a:defRPr>
+            </a:lvl8pPr>
+            <a:lvl9pPr marL="3886200" indent="-228600" algn="l" defTabSz="914400" rtl="0" eaLnBrk="1" latinLnBrk="0" hangingPunct="1">
+              <a:lnSpc>
+                <a:spcPct val="90000"/>
+              </a:lnSpc>
+              <a:spcBef>
+                <a:spcPts val="500"/>
+              </a:spcBef>
+              <a:buFont typeface="Arial" panose="020B0604020202020204" pitchFamily="34" charset="0"/>
+              <a:buChar char="•"/>
+              <a:defRPr sz="1800" kern="1200">
+                <a:solidFill>
+                  <a:schemeClr val="tx1"/>
+                </a:solidFill>
+                <a:latin typeface="+mn-lt"/>
+                <a:ea typeface="+mn-ea"/>
+                <a:cs typeface="+mn-cs"/>
+              </a:defRPr>
+            </a:lvl9pPr>
+          </a:lstStyle>
+          <a:p>
+            <a:r>
+              <a:rPr lang="en-US" dirty="0" smtClean="0"/>
+              <a:t>F fixed at 75% CI Value</a:t>
+            </a:r>
+            <a:endParaRPr lang="en-US" dirty="0" smtClean="0">
+              <a:solidFill>
+                <a:schemeClr val="accent4">
+                  <a:lumMod val="75000"/>
+                </a:schemeClr>
+              </a:solidFill>
+            </a:endParaRPr>
+          </a:p>
+        </p:txBody>
+      </p:sp>
+    </p:spTree>
+    <p:extLst>
+      <p:ext uri="{BB962C8B-B14F-4D97-AF65-F5344CB8AC3E}">
+        <p14:creationId xmlns:p14="http://schemas.microsoft.com/office/powerpoint/2010/main" val="3855491165"/>
+      </p:ext>
+    </p:extLst>
+  </p:cSld>
+  <p:clrMapOvr>
+    <a:masterClrMapping/>
+  </p:clrMapOvr>
+</p:sld>
+</file>
+
+<file path=ppt/slides/slide32.xml><?xml version="1.0" encoding="utf-8"?>
+<p:sld xmlns:a="http://schemas.openxmlformats.org/drawingml/2006/main" xmlns:r="http://schemas.openxmlformats.org/officeDocument/2006/relationships" xmlns:p="http://schemas.openxmlformats.org/presentationml/2006/main">
+  <p:cSld>
+    <p:spTree>
+      <p:nvGrpSpPr>
+        <p:cNvPr id="1" name=""/>
+        <p:cNvGrpSpPr/>
+        <p:nvPr/>
+      </p:nvGrpSpPr>
+      <p:grpSpPr>
+        <a:xfrm>
+          <a:off x="0" y="0"/>
+          <a:ext cx="0" cy="0"/>
+          <a:chOff x="0" y="0"/>
+          <a:chExt cx="0" cy="0"/>
+        </a:xfrm>
+      </p:grpSpPr>
+      <p:sp>
+        <p:nvSpPr>
+          <p:cNvPr id="2" name="Title 1"/>
+          <p:cNvSpPr>
+            <a:spLocks noGrp="1"/>
+          </p:cNvSpPr>
+          <p:nvPr>
+            <p:ph type="title"/>
+          </p:nvPr>
+        </p:nvSpPr>
+        <p:spPr/>
+        <p:txBody>
+          <a:bodyPr/>
+          <a:lstStyle/>
+          <a:p>
+            <a:r>
+              <a:rPr lang="en-US" dirty="0" smtClean="0"/>
+              <a:t>Options for Sensitivity Item 1</a:t>
+            </a:r>
+            <a:endParaRPr lang="en-US" dirty="0"/>
+          </a:p>
+        </p:txBody>
+      </p:sp>
+      <p:sp>
+        <p:nvSpPr>
+          <p:cNvPr id="3" name="Content Placeholder 2"/>
+          <p:cNvSpPr>
+            <a:spLocks noGrp="1"/>
+          </p:cNvSpPr>
+          <p:nvPr>
+            <p:ph idx="1"/>
+          </p:nvPr>
+        </p:nvSpPr>
+        <p:spPr/>
+        <p:txBody>
+          <a:bodyPr/>
+          <a:lstStyle/>
+          <a:p>
+            <a:pPr marL="514350" indent="-514350">
+              <a:buFont typeface="+mj-lt"/>
+              <a:buAutoNum type="arabicPeriod"/>
+            </a:pPr>
+            <a:r>
+              <a:rPr lang="en-US" dirty="0" smtClean="0"/>
+              <a:t>Fix M at higher or lower age constant M values than was used in Run 34</a:t>
+            </a:r>
+          </a:p>
+          <a:p>
+            <a:pPr marL="514350" indent="-514350">
+              <a:buFont typeface="+mj-lt"/>
+              <a:buAutoNum type="arabicPeriod"/>
+            </a:pPr>
+            <a:r>
+              <a:rPr lang="en-US" dirty="0" smtClean="0"/>
+              <a:t>Fix age-dependent M</a:t>
+            </a:r>
+          </a:p>
+          <a:p>
+            <a:pPr marL="514350" indent="-514350">
+              <a:buFont typeface="+mj-lt"/>
+              <a:buAutoNum type="arabicPeriod"/>
+            </a:pPr>
+            <a:r>
+              <a:rPr lang="en-US" dirty="0" smtClean="0"/>
+              <a:t>Estimate age-dependent M</a:t>
+            </a:r>
+            <a:endParaRPr lang="en-US" dirty="0"/>
+          </a:p>
+        </p:txBody>
+      </p:sp>
+    </p:spTree>
+    <p:extLst>
+      <p:ext uri="{BB962C8B-B14F-4D97-AF65-F5344CB8AC3E}">
+        <p14:creationId xmlns:p14="http://schemas.microsoft.com/office/powerpoint/2010/main" val="2685896087"/>
+      </p:ext>
+    </p:extLst>
+  </p:cSld>
+  <p:clrMapOvr>
+    <a:masterClrMapping/>
+  </p:clrMapOvr>
+</p:sld>
+</file>
+
+<file path=ppt/slides/slide33.xml><?xml version="1.0" encoding="utf-8"?>
+<p:sld xmlns:a="http://schemas.openxmlformats.org/drawingml/2006/main" xmlns:r="http://schemas.openxmlformats.org/officeDocument/2006/relationships" xmlns:p="http://schemas.openxmlformats.org/presentationml/2006/main">
+  <p:cSld>
+    <p:spTree>
+      <p:nvGrpSpPr>
+        <p:cNvPr id="1" name=""/>
+        <p:cNvGrpSpPr/>
+        <p:nvPr/>
+      </p:nvGrpSpPr>
+      <p:grpSpPr>
+        <a:xfrm>
+          <a:off x="0" y="0"/>
+          <a:ext cx="0" cy="0"/>
+          <a:chOff x="0" y="0"/>
+          <a:chExt cx="0" cy="0"/>
+        </a:xfrm>
+      </p:grpSpPr>
+      <p:sp>
+        <p:nvSpPr>
+          <p:cNvPr id="4" name="Title 3"/>
+          <p:cNvSpPr>
+            <a:spLocks noGrp="1"/>
+          </p:cNvSpPr>
+          <p:nvPr>
+            <p:ph type="title"/>
+          </p:nvPr>
+        </p:nvSpPr>
+        <p:spPr/>
+        <p:txBody>
+          <a:bodyPr/>
+          <a:lstStyle/>
+          <a:p>
+            <a:r>
+              <a:rPr lang="en-US" dirty="0" smtClean="0"/>
+              <a:t>Run 39</a:t>
+            </a:r>
+            <a:endParaRPr lang="en-US" dirty="0"/>
+          </a:p>
+        </p:txBody>
+      </p:sp>
+      <p:sp>
+        <p:nvSpPr>
+          <p:cNvPr id="5" name="Text Placeholder 4"/>
+          <p:cNvSpPr>
+            <a:spLocks noGrp="1"/>
+          </p:cNvSpPr>
+          <p:nvPr>
+            <p:ph type="body" idx="1"/>
+          </p:nvPr>
+        </p:nvSpPr>
+        <p:spPr/>
+        <p:txBody>
+          <a:bodyPr/>
+          <a:lstStyle/>
+          <a:p>
+            <a:r>
+              <a:rPr lang="en-US" dirty="0" smtClean="0"/>
+              <a:t>Run 34</a:t>
+            </a:r>
+            <a:endParaRPr lang="en-US" dirty="0"/>
+          </a:p>
+        </p:txBody>
+      </p:sp>
+      <p:sp>
+        <p:nvSpPr>
+          <p:cNvPr id="6" name="Content Placeholder 5"/>
+          <p:cNvSpPr>
+            <a:spLocks noGrp="1"/>
+          </p:cNvSpPr>
+          <p:nvPr>
+            <p:ph sz="half" idx="2"/>
+          </p:nvPr>
+        </p:nvSpPr>
+        <p:spPr/>
+        <p:txBody>
+          <a:bodyPr>
+            <a:normAutofit/>
+          </a:bodyPr>
+          <a:lstStyle/>
+          <a:p>
+            <a:r>
+              <a:rPr lang="en-US" dirty="0" smtClean="0"/>
+              <a:t>Age-invariant M estimated at XXX</a:t>
+            </a:r>
+            <a:endParaRPr lang="en-US" dirty="0" smtClean="0">
+              <a:solidFill>
+                <a:schemeClr val="accent4">
+                  <a:lumMod val="75000"/>
+                </a:schemeClr>
+              </a:solidFill>
+            </a:endParaRPr>
+          </a:p>
+        </p:txBody>
+      </p:sp>
+      <p:sp>
+        <p:nvSpPr>
+          <p:cNvPr id="7" name="Text Placeholder 6"/>
+          <p:cNvSpPr>
+            <a:spLocks noGrp="1"/>
+          </p:cNvSpPr>
+          <p:nvPr>
+            <p:ph type="body" sz="quarter" idx="3"/>
+          </p:nvPr>
+        </p:nvSpPr>
+        <p:spPr>
+          <a:xfrm>
+            <a:off x="6172200" y="2053525"/>
+            <a:ext cx="1390973" cy="451550"/>
+          </a:xfrm>
+        </p:spPr>
+        <p:txBody>
+          <a:bodyPr/>
+          <a:lstStyle/>
+          <a:p>
+            <a:r>
+              <a:rPr lang="en-US" dirty="0" smtClean="0"/>
+              <a:t>Run 35</a:t>
+            </a:r>
+            <a:endParaRPr lang="en-US" dirty="0"/>
+          </a:p>
+        </p:txBody>
+      </p:sp>
+      <p:sp>
+        <p:nvSpPr>
+          <p:cNvPr id="8" name="Content Placeholder 7"/>
+          <p:cNvSpPr>
+            <a:spLocks noGrp="1"/>
+          </p:cNvSpPr>
+          <p:nvPr>
+            <p:ph sz="quarter" idx="4"/>
+          </p:nvPr>
+        </p:nvSpPr>
+        <p:spPr>
+          <a:xfrm>
+            <a:off x="6172200" y="2505075"/>
+            <a:ext cx="2728866" cy="501651"/>
+          </a:xfrm>
+        </p:spPr>
+        <p:txBody>
+          <a:bodyPr>
+            <a:normAutofit fontScale="85000" lnSpcReduction="10000"/>
+          </a:bodyPr>
+          <a:lstStyle/>
+          <a:p>
+            <a:r>
+              <a:rPr lang="en-US" dirty="0" smtClean="0">
+                <a:solidFill>
+                  <a:schemeClr val="accent4">
+                    <a:lumMod val="75000"/>
+                  </a:schemeClr>
+                </a:solidFill>
+              </a:rPr>
+              <a:t>Estimated one M?</a:t>
+            </a:r>
+          </a:p>
+        </p:txBody>
+      </p:sp>
+      <p:sp>
+        <p:nvSpPr>
+          <p:cNvPr id="9" name="Text Placeholder 6"/>
+          <p:cNvSpPr txBox="1">
+            <a:spLocks/>
+          </p:cNvSpPr>
+          <p:nvPr/>
+        </p:nvSpPr>
+        <p:spPr>
+          <a:xfrm>
+            <a:off x="6172200" y="3319462"/>
+            <a:ext cx="1390973" cy="451550"/>
+          </a:xfrm>
+          <a:prstGeom prst="rect">
+            <a:avLst/>
+          </a:prstGeom>
+        </p:spPr>
+        <p:txBody>
+          <a:bodyPr vert="horz" lIns="91440" tIns="45720" rIns="91440" bIns="45720" rtlCol="0" anchor="b">
+            <a:normAutofit/>
+          </a:bodyPr>
+          <a:lstStyle>
+            <a:lvl1pPr marL="0" indent="0" algn="l" defTabSz="914400" rtl="0" eaLnBrk="1" latinLnBrk="0" hangingPunct="1">
+              <a:lnSpc>
+                <a:spcPct val="90000"/>
+              </a:lnSpc>
+              <a:spcBef>
+                <a:spcPts val="1000"/>
+              </a:spcBef>
+              <a:buFont typeface="Arial" panose="020B0604020202020204" pitchFamily="34" charset="0"/>
+              <a:buNone/>
+              <a:defRPr sz="2400" b="1" kern="1200">
+                <a:solidFill>
+                  <a:schemeClr val="tx1"/>
+                </a:solidFill>
+                <a:latin typeface="+mn-lt"/>
+                <a:ea typeface="+mn-ea"/>
+                <a:cs typeface="+mn-cs"/>
+              </a:defRPr>
+            </a:lvl1pPr>
+            <a:lvl2pPr marL="457200" indent="0" algn="l" defTabSz="914400" rtl="0" eaLnBrk="1" latinLnBrk="0" hangingPunct="1">
+              <a:lnSpc>
+                <a:spcPct val="90000"/>
+              </a:lnSpc>
+              <a:spcBef>
+                <a:spcPts val="500"/>
+              </a:spcBef>
+              <a:buFont typeface="Arial" panose="020B0604020202020204" pitchFamily="34" charset="0"/>
+              <a:buNone/>
+              <a:defRPr sz="2000" b="1" kern="1200">
+                <a:solidFill>
+                  <a:schemeClr val="tx1"/>
+                </a:solidFill>
+                <a:latin typeface="+mn-lt"/>
+                <a:ea typeface="+mn-ea"/>
+                <a:cs typeface="+mn-cs"/>
+              </a:defRPr>
+            </a:lvl2pPr>
+            <a:lvl3pPr marL="914400" indent="0" algn="l" defTabSz="914400" rtl="0" eaLnBrk="1" latinLnBrk="0" hangingPunct="1">
+              <a:lnSpc>
+                <a:spcPct val="90000"/>
+              </a:lnSpc>
+              <a:spcBef>
+                <a:spcPts val="500"/>
+              </a:spcBef>
+              <a:buFont typeface="Arial" panose="020B0604020202020204" pitchFamily="34" charset="0"/>
+              <a:buNone/>
+              <a:defRPr sz="1800" b="1" kern="1200">
+                <a:solidFill>
+                  <a:schemeClr val="tx1"/>
+                </a:solidFill>
+                <a:latin typeface="+mn-lt"/>
+                <a:ea typeface="+mn-ea"/>
+                <a:cs typeface="+mn-cs"/>
+              </a:defRPr>
+            </a:lvl3pPr>
+            <a:lvl4pPr marL="1371600" indent="0" algn="l" defTabSz="914400" rtl="0" eaLnBrk="1" latinLnBrk="0" hangingPunct="1">
+              <a:lnSpc>
+                <a:spcPct val="90000"/>
+              </a:lnSpc>
+              <a:spcBef>
+                <a:spcPts val="500"/>
+              </a:spcBef>
+              <a:buFont typeface="Arial" panose="020B0604020202020204" pitchFamily="34" charset="0"/>
+              <a:buNone/>
+              <a:defRPr sz="1600" b="1" kern="1200">
+                <a:solidFill>
+                  <a:schemeClr val="tx1"/>
+                </a:solidFill>
+                <a:latin typeface="+mn-lt"/>
+                <a:ea typeface="+mn-ea"/>
+                <a:cs typeface="+mn-cs"/>
+              </a:defRPr>
+            </a:lvl4pPr>
+            <a:lvl5pPr marL="1828800" indent="0" algn="l" defTabSz="914400" rtl="0" eaLnBrk="1" latinLnBrk="0" hangingPunct="1">
+              <a:lnSpc>
+                <a:spcPct val="90000"/>
+              </a:lnSpc>
+              <a:spcBef>
+                <a:spcPts val="500"/>
+              </a:spcBef>
+              <a:buFont typeface="Arial" panose="020B0604020202020204" pitchFamily="34" charset="0"/>
+              <a:buNone/>
+              <a:defRPr sz="1600" b="1" kern="1200">
+                <a:solidFill>
+                  <a:schemeClr val="tx1"/>
+                </a:solidFill>
+                <a:latin typeface="+mn-lt"/>
+                <a:ea typeface="+mn-ea"/>
+                <a:cs typeface="+mn-cs"/>
+              </a:defRPr>
+            </a:lvl5pPr>
+            <a:lvl6pPr marL="2286000" indent="0" algn="l" defTabSz="914400" rtl="0" eaLnBrk="1" latinLnBrk="0" hangingPunct="1">
+              <a:lnSpc>
+                <a:spcPct val="90000"/>
+              </a:lnSpc>
+              <a:spcBef>
+                <a:spcPts val="500"/>
+              </a:spcBef>
+              <a:buFont typeface="Arial" panose="020B0604020202020204" pitchFamily="34" charset="0"/>
+              <a:buNone/>
+              <a:defRPr sz="1600" b="1" kern="1200">
+                <a:solidFill>
+                  <a:schemeClr val="tx1"/>
+                </a:solidFill>
+                <a:latin typeface="+mn-lt"/>
+                <a:ea typeface="+mn-ea"/>
+                <a:cs typeface="+mn-cs"/>
+              </a:defRPr>
+            </a:lvl6pPr>
+            <a:lvl7pPr marL="2743200" indent="0" algn="l" defTabSz="914400" rtl="0" eaLnBrk="1" latinLnBrk="0" hangingPunct="1">
+              <a:lnSpc>
+                <a:spcPct val="90000"/>
+              </a:lnSpc>
+              <a:spcBef>
+                <a:spcPts val="500"/>
+              </a:spcBef>
+              <a:buFont typeface="Arial" panose="020B0604020202020204" pitchFamily="34" charset="0"/>
+              <a:buNone/>
+              <a:defRPr sz="1600" b="1" kern="1200">
+                <a:solidFill>
+                  <a:schemeClr val="tx1"/>
+                </a:solidFill>
+                <a:latin typeface="+mn-lt"/>
+                <a:ea typeface="+mn-ea"/>
+                <a:cs typeface="+mn-cs"/>
+              </a:defRPr>
+            </a:lvl7pPr>
+            <a:lvl8pPr marL="3200400" indent="0" algn="l" defTabSz="914400" rtl="0" eaLnBrk="1" latinLnBrk="0" hangingPunct="1">
+              <a:lnSpc>
+                <a:spcPct val="90000"/>
+              </a:lnSpc>
+              <a:spcBef>
+                <a:spcPts val="500"/>
+              </a:spcBef>
+              <a:buFont typeface="Arial" panose="020B0604020202020204" pitchFamily="34" charset="0"/>
+              <a:buNone/>
+              <a:defRPr sz="1600" b="1" kern="1200">
+                <a:solidFill>
+                  <a:schemeClr val="tx1"/>
+                </a:solidFill>
+                <a:latin typeface="+mn-lt"/>
+                <a:ea typeface="+mn-ea"/>
+                <a:cs typeface="+mn-cs"/>
+              </a:defRPr>
+            </a:lvl8pPr>
+            <a:lvl9pPr marL="3657600" indent="0" algn="l" defTabSz="914400" rtl="0" eaLnBrk="1" latinLnBrk="0" hangingPunct="1">
+              <a:lnSpc>
+                <a:spcPct val="90000"/>
+              </a:lnSpc>
+              <a:spcBef>
+                <a:spcPts val="500"/>
+              </a:spcBef>
+              <a:buFont typeface="Arial" panose="020B0604020202020204" pitchFamily="34" charset="0"/>
+              <a:buNone/>
+              <a:defRPr sz="1600" b="1" kern="1200">
+                <a:solidFill>
+                  <a:schemeClr val="tx1"/>
+                </a:solidFill>
+                <a:latin typeface="+mn-lt"/>
+                <a:ea typeface="+mn-ea"/>
+                <a:cs typeface="+mn-cs"/>
+              </a:defRPr>
+            </a:lvl9pPr>
+          </a:lstStyle>
+          <a:p>
+            <a:r>
+              <a:rPr lang="en-US" dirty="0" smtClean="0"/>
+              <a:t>Run 36</a:t>
+            </a:r>
+            <a:endParaRPr lang="en-US" dirty="0"/>
+          </a:p>
+        </p:txBody>
+      </p:sp>
+      <p:sp>
+        <p:nvSpPr>
+          <p:cNvPr id="11" name="Content Placeholder 7"/>
+          <p:cNvSpPr txBox="1">
+            <a:spLocks/>
+          </p:cNvSpPr>
+          <p:nvPr/>
+        </p:nvSpPr>
+        <p:spPr>
+          <a:xfrm>
+            <a:off x="6172199" y="3771012"/>
+            <a:ext cx="3490993" cy="501651"/>
+          </a:xfrm>
+          <a:prstGeom prst="rect">
+            <a:avLst/>
+          </a:prstGeom>
+        </p:spPr>
+        <p:txBody>
+          <a:bodyPr vert="horz" lIns="91440" tIns="45720" rIns="91440" bIns="45720" rtlCol="0">
+            <a:normAutofit/>
+          </a:bodyPr>
+          <a:lstStyle>
+            <a:lvl1pPr marL="228600" indent="-228600" algn="l" defTabSz="914400" rtl="0" eaLnBrk="1" latinLnBrk="0" hangingPunct="1">
+              <a:lnSpc>
+                <a:spcPct val="90000"/>
+              </a:lnSpc>
+              <a:spcBef>
+                <a:spcPts val="1000"/>
+              </a:spcBef>
+              <a:buFont typeface="Arial" panose="020B0604020202020204" pitchFamily="34" charset="0"/>
+              <a:buChar char="•"/>
+              <a:defRPr sz="2800" kern="1200">
+                <a:solidFill>
+                  <a:schemeClr val="tx1"/>
+                </a:solidFill>
+                <a:latin typeface="+mn-lt"/>
+                <a:ea typeface="+mn-ea"/>
+                <a:cs typeface="+mn-cs"/>
+              </a:defRPr>
+            </a:lvl1pPr>
+            <a:lvl2pPr marL="685800" indent="-228600" algn="l" defTabSz="914400" rtl="0" eaLnBrk="1" latinLnBrk="0" hangingPunct="1">
+              <a:lnSpc>
+                <a:spcPct val="90000"/>
+              </a:lnSpc>
+              <a:spcBef>
+                <a:spcPts val="500"/>
+              </a:spcBef>
+              <a:buFont typeface="Arial" panose="020B0604020202020204" pitchFamily="34" charset="0"/>
+              <a:buChar char="•"/>
+              <a:defRPr sz="2400" kern="1200">
+                <a:solidFill>
+                  <a:schemeClr val="tx1"/>
+                </a:solidFill>
+                <a:latin typeface="+mn-lt"/>
+                <a:ea typeface="+mn-ea"/>
+                <a:cs typeface="+mn-cs"/>
+              </a:defRPr>
+            </a:lvl2pPr>
+            <a:lvl3pPr marL="1143000" indent="-228600" algn="l" defTabSz="914400" rtl="0" eaLnBrk="1" latinLnBrk="0" hangingPunct="1">
+              <a:lnSpc>
+                <a:spcPct val="90000"/>
+              </a:lnSpc>
+              <a:spcBef>
+                <a:spcPts val="500"/>
+              </a:spcBef>
+              <a:buFont typeface="Arial" panose="020B0604020202020204" pitchFamily="34" charset="0"/>
+              <a:buChar char="•"/>
+              <a:defRPr sz="2000" kern="1200">
+                <a:solidFill>
+                  <a:schemeClr val="tx1"/>
+                </a:solidFill>
+                <a:latin typeface="+mn-lt"/>
+                <a:ea typeface="+mn-ea"/>
+                <a:cs typeface="+mn-cs"/>
+              </a:defRPr>
+            </a:lvl3pPr>
+            <a:lvl4pPr marL="1600200" indent="-228600" algn="l" defTabSz="914400" rtl="0" eaLnBrk="1" latinLnBrk="0" hangingPunct="1">
+              <a:lnSpc>
+                <a:spcPct val="90000"/>
+              </a:lnSpc>
+              <a:spcBef>
+                <a:spcPts val="500"/>
+              </a:spcBef>
+              <a:buFont typeface="Arial" panose="020B0604020202020204" pitchFamily="34" charset="0"/>
+              <a:buChar char="•"/>
+              <a:defRPr sz="1800" kern="1200">
+                <a:solidFill>
+                  <a:schemeClr val="tx1"/>
+                </a:solidFill>
+                <a:latin typeface="+mn-lt"/>
+                <a:ea typeface="+mn-ea"/>
+                <a:cs typeface="+mn-cs"/>
+              </a:defRPr>
+            </a:lvl4pPr>
+            <a:lvl5pPr marL="2057400" indent="-228600" algn="l" defTabSz="914400" rtl="0" eaLnBrk="1" latinLnBrk="0" hangingPunct="1">
+              <a:lnSpc>
+                <a:spcPct val="90000"/>
+              </a:lnSpc>
+              <a:spcBef>
+                <a:spcPts val="500"/>
+              </a:spcBef>
+              <a:buFont typeface="Arial" panose="020B0604020202020204" pitchFamily="34" charset="0"/>
+              <a:buChar char="•"/>
+              <a:defRPr sz="1800" kern="1200">
+                <a:solidFill>
+                  <a:schemeClr val="tx1"/>
+                </a:solidFill>
+                <a:latin typeface="+mn-lt"/>
+                <a:ea typeface="+mn-ea"/>
+                <a:cs typeface="+mn-cs"/>
+              </a:defRPr>
+            </a:lvl5pPr>
+            <a:lvl6pPr marL="2514600" indent="-228600" algn="l" defTabSz="914400" rtl="0" eaLnBrk="1" latinLnBrk="0" hangingPunct="1">
+              <a:lnSpc>
+                <a:spcPct val="90000"/>
+              </a:lnSpc>
+              <a:spcBef>
+                <a:spcPts val="500"/>
+              </a:spcBef>
+              <a:buFont typeface="Arial" panose="020B0604020202020204" pitchFamily="34" charset="0"/>
+              <a:buChar char="•"/>
+              <a:defRPr sz="1800" kern="1200">
+                <a:solidFill>
+                  <a:schemeClr val="tx1"/>
+                </a:solidFill>
+                <a:latin typeface="+mn-lt"/>
+                <a:ea typeface="+mn-ea"/>
+                <a:cs typeface="+mn-cs"/>
+              </a:defRPr>
+            </a:lvl6pPr>
+            <a:lvl7pPr marL="2971800" indent="-228600" algn="l" defTabSz="914400" rtl="0" eaLnBrk="1" latinLnBrk="0" hangingPunct="1">
+              <a:lnSpc>
+                <a:spcPct val="90000"/>
+              </a:lnSpc>
+              <a:spcBef>
+                <a:spcPts val="500"/>
+              </a:spcBef>
+              <a:buFont typeface="Arial" panose="020B0604020202020204" pitchFamily="34" charset="0"/>
+              <a:buChar char="•"/>
+              <a:defRPr sz="1800" kern="1200">
+                <a:solidFill>
+                  <a:schemeClr val="tx1"/>
+                </a:solidFill>
+                <a:latin typeface="+mn-lt"/>
+                <a:ea typeface="+mn-ea"/>
+                <a:cs typeface="+mn-cs"/>
+              </a:defRPr>
+            </a:lvl7pPr>
+            <a:lvl8pPr marL="3429000" indent="-228600" algn="l" defTabSz="914400" rtl="0" eaLnBrk="1" latinLnBrk="0" hangingPunct="1">
+              <a:lnSpc>
+                <a:spcPct val="90000"/>
+              </a:lnSpc>
+              <a:spcBef>
+                <a:spcPts val="500"/>
+              </a:spcBef>
+              <a:buFont typeface="Arial" panose="020B0604020202020204" pitchFamily="34" charset="0"/>
+              <a:buChar char="•"/>
+              <a:defRPr sz="1800" kern="1200">
+                <a:solidFill>
+                  <a:schemeClr val="tx1"/>
+                </a:solidFill>
+                <a:latin typeface="+mn-lt"/>
+                <a:ea typeface="+mn-ea"/>
+                <a:cs typeface="+mn-cs"/>
+              </a:defRPr>
+            </a:lvl8pPr>
+            <a:lvl9pPr marL="3886200" indent="-228600" algn="l" defTabSz="914400" rtl="0" eaLnBrk="1" latinLnBrk="0" hangingPunct="1">
+              <a:lnSpc>
+                <a:spcPct val="90000"/>
+              </a:lnSpc>
+              <a:spcBef>
+                <a:spcPts val="500"/>
+              </a:spcBef>
+              <a:buFont typeface="Arial" panose="020B0604020202020204" pitchFamily="34" charset="0"/>
+              <a:buChar char="•"/>
+              <a:defRPr sz="1800" kern="1200">
+                <a:solidFill>
+                  <a:schemeClr val="tx1"/>
+                </a:solidFill>
+                <a:latin typeface="+mn-lt"/>
+                <a:ea typeface="+mn-ea"/>
+                <a:cs typeface="+mn-cs"/>
+              </a:defRPr>
+            </a:lvl9pPr>
+          </a:lstStyle>
+          <a:p>
+            <a:endParaRPr lang="en-US" dirty="0" smtClean="0">
+              <a:solidFill>
+                <a:schemeClr val="accent4">
+                  <a:lumMod val="75000"/>
+                </a:schemeClr>
+              </a:solidFill>
+            </a:endParaRPr>
+          </a:p>
+        </p:txBody>
+      </p:sp>
+      <p:sp>
+        <p:nvSpPr>
+          <p:cNvPr id="17" name="Content Placeholder 7"/>
+          <p:cNvSpPr txBox="1">
+            <a:spLocks/>
+          </p:cNvSpPr>
+          <p:nvPr/>
+        </p:nvSpPr>
+        <p:spPr>
+          <a:xfrm>
+            <a:off x="6172199" y="5036949"/>
+            <a:ext cx="3490993" cy="501651"/>
+          </a:xfrm>
+          <a:prstGeom prst="rect">
+            <a:avLst/>
+          </a:prstGeom>
+        </p:spPr>
+        <p:txBody>
+          <a:bodyPr vert="horz" lIns="91440" tIns="45720" rIns="91440" bIns="45720" rtlCol="0">
+            <a:normAutofit/>
+          </a:bodyPr>
+          <a:lstStyle>
+            <a:lvl1pPr marL="228600" indent="-228600" algn="l" defTabSz="914400" rtl="0" eaLnBrk="1" latinLnBrk="0" hangingPunct="1">
+              <a:lnSpc>
+                <a:spcPct val="90000"/>
+              </a:lnSpc>
+              <a:spcBef>
+                <a:spcPts val="1000"/>
+              </a:spcBef>
+              <a:buFont typeface="Arial" panose="020B0604020202020204" pitchFamily="34" charset="0"/>
+              <a:buChar char="•"/>
+              <a:defRPr sz="2800" kern="1200">
+                <a:solidFill>
+                  <a:schemeClr val="tx1"/>
+                </a:solidFill>
+                <a:latin typeface="+mn-lt"/>
+                <a:ea typeface="+mn-ea"/>
+                <a:cs typeface="+mn-cs"/>
+              </a:defRPr>
+            </a:lvl1pPr>
+            <a:lvl2pPr marL="685800" indent="-228600" algn="l" defTabSz="914400" rtl="0" eaLnBrk="1" latinLnBrk="0" hangingPunct="1">
+              <a:lnSpc>
+                <a:spcPct val="90000"/>
+              </a:lnSpc>
+              <a:spcBef>
+                <a:spcPts val="500"/>
+              </a:spcBef>
+              <a:buFont typeface="Arial" panose="020B0604020202020204" pitchFamily="34" charset="0"/>
+              <a:buChar char="•"/>
+              <a:defRPr sz="2400" kern="1200">
+                <a:solidFill>
+                  <a:schemeClr val="tx1"/>
+                </a:solidFill>
+                <a:latin typeface="+mn-lt"/>
+                <a:ea typeface="+mn-ea"/>
+                <a:cs typeface="+mn-cs"/>
+              </a:defRPr>
+            </a:lvl2pPr>
+            <a:lvl3pPr marL="1143000" indent="-228600" algn="l" defTabSz="914400" rtl="0" eaLnBrk="1" latinLnBrk="0" hangingPunct="1">
+              <a:lnSpc>
+                <a:spcPct val="90000"/>
+              </a:lnSpc>
+              <a:spcBef>
+                <a:spcPts val="500"/>
+              </a:spcBef>
+              <a:buFont typeface="Arial" panose="020B0604020202020204" pitchFamily="34" charset="0"/>
+              <a:buChar char="•"/>
+              <a:defRPr sz="2000" kern="1200">
+                <a:solidFill>
+                  <a:schemeClr val="tx1"/>
+                </a:solidFill>
+                <a:latin typeface="+mn-lt"/>
+                <a:ea typeface="+mn-ea"/>
+                <a:cs typeface="+mn-cs"/>
+              </a:defRPr>
+            </a:lvl3pPr>
+            <a:lvl4pPr marL="1600200" indent="-228600" algn="l" defTabSz="914400" rtl="0" eaLnBrk="1" latinLnBrk="0" hangingPunct="1">
+              <a:lnSpc>
+                <a:spcPct val="90000"/>
+              </a:lnSpc>
+              <a:spcBef>
+                <a:spcPts val="500"/>
+              </a:spcBef>
+              <a:buFont typeface="Arial" panose="020B0604020202020204" pitchFamily="34" charset="0"/>
+              <a:buChar char="•"/>
+              <a:defRPr sz="1800" kern="1200">
+                <a:solidFill>
+                  <a:schemeClr val="tx1"/>
+                </a:solidFill>
+                <a:latin typeface="+mn-lt"/>
+                <a:ea typeface="+mn-ea"/>
+                <a:cs typeface="+mn-cs"/>
+              </a:defRPr>
+            </a:lvl4pPr>
+            <a:lvl5pPr marL="2057400" indent="-228600" algn="l" defTabSz="914400" rtl="0" eaLnBrk="1" latinLnBrk="0" hangingPunct="1">
+              <a:lnSpc>
+                <a:spcPct val="90000"/>
+              </a:lnSpc>
+              <a:spcBef>
+                <a:spcPts val="500"/>
+              </a:spcBef>
+              <a:buFont typeface="Arial" panose="020B0604020202020204" pitchFamily="34" charset="0"/>
+              <a:buChar char="•"/>
+              <a:defRPr sz="1800" kern="1200">
+                <a:solidFill>
+                  <a:schemeClr val="tx1"/>
+                </a:solidFill>
+                <a:latin typeface="+mn-lt"/>
+                <a:ea typeface="+mn-ea"/>
+                <a:cs typeface="+mn-cs"/>
+              </a:defRPr>
+            </a:lvl5pPr>
+            <a:lvl6pPr marL="2514600" indent="-228600" algn="l" defTabSz="914400" rtl="0" eaLnBrk="1" latinLnBrk="0" hangingPunct="1">
+              <a:lnSpc>
+                <a:spcPct val="90000"/>
+              </a:lnSpc>
+              <a:spcBef>
+                <a:spcPts val="500"/>
+              </a:spcBef>
+              <a:buFont typeface="Arial" panose="020B0604020202020204" pitchFamily="34" charset="0"/>
+              <a:buChar char="•"/>
+              <a:defRPr sz="1800" kern="1200">
+                <a:solidFill>
+                  <a:schemeClr val="tx1"/>
+                </a:solidFill>
+                <a:latin typeface="+mn-lt"/>
+                <a:ea typeface="+mn-ea"/>
+                <a:cs typeface="+mn-cs"/>
+              </a:defRPr>
+            </a:lvl6pPr>
+            <a:lvl7pPr marL="2971800" indent="-228600" algn="l" defTabSz="914400" rtl="0" eaLnBrk="1" latinLnBrk="0" hangingPunct="1">
+              <a:lnSpc>
+                <a:spcPct val="90000"/>
+              </a:lnSpc>
+              <a:spcBef>
+                <a:spcPts val="500"/>
+              </a:spcBef>
+              <a:buFont typeface="Arial" panose="020B0604020202020204" pitchFamily="34" charset="0"/>
+              <a:buChar char="•"/>
+              <a:defRPr sz="1800" kern="1200">
+                <a:solidFill>
+                  <a:schemeClr val="tx1"/>
+                </a:solidFill>
+                <a:latin typeface="+mn-lt"/>
+                <a:ea typeface="+mn-ea"/>
+                <a:cs typeface="+mn-cs"/>
+              </a:defRPr>
+            </a:lvl7pPr>
+            <a:lvl8pPr marL="3429000" indent="-228600" algn="l" defTabSz="914400" rtl="0" eaLnBrk="1" latinLnBrk="0" hangingPunct="1">
+              <a:lnSpc>
+                <a:spcPct val="90000"/>
+              </a:lnSpc>
+              <a:spcBef>
+                <a:spcPts val="500"/>
+              </a:spcBef>
+              <a:buFont typeface="Arial" panose="020B0604020202020204" pitchFamily="34" charset="0"/>
+              <a:buChar char="•"/>
+              <a:defRPr sz="1800" kern="1200">
+                <a:solidFill>
+                  <a:schemeClr val="tx1"/>
+                </a:solidFill>
+                <a:latin typeface="+mn-lt"/>
+                <a:ea typeface="+mn-ea"/>
+                <a:cs typeface="+mn-cs"/>
+              </a:defRPr>
+            </a:lvl8pPr>
+            <a:lvl9pPr marL="3886200" indent="-228600" algn="l" defTabSz="914400" rtl="0" eaLnBrk="1" latinLnBrk="0" hangingPunct="1">
+              <a:lnSpc>
+                <a:spcPct val="90000"/>
+              </a:lnSpc>
+              <a:spcBef>
+                <a:spcPts val="500"/>
+              </a:spcBef>
+              <a:buFont typeface="Arial" panose="020B0604020202020204" pitchFamily="34" charset="0"/>
+              <a:buChar char="•"/>
+              <a:defRPr sz="1800" kern="1200">
+                <a:solidFill>
+                  <a:schemeClr val="tx1"/>
+                </a:solidFill>
+                <a:latin typeface="+mn-lt"/>
+                <a:ea typeface="+mn-ea"/>
+                <a:cs typeface="+mn-cs"/>
+              </a:defRPr>
+            </a:lvl9pPr>
+          </a:lstStyle>
+          <a:p>
+            <a:endParaRPr lang="en-US" dirty="0" smtClean="0">
+              <a:solidFill>
+                <a:schemeClr val="accent4">
+                  <a:lumMod val="75000"/>
+                </a:schemeClr>
+              </a:solidFill>
+            </a:endParaRPr>
+          </a:p>
+        </p:txBody>
+      </p:sp>
+      <p:sp>
+        <p:nvSpPr>
+          <p:cNvPr id="12" name="Content Placeholder 7"/>
+          <p:cNvSpPr txBox="1">
+            <a:spLocks/>
+          </p:cNvSpPr>
+          <p:nvPr/>
+        </p:nvSpPr>
+        <p:spPr>
+          <a:xfrm>
+            <a:off x="6172198" y="3771011"/>
+            <a:ext cx="2728866" cy="501651"/>
+          </a:xfrm>
+          <a:prstGeom prst="rect">
+            <a:avLst/>
+          </a:prstGeom>
+        </p:spPr>
+        <p:txBody>
+          <a:bodyPr vert="horz" lIns="91440" tIns="45720" rIns="91440" bIns="45720" rtlCol="0">
+            <a:normAutofit fontScale="85000" lnSpcReduction="10000"/>
+          </a:bodyPr>
+          <a:lstStyle>
+            <a:lvl1pPr marL="228600" indent="-228600" algn="l" defTabSz="914400" rtl="0" eaLnBrk="1" latinLnBrk="0" hangingPunct="1">
+              <a:lnSpc>
+                <a:spcPct val="90000"/>
+              </a:lnSpc>
+              <a:spcBef>
+                <a:spcPts val="1000"/>
+              </a:spcBef>
+              <a:buFont typeface="Arial" panose="020B0604020202020204" pitchFamily="34" charset="0"/>
+              <a:buChar char="•"/>
+              <a:defRPr sz="2800" kern="1200">
+                <a:solidFill>
+                  <a:schemeClr val="tx1"/>
+                </a:solidFill>
+                <a:latin typeface="+mn-lt"/>
+                <a:ea typeface="+mn-ea"/>
+                <a:cs typeface="+mn-cs"/>
+              </a:defRPr>
+            </a:lvl1pPr>
+            <a:lvl2pPr marL="685800" indent="-228600" algn="l" defTabSz="914400" rtl="0" eaLnBrk="1" latinLnBrk="0" hangingPunct="1">
+              <a:lnSpc>
+                <a:spcPct val="90000"/>
+              </a:lnSpc>
+              <a:spcBef>
+                <a:spcPts val="500"/>
+              </a:spcBef>
+              <a:buFont typeface="Arial" panose="020B0604020202020204" pitchFamily="34" charset="0"/>
+              <a:buChar char="•"/>
+              <a:defRPr sz="2400" kern="1200">
+                <a:solidFill>
+                  <a:schemeClr val="tx1"/>
+                </a:solidFill>
+                <a:latin typeface="+mn-lt"/>
+                <a:ea typeface="+mn-ea"/>
+                <a:cs typeface="+mn-cs"/>
+              </a:defRPr>
+            </a:lvl2pPr>
+            <a:lvl3pPr marL="1143000" indent="-228600" algn="l" defTabSz="914400" rtl="0" eaLnBrk="1" latinLnBrk="0" hangingPunct="1">
+              <a:lnSpc>
+                <a:spcPct val="90000"/>
+              </a:lnSpc>
+              <a:spcBef>
+                <a:spcPts val="500"/>
+              </a:spcBef>
+              <a:buFont typeface="Arial" panose="020B0604020202020204" pitchFamily="34" charset="0"/>
+              <a:buChar char="•"/>
+              <a:defRPr sz="2000" kern="1200">
+                <a:solidFill>
+                  <a:schemeClr val="tx1"/>
+                </a:solidFill>
+                <a:latin typeface="+mn-lt"/>
+                <a:ea typeface="+mn-ea"/>
+                <a:cs typeface="+mn-cs"/>
+              </a:defRPr>
+            </a:lvl3pPr>
+            <a:lvl4pPr marL="1600200" indent="-228600" algn="l" defTabSz="914400" rtl="0" eaLnBrk="1" latinLnBrk="0" hangingPunct="1">
+              <a:lnSpc>
+                <a:spcPct val="90000"/>
+              </a:lnSpc>
+              <a:spcBef>
+                <a:spcPts val="500"/>
+              </a:spcBef>
+              <a:buFont typeface="Arial" panose="020B0604020202020204" pitchFamily="34" charset="0"/>
+              <a:buChar char="•"/>
+              <a:defRPr sz="1800" kern="1200">
+                <a:solidFill>
+                  <a:schemeClr val="tx1"/>
+                </a:solidFill>
+                <a:latin typeface="+mn-lt"/>
+                <a:ea typeface="+mn-ea"/>
+                <a:cs typeface="+mn-cs"/>
+              </a:defRPr>
+            </a:lvl4pPr>
+            <a:lvl5pPr marL="2057400" indent="-228600" algn="l" defTabSz="914400" rtl="0" eaLnBrk="1" latinLnBrk="0" hangingPunct="1">
+              <a:lnSpc>
+                <a:spcPct val="90000"/>
+              </a:lnSpc>
+              <a:spcBef>
+                <a:spcPts val="500"/>
+              </a:spcBef>
+              <a:buFont typeface="Arial" panose="020B0604020202020204" pitchFamily="34" charset="0"/>
+              <a:buChar char="•"/>
+              <a:defRPr sz="1800" kern="1200">
+                <a:solidFill>
+                  <a:schemeClr val="tx1"/>
+                </a:solidFill>
+                <a:latin typeface="+mn-lt"/>
+                <a:ea typeface="+mn-ea"/>
+                <a:cs typeface="+mn-cs"/>
+              </a:defRPr>
+            </a:lvl5pPr>
+            <a:lvl6pPr marL="2514600" indent="-228600" algn="l" defTabSz="914400" rtl="0" eaLnBrk="1" latinLnBrk="0" hangingPunct="1">
+              <a:lnSpc>
+                <a:spcPct val="90000"/>
+              </a:lnSpc>
+              <a:spcBef>
+                <a:spcPts val="500"/>
+              </a:spcBef>
+              <a:buFont typeface="Arial" panose="020B0604020202020204" pitchFamily="34" charset="0"/>
+              <a:buChar char="•"/>
+              <a:defRPr sz="1800" kern="1200">
+                <a:solidFill>
+                  <a:schemeClr val="tx1"/>
+                </a:solidFill>
+                <a:latin typeface="+mn-lt"/>
+                <a:ea typeface="+mn-ea"/>
+                <a:cs typeface="+mn-cs"/>
+              </a:defRPr>
+            </a:lvl6pPr>
+            <a:lvl7pPr marL="2971800" indent="-228600" algn="l" defTabSz="914400" rtl="0" eaLnBrk="1" latinLnBrk="0" hangingPunct="1">
+              <a:lnSpc>
+                <a:spcPct val="90000"/>
+              </a:lnSpc>
+              <a:spcBef>
+                <a:spcPts val="500"/>
+              </a:spcBef>
+              <a:buFont typeface="Arial" panose="020B0604020202020204" pitchFamily="34" charset="0"/>
+              <a:buChar char="•"/>
+              <a:defRPr sz="1800" kern="1200">
+                <a:solidFill>
+                  <a:schemeClr val="tx1"/>
+                </a:solidFill>
+                <a:latin typeface="+mn-lt"/>
+                <a:ea typeface="+mn-ea"/>
+                <a:cs typeface="+mn-cs"/>
+              </a:defRPr>
+            </a:lvl7pPr>
+            <a:lvl8pPr marL="3429000" indent="-228600" algn="l" defTabSz="914400" rtl="0" eaLnBrk="1" latinLnBrk="0" hangingPunct="1">
+              <a:lnSpc>
+                <a:spcPct val="90000"/>
+              </a:lnSpc>
+              <a:spcBef>
+                <a:spcPts val="500"/>
+              </a:spcBef>
+              <a:buFont typeface="Arial" panose="020B0604020202020204" pitchFamily="34" charset="0"/>
+              <a:buChar char="•"/>
+              <a:defRPr sz="1800" kern="1200">
+                <a:solidFill>
+                  <a:schemeClr val="tx1"/>
+                </a:solidFill>
+                <a:latin typeface="+mn-lt"/>
+                <a:ea typeface="+mn-ea"/>
+                <a:cs typeface="+mn-cs"/>
+              </a:defRPr>
+            </a:lvl8pPr>
+            <a:lvl9pPr marL="3886200" indent="-228600" algn="l" defTabSz="914400" rtl="0" eaLnBrk="1" latinLnBrk="0" hangingPunct="1">
+              <a:lnSpc>
+                <a:spcPct val="90000"/>
+              </a:lnSpc>
+              <a:spcBef>
+                <a:spcPts val="500"/>
+              </a:spcBef>
+              <a:buFont typeface="Arial" panose="020B0604020202020204" pitchFamily="34" charset="0"/>
+              <a:buChar char="•"/>
+              <a:defRPr sz="1800" kern="1200">
+                <a:solidFill>
+                  <a:schemeClr val="tx1"/>
+                </a:solidFill>
+                <a:latin typeface="+mn-lt"/>
+                <a:ea typeface="+mn-ea"/>
+                <a:cs typeface="+mn-cs"/>
+              </a:defRPr>
+            </a:lvl9pPr>
+          </a:lstStyle>
+          <a:p>
+            <a:r>
+              <a:rPr lang="en-US" dirty="0" smtClean="0">
+                <a:solidFill>
+                  <a:schemeClr val="accent4">
+                    <a:lumMod val="75000"/>
+                  </a:schemeClr>
+                </a:solidFill>
+              </a:rPr>
+              <a:t>X[] &lt;- 1, x[2,,] &lt;- 2</a:t>
+            </a:r>
+          </a:p>
+        </p:txBody>
+      </p:sp>
+    </p:spTree>
+    <p:extLst>
+      <p:ext uri="{BB962C8B-B14F-4D97-AF65-F5344CB8AC3E}">
+        <p14:creationId xmlns:p14="http://schemas.microsoft.com/office/powerpoint/2010/main" val="1006062046"/>
       </p:ext>
     </p:extLst>
   </p:cSld>
@@ -6223,15 +7351,7 @@
             </a:pPr>
             <a:r>
               <a:rPr lang="en-US" dirty="0" smtClean="0"/>
-              <a:t>Re run VAST with just </a:t>
-            </a:r>
-            <a:r>
-              <a:rPr lang="en-US" dirty="0" smtClean="0"/>
-              <a:t>Spring and Fall NEFSC </a:t>
-            </a:r>
-            <a:r>
-              <a:rPr lang="en-US" dirty="0" smtClean="0"/>
-              <a:t>BTS/ NEAMAP</a:t>
+              <a:t>Re run VAST with just Spring and Fall NEFSC BTS/ NEAMAP</a:t>
             </a:r>
             <a:endParaRPr lang="en-US" dirty="0"/>
           </a:p>
@@ -6612,15 +7732,7 @@
           <a:p>
             <a:r>
               <a:rPr lang="en-US" dirty="0" smtClean="0"/>
-              <a:t>Run </a:t>
-            </a:r>
-            <a:r>
-              <a:rPr lang="en-US" dirty="0" smtClean="0"/>
-              <a:t>37 </a:t>
-            </a:r>
-            <a:r>
-              <a:rPr lang="en-US" dirty="0" smtClean="0"/>
-              <a:t>Indices</a:t>
+              <a:t>Run 37 Indices</a:t>
             </a:r>
             <a:endParaRPr lang="en-US" dirty="0"/>
           </a:p>
@@ -6721,7 +7833,7 @@
                   </a:schemeClr>
                 </a:solidFill>
               </a:rPr>
-              <a:t> RE: </a:t>
+              <a:t> RE: ar1_y for </a:t>
             </a:r>
             <a:r>
               <a:rPr lang="en-US" dirty="0" smtClean="0">
@@ -6731,7 +7843,37 @@
                   </a:schemeClr>
                 </a:solidFill>
               </a:rPr>
-              <a:t>ar1_y for all except NY which is none</a:t>
+              <a:t>states and NEAMAP except</a:t>
+            </a:r>
+            <a:r>
+              <a:rPr lang="en-US" dirty="0" smtClean="0">
+                <a:solidFill>
+                  <a:schemeClr val="accent5">
+                    <a:lumMod val="75000"/>
+                  </a:schemeClr>
+                </a:solidFill>
+              </a:rPr>
+              <a:t> </a:t>
+            </a:r>
+            <a:r>
+              <a:rPr lang="en-US" dirty="0" smtClean="0">
+                <a:solidFill>
+                  <a:schemeClr val="accent5">
+                    <a:lumMod val="75000"/>
+                  </a:schemeClr>
+                </a:solidFill>
+              </a:rPr>
+              <a:t>NY which is none. 2dar1 for </a:t>
+            </a:r>
+            <a:r>
+              <a:rPr lang="en-US" dirty="0" smtClean="0">
+                <a:solidFill>
+                  <a:schemeClr val="accent5">
+                    <a:lumMod val="75000"/>
+                  </a:schemeClr>
+                </a:solidFill>
+              </a:rPr>
+              <a:t>BTS</a:t>
             </a:r>
             <a:endParaRPr lang="en-US" dirty="0" smtClean="0">
               <a:solidFill>
@@ -7085,490 +8227,6 @@
           <a:chExt cx="0" cy="0"/>
         </a:xfrm>
       </p:grpSpPr>
-      <p:graphicFrame>
-        <p:nvGraphicFramePr>
-          <p:cNvPr id="8" name="Table 7"/>
-          <p:cNvGraphicFramePr>
-            <a:graphicFrameLocks noGrp="1"/>
-          </p:cNvGraphicFramePr>
-          <p:nvPr>
-            <p:extLst>
-              <p:ext uri="{D42A27DB-BD31-4B8C-83A1-F6EECF244321}">
-                <p14:modId xmlns:p14="http://schemas.microsoft.com/office/powerpoint/2010/main" val="3504357857"/>
-              </p:ext>
-            </p:extLst>
-          </p:nvPr>
-        </p:nvGraphicFramePr>
-        <p:xfrm>
-          <a:off x="3534229" y="263093"/>
-          <a:ext cx="4696824" cy="937260"/>
-        </p:xfrm>
-        <a:graphic>
-          <a:graphicData uri="http://schemas.openxmlformats.org/drawingml/2006/table">
-            <a:tbl>
-              <a:tblPr/>
-              <a:tblGrid>
-                <a:gridCol w="1174206">
-                  <a:extLst>
-                    <a:ext uri="{9D8B030D-6E8A-4147-A177-3AD203B41FA5}">
-                      <a16:colId xmlns:a16="http://schemas.microsoft.com/office/drawing/2014/main" val="1284068648"/>
-                    </a:ext>
-                  </a:extLst>
-                </a:gridCol>
-                <a:gridCol w="1174206">
-                  <a:extLst>
-                    <a:ext uri="{9D8B030D-6E8A-4147-A177-3AD203B41FA5}">
-                      <a16:colId xmlns:a16="http://schemas.microsoft.com/office/drawing/2014/main" val="3282745804"/>
-                    </a:ext>
-                  </a:extLst>
-                </a:gridCol>
-                <a:gridCol w="1174206">
-                  <a:extLst>
-                    <a:ext uri="{9D8B030D-6E8A-4147-A177-3AD203B41FA5}">
-                      <a16:colId xmlns:a16="http://schemas.microsoft.com/office/drawing/2014/main" val="3376598086"/>
-                    </a:ext>
-                  </a:extLst>
-                </a:gridCol>
-                <a:gridCol w="1174206">
-                  <a:extLst>
-                    <a:ext uri="{9D8B030D-6E8A-4147-A177-3AD203B41FA5}">
-                      <a16:colId xmlns:a16="http://schemas.microsoft.com/office/drawing/2014/main" val="3460612625"/>
-                    </a:ext>
-                  </a:extLst>
-                </a:gridCol>
-              </a:tblGrid>
-              <a:tr h="182880">
-                <a:tc>
-                  <a:txBody>
-                    <a:bodyPr/>
-                    <a:lstStyle/>
-                    <a:p>
-                      <a:pPr algn="l" fontAlgn="b"/>
-                      <a:endParaRPr lang="en-US" sz="2000" b="0" i="0" u="none" strike="noStrike">
-                        <a:solidFill>
-                          <a:srgbClr val="000000"/>
-                        </a:solidFill>
-                        <a:effectLst/>
-                        <a:latin typeface="Calibri" panose="020F0502020204030204" pitchFamily="34" charset="0"/>
-                      </a:endParaRPr>
-                    </a:p>
-                  </a:txBody>
-                  <a:tcPr marL="7620" marR="7620" marT="7620" marB="0" anchor="b">
-                    <a:lnL>
-                      <a:noFill/>
-                    </a:lnL>
-                    <a:lnR>
-                      <a:noFill/>
-                    </a:lnR>
-                    <a:lnT>
-                      <a:noFill/>
-                    </a:lnT>
-                    <a:lnB>
-                      <a:noFill/>
-                    </a:lnB>
-                  </a:tcPr>
-                </a:tc>
-                <a:tc>
-                  <a:txBody>
-                    <a:bodyPr/>
-                    <a:lstStyle/>
-                    <a:p>
-                      <a:pPr algn="l" fontAlgn="b"/>
-                      <a:r>
-                        <a:rPr lang="en-US" sz="2000" b="0" i="0" u="none" strike="noStrike" dirty="0" err="1">
-                          <a:solidFill>
-                            <a:srgbClr val="000000"/>
-                          </a:solidFill>
-                          <a:effectLst/>
-                          <a:latin typeface="Calibri" panose="020F0502020204030204" pitchFamily="34" charset="0"/>
-                        </a:rPr>
-                        <a:t>rho_R</a:t>
-                      </a:r>
-                      <a:endParaRPr lang="en-US" sz="2000" b="0" i="0" u="none" strike="noStrike" dirty="0">
-                        <a:solidFill>
-                          <a:srgbClr val="000000"/>
-                        </a:solidFill>
-                        <a:effectLst/>
-                        <a:latin typeface="Calibri" panose="020F0502020204030204" pitchFamily="34" charset="0"/>
-                      </a:endParaRPr>
-                    </a:p>
-                  </a:txBody>
-                  <a:tcPr marL="7620" marR="7620" marT="7620" marB="0" anchor="b">
-                    <a:lnL>
-                      <a:noFill/>
-                    </a:lnL>
-                    <a:lnR>
-                      <a:noFill/>
-                    </a:lnR>
-                    <a:lnT>
-                      <a:noFill/>
-                    </a:lnT>
-                    <a:lnB>
-                      <a:noFill/>
-                    </a:lnB>
-                  </a:tcPr>
-                </a:tc>
-                <a:tc>
-                  <a:txBody>
-                    <a:bodyPr/>
-                    <a:lstStyle/>
-                    <a:p>
-                      <a:pPr algn="l" fontAlgn="b"/>
-                      <a:r>
-                        <a:rPr lang="en-US" sz="2000" b="0" i="0" u="none" strike="noStrike">
-                          <a:solidFill>
-                            <a:srgbClr val="000000"/>
-                          </a:solidFill>
-                          <a:effectLst/>
-                          <a:latin typeface="Calibri" panose="020F0502020204030204" pitchFamily="34" charset="0"/>
-                        </a:rPr>
-                        <a:t>rho_SSB</a:t>
-                      </a:r>
-                    </a:p>
-                  </a:txBody>
-                  <a:tcPr marL="7620" marR="7620" marT="7620" marB="0" anchor="b">
-                    <a:lnL>
-                      <a:noFill/>
-                    </a:lnL>
-                    <a:lnR>
-                      <a:noFill/>
-                    </a:lnR>
-                    <a:lnT>
-                      <a:noFill/>
-                    </a:lnT>
-                    <a:lnB>
-                      <a:noFill/>
-                    </a:lnB>
-                  </a:tcPr>
-                </a:tc>
-                <a:tc>
-                  <a:txBody>
-                    <a:bodyPr/>
-                    <a:lstStyle/>
-                    <a:p>
-                      <a:pPr algn="l" fontAlgn="b"/>
-                      <a:r>
-                        <a:rPr lang="en-US" sz="2000" b="0" i="0" u="none" strike="noStrike">
-                          <a:solidFill>
-                            <a:srgbClr val="000000"/>
-                          </a:solidFill>
-                          <a:effectLst/>
-                          <a:latin typeface="Calibri" panose="020F0502020204030204" pitchFamily="34" charset="0"/>
-                        </a:rPr>
-                        <a:t>rho_Fbar</a:t>
-                      </a:r>
-                    </a:p>
-                  </a:txBody>
-                  <a:tcPr marL="7620" marR="7620" marT="7620" marB="0" anchor="b">
-                    <a:lnL>
-                      <a:noFill/>
-                    </a:lnL>
-                    <a:lnR>
-                      <a:noFill/>
-                    </a:lnR>
-                    <a:lnT>
-                      <a:noFill/>
-                    </a:lnT>
-                    <a:lnB>
-                      <a:noFill/>
-                    </a:lnB>
-                  </a:tcPr>
-                </a:tc>
-                <a:extLst>
-                  <a:ext uri="{0D108BD9-81ED-4DB2-BD59-A6C34878D82A}">
-                    <a16:rowId xmlns:a16="http://schemas.microsoft.com/office/drawing/2014/main" val="2485088736"/>
-                  </a:ext>
-                </a:extLst>
-              </a:tr>
-              <a:tr h="182880">
-                <a:tc>
-                  <a:txBody>
-                    <a:bodyPr/>
-                    <a:lstStyle/>
-                    <a:p>
-                      <a:pPr algn="l" fontAlgn="b"/>
-                      <a:r>
-                        <a:rPr lang="en-US" sz="2000" b="0" i="0" u="none" strike="noStrike">
-                          <a:solidFill>
-                            <a:srgbClr val="000000"/>
-                          </a:solidFill>
-                          <a:effectLst/>
-                          <a:latin typeface="Calibri" panose="020F0502020204030204" pitchFamily="34" charset="0"/>
-                        </a:rPr>
-                        <a:t>Run34</a:t>
-                      </a:r>
-                    </a:p>
-                  </a:txBody>
-                  <a:tcPr marL="7620" marR="7620" marT="7620" marB="0" anchor="b">
-                    <a:lnL>
-                      <a:noFill/>
-                    </a:lnL>
-                    <a:lnR>
-                      <a:noFill/>
-                    </a:lnR>
-                    <a:lnT>
-                      <a:noFill/>
-                    </a:lnT>
-                    <a:lnB>
-                      <a:noFill/>
-                    </a:lnB>
-                  </a:tcPr>
-                </a:tc>
-                <a:tc>
-                  <a:txBody>
-                    <a:bodyPr/>
-                    <a:lstStyle/>
-                    <a:p>
-                      <a:pPr algn="r" fontAlgn="b"/>
-                      <a:r>
-                        <a:rPr lang="en-US" sz="2000" b="0" i="0" u="none" strike="noStrike" dirty="0">
-                          <a:solidFill>
-                            <a:srgbClr val="000000"/>
-                          </a:solidFill>
-                          <a:effectLst/>
-                          <a:latin typeface="Calibri" panose="020F0502020204030204" pitchFamily="34" charset="0"/>
-                        </a:rPr>
-                        <a:t>0.1209</a:t>
-                      </a:r>
-                    </a:p>
-                  </a:txBody>
-                  <a:tcPr marL="7620" marR="7620" marT="7620" marB="0" anchor="b">
-                    <a:lnL>
-                      <a:noFill/>
-                    </a:lnL>
-                    <a:lnR>
-                      <a:noFill/>
-                    </a:lnR>
-                    <a:lnT>
-                      <a:noFill/>
-                    </a:lnT>
-                    <a:lnB>
-                      <a:noFill/>
-                    </a:lnB>
-                  </a:tcPr>
-                </a:tc>
-                <a:tc>
-                  <a:txBody>
-                    <a:bodyPr/>
-                    <a:lstStyle/>
-                    <a:p>
-                      <a:pPr algn="r" fontAlgn="b"/>
-                      <a:r>
-                        <a:rPr lang="en-US" sz="2000" b="0" i="0" u="none" strike="noStrike" dirty="0">
-                          <a:solidFill>
-                            <a:srgbClr val="000000"/>
-                          </a:solidFill>
-                          <a:effectLst/>
-                          <a:latin typeface="Calibri" panose="020F0502020204030204" pitchFamily="34" charset="0"/>
-                        </a:rPr>
-                        <a:t>-0.0579</a:t>
-                      </a:r>
-                    </a:p>
-                  </a:txBody>
-                  <a:tcPr marL="7620" marR="7620" marT="7620" marB="0" anchor="b">
-                    <a:lnL>
-                      <a:noFill/>
-                    </a:lnL>
-                    <a:lnR>
-                      <a:noFill/>
-                    </a:lnR>
-                    <a:lnT>
-                      <a:noFill/>
-                    </a:lnT>
-                    <a:lnB>
-                      <a:noFill/>
-                    </a:lnB>
-                  </a:tcPr>
-                </a:tc>
-                <a:tc>
-                  <a:txBody>
-                    <a:bodyPr/>
-                    <a:lstStyle/>
-                    <a:p>
-                      <a:pPr algn="r" fontAlgn="b"/>
-                      <a:r>
-                        <a:rPr lang="en-US" sz="2000" b="0" i="0" u="none" strike="noStrike" dirty="0">
-                          <a:solidFill>
-                            <a:srgbClr val="000000"/>
-                          </a:solidFill>
-                          <a:effectLst/>
-                          <a:latin typeface="Calibri" panose="020F0502020204030204" pitchFamily="34" charset="0"/>
-                        </a:rPr>
-                        <a:t>0.0598</a:t>
-                      </a:r>
-                    </a:p>
-                  </a:txBody>
-                  <a:tcPr marL="7620" marR="7620" marT="7620" marB="0" anchor="b">
-                    <a:lnL>
-                      <a:noFill/>
-                    </a:lnL>
-                    <a:lnR>
-                      <a:noFill/>
-                    </a:lnR>
-                    <a:lnT>
-                      <a:noFill/>
-                    </a:lnT>
-                    <a:lnB>
-                      <a:noFill/>
-                    </a:lnB>
-                  </a:tcPr>
-                </a:tc>
-                <a:extLst>
-                  <a:ext uri="{0D108BD9-81ED-4DB2-BD59-A6C34878D82A}">
-                    <a16:rowId xmlns:a16="http://schemas.microsoft.com/office/drawing/2014/main" val="3240576727"/>
-                  </a:ext>
-                </a:extLst>
-              </a:tr>
-              <a:tr h="182880">
-                <a:tc>
-                  <a:txBody>
-                    <a:bodyPr/>
-                    <a:lstStyle/>
-                    <a:p>
-                      <a:pPr algn="l" fontAlgn="b"/>
-                      <a:r>
-                        <a:rPr lang="en-US" sz="2000" b="0" i="0" u="none" strike="noStrike" dirty="0" smtClean="0">
-                          <a:solidFill>
-                            <a:srgbClr val="000000"/>
-                          </a:solidFill>
-                          <a:effectLst/>
-                          <a:latin typeface="Calibri" panose="020F0502020204030204" pitchFamily="34" charset="0"/>
-                        </a:rPr>
-                        <a:t>Run37.13</a:t>
-                      </a:r>
-                      <a:endParaRPr lang="en-US" sz="2000" b="0" i="0" u="none" strike="noStrike" dirty="0">
-                        <a:solidFill>
-                          <a:srgbClr val="000000"/>
-                        </a:solidFill>
-                        <a:effectLst/>
-                        <a:latin typeface="Calibri" panose="020F0502020204030204" pitchFamily="34" charset="0"/>
-                      </a:endParaRPr>
-                    </a:p>
-                  </a:txBody>
-                  <a:tcPr marL="7620" marR="7620" marT="7620" marB="0" anchor="b">
-                    <a:lnL>
-                      <a:noFill/>
-                    </a:lnL>
-                    <a:lnR>
-                      <a:noFill/>
-                    </a:lnR>
-                    <a:lnT>
-                      <a:noFill/>
-                    </a:lnT>
-                    <a:lnB>
-                      <a:noFill/>
-                    </a:lnB>
-                  </a:tcPr>
-                </a:tc>
-                <a:tc>
-                  <a:txBody>
-                    <a:bodyPr/>
-                    <a:lstStyle/>
-                    <a:p>
-                      <a:pPr algn="r" fontAlgn="b"/>
-                      <a:r>
-                        <a:rPr lang="en-US" sz="2000" b="0" i="0" u="none" strike="noStrike" dirty="0">
-                          <a:solidFill>
-                            <a:srgbClr val="000000"/>
-                          </a:solidFill>
-                          <a:effectLst/>
-                          <a:latin typeface="Calibri" panose="020F0502020204030204" pitchFamily="34" charset="0"/>
-                        </a:rPr>
-                        <a:t>0.0116</a:t>
-                      </a:r>
-                    </a:p>
-                  </a:txBody>
-                  <a:tcPr marL="7620" marR="7620" marT="7620" marB="0" anchor="b">
-                    <a:lnL>
-                      <a:noFill/>
-                    </a:lnL>
-                    <a:lnR>
-                      <a:noFill/>
-                    </a:lnR>
-                    <a:lnT>
-                      <a:noFill/>
-                    </a:lnT>
-                    <a:lnB>
-                      <a:noFill/>
-                    </a:lnB>
-                  </a:tcPr>
-                </a:tc>
-                <a:tc>
-                  <a:txBody>
-                    <a:bodyPr/>
-                    <a:lstStyle/>
-                    <a:p>
-                      <a:pPr algn="r" fontAlgn="b"/>
-                      <a:r>
-                        <a:rPr lang="en-US" sz="2000" b="0" i="0" u="none" strike="noStrike">
-                          <a:solidFill>
-                            <a:srgbClr val="000000"/>
-                          </a:solidFill>
-                          <a:effectLst/>
-                          <a:latin typeface="Calibri" panose="020F0502020204030204" pitchFamily="34" charset="0"/>
-                        </a:rPr>
-                        <a:t>0.0291</a:t>
-                      </a:r>
-                    </a:p>
-                  </a:txBody>
-                  <a:tcPr marL="7620" marR="7620" marT="7620" marB="0" anchor="b">
-                    <a:lnL>
-                      <a:noFill/>
-                    </a:lnL>
-                    <a:lnR>
-                      <a:noFill/>
-                    </a:lnR>
-                    <a:lnT>
-                      <a:noFill/>
-                    </a:lnT>
-                    <a:lnB>
-                      <a:noFill/>
-                    </a:lnB>
-                  </a:tcPr>
-                </a:tc>
-                <a:tc>
-                  <a:txBody>
-                    <a:bodyPr/>
-                    <a:lstStyle/>
-                    <a:p>
-                      <a:pPr algn="r" fontAlgn="b"/>
-                      <a:r>
-                        <a:rPr lang="en-US" sz="2000" b="0" i="0" u="none" strike="noStrike" dirty="0">
-                          <a:solidFill>
-                            <a:srgbClr val="000000"/>
-                          </a:solidFill>
-                          <a:effectLst/>
-                          <a:latin typeface="Calibri" panose="020F0502020204030204" pitchFamily="34" charset="0"/>
-                        </a:rPr>
-                        <a:t>-0.0548</a:t>
-                      </a:r>
-                    </a:p>
-                  </a:txBody>
-                  <a:tcPr marL="7620" marR="7620" marT="7620" marB="0" anchor="b">
-                    <a:lnL>
-                      <a:noFill/>
-                    </a:lnL>
-                    <a:lnR>
-                      <a:noFill/>
-                    </a:lnR>
-                    <a:lnT>
-                      <a:noFill/>
-                    </a:lnT>
-                    <a:lnB>
-                      <a:noFill/>
-                    </a:lnB>
-                  </a:tcPr>
-                </a:tc>
-                <a:extLst>
-                  <a:ext uri="{0D108BD9-81ED-4DB2-BD59-A6C34878D82A}">
-                    <a16:rowId xmlns:a16="http://schemas.microsoft.com/office/drawing/2014/main" val="1883810822"/>
-                  </a:ext>
-                </a:extLst>
-              </a:tr>
-            </a:tbl>
-          </a:graphicData>
-        </a:graphic>
-      </p:graphicFrame>
       <p:pic>
         <p:nvPicPr>
           <p:cNvPr id="10" name="Picture 9"/>
@@ -7593,6 +8251,126 @@
           <a:xfrm>
             <a:off x="552994" y="1397724"/>
             <a:ext cx="5329647" cy="5329647"/>
+          </a:xfrm>
+          <a:prstGeom prst="rect">
+            <a:avLst/>
+          </a:prstGeom>
+        </p:spPr>
+      </p:pic>
+      <p:sp>
+        <p:nvSpPr>
+          <p:cNvPr id="4" name="Rectangle 3"/>
+          <p:cNvSpPr/>
+          <p:nvPr/>
+        </p:nvSpPr>
+        <p:spPr>
+          <a:xfrm>
+            <a:off x="3621437" y="239633"/>
+            <a:ext cx="6096000" cy="923330"/>
+          </a:xfrm>
+          <a:prstGeom prst="rect">
+            <a:avLst/>
+          </a:prstGeom>
+        </p:spPr>
+        <p:txBody>
+          <a:bodyPr>
+            <a:spAutoFit/>
+          </a:bodyPr>
+          <a:lstStyle/>
+          <a:p>
+            <a:r>
+              <a:rPr lang="en-US" dirty="0" smtClean="0"/>
+              <a:t>                  </a:t>
+            </a:r>
+            <a:r>
+              <a:rPr lang="en-US" dirty="0" err="1" smtClean="0"/>
+              <a:t>rho_R</a:t>
+            </a:r>
+            <a:r>
+              <a:rPr lang="en-US" dirty="0" smtClean="0"/>
+              <a:t>        </a:t>
+            </a:r>
+            <a:r>
+              <a:rPr lang="en-US" dirty="0" err="1" smtClean="0"/>
+              <a:t>rho_SSB</a:t>
+            </a:r>
+            <a:r>
+              <a:rPr lang="en-US" dirty="0" smtClean="0"/>
+              <a:t>     </a:t>
+            </a:r>
+            <a:r>
+              <a:rPr lang="en-US" dirty="0" err="1" smtClean="0"/>
+              <a:t>rho_Fbar</a:t>
+            </a:r>
+            <a:endParaRPr lang="en-US" dirty="0"/>
+          </a:p>
+          <a:p>
+            <a:r>
+              <a:rPr lang="en-US" dirty="0"/>
+              <a:t>Run34       </a:t>
+            </a:r>
+            <a:r>
+              <a:rPr lang="en-US" dirty="0" smtClean="0"/>
+              <a:t>0.1209      -</a:t>
+            </a:r>
+            <a:r>
+              <a:rPr lang="en-US" dirty="0"/>
+              <a:t>0.0579   </a:t>
+            </a:r>
+            <a:r>
+              <a:rPr lang="en-US" dirty="0" smtClean="0"/>
+              <a:t>    0.0598</a:t>
+            </a:r>
+            <a:endParaRPr lang="en-US" dirty="0"/>
+          </a:p>
+          <a:p>
+            <a:r>
+              <a:rPr lang="en-US" dirty="0"/>
+              <a:t>Run37.14 </a:t>
+            </a:r>
+            <a:r>
+              <a:rPr lang="en-US" dirty="0" smtClean="0"/>
+              <a:t>0.1333      -</a:t>
+            </a:r>
+            <a:r>
+              <a:rPr lang="en-US" dirty="0"/>
+              <a:t>0.0067  </a:t>
+            </a:r>
+            <a:r>
+              <a:rPr lang="en-US" dirty="0" smtClean="0"/>
+              <a:t>    -</a:t>
+            </a:r>
+            <a:r>
+              <a:rPr lang="en-US" dirty="0"/>
+              <a:t>0.0159</a:t>
+            </a:r>
+          </a:p>
+        </p:txBody>
+      </p:sp>
+      <p:pic>
+        <p:nvPicPr>
+          <p:cNvPr id="5" name="Picture 4"/>
+          <p:cNvPicPr>
+            <a:picLocks noChangeAspect="1"/>
+          </p:cNvPicPr>
+          <p:nvPr/>
+        </p:nvPicPr>
+        <p:blipFill>
+          <a:blip r:embed="rId3">
+            <a:extLst>
+              <a:ext uri="{28A0092B-C50C-407E-A947-70E740481C1C}">
+                <a14:useLocalDpi xmlns:a14="http://schemas.microsoft.com/office/drawing/2010/main" val="0"/>
+              </a:ext>
+            </a:extLst>
+          </a:blip>
+          <a:stretch>
+            <a:fillRect/>
+          </a:stretch>
+        </p:blipFill>
+        <p:spPr>
+          <a:xfrm>
+            <a:off x="6059319" y="1397723"/>
+            <a:ext cx="5329648" cy="5329648"/>
           </a:xfrm>
           <a:prstGeom prst="rect">
             <a:avLst/>
@@ -7719,6 +8497,36 @@
           </a:p>
         </p:txBody>
       </p:sp>
+      <p:pic>
+        <p:nvPicPr>
+          <p:cNvPr id="5" name="Picture 4"/>
+          <p:cNvPicPr>
+            <a:picLocks noChangeAspect="1"/>
+          </p:cNvPicPr>
+          <p:nvPr/>
+        </p:nvPicPr>
+        <p:blipFill>
+          <a:blip r:embed="rId3">
+            <a:extLst>
+              <a:ext uri="{28A0092B-C50C-407E-A947-70E740481C1C}">
+                <a14:useLocalDpi xmlns:a14="http://schemas.microsoft.com/office/drawing/2010/main" val="0"/>
+              </a:ext>
+            </a:extLst>
+          </a:blip>
+          <a:stretch>
+            <a:fillRect/>
+          </a:stretch>
+        </p:blipFill>
+        <p:spPr>
+          <a:xfrm>
+            <a:off x="5900057" y="1158240"/>
+            <a:ext cx="5699760" cy="5699760"/>
+          </a:xfrm>
+          <a:prstGeom prst="rect">
+            <a:avLst/>
+          </a:prstGeom>
+        </p:spPr>
+      </p:pic>
     </p:spTree>
     <p:extLst>
       <p:ext uri="{BB962C8B-B14F-4D97-AF65-F5344CB8AC3E}">
@@ -7833,6 +8641,36 @@
           <a:xfrm>
             <a:off x="346166" y="1036320"/>
             <a:ext cx="5760720" cy="5760720"/>
+          </a:xfrm>
+          <a:prstGeom prst="rect">
+            <a:avLst/>
+          </a:prstGeom>
+        </p:spPr>
+      </p:pic>
+      <p:pic>
+        <p:nvPicPr>
+          <p:cNvPr id="2" name="Picture 1"/>
+          <p:cNvPicPr>
+            <a:picLocks noChangeAspect="1"/>
+          </p:cNvPicPr>
+          <p:nvPr/>
+        </p:nvPicPr>
+        <p:blipFill>
+          <a:blip r:embed="rId3">
+            <a:extLst>
+              <a:ext uri="{28A0092B-C50C-407E-A947-70E740481C1C}">
+                <a14:useLocalDpi xmlns:a14="http://schemas.microsoft.com/office/drawing/2010/main" val="0"/>
+              </a:ext>
+            </a:extLst>
+          </a:blip>
+          <a:stretch>
+            <a:fillRect/>
+          </a:stretch>
+        </p:blipFill>
+        <p:spPr>
+          <a:xfrm>
+            <a:off x="6106886" y="1005840"/>
+            <a:ext cx="5821680" cy="5821680"/>
           </a:xfrm>
           <a:prstGeom prst="rect">
             <a:avLst/>

--- a/2023.RT.Runs/BSB WHAM Sensitivity Tests.pptx
+++ b/2023.RT.Runs/BSB WHAM Sensitivity Tests.pptx
@@ -4,6 +4,9 @@
   <p:sldMasterIdLst>
     <p:sldMasterId id="2147483648" r:id="rId1"/>
   </p:sldMasterIdLst>
+  <p:notesMasterIdLst>
+    <p:notesMasterId r:id="rId39"/>
+  </p:notesMasterIdLst>
   <p:sldIdLst>
     <p:sldId id="256" r:id="rId2"/>
     <p:sldId id="257" r:id="rId3"/>
@@ -34,10 +37,14 @@
     <p:sldId id="293" r:id="rId28"/>
     <p:sldId id="276" r:id="rId29"/>
     <p:sldId id="264" r:id="rId30"/>
-    <p:sldId id="269" r:id="rId31"/>
-    <p:sldId id="273" r:id="rId32"/>
-    <p:sldId id="270" r:id="rId33"/>
-    <p:sldId id="274" r:id="rId34"/>
+    <p:sldId id="296" r:id="rId31"/>
+    <p:sldId id="297" r:id="rId32"/>
+    <p:sldId id="295" r:id="rId33"/>
+    <p:sldId id="270" r:id="rId34"/>
+    <p:sldId id="274" r:id="rId35"/>
+    <p:sldId id="294" r:id="rId36"/>
+    <p:sldId id="269" r:id="rId37"/>
+    <p:sldId id="273" r:id="rId38"/>
   </p:sldIdLst>
   <p:sldSz cx="12192000" cy="6858000"/>
   <p:notesSz cx="6858000" cy="9144000"/>
@@ -170,6 +177,781 @@
 </p:cmLst>
 </file>
 
+<file path=ppt/notesMasters/notesMaster1.xml><?xml version="1.0" encoding="utf-8"?>
+<p:notesMaster xmlns:a="http://schemas.openxmlformats.org/drawingml/2006/main" xmlns:r="http://schemas.openxmlformats.org/officeDocument/2006/relationships" xmlns:p="http://schemas.openxmlformats.org/presentationml/2006/main">
+  <p:cSld>
+    <p:bg>
+      <p:bgRef idx="1001">
+        <a:schemeClr val="bg1"/>
+      </p:bgRef>
+    </p:bg>
+    <p:spTree>
+      <p:nvGrpSpPr>
+        <p:cNvPr id="1" name=""/>
+        <p:cNvGrpSpPr/>
+        <p:nvPr/>
+      </p:nvGrpSpPr>
+      <p:grpSpPr>
+        <a:xfrm>
+          <a:off x="0" y="0"/>
+          <a:ext cx="0" cy="0"/>
+          <a:chOff x="0" y="0"/>
+          <a:chExt cx="0" cy="0"/>
+        </a:xfrm>
+      </p:grpSpPr>
+      <p:sp>
+        <p:nvSpPr>
+          <p:cNvPr id="2" name="Header Placeholder 1"/>
+          <p:cNvSpPr>
+            <a:spLocks noGrp="1"/>
+          </p:cNvSpPr>
+          <p:nvPr>
+            <p:ph type="hdr" sz="quarter"/>
+          </p:nvPr>
+        </p:nvSpPr>
+        <p:spPr>
+          <a:xfrm>
+            <a:off x="0" y="0"/>
+            <a:ext cx="2971800" cy="458788"/>
+          </a:xfrm>
+          <a:prstGeom prst="rect">
+            <a:avLst/>
+          </a:prstGeom>
+        </p:spPr>
+        <p:txBody>
+          <a:bodyPr vert="horz" lIns="91440" tIns="45720" rIns="91440" bIns="45720" rtlCol="0"/>
+          <a:lstStyle>
+            <a:lvl1pPr algn="l">
+              <a:defRPr sz="1200"/>
+            </a:lvl1pPr>
+          </a:lstStyle>
+          <a:p>
+            <a:endParaRPr lang="en-US"/>
+          </a:p>
+        </p:txBody>
+      </p:sp>
+      <p:sp>
+        <p:nvSpPr>
+          <p:cNvPr id="3" name="Date Placeholder 2"/>
+          <p:cNvSpPr>
+            <a:spLocks noGrp="1"/>
+          </p:cNvSpPr>
+          <p:nvPr>
+            <p:ph type="dt" idx="1"/>
+          </p:nvPr>
+        </p:nvSpPr>
+        <p:spPr>
+          <a:xfrm>
+            <a:off x="3884613" y="0"/>
+            <a:ext cx="2971800" cy="458788"/>
+          </a:xfrm>
+          <a:prstGeom prst="rect">
+            <a:avLst/>
+          </a:prstGeom>
+        </p:spPr>
+        <p:txBody>
+          <a:bodyPr vert="horz" lIns="91440" tIns="45720" rIns="91440" bIns="45720" rtlCol="0"/>
+          <a:lstStyle>
+            <a:lvl1pPr algn="r">
+              <a:defRPr sz="1200"/>
+            </a:lvl1pPr>
+          </a:lstStyle>
+          <a:p>
+            <a:fld id="{BCE76315-5318-4C37-8130-0BE8558006F8}" type="datetimeFigureOut">
+              <a:rPr lang="en-US" smtClean="0"/>
+              <a:t>1/29/2024</a:t>
+            </a:fld>
+            <a:endParaRPr lang="en-US"/>
+          </a:p>
+        </p:txBody>
+      </p:sp>
+      <p:sp>
+        <p:nvSpPr>
+          <p:cNvPr id="4" name="Slide Image Placeholder 3"/>
+          <p:cNvSpPr>
+            <a:spLocks noGrp="1" noRot="1" noChangeAspect="1"/>
+          </p:cNvSpPr>
+          <p:nvPr>
+            <p:ph type="sldImg" idx="2"/>
+          </p:nvPr>
+        </p:nvSpPr>
+        <p:spPr>
+          <a:xfrm>
+            <a:off x="685800" y="1143000"/>
+            <a:ext cx="5486400" cy="3086100"/>
+          </a:xfrm>
+          <a:prstGeom prst="rect">
+            <a:avLst/>
+          </a:prstGeom>
+          <a:noFill/>
+          <a:ln w="12700">
+            <a:solidFill>
+              <a:prstClr val="black"/>
+            </a:solidFill>
+          </a:ln>
+        </p:spPr>
+        <p:txBody>
+          <a:bodyPr vert="horz" lIns="91440" tIns="45720" rIns="91440" bIns="45720" rtlCol="0" anchor="ctr"/>
+          <a:lstStyle/>
+          <a:p>
+            <a:endParaRPr lang="en-US"/>
+          </a:p>
+        </p:txBody>
+      </p:sp>
+      <p:sp>
+        <p:nvSpPr>
+          <p:cNvPr id="5" name="Notes Placeholder 4"/>
+          <p:cNvSpPr>
+            <a:spLocks noGrp="1"/>
+          </p:cNvSpPr>
+          <p:nvPr>
+            <p:ph type="body" sz="quarter" idx="3"/>
+          </p:nvPr>
+        </p:nvSpPr>
+        <p:spPr>
+          <a:xfrm>
+            <a:off x="685800" y="4400550"/>
+            <a:ext cx="5486400" cy="3600450"/>
+          </a:xfrm>
+          <a:prstGeom prst="rect">
+            <a:avLst/>
+          </a:prstGeom>
+        </p:spPr>
+        <p:txBody>
+          <a:bodyPr vert="horz" lIns="91440" tIns="45720" rIns="91440" bIns="45720" rtlCol="0"/>
+          <a:lstStyle/>
+          <a:p>
+            <a:pPr lvl="0"/>
+            <a:r>
+              <a:rPr lang="en-US" smtClean="0"/>
+              <a:t>Edit Master text styles</a:t>
+            </a:r>
+          </a:p>
+          <a:p>
+            <a:pPr lvl="1"/>
+            <a:r>
+              <a:rPr lang="en-US" smtClean="0"/>
+              <a:t>Second level</a:t>
+            </a:r>
+          </a:p>
+          <a:p>
+            <a:pPr lvl="2"/>
+            <a:r>
+              <a:rPr lang="en-US" smtClean="0"/>
+              <a:t>Third level</a:t>
+            </a:r>
+          </a:p>
+          <a:p>
+            <a:pPr lvl="3"/>
+            <a:r>
+              <a:rPr lang="en-US" smtClean="0"/>
+              <a:t>Fourth level</a:t>
+            </a:r>
+          </a:p>
+          <a:p>
+            <a:pPr lvl="4"/>
+            <a:r>
+              <a:rPr lang="en-US" smtClean="0"/>
+              <a:t>Fifth level</a:t>
+            </a:r>
+            <a:endParaRPr lang="en-US"/>
+          </a:p>
+        </p:txBody>
+      </p:sp>
+      <p:sp>
+        <p:nvSpPr>
+          <p:cNvPr id="6" name="Footer Placeholder 5"/>
+          <p:cNvSpPr>
+            <a:spLocks noGrp="1"/>
+          </p:cNvSpPr>
+          <p:nvPr>
+            <p:ph type="ftr" sz="quarter" idx="4"/>
+          </p:nvPr>
+        </p:nvSpPr>
+        <p:spPr>
+          <a:xfrm>
+            <a:off x="0" y="8685213"/>
+            <a:ext cx="2971800" cy="458787"/>
+          </a:xfrm>
+          <a:prstGeom prst="rect">
+            <a:avLst/>
+          </a:prstGeom>
+        </p:spPr>
+        <p:txBody>
+          <a:bodyPr vert="horz" lIns="91440" tIns="45720" rIns="91440" bIns="45720" rtlCol="0" anchor="b"/>
+          <a:lstStyle>
+            <a:lvl1pPr algn="l">
+              <a:defRPr sz="1200"/>
+            </a:lvl1pPr>
+          </a:lstStyle>
+          <a:p>
+            <a:endParaRPr lang="en-US"/>
+          </a:p>
+        </p:txBody>
+      </p:sp>
+      <p:sp>
+        <p:nvSpPr>
+          <p:cNvPr id="7" name="Slide Number Placeholder 6"/>
+          <p:cNvSpPr>
+            <a:spLocks noGrp="1"/>
+          </p:cNvSpPr>
+          <p:nvPr>
+            <p:ph type="sldNum" sz="quarter" idx="5"/>
+          </p:nvPr>
+        </p:nvSpPr>
+        <p:spPr>
+          <a:xfrm>
+            <a:off x="3884613" y="8685213"/>
+            <a:ext cx="2971800" cy="458787"/>
+          </a:xfrm>
+          <a:prstGeom prst="rect">
+            <a:avLst/>
+          </a:prstGeom>
+        </p:spPr>
+        <p:txBody>
+          <a:bodyPr vert="horz" lIns="91440" tIns="45720" rIns="91440" bIns="45720" rtlCol="0" anchor="b"/>
+          <a:lstStyle>
+            <a:lvl1pPr algn="r">
+              <a:defRPr sz="1200"/>
+            </a:lvl1pPr>
+          </a:lstStyle>
+          <a:p>
+            <a:fld id="{5DBD21DD-8E4A-412C-939F-361AD1C20860}" type="slidenum">
+              <a:rPr lang="en-US" smtClean="0"/>
+              <a:t>‹#›</a:t>
+            </a:fld>
+            <a:endParaRPr lang="en-US"/>
+          </a:p>
+        </p:txBody>
+      </p:sp>
+    </p:spTree>
+    <p:extLst>
+      <p:ext uri="{BB962C8B-B14F-4D97-AF65-F5344CB8AC3E}">
+        <p14:creationId xmlns:p14="http://schemas.microsoft.com/office/powerpoint/2010/main" val="1259927827"/>
+      </p:ext>
+    </p:extLst>
+  </p:cSld>
+  <p:clrMap bg1="lt1" tx1="dk1" bg2="lt2" tx2="dk2" accent1="accent1" accent2="accent2" accent3="accent3" accent4="accent4" accent5="accent5" accent6="accent6" hlink="hlink" folHlink="folHlink"/>
+  <p:notesStyle>
+    <a:lvl1pPr marL="0" algn="l" defTabSz="914400" rtl="0" eaLnBrk="1" latinLnBrk="0" hangingPunct="1">
+      <a:defRPr sz="1200" kern="1200">
+        <a:solidFill>
+          <a:schemeClr val="tx1"/>
+        </a:solidFill>
+        <a:latin typeface="+mn-lt"/>
+        <a:ea typeface="+mn-ea"/>
+        <a:cs typeface="+mn-cs"/>
+      </a:defRPr>
+    </a:lvl1pPr>
+    <a:lvl2pPr marL="457200" algn="l" defTabSz="914400" rtl="0" eaLnBrk="1" latinLnBrk="0" hangingPunct="1">
+      <a:defRPr sz="1200" kern="1200">
+        <a:solidFill>
+          <a:schemeClr val="tx1"/>
+        </a:solidFill>
+        <a:latin typeface="+mn-lt"/>
+        <a:ea typeface="+mn-ea"/>
+        <a:cs typeface="+mn-cs"/>
+      </a:defRPr>
+    </a:lvl2pPr>
+    <a:lvl3pPr marL="914400" algn="l" defTabSz="914400" rtl="0" eaLnBrk="1" latinLnBrk="0" hangingPunct="1">
+      <a:defRPr sz="1200" kern="1200">
+        <a:solidFill>
+          <a:schemeClr val="tx1"/>
+        </a:solidFill>
+        <a:latin typeface="+mn-lt"/>
+        <a:ea typeface="+mn-ea"/>
+        <a:cs typeface="+mn-cs"/>
+      </a:defRPr>
+    </a:lvl3pPr>
+    <a:lvl4pPr marL="1371600" algn="l" defTabSz="914400" rtl="0" eaLnBrk="1" latinLnBrk="0" hangingPunct="1">
+      <a:defRPr sz="1200" kern="1200">
+        <a:solidFill>
+          <a:schemeClr val="tx1"/>
+        </a:solidFill>
+        <a:latin typeface="+mn-lt"/>
+        <a:ea typeface="+mn-ea"/>
+        <a:cs typeface="+mn-cs"/>
+      </a:defRPr>
+    </a:lvl4pPr>
+    <a:lvl5pPr marL="1828800" algn="l" defTabSz="914400" rtl="0" eaLnBrk="1" latinLnBrk="0" hangingPunct="1">
+      <a:defRPr sz="1200" kern="1200">
+        <a:solidFill>
+          <a:schemeClr val="tx1"/>
+        </a:solidFill>
+        <a:latin typeface="+mn-lt"/>
+        <a:ea typeface="+mn-ea"/>
+        <a:cs typeface="+mn-cs"/>
+      </a:defRPr>
+    </a:lvl5pPr>
+    <a:lvl6pPr marL="2286000" algn="l" defTabSz="914400" rtl="0" eaLnBrk="1" latinLnBrk="0" hangingPunct="1">
+      <a:defRPr sz="1200" kern="1200">
+        <a:solidFill>
+          <a:schemeClr val="tx1"/>
+        </a:solidFill>
+        <a:latin typeface="+mn-lt"/>
+        <a:ea typeface="+mn-ea"/>
+        <a:cs typeface="+mn-cs"/>
+      </a:defRPr>
+    </a:lvl6pPr>
+    <a:lvl7pPr marL="2743200" algn="l" defTabSz="914400" rtl="0" eaLnBrk="1" latinLnBrk="0" hangingPunct="1">
+      <a:defRPr sz="1200" kern="1200">
+        <a:solidFill>
+          <a:schemeClr val="tx1"/>
+        </a:solidFill>
+        <a:latin typeface="+mn-lt"/>
+        <a:ea typeface="+mn-ea"/>
+        <a:cs typeface="+mn-cs"/>
+      </a:defRPr>
+    </a:lvl7pPr>
+    <a:lvl8pPr marL="3200400" algn="l" defTabSz="914400" rtl="0" eaLnBrk="1" latinLnBrk="0" hangingPunct="1">
+      <a:defRPr sz="1200" kern="1200">
+        <a:solidFill>
+          <a:schemeClr val="tx1"/>
+        </a:solidFill>
+        <a:latin typeface="+mn-lt"/>
+        <a:ea typeface="+mn-ea"/>
+        <a:cs typeface="+mn-cs"/>
+      </a:defRPr>
+    </a:lvl8pPr>
+    <a:lvl9pPr marL="3657600" algn="l" defTabSz="914400" rtl="0" eaLnBrk="1" latinLnBrk="0" hangingPunct="1">
+      <a:defRPr sz="1200" kern="1200">
+        <a:solidFill>
+          <a:schemeClr val="tx1"/>
+        </a:solidFill>
+        <a:latin typeface="+mn-lt"/>
+        <a:ea typeface="+mn-ea"/>
+        <a:cs typeface="+mn-cs"/>
+      </a:defRPr>
+    </a:lvl9pPr>
+  </p:notesStyle>
+</p:notesMaster>
+</file>
+
+<file path=ppt/notesSlides/notesSlide1.xml><?xml version="1.0" encoding="utf-8"?>
+<p:notes xmlns:a="http://schemas.openxmlformats.org/drawingml/2006/main" xmlns:r="http://schemas.openxmlformats.org/officeDocument/2006/relationships" xmlns:p="http://schemas.openxmlformats.org/presentationml/2006/main">
+  <p:cSld>
+    <p:spTree>
+      <p:nvGrpSpPr>
+        <p:cNvPr id="1" name=""/>
+        <p:cNvGrpSpPr/>
+        <p:nvPr/>
+      </p:nvGrpSpPr>
+      <p:grpSpPr>
+        <a:xfrm>
+          <a:off x="0" y="0"/>
+          <a:ext cx="0" cy="0"/>
+          <a:chOff x="0" y="0"/>
+          <a:chExt cx="0" cy="0"/>
+        </a:xfrm>
+      </p:grpSpPr>
+      <p:sp>
+        <p:nvSpPr>
+          <p:cNvPr id="2" name="Slide Image Placeholder 1"/>
+          <p:cNvSpPr>
+            <a:spLocks noGrp="1" noRot="1" noChangeAspect="1"/>
+          </p:cNvSpPr>
+          <p:nvPr>
+            <p:ph type="sldImg"/>
+          </p:nvPr>
+        </p:nvSpPr>
+        <p:spPr/>
+      </p:sp>
+      <p:sp>
+        <p:nvSpPr>
+          <p:cNvPr id="3" name="Notes Placeholder 2"/>
+          <p:cNvSpPr>
+            <a:spLocks noGrp="1"/>
+          </p:cNvSpPr>
+          <p:nvPr>
+            <p:ph type="body" idx="1"/>
+          </p:nvPr>
+        </p:nvSpPr>
+        <p:spPr/>
+        <p:txBody>
+          <a:bodyPr/>
+          <a:lstStyle/>
+          <a:p>
+            <a:pPr lvl="1"/>
+            <a:r>
+              <a:rPr lang="en-US" dirty="0" smtClean="0"/>
+              <a:t>Spring Albatross – 2dar1</a:t>
+            </a:r>
+          </a:p>
+          <a:p>
+            <a:pPr lvl="1"/>
+            <a:r>
+              <a:rPr lang="en-US" dirty="0" smtClean="0"/>
+              <a:t>NEAMAP –            ar1_y</a:t>
+            </a:r>
+          </a:p>
+          <a:p>
+            <a:pPr lvl="1"/>
+            <a:r>
+              <a:rPr lang="en-US" dirty="0" smtClean="0"/>
+              <a:t>MA –                     ar1_y</a:t>
+            </a:r>
+          </a:p>
+          <a:p>
+            <a:pPr lvl="1"/>
+            <a:r>
+              <a:rPr lang="en-US" dirty="0" smtClean="0"/>
+              <a:t>RI –                       ar1_y</a:t>
+            </a:r>
+          </a:p>
+          <a:p>
+            <a:pPr lvl="1"/>
+            <a:r>
+              <a:rPr lang="en-US" dirty="0" smtClean="0"/>
+              <a:t>CT –                       ar1_y</a:t>
+            </a:r>
+          </a:p>
+          <a:p>
+            <a:pPr lvl="1"/>
+            <a:r>
+              <a:rPr lang="en-US" dirty="0" smtClean="0"/>
+              <a:t>NY-                       none</a:t>
+            </a:r>
+          </a:p>
+          <a:p>
+            <a:pPr lvl="1"/>
+            <a:r>
+              <a:rPr lang="en-US" dirty="0" smtClean="0"/>
+              <a:t>Bigelow –              2dar1</a:t>
+            </a:r>
+          </a:p>
+          <a:p>
+            <a:endParaRPr lang="en-US" dirty="0"/>
+          </a:p>
+        </p:txBody>
+      </p:sp>
+      <p:sp>
+        <p:nvSpPr>
+          <p:cNvPr id="4" name="Slide Number Placeholder 3"/>
+          <p:cNvSpPr>
+            <a:spLocks noGrp="1"/>
+          </p:cNvSpPr>
+          <p:nvPr>
+            <p:ph type="sldNum" sz="quarter" idx="10"/>
+          </p:nvPr>
+        </p:nvSpPr>
+        <p:spPr/>
+        <p:txBody>
+          <a:bodyPr/>
+          <a:lstStyle/>
+          <a:p>
+            <a:fld id="{5DBD21DD-8E4A-412C-939F-361AD1C20860}" type="slidenum">
+              <a:rPr lang="en-US" smtClean="0"/>
+              <a:t>6</a:t>
+            </a:fld>
+            <a:endParaRPr lang="en-US"/>
+          </a:p>
+        </p:txBody>
+      </p:sp>
+    </p:spTree>
+    <p:extLst>
+      <p:ext uri="{BB962C8B-B14F-4D97-AF65-F5344CB8AC3E}">
+        <p14:creationId xmlns:p14="http://schemas.microsoft.com/office/powerpoint/2010/main" val="1382164396"/>
+      </p:ext>
+    </p:extLst>
+  </p:cSld>
+  <p:clrMapOvr>
+    <a:masterClrMapping/>
+  </p:clrMapOvr>
+</p:notes>
+</file>
+
+<file path=ppt/notesSlides/notesSlide2.xml><?xml version="1.0" encoding="utf-8"?>
+<p:notes xmlns:a="http://schemas.openxmlformats.org/drawingml/2006/main" xmlns:r="http://schemas.openxmlformats.org/officeDocument/2006/relationships" xmlns:p="http://schemas.openxmlformats.org/presentationml/2006/main">
+  <p:cSld>
+    <p:spTree>
+      <p:nvGrpSpPr>
+        <p:cNvPr id="1" name=""/>
+        <p:cNvGrpSpPr/>
+        <p:nvPr/>
+      </p:nvGrpSpPr>
+      <p:grpSpPr>
+        <a:xfrm>
+          <a:off x="0" y="0"/>
+          <a:ext cx="0" cy="0"/>
+          <a:chOff x="0" y="0"/>
+          <a:chExt cx="0" cy="0"/>
+        </a:xfrm>
+      </p:grpSpPr>
+      <p:sp>
+        <p:nvSpPr>
+          <p:cNvPr id="2" name="Slide Image Placeholder 1"/>
+          <p:cNvSpPr>
+            <a:spLocks noGrp="1" noRot="1" noChangeAspect="1"/>
+          </p:cNvSpPr>
+          <p:nvPr>
+            <p:ph type="sldImg"/>
+          </p:nvPr>
+        </p:nvSpPr>
+        <p:spPr/>
+      </p:sp>
+      <p:sp>
+        <p:nvSpPr>
+          <p:cNvPr id="3" name="Notes Placeholder 2"/>
+          <p:cNvSpPr>
+            <a:spLocks noGrp="1"/>
+          </p:cNvSpPr>
+          <p:nvPr>
+            <p:ph type="body" idx="1"/>
+          </p:nvPr>
+        </p:nvSpPr>
+        <p:spPr/>
+        <p:txBody>
+          <a:bodyPr/>
+          <a:lstStyle/>
+          <a:p>
+            <a:r>
+              <a:rPr lang="en-US" sz="1200" kern="1200" dirty="0" smtClean="0">
+                <a:solidFill>
+                  <a:schemeClr val="tx1"/>
+                </a:solidFill>
+                <a:effectLst/>
+                <a:latin typeface="+mn-lt"/>
+                <a:ea typeface="+mn-ea"/>
+                <a:cs typeface="+mn-cs"/>
+              </a:rPr>
+              <a:t>Error:</a:t>
+            </a:r>
+          </a:p>
+          <a:p>
+            <a:r>
+              <a:rPr lang="en-US" sz="1200" kern="1200" dirty="0" smtClean="0">
+                <a:solidFill>
+                  <a:schemeClr val="tx1"/>
+                </a:solidFill>
+                <a:effectLst/>
+                <a:latin typeface="+mn-lt"/>
+                <a:ea typeface="+mn-ea"/>
+                <a:cs typeface="+mn-cs"/>
+              </a:rPr>
+              <a:t>Warning message: In max(</a:t>
+            </a:r>
+            <a:r>
+              <a:rPr lang="en-US" sz="1200" kern="1200" dirty="0" err="1" smtClean="0">
+                <a:solidFill>
+                  <a:schemeClr val="tx1"/>
+                </a:solidFill>
+                <a:effectLst/>
+                <a:latin typeface="+mn-lt"/>
+                <a:ea typeface="+mn-ea"/>
+                <a:cs typeface="+mn-cs"/>
+              </a:rPr>
+              <a:t>tmp</a:t>
+            </a:r>
+            <a:r>
+              <a:rPr lang="en-US" sz="1200" kern="1200" dirty="0" smtClean="0">
+                <a:solidFill>
+                  <a:schemeClr val="tx1"/>
+                </a:solidFill>
+                <a:effectLst/>
+                <a:latin typeface="+mn-lt"/>
+                <a:ea typeface="+mn-ea"/>
+                <a:cs typeface="+mn-cs"/>
+              </a:rPr>
+              <a:t>) : no non-missing arguments to max; returning -</a:t>
+            </a:r>
+            <a:r>
+              <a:rPr lang="en-US" sz="1200" kern="1200" dirty="0" err="1" smtClean="0">
+                <a:solidFill>
+                  <a:schemeClr val="tx1"/>
+                </a:solidFill>
+                <a:effectLst/>
+                <a:latin typeface="+mn-lt"/>
+                <a:ea typeface="+mn-ea"/>
+                <a:cs typeface="+mn-cs"/>
+              </a:rPr>
+              <a:t>Inf</a:t>
+            </a:r>
+            <a:endParaRPr lang="en-US" dirty="0"/>
+          </a:p>
+        </p:txBody>
+      </p:sp>
+      <p:sp>
+        <p:nvSpPr>
+          <p:cNvPr id="4" name="Slide Number Placeholder 3"/>
+          <p:cNvSpPr>
+            <a:spLocks noGrp="1"/>
+          </p:cNvSpPr>
+          <p:nvPr>
+            <p:ph type="sldNum" sz="quarter" idx="10"/>
+          </p:nvPr>
+        </p:nvSpPr>
+        <p:spPr/>
+        <p:txBody>
+          <a:bodyPr/>
+          <a:lstStyle/>
+          <a:p>
+            <a:fld id="{5DBD21DD-8E4A-412C-939F-361AD1C20860}" type="slidenum">
+              <a:rPr lang="en-US" smtClean="0"/>
+              <a:t>29</a:t>
+            </a:fld>
+            <a:endParaRPr lang="en-US"/>
+          </a:p>
+        </p:txBody>
+      </p:sp>
+    </p:spTree>
+    <p:extLst>
+      <p:ext uri="{BB962C8B-B14F-4D97-AF65-F5344CB8AC3E}">
+        <p14:creationId xmlns:p14="http://schemas.microsoft.com/office/powerpoint/2010/main" val="1813777810"/>
+      </p:ext>
+    </p:extLst>
+  </p:cSld>
+  <p:clrMapOvr>
+    <a:masterClrMapping/>
+  </p:clrMapOvr>
+</p:notes>
+</file>
+
+<file path=ppt/notesSlides/notesSlide3.xml><?xml version="1.0" encoding="utf-8"?>
+<p:notes xmlns:a="http://schemas.openxmlformats.org/drawingml/2006/main" xmlns:r="http://schemas.openxmlformats.org/officeDocument/2006/relationships" xmlns:p="http://schemas.openxmlformats.org/presentationml/2006/main">
+  <p:cSld>
+    <p:spTree>
+      <p:nvGrpSpPr>
+        <p:cNvPr id="1" name=""/>
+        <p:cNvGrpSpPr/>
+        <p:nvPr/>
+      </p:nvGrpSpPr>
+      <p:grpSpPr>
+        <a:xfrm>
+          <a:off x="0" y="0"/>
+          <a:ext cx="0" cy="0"/>
+          <a:chOff x="0" y="0"/>
+          <a:chExt cx="0" cy="0"/>
+        </a:xfrm>
+      </p:grpSpPr>
+      <p:sp>
+        <p:nvSpPr>
+          <p:cNvPr id="2" name="Slide Image Placeholder 1"/>
+          <p:cNvSpPr>
+            <a:spLocks noGrp="1" noRot="1" noChangeAspect="1"/>
+          </p:cNvSpPr>
+          <p:nvPr>
+            <p:ph type="sldImg"/>
+          </p:nvPr>
+        </p:nvSpPr>
+        <p:spPr/>
+      </p:sp>
+      <p:sp>
+        <p:nvSpPr>
+          <p:cNvPr id="3" name="Notes Placeholder 2"/>
+          <p:cNvSpPr>
+            <a:spLocks noGrp="1"/>
+          </p:cNvSpPr>
+          <p:nvPr>
+            <p:ph type="body" idx="1"/>
+          </p:nvPr>
+        </p:nvSpPr>
+        <p:spPr/>
+        <p:txBody>
+          <a:bodyPr/>
+          <a:lstStyle/>
+          <a:p>
+            <a:r>
+              <a:rPr lang="en-US" sz="1200" kern="1200" dirty="0" smtClean="0">
+                <a:solidFill>
+                  <a:schemeClr val="tx1"/>
+                </a:solidFill>
+                <a:effectLst/>
+                <a:latin typeface="+mn-lt"/>
+                <a:ea typeface="+mn-ea"/>
+                <a:cs typeface="+mn-cs"/>
+              </a:rPr>
+              <a:t>Error:</a:t>
+            </a:r>
+          </a:p>
+          <a:p>
+            <a:r>
+              <a:rPr lang="en-US" sz="1200" kern="1200" dirty="0" smtClean="0">
+                <a:solidFill>
+                  <a:schemeClr val="tx1"/>
+                </a:solidFill>
+                <a:effectLst/>
+                <a:latin typeface="+mn-lt"/>
+                <a:ea typeface="+mn-ea"/>
+                <a:cs typeface="+mn-cs"/>
+              </a:rPr>
+              <a:t>Warning message: In max(</a:t>
+            </a:r>
+            <a:r>
+              <a:rPr lang="en-US" sz="1200" kern="1200" dirty="0" err="1" smtClean="0">
+                <a:solidFill>
+                  <a:schemeClr val="tx1"/>
+                </a:solidFill>
+                <a:effectLst/>
+                <a:latin typeface="+mn-lt"/>
+                <a:ea typeface="+mn-ea"/>
+                <a:cs typeface="+mn-cs"/>
+              </a:rPr>
+              <a:t>tmp</a:t>
+            </a:r>
+            <a:r>
+              <a:rPr lang="en-US" sz="1200" kern="1200" dirty="0" smtClean="0">
+                <a:solidFill>
+                  <a:schemeClr val="tx1"/>
+                </a:solidFill>
+                <a:effectLst/>
+                <a:latin typeface="+mn-lt"/>
+                <a:ea typeface="+mn-ea"/>
+                <a:cs typeface="+mn-cs"/>
+              </a:rPr>
+              <a:t>) : no non-missing arguments to max; returning -</a:t>
+            </a:r>
+            <a:r>
+              <a:rPr lang="en-US" sz="1200" kern="1200" dirty="0" err="1" smtClean="0">
+                <a:solidFill>
+                  <a:schemeClr val="tx1"/>
+                </a:solidFill>
+                <a:effectLst/>
+                <a:latin typeface="+mn-lt"/>
+                <a:ea typeface="+mn-ea"/>
+                <a:cs typeface="+mn-cs"/>
+              </a:rPr>
+              <a:t>Inf</a:t>
+            </a:r>
+            <a:endParaRPr lang="en-US" dirty="0"/>
+          </a:p>
+        </p:txBody>
+      </p:sp>
+      <p:sp>
+        <p:nvSpPr>
+          <p:cNvPr id="4" name="Slide Number Placeholder 3"/>
+          <p:cNvSpPr>
+            <a:spLocks noGrp="1"/>
+          </p:cNvSpPr>
+          <p:nvPr>
+            <p:ph type="sldNum" sz="quarter" idx="10"/>
+          </p:nvPr>
+        </p:nvSpPr>
+        <p:spPr/>
+        <p:txBody>
+          <a:bodyPr/>
+          <a:lstStyle/>
+          <a:p>
+            <a:fld id="{5DBD21DD-8E4A-412C-939F-361AD1C20860}" type="slidenum">
+              <a:rPr lang="en-US" smtClean="0"/>
+              <a:t>30</a:t>
+            </a:fld>
+            <a:endParaRPr lang="en-US"/>
+          </a:p>
+        </p:txBody>
+      </p:sp>
+    </p:spTree>
+    <p:extLst>
+      <p:ext uri="{BB962C8B-B14F-4D97-AF65-F5344CB8AC3E}">
+        <p14:creationId xmlns:p14="http://schemas.microsoft.com/office/powerpoint/2010/main" val="2134327487"/>
+      </p:ext>
+    </p:extLst>
+  </p:cSld>
+  <p:clrMapOvr>
+    <a:masterClrMapping/>
+  </p:clrMapOvr>
+</p:notes>
+</file>
+
 <file path=ppt/slideLayouts/slideLayout1.xml><?xml version="1.0" encoding="utf-8"?>
 <p:sldLayout xmlns:a="http://schemas.openxmlformats.org/drawingml/2006/main" xmlns:r="http://schemas.openxmlformats.org/officeDocument/2006/relationships" xmlns:p="http://schemas.openxmlformats.org/presentationml/2006/main" type="title" preserve="1">
   <p:cSld name="Title Slide">
@@ -301,7 +1083,7 @@
           <a:p>
             <a:fld id="{E946A1EF-D084-4303-9967-3757BA40A8BB}" type="datetimeFigureOut">
               <a:rPr lang="en-US" smtClean="0"/>
-              <a:t>1/25/2024</a:t>
+              <a:t>1/29/2024</a:t>
             </a:fld>
             <a:endParaRPr lang="en-US"/>
           </a:p>
@@ -471,7 +1253,7 @@
           <a:p>
             <a:fld id="{E946A1EF-D084-4303-9967-3757BA40A8BB}" type="datetimeFigureOut">
               <a:rPr lang="en-US" smtClean="0"/>
-              <a:t>1/25/2024</a:t>
+              <a:t>1/29/2024</a:t>
             </a:fld>
             <a:endParaRPr lang="en-US"/>
           </a:p>
@@ -651,7 +1433,7 @@
           <a:p>
             <a:fld id="{E946A1EF-D084-4303-9967-3757BA40A8BB}" type="datetimeFigureOut">
               <a:rPr lang="en-US" smtClean="0"/>
-              <a:t>1/25/2024</a:t>
+              <a:t>1/29/2024</a:t>
             </a:fld>
             <a:endParaRPr lang="en-US"/>
           </a:p>
@@ -821,7 +1603,7 @@
           <a:p>
             <a:fld id="{E946A1EF-D084-4303-9967-3757BA40A8BB}" type="datetimeFigureOut">
               <a:rPr lang="en-US" smtClean="0"/>
-              <a:t>1/25/2024</a:t>
+              <a:t>1/29/2024</a:t>
             </a:fld>
             <a:endParaRPr lang="en-US"/>
           </a:p>
@@ -1067,7 +1849,7 @@
           <a:p>
             <a:fld id="{E946A1EF-D084-4303-9967-3757BA40A8BB}" type="datetimeFigureOut">
               <a:rPr lang="en-US" smtClean="0"/>
-              <a:t>1/25/2024</a:t>
+              <a:t>1/29/2024</a:t>
             </a:fld>
             <a:endParaRPr lang="en-US"/>
           </a:p>
@@ -1299,7 +2081,7 @@
           <a:p>
             <a:fld id="{E946A1EF-D084-4303-9967-3757BA40A8BB}" type="datetimeFigureOut">
               <a:rPr lang="en-US" smtClean="0"/>
-              <a:t>1/25/2024</a:t>
+              <a:t>1/29/2024</a:t>
             </a:fld>
             <a:endParaRPr lang="en-US"/>
           </a:p>
@@ -1666,7 +2448,7 @@
           <a:p>
             <a:fld id="{E946A1EF-D084-4303-9967-3757BA40A8BB}" type="datetimeFigureOut">
               <a:rPr lang="en-US" smtClean="0"/>
-              <a:t>1/25/2024</a:t>
+              <a:t>1/29/2024</a:t>
             </a:fld>
             <a:endParaRPr lang="en-US"/>
           </a:p>
@@ -1784,7 +2566,7 @@
           <a:p>
             <a:fld id="{E946A1EF-D084-4303-9967-3757BA40A8BB}" type="datetimeFigureOut">
               <a:rPr lang="en-US" smtClean="0"/>
-              <a:t>1/25/2024</a:t>
+              <a:t>1/29/2024</a:t>
             </a:fld>
             <a:endParaRPr lang="en-US"/>
           </a:p>
@@ -1879,7 +2661,7 @@
           <a:p>
             <a:fld id="{E946A1EF-D084-4303-9967-3757BA40A8BB}" type="datetimeFigureOut">
               <a:rPr lang="en-US" smtClean="0"/>
-              <a:t>1/25/2024</a:t>
+              <a:t>1/29/2024</a:t>
             </a:fld>
             <a:endParaRPr lang="en-US"/>
           </a:p>
@@ -2156,7 +2938,7 @@
           <a:p>
             <a:fld id="{E946A1EF-D084-4303-9967-3757BA40A8BB}" type="datetimeFigureOut">
               <a:rPr lang="en-US" smtClean="0"/>
-              <a:t>1/25/2024</a:t>
+              <a:t>1/29/2024</a:t>
             </a:fld>
             <a:endParaRPr lang="en-US"/>
           </a:p>
@@ -2409,7 +3191,7 @@
           <a:p>
             <a:fld id="{E946A1EF-D084-4303-9967-3757BA40A8BB}" type="datetimeFigureOut">
               <a:rPr lang="en-US" smtClean="0"/>
-              <a:t>1/25/2024</a:t>
+              <a:t>1/29/2024</a:t>
             </a:fld>
             <a:endParaRPr lang="en-US"/>
           </a:p>
@@ -2622,7 +3404,7 @@
           <a:p>
             <a:fld id="{E946A1EF-D084-4303-9967-3757BA40A8BB}" type="datetimeFigureOut">
               <a:rPr lang="en-US" smtClean="0"/>
-              <a:t>1/25/2024</a:t>
+              <a:t>1/29/2024</a:t>
             </a:fld>
             <a:endParaRPr lang="en-US"/>
           </a:p>
@@ -3079,6 +3861,13 @@
   <p:clrMapOvr>
     <a:masterClrMapping/>
   </p:clrMapOvr>
+  <p:timing>
+    <p:tnLst>
+      <p:par>
+        <p:cTn id="1" dur="indefinite" restart="never" nodeType="tmRoot"/>
+      </p:par>
+    </p:tnLst>
+  </p:timing>
 </p:sld>
 </file>
 
@@ -3169,6 +3958,13 @@
   <p:clrMapOvr>
     <a:masterClrMapping/>
   </p:clrMapOvr>
+  <p:timing>
+    <p:tnLst>
+      <p:par>
+        <p:cTn id="1" dur="indefinite" restart="never" nodeType="tmRoot"/>
+      </p:par>
+    </p:tnLst>
+  </p:timing>
 </p:sld>
 </file>
 
@@ -3229,6 +4025,13 @@
   <p:clrMapOvr>
     <a:masterClrMapping/>
   </p:clrMapOvr>
+  <p:timing>
+    <p:tnLst>
+      <p:par>
+        <p:cTn id="1" dur="indefinite" restart="never" nodeType="tmRoot"/>
+      </p:par>
+    </p:tnLst>
+  </p:timing>
 </p:sld>
 </file>
 
@@ -3289,6 +4092,13 @@
   <p:clrMapOvr>
     <a:masterClrMapping/>
   </p:clrMapOvr>
+  <p:timing>
+    <p:tnLst>
+      <p:par>
+        <p:cTn id="1" dur="indefinite" restart="never" nodeType="tmRoot"/>
+      </p:par>
+    </p:tnLst>
+  </p:timing>
 </p:sld>
 </file>
 
@@ -3349,6 +4159,13 @@
   <p:clrMapOvr>
     <a:masterClrMapping/>
   </p:clrMapOvr>
+  <p:timing>
+    <p:tnLst>
+      <p:par>
+        <p:cTn id="1" dur="indefinite" restart="never" nodeType="tmRoot"/>
+      </p:par>
+    </p:tnLst>
+  </p:timing>
 </p:sld>
 </file>
 
@@ -3409,6 +4226,13 @@
   <p:clrMapOvr>
     <a:masterClrMapping/>
   </p:clrMapOvr>
+  <p:timing>
+    <p:tnLst>
+      <p:par>
+        <p:cTn id="1" dur="indefinite" restart="never" nodeType="tmRoot"/>
+      </p:par>
+    </p:tnLst>
+  </p:timing>
 </p:sld>
 </file>
 
@@ -3469,6 +4293,13 @@
   <p:clrMapOvr>
     <a:masterClrMapping/>
   </p:clrMapOvr>
+  <p:timing>
+    <p:tnLst>
+      <p:par>
+        <p:cTn id="1" dur="indefinite" restart="never" nodeType="tmRoot"/>
+      </p:par>
+    </p:tnLst>
+  </p:timing>
 </p:sld>
 </file>
 
@@ -3529,6 +4360,13 @@
   <p:clrMapOvr>
     <a:masterClrMapping/>
   </p:clrMapOvr>
+  <p:timing>
+    <p:tnLst>
+      <p:par>
+        <p:cTn id="1" dur="indefinite" restart="never" nodeType="tmRoot"/>
+      </p:par>
+    </p:tnLst>
+  </p:timing>
 </p:sld>
 </file>
 
@@ -3589,6 +4427,13 @@
   <p:clrMapOvr>
     <a:masterClrMapping/>
   </p:clrMapOvr>
+  <p:timing>
+    <p:tnLst>
+      <p:par>
+        <p:cTn id="1" dur="indefinite" restart="never" nodeType="tmRoot"/>
+      </p:par>
+    </p:tnLst>
+  </p:timing>
 </p:sld>
 </file>
 
@@ -3649,6 +4494,13 @@
   <p:clrMapOvr>
     <a:masterClrMapping/>
   </p:clrMapOvr>
+  <p:timing>
+    <p:tnLst>
+      <p:par>
+        <p:cTn id="1" dur="indefinite" restart="never" nodeType="tmRoot"/>
+      </p:par>
+    </p:tnLst>
+  </p:timing>
 </p:sld>
 </file>
 
@@ -3709,6 +4561,13 @@
   <p:clrMapOvr>
     <a:masterClrMapping/>
   </p:clrMapOvr>
+  <p:timing>
+    <p:tnLst>
+      <p:par>
+        <p:cTn id="1" dur="indefinite" restart="never" nodeType="tmRoot"/>
+      </p:par>
+    </p:tnLst>
+  </p:timing>
 </p:sld>
 </file>
 
@@ -3826,6 +4685,13 @@
   <p:clrMapOvr>
     <a:masterClrMapping/>
   </p:clrMapOvr>
+  <p:timing>
+    <p:tnLst>
+      <p:par>
+        <p:cTn id="1" dur="indefinite" restart="never" nodeType="tmRoot"/>
+      </p:par>
+    </p:tnLst>
+  </p:timing>
 </p:sld>
 </file>
 
@@ -3886,6 +4752,13 @@
   <p:clrMapOvr>
     <a:masterClrMapping/>
   </p:clrMapOvr>
+  <p:timing>
+    <p:tnLst>
+      <p:par>
+        <p:cTn id="1" dur="indefinite" restart="never" nodeType="tmRoot"/>
+      </p:par>
+    </p:tnLst>
+  </p:timing>
 </p:sld>
 </file>
 
@@ -3946,6 +4819,13 @@
   <p:clrMapOvr>
     <a:masterClrMapping/>
   </p:clrMapOvr>
+  <p:timing>
+    <p:tnLst>
+      <p:par>
+        <p:cTn id="1" dur="indefinite" restart="never" nodeType="tmRoot"/>
+      </p:par>
+    </p:tnLst>
+  </p:timing>
 </p:sld>
 </file>
 
@@ -4006,6 +4886,13 @@
   <p:clrMapOvr>
     <a:masterClrMapping/>
   </p:clrMapOvr>
+  <p:timing>
+    <p:tnLst>
+      <p:par>
+        <p:cTn id="1" dur="indefinite" restart="never" nodeType="tmRoot"/>
+      </p:par>
+    </p:tnLst>
+  </p:timing>
 </p:sld>
 </file>
 
@@ -4066,6 +4953,13 @@
   <p:clrMapOvr>
     <a:masterClrMapping/>
   </p:clrMapOvr>
+  <p:timing>
+    <p:tnLst>
+      <p:par>
+        <p:cTn id="1" dur="indefinite" restart="never" nodeType="tmRoot"/>
+      </p:par>
+    </p:tnLst>
+  </p:timing>
 </p:sld>
 </file>
 
@@ -4126,6 +5020,13 @@
   <p:clrMapOvr>
     <a:masterClrMapping/>
   </p:clrMapOvr>
+  <p:timing>
+    <p:tnLst>
+      <p:par>
+        <p:cTn id="1" dur="indefinite" restart="never" nodeType="tmRoot"/>
+      </p:par>
+    </p:tnLst>
+  </p:timing>
 </p:sld>
 </file>
 
@@ -4186,6 +5087,13 @@
   <p:clrMapOvr>
     <a:masterClrMapping/>
   </p:clrMapOvr>
+  <p:timing>
+    <p:tnLst>
+      <p:par>
+        <p:cTn id="1" dur="indefinite" restart="never" nodeType="tmRoot"/>
+      </p:par>
+    </p:tnLst>
+  </p:timing>
 </p:sld>
 </file>
 
@@ -4246,6 +5154,13 @@
   <p:clrMapOvr>
     <a:masterClrMapping/>
   </p:clrMapOvr>
+  <p:timing>
+    <p:tnLst>
+      <p:par>
+        <p:cTn id="1" dur="indefinite" restart="never" nodeType="tmRoot"/>
+      </p:par>
+    </p:tnLst>
+  </p:timing>
 </p:sld>
 </file>
 
@@ -4306,6 +5221,13 @@
   <p:clrMapOvr>
     <a:masterClrMapping/>
   </p:clrMapOvr>
+  <p:timing>
+    <p:tnLst>
+      <p:par>
+        <p:cTn id="1" dur="indefinite" restart="never" nodeType="tmRoot"/>
+      </p:par>
+    </p:tnLst>
+  </p:timing>
 </p:sld>
 </file>
 
@@ -4402,6 +5324,13 @@
   <p:clrMapOvr>
     <a:masterClrMapping/>
   </p:clrMapOvr>
+  <p:timing>
+    <p:tnLst>
+      <p:par>
+        <p:cTn id="1" dur="indefinite" restart="never" nodeType="tmRoot"/>
+      </p:par>
+    </p:tnLst>
+  </p:timing>
 </p:sld>
 </file>
 
@@ -4687,10 +5616,8 @@
                   </a:schemeClr>
                 </a:solidFill>
               </a:rPr>
-              <a:t> RE: 2dar1</a:t>
-            </a:r>
-          </a:p>
-          <a:p>
+              <a:t> RE: none </a:t>
+            </a:r>
             <a:r>
               <a:rPr lang="en-US" dirty="0" smtClean="0">
                 <a:solidFill>
@@ -4986,6 +5913,13 @@
   <p:clrMapOvr>
     <a:masterClrMapping/>
   </p:clrMapOvr>
+  <p:timing>
+    <p:tnLst>
+      <p:par>
+        <p:cTn id="1" dur="indefinite" restart="never" nodeType="tmRoot"/>
+      </p:par>
+    </p:tnLst>
+  </p:timing>
 </p:sld>
 </file>
 
@@ -5132,6 +6066,13 @@
   <p:clrMapOvr>
     <a:masterClrMapping/>
   </p:clrMapOvr>
+  <p:timing>
+    <p:tnLst>
+      <p:par>
+        <p:cTn id="1" dur="indefinite" restart="never" nodeType="tmRoot"/>
+      </p:par>
+    </p:tnLst>
+  </p:timing>
 </p:sld>
 </file>
 
@@ -5154,7 +6095,7 @@
       </p:grpSpPr>
       <p:sp>
         <p:nvSpPr>
-          <p:cNvPr id="2" name="Title 1"/>
+          <p:cNvPr id="4" name="Title 3"/>
           <p:cNvSpPr>
             <a:spLocks noGrp="1"/>
           </p:cNvSpPr>
@@ -5169,7 +6110,7 @@
           <a:p>
             <a:r>
               <a:rPr lang="en-US" dirty="0" smtClean="0"/>
-              <a:t>Options for Sensitivity Item 2</a:t>
+              <a:t>Option 3: Run38 (NEAMAP Spring/Fall?)</a:t>
             </a:r>
             <a:endParaRPr lang="en-US" dirty="0"/>
           </a:p>
@@ -5177,12 +6118,12 @@
       </p:sp>
       <p:sp>
         <p:nvSpPr>
-          <p:cNvPr id="3" name="Content Placeholder 2"/>
-          <p:cNvSpPr>
-            <a:spLocks noGrp="1"/>
-          </p:cNvSpPr>
-          <p:nvPr>
-            <p:ph idx="1"/>
+          <p:cNvPr id="5" name="Text Placeholder 4"/>
+          <p:cNvSpPr>
+            <a:spLocks noGrp="1"/>
+          </p:cNvSpPr>
+          <p:nvPr>
+            <p:ph type="body" idx="1"/>
           </p:nvPr>
         </p:nvSpPr>
         <p:spPr/>
@@ -5190,44 +6131,575 @@
           <a:bodyPr/>
           <a:lstStyle/>
           <a:p>
-            <a:pPr marL="514350" indent="-514350">
-              <a:buFont typeface="+mj-lt"/>
-              <a:buAutoNum type="arabicPeriod"/>
-            </a:pPr>
-            <a:r>
-              <a:rPr lang="en-US" dirty="0" smtClean="0"/>
-              <a:t>Look at the estimated initial F and the confidence interval. Pick the 25</a:t>
-            </a:r>
-            <a:r>
-              <a:rPr lang="en-US" baseline="30000" dirty="0" smtClean="0"/>
-              <a:t>th</a:t>
-            </a:r>
-            <a:r>
-              <a:rPr lang="en-US" dirty="0" smtClean="0"/>
-              <a:t> and 75</a:t>
-            </a:r>
-            <a:r>
-              <a:rPr lang="en-US" baseline="30000" dirty="0" smtClean="0"/>
-              <a:t>th</a:t>
-            </a:r>
-            <a:r>
-              <a:rPr lang="en-US" dirty="0" smtClean="0"/>
-              <a:t> value of the distribution and fix them at those values in estimation model</a:t>
-            </a:r>
-            <a:endParaRPr lang="en-US" strike="sngStrike" dirty="0"/>
+            <a:r>
+              <a:rPr lang="en-US" dirty="0" smtClean="0"/>
+              <a:t>Run 34 Indices</a:t>
+            </a:r>
+            <a:endParaRPr lang="en-US" dirty="0"/>
+          </a:p>
+        </p:txBody>
+      </p:sp>
+      <p:sp>
+        <p:nvSpPr>
+          <p:cNvPr id="6" name="Content Placeholder 5"/>
+          <p:cNvSpPr>
+            <a:spLocks noGrp="1"/>
+          </p:cNvSpPr>
+          <p:nvPr>
+            <p:ph sz="half" idx="2"/>
+          </p:nvPr>
+        </p:nvSpPr>
+        <p:spPr/>
+        <p:txBody>
+          <a:bodyPr>
+            <a:normAutofit/>
+          </a:bodyPr>
+          <a:lstStyle/>
+          <a:p>
+            <a:r>
+              <a:rPr lang="en-US" dirty="0" smtClean="0"/>
+              <a:t>North VAST</a:t>
+            </a:r>
+          </a:p>
+          <a:p>
+            <a:pPr lvl="1"/>
+            <a:r>
+              <a:rPr lang="en-US" dirty="0" err="1" smtClean="0">
+                <a:solidFill>
+                  <a:schemeClr val="accent5">
+                    <a:lumMod val="75000"/>
+                  </a:schemeClr>
+                </a:solidFill>
+              </a:rPr>
+              <a:t>Sel</a:t>
+            </a:r>
+            <a:r>
+              <a:rPr lang="en-US" dirty="0">
+                <a:solidFill>
+                  <a:schemeClr val="accent5">
+                    <a:lumMod val="75000"/>
+                  </a:schemeClr>
+                </a:solidFill>
+              </a:rPr>
+              <a:t> </a:t>
+            </a:r>
+            <a:r>
+              <a:rPr lang="en-US" dirty="0" smtClean="0">
+                <a:solidFill>
+                  <a:schemeClr val="accent5">
+                    <a:lumMod val="75000"/>
+                  </a:schemeClr>
+                </a:solidFill>
+              </a:rPr>
+              <a:t>RE: 2dar1</a:t>
+            </a:r>
+          </a:p>
+          <a:p>
+            <a:pPr lvl="1"/>
+            <a:r>
+              <a:rPr lang="en-US" dirty="0" smtClean="0">
+                <a:solidFill>
+                  <a:schemeClr val="accent4">
+                    <a:lumMod val="75000"/>
+                  </a:schemeClr>
+                </a:solidFill>
+              </a:rPr>
+              <a:t>Age comp: </a:t>
+            </a:r>
+            <a:r>
+              <a:rPr lang="en-US" dirty="0" err="1" smtClean="0">
+                <a:solidFill>
+                  <a:schemeClr val="accent4">
+                    <a:lumMod val="75000"/>
+                  </a:schemeClr>
+                </a:solidFill>
+              </a:rPr>
+              <a:t>dir-mult</a:t>
+            </a:r>
+            <a:endParaRPr lang="en-US" dirty="0" smtClean="0">
+              <a:solidFill>
+                <a:schemeClr val="accent4">
+                  <a:lumMod val="75000"/>
+                </a:schemeClr>
+              </a:solidFill>
+            </a:endParaRPr>
+          </a:p>
+          <a:p>
+            <a:r>
+              <a:rPr lang="en-US" dirty="0" smtClean="0"/>
+              <a:t>South VAST</a:t>
+            </a:r>
+          </a:p>
+          <a:p>
+            <a:pPr lvl="1"/>
+            <a:r>
+              <a:rPr lang="en-US" dirty="0" err="1" smtClean="0">
+                <a:solidFill>
+                  <a:schemeClr val="accent5">
+                    <a:lumMod val="75000"/>
+                  </a:schemeClr>
+                </a:solidFill>
+              </a:rPr>
+              <a:t>Sel</a:t>
+            </a:r>
+            <a:r>
+              <a:rPr lang="en-US" dirty="0" smtClean="0">
+                <a:solidFill>
+                  <a:schemeClr val="accent5">
+                    <a:lumMod val="75000"/>
+                  </a:schemeClr>
+                </a:solidFill>
+              </a:rPr>
+              <a:t> RE: none</a:t>
+            </a:r>
+          </a:p>
+          <a:p>
+            <a:pPr lvl="1"/>
+            <a:r>
+              <a:rPr lang="en-US" dirty="0" smtClean="0">
+                <a:solidFill>
+                  <a:schemeClr val="accent4">
+                    <a:lumMod val="75000"/>
+                  </a:schemeClr>
+                </a:solidFill>
+              </a:rPr>
+              <a:t>Age comp: logistic-normal-ar1-miss0</a:t>
+            </a:r>
+          </a:p>
+        </p:txBody>
+      </p:sp>
+      <p:sp>
+        <p:nvSpPr>
+          <p:cNvPr id="7" name="Text Placeholder 6"/>
+          <p:cNvSpPr>
+            <a:spLocks noGrp="1"/>
+          </p:cNvSpPr>
+          <p:nvPr>
+            <p:ph type="body" sz="quarter" idx="3"/>
+          </p:nvPr>
+        </p:nvSpPr>
+        <p:spPr/>
+        <p:txBody>
+          <a:bodyPr/>
+          <a:lstStyle/>
+          <a:p>
+            <a:r>
+              <a:rPr lang="en-US" dirty="0" smtClean="0"/>
+              <a:t>Run 38 Indices</a:t>
+            </a:r>
+            <a:endParaRPr lang="en-US" dirty="0"/>
+          </a:p>
+        </p:txBody>
+      </p:sp>
+      <p:sp>
+        <p:nvSpPr>
+          <p:cNvPr id="8" name="Content Placeholder 7"/>
+          <p:cNvSpPr>
+            <a:spLocks noGrp="1"/>
+          </p:cNvSpPr>
+          <p:nvPr>
+            <p:ph sz="quarter" idx="4"/>
+          </p:nvPr>
+        </p:nvSpPr>
+        <p:spPr>
+          <a:xfrm>
+            <a:off x="6172200" y="2505075"/>
+            <a:ext cx="2728866" cy="3684588"/>
+          </a:xfrm>
+        </p:spPr>
+        <p:txBody>
+          <a:bodyPr>
+            <a:normAutofit/>
+          </a:bodyPr>
+          <a:lstStyle/>
+          <a:p>
+            <a:r>
+              <a:rPr lang="en-US" dirty="0" smtClean="0"/>
+              <a:t>North</a:t>
+            </a:r>
+          </a:p>
+          <a:p>
+            <a:pPr lvl="1"/>
+            <a:r>
+              <a:rPr lang="en-US" dirty="0" smtClean="0"/>
+              <a:t>Spring Albatross</a:t>
+            </a:r>
+          </a:p>
+          <a:p>
+            <a:pPr lvl="1"/>
+            <a:r>
+              <a:rPr lang="en-US" dirty="0" smtClean="0"/>
+              <a:t>NEAMAP</a:t>
+            </a:r>
+          </a:p>
+          <a:p>
+            <a:pPr lvl="1"/>
+            <a:r>
+              <a:rPr lang="en-US" dirty="0" smtClean="0"/>
+              <a:t>Bigelow</a:t>
+            </a:r>
+          </a:p>
+          <a:p>
+            <a:r>
+              <a:rPr lang="en-US" dirty="0" err="1" smtClean="0">
+                <a:solidFill>
+                  <a:schemeClr val="accent5">
+                    <a:lumMod val="75000"/>
+                  </a:schemeClr>
+                </a:solidFill>
+              </a:rPr>
+              <a:t>Sel</a:t>
+            </a:r>
+            <a:r>
+              <a:rPr lang="en-US" dirty="0" smtClean="0">
+                <a:solidFill>
+                  <a:schemeClr val="accent5">
+                    <a:lumMod val="75000"/>
+                  </a:schemeClr>
+                </a:solidFill>
+              </a:rPr>
+              <a:t> RE: none </a:t>
+            </a:r>
+            <a:r>
+              <a:rPr lang="en-US" dirty="0" smtClean="0">
+                <a:solidFill>
+                  <a:schemeClr val="accent4">
+                    <a:lumMod val="75000"/>
+                  </a:schemeClr>
+                </a:solidFill>
+              </a:rPr>
+              <a:t>Age comp: </a:t>
+            </a:r>
+            <a:r>
+              <a:rPr lang="en-US" dirty="0" err="1" smtClean="0">
+                <a:solidFill>
+                  <a:schemeClr val="accent4">
+                    <a:lumMod val="75000"/>
+                  </a:schemeClr>
+                </a:solidFill>
+              </a:rPr>
+              <a:t>dir-mult</a:t>
+            </a:r>
+            <a:endParaRPr lang="en-US" dirty="0" smtClean="0">
+              <a:solidFill>
+                <a:schemeClr val="accent4">
+                  <a:lumMod val="75000"/>
+                </a:schemeClr>
+              </a:solidFill>
+            </a:endParaRPr>
+          </a:p>
+        </p:txBody>
+      </p:sp>
+      <p:sp>
+        <p:nvSpPr>
+          <p:cNvPr id="10" name="Content Placeholder 7"/>
+          <p:cNvSpPr txBox="1">
+            <a:spLocks/>
+          </p:cNvSpPr>
+          <p:nvPr/>
+        </p:nvSpPr>
+        <p:spPr>
+          <a:xfrm>
+            <a:off x="9075691" y="2391863"/>
+            <a:ext cx="2728866" cy="4200527"/>
+          </a:xfrm>
+          <a:prstGeom prst="rect">
+            <a:avLst/>
+          </a:prstGeom>
+        </p:spPr>
+        <p:txBody>
+          <a:bodyPr vert="horz" lIns="91440" tIns="45720" rIns="91440" bIns="45720" rtlCol="0">
+            <a:normAutofit/>
+          </a:bodyPr>
+          <a:lstStyle>
+            <a:lvl1pPr marL="228600" indent="-228600" algn="l" defTabSz="914400" rtl="0" eaLnBrk="1" latinLnBrk="0" hangingPunct="1">
+              <a:lnSpc>
+                <a:spcPct val="90000"/>
+              </a:lnSpc>
+              <a:spcBef>
+                <a:spcPts val="1000"/>
+              </a:spcBef>
+              <a:buFont typeface="Arial" panose="020B0604020202020204" pitchFamily="34" charset="0"/>
+              <a:buChar char="•"/>
+              <a:defRPr sz="2800" kern="1200">
+                <a:solidFill>
+                  <a:schemeClr val="tx1"/>
+                </a:solidFill>
+                <a:latin typeface="+mn-lt"/>
+                <a:ea typeface="+mn-ea"/>
+                <a:cs typeface="+mn-cs"/>
+              </a:defRPr>
+            </a:lvl1pPr>
+            <a:lvl2pPr marL="685800" indent="-228600" algn="l" defTabSz="914400" rtl="0" eaLnBrk="1" latinLnBrk="0" hangingPunct="1">
+              <a:lnSpc>
+                <a:spcPct val="90000"/>
+              </a:lnSpc>
+              <a:spcBef>
+                <a:spcPts val="500"/>
+              </a:spcBef>
+              <a:buFont typeface="Arial" panose="020B0604020202020204" pitchFamily="34" charset="0"/>
+              <a:buChar char="•"/>
+              <a:defRPr sz="2400" kern="1200">
+                <a:solidFill>
+                  <a:schemeClr val="tx1"/>
+                </a:solidFill>
+                <a:latin typeface="+mn-lt"/>
+                <a:ea typeface="+mn-ea"/>
+                <a:cs typeface="+mn-cs"/>
+              </a:defRPr>
+            </a:lvl2pPr>
+            <a:lvl3pPr marL="1143000" indent="-228600" algn="l" defTabSz="914400" rtl="0" eaLnBrk="1" latinLnBrk="0" hangingPunct="1">
+              <a:lnSpc>
+                <a:spcPct val="90000"/>
+              </a:lnSpc>
+              <a:spcBef>
+                <a:spcPts val="500"/>
+              </a:spcBef>
+              <a:buFont typeface="Arial" panose="020B0604020202020204" pitchFamily="34" charset="0"/>
+              <a:buChar char="•"/>
+              <a:defRPr sz="2000" kern="1200">
+                <a:solidFill>
+                  <a:schemeClr val="tx1"/>
+                </a:solidFill>
+                <a:latin typeface="+mn-lt"/>
+                <a:ea typeface="+mn-ea"/>
+                <a:cs typeface="+mn-cs"/>
+              </a:defRPr>
+            </a:lvl3pPr>
+            <a:lvl4pPr marL="1600200" indent="-228600" algn="l" defTabSz="914400" rtl="0" eaLnBrk="1" latinLnBrk="0" hangingPunct="1">
+              <a:lnSpc>
+                <a:spcPct val="90000"/>
+              </a:lnSpc>
+              <a:spcBef>
+                <a:spcPts val="500"/>
+              </a:spcBef>
+              <a:buFont typeface="Arial" panose="020B0604020202020204" pitchFamily="34" charset="0"/>
+              <a:buChar char="•"/>
+              <a:defRPr sz="1800" kern="1200">
+                <a:solidFill>
+                  <a:schemeClr val="tx1"/>
+                </a:solidFill>
+                <a:latin typeface="+mn-lt"/>
+                <a:ea typeface="+mn-ea"/>
+                <a:cs typeface="+mn-cs"/>
+              </a:defRPr>
+            </a:lvl4pPr>
+            <a:lvl5pPr marL="2057400" indent="-228600" algn="l" defTabSz="914400" rtl="0" eaLnBrk="1" latinLnBrk="0" hangingPunct="1">
+              <a:lnSpc>
+                <a:spcPct val="90000"/>
+              </a:lnSpc>
+              <a:spcBef>
+                <a:spcPts val="500"/>
+              </a:spcBef>
+              <a:buFont typeface="Arial" panose="020B0604020202020204" pitchFamily="34" charset="0"/>
+              <a:buChar char="•"/>
+              <a:defRPr sz="1800" kern="1200">
+                <a:solidFill>
+                  <a:schemeClr val="tx1"/>
+                </a:solidFill>
+                <a:latin typeface="+mn-lt"/>
+                <a:ea typeface="+mn-ea"/>
+                <a:cs typeface="+mn-cs"/>
+              </a:defRPr>
+            </a:lvl5pPr>
+            <a:lvl6pPr marL="2514600" indent="-228600" algn="l" defTabSz="914400" rtl="0" eaLnBrk="1" latinLnBrk="0" hangingPunct="1">
+              <a:lnSpc>
+                <a:spcPct val="90000"/>
+              </a:lnSpc>
+              <a:spcBef>
+                <a:spcPts val="500"/>
+              </a:spcBef>
+              <a:buFont typeface="Arial" panose="020B0604020202020204" pitchFamily="34" charset="0"/>
+              <a:buChar char="•"/>
+              <a:defRPr sz="1800" kern="1200">
+                <a:solidFill>
+                  <a:schemeClr val="tx1"/>
+                </a:solidFill>
+                <a:latin typeface="+mn-lt"/>
+                <a:ea typeface="+mn-ea"/>
+                <a:cs typeface="+mn-cs"/>
+              </a:defRPr>
+            </a:lvl6pPr>
+            <a:lvl7pPr marL="2971800" indent="-228600" algn="l" defTabSz="914400" rtl="0" eaLnBrk="1" latinLnBrk="0" hangingPunct="1">
+              <a:lnSpc>
+                <a:spcPct val="90000"/>
+              </a:lnSpc>
+              <a:spcBef>
+                <a:spcPts val="500"/>
+              </a:spcBef>
+              <a:buFont typeface="Arial" panose="020B0604020202020204" pitchFamily="34" charset="0"/>
+              <a:buChar char="•"/>
+              <a:defRPr sz="1800" kern="1200">
+                <a:solidFill>
+                  <a:schemeClr val="tx1"/>
+                </a:solidFill>
+                <a:latin typeface="+mn-lt"/>
+                <a:ea typeface="+mn-ea"/>
+                <a:cs typeface="+mn-cs"/>
+              </a:defRPr>
+            </a:lvl7pPr>
+            <a:lvl8pPr marL="3429000" indent="-228600" algn="l" defTabSz="914400" rtl="0" eaLnBrk="1" latinLnBrk="0" hangingPunct="1">
+              <a:lnSpc>
+                <a:spcPct val="90000"/>
+              </a:lnSpc>
+              <a:spcBef>
+                <a:spcPts val="500"/>
+              </a:spcBef>
+              <a:buFont typeface="Arial" panose="020B0604020202020204" pitchFamily="34" charset="0"/>
+              <a:buChar char="•"/>
+              <a:defRPr sz="1800" kern="1200">
+                <a:solidFill>
+                  <a:schemeClr val="tx1"/>
+                </a:solidFill>
+                <a:latin typeface="+mn-lt"/>
+                <a:ea typeface="+mn-ea"/>
+                <a:cs typeface="+mn-cs"/>
+              </a:defRPr>
+            </a:lvl8pPr>
+            <a:lvl9pPr marL="3886200" indent="-228600" algn="l" defTabSz="914400" rtl="0" eaLnBrk="1" latinLnBrk="0" hangingPunct="1">
+              <a:lnSpc>
+                <a:spcPct val="90000"/>
+              </a:lnSpc>
+              <a:spcBef>
+                <a:spcPts val="500"/>
+              </a:spcBef>
+              <a:buFont typeface="Arial" panose="020B0604020202020204" pitchFamily="34" charset="0"/>
+              <a:buChar char="•"/>
+              <a:defRPr sz="1800" kern="1200">
+                <a:solidFill>
+                  <a:schemeClr val="tx1"/>
+                </a:solidFill>
+                <a:latin typeface="+mn-lt"/>
+                <a:ea typeface="+mn-ea"/>
+                <a:cs typeface="+mn-cs"/>
+              </a:defRPr>
+            </a:lvl9pPr>
+          </a:lstStyle>
+          <a:p>
+            <a:r>
+              <a:rPr lang="en-US" dirty="0" smtClean="0"/>
+              <a:t>South</a:t>
+            </a:r>
+          </a:p>
+          <a:p>
+            <a:pPr lvl="1"/>
+            <a:r>
+              <a:rPr lang="en-US" dirty="0" smtClean="0"/>
+              <a:t>Spring Albatross</a:t>
+            </a:r>
+          </a:p>
+          <a:p>
+            <a:pPr lvl="1"/>
+            <a:r>
+              <a:rPr lang="en-US" dirty="0" smtClean="0"/>
+              <a:t>NEAMAP</a:t>
+            </a:r>
+          </a:p>
+          <a:p>
+            <a:pPr lvl="1"/>
+            <a:r>
+              <a:rPr lang="en-US" dirty="0" smtClean="0"/>
+              <a:t>Winter BT</a:t>
+            </a:r>
+          </a:p>
+          <a:p>
+            <a:pPr lvl="1"/>
+            <a:r>
+              <a:rPr lang="en-US" dirty="0" smtClean="0"/>
+              <a:t>Bigelow</a:t>
+            </a:r>
+          </a:p>
+          <a:p>
+            <a:r>
+              <a:rPr lang="en-US" dirty="0" err="1" smtClean="0">
+                <a:solidFill>
+                  <a:schemeClr val="accent5">
+                    <a:lumMod val="75000"/>
+                  </a:schemeClr>
+                </a:solidFill>
+              </a:rPr>
+              <a:t>Sel</a:t>
+            </a:r>
+            <a:r>
+              <a:rPr lang="en-US" dirty="0" smtClean="0">
+                <a:solidFill>
+                  <a:schemeClr val="accent5">
+                    <a:lumMod val="75000"/>
+                  </a:schemeClr>
+                </a:solidFill>
+              </a:rPr>
+              <a:t> RE: none</a:t>
+            </a:r>
+          </a:p>
+          <a:p>
+            <a:r>
+              <a:rPr lang="en-US" dirty="0" smtClean="0">
+                <a:solidFill>
+                  <a:schemeClr val="accent4">
+                    <a:lumMod val="75000"/>
+                  </a:schemeClr>
+                </a:solidFill>
+              </a:rPr>
+              <a:t>Age comp: logistic-normal-ar1-miss0</a:t>
+            </a:r>
+          </a:p>
+        </p:txBody>
+      </p:sp>
+      <p:sp>
+        <p:nvSpPr>
+          <p:cNvPr id="3" name="TextBox 2"/>
+          <p:cNvSpPr txBox="1"/>
+          <p:nvPr/>
+        </p:nvSpPr>
+        <p:spPr>
+          <a:xfrm>
+            <a:off x="3482482" y="-2933214"/>
+            <a:ext cx="5509842" cy="12403395"/>
+          </a:xfrm>
+          <a:prstGeom prst="rect">
+            <a:avLst/>
+          </a:prstGeom>
+          <a:noFill/>
+        </p:spPr>
+        <p:txBody>
+          <a:bodyPr wrap="none" rtlCol="0">
+            <a:spAutoFit/>
+          </a:bodyPr>
+          <a:lstStyle/>
+          <a:p>
+            <a:r>
+              <a:rPr lang="en-US" sz="80000" dirty="0" smtClean="0">
+                <a:solidFill>
+                  <a:srgbClr val="FF0000"/>
+                </a:solidFill>
+              </a:rPr>
+              <a:t>X</a:t>
+            </a:r>
+            <a:endParaRPr lang="en-US" sz="80000" dirty="0">
+              <a:solidFill>
+                <a:srgbClr val="FF0000"/>
+              </a:solidFill>
+            </a:endParaRPr>
           </a:p>
         </p:txBody>
       </p:sp>
     </p:spTree>
     <p:extLst>
       <p:ext uri="{BB962C8B-B14F-4D97-AF65-F5344CB8AC3E}">
-        <p14:creationId xmlns:p14="http://schemas.microsoft.com/office/powerpoint/2010/main" val="399200767"/>
+        <p14:creationId xmlns:p14="http://schemas.microsoft.com/office/powerpoint/2010/main" val="3947875065"/>
       </p:ext>
     </p:extLst>
   </p:cSld>
   <p:clrMapOvr>
     <a:masterClrMapping/>
   </p:clrMapOvr>
+  <p:timing>
+    <p:tnLst>
+      <p:par>
+        <p:cTn id="1" dur="indefinite" restart="never" nodeType="tmRoot"/>
+      </p:par>
+    </p:tnLst>
+  </p:timing>
 </p:sld>
 </file>
 
@@ -5248,945 +6720,83 @@
           <a:chExt cx="0" cy="0"/>
         </a:xfrm>
       </p:grpSpPr>
-      <p:sp>
-        <p:nvSpPr>
-          <p:cNvPr id="4" name="Title 3"/>
-          <p:cNvSpPr>
-            <a:spLocks noGrp="1"/>
-          </p:cNvSpPr>
-          <p:nvPr>
-            <p:ph type="title"/>
-          </p:nvPr>
-        </p:nvSpPr>
-        <p:spPr/>
-        <p:txBody>
-          <a:bodyPr/>
-          <a:lstStyle/>
-          <a:p>
-            <a:r>
-              <a:rPr lang="en-US" dirty="0" smtClean="0"/>
-              <a:t>Run 39</a:t>
-            </a:r>
-            <a:endParaRPr lang="en-US" dirty="0"/>
-          </a:p>
-        </p:txBody>
-      </p:sp>
-      <p:sp>
-        <p:nvSpPr>
-          <p:cNvPr id="5" name="Text Placeholder 4"/>
-          <p:cNvSpPr>
-            <a:spLocks noGrp="1"/>
-          </p:cNvSpPr>
-          <p:nvPr>
-            <p:ph type="body" idx="1"/>
-          </p:nvPr>
-        </p:nvSpPr>
-        <p:spPr/>
-        <p:txBody>
-          <a:bodyPr/>
-          <a:lstStyle/>
-          <a:p>
-            <a:r>
-              <a:rPr lang="en-US" dirty="0" smtClean="0"/>
-              <a:t>Run 34</a:t>
-            </a:r>
-            <a:endParaRPr lang="en-US" dirty="0"/>
-          </a:p>
-        </p:txBody>
-      </p:sp>
-      <p:sp>
-        <p:nvSpPr>
-          <p:cNvPr id="6" name="Content Placeholder 5"/>
-          <p:cNvSpPr>
-            <a:spLocks noGrp="1"/>
-          </p:cNvSpPr>
-          <p:nvPr>
-            <p:ph sz="half" idx="2"/>
-          </p:nvPr>
-        </p:nvSpPr>
-        <p:spPr/>
-        <p:txBody>
-          <a:bodyPr>
-            <a:normAutofit/>
-          </a:bodyPr>
-          <a:lstStyle/>
-          <a:p>
-            <a:r>
-              <a:rPr lang="en-US" dirty="0" smtClean="0"/>
-              <a:t>Initial F estimated at XXX</a:t>
-            </a:r>
-            <a:endParaRPr lang="en-US" dirty="0" smtClean="0">
-              <a:solidFill>
-                <a:schemeClr val="accent4">
-                  <a:lumMod val="75000"/>
-                </a:schemeClr>
-              </a:solidFill>
-            </a:endParaRPr>
-          </a:p>
-        </p:txBody>
-      </p:sp>
-      <p:sp>
-        <p:nvSpPr>
-          <p:cNvPr id="7" name="Text Placeholder 6"/>
-          <p:cNvSpPr>
-            <a:spLocks noGrp="1"/>
-          </p:cNvSpPr>
-          <p:nvPr>
-            <p:ph type="body" sz="quarter" idx="3"/>
-          </p:nvPr>
-        </p:nvSpPr>
+      <p:pic>
+        <p:nvPicPr>
+          <p:cNvPr id="8" name="Picture 7"/>
+          <p:cNvPicPr>
+            <a:picLocks noChangeAspect="1"/>
+          </p:cNvPicPr>
+          <p:nvPr/>
+        </p:nvPicPr>
+        <p:blipFill>
+          <a:blip r:embed="rId2" cstate="print">
+            <a:extLst>
+              <a:ext uri="{28A0092B-C50C-407E-A947-70E740481C1C}">
+                <a14:useLocalDpi xmlns:a14="http://schemas.microsoft.com/office/drawing/2010/main" val="0"/>
+              </a:ext>
+            </a:extLst>
+          </a:blip>
+          <a:stretch>
+            <a:fillRect/>
+          </a:stretch>
+        </p:blipFill>
         <p:spPr>
           <a:xfrm>
-            <a:off x="6172200" y="2053525"/>
-            <a:ext cx="1390973" cy="451550"/>
-          </a:xfrm>
-        </p:spPr>
-        <p:txBody>
-          <a:bodyPr/>
-          <a:lstStyle/>
-          <a:p>
-            <a:r>
-              <a:rPr lang="en-US" dirty="0" smtClean="0"/>
-              <a:t>Run 39</a:t>
-            </a:r>
-            <a:endParaRPr lang="en-US" dirty="0"/>
-          </a:p>
-        </p:txBody>
-      </p:sp>
-      <p:sp>
-        <p:nvSpPr>
-          <p:cNvPr id="8" name="Content Placeholder 7"/>
-          <p:cNvSpPr>
-            <a:spLocks noGrp="1"/>
-          </p:cNvSpPr>
-          <p:nvPr>
-            <p:ph sz="quarter" idx="4"/>
-          </p:nvPr>
-        </p:nvSpPr>
-        <p:spPr>
-          <a:xfrm>
-            <a:off x="6172200" y="2505075"/>
-            <a:ext cx="2728866" cy="501651"/>
-          </a:xfrm>
-        </p:spPr>
-        <p:txBody>
-          <a:bodyPr>
-            <a:normAutofit/>
-          </a:bodyPr>
-          <a:lstStyle/>
-          <a:p>
-            <a:r>
-              <a:rPr lang="en-US" dirty="0" smtClean="0"/>
-              <a:t>F fixed at XXX</a:t>
-            </a:r>
-            <a:endParaRPr lang="en-US" dirty="0" smtClean="0">
-              <a:solidFill>
-                <a:schemeClr val="accent4">
-                  <a:lumMod val="75000"/>
-                </a:schemeClr>
-              </a:solidFill>
-            </a:endParaRPr>
-          </a:p>
-        </p:txBody>
-      </p:sp>
-      <p:sp>
-        <p:nvSpPr>
-          <p:cNvPr id="9" name="Text Placeholder 6"/>
-          <p:cNvSpPr txBox="1">
-            <a:spLocks/>
-          </p:cNvSpPr>
-          <p:nvPr/>
-        </p:nvSpPr>
-        <p:spPr>
-          <a:xfrm>
-            <a:off x="6172200" y="3319462"/>
-            <a:ext cx="1390973" cy="451550"/>
+            <a:off x="966484" y="0"/>
+            <a:ext cx="4286250" cy="6858000"/>
           </a:xfrm>
           <a:prstGeom prst="rect">
             <a:avLst/>
           </a:prstGeom>
         </p:spPr>
-        <p:txBody>
-          <a:bodyPr vert="horz" lIns="91440" tIns="45720" rIns="91440" bIns="45720" rtlCol="0" anchor="b">
-            <a:normAutofit/>
-          </a:bodyPr>
-          <a:lstStyle>
-            <a:lvl1pPr marL="0" indent="0" algn="l" defTabSz="914400" rtl="0" eaLnBrk="1" latinLnBrk="0" hangingPunct="1">
-              <a:lnSpc>
-                <a:spcPct val="90000"/>
-              </a:lnSpc>
-              <a:spcBef>
-                <a:spcPts val="1000"/>
-              </a:spcBef>
-              <a:buFont typeface="Arial" panose="020B0604020202020204" pitchFamily="34" charset="0"/>
-              <a:buNone/>
-              <a:defRPr sz="2400" b="1" kern="1200">
-                <a:solidFill>
-                  <a:schemeClr val="tx1"/>
-                </a:solidFill>
-                <a:latin typeface="+mn-lt"/>
-                <a:ea typeface="+mn-ea"/>
-                <a:cs typeface="+mn-cs"/>
-              </a:defRPr>
-            </a:lvl1pPr>
-            <a:lvl2pPr marL="457200" indent="0" algn="l" defTabSz="914400" rtl="0" eaLnBrk="1" latinLnBrk="0" hangingPunct="1">
-              <a:lnSpc>
-                <a:spcPct val="90000"/>
-              </a:lnSpc>
-              <a:spcBef>
-                <a:spcPts val="500"/>
-              </a:spcBef>
-              <a:buFont typeface="Arial" panose="020B0604020202020204" pitchFamily="34" charset="0"/>
-              <a:buNone/>
-              <a:defRPr sz="2000" b="1" kern="1200">
-                <a:solidFill>
-                  <a:schemeClr val="tx1"/>
-                </a:solidFill>
-                <a:latin typeface="+mn-lt"/>
-                <a:ea typeface="+mn-ea"/>
-                <a:cs typeface="+mn-cs"/>
-              </a:defRPr>
-            </a:lvl2pPr>
-            <a:lvl3pPr marL="914400" indent="0" algn="l" defTabSz="914400" rtl="0" eaLnBrk="1" latinLnBrk="0" hangingPunct="1">
-              <a:lnSpc>
-                <a:spcPct val="90000"/>
-              </a:lnSpc>
-              <a:spcBef>
-                <a:spcPts val="500"/>
-              </a:spcBef>
-              <a:buFont typeface="Arial" panose="020B0604020202020204" pitchFamily="34" charset="0"/>
-              <a:buNone/>
-              <a:defRPr sz="1800" b="1" kern="1200">
-                <a:solidFill>
-                  <a:schemeClr val="tx1"/>
-                </a:solidFill>
-                <a:latin typeface="+mn-lt"/>
-                <a:ea typeface="+mn-ea"/>
-                <a:cs typeface="+mn-cs"/>
-              </a:defRPr>
-            </a:lvl3pPr>
-            <a:lvl4pPr marL="1371600" indent="0" algn="l" defTabSz="914400" rtl="0" eaLnBrk="1" latinLnBrk="0" hangingPunct="1">
-              <a:lnSpc>
-                <a:spcPct val="90000"/>
-              </a:lnSpc>
-              <a:spcBef>
-                <a:spcPts val="500"/>
-              </a:spcBef>
-              <a:buFont typeface="Arial" panose="020B0604020202020204" pitchFamily="34" charset="0"/>
-              <a:buNone/>
-              <a:defRPr sz="1600" b="1" kern="1200">
-                <a:solidFill>
-                  <a:schemeClr val="tx1"/>
-                </a:solidFill>
-                <a:latin typeface="+mn-lt"/>
-                <a:ea typeface="+mn-ea"/>
-                <a:cs typeface="+mn-cs"/>
-              </a:defRPr>
-            </a:lvl4pPr>
-            <a:lvl5pPr marL="1828800" indent="0" algn="l" defTabSz="914400" rtl="0" eaLnBrk="1" latinLnBrk="0" hangingPunct="1">
-              <a:lnSpc>
-                <a:spcPct val="90000"/>
-              </a:lnSpc>
-              <a:spcBef>
-                <a:spcPts val="500"/>
-              </a:spcBef>
-              <a:buFont typeface="Arial" panose="020B0604020202020204" pitchFamily="34" charset="0"/>
-              <a:buNone/>
-              <a:defRPr sz="1600" b="1" kern="1200">
-                <a:solidFill>
-                  <a:schemeClr val="tx1"/>
-                </a:solidFill>
-                <a:latin typeface="+mn-lt"/>
-                <a:ea typeface="+mn-ea"/>
-                <a:cs typeface="+mn-cs"/>
-              </a:defRPr>
-            </a:lvl5pPr>
-            <a:lvl6pPr marL="2286000" indent="0" algn="l" defTabSz="914400" rtl="0" eaLnBrk="1" latinLnBrk="0" hangingPunct="1">
-              <a:lnSpc>
-                <a:spcPct val="90000"/>
-              </a:lnSpc>
-              <a:spcBef>
-                <a:spcPts val="500"/>
-              </a:spcBef>
-              <a:buFont typeface="Arial" panose="020B0604020202020204" pitchFamily="34" charset="0"/>
-              <a:buNone/>
-              <a:defRPr sz="1600" b="1" kern="1200">
-                <a:solidFill>
-                  <a:schemeClr val="tx1"/>
-                </a:solidFill>
-                <a:latin typeface="+mn-lt"/>
-                <a:ea typeface="+mn-ea"/>
-                <a:cs typeface="+mn-cs"/>
-              </a:defRPr>
-            </a:lvl6pPr>
-            <a:lvl7pPr marL="2743200" indent="0" algn="l" defTabSz="914400" rtl="0" eaLnBrk="1" latinLnBrk="0" hangingPunct="1">
-              <a:lnSpc>
-                <a:spcPct val="90000"/>
-              </a:lnSpc>
-              <a:spcBef>
-                <a:spcPts val="500"/>
-              </a:spcBef>
-              <a:buFont typeface="Arial" panose="020B0604020202020204" pitchFamily="34" charset="0"/>
-              <a:buNone/>
-              <a:defRPr sz="1600" b="1" kern="1200">
-                <a:solidFill>
-                  <a:schemeClr val="tx1"/>
-                </a:solidFill>
-                <a:latin typeface="+mn-lt"/>
-                <a:ea typeface="+mn-ea"/>
-                <a:cs typeface="+mn-cs"/>
-              </a:defRPr>
-            </a:lvl7pPr>
-            <a:lvl8pPr marL="3200400" indent="0" algn="l" defTabSz="914400" rtl="0" eaLnBrk="1" latinLnBrk="0" hangingPunct="1">
-              <a:lnSpc>
-                <a:spcPct val="90000"/>
-              </a:lnSpc>
-              <a:spcBef>
-                <a:spcPts val="500"/>
-              </a:spcBef>
-              <a:buFont typeface="Arial" panose="020B0604020202020204" pitchFamily="34" charset="0"/>
-              <a:buNone/>
-              <a:defRPr sz="1600" b="1" kern="1200">
-                <a:solidFill>
-                  <a:schemeClr val="tx1"/>
-                </a:solidFill>
-                <a:latin typeface="+mn-lt"/>
-                <a:ea typeface="+mn-ea"/>
-                <a:cs typeface="+mn-cs"/>
-              </a:defRPr>
-            </a:lvl8pPr>
-            <a:lvl9pPr marL="3657600" indent="0" algn="l" defTabSz="914400" rtl="0" eaLnBrk="1" latinLnBrk="0" hangingPunct="1">
-              <a:lnSpc>
-                <a:spcPct val="90000"/>
-              </a:lnSpc>
-              <a:spcBef>
-                <a:spcPts val="500"/>
-              </a:spcBef>
-              <a:buFont typeface="Arial" panose="020B0604020202020204" pitchFamily="34" charset="0"/>
-              <a:buNone/>
-              <a:defRPr sz="1600" b="1" kern="1200">
-                <a:solidFill>
-                  <a:schemeClr val="tx1"/>
-                </a:solidFill>
-                <a:latin typeface="+mn-lt"/>
-                <a:ea typeface="+mn-ea"/>
-                <a:cs typeface="+mn-cs"/>
-              </a:defRPr>
-            </a:lvl9pPr>
-          </a:lstStyle>
-          <a:p>
-            <a:r>
-              <a:rPr lang="en-US" dirty="0" smtClean="0"/>
-              <a:t>Run 40</a:t>
-            </a:r>
-            <a:endParaRPr lang="en-US" dirty="0"/>
-          </a:p>
-        </p:txBody>
-      </p:sp>
-      <p:sp>
-        <p:nvSpPr>
-          <p:cNvPr id="11" name="Content Placeholder 7"/>
-          <p:cNvSpPr txBox="1">
-            <a:spLocks/>
-          </p:cNvSpPr>
+      </p:pic>
+      <p:pic>
+        <p:nvPicPr>
+          <p:cNvPr id="9" name="Picture 8"/>
+          <p:cNvPicPr>
+            <a:picLocks noChangeAspect="1"/>
+          </p:cNvPicPr>
           <p:nvPr/>
-        </p:nvSpPr>
+        </p:nvPicPr>
+        <p:blipFill>
+          <a:blip r:embed="rId3" cstate="print">
+            <a:extLst>
+              <a:ext uri="{28A0092B-C50C-407E-A947-70E740481C1C}">
+                <a14:useLocalDpi xmlns:a14="http://schemas.microsoft.com/office/drawing/2010/main" val="0"/>
+              </a:ext>
+            </a:extLst>
+          </a:blip>
+          <a:stretch>
+            <a:fillRect/>
+          </a:stretch>
+        </p:blipFill>
         <p:spPr>
           <a:xfrm>
-            <a:off x="6172199" y="3771012"/>
-            <a:ext cx="3490993" cy="501651"/>
+            <a:off x="5810857" y="0"/>
+            <a:ext cx="4286250" cy="6858000"/>
           </a:xfrm>
           <a:prstGeom prst="rect">
             <a:avLst/>
           </a:prstGeom>
         </p:spPr>
-        <p:txBody>
-          <a:bodyPr vert="horz" lIns="91440" tIns="45720" rIns="91440" bIns="45720" rtlCol="0">
-            <a:normAutofit fontScale="92500"/>
-          </a:bodyPr>
-          <a:lstStyle>
-            <a:lvl1pPr marL="228600" indent="-228600" algn="l" defTabSz="914400" rtl="0" eaLnBrk="1" latinLnBrk="0" hangingPunct="1">
-              <a:lnSpc>
-                <a:spcPct val="90000"/>
-              </a:lnSpc>
-              <a:spcBef>
-                <a:spcPts val="1000"/>
-              </a:spcBef>
-              <a:buFont typeface="Arial" panose="020B0604020202020204" pitchFamily="34" charset="0"/>
-              <a:buChar char="•"/>
-              <a:defRPr sz="2800" kern="1200">
-                <a:solidFill>
-                  <a:schemeClr val="tx1"/>
-                </a:solidFill>
-                <a:latin typeface="+mn-lt"/>
-                <a:ea typeface="+mn-ea"/>
-                <a:cs typeface="+mn-cs"/>
-              </a:defRPr>
-            </a:lvl1pPr>
-            <a:lvl2pPr marL="685800" indent="-228600" algn="l" defTabSz="914400" rtl="0" eaLnBrk="1" latinLnBrk="0" hangingPunct="1">
-              <a:lnSpc>
-                <a:spcPct val="90000"/>
-              </a:lnSpc>
-              <a:spcBef>
-                <a:spcPts val="500"/>
-              </a:spcBef>
-              <a:buFont typeface="Arial" panose="020B0604020202020204" pitchFamily="34" charset="0"/>
-              <a:buChar char="•"/>
-              <a:defRPr sz="2400" kern="1200">
-                <a:solidFill>
-                  <a:schemeClr val="tx1"/>
-                </a:solidFill>
-                <a:latin typeface="+mn-lt"/>
-                <a:ea typeface="+mn-ea"/>
-                <a:cs typeface="+mn-cs"/>
-              </a:defRPr>
-            </a:lvl2pPr>
-            <a:lvl3pPr marL="1143000" indent="-228600" algn="l" defTabSz="914400" rtl="0" eaLnBrk="1" latinLnBrk="0" hangingPunct="1">
-              <a:lnSpc>
-                <a:spcPct val="90000"/>
-              </a:lnSpc>
-              <a:spcBef>
-                <a:spcPts val="500"/>
-              </a:spcBef>
-              <a:buFont typeface="Arial" panose="020B0604020202020204" pitchFamily="34" charset="0"/>
-              <a:buChar char="•"/>
-              <a:defRPr sz="2000" kern="1200">
-                <a:solidFill>
-                  <a:schemeClr val="tx1"/>
-                </a:solidFill>
-                <a:latin typeface="+mn-lt"/>
-                <a:ea typeface="+mn-ea"/>
-                <a:cs typeface="+mn-cs"/>
-              </a:defRPr>
-            </a:lvl3pPr>
-            <a:lvl4pPr marL="1600200" indent="-228600" algn="l" defTabSz="914400" rtl="0" eaLnBrk="1" latinLnBrk="0" hangingPunct="1">
-              <a:lnSpc>
-                <a:spcPct val="90000"/>
-              </a:lnSpc>
-              <a:spcBef>
-                <a:spcPts val="500"/>
-              </a:spcBef>
-              <a:buFont typeface="Arial" panose="020B0604020202020204" pitchFamily="34" charset="0"/>
-              <a:buChar char="•"/>
-              <a:defRPr sz="1800" kern="1200">
-                <a:solidFill>
-                  <a:schemeClr val="tx1"/>
-                </a:solidFill>
-                <a:latin typeface="+mn-lt"/>
-                <a:ea typeface="+mn-ea"/>
-                <a:cs typeface="+mn-cs"/>
-              </a:defRPr>
-            </a:lvl4pPr>
-            <a:lvl5pPr marL="2057400" indent="-228600" algn="l" defTabSz="914400" rtl="0" eaLnBrk="1" latinLnBrk="0" hangingPunct="1">
-              <a:lnSpc>
-                <a:spcPct val="90000"/>
-              </a:lnSpc>
-              <a:spcBef>
-                <a:spcPts val="500"/>
-              </a:spcBef>
-              <a:buFont typeface="Arial" panose="020B0604020202020204" pitchFamily="34" charset="0"/>
-              <a:buChar char="•"/>
-              <a:defRPr sz="1800" kern="1200">
-                <a:solidFill>
-                  <a:schemeClr val="tx1"/>
-                </a:solidFill>
-                <a:latin typeface="+mn-lt"/>
-                <a:ea typeface="+mn-ea"/>
-                <a:cs typeface="+mn-cs"/>
-              </a:defRPr>
-            </a:lvl5pPr>
-            <a:lvl6pPr marL="2514600" indent="-228600" algn="l" defTabSz="914400" rtl="0" eaLnBrk="1" latinLnBrk="0" hangingPunct="1">
-              <a:lnSpc>
-                <a:spcPct val="90000"/>
-              </a:lnSpc>
-              <a:spcBef>
-                <a:spcPts val="500"/>
-              </a:spcBef>
-              <a:buFont typeface="Arial" panose="020B0604020202020204" pitchFamily="34" charset="0"/>
-              <a:buChar char="•"/>
-              <a:defRPr sz="1800" kern="1200">
-                <a:solidFill>
-                  <a:schemeClr val="tx1"/>
-                </a:solidFill>
-                <a:latin typeface="+mn-lt"/>
-                <a:ea typeface="+mn-ea"/>
-                <a:cs typeface="+mn-cs"/>
-              </a:defRPr>
-            </a:lvl6pPr>
-            <a:lvl7pPr marL="2971800" indent="-228600" algn="l" defTabSz="914400" rtl="0" eaLnBrk="1" latinLnBrk="0" hangingPunct="1">
-              <a:lnSpc>
-                <a:spcPct val="90000"/>
-              </a:lnSpc>
-              <a:spcBef>
-                <a:spcPts val="500"/>
-              </a:spcBef>
-              <a:buFont typeface="Arial" panose="020B0604020202020204" pitchFamily="34" charset="0"/>
-              <a:buChar char="•"/>
-              <a:defRPr sz="1800" kern="1200">
-                <a:solidFill>
-                  <a:schemeClr val="tx1"/>
-                </a:solidFill>
-                <a:latin typeface="+mn-lt"/>
-                <a:ea typeface="+mn-ea"/>
-                <a:cs typeface="+mn-cs"/>
-              </a:defRPr>
-            </a:lvl7pPr>
-            <a:lvl8pPr marL="3429000" indent="-228600" algn="l" defTabSz="914400" rtl="0" eaLnBrk="1" latinLnBrk="0" hangingPunct="1">
-              <a:lnSpc>
-                <a:spcPct val="90000"/>
-              </a:lnSpc>
-              <a:spcBef>
-                <a:spcPts val="500"/>
-              </a:spcBef>
-              <a:buFont typeface="Arial" panose="020B0604020202020204" pitchFamily="34" charset="0"/>
-              <a:buChar char="•"/>
-              <a:defRPr sz="1800" kern="1200">
-                <a:solidFill>
-                  <a:schemeClr val="tx1"/>
-                </a:solidFill>
-                <a:latin typeface="+mn-lt"/>
-                <a:ea typeface="+mn-ea"/>
-                <a:cs typeface="+mn-cs"/>
-              </a:defRPr>
-            </a:lvl8pPr>
-            <a:lvl9pPr marL="3886200" indent="-228600" algn="l" defTabSz="914400" rtl="0" eaLnBrk="1" latinLnBrk="0" hangingPunct="1">
-              <a:lnSpc>
-                <a:spcPct val="90000"/>
-              </a:lnSpc>
-              <a:spcBef>
-                <a:spcPts val="500"/>
-              </a:spcBef>
-              <a:buFont typeface="Arial" panose="020B0604020202020204" pitchFamily="34" charset="0"/>
-              <a:buChar char="•"/>
-              <a:defRPr sz="1800" kern="1200">
-                <a:solidFill>
-                  <a:schemeClr val="tx1"/>
-                </a:solidFill>
-                <a:latin typeface="+mn-lt"/>
-                <a:ea typeface="+mn-ea"/>
-                <a:cs typeface="+mn-cs"/>
-              </a:defRPr>
-            </a:lvl9pPr>
-          </a:lstStyle>
-          <a:p>
-            <a:r>
-              <a:rPr lang="en-US" dirty="0" smtClean="0"/>
-              <a:t>F fixed at 25% CI Value</a:t>
-            </a:r>
-            <a:endParaRPr lang="en-US" dirty="0" smtClean="0">
-              <a:solidFill>
-                <a:schemeClr val="accent4">
-                  <a:lumMod val="75000"/>
-                </a:schemeClr>
-              </a:solidFill>
-            </a:endParaRPr>
-          </a:p>
-        </p:txBody>
-      </p:sp>
-      <p:sp>
-        <p:nvSpPr>
-          <p:cNvPr id="16" name="Text Placeholder 6"/>
-          <p:cNvSpPr txBox="1">
-            <a:spLocks/>
-          </p:cNvSpPr>
-          <p:nvPr/>
-        </p:nvSpPr>
-        <p:spPr>
-          <a:xfrm>
-            <a:off x="6172200" y="4585399"/>
-            <a:ext cx="1390973" cy="451550"/>
-          </a:xfrm>
-          <a:prstGeom prst="rect">
-            <a:avLst/>
-          </a:prstGeom>
-        </p:spPr>
-        <p:txBody>
-          <a:bodyPr vert="horz" lIns="91440" tIns="45720" rIns="91440" bIns="45720" rtlCol="0" anchor="b">
-            <a:normAutofit/>
-          </a:bodyPr>
-          <a:lstStyle>
-            <a:lvl1pPr marL="0" indent="0" algn="l" defTabSz="914400" rtl="0" eaLnBrk="1" latinLnBrk="0" hangingPunct="1">
-              <a:lnSpc>
-                <a:spcPct val="90000"/>
-              </a:lnSpc>
-              <a:spcBef>
-                <a:spcPts val="1000"/>
-              </a:spcBef>
-              <a:buFont typeface="Arial" panose="020B0604020202020204" pitchFamily="34" charset="0"/>
-              <a:buNone/>
-              <a:defRPr sz="2400" b="1" kern="1200">
-                <a:solidFill>
-                  <a:schemeClr val="tx1"/>
-                </a:solidFill>
-                <a:latin typeface="+mn-lt"/>
-                <a:ea typeface="+mn-ea"/>
-                <a:cs typeface="+mn-cs"/>
-              </a:defRPr>
-            </a:lvl1pPr>
-            <a:lvl2pPr marL="457200" indent="0" algn="l" defTabSz="914400" rtl="0" eaLnBrk="1" latinLnBrk="0" hangingPunct="1">
-              <a:lnSpc>
-                <a:spcPct val="90000"/>
-              </a:lnSpc>
-              <a:spcBef>
-                <a:spcPts val="500"/>
-              </a:spcBef>
-              <a:buFont typeface="Arial" panose="020B0604020202020204" pitchFamily="34" charset="0"/>
-              <a:buNone/>
-              <a:defRPr sz="2000" b="1" kern="1200">
-                <a:solidFill>
-                  <a:schemeClr val="tx1"/>
-                </a:solidFill>
-                <a:latin typeface="+mn-lt"/>
-                <a:ea typeface="+mn-ea"/>
-                <a:cs typeface="+mn-cs"/>
-              </a:defRPr>
-            </a:lvl2pPr>
-            <a:lvl3pPr marL="914400" indent="0" algn="l" defTabSz="914400" rtl="0" eaLnBrk="1" latinLnBrk="0" hangingPunct="1">
-              <a:lnSpc>
-                <a:spcPct val="90000"/>
-              </a:lnSpc>
-              <a:spcBef>
-                <a:spcPts val="500"/>
-              </a:spcBef>
-              <a:buFont typeface="Arial" panose="020B0604020202020204" pitchFamily="34" charset="0"/>
-              <a:buNone/>
-              <a:defRPr sz="1800" b="1" kern="1200">
-                <a:solidFill>
-                  <a:schemeClr val="tx1"/>
-                </a:solidFill>
-                <a:latin typeface="+mn-lt"/>
-                <a:ea typeface="+mn-ea"/>
-                <a:cs typeface="+mn-cs"/>
-              </a:defRPr>
-            </a:lvl3pPr>
-            <a:lvl4pPr marL="1371600" indent="0" algn="l" defTabSz="914400" rtl="0" eaLnBrk="1" latinLnBrk="0" hangingPunct="1">
-              <a:lnSpc>
-                <a:spcPct val="90000"/>
-              </a:lnSpc>
-              <a:spcBef>
-                <a:spcPts val="500"/>
-              </a:spcBef>
-              <a:buFont typeface="Arial" panose="020B0604020202020204" pitchFamily="34" charset="0"/>
-              <a:buNone/>
-              <a:defRPr sz="1600" b="1" kern="1200">
-                <a:solidFill>
-                  <a:schemeClr val="tx1"/>
-                </a:solidFill>
-                <a:latin typeface="+mn-lt"/>
-                <a:ea typeface="+mn-ea"/>
-                <a:cs typeface="+mn-cs"/>
-              </a:defRPr>
-            </a:lvl4pPr>
-            <a:lvl5pPr marL="1828800" indent="0" algn="l" defTabSz="914400" rtl="0" eaLnBrk="1" latinLnBrk="0" hangingPunct="1">
-              <a:lnSpc>
-                <a:spcPct val="90000"/>
-              </a:lnSpc>
-              <a:spcBef>
-                <a:spcPts val="500"/>
-              </a:spcBef>
-              <a:buFont typeface="Arial" panose="020B0604020202020204" pitchFamily="34" charset="0"/>
-              <a:buNone/>
-              <a:defRPr sz="1600" b="1" kern="1200">
-                <a:solidFill>
-                  <a:schemeClr val="tx1"/>
-                </a:solidFill>
-                <a:latin typeface="+mn-lt"/>
-                <a:ea typeface="+mn-ea"/>
-                <a:cs typeface="+mn-cs"/>
-              </a:defRPr>
-            </a:lvl5pPr>
-            <a:lvl6pPr marL="2286000" indent="0" algn="l" defTabSz="914400" rtl="0" eaLnBrk="1" latinLnBrk="0" hangingPunct="1">
-              <a:lnSpc>
-                <a:spcPct val="90000"/>
-              </a:lnSpc>
-              <a:spcBef>
-                <a:spcPts val="500"/>
-              </a:spcBef>
-              <a:buFont typeface="Arial" panose="020B0604020202020204" pitchFamily="34" charset="0"/>
-              <a:buNone/>
-              <a:defRPr sz="1600" b="1" kern="1200">
-                <a:solidFill>
-                  <a:schemeClr val="tx1"/>
-                </a:solidFill>
-                <a:latin typeface="+mn-lt"/>
-                <a:ea typeface="+mn-ea"/>
-                <a:cs typeface="+mn-cs"/>
-              </a:defRPr>
-            </a:lvl6pPr>
-            <a:lvl7pPr marL="2743200" indent="0" algn="l" defTabSz="914400" rtl="0" eaLnBrk="1" latinLnBrk="0" hangingPunct="1">
-              <a:lnSpc>
-                <a:spcPct val="90000"/>
-              </a:lnSpc>
-              <a:spcBef>
-                <a:spcPts val="500"/>
-              </a:spcBef>
-              <a:buFont typeface="Arial" panose="020B0604020202020204" pitchFamily="34" charset="0"/>
-              <a:buNone/>
-              <a:defRPr sz="1600" b="1" kern="1200">
-                <a:solidFill>
-                  <a:schemeClr val="tx1"/>
-                </a:solidFill>
-                <a:latin typeface="+mn-lt"/>
-                <a:ea typeface="+mn-ea"/>
-                <a:cs typeface="+mn-cs"/>
-              </a:defRPr>
-            </a:lvl7pPr>
-            <a:lvl8pPr marL="3200400" indent="0" algn="l" defTabSz="914400" rtl="0" eaLnBrk="1" latinLnBrk="0" hangingPunct="1">
-              <a:lnSpc>
-                <a:spcPct val="90000"/>
-              </a:lnSpc>
-              <a:spcBef>
-                <a:spcPts val="500"/>
-              </a:spcBef>
-              <a:buFont typeface="Arial" panose="020B0604020202020204" pitchFamily="34" charset="0"/>
-              <a:buNone/>
-              <a:defRPr sz="1600" b="1" kern="1200">
-                <a:solidFill>
-                  <a:schemeClr val="tx1"/>
-                </a:solidFill>
-                <a:latin typeface="+mn-lt"/>
-                <a:ea typeface="+mn-ea"/>
-                <a:cs typeface="+mn-cs"/>
-              </a:defRPr>
-            </a:lvl8pPr>
-            <a:lvl9pPr marL="3657600" indent="0" algn="l" defTabSz="914400" rtl="0" eaLnBrk="1" latinLnBrk="0" hangingPunct="1">
-              <a:lnSpc>
-                <a:spcPct val="90000"/>
-              </a:lnSpc>
-              <a:spcBef>
-                <a:spcPts val="500"/>
-              </a:spcBef>
-              <a:buFont typeface="Arial" panose="020B0604020202020204" pitchFamily="34" charset="0"/>
-              <a:buNone/>
-              <a:defRPr sz="1600" b="1" kern="1200">
-                <a:solidFill>
-                  <a:schemeClr val="tx1"/>
-                </a:solidFill>
-                <a:latin typeface="+mn-lt"/>
-                <a:ea typeface="+mn-ea"/>
-                <a:cs typeface="+mn-cs"/>
-              </a:defRPr>
-            </a:lvl9pPr>
-          </a:lstStyle>
-          <a:p>
-            <a:r>
-              <a:rPr lang="en-US" dirty="0" smtClean="0"/>
-              <a:t>Run 41</a:t>
-            </a:r>
-            <a:endParaRPr lang="en-US" dirty="0"/>
-          </a:p>
-        </p:txBody>
-      </p:sp>
-      <p:sp>
-        <p:nvSpPr>
-          <p:cNvPr id="17" name="Content Placeholder 7"/>
-          <p:cNvSpPr txBox="1">
-            <a:spLocks/>
-          </p:cNvSpPr>
-          <p:nvPr/>
-        </p:nvSpPr>
-        <p:spPr>
-          <a:xfrm>
-            <a:off x="6172199" y="5036949"/>
-            <a:ext cx="3490993" cy="501651"/>
-          </a:xfrm>
-          <a:prstGeom prst="rect">
-            <a:avLst/>
-          </a:prstGeom>
-        </p:spPr>
-        <p:txBody>
-          <a:bodyPr vert="horz" lIns="91440" tIns="45720" rIns="91440" bIns="45720" rtlCol="0">
-            <a:normAutofit fontScale="92500"/>
-          </a:bodyPr>
-          <a:lstStyle>
-            <a:lvl1pPr marL="228600" indent="-228600" algn="l" defTabSz="914400" rtl="0" eaLnBrk="1" latinLnBrk="0" hangingPunct="1">
-              <a:lnSpc>
-                <a:spcPct val="90000"/>
-              </a:lnSpc>
-              <a:spcBef>
-                <a:spcPts val="1000"/>
-              </a:spcBef>
-              <a:buFont typeface="Arial" panose="020B0604020202020204" pitchFamily="34" charset="0"/>
-              <a:buChar char="•"/>
-              <a:defRPr sz="2800" kern="1200">
-                <a:solidFill>
-                  <a:schemeClr val="tx1"/>
-                </a:solidFill>
-                <a:latin typeface="+mn-lt"/>
-                <a:ea typeface="+mn-ea"/>
-                <a:cs typeface="+mn-cs"/>
-              </a:defRPr>
-            </a:lvl1pPr>
-            <a:lvl2pPr marL="685800" indent="-228600" algn="l" defTabSz="914400" rtl="0" eaLnBrk="1" latinLnBrk="0" hangingPunct="1">
-              <a:lnSpc>
-                <a:spcPct val="90000"/>
-              </a:lnSpc>
-              <a:spcBef>
-                <a:spcPts val="500"/>
-              </a:spcBef>
-              <a:buFont typeface="Arial" panose="020B0604020202020204" pitchFamily="34" charset="0"/>
-              <a:buChar char="•"/>
-              <a:defRPr sz="2400" kern="1200">
-                <a:solidFill>
-                  <a:schemeClr val="tx1"/>
-                </a:solidFill>
-                <a:latin typeface="+mn-lt"/>
-                <a:ea typeface="+mn-ea"/>
-                <a:cs typeface="+mn-cs"/>
-              </a:defRPr>
-            </a:lvl2pPr>
-            <a:lvl3pPr marL="1143000" indent="-228600" algn="l" defTabSz="914400" rtl="0" eaLnBrk="1" latinLnBrk="0" hangingPunct="1">
-              <a:lnSpc>
-                <a:spcPct val="90000"/>
-              </a:lnSpc>
-              <a:spcBef>
-                <a:spcPts val="500"/>
-              </a:spcBef>
-              <a:buFont typeface="Arial" panose="020B0604020202020204" pitchFamily="34" charset="0"/>
-              <a:buChar char="•"/>
-              <a:defRPr sz="2000" kern="1200">
-                <a:solidFill>
-                  <a:schemeClr val="tx1"/>
-                </a:solidFill>
-                <a:latin typeface="+mn-lt"/>
-                <a:ea typeface="+mn-ea"/>
-                <a:cs typeface="+mn-cs"/>
-              </a:defRPr>
-            </a:lvl3pPr>
-            <a:lvl4pPr marL="1600200" indent="-228600" algn="l" defTabSz="914400" rtl="0" eaLnBrk="1" latinLnBrk="0" hangingPunct="1">
-              <a:lnSpc>
-                <a:spcPct val="90000"/>
-              </a:lnSpc>
-              <a:spcBef>
-                <a:spcPts val="500"/>
-              </a:spcBef>
-              <a:buFont typeface="Arial" panose="020B0604020202020204" pitchFamily="34" charset="0"/>
-              <a:buChar char="•"/>
-              <a:defRPr sz="1800" kern="1200">
-                <a:solidFill>
-                  <a:schemeClr val="tx1"/>
-                </a:solidFill>
-                <a:latin typeface="+mn-lt"/>
-                <a:ea typeface="+mn-ea"/>
-                <a:cs typeface="+mn-cs"/>
-              </a:defRPr>
-            </a:lvl4pPr>
-            <a:lvl5pPr marL="2057400" indent="-228600" algn="l" defTabSz="914400" rtl="0" eaLnBrk="1" latinLnBrk="0" hangingPunct="1">
-              <a:lnSpc>
-                <a:spcPct val="90000"/>
-              </a:lnSpc>
-              <a:spcBef>
-                <a:spcPts val="500"/>
-              </a:spcBef>
-              <a:buFont typeface="Arial" panose="020B0604020202020204" pitchFamily="34" charset="0"/>
-              <a:buChar char="•"/>
-              <a:defRPr sz="1800" kern="1200">
-                <a:solidFill>
-                  <a:schemeClr val="tx1"/>
-                </a:solidFill>
-                <a:latin typeface="+mn-lt"/>
-                <a:ea typeface="+mn-ea"/>
-                <a:cs typeface="+mn-cs"/>
-              </a:defRPr>
-            </a:lvl5pPr>
-            <a:lvl6pPr marL="2514600" indent="-228600" algn="l" defTabSz="914400" rtl="0" eaLnBrk="1" latinLnBrk="0" hangingPunct="1">
-              <a:lnSpc>
-                <a:spcPct val="90000"/>
-              </a:lnSpc>
-              <a:spcBef>
-                <a:spcPts val="500"/>
-              </a:spcBef>
-              <a:buFont typeface="Arial" panose="020B0604020202020204" pitchFamily="34" charset="0"/>
-              <a:buChar char="•"/>
-              <a:defRPr sz="1800" kern="1200">
-                <a:solidFill>
-                  <a:schemeClr val="tx1"/>
-                </a:solidFill>
-                <a:latin typeface="+mn-lt"/>
-                <a:ea typeface="+mn-ea"/>
-                <a:cs typeface="+mn-cs"/>
-              </a:defRPr>
-            </a:lvl6pPr>
-            <a:lvl7pPr marL="2971800" indent="-228600" algn="l" defTabSz="914400" rtl="0" eaLnBrk="1" latinLnBrk="0" hangingPunct="1">
-              <a:lnSpc>
-                <a:spcPct val="90000"/>
-              </a:lnSpc>
-              <a:spcBef>
-                <a:spcPts val="500"/>
-              </a:spcBef>
-              <a:buFont typeface="Arial" panose="020B0604020202020204" pitchFamily="34" charset="0"/>
-              <a:buChar char="•"/>
-              <a:defRPr sz="1800" kern="1200">
-                <a:solidFill>
-                  <a:schemeClr val="tx1"/>
-                </a:solidFill>
-                <a:latin typeface="+mn-lt"/>
-                <a:ea typeface="+mn-ea"/>
-                <a:cs typeface="+mn-cs"/>
-              </a:defRPr>
-            </a:lvl7pPr>
-            <a:lvl8pPr marL="3429000" indent="-228600" algn="l" defTabSz="914400" rtl="0" eaLnBrk="1" latinLnBrk="0" hangingPunct="1">
-              <a:lnSpc>
-                <a:spcPct val="90000"/>
-              </a:lnSpc>
-              <a:spcBef>
-                <a:spcPts val="500"/>
-              </a:spcBef>
-              <a:buFont typeface="Arial" panose="020B0604020202020204" pitchFamily="34" charset="0"/>
-              <a:buChar char="•"/>
-              <a:defRPr sz="1800" kern="1200">
-                <a:solidFill>
-                  <a:schemeClr val="tx1"/>
-                </a:solidFill>
-                <a:latin typeface="+mn-lt"/>
-                <a:ea typeface="+mn-ea"/>
-                <a:cs typeface="+mn-cs"/>
-              </a:defRPr>
-            </a:lvl8pPr>
-            <a:lvl9pPr marL="3886200" indent="-228600" algn="l" defTabSz="914400" rtl="0" eaLnBrk="1" latinLnBrk="0" hangingPunct="1">
-              <a:lnSpc>
-                <a:spcPct val="90000"/>
-              </a:lnSpc>
-              <a:spcBef>
-                <a:spcPts val="500"/>
-              </a:spcBef>
-              <a:buFont typeface="Arial" panose="020B0604020202020204" pitchFamily="34" charset="0"/>
-              <a:buChar char="•"/>
-              <a:defRPr sz="1800" kern="1200">
-                <a:solidFill>
-                  <a:schemeClr val="tx1"/>
-                </a:solidFill>
-                <a:latin typeface="+mn-lt"/>
-                <a:ea typeface="+mn-ea"/>
-                <a:cs typeface="+mn-cs"/>
-              </a:defRPr>
-            </a:lvl9pPr>
-          </a:lstStyle>
-          <a:p>
-            <a:r>
-              <a:rPr lang="en-US" dirty="0" smtClean="0"/>
-              <a:t>F fixed at 75% CI Value</a:t>
-            </a:r>
-            <a:endParaRPr lang="en-US" dirty="0" smtClean="0">
-              <a:solidFill>
-                <a:schemeClr val="accent4">
-                  <a:lumMod val="75000"/>
-                </a:schemeClr>
-              </a:solidFill>
-            </a:endParaRPr>
-          </a:p>
-        </p:txBody>
-      </p:sp>
+      </p:pic>
     </p:spTree>
     <p:extLst>
       <p:ext uri="{BB962C8B-B14F-4D97-AF65-F5344CB8AC3E}">
-        <p14:creationId xmlns:p14="http://schemas.microsoft.com/office/powerpoint/2010/main" val="3855491165"/>
+        <p14:creationId xmlns:p14="http://schemas.microsoft.com/office/powerpoint/2010/main" val="1684382157"/>
       </p:ext>
     </p:extLst>
   </p:cSld>
   <p:clrMapOvr>
     <a:masterClrMapping/>
   </p:clrMapOvr>
+  <p:timing>
+    <p:tnLst>
+      <p:par>
+        <p:cTn id="1" dur="indefinite" restart="never" nodeType="tmRoot"/>
+      </p:par>
+    </p:tnLst>
+  </p:timing>
 </p:sld>
 </file>
 
@@ -6224,7 +6834,7 @@
           <a:p>
             <a:r>
               <a:rPr lang="en-US" dirty="0" smtClean="0"/>
-              <a:t>Options for Sensitivity Item 1</a:t>
+              <a:t>From FINAL Peer Review Report</a:t>
             </a:r>
             <a:endParaRPr lang="en-US" dirty="0"/>
           </a:p>
@@ -6242,37 +6852,83 @@
         </p:nvSpPr>
         <p:spPr/>
         <p:txBody>
-          <a:bodyPr/>
+          <a:bodyPr>
+            <a:normAutofit/>
+          </a:bodyPr>
           <a:lstStyle/>
           <a:p>
-            <a:pPr marL="514350" indent="-514350">
-              <a:buFont typeface="+mj-lt"/>
-              <a:buAutoNum type="arabicPeriod"/>
+            <a:r>
+              <a:rPr lang="en-US" dirty="0">
+                <a:solidFill>
+                  <a:schemeClr val="bg2">
+                    <a:lumMod val="90000"/>
+                  </a:schemeClr>
+                </a:solidFill>
+              </a:rPr>
+              <a:t>Conduct sensitivity analyses including: </a:t>
+            </a:r>
+            <a:endParaRPr lang="en-US" b="0" dirty="0" smtClean="0">
+              <a:solidFill>
+                <a:schemeClr val="bg2">
+                  <a:lumMod val="90000"/>
+                </a:schemeClr>
+              </a:solidFill>
+              <a:effectLst/>
+            </a:endParaRPr>
+          </a:p>
+          <a:p>
+            <a:r>
+              <a:rPr lang="en-US" dirty="0"/>
+              <a:t>1) an exploration of alternative parameterizations for natural mortality (e.g. different age-independent constant values, or age-dependent M) </a:t>
+            </a:r>
+            <a:endParaRPr lang="en-US" b="0" dirty="0" smtClean="0">
+              <a:effectLst/>
+            </a:endParaRPr>
+          </a:p>
+          <a:p>
+            <a:r>
+              <a:rPr lang="en-US" dirty="0">
+                <a:solidFill>
+                  <a:schemeClr val="bg2">
+                    <a:lumMod val="90000"/>
+                  </a:schemeClr>
+                </a:solidFill>
+              </a:rPr>
+              <a:t>2) profiles of the initial fishing mortality (i.e. initial depletion) </a:t>
+            </a:r>
+            <a:endParaRPr lang="en-US" b="0" dirty="0" smtClean="0">
+              <a:solidFill>
+                <a:schemeClr val="bg2">
+                  <a:lumMod val="90000"/>
+                </a:schemeClr>
+              </a:solidFill>
+              <a:effectLst/>
+            </a:endParaRPr>
+          </a:p>
+          <a:p>
+            <a:r>
+              <a:rPr lang="en-US" dirty="0">
+                <a:solidFill>
+                  <a:schemeClr val="bg2">
+                    <a:lumMod val="90000"/>
+                  </a:schemeClr>
+                </a:solidFill>
+              </a:rPr>
+              <a:t>3) an evaluation of which individual surveys should be included in the VAST index by comparing WHAM estimates (e.g., biomass time series) from the proposed run with individual fishery independent surveys. Surveys that do not appear to accurately reflect changes in stock size through this analysis should not be included in the VAST index. </a:t>
+            </a:r>
+            <a:endParaRPr lang="en-US" b="0" dirty="0" smtClean="0">
+              <a:solidFill>
+                <a:schemeClr val="bg2">
+                  <a:lumMod val="90000"/>
+                </a:schemeClr>
+              </a:solidFill>
+              <a:effectLst/>
+            </a:endParaRPr>
+          </a:p>
+          <a:p>
+            <a:pPr marL="0" indent="0">
+              <a:buNone/>
             </a:pPr>
-            <a:r>
-              <a:rPr lang="en-US" dirty="0" smtClean="0"/>
-              <a:t>Fix M at higher or lower age constant M values than was used in Run 34</a:t>
-            </a:r>
-          </a:p>
-          <a:p>
-            <a:pPr marL="514350" indent="-514350">
-              <a:buFont typeface="+mj-lt"/>
-              <a:buAutoNum type="arabicPeriod"/>
-            </a:pPr>
-            <a:r>
-              <a:rPr lang="en-US" dirty="0" smtClean="0"/>
-              <a:t>Fix age-dependent M</a:t>
-            </a:r>
-          </a:p>
-          <a:p>
-            <a:pPr marL="514350" indent="-514350">
-              <a:buFont typeface="+mj-lt"/>
-              <a:buAutoNum type="arabicPeriod"/>
-            </a:pPr>
-            <a:r>
-              <a:rPr lang="en-US" dirty="0" smtClean="0"/>
-              <a:t>Estimate age-dependent M</a:t>
-            </a:r>
             <a:endParaRPr lang="en-US" dirty="0"/>
           </a:p>
         </p:txBody>
@@ -6280,13 +6936,20 @@
     </p:spTree>
     <p:extLst>
       <p:ext uri="{BB962C8B-B14F-4D97-AF65-F5344CB8AC3E}">
-        <p14:creationId xmlns:p14="http://schemas.microsoft.com/office/powerpoint/2010/main" val="2685896087"/>
+        <p14:creationId xmlns:p14="http://schemas.microsoft.com/office/powerpoint/2010/main" val="2387270172"/>
       </p:ext>
     </p:extLst>
   </p:cSld>
   <p:clrMapOvr>
     <a:masterClrMapping/>
   </p:clrMapOvr>
+  <p:timing>
+    <p:tnLst>
+      <p:par>
+        <p:cTn id="1" dur="indefinite" restart="never" nodeType="tmRoot"/>
+      </p:par>
+    </p:tnLst>
+  </p:timing>
 </p:sld>
 </file>
 
@@ -6309,7 +6972,7 @@
       </p:grpSpPr>
       <p:sp>
         <p:nvSpPr>
-          <p:cNvPr id="4" name="Title 3"/>
+          <p:cNvPr id="2" name="Title 1"/>
           <p:cNvSpPr>
             <a:spLocks noGrp="1"/>
           </p:cNvSpPr>
@@ -6324,7 +6987,124 @@
           <a:p>
             <a:r>
               <a:rPr lang="en-US" dirty="0" smtClean="0"/>
-              <a:t>Run 39</a:t>
+              <a:t>Options for Sensitivity Item 1</a:t>
+            </a:r>
+            <a:endParaRPr lang="en-US" dirty="0"/>
+          </a:p>
+        </p:txBody>
+      </p:sp>
+      <p:sp>
+        <p:nvSpPr>
+          <p:cNvPr id="3" name="Content Placeholder 2"/>
+          <p:cNvSpPr>
+            <a:spLocks noGrp="1"/>
+          </p:cNvSpPr>
+          <p:nvPr>
+            <p:ph idx="1"/>
+          </p:nvPr>
+        </p:nvSpPr>
+        <p:spPr/>
+        <p:txBody>
+          <a:bodyPr/>
+          <a:lstStyle/>
+          <a:p>
+            <a:pPr marL="514350" indent="-514350">
+              <a:buFont typeface="+mj-lt"/>
+              <a:buAutoNum type="arabicPeriod"/>
+            </a:pPr>
+            <a:r>
+              <a:rPr lang="en-US" dirty="0"/>
+              <a:t>Estimate age-dependent </a:t>
+            </a:r>
+            <a:r>
+              <a:rPr lang="en-US" dirty="0" smtClean="0"/>
+              <a:t>M</a:t>
+            </a:r>
+            <a:endParaRPr lang="en-US" dirty="0" smtClean="0"/>
+          </a:p>
+          <a:p>
+            <a:pPr marL="514350" indent="-514350">
+              <a:buFont typeface="+mj-lt"/>
+              <a:buAutoNum type="arabicPeriod"/>
+            </a:pPr>
+            <a:r>
+              <a:rPr lang="en-US" dirty="0" smtClean="0"/>
+              <a:t>Fix </a:t>
+            </a:r>
+            <a:r>
+              <a:rPr lang="en-US" dirty="0" smtClean="0"/>
+              <a:t>M at higher or lower age constant M values than was used in Run 34</a:t>
+            </a:r>
+          </a:p>
+          <a:p>
+            <a:pPr marL="514350" indent="-514350">
+              <a:buFont typeface="+mj-lt"/>
+              <a:buAutoNum type="arabicPeriod"/>
+            </a:pPr>
+            <a:r>
+              <a:rPr lang="en-US" dirty="0" smtClean="0"/>
+              <a:t>Fix age-dependent </a:t>
+            </a:r>
+            <a:r>
+              <a:rPr lang="en-US" dirty="0" smtClean="0"/>
+              <a:t>M</a:t>
+            </a:r>
+            <a:endParaRPr lang="en-US" dirty="0" smtClean="0"/>
+          </a:p>
+        </p:txBody>
+      </p:sp>
+    </p:spTree>
+    <p:extLst>
+      <p:ext uri="{BB962C8B-B14F-4D97-AF65-F5344CB8AC3E}">
+        <p14:creationId xmlns:p14="http://schemas.microsoft.com/office/powerpoint/2010/main" val="2685896087"/>
+      </p:ext>
+    </p:extLst>
+  </p:cSld>
+  <p:clrMapOvr>
+    <a:masterClrMapping/>
+  </p:clrMapOvr>
+</p:sld>
+</file>
+
+<file path=ppt/slides/slide34.xml><?xml version="1.0" encoding="utf-8"?>
+<p:sld xmlns:a="http://schemas.openxmlformats.org/drawingml/2006/main" xmlns:r="http://schemas.openxmlformats.org/officeDocument/2006/relationships" xmlns:p="http://schemas.openxmlformats.org/presentationml/2006/main">
+  <p:cSld>
+    <p:spTree>
+      <p:nvGrpSpPr>
+        <p:cNvPr id="1" name=""/>
+        <p:cNvGrpSpPr/>
+        <p:nvPr/>
+      </p:nvGrpSpPr>
+      <p:grpSpPr>
+        <a:xfrm>
+          <a:off x="0" y="0"/>
+          <a:ext cx="0" cy="0"/>
+          <a:chOff x="0" y="0"/>
+          <a:chExt cx="0" cy="0"/>
+        </a:xfrm>
+      </p:grpSpPr>
+      <p:sp>
+        <p:nvSpPr>
+          <p:cNvPr id="4" name="Title 3"/>
+          <p:cNvSpPr>
+            <a:spLocks noGrp="1"/>
+          </p:cNvSpPr>
+          <p:nvPr>
+            <p:ph type="title"/>
+          </p:nvPr>
+        </p:nvSpPr>
+        <p:spPr/>
+        <p:txBody>
+          <a:bodyPr/>
+          <a:lstStyle/>
+          <a:p>
+            <a:r>
+              <a:rPr lang="en-US" dirty="0" smtClean="0"/>
+              <a:t>Run </a:t>
+            </a:r>
+            <a:r>
+              <a:rPr lang="en-US" dirty="0" smtClean="0"/>
+              <a:t>35-36</a:t>
             </a:r>
             <a:endParaRPr lang="en-US" dirty="0"/>
           </a:p>
@@ -6372,7 +7152,11 @@
           <a:p>
             <a:r>
               <a:rPr lang="en-US" dirty="0" smtClean="0"/>
-              <a:t>Age-invariant M estimated at XXX</a:t>
+              <a:t>Age-invariant M </a:t>
+            </a:r>
+            <a:r>
+              <a:rPr lang="en-US" dirty="0" smtClean="0"/>
+              <a:t>fixed at 0.4</a:t>
             </a:r>
             <a:endParaRPr lang="en-US" dirty="0" smtClean="0">
               <a:solidFill>
@@ -6442,8 +7226,15 @@
                   </a:schemeClr>
                 </a:solidFill>
               </a:rPr>
-              <a:t>Estimated one M?</a:t>
-            </a:r>
+              <a:t>One M estimated: </a:t>
+            </a:r>
+            <a:endParaRPr lang="en-US" dirty="0" smtClean="0">
+              <a:solidFill>
+                <a:schemeClr val="accent4">
+                  <a:lumMod val="75000"/>
+                </a:schemeClr>
+              </a:solidFill>
+            </a:endParaRPr>
           </a:p>
         </p:txBody>
       </p:sp>
@@ -7236,6 +8027,1207 @@
     <p:extLst>
       <p:ext uri="{BB962C8B-B14F-4D97-AF65-F5344CB8AC3E}">
         <p14:creationId xmlns:p14="http://schemas.microsoft.com/office/powerpoint/2010/main" val="1006062046"/>
+      </p:ext>
+    </p:extLst>
+  </p:cSld>
+  <p:clrMapOvr>
+    <a:masterClrMapping/>
+  </p:clrMapOvr>
+</p:sld>
+</file>
+
+<file path=ppt/slides/slide35.xml><?xml version="1.0" encoding="utf-8"?>
+<p:sld xmlns:a="http://schemas.openxmlformats.org/drawingml/2006/main" xmlns:r="http://schemas.openxmlformats.org/officeDocument/2006/relationships" xmlns:p="http://schemas.openxmlformats.org/presentationml/2006/main">
+  <p:cSld>
+    <p:spTree>
+      <p:nvGrpSpPr>
+        <p:cNvPr id="1" name=""/>
+        <p:cNvGrpSpPr/>
+        <p:nvPr/>
+      </p:nvGrpSpPr>
+      <p:grpSpPr>
+        <a:xfrm>
+          <a:off x="0" y="0"/>
+          <a:ext cx="0" cy="0"/>
+          <a:chOff x="0" y="0"/>
+          <a:chExt cx="0" cy="0"/>
+        </a:xfrm>
+      </p:grpSpPr>
+      <p:sp>
+        <p:nvSpPr>
+          <p:cNvPr id="2" name="Title 1"/>
+          <p:cNvSpPr>
+            <a:spLocks noGrp="1"/>
+          </p:cNvSpPr>
+          <p:nvPr>
+            <p:ph type="title"/>
+          </p:nvPr>
+        </p:nvSpPr>
+        <p:spPr/>
+        <p:txBody>
+          <a:bodyPr/>
+          <a:lstStyle/>
+          <a:p>
+            <a:r>
+              <a:rPr lang="en-US" dirty="0" smtClean="0"/>
+              <a:t>From FINAL Peer Review Report</a:t>
+            </a:r>
+            <a:endParaRPr lang="en-US" dirty="0"/>
+          </a:p>
+        </p:txBody>
+      </p:sp>
+      <p:sp>
+        <p:nvSpPr>
+          <p:cNvPr id="3" name="Content Placeholder 2"/>
+          <p:cNvSpPr>
+            <a:spLocks noGrp="1"/>
+          </p:cNvSpPr>
+          <p:nvPr>
+            <p:ph idx="1"/>
+          </p:nvPr>
+        </p:nvSpPr>
+        <p:spPr/>
+        <p:txBody>
+          <a:bodyPr>
+            <a:normAutofit/>
+          </a:bodyPr>
+          <a:lstStyle/>
+          <a:p>
+            <a:r>
+              <a:rPr lang="en-US" dirty="0">
+                <a:solidFill>
+                  <a:schemeClr val="bg2">
+                    <a:lumMod val="90000"/>
+                  </a:schemeClr>
+                </a:solidFill>
+              </a:rPr>
+              <a:t>Conduct sensitivity analyses including: </a:t>
+            </a:r>
+            <a:endParaRPr lang="en-US" b="0" dirty="0" smtClean="0">
+              <a:solidFill>
+                <a:schemeClr val="bg2">
+                  <a:lumMod val="90000"/>
+                </a:schemeClr>
+              </a:solidFill>
+              <a:effectLst/>
+            </a:endParaRPr>
+          </a:p>
+          <a:p>
+            <a:r>
+              <a:rPr lang="en-US" dirty="0">
+                <a:solidFill>
+                  <a:schemeClr val="bg2">
+                    <a:lumMod val="90000"/>
+                  </a:schemeClr>
+                </a:solidFill>
+              </a:rPr>
+              <a:t>1) an exploration of alternative parameterizations for natural mortality (e.g. different age-independent constant values, or age-dependent M) </a:t>
+            </a:r>
+            <a:endParaRPr lang="en-US" b="0" dirty="0" smtClean="0">
+              <a:solidFill>
+                <a:schemeClr val="bg2">
+                  <a:lumMod val="90000"/>
+                </a:schemeClr>
+              </a:solidFill>
+              <a:effectLst/>
+            </a:endParaRPr>
+          </a:p>
+          <a:p>
+            <a:r>
+              <a:rPr lang="en-US" dirty="0"/>
+              <a:t>2) profiles of the initial fishing mortality (i.e. initial depletion) </a:t>
+            </a:r>
+            <a:endParaRPr lang="en-US" b="0" dirty="0" smtClean="0">
+              <a:effectLst/>
+            </a:endParaRPr>
+          </a:p>
+          <a:p>
+            <a:r>
+              <a:rPr lang="en-US" dirty="0">
+                <a:solidFill>
+                  <a:schemeClr val="bg1">
+                    <a:lumMod val="85000"/>
+                  </a:schemeClr>
+                </a:solidFill>
+              </a:rPr>
+              <a:t>3) an evaluation of which individual surveys should be included in the VAST index by comparing WHAM estimates (e.g., biomass time series) from the proposed run with individual fishery independent surveys. Surveys that do not appear to accurately reflect changes in stock size through this analysis should not be included in the VAST index. </a:t>
+            </a:r>
+            <a:endParaRPr lang="en-US" b="0" dirty="0" smtClean="0">
+              <a:solidFill>
+                <a:schemeClr val="bg1">
+                  <a:lumMod val="85000"/>
+                </a:schemeClr>
+              </a:solidFill>
+              <a:effectLst/>
+            </a:endParaRPr>
+          </a:p>
+          <a:p>
+            <a:pPr marL="0" indent="0">
+              <a:buNone/>
+            </a:pPr>
+            <a:endParaRPr lang="en-US" dirty="0"/>
+          </a:p>
+        </p:txBody>
+      </p:sp>
+    </p:spTree>
+    <p:extLst>
+      <p:ext uri="{BB962C8B-B14F-4D97-AF65-F5344CB8AC3E}">
+        <p14:creationId xmlns:p14="http://schemas.microsoft.com/office/powerpoint/2010/main" val="2961126734"/>
+      </p:ext>
+    </p:extLst>
+  </p:cSld>
+  <p:clrMapOvr>
+    <a:masterClrMapping/>
+  </p:clrMapOvr>
+</p:sld>
+</file>
+
+<file path=ppt/slides/slide36.xml><?xml version="1.0" encoding="utf-8"?>
+<p:sld xmlns:a="http://schemas.openxmlformats.org/drawingml/2006/main" xmlns:r="http://schemas.openxmlformats.org/officeDocument/2006/relationships" xmlns:p="http://schemas.openxmlformats.org/presentationml/2006/main">
+  <p:cSld>
+    <p:spTree>
+      <p:nvGrpSpPr>
+        <p:cNvPr id="1" name=""/>
+        <p:cNvGrpSpPr/>
+        <p:nvPr/>
+      </p:nvGrpSpPr>
+      <p:grpSpPr>
+        <a:xfrm>
+          <a:off x="0" y="0"/>
+          <a:ext cx="0" cy="0"/>
+          <a:chOff x="0" y="0"/>
+          <a:chExt cx="0" cy="0"/>
+        </a:xfrm>
+      </p:grpSpPr>
+      <p:sp>
+        <p:nvSpPr>
+          <p:cNvPr id="2" name="Title 1"/>
+          <p:cNvSpPr>
+            <a:spLocks noGrp="1"/>
+          </p:cNvSpPr>
+          <p:nvPr>
+            <p:ph type="title"/>
+          </p:nvPr>
+        </p:nvSpPr>
+        <p:spPr/>
+        <p:txBody>
+          <a:bodyPr/>
+          <a:lstStyle/>
+          <a:p>
+            <a:r>
+              <a:rPr lang="en-US" dirty="0" smtClean="0"/>
+              <a:t>Options for Sensitivity Item 2</a:t>
+            </a:r>
+            <a:endParaRPr lang="en-US" dirty="0"/>
+          </a:p>
+        </p:txBody>
+      </p:sp>
+      <p:sp>
+        <p:nvSpPr>
+          <p:cNvPr id="3" name="Content Placeholder 2"/>
+          <p:cNvSpPr>
+            <a:spLocks noGrp="1"/>
+          </p:cNvSpPr>
+          <p:nvPr>
+            <p:ph idx="1"/>
+          </p:nvPr>
+        </p:nvSpPr>
+        <p:spPr/>
+        <p:txBody>
+          <a:bodyPr/>
+          <a:lstStyle/>
+          <a:p>
+            <a:pPr marL="514350" indent="-514350">
+              <a:buFont typeface="+mj-lt"/>
+              <a:buAutoNum type="arabicPeriod"/>
+            </a:pPr>
+            <a:r>
+              <a:rPr lang="en-US" dirty="0" smtClean="0"/>
+              <a:t>Look at the estimated initial F and the confidence interval. Pick the 25</a:t>
+            </a:r>
+            <a:r>
+              <a:rPr lang="en-US" baseline="30000" dirty="0" smtClean="0"/>
+              <a:t>th</a:t>
+            </a:r>
+            <a:r>
+              <a:rPr lang="en-US" dirty="0" smtClean="0"/>
+              <a:t> and 75</a:t>
+            </a:r>
+            <a:r>
+              <a:rPr lang="en-US" baseline="30000" dirty="0" smtClean="0"/>
+              <a:t>th</a:t>
+            </a:r>
+            <a:r>
+              <a:rPr lang="en-US" dirty="0" smtClean="0"/>
+              <a:t> value of the distribution and fix them at those values in estimation model</a:t>
+            </a:r>
+            <a:endParaRPr lang="en-US" strike="sngStrike" dirty="0"/>
+          </a:p>
+        </p:txBody>
+      </p:sp>
+    </p:spTree>
+    <p:extLst>
+      <p:ext uri="{BB962C8B-B14F-4D97-AF65-F5344CB8AC3E}">
+        <p14:creationId xmlns:p14="http://schemas.microsoft.com/office/powerpoint/2010/main" val="399200767"/>
+      </p:ext>
+    </p:extLst>
+  </p:cSld>
+  <p:clrMapOvr>
+    <a:masterClrMapping/>
+  </p:clrMapOvr>
+</p:sld>
+</file>
+
+<file path=ppt/slides/slide37.xml><?xml version="1.0" encoding="utf-8"?>
+<p:sld xmlns:a="http://schemas.openxmlformats.org/drawingml/2006/main" xmlns:r="http://schemas.openxmlformats.org/officeDocument/2006/relationships" xmlns:p="http://schemas.openxmlformats.org/presentationml/2006/main">
+  <p:cSld>
+    <p:spTree>
+      <p:nvGrpSpPr>
+        <p:cNvPr id="1" name=""/>
+        <p:cNvGrpSpPr/>
+        <p:nvPr/>
+      </p:nvGrpSpPr>
+      <p:grpSpPr>
+        <a:xfrm>
+          <a:off x="0" y="0"/>
+          <a:ext cx="0" cy="0"/>
+          <a:chOff x="0" y="0"/>
+          <a:chExt cx="0" cy="0"/>
+        </a:xfrm>
+      </p:grpSpPr>
+      <p:sp>
+        <p:nvSpPr>
+          <p:cNvPr id="4" name="Title 3"/>
+          <p:cNvSpPr>
+            <a:spLocks noGrp="1"/>
+          </p:cNvSpPr>
+          <p:nvPr>
+            <p:ph type="title"/>
+          </p:nvPr>
+        </p:nvSpPr>
+        <p:spPr/>
+        <p:txBody>
+          <a:bodyPr/>
+          <a:lstStyle/>
+          <a:p>
+            <a:r>
+              <a:rPr lang="en-US" dirty="0" smtClean="0"/>
+              <a:t>Run 39</a:t>
+            </a:r>
+            <a:endParaRPr lang="en-US" dirty="0"/>
+          </a:p>
+        </p:txBody>
+      </p:sp>
+      <p:sp>
+        <p:nvSpPr>
+          <p:cNvPr id="5" name="Text Placeholder 4"/>
+          <p:cNvSpPr>
+            <a:spLocks noGrp="1"/>
+          </p:cNvSpPr>
+          <p:nvPr>
+            <p:ph type="body" idx="1"/>
+          </p:nvPr>
+        </p:nvSpPr>
+        <p:spPr/>
+        <p:txBody>
+          <a:bodyPr/>
+          <a:lstStyle/>
+          <a:p>
+            <a:r>
+              <a:rPr lang="en-US" dirty="0" smtClean="0"/>
+              <a:t>Run 34</a:t>
+            </a:r>
+            <a:endParaRPr lang="en-US" dirty="0"/>
+          </a:p>
+        </p:txBody>
+      </p:sp>
+      <p:sp>
+        <p:nvSpPr>
+          <p:cNvPr id="6" name="Content Placeholder 5"/>
+          <p:cNvSpPr>
+            <a:spLocks noGrp="1"/>
+          </p:cNvSpPr>
+          <p:nvPr>
+            <p:ph sz="half" idx="2"/>
+          </p:nvPr>
+        </p:nvSpPr>
+        <p:spPr/>
+        <p:txBody>
+          <a:bodyPr>
+            <a:normAutofit/>
+          </a:bodyPr>
+          <a:lstStyle/>
+          <a:p>
+            <a:r>
+              <a:rPr lang="en-US" dirty="0" smtClean="0"/>
+              <a:t>Initial F estimated at XXX</a:t>
+            </a:r>
+            <a:endParaRPr lang="en-US" dirty="0" smtClean="0">
+              <a:solidFill>
+                <a:schemeClr val="accent4">
+                  <a:lumMod val="75000"/>
+                </a:schemeClr>
+              </a:solidFill>
+            </a:endParaRPr>
+          </a:p>
+        </p:txBody>
+      </p:sp>
+      <p:sp>
+        <p:nvSpPr>
+          <p:cNvPr id="7" name="Text Placeholder 6"/>
+          <p:cNvSpPr>
+            <a:spLocks noGrp="1"/>
+          </p:cNvSpPr>
+          <p:nvPr>
+            <p:ph type="body" sz="quarter" idx="3"/>
+          </p:nvPr>
+        </p:nvSpPr>
+        <p:spPr>
+          <a:xfrm>
+            <a:off x="6172200" y="2053525"/>
+            <a:ext cx="1390973" cy="451550"/>
+          </a:xfrm>
+        </p:spPr>
+        <p:txBody>
+          <a:bodyPr/>
+          <a:lstStyle/>
+          <a:p>
+            <a:r>
+              <a:rPr lang="en-US" dirty="0" smtClean="0"/>
+              <a:t>Run 39</a:t>
+            </a:r>
+            <a:endParaRPr lang="en-US" dirty="0"/>
+          </a:p>
+        </p:txBody>
+      </p:sp>
+      <p:sp>
+        <p:nvSpPr>
+          <p:cNvPr id="8" name="Content Placeholder 7"/>
+          <p:cNvSpPr>
+            <a:spLocks noGrp="1"/>
+          </p:cNvSpPr>
+          <p:nvPr>
+            <p:ph sz="quarter" idx="4"/>
+          </p:nvPr>
+        </p:nvSpPr>
+        <p:spPr>
+          <a:xfrm>
+            <a:off x="6172200" y="2505075"/>
+            <a:ext cx="2728866" cy="501651"/>
+          </a:xfrm>
+        </p:spPr>
+        <p:txBody>
+          <a:bodyPr>
+            <a:normAutofit/>
+          </a:bodyPr>
+          <a:lstStyle/>
+          <a:p>
+            <a:r>
+              <a:rPr lang="en-US" dirty="0" smtClean="0"/>
+              <a:t>F fixed at XXX</a:t>
+            </a:r>
+            <a:endParaRPr lang="en-US" dirty="0" smtClean="0">
+              <a:solidFill>
+                <a:schemeClr val="accent4">
+                  <a:lumMod val="75000"/>
+                </a:schemeClr>
+              </a:solidFill>
+            </a:endParaRPr>
+          </a:p>
+        </p:txBody>
+      </p:sp>
+      <p:sp>
+        <p:nvSpPr>
+          <p:cNvPr id="9" name="Text Placeholder 6"/>
+          <p:cNvSpPr txBox="1">
+            <a:spLocks/>
+          </p:cNvSpPr>
+          <p:nvPr/>
+        </p:nvSpPr>
+        <p:spPr>
+          <a:xfrm>
+            <a:off x="6172200" y="3319462"/>
+            <a:ext cx="1390973" cy="451550"/>
+          </a:xfrm>
+          <a:prstGeom prst="rect">
+            <a:avLst/>
+          </a:prstGeom>
+        </p:spPr>
+        <p:txBody>
+          <a:bodyPr vert="horz" lIns="91440" tIns="45720" rIns="91440" bIns="45720" rtlCol="0" anchor="b">
+            <a:normAutofit/>
+          </a:bodyPr>
+          <a:lstStyle>
+            <a:lvl1pPr marL="0" indent="0" algn="l" defTabSz="914400" rtl="0" eaLnBrk="1" latinLnBrk="0" hangingPunct="1">
+              <a:lnSpc>
+                <a:spcPct val="90000"/>
+              </a:lnSpc>
+              <a:spcBef>
+                <a:spcPts val="1000"/>
+              </a:spcBef>
+              <a:buFont typeface="Arial" panose="020B0604020202020204" pitchFamily="34" charset="0"/>
+              <a:buNone/>
+              <a:defRPr sz="2400" b="1" kern="1200">
+                <a:solidFill>
+                  <a:schemeClr val="tx1"/>
+                </a:solidFill>
+                <a:latin typeface="+mn-lt"/>
+                <a:ea typeface="+mn-ea"/>
+                <a:cs typeface="+mn-cs"/>
+              </a:defRPr>
+            </a:lvl1pPr>
+            <a:lvl2pPr marL="457200" indent="0" algn="l" defTabSz="914400" rtl="0" eaLnBrk="1" latinLnBrk="0" hangingPunct="1">
+              <a:lnSpc>
+                <a:spcPct val="90000"/>
+              </a:lnSpc>
+              <a:spcBef>
+                <a:spcPts val="500"/>
+              </a:spcBef>
+              <a:buFont typeface="Arial" panose="020B0604020202020204" pitchFamily="34" charset="0"/>
+              <a:buNone/>
+              <a:defRPr sz="2000" b="1" kern="1200">
+                <a:solidFill>
+                  <a:schemeClr val="tx1"/>
+                </a:solidFill>
+                <a:latin typeface="+mn-lt"/>
+                <a:ea typeface="+mn-ea"/>
+                <a:cs typeface="+mn-cs"/>
+              </a:defRPr>
+            </a:lvl2pPr>
+            <a:lvl3pPr marL="914400" indent="0" algn="l" defTabSz="914400" rtl="0" eaLnBrk="1" latinLnBrk="0" hangingPunct="1">
+              <a:lnSpc>
+                <a:spcPct val="90000"/>
+              </a:lnSpc>
+              <a:spcBef>
+                <a:spcPts val="500"/>
+              </a:spcBef>
+              <a:buFont typeface="Arial" panose="020B0604020202020204" pitchFamily="34" charset="0"/>
+              <a:buNone/>
+              <a:defRPr sz="1800" b="1" kern="1200">
+                <a:solidFill>
+                  <a:schemeClr val="tx1"/>
+                </a:solidFill>
+                <a:latin typeface="+mn-lt"/>
+                <a:ea typeface="+mn-ea"/>
+                <a:cs typeface="+mn-cs"/>
+              </a:defRPr>
+            </a:lvl3pPr>
+            <a:lvl4pPr marL="1371600" indent="0" algn="l" defTabSz="914400" rtl="0" eaLnBrk="1" latinLnBrk="0" hangingPunct="1">
+              <a:lnSpc>
+                <a:spcPct val="90000"/>
+              </a:lnSpc>
+              <a:spcBef>
+                <a:spcPts val="500"/>
+              </a:spcBef>
+              <a:buFont typeface="Arial" panose="020B0604020202020204" pitchFamily="34" charset="0"/>
+              <a:buNone/>
+              <a:defRPr sz="1600" b="1" kern="1200">
+                <a:solidFill>
+                  <a:schemeClr val="tx1"/>
+                </a:solidFill>
+                <a:latin typeface="+mn-lt"/>
+                <a:ea typeface="+mn-ea"/>
+                <a:cs typeface="+mn-cs"/>
+              </a:defRPr>
+            </a:lvl4pPr>
+            <a:lvl5pPr marL="1828800" indent="0" algn="l" defTabSz="914400" rtl="0" eaLnBrk="1" latinLnBrk="0" hangingPunct="1">
+              <a:lnSpc>
+                <a:spcPct val="90000"/>
+              </a:lnSpc>
+              <a:spcBef>
+                <a:spcPts val="500"/>
+              </a:spcBef>
+              <a:buFont typeface="Arial" panose="020B0604020202020204" pitchFamily="34" charset="0"/>
+              <a:buNone/>
+              <a:defRPr sz="1600" b="1" kern="1200">
+                <a:solidFill>
+                  <a:schemeClr val="tx1"/>
+                </a:solidFill>
+                <a:latin typeface="+mn-lt"/>
+                <a:ea typeface="+mn-ea"/>
+                <a:cs typeface="+mn-cs"/>
+              </a:defRPr>
+            </a:lvl5pPr>
+            <a:lvl6pPr marL="2286000" indent="0" algn="l" defTabSz="914400" rtl="0" eaLnBrk="1" latinLnBrk="0" hangingPunct="1">
+              <a:lnSpc>
+                <a:spcPct val="90000"/>
+              </a:lnSpc>
+              <a:spcBef>
+                <a:spcPts val="500"/>
+              </a:spcBef>
+              <a:buFont typeface="Arial" panose="020B0604020202020204" pitchFamily="34" charset="0"/>
+              <a:buNone/>
+              <a:defRPr sz="1600" b="1" kern="1200">
+                <a:solidFill>
+                  <a:schemeClr val="tx1"/>
+                </a:solidFill>
+                <a:latin typeface="+mn-lt"/>
+                <a:ea typeface="+mn-ea"/>
+                <a:cs typeface="+mn-cs"/>
+              </a:defRPr>
+            </a:lvl6pPr>
+            <a:lvl7pPr marL="2743200" indent="0" algn="l" defTabSz="914400" rtl="0" eaLnBrk="1" latinLnBrk="0" hangingPunct="1">
+              <a:lnSpc>
+                <a:spcPct val="90000"/>
+              </a:lnSpc>
+              <a:spcBef>
+                <a:spcPts val="500"/>
+              </a:spcBef>
+              <a:buFont typeface="Arial" panose="020B0604020202020204" pitchFamily="34" charset="0"/>
+              <a:buNone/>
+              <a:defRPr sz="1600" b="1" kern="1200">
+                <a:solidFill>
+                  <a:schemeClr val="tx1"/>
+                </a:solidFill>
+                <a:latin typeface="+mn-lt"/>
+                <a:ea typeface="+mn-ea"/>
+                <a:cs typeface="+mn-cs"/>
+              </a:defRPr>
+            </a:lvl7pPr>
+            <a:lvl8pPr marL="3200400" indent="0" algn="l" defTabSz="914400" rtl="0" eaLnBrk="1" latinLnBrk="0" hangingPunct="1">
+              <a:lnSpc>
+                <a:spcPct val="90000"/>
+              </a:lnSpc>
+              <a:spcBef>
+                <a:spcPts val="500"/>
+              </a:spcBef>
+              <a:buFont typeface="Arial" panose="020B0604020202020204" pitchFamily="34" charset="0"/>
+              <a:buNone/>
+              <a:defRPr sz="1600" b="1" kern="1200">
+                <a:solidFill>
+                  <a:schemeClr val="tx1"/>
+                </a:solidFill>
+                <a:latin typeface="+mn-lt"/>
+                <a:ea typeface="+mn-ea"/>
+                <a:cs typeface="+mn-cs"/>
+              </a:defRPr>
+            </a:lvl8pPr>
+            <a:lvl9pPr marL="3657600" indent="0" algn="l" defTabSz="914400" rtl="0" eaLnBrk="1" latinLnBrk="0" hangingPunct="1">
+              <a:lnSpc>
+                <a:spcPct val="90000"/>
+              </a:lnSpc>
+              <a:spcBef>
+                <a:spcPts val="500"/>
+              </a:spcBef>
+              <a:buFont typeface="Arial" panose="020B0604020202020204" pitchFamily="34" charset="0"/>
+              <a:buNone/>
+              <a:defRPr sz="1600" b="1" kern="1200">
+                <a:solidFill>
+                  <a:schemeClr val="tx1"/>
+                </a:solidFill>
+                <a:latin typeface="+mn-lt"/>
+                <a:ea typeface="+mn-ea"/>
+                <a:cs typeface="+mn-cs"/>
+              </a:defRPr>
+            </a:lvl9pPr>
+          </a:lstStyle>
+          <a:p>
+            <a:r>
+              <a:rPr lang="en-US" dirty="0" smtClean="0"/>
+              <a:t>Run 40</a:t>
+            </a:r>
+            <a:endParaRPr lang="en-US" dirty="0"/>
+          </a:p>
+        </p:txBody>
+      </p:sp>
+      <p:sp>
+        <p:nvSpPr>
+          <p:cNvPr id="11" name="Content Placeholder 7"/>
+          <p:cNvSpPr txBox="1">
+            <a:spLocks/>
+          </p:cNvSpPr>
+          <p:nvPr/>
+        </p:nvSpPr>
+        <p:spPr>
+          <a:xfrm>
+            <a:off x="6172199" y="3771012"/>
+            <a:ext cx="3490993" cy="501651"/>
+          </a:xfrm>
+          <a:prstGeom prst="rect">
+            <a:avLst/>
+          </a:prstGeom>
+        </p:spPr>
+        <p:txBody>
+          <a:bodyPr vert="horz" lIns="91440" tIns="45720" rIns="91440" bIns="45720" rtlCol="0">
+            <a:normAutofit fontScale="92500"/>
+          </a:bodyPr>
+          <a:lstStyle>
+            <a:lvl1pPr marL="228600" indent="-228600" algn="l" defTabSz="914400" rtl="0" eaLnBrk="1" latinLnBrk="0" hangingPunct="1">
+              <a:lnSpc>
+                <a:spcPct val="90000"/>
+              </a:lnSpc>
+              <a:spcBef>
+                <a:spcPts val="1000"/>
+              </a:spcBef>
+              <a:buFont typeface="Arial" panose="020B0604020202020204" pitchFamily="34" charset="0"/>
+              <a:buChar char="•"/>
+              <a:defRPr sz="2800" kern="1200">
+                <a:solidFill>
+                  <a:schemeClr val="tx1"/>
+                </a:solidFill>
+                <a:latin typeface="+mn-lt"/>
+                <a:ea typeface="+mn-ea"/>
+                <a:cs typeface="+mn-cs"/>
+              </a:defRPr>
+            </a:lvl1pPr>
+            <a:lvl2pPr marL="685800" indent="-228600" algn="l" defTabSz="914400" rtl="0" eaLnBrk="1" latinLnBrk="0" hangingPunct="1">
+              <a:lnSpc>
+                <a:spcPct val="90000"/>
+              </a:lnSpc>
+              <a:spcBef>
+                <a:spcPts val="500"/>
+              </a:spcBef>
+              <a:buFont typeface="Arial" panose="020B0604020202020204" pitchFamily="34" charset="0"/>
+              <a:buChar char="•"/>
+              <a:defRPr sz="2400" kern="1200">
+                <a:solidFill>
+                  <a:schemeClr val="tx1"/>
+                </a:solidFill>
+                <a:latin typeface="+mn-lt"/>
+                <a:ea typeface="+mn-ea"/>
+                <a:cs typeface="+mn-cs"/>
+              </a:defRPr>
+            </a:lvl2pPr>
+            <a:lvl3pPr marL="1143000" indent="-228600" algn="l" defTabSz="914400" rtl="0" eaLnBrk="1" latinLnBrk="0" hangingPunct="1">
+              <a:lnSpc>
+                <a:spcPct val="90000"/>
+              </a:lnSpc>
+              <a:spcBef>
+                <a:spcPts val="500"/>
+              </a:spcBef>
+              <a:buFont typeface="Arial" panose="020B0604020202020204" pitchFamily="34" charset="0"/>
+              <a:buChar char="•"/>
+              <a:defRPr sz="2000" kern="1200">
+                <a:solidFill>
+                  <a:schemeClr val="tx1"/>
+                </a:solidFill>
+                <a:latin typeface="+mn-lt"/>
+                <a:ea typeface="+mn-ea"/>
+                <a:cs typeface="+mn-cs"/>
+              </a:defRPr>
+            </a:lvl3pPr>
+            <a:lvl4pPr marL="1600200" indent="-228600" algn="l" defTabSz="914400" rtl="0" eaLnBrk="1" latinLnBrk="0" hangingPunct="1">
+              <a:lnSpc>
+                <a:spcPct val="90000"/>
+              </a:lnSpc>
+              <a:spcBef>
+                <a:spcPts val="500"/>
+              </a:spcBef>
+              <a:buFont typeface="Arial" panose="020B0604020202020204" pitchFamily="34" charset="0"/>
+              <a:buChar char="•"/>
+              <a:defRPr sz="1800" kern="1200">
+                <a:solidFill>
+                  <a:schemeClr val="tx1"/>
+                </a:solidFill>
+                <a:latin typeface="+mn-lt"/>
+                <a:ea typeface="+mn-ea"/>
+                <a:cs typeface="+mn-cs"/>
+              </a:defRPr>
+            </a:lvl4pPr>
+            <a:lvl5pPr marL="2057400" indent="-228600" algn="l" defTabSz="914400" rtl="0" eaLnBrk="1" latinLnBrk="0" hangingPunct="1">
+              <a:lnSpc>
+                <a:spcPct val="90000"/>
+              </a:lnSpc>
+              <a:spcBef>
+                <a:spcPts val="500"/>
+              </a:spcBef>
+              <a:buFont typeface="Arial" panose="020B0604020202020204" pitchFamily="34" charset="0"/>
+              <a:buChar char="•"/>
+              <a:defRPr sz="1800" kern="1200">
+                <a:solidFill>
+                  <a:schemeClr val="tx1"/>
+                </a:solidFill>
+                <a:latin typeface="+mn-lt"/>
+                <a:ea typeface="+mn-ea"/>
+                <a:cs typeface="+mn-cs"/>
+              </a:defRPr>
+            </a:lvl5pPr>
+            <a:lvl6pPr marL="2514600" indent="-228600" algn="l" defTabSz="914400" rtl="0" eaLnBrk="1" latinLnBrk="0" hangingPunct="1">
+              <a:lnSpc>
+                <a:spcPct val="90000"/>
+              </a:lnSpc>
+              <a:spcBef>
+                <a:spcPts val="500"/>
+              </a:spcBef>
+              <a:buFont typeface="Arial" panose="020B0604020202020204" pitchFamily="34" charset="0"/>
+              <a:buChar char="•"/>
+              <a:defRPr sz="1800" kern="1200">
+                <a:solidFill>
+                  <a:schemeClr val="tx1"/>
+                </a:solidFill>
+                <a:latin typeface="+mn-lt"/>
+                <a:ea typeface="+mn-ea"/>
+                <a:cs typeface="+mn-cs"/>
+              </a:defRPr>
+            </a:lvl6pPr>
+            <a:lvl7pPr marL="2971800" indent="-228600" algn="l" defTabSz="914400" rtl="0" eaLnBrk="1" latinLnBrk="0" hangingPunct="1">
+              <a:lnSpc>
+                <a:spcPct val="90000"/>
+              </a:lnSpc>
+              <a:spcBef>
+                <a:spcPts val="500"/>
+              </a:spcBef>
+              <a:buFont typeface="Arial" panose="020B0604020202020204" pitchFamily="34" charset="0"/>
+              <a:buChar char="•"/>
+              <a:defRPr sz="1800" kern="1200">
+                <a:solidFill>
+                  <a:schemeClr val="tx1"/>
+                </a:solidFill>
+                <a:latin typeface="+mn-lt"/>
+                <a:ea typeface="+mn-ea"/>
+                <a:cs typeface="+mn-cs"/>
+              </a:defRPr>
+            </a:lvl7pPr>
+            <a:lvl8pPr marL="3429000" indent="-228600" algn="l" defTabSz="914400" rtl="0" eaLnBrk="1" latinLnBrk="0" hangingPunct="1">
+              <a:lnSpc>
+                <a:spcPct val="90000"/>
+              </a:lnSpc>
+              <a:spcBef>
+                <a:spcPts val="500"/>
+              </a:spcBef>
+              <a:buFont typeface="Arial" panose="020B0604020202020204" pitchFamily="34" charset="0"/>
+              <a:buChar char="•"/>
+              <a:defRPr sz="1800" kern="1200">
+                <a:solidFill>
+                  <a:schemeClr val="tx1"/>
+                </a:solidFill>
+                <a:latin typeface="+mn-lt"/>
+                <a:ea typeface="+mn-ea"/>
+                <a:cs typeface="+mn-cs"/>
+              </a:defRPr>
+            </a:lvl8pPr>
+            <a:lvl9pPr marL="3886200" indent="-228600" algn="l" defTabSz="914400" rtl="0" eaLnBrk="1" latinLnBrk="0" hangingPunct="1">
+              <a:lnSpc>
+                <a:spcPct val="90000"/>
+              </a:lnSpc>
+              <a:spcBef>
+                <a:spcPts val="500"/>
+              </a:spcBef>
+              <a:buFont typeface="Arial" panose="020B0604020202020204" pitchFamily="34" charset="0"/>
+              <a:buChar char="•"/>
+              <a:defRPr sz="1800" kern="1200">
+                <a:solidFill>
+                  <a:schemeClr val="tx1"/>
+                </a:solidFill>
+                <a:latin typeface="+mn-lt"/>
+                <a:ea typeface="+mn-ea"/>
+                <a:cs typeface="+mn-cs"/>
+              </a:defRPr>
+            </a:lvl9pPr>
+          </a:lstStyle>
+          <a:p>
+            <a:r>
+              <a:rPr lang="en-US" dirty="0" smtClean="0"/>
+              <a:t>F fixed at 25% CI Value</a:t>
+            </a:r>
+            <a:endParaRPr lang="en-US" dirty="0" smtClean="0">
+              <a:solidFill>
+                <a:schemeClr val="accent4">
+                  <a:lumMod val="75000"/>
+                </a:schemeClr>
+              </a:solidFill>
+            </a:endParaRPr>
+          </a:p>
+        </p:txBody>
+      </p:sp>
+      <p:sp>
+        <p:nvSpPr>
+          <p:cNvPr id="16" name="Text Placeholder 6"/>
+          <p:cNvSpPr txBox="1">
+            <a:spLocks/>
+          </p:cNvSpPr>
+          <p:nvPr/>
+        </p:nvSpPr>
+        <p:spPr>
+          <a:xfrm>
+            <a:off x="6172200" y="4585399"/>
+            <a:ext cx="1390973" cy="451550"/>
+          </a:xfrm>
+          <a:prstGeom prst="rect">
+            <a:avLst/>
+          </a:prstGeom>
+        </p:spPr>
+        <p:txBody>
+          <a:bodyPr vert="horz" lIns="91440" tIns="45720" rIns="91440" bIns="45720" rtlCol="0" anchor="b">
+            <a:normAutofit/>
+          </a:bodyPr>
+          <a:lstStyle>
+            <a:lvl1pPr marL="0" indent="0" algn="l" defTabSz="914400" rtl="0" eaLnBrk="1" latinLnBrk="0" hangingPunct="1">
+              <a:lnSpc>
+                <a:spcPct val="90000"/>
+              </a:lnSpc>
+              <a:spcBef>
+                <a:spcPts val="1000"/>
+              </a:spcBef>
+              <a:buFont typeface="Arial" panose="020B0604020202020204" pitchFamily="34" charset="0"/>
+              <a:buNone/>
+              <a:defRPr sz="2400" b="1" kern="1200">
+                <a:solidFill>
+                  <a:schemeClr val="tx1"/>
+                </a:solidFill>
+                <a:latin typeface="+mn-lt"/>
+                <a:ea typeface="+mn-ea"/>
+                <a:cs typeface="+mn-cs"/>
+              </a:defRPr>
+            </a:lvl1pPr>
+            <a:lvl2pPr marL="457200" indent="0" algn="l" defTabSz="914400" rtl="0" eaLnBrk="1" latinLnBrk="0" hangingPunct="1">
+              <a:lnSpc>
+                <a:spcPct val="90000"/>
+              </a:lnSpc>
+              <a:spcBef>
+                <a:spcPts val="500"/>
+              </a:spcBef>
+              <a:buFont typeface="Arial" panose="020B0604020202020204" pitchFamily="34" charset="0"/>
+              <a:buNone/>
+              <a:defRPr sz="2000" b="1" kern="1200">
+                <a:solidFill>
+                  <a:schemeClr val="tx1"/>
+                </a:solidFill>
+                <a:latin typeface="+mn-lt"/>
+                <a:ea typeface="+mn-ea"/>
+                <a:cs typeface="+mn-cs"/>
+              </a:defRPr>
+            </a:lvl2pPr>
+            <a:lvl3pPr marL="914400" indent="0" algn="l" defTabSz="914400" rtl="0" eaLnBrk="1" latinLnBrk="0" hangingPunct="1">
+              <a:lnSpc>
+                <a:spcPct val="90000"/>
+              </a:lnSpc>
+              <a:spcBef>
+                <a:spcPts val="500"/>
+              </a:spcBef>
+              <a:buFont typeface="Arial" panose="020B0604020202020204" pitchFamily="34" charset="0"/>
+              <a:buNone/>
+              <a:defRPr sz="1800" b="1" kern="1200">
+                <a:solidFill>
+                  <a:schemeClr val="tx1"/>
+                </a:solidFill>
+                <a:latin typeface="+mn-lt"/>
+                <a:ea typeface="+mn-ea"/>
+                <a:cs typeface="+mn-cs"/>
+              </a:defRPr>
+            </a:lvl3pPr>
+            <a:lvl4pPr marL="1371600" indent="0" algn="l" defTabSz="914400" rtl="0" eaLnBrk="1" latinLnBrk="0" hangingPunct="1">
+              <a:lnSpc>
+                <a:spcPct val="90000"/>
+              </a:lnSpc>
+              <a:spcBef>
+                <a:spcPts val="500"/>
+              </a:spcBef>
+              <a:buFont typeface="Arial" panose="020B0604020202020204" pitchFamily="34" charset="0"/>
+              <a:buNone/>
+              <a:defRPr sz="1600" b="1" kern="1200">
+                <a:solidFill>
+                  <a:schemeClr val="tx1"/>
+                </a:solidFill>
+                <a:latin typeface="+mn-lt"/>
+                <a:ea typeface="+mn-ea"/>
+                <a:cs typeface="+mn-cs"/>
+              </a:defRPr>
+            </a:lvl4pPr>
+            <a:lvl5pPr marL="1828800" indent="0" algn="l" defTabSz="914400" rtl="0" eaLnBrk="1" latinLnBrk="0" hangingPunct="1">
+              <a:lnSpc>
+                <a:spcPct val="90000"/>
+              </a:lnSpc>
+              <a:spcBef>
+                <a:spcPts val="500"/>
+              </a:spcBef>
+              <a:buFont typeface="Arial" panose="020B0604020202020204" pitchFamily="34" charset="0"/>
+              <a:buNone/>
+              <a:defRPr sz="1600" b="1" kern="1200">
+                <a:solidFill>
+                  <a:schemeClr val="tx1"/>
+                </a:solidFill>
+                <a:latin typeface="+mn-lt"/>
+                <a:ea typeface="+mn-ea"/>
+                <a:cs typeface="+mn-cs"/>
+              </a:defRPr>
+            </a:lvl5pPr>
+            <a:lvl6pPr marL="2286000" indent="0" algn="l" defTabSz="914400" rtl="0" eaLnBrk="1" latinLnBrk="0" hangingPunct="1">
+              <a:lnSpc>
+                <a:spcPct val="90000"/>
+              </a:lnSpc>
+              <a:spcBef>
+                <a:spcPts val="500"/>
+              </a:spcBef>
+              <a:buFont typeface="Arial" panose="020B0604020202020204" pitchFamily="34" charset="0"/>
+              <a:buNone/>
+              <a:defRPr sz="1600" b="1" kern="1200">
+                <a:solidFill>
+                  <a:schemeClr val="tx1"/>
+                </a:solidFill>
+                <a:latin typeface="+mn-lt"/>
+                <a:ea typeface="+mn-ea"/>
+                <a:cs typeface="+mn-cs"/>
+              </a:defRPr>
+            </a:lvl6pPr>
+            <a:lvl7pPr marL="2743200" indent="0" algn="l" defTabSz="914400" rtl="0" eaLnBrk="1" latinLnBrk="0" hangingPunct="1">
+              <a:lnSpc>
+                <a:spcPct val="90000"/>
+              </a:lnSpc>
+              <a:spcBef>
+                <a:spcPts val="500"/>
+              </a:spcBef>
+              <a:buFont typeface="Arial" panose="020B0604020202020204" pitchFamily="34" charset="0"/>
+              <a:buNone/>
+              <a:defRPr sz="1600" b="1" kern="1200">
+                <a:solidFill>
+                  <a:schemeClr val="tx1"/>
+                </a:solidFill>
+                <a:latin typeface="+mn-lt"/>
+                <a:ea typeface="+mn-ea"/>
+                <a:cs typeface="+mn-cs"/>
+              </a:defRPr>
+            </a:lvl7pPr>
+            <a:lvl8pPr marL="3200400" indent="0" algn="l" defTabSz="914400" rtl="0" eaLnBrk="1" latinLnBrk="0" hangingPunct="1">
+              <a:lnSpc>
+                <a:spcPct val="90000"/>
+              </a:lnSpc>
+              <a:spcBef>
+                <a:spcPts val="500"/>
+              </a:spcBef>
+              <a:buFont typeface="Arial" panose="020B0604020202020204" pitchFamily="34" charset="0"/>
+              <a:buNone/>
+              <a:defRPr sz="1600" b="1" kern="1200">
+                <a:solidFill>
+                  <a:schemeClr val="tx1"/>
+                </a:solidFill>
+                <a:latin typeface="+mn-lt"/>
+                <a:ea typeface="+mn-ea"/>
+                <a:cs typeface="+mn-cs"/>
+              </a:defRPr>
+            </a:lvl8pPr>
+            <a:lvl9pPr marL="3657600" indent="0" algn="l" defTabSz="914400" rtl="0" eaLnBrk="1" latinLnBrk="0" hangingPunct="1">
+              <a:lnSpc>
+                <a:spcPct val="90000"/>
+              </a:lnSpc>
+              <a:spcBef>
+                <a:spcPts val="500"/>
+              </a:spcBef>
+              <a:buFont typeface="Arial" panose="020B0604020202020204" pitchFamily="34" charset="0"/>
+              <a:buNone/>
+              <a:defRPr sz="1600" b="1" kern="1200">
+                <a:solidFill>
+                  <a:schemeClr val="tx1"/>
+                </a:solidFill>
+                <a:latin typeface="+mn-lt"/>
+                <a:ea typeface="+mn-ea"/>
+                <a:cs typeface="+mn-cs"/>
+              </a:defRPr>
+            </a:lvl9pPr>
+          </a:lstStyle>
+          <a:p>
+            <a:r>
+              <a:rPr lang="en-US" dirty="0" smtClean="0"/>
+              <a:t>Run 41</a:t>
+            </a:r>
+            <a:endParaRPr lang="en-US" dirty="0"/>
+          </a:p>
+        </p:txBody>
+      </p:sp>
+      <p:sp>
+        <p:nvSpPr>
+          <p:cNvPr id="17" name="Content Placeholder 7"/>
+          <p:cNvSpPr txBox="1">
+            <a:spLocks/>
+          </p:cNvSpPr>
+          <p:nvPr/>
+        </p:nvSpPr>
+        <p:spPr>
+          <a:xfrm>
+            <a:off x="6172199" y="5036949"/>
+            <a:ext cx="3490993" cy="501651"/>
+          </a:xfrm>
+          <a:prstGeom prst="rect">
+            <a:avLst/>
+          </a:prstGeom>
+        </p:spPr>
+        <p:txBody>
+          <a:bodyPr vert="horz" lIns="91440" tIns="45720" rIns="91440" bIns="45720" rtlCol="0">
+            <a:normAutofit fontScale="92500"/>
+          </a:bodyPr>
+          <a:lstStyle>
+            <a:lvl1pPr marL="228600" indent="-228600" algn="l" defTabSz="914400" rtl="0" eaLnBrk="1" latinLnBrk="0" hangingPunct="1">
+              <a:lnSpc>
+                <a:spcPct val="90000"/>
+              </a:lnSpc>
+              <a:spcBef>
+                <a:spcPts val="1000"/>
+              </a:spcBef>
+              <a:buFont typeface="Arial" panose="020B0604020202020204" pitchFamily="34" charset="0"/>
+              <a:buChar char="•"/>
+              <a:defRPr sz="2800" kern="1200">
+                <a:solidFill>
+                  <a:schemeClr val="tx1"/>
+                </a:solidFill>
+                <a:latin typeface="+mn-lt"/>
+                <a:ea typeface="+mn-ea"/>
+                <a:cs typeface="+mn-cs"/>
+              </a:defRPr>
+            </a:lvl1pPr>
+            <a:lvl2pPr marL="685800" indent="-228600" algn="l" defTabSz="914400" rtl="0" eaLnBrk="1" latinLnBrk="0" hangingPunct="1">
+              <a:lnSpc>
+                <a:spcPct val="90000"/>
+              </a:lnSpc>
+              <a:spcBef>
+                <a:spcPts val="500"/>
+              </a:spcBef>
+              <a:buFont typeface="Arial" panose="020B0604020202020204" pitchFamily="34" charset="0"/>
+              <a:buChar char="•"/>
+              <a:defRPr sz="2400" kern="1200">
+                <a:solidFill>
+                  <a:schemeClr val="tx1"/>
+                </a:solidFill>
+                <a:latin typeface="+mn-lt"/>
+                <a:ea typeface="+mn-ea"/>
+                <a:cs typeface="+mn-cs"/>
+              </a:defRPr>
+            </a:lvl2pPr>
+            <a:lvl3pPr marL="1143000" indent="-228600" algn="l" defTabSz="914400" rtl="0" eaLnBrk="1" latinLnBrk="0" hangingPunct="1">
+              <a:lnSpc>
+                <a:spcPct val="90000"/>
+              </a:lnSpc>
+              <a:spcBef>
+                <a:spcPts val="500"/>
+              </a:spcBef>
+              <a:buFont typeface="Arial" panose="020B0604020202020204" pitchFamily="34" charset="0"/>
+              <a:buChar char="•"/>
+              <a:defRPr sz="2000" kern="1200">
+                <a:solidFill>
+                  <a:schemeClr val="tx1"/>
+                </a:solidFill>
+                <a:latin typeface="+mn-lt"/>
+                <a:ea typeface="+mn-ea"/>
+                <a:cs typeface="+mn-cs"/>
+              </a:defRPr>
+            </a:lvl3pPr>
+            <a:lvl4pPr marL="1600200" indent="-228600" algn="l" defTabSz="914400" rtl="0" eaLnBrk="1" latinLnBrk="0" hangingPunct="1">
+              <a:lnSpc>
+                <a:spcPct val="90000"/>
+              </a:lnSpc>
+              <a:spcBef>
+                <a:spcPts val="500"/>
+              </a:spcBef>
+              <a:buFont typeface="Arial" panose="020B0604020202020204" pitchFamily="34" charset="0"/>
+              <a:buChar char="•"/>
+              <a:defRPr sz="1800" kern="1200">
+                <a:solidFill>
+                  <a:schemeClr val="tx1"/>
+                </a:solidFill>
+                <a:latin typeface="+mn-lt"/>
+                <a:ea typeface="+mn-ea"/>
+                <a:cs typeface="+mn-cs"/>
+              </a:defRPr>
+            </a:lvl4pPr>
+            <a:lvl5pPr marL="2057400" indent="-228600" algn="l" defTabSz="914400" rtl="0" eaLnBrk="1" latinLnBrk="0" hangingPunct="1">
+              <a:lnSpc>
+                <a:spcPct val="90000"/>
+              </a:lnSpc>
+              <a:spcBef>
+                <a:spcPts val="500"/>
+              </a:spcBef>
+              <a:buFont typeface="Arial" panose="020B0604020202020204" pitchFamily="34" charset="0"/>
+              <a:buChar char="•"/>
+              <a:defRPr sz="1800" kern="1200">
+                <a:solidFill>
+                  <a:schemeClr val="tx1"/>
+                </a:solidFill>
+                <a:latin typeface="+mn-lt"/>
+                <a:ea typeface="+mn-ea"/>
+                <a:cs typeface="+mn-cs"/>
+              </a:defRPr>
+            </a:lvl5pPr>
+            <a:lvl6pPr marL="2514600" indent="-228600" algn="l" defTabSz="914400" rtl="0" eaLnBrk="1" latinLnBrk="0" hangingPunct="1">
+              <a:lnSpc>
+                <a:spcPct val="90000"/>
+              </a:lnSpc>
+              <a:spcBef>
+                <a:spcPts val="500"/>
+              </a:spcBef>
+              <a:buFont typeface="Arial" panose="020B0604020202020204" pitchFamily="34" charset="0"/>
+              <a:buChar char="•"/>
+              <a:defRPr sz="1800" kern="1200">
+                <a:solidFill>
+                  <a:schemeClr val="tx1"/>
+                </a:solidFill>
+                <a:latin typeface="+mn-lt"/>
+                <a:ea typeface="+mn-ea"/>
+                <a:cs typeface="+mn-cs"/>
+              </a:defRPr>
+            </a:lvl6pPr>
+            <a:lvl7pPr marL="2971800" indent="-228600" algn="l" defTabSz="914400" rtl="0" eaLnBrk="1" latinLnBrk="0" hangingPunct="1">
+              <a:lnSpc>
+                <a:spcPct val="90000"/>
+              </a:lnSpc>
+              <a:spcBef>
+                <a:spcPts val="500"/>
+              </a:spcBef>
+              <a:buFont typeface="Arial" panose="020B0604020202020204" pitchFamily="34" charset="0"/>
+              <a:buChar char="•"/>
+              <a:defRPr sz="1800" kern="1200">
+                <a:solidFill>
+                  <a:schemeClr val="tx1"/>
+                </a:solidFill>
+                <a:latin typeface="+mn-lt"/>
+                <a:ea typeface="+mn-ea"/>
+                <a:cs typeface="+mn-cs"/>
+              </a:defRPr>
+            </a:lvl7pPr>
+            <a:lvl8pPr marL="3429000" indent="-228600" algn="l" defTabSz="914400" rtl="0" eaLnBrk="1" latinLnBrk="0" hangingPunct="1">
+              <a:lnSpc>
+                <a:spcPct val="90000"/>
+              </a:lnSpc>
+              <a:spcBef>
+                <a:spcPts val="500"/>
+              </a:spcBef>
+              <a:buFont typeface="Arial" panose="020B0604020202020204" pitchFamily="34" charset="0"/>
+              <a:buChar char="•"/>
+              <a:defRPr sz="1800" kern="1200">
+                <a:solidFill>
+                  <a:schemeClr val="tx1"/>
+                </a:solidFill>
+                <a:latin typeface="+mn-lt"/>
+                <a:ea typeface="+mn-ea"/>
+                <a:cs typeface="+mn-cs"/>
+              </a:defRPr>
+            </a:lvl8pPr>
+            <a:lvl9pPr marL="3886200" indent="-228600" algn="l" defTabSz="914400" rtl="0" eaLnBrk="1" latinLnBrk="0" hangingPunct="1">
+              <a:lnSpc>
+                <a:spcPct val="90000"/>
+              </a:lnSpc>
+              <a:spcBef>
+                <a:spcPts val="500"/>
+              </a:spcBef>
+              <a:buFont typeface="Arial" panose="020B0604020202020204" pitchFamily="34" charset="0"/>
+              <a:buChar char="•"/>
+              <a:defRPr sz="1800" kern="1200">
+                <a:solidFill>
+                  <a:schemeClr val="tx1"/>
+                </a:solidFill>
+                <a:latin typeface="+mn-lt"/>
+                <a:ea typeface="+mn-ea"/>
+                <a:cs typeface="+mn-cs"/>
+              </a:defRPr>
+            </a:lvl9pPr>
+          </a:lstStyle>
+          <a:p>
+            <a:r>
+              <a:rPr lang="en-US" dirty="0" smtClean="0"/>
+              <a:t>F fixed at 75% CI Value</a:t>
+            </a:r>
+            <a:endParaRPr lang="en-US" dirty="0" smtClean="0">
+              <a:solidFill>
+                <a:schemeClr val="accent4">
+                  <a:lumMod val="75000"/>
+                </a:schemeClr>
+              </a:solidFill>
+            </a:endParaRPr>
+          </a:p>
+        </p:txBody>
+      </p:sp>
+    </p:spTree>
+    <p:extLst>
+      <p:ext uri="{BB962C8B-B14F-4D97-AF65-F5344CB8AC3E}">
+        <p14:creationId xmlns:p14="http://schemas.microsoft.com/office/powerpoint/2010/main" val="3855491165"/>
       </p:ext>
     </p:extLst>
   </p:cSld>
@@ -7367,6 +9359,13 @@
   <p:clrMapOvr>
     <a:masterClrMapping/>
   </p:clrMapOvr>
+  <p:timing>
+    <p:tnLst>
+      <p:par>
+        <p:cTn id="1" dur="indefinite" restart="never" nodeType="tmRoot"/>
+      </p:par>
+    </p:tnLst>
+  </p:timing>
 </p:sld>
 </file>
 
@@ -7520,6 +9519,13 @@
   <p:clrMapOvr>
     <a:masterClrMapping/>
   </p:clrMapOvr>
+  <p:timing>
+    <p:tnLst>
+      <p:par>
+        <p:cTn id="1" dur="indefinite" restart="never" nodeType="tmRoot"/>
+      </p:par>
+    </p:tnLst>
+  </p:timing>
 </p:sld>
 </file>
 
@@ -7769,8 +9775,13 @@
             <a:pPr lvl="1"/>
             <a:r>
               <a:rPr lang="en-US" dirty="0" smtClean="0"/>
-              <a:t>Spring Albatross</a:t>
-            </a:r>
+              <a:t>Spring </a:t>
+            </a:r>
+            <a:r>
+              <a:rPr lang="en-US" dirty="0" smtClean="0"/>
+              <a:t>Albatross </a:t>
+            </a:r>
+            <a:endParaRPr lang="en-US" dirty="0" smtClean="0"/>
           </a:p>
           <a:p>
             <a:pPr lvl="1"/>
@@ -7833,55 +9844,8 @@
                   </a:schemeClr>
                 </a:solidFill>
               </a:rPr>
-              <a:t> RE: ar1_y for </a:t>
-            </a:r>
-            <a:r>
-              <a:rPr lang="en-US" dirty="0" smtClean="0">
-                <a:solidFill>
-                  <a:schemeClr val="accent5">
-                    <a:lumMod val="75000"/>
-                  </a:schemeClr>
-                </a:solidFill>
-              </a:rPr>
-              <a:t>states and NEAMAP except</a:t>
-            </a:r>
-            <a:r>
-              <a:rPr lang="en-US" dirty="0" smtClean="0">
-                <a:solidFill>
-                  <a:schemeClr val="accent5">
-                    <a:lumMod val="75000"/>
-                  </a:schemeClr>
-                </a:solidFill>
-              </a:rPr>
-              <a:t> </a:t>
-            </a:r>
-            <a:r>
-              <a:rPr lang="en-US" dirty="0" smtClean="0">
-                <a:solidFill>
-                  <a:schemeClr val="accent5">
-                    <a:lumMod val="75000"/>
-                  </a:schemeClr>
-                </a:solidFill>
-              </a:rPr>
-              <a:t>NY which is none. 2dar1 for </a:t>
-            </a:r>
-            <a:r>
-              <a:rPr lang="en-US" dirty="0" smtClean="0">
-                <a:solidFill>
-                  <a:schemeClr val="accent5">
-                    <a:lumMod val="75000"/>
-                  </a:schemeClr>
-                </a:solidFill>
-              </a:rPr>
-              <a:t>BTS</a:t>
-            </a:r>
-            <a:endParaRPr lang="en-US" dirty="0" smtClean="0">
-              <a:solidFill>
-                <a:schemeClr val="accent5">
-                  <a:lumMod val="75000"/>
-                </a:schemeClr>
-              </a:solidFill>
-            </a:endParaRPr>
+              <a:t> RE: ar1_y for states and NEAMAP except NY which is none. 2dar1 for BTS</a:t>
+            </a:r>
           </a:p>
           <a:p>
             <a:r>
@@ -8207,6 +10171,13 @@
   <p:clrMapOvr>
     <a:masterClrMapping/>
   </p:clrMapOvr>
+  <p:timing>
+    <p:tnLst>
+      <p:par>
+        <p:cTn id="1" dur="indefinite" restart="never" nodeType="tmRoot"/>
+      </p:par>
+    </p:tnLst>
+  </p:timing>
 </p:sld>
 </file>
 
@@ -8387,6 +10358,13 @@
   <p:clrMapOvr>
     <a:masterClrMapping/>
   </p:clrMapOvr>
+  <p:timing>
+    <p:tnLst>
+      <p:par>
+        <p:cTn id="1" dur="indefinite" restart="never" nodeType="tmRoot"/>
+      </p:par>
+    </p:tnLst>
+  </p:timing>
 </p:sld>
 </file>
 
@@ -8537,6 +10515,13 @@
   <p:clrMapOvr>
     <a:masterClrMapping/>
   </p:clrMapOvr>
+  <p:timing>
+    <p:tnLst>
+      <p:par>
+        <p:cTn id="1" dur="indefinite" restart="never" nodeType="tmRoot"/>
+      </p:par>
+    </p:tnLst>
+  </p:timing>
 </p:sld>
 </file>
 
@@ -8687,6 +10672,13 @@
   <p:clrMapOvr>
     <a:masterClrMapping/>
   </p:clrMapOvr>
+  <p:timing>
+    <p:tnLst>
+      <p:par>
+        <p:cTn id="1" dur="indefinite" restart="never" nodeType="tmRoot"/>
+      </p:par>
+    </p:tnLst>
+  </p:timing>
 </p:sld>
 </file>
 
@@ -8949,4 +10941,265 @@
     </a:ext>
   </a:extLst>
 </a:theme>
+</file>
+
+<file path=ppt/theme/theme2.xml><?xml version="1.0" encoding="utf-8"?>
+<a:theme xmlns:a="http://schemas.openxmlformats.org/drawingml/2006/main" name="Office Theme">
+  <a:themeElements>
+    <a:clrScheme name="Office">
+      <a:dk1>
+        <a:sysClr val="windowText" lastClr="000000"/>
+      </a:dk1>
+      <a:lt1>
+        <a:sysClr val="window" lastClr="FFFFFF"/>
+      </a:lt1>
+      <a:dk2>
+        <a:srgbClr val="44546A"/>
+      </a:dk2>
+      <a:lt2>
+        <a:srgbClr val="E7E6E6"/>
+      </a:lt2>
+      <a:accent1>
+        <a:srgbClr val="5B9BD5"/>
+      </a:accent1>
+      <a:accent2>
+        <a:srgbClr val="ED7D31"/>
+      </a:accent2>
+      <a:accent3>
+        <a:srgbClr val="A5A5A5"/>
+      </a:accent3>
+      <a:accent4>
+        <a:srgbClr val="FFC000"/>
+      </a:accent4>
+      <a:accent5>
+        <a:srgbClr val="4472C4"/>
+      </a:accent5>
+      <a:accent6>
+        <a:srgbClr val="70AD47"/>
+      </a:accent6>
+      <a:hlink>
+        <a:srgbClr val="0563C1"/>
+      </a:hlink>
+      <a:folHlink>
+        <a:srgbClr val="954F72"/>
+      </a:folHlink>
+    </a:clrScheme>
+    <a:fontScheme name="Office">
+      <a:majorFont>
+        <a:latin typeface="Calibri Light" panose="020F0302020204030204"/>
+        <a:ea typeface=""/>
+        <a:cs typeface=""/>
+        <a:font script="Jpan" typeface="游ゴシック Light"/>
+        <a:font script="Hang" typeface="맑은 고딕"/>
+        <a:font script="Hans" typeface="等线 Light"/>
+        <a:font script="Hant" typeface="新細明體"/>
+        <a:font script="Arab" typeface="Times New Roman"/>
+        <a:font script="Hebr" typeface="Times New Roman"/>
+        <a:font script="Thai" typeface="Angsana New"/>
+        <a:font script="Ethi" typeface="Nyala"/>
+        <a:font script="Beng" typeface="Vrinda"/>
+        <a:font script="Gujr" typeface="Shruti"/>
+        <a:font script="Khmr" typeface="MoolBoran"/>
+        <a:font script="Knda" typeface="Tunga"/>
+        <a:font script="Guru" typeface="Raavi"/>
+        <a:font script="Cans" typeface="Euphemia"/>
+        <a:font script="Cher" typeface="Plantagenet Cherokee"/>
+        <a:font script="Yiii" typeface="Microsoft Yi Baiti"/>
+        <a:font script="Tibt" typeface="Microsoft Himalaya"/>
+        <a:font script="Thaa" typeface="MV Boli"/>
+        <a:font script="Deva" typeface="Mangal"/>
+        <a:font script="Telu" typeface="Gautami"/>
+        <a:font script="Taml" typeface="Latha"/>
+        <a:font script="Syrc" typeface="Estrangelo Edessa"/>
+        <a:font script="Orya" typeface="Kalinga"/>
+        <a:font script="Mlym" typeface="Kartika"/>
+        <a:font script="Laoo" typeface="DokChampa"/>
+        <a:font script="Sinh" typeface="Iskoola Pota"/>
+        <a:font script="Mong" typeface="Mongolian Baiti"/>
+        <a:font script="Viet" typeface="Times New Roman"/>
+        <a:font script="Uigh" typeface="Microsoft Uighur"/>
+        <a:font script="Geor" typeface="Sylfaen"/>
+      </a:majorFont>
+      <a:minorFont>
+        <a:latin typeface="Calibri" panose="020F0502020204030204"/>
+        <a:ea typeface=""/>
+        <a:cs typeface=""/>
+        <a:font script="Jpan" typeface="游ゴシック"/>
+        <a:font script="Hang" typeface="맑은 고딕"/>
+        <a:font script="Hans" typeface="等线"/>
+        <a:font script="Hant" typeface="新細明體"/>
+        <a:font script="Arab" typeface="Arial"/>
+        <a:font script="Hebr" typeface="Arial"/>
+        <a:font script="Thai" typeface="Cordia New"/>
+        <a:font script="Ethi" typeface="Nyala"/>
+        <a:font script="Beng" typeface="Vrinda"/>
+        <a:font script="Gujr" typeface="Shruti"/>
+        <a:font script="Khmr" typeface="DaunPenh"/>
+        <a:font script="Knda" typeface="Tunga"/>
+        <a:font script="Guru" typeface="Raavi"/>
+        <a:font script="Cans" typeface="Euphemia"/>
+        <a:font script="Cher" typeface="Plantagenet Cherokee"/>
+        <a:font script="Yiii" typeface="Microsoft Yi Baiti"/>
+        <a:font script="Tibt" typeface="Microsoft Himalaya"/>
+        <a:font script="Thaa" typeface="MV Boli"/>
+        <a:font script="Deva" typeface="Mangal"/>
+        <a:font script="Telu" typeface="Gautami"/>
+        <a:font script="Taml" typeface="Latha"/>
+        <a:font script="Syrc" typeface="Estrangelo Edessa"/>
+        <a:font script="Orya" typeface="Kalinga"/>
+        <a:font script="Mlym" typeface="Kartika"/>
+        <a:font script="Laoo" typeface="DokChampa"/>
+        <a:font script="Sinh" typeface="Iskoola Pota"/>
+        <a:font script="Mong" typeface="Mongolian Baiti"/>
+        <a:font script="Viet" typeface="Arial"/>
+        <a:font script="Uigh" typeface="Microsoft Uighur"/>
+        <a:font script="Geor" typeface="Sylfaen"/>
+      </a:minorFont>
+    </a:fontScheme>
+    <a:fmtScheme name="Office">
+      <a:fillStyleLst>
+        <a:solidFill>
+          <a:schemeClr val="phClr"/>
+        </a:solidFill>
+        <a:gradFill rotWithShape="1">
+          <a:gsLst>
+            <a:gs pos="0">
+              <a:schemeClr val="phClr">
+                <a:lumMod val="110000"/>
+                <a:satMod val="105000"/>
+                <a:tint val="67000"/>
+              </a:schemeClr>
+            </a:gs>
+            <a:gs pos="50000">
+              <a:schemeClr val="phClr">
+                <a:lumMod val="105000"/>
+                <a:satMod val="103000"/>
+                <a:tint val="73000"/>
+              </a:schemeClr>
+            </a:gs>
+            <a:gs pos="100000">
+              <a:schemeClr val="phClr">
+                <a:lumMod val="105000"/>
+                <a:satMod val="109000"/>
+                <a:tint val="81000"/>
+              </a:schemeClr>
+            </a:gs>
+          </a:gsLst>
+          <a:lin ang="5400000" scaled="0"/>
+        </a:gradFill>
+        <a:gradFill rotWithShape="1">
+          <a:gsLst>
+            <a:gs pos="0">
+              <a:schemeClr val="phClr">
+                <a:satMod val="103000"/>
+                <a:lumMod val="102000"/>
+                <a:tint val="94000"/>
+              </a:schemeClr>
+            </a:gs>
+            <a:gs pos="50000">
+              <a:schemeClr val="phClr">
+                <a:satMod val="110000"/>
+                <a:lumMod val="100000"/>
+                <a:shade val="100000"/>
+              </a:schemeClr>
+            </a:gs>
+            <a:gs pos="100000">
+              <a:schemeClr val="phClr">
+                <a:lumMod val="99000"/>
+                <a:satMod val="120000"/>
+                <a:shade val="78000"/>
+              </a:schemeClr>
+            </a:gs>
+          </a:gsLst>
+          <a:lin ang="5400000" scaled="0"/>
+        </a:gradFill>
+      </a:fillStyleLst>
+      <a:lnStyleLst>
+        <a:ln w="6350" cap="flat" cmpd="sng" algn="ctr">
+          <a:solidFill>
+            <a:schemeClr val="phClr"/>
+          </a:solidFill>
+          <a:prstDash val="solid"/>
+          <a:miter lim="800000"/>
+        </a:ln>
+        <a:ln w="12700" cap="flat" cmpd="sng" algn="ctr">
+          <a:solidFill>
+            <a:schemeClr val="phClr"/>
+          </a:solidFill>
+          <a:prstDash val="solid"/>
+          <a:miter lim="800000"/>
+        </a:ln>
+        <a:ln w="19050" cap="flat" cmpd="sng" algn="ctr">
+          <a:solidFill>
+            <a:schemeClr val="phClr"/>
+          </a:solidFill>
+          <a:prstDash val="solid"/>
+          <a:miter lim="800000"/>
+        </a:ln>
+      </a:lnStyleLst>
+      <a:effectStyleLst>
+        <a:effectStyle>
+          <a:effectLst/>
+        </a:effectStyle>
+        <a:effectStyle>
+          <a:effectLst/>
+        </a:effectStyle>
+        <a:effectStyle>
+          <a:effectLst>
+            <a:outerShdw blurRad="57150" dist="19050" dir="5400000" algn="ctr" rotWithShape="0">
+              <a:srgbClr val="000000">
+                <a:alpha val="63000"/>
+              </a:srgbClr>
+            </a:outerShdw>
+          </a:effectLst>
+        </a:effectStyle>
+      </a:effectStyleLst>
+      <a:bgFillStyleLst>
+        <a:solidFill>
+          <a:schemeClr val="phClr"/>
+        </a:solidFill>
+        <a:solidFill>
+          <a:schemeClr val="phClr">
+            <a:tint val="95000"/>
+            <a:satMod val="170000"/>
+          </a:schemeClr>
+        </a:solidFill>
+        <a:gradFill rotWithShape="1">
+          <a:gsLst>
+            <a:gs pos="0">
+              <a:schemeClr val="phClr">
+                <a:tint val="93000"/>
+                <a:satMod val="150000"/>
+                <a:shade val="98000"/>
+                <a:lumMod val="102000"/>
+              </a:schemeClr>
+            </a:gs>
+            <a:gs pos="50000">
+              <a:schemeClr val="phClr">
+                <a:tint val="98000"/>
+                <a:satMod val="130000"/>
+                <a:shade val="90000"/>
+                <a:lumMod val="103000"/>
+              </a:schemeClr>
+            </a:gs>
+            <a:gs pos="100000">
+              <a:schemeClr val="phClr">
+                <a:shade val="63000"/>
+                <a:satMod val="120000"/>
+              </a:schemeClr>
+            </a:gs>
+          </a:gsLst>
+          <a:lin ang="5400000" scaled="0"/>
+        </a:gradFill>
+      </a:bgFillStyleLst>
+    </a:fmtScheme>
+  </a:themeElements>
+  <a:objectDefaults/>
+  <a:extraClrSchemeLst/>
+  <a:extLst>
+    <a:ext uri="{05A4C25C-085E-4340-85A3-A5531E510DB2}">
+      <thm15:themeFamily xmlns:thm15="http://schemas.microsoft.com/office/thememl/2012/main" name="Office Theme" id="{62F939B6-93AF-4DB8-9C6B-D6C7DFDC589F}" vid="{4A3C46E8-61CC-4603-A589-7422A47A8E4A}"/>
+    </a:ext>
+  </a:extLst>
+</a:theme>
 </file>
--- a/2023.RT.Runs/BSB WHAM Sensitivity Tests.pptx
+++ b/2023.RT.Runs/BSB WHAM Sensitivity Tests.pptx
@@ -5,46 +5,54 @@
     <p:sldMasterId id="2147483648" r:id="rId1"/>
   </p:sldMasterIdLst>
   <p:notesMasterIdLst>
-    <p:notesMasterId r:id="rId39"/>
+    <p:notesMasterId r:id="rId47"/>
   </p:notesMasterIdLst>
   <p:sldIdLst>
     <p:sldId id="256" r:id="rId2"/>
     <p:sldId id="257" r:id="rId3"/>
     <p:sldId id="259" r:id="rId4"/>
-    <p:sldId id="263" r:id="rId5"/>
-    <p:sldId id="271" r:id="rId6"/>
-    <p:sldId id="272" r:id="rId7"/>
-    <p:sldId id="265" r:id="rId8"/>
-    <p:sldId id="267" r:id="rId9"/>
-    <p:sldId id="268" r:id="rId10"/>
-    <p:sldId id="275" r:id="rId11"/>
-    <p:sldId id="277" r:id="rId12"/>
-    <p:sldId id="278" r:id="rId13"/>
-    <p:sldId id="279" r:id="rId14"/>
-    <p:sldId id="280" r:id="rId15"/>
-    <p:sldId id="281" r:id="rId16"/>
-    <p:sldId id="282" r:id="rId17"/>
-    <p:sldId id="283" r:id="rId18"/>
-    <p:sldId id="284" r:id="rId19"/>
-    <p:sldId id="285" r:id="rId20"/>
-    <p:sldId id="286" r:id="rId21"/>
-    <p:sldId id="287" r:id="rId22"/>
-    <p:sldId id="288" r:id="rId23"/>
-    <p:sldId id="289" r:id="rId24"/>
-    <p:sldId id="290" r:id="rId25"/>
-    <p:sldId id="291" r:id="rId26"/>
-    <p:sldId id="292" r:id="rId27"/>
-    <p:sldId id="293" r:id="rId28"/>
-    <p:sldId id="276" r:id="rId29"/>
-    <p:sldId id="264" r:id="rId30"/>
-    <p:sldId id="296" r:id="rId31"/>
-    <p:sldId id="297" r:id="rId32"/>
-    <p:sldId id="295" r:id="rId33"/>
-    <p:sldId id="270" r:id="rId34"/>
-    <p:sldId id="274" r:id="rId35"/>
-    <p:sldId id="294" r:id="rId36"/>
-    <p:sldId id="269" r:id="rId37"/>
-    <p:sldId id="273" r:id="rId38"/>
+    <p:sldId id="301" r:id="rId5"/>
+    <p:sldId id="263" r:id="rId6"/>
+    <p:sldId id="271" r:id="rId7"/>
+    <p:sldId id="272" r:id="rId8"/>
+    <p:sldId id="265" r:id="rId9"/>
+    <p:sldId id="267" r:id="rId10"/>
+    <p:sldId id="268" r:id="rId11"/>
+    <p:sldId id="275" r:id="rId12"/>
+    <p:sldId id="277" r:id="rId13"/>
+    <p:sldId id="278" r:id="rId14"/>
+    <p:sldId id="279" r:id="rId15"/>
+    <p:sldId id="280" r:id="rId16"/>
+    <p:sldId id="281" r:id="rId17"/>
+    <p:sldId id="282" r:id="rId18"/>
+    <p:sldId id="283" r:id="rId19"/>
+    <p:sldId id="284" r:id="rId20"/>
+    <p:sldId id="285" r:id="rId21"/>
+    <p:sldId id="286" r:id="rId22"/>
+    <p:sldId id="287" r:id="rId23"/>
+    <p:sldId id="288" r:id="rId24"/>
+    <p:sldId id="289" r:id="rId25"/>
+    <p:sldId id="290" r:id="rId26"/>
+    <p:sldId id="291" r:id="rId27"/>
+    <p:sldId id="292" r:id="rId28"/>
+    <p:sldId id="293" r:id="rId29"/>
+    <p:sldId id="276" r:id="rId30"/>
+    <p:sldId id="264" r:id="rId31"/>
+    <p:sldId id="296" r:id="rId32"/>
+    <p:sldId id="297" r:id="rId33"/>
+    <p:sldId id="302" r:id="rId34"/>
+    <p:sldId id="295" r:id="rId35"/>
+    <p:sldId id="270" r:id="rId36"/>
+    <p:sldId id="299" r:id="rId37"/>
+    <p:sldId id="274" r:id="rId38"/>
+    <p:sldId id="298" r:id="rId39"/>
+    <p:sldId id="300" r:id="rId40"/>
+    <p:sldId id="304" r:id="rId41"/>
+    <p:sldId id="305" r:id="rId42"/>
+    <p:sldId id="303" r:id="rId43"/>
+    <p:sldId id="294" r:id="rId44"/>
+    <p:sldId id="269" r:id="rId45"/>
+    <p:sldId id="273" r:id="rId46"/>
   </p:sldIdLst>
   <p:sldSz cx="12192000" cy="6858000"/>
   <p:notesSz cx="6858000" cy="9144000"/>
@@ -641,7 +649,7 @@
           <a:p>
             <a:fld id="{5DBD21DD-8E4A-412C-939F-361AD1C20860}" type="slidenum">
               <a:rPr lang="en-US" smtClean="0"/>
-              <a:t>6</a:t>
+              <a:t>7</a:t>
             </a:fld>
             <a:endParaRPr lang="en-US"/>
           </a:p>
@@ -787,7 +795,7 @@
           <a:p>
             <a:fld id="{5DBD21DD-8E4A-412C-939F-361AD1C20860}" type="slidenum">
               <a:rPr lang="en-US" smtClean="0"/>
-              <a:t>29</a:t>
+              <a:t>30</a:t>
             </a:fld>
             <a:endParaRPr lang="en-US"/>
           </a:p>
@@ -933,7 +941,7 @@
           <a:p>
             <a:fld id="{5DBD21DD-8E4A-412C-939F-361AD1C20860}" type="slidenum">
               <a:rPr lang="en-US" smtClean="0"/>
-              <a:t>30</a:t>
+              <a:t>31</a:t>
             </a:fld>
             <a:endParaRPr lang="en-US"/>
           </a:p>
@@ -3888,6 +3896,163 @@
           <a:chExt cx="0" cy="0"/>
         </a:xfrm>
       </p:grpSpPr>
+      <p:sp>
+        <p:nvSpPr>
+          <p:cNvPr id="3" name="TextBox 2"/>
+          <p:cNvSpPr txBox="1"/>
+          <p:nvPr/>
+        </p:nvSpPr>
+        <p:spPr>
+          <a:xfrm>
+            <a:off x="2899953" y="670560"/>
+            <a:ext cx="840295" cy="369332"/>
+          </a:xfrm>
+          <a:prstGeom prst="rect">
+            <a:avLst/>
+          </a:prstGeom>
+          <a:noFill/>
+        </p:spPr>
+        <p:txBody>
+          <a:bodyPr wrap="none" rtlCol="0">
+            <a:spAutoFit/>
+          </a:bodyPr>
+          <a:lstStyle/>
+          <a:p>
+            <a:r>
+              <a:rPr lang="en-US" dirty="0" smtClean="0"/>
+              <a:t>Run 34</a:t>
+            </a:r>
+            <a:endParaRPr lang="en-US" dirty="0"/>
+          </a:p>
+        </p:txBody>
+      </p:sp>
+      <p:sp>
+        <p:nvSpPr>
+          <p:cNvPr id="4" name="TextBox 3"/>
+          <p:cNvSpPr txBox="1"/>
+          <p:nvPr/>
+        </p:nvSpPr>
+        <p:spPr>
+          <a:xfrm>
+            <a:off x="8817428" y="670560"/>
+            <a:ext cx="840295" cy="369332"/>
+          </a:xfrm>
+          <a:prstGeom prst="rect">
+            <a:avLst/>
+          </a:prstGeom>
+          <a:noFill/>
+        </p:spPr>
+        <p:txBody>
+          <a:bodyPr wrap="none" rtlCol="0">
+            <a:spAutoFit/>
+          </a:bodyPr>
+          <a:lstStyle/>
+          <a:p>
+            <a:r>
+              <a:rPr lang="en-US" dirty="0" smtClean="0"/>
+              <a:t>Run 37</a:t>
+            </a:r>
+            <a:endParaRPr lang="en-US" dirty="0"/>
+          </a:p>
+        </p:txBody>
+      </p:sp>
+      <p:pic>
+        <p:nvPicPr>
+          <p:cNvPr id="7" name="Picture 6"/>
+          <p:cNvPicPr>
+            <a:picLocks noChangeAspect="1"/>
+          </p:cNvPicPr>
+          <p:nvPr/>
+        </p:nvPicPr>
+        <p:blipFill>
+          <a:blip r:embed="rId2">
+            <a:extLst>
+              <a:ext uri="{28A0092B-C50C-407E-A947-70E740481C1C}">
+                <a14:useLocalDpi xmlns:a14="http://schemas.microsoft.com/office/drawing/2010/main" val="0"/>
+              </a:ext>
+            </a:extLst>
+          </a:blip>
+          <a:stretch>
+            <a:fillRect/>
+          </a:stretch>
+        </p:blipFill>
+        <p:spPr>
+          <a:xfrm>
+            <a:off x="346166" y="1036320"/>
+            <a:ext cx="5760720" cy="5760720"/>
+          </a:xfrm>
+          <a:prstGeom prst="rect">
+            <a:avLst/>
+          </a:prstGeom>
+        </p:spPr>
+      </p:pic>
+      <p:pic>
+        <p:nvPicPr>
+          <p:cNvPr id="2" name="Picture 1"/>
+          <p:cNvPicPr>
+            <a:picLocks noChangeAspect="1"/>
+          </p:cNvPicPr>
+          <p:nvPr/>
+        </p:nvPicPr>
+        <p:blipFill>
+          <a:blip r:embed="rId3">
+            <a:extLst>
+              <a:ext uri="{28A0092B-C50C-407E-A947-70E740481C1C}">
+                <a14:useLocalDpi xmlns:a14="http://schemas.microsoft.com/office/drawing/2010/main" val="0"/>
+              </a:ext>
+            </a:extLst>
+          </a:blip>
+          <a:stretch>
+            <a:fillRect/>
+          </a:stretch>
+        </p:blipFill>
+        <p:spPr>
+          <a:xfrm>
+            <a:off x="6106886" y="1005840"/>
+            <a:ext cx="5821680" cy="5821680"/>
+          </a:xfrm>
+          <a:prstGeom prst="rect">
+            <a:avLst/>
+          </a:prstGeom>
+        </p:spPr>
+      </p:pic>
+    </p:spTree>
+    <p:extLst>
+      <p:ext uri="{BB962C8B-B14F-4D97-AF65-F5344CB8AC3E}">
+        <p14:creationId xmlns:p14="http://schemas.microsoft.com/office/powerpoint/2010/main" val="1192040204"/>
+      </p:ext>
+    </p:extLst>
+  </p:cSld>
+  <p:clrMapOvr>
+    <a:masterClrMapping/>
+  </p:clrMapOvr>
+  <p:timing>
+    <p:tnLst>
+      <p:par>
+        <p:cTn id="1" dur="indefinite" restart="never" nodeType="tmRoot"/>
+      </p:par>
+    </p:tnLst>
+  </p:timing>
+</p:sld>
+</file>
+
+<file path=ppt/slides/slide11.xml><?xml version="1.0" encoding="utf-8"?>
+<p:sld xmlns:a="http://schemas.openxmlformats.org/drawingml/2006/main" xmlns:r="http://schemas.openxmlformats.org/officeDocument/2006/relationships" xmlns:p="http://schemas.openxmlformats.org/presentationml/2006/main">
+  <p:cSld>
+    <p:spTree>
+      <p:nvGrpSpPr>
+        <p:cNvPr id="1" name=""/>
+        <p:cNvGrpSpPr/>
+        <p:nvPr/>
+      </p:nvGrpSpPr>
+      <p:grpSpPr>
+        <a:xfrm>
+          <a:off x="0" y="0"/>
+          <a:ext cx="0" cy="0"/>
+          <a:chOff x="0" y="0"/>
+          <a:chExt cx="0" cy="0"/>
+        </a:xfrm>
+      </p:grpSpPr>
       <p:pic>
         <p:nvPicPr>
           <p:cNvPr id="3" name="Picture 2"/>
@@ -3968,7 +4133,7 @@
 </p:sld>
 </file>
 
-<file path=ppt/slides/slide11.xml><?xml version="1.0" encoding="utf-8"?>
+<file path=ppt/slides/slide12.xml><?xml version="1.0" encoding="utf-8"?>
 <p:sld xmlns:a="http://schemas.openxmlformats.org/drawingml/2006/main" xmlns:r="http://schemas.openxmlformats.org/officeDocument/2006/relationships" xmlns:p="http://schemas.openxmlformats.org/presentationml/2006/main">
   <p:cSld>
     <p:spTree>
@@ -4035,7 +4200,7 @@
 </p:sld>
 </file>
 
-<file path=ppt/slides/slide12.xml><?xml version="1.0" encoding="utf-8"?>
+<file path=ppt/slides/slide13.xml><?xml version="1.0" encoding="utf-8"?>
 <p:sld xmlns:a="http://schemas.openxmlformats.org/drawingml/2006/main" xmlns:r="http://schemas.openxmlformats.org/officeDocument/2006/relationships" xmlns:p="http://schemas.openxmlformats.org/presentationml/2006/main">
   <p:cSld>
     <p:spTree>
@@ -4102,7 +4267,7 @@
 </p:sld>
 </file>
 
-<file path=ppt/slides/slide13.xml><?xml version="1.0" encoding="utf-8"?>
+<file path=ppt/slides/slide14.xml><?xml version="1.0" encoding="utf-8"?>
 <p:sld xmlns:a="http://schemas.openxmlformats.org/drawingml/2006/main" xmlns:r="http://schemas.openxmlformats.org/officeDocument/2006/relationships" xmlns:p="http://schemas.openxmlformats.org/presentationml/2006/main">
   <p:cSld>
     <p:spTree>
@@ -4169,7 +4334,7 @@
 </p:sld>
 </file>
 
-<file path=ppt/slides/slide14.xml><?xml version="1.0" encoding="utf-8"?>
+<file path=ppt/slides/slide15.xml><?xml version="1.0" encoding="utf-8"?>
 <p:sld xmlns:a="http://schemas.openxmlformats.org/drawingml/2006/main" xmlns:r="http://schemas.openxmlformats.org/officeDocument/2006/relationships" xmlns:p="http://schemas.openxmlformats.org/presentationml/2006/main">
   <p:cSld>
     <p:spTree>
@@ -4236,7 +4401,7 @@
 </p:sld>
 </file>
 
-<file path=ppt/slides/slide15.xml><?xml version="1.0" encoding="utf-8"?>
+<file path=ppt/slides/slide16.xml><?xml version="1.0" encoding="utf-8"?>
 <p:sld xmlns:a="http://schemas.openxmlformats.org/drawingml/2006/main" xmlns:r="http://schemas.openxmlformats.org/officeDocument/2006/relationships" xmlns:p="http://schemas.openxmlformats.org/presentationml/2006/main">
   <p:cSld>
     <p:spTree>
@@ -4303,7 +4468,7 @@
 </p:sld>
 </file>
 
-<file path=ppt/slides/slide16.xml><?xml version="1.0" encoding="utf-8"?>
+<file path=ppt/slides/slide17.xml><?xml version="1.0" encoding="utf-8"?>
 <p:sld xmlns:a="http://schemas.openxmlformats.org/drawingml/2006/main" xmlns:r="http://schemas.openxmlformats.org/officeDocument/2006/relationships" xmlns:p="http://schemas.openxmlformats.org/presentationml/2006/main">
   <p:cSld>
     <p:spTree>
@@ -4370,7 +4535,7 @@
 </p:sld>
 </file>
 
-<file path=ppt/slides/slide17.xml><?xml version="1.0" encoding="utf-8"?>
+<file path=ppt/slides/slide18.xml><?xml version="1.0" encoding="utf-8"?>
 <p:sld xmlns:a="http://schemas.openxmlformats.org/drawingml/2006/main" xmlns:r="http://schemas.openxmlformats.org/officeDocument/2006/relationships" xmlns:p="http://schemas.openxmlformats.org/presentationml/2006/main">
   <p:cSld>
     <p:spTree>
@@ -4437,7 +4602,7 @@
 </p:sld>
 </file>
 
-<file path=ppt/slides/slide18.xml><?xml version="1.0" encoding="utf-8"?>
+<file path=ppt/slides/slide19.xml><?xml version="1.0" encoding="utf-8"?>
 <p:sld xmlns:a="http://schemas.openxmlformats.org/drawingml/2006/main" xmlns:r="http://schemas.openxmlformats.org/officeDocument/2006/relationships" xmlns:p="http://schemas.openxmlformats.org/presentationml/2006/main">
   <p:cSld>
     <p:spTree>
@@ -4488,73 +4653,6 @@
     <p:extLst>
       <p:ext uri="{BB962C8B-B14F-4D97-AF65-F5344CB8AC3E}">
         <p14:creationId xmlns:p14="http://schemas.microsoft.com/office/powerpoint/2010/main" val="2607012505"/>
-      </p:ext>
-    </p:extLst>
-  </p:cSld>
-  <p:clrMapOvr>
-    <a:masterClrMapping/>
-  </p:clrMapOvr>
-  <p:timing>
-    <p:tnLst>
-      <p:par>
-        <p:cTn id="1" dur="indefinite" restart="never" nodeType="tmRoot"/>
-      </p:par>
-    </p:tnLst>
-  </p:timing>
-</p:sld>
-</file>
-
-<file path=ppt/slides/slide19.xml><?xml version="1.0" encoding="utf-8"?>
-<p:sld xmlns:a="http://schemas.openxmlformats.org/drawingml/2006/main" xmlns:r="http://schemas.openxmlformats.org/officeDocument/2006/relationships" xmlns:p="http://schemas.openxmlformats.org/presentationml/2006/main">
-  <p:cSld>
-    <p:spTree>
-      <p:nvGrpSpPr>
-        <p:cNvPr id="1" name=""/>
-        <p:cNvGrpSpPr/>
-        <p:nvPr/>
-      </p:nvGrpSpPr>
-      <p:grpSpPr>
-        <a:xfrm>
-          <a:off x="0" y="0"/>
-          <a:ext cx="0" cy="0"/>
-          <a:chOff x="0" y="0"/>
-          <a:chExt cx="0" cy="0"/>
-        </a:xfrm>
-      </p:grpSpPr>
-      <p:pic>
-        <p:nvPicPr>
-          <p:cNvPr id="2" name="Picture 1"/>
-          <p:cNvPicPr>
-            <a:picLocks noChangeAspect="1"/>
-          </p:cNvPicPr>
-          <p:nvPr/>
-        </p:nvPicPr>
-        <p:blipFill>
-          <a:blip r:embed="rId2">
-            <a:extLst>
-              <a:ext uri="{28A0092B-C50C-407E-A947-70E740481C1C}">
-                <a14:useLocalDpi xmlns:a14="http://schemas.microsoft.com/office/drawing/2010/main" val="0"/>
-              </a:ext>
-            </a:extLst>
-          </a:blip>
-          <a:stretch>
-            <a:fillRect/>
-          </a:stretch>
-        </p:blipFill>
-        <p:spPr>
-          <a:xfrm>
-            <a:off x="2667000" y="0"/>
-            <a:ext cx="6858000" cy="6858000"/>
-          </a:xfrm>
-          <a:prstGeom prst="rect">
-            <a:avLst/>
-          </a:prstGeom>
-        </p:spPr>
-      </p:pic>
-    </p:spTree>
-    <p:extLst>
-      <p:ext uri="{BB962C8B-B14F-4D97-AF65-F5344CB8AC3E}">
-        <p14:creationId xmlns:p14="http://schemas.microsoft.com/office/powerpoint/2010/main" val="561156797"/>
       </p:ext>
     </p:extLst>
   </p:cSld>
@@ -4745,7 +4843,7 @@
     </p:spTree>
     <p:extLst>
       <p:ext uri="{BB962C8B-B14F-4D97-AF65-F5344CB8AC3E}">
-        <p14:creationId xmlns:p14="http://schemas.microsoft.com/office/powerpoint/2010/main" val="744264266"/>
+        <p14:creationId xmlns:p14="http://schemas.microsoft.com/office/powerpoint/2010/main" val="561156797"/>
       </p:ext>
     </p:extLst>
   </p:cSld>
@@ -4812,7 +4910,7 @@
     </p:spTree>
     <p:extLst>
       <p:ext uri="{BB962C8B-B14F-4D97-AF65-F5344CB8AC3E}">
-        <p14:creationId xmlns:p14="http://schemas.microsoft.com/office/powerpoint/2010/main" val="2082591535"/>
+        <p14:creationId xmlns:p14="http://schemas.microsoft.com/office/powerpoint/2010/main" val="744264266"/>
       </p:ext>
     </p:extLst>
   </p:cSld>
@@ -4879,7 +4977,7 @@
     </p:spTree>
     <p:extLst>
       <p:ext uri="{BB962C8B-B14F-4D97-AF65-F5344CB8AC3E}">
-        <p14:creationId xmlns:p14="http://schemas.microsoft.com/office/powerpoint/2010/main" val="2092244529"/>
+        <p14:creationId xmlns:p14="http://schemas.microsoft.com/office/powerpoint/2010/main" val="2082591535"/>
       </p:ext>
     </p:extLst>
   </p:cSld>
@@ -4946,7 +5044,7 @@
     </p:spTree>
     <p:extLst>
       <p:ext uri="{BB962C8B-B14F-4D97-AF65-F5344CB8AC3E}">
-        <p14:creationId xmlns:p14="http://schemas.microsoft.com/office/powerpoint/2010/main" val="2403155380"/>
+        <p14:creationId xmlns:p14="http://schemas.microsoft.com/office/powerpoint/2010/main" val="2092244529"/>
       </p:ext>
     </p:extLst>
   </p:cSld>
@@ -5013,7 +5111,7 @@
     </p:spTree>
     <p:extLst>
       <p:ext uri="{BB962C8B-B14F-4D97-AF65-F5344CB8AC3E}">
-        <p14:creationId xmlns:p14="http://schemas.microsoft.com/office/powerpoint/2010/main" val="3366171140"/>
+        <p14:creationId xmlns:p14="http://schemas.microsoft.com/office/powerpoint/2010/main" val="2403155380"/>
       </p:ext>
     </p:extLst>
   </p:cSld>
@@ -5080,7 +5178,7 @@
     </p:spTree>
     <p:extLst>
       <p:ext uri="{BB962C8B-B14F-4D97-AF65-F5344CB8AC3E}">
-        <p14:creationId xmlns:p14="http://schemas.microsoft.com/office/powerpoint/2010/main" val="2582873375"/>
+        <p14:creationId xmlns:p14="http://schemas.microsoft.com/office/powerpoint/2010/main" val="3366171140"/>
       </p:ext>
     </p:extLst>
   </p:cSld>
@@ -5147,6 +5245,73 @@
     </p:spTree>
     <p:extLst>
       <p:ext uri="{BB962C8B-B14F-4D97-AF65-F5344CB8AC3E}">
+        <p14:creationId xmlns:p14="http://schemas.microsoft.com/office/powerpoint/2010/main" val="2582873375"/>
+      </p:ext>
+    </p:extLst>
+  </p:cSld>
+  <p:clrMapOvr>
+    <a:masterClrMapping/>
+  </p:clrMapOvr>
+  <p:timing>
+    <p:tnLst>
+      <p:par>
+        <p:cTn id="1" dur="indefinite" restart="never" nodeType="tmRoot"/>
+      </p:par>
+    </p:tnLst>
+  </p:timing>
+</p:sld>
+</file>
+
+<file path=ppt/slides/slide27.xml><?xml version="1.0" encoding="utf-8"?>
+<p:sld xmlns:a="http://schemas.openxmlformats.org/drawingml/2006/main" xmlns:r="http://schemas.openxmlformats.org/officeDocument/2006/relationships" xmlns:p="http://schemas.openxmlformats.org/presentationml/2006/main">
+  <p:cSld>
+    <p:spTree>
+      <p:nvGrpSpPr>
+        <p:cNvPr id="1" name=""/>
+        <p:cNvGrpSpPr/>
+        <p:nvPr/>
+      </p:nvGrpSpPr>
+      <p:grpSpPr>
+        <a:xfrm>
+          <a:off x="0" y="0"/>
+          <a:ext cx="0" cy="0"/>
+          <a:chOff x="0" y="0"/>
+          <a:chExt cx="0" cy="0"/>
+        </a:xfrm>
+      </p:grpSpPr>
+      <p:pic>
+        <p:nvPicPr>
+          <p:cNvPr id="2" name="Picture 1"/>
+          <p:cNvPicPr>
+            <a:picLocks noChangeAspect="1"/>
+          </p:cNvPicPr>
+          <p:nvPr/>
+        </p:nvPicPr>
+        <p:blipFill>
+          <a:blip r:embed="rId2">
+            <a:extLst>
+              <a:ext uri="{28A0092B-C50C-407E-A947-70E740481C1C}">
+                <a14:useLocalDpi xmlns:a14="http://schemas.microsoft.com/office/drawing/2010/main" val="0"/>
+              </a:ext>
+            </a:extLst>
+          </a:blip>
+          <a:stretch>
+            <a:fillRect/>
+          </a:stretch>
+        </p:blipFill>
+        <p:spPr>
+          <a:xfrm>
+            <a:off x="2667000" y="0"/>
+            <a:ext cx="6858000" cy="6858000"/>
+          </a:xfrm>
+          <a:prstGeom prst="rect">
+            <a:avLst/>
+          </a:prstGeom>
+        </p:spPr>
+      </p:pic>
+    </p:spTree>
+    <p:extLst>
+      <p:ext uri="{BB962C8B-B14F-4D97-AF65-F5344CB8AC3E}">
         <p14:creationId xmlns:p14="http://schemas.microsoft.com/office/powerpoint/2010/main" val="4260679195"/>
       </p:ext>
     </p:extLst>
@@ -5164,7 +5329,7 @@
 </p:sld>
 </file>
 
-<file path=ppt/slides/slide27.xml><?xml version="1.0" encoding="utf-8"?>
+<file path=ppt/slides/slide28.xml><?xml version="1.0" encoding="utf-8"?>
 <p:sld xmlns:a="http://schemas.openxmlformats.org/drawingml/2006/main" xmlns:r="http://schemas.openxmlformats.org/officeDocument/2006/relationships" xmlns:p="http://schemas.openxmlformats.org/presentationml/2006/main">
   <p:cSld>
     <p:spTree>
@@ -5231,109 +5396,6 @@
 </p:sld>
 </file>
 
-<file path=ppt/slides/slide28.xml><?xml version="1.0" encoding="utf-8"?>
-<p:sld xmlns:a="http://schemas.openxmlformats.org/drawingml/2006/main" xmlns:r="http://schemas.openxmlformats.org/officeDocument/2006/relationships" xmlns:p="http://schemas.openxmlformats.org/presentationml/2006/main">
-  <p:cSld>
-    <p:spTree>
-      <p:nvGrpSpPr>
-        <p:cNvPr id="1" name=""/>
-        <p:cNvGrpSpPr/>
-        <p:nvPr/>
-      </p:nvGrpSpPr>
-      <p:grpSpPr>
-        <a:xfrm>
-          <a:off x="0" y="0"/>
-          <a:ext cx="0" cy="0"/>
-          <a:chOff x="0" y="0"/>
-          <a:chExt cx="0" cy="0"/>
-        </a:xfrm>
-      </p:grpSpPr>
-      <p:sp>
-        <p:nvSpPr>
-          <p:cNvPr id="2" name="Title 1"/>
-          <p:cNvSpPr>
-            <a:spLocks noGrp="1"/>
-          </p:cNvSpPr>
-          <p:nvPr>
-            <p:ph type="title"/>
-          </p:nvPr>
-        </p:nvSpPr>
-        <p:spPr/>
-        <p:txBody>
-          <a:bodyPr/>
-          <a:lstStyle/>
-          <a:p>
-            <a:r>
-              <a:rPr lang="en-US" dirty="0" smtClean="0"/>
-              <a:t>Conclusions about Sensitivity Test</a:t>
-            </a:r>
-            <a:endParaRPr lang="en-US" dirty="0"/>
-          </a:p>
-        </p:txBody>
-      </p:sp>
-      <p:sp>
-        <p:nvSpPr>
-          <p:cNvPr id="3" name="Content Placeholder 2"/>
-          <p:cNvSpPr>
-            <a:spLocks noGrp="1"/>
-          </p:cNvSpPr>
-          <p:nvPr>
-            <p:ph idx="1"/>
-          </p:nvPr>
-        </p:nvSpPr>
-        <p:spPr/>
-        <p:txBody>
-          <a:bodyPr/>
-          <a:lstStyle/>
-          <a:p>
-            <a:r>
-              <a:rPr lang="en-US" dirty="0" smtClean="0"/>
-              <a:t>When the model is fit using the individual indices, there’s a higher recruitment estimated in the north</a:t>
-            </a:r>
-          </a:p>
-          <a:p>
-            <a:r>
-              <a:rPr lang="en-US" dirty="0" smtClean="0"/>
-              <a:t>This causes a higher SSB estimated as well</a:t>
-            </a:r>
-          </a:p>
-          <a:p>
-            <a:r>
-              <a:rPr lang="en-US" dirty="0" smtClean="0"/>
-              <a:t>Some of the indices fit better </a:t>
-            </a:r>
-            <a:r>
-              <a:rPr lang="en-US" smtClean="0"/>
-              <a:t>than others, </a:t>
-            </a:r>
-            <a:r>
-              <a:rPr lang="en-US" dirty="0" smtClean="0"/>
-              <a:t>because of their assumed CV</a:t>
-            </a:r>
-            <a:endParaRPr lang="en-US" dirty="0"/>
-          </a:p>
-        </p:txBody>
-      </p:sp>
-    </p:spTree>
-    <p:extLst>
-      <p:ext uri="{BB962C8B-B14F-4D97-AF65-F5344CB8AC3E}">
-        <p14:creationId xmlns:p14="http://schemas.microsoft.com/office/powerpoint/2010/main" val="149695505"/>
-      </p:ext>
-    </p:extLst>
-  </p:cSld>
-  <p:clrMapOvr>
-    <a:masterClrMapping/>
-  </p:clrMapOvr>
-  <p:timing>
-    <p:tnLst>
-      <p:par>
-        <p:cTn id="1" dur="indefinite" restart="never" nodeType="tmRoot"/>
-      </p:par>
-    </p:tnLst>
-  </p:timing>
-</p:sld>
-</file>
-
 <file path=ppt/slides/slide29.xml><?xml version="1.0" encoding="utf-8"?>
 <p:sld xmlns:a="http://schemas.openxmlformats.org/drawingml/2006/main" xmlns:r="http://schemas.openxmlformats.org/officeDocument/2006/relationships" xmlns:p="http://schemas.openxmlformats.org/presentationml/2006/main">
   <p:cSld>
@@ -5353,7 +5415,7 @@
       </p:grpSpPr>
       <p:sp>
         <p:nvSpPr>
-          <p:cNvPr id="4" name="Title 3"/>
+          <p:cNvPr id="2" name="Title 1"/>
           <p:cNvSpPr>
             <a:spLocks noGrp="1"/>
           </p:cNvSpPr>
@@ -5368,7 +5430,7 @@
           <a:p>
             <a:r>
               <a:rPr lang="en-US" dirty="0" smtClean="0"/>
-              <a:t>Option 3: Run38 (NEAMAP Spring/Fall?)</a:t>
+              <a:t>Conclusions about Sensitivity Test</a:t>
             </a:r>
             <a:endParaRPr lang="en-US" dirty="0"/>
           </a:p>
@@ -5376,12 +5438,12 @@
       </p:sp>
       <p:sp>
         <p:nvSpPr>
-          <p:cNvPr id="5" name="Text Placeholder 4"/>
+          <p:cNvPr id="3" name="Content Placeholder 2"/>
           <p:cNvSpPr>
             <a:spLocks noGrp="1"/>
           </p:cNvSpPr>
           <p:nvPr>
-            <p:ph type="body" idx="1"/>
+            <p:ph idx="1"/>
           </p:nvPr>
         </p:nvSpPr>
         <p:spPr/>
@@ -5391,522 +5453,36 @@
           <a:p>
             <a:r>
               <a:rPr lang="en-US" dirty="0" smtClean="0"/>
-              <a:t>Run 34 Indices</a:t>
+              <a:t>When the model is fit using the individual indices, there’s a higher recruitment estimated in the north</a:t>
+            </a:r>
+          </a:p>
+          <a:p>
+            <a:r>
+              <a:rPr lang="en-US" dirty="0" smtClean="0"/>
+              <a:t>This causes a higher SSB estimated as well</a:t>
+            </a:r>
+          </a:p>
+          <a:p>
+            <a:r>
+              <a:rPr lang="en-US" dirty="0" smtClean="0"/>
+              <a:t>Some of the indices fit better </a:t>
+            </a:r>
+            <a:r>
+              <a:rPr lang="en-US" smtClean="0"/>
+              <a:t>than others, </a:t>
+            </a:r>
+            <a:r>
+              <a:rPr lang="en-US" dirty="0" smtClean="0"/>
+              <a:t>because of their assumed CV</a:t>
             </a:r>
             <a:endParaRPr lang="en-US" dirty="0"/>
-          </a:p>
-        </p:txBody>
-      </p:sp>
-      <p:sp>
-        <p:nvSpPr>
-          <p:cNvPr id="6" name="Content Placeholder 5"/>
-          <p:cNvSpPr>
-            <a:spLocks noGrp="1"/>
-          </p:cNvSpPr>
-          <p:nvPr>
-            <p:ph sz="half" idx="2"/>
-          </p:nvPr>
-        </p:nvSpPr>
-        <p:spPr/>
-        <p:txBody>
-          <a:bodyPr>
-            <a:normAutofit/>
-          </a:bodyPr>
-          <a:lstStyle/>
-          <a:p>
-            <a:r>
-              <a:rPr lang="en-US" dirty="0" smtClean="0"/>
-              <a:t>North VAST</a:t>
-            </a:r>
-          </a:p>
-          <a:p>
-            <a:pPr lvl="1"/>
-            <a:r>
-              <a:rPr lang="en-US" dirty="0" err="1" smtClean="0">
-                <a:solidFill>
-                  <a:schemeClr val="accent5">
-                    <a:lumMod val="75000"/>
-                  </a:schemeClr>
-                </a:solidFill>
-              </a:rPr>
-              <a:t>Sel</a:t>
-            </a:r>
-            <a:r>
-              <a:rPr lang="en-US" dirty="0">
-                <a:solidFill>
-                  <a:schemeClr val="accent5">
-                    <a:lumMod val="75000"/>
-                  </a:schemeClr>
-                </a:solidFill>
-              </a:rPr>
-              <a:t> </a:t>
-            </a:r>
-            <a:r>
-              <a:rPr lang="en-US" dirty="0" smtClean="0">
-                <a:solidFill>
-                  <a:schemeClr val="accent5">
-                    <a:lumMod val="75000"/>
-                  </a:schemeClr>
-                </a:solidFill>
-              </a:rPr>
-              <a:t>RE: 2dar1</a:t>
-            </a:r>
-          </a:p>
-          <a:p>
-            <a:pPr lvl="1"/>
-            <a:r>
-              <a:rPr lang="en-US" dirty="0" smtClean="0">
-                <a:solidFill>
-                  <a:schemeClr val="accent4">
-                    <a:lumMod val="75000"/>
-                  </a:schemeClr>
-                </a:solidFill>
-              </a:rPr>
-              <a:t>Age comp: </a:t>
-            </a:r>
-            <a:r>
-              <a:rPr lang="en-US" dirty="0" err="1" smtClean="0">
-                <a:solidFill>
-                  <a:schemeClr val="accent4">
-                    <a:lumMod val="75000"/>
-                  </a:schemeClr>
-                </a:solidFill>
-              </a:rPr>
-              <a:t>dir-mult</a:t>
-            </a:r>
-            <a:endParaRPr lang="en-US" dirty="0" smtClean="0">
-              <a:solidFill>
-                <a:schemeClr val="accent4">
-                  <a:lumMod val="75000"/>
-                </a:schemeClr>
-              </a:solidFill>
-            </a:endParaRPr>
-          </a:p>
-          <a:p>
-            <a:r>
-              <a:rPr lang="en-US" dirty="0" smtClean="0"/>
-              <a:t>South VAST</a:t>
-            </a:r>
-          </a:p>
-          <a:p>
-            <a:pPr lvl="1"/>
-            <a:r>
-              <a:rPr lang="en-US" dirty="0" err="1" smtClean="0">
-                <a:solidFill>
-                  <a:schemeClr val="accent5">
-                    <a:lumMod val="75000"/>
-                  </a:schemeClr>
-                </a:solidFill>
-              </a:rPr>
-              <a:t>Sel</a:t>
-            </a:r>
-            <a:r>
-              <a:rPr lang="en-US" dirty="0" smtClean="0">
-                <a:solidFill>
-                  <a:schemeClr val="accent5">
-                    <a:lumMod val="75000"/>
-                  </a:schemeClr>
-                </a:solidFill>
-              </a:rPr>
-              <a:t> RE: none</a:t>
-            </a:r>
-          </a:p>
-          <a:p>
-            <a:pPr lvl="1"/>
-            <a:r>
-              <a:rPr lang="en-US" dirty="0" smtClean="0">
-                <a:solidFill>
-                  <a:schemeClr val="accent4">
-                    <a:lumMod val="75000"/>
-                  </a:schemeClr>
-                </a:solidFill>
-              </a:rPr>
-              <a:t>Age comp: logistic-normal-ar1-miss0</a:t>
-            </a:r>
-          </a:p>
-        </p:txBody>
-      </p:sp>
-      <p:sp>
-        <p:nvSpPr>
-          <p:cNvPr id="7" name="Text Placeholder 6"/>
-          <p:cNvSpPr>
-            <a:spLocks noGrp="1"/>
-          </p:cNvSpPr>
-          <p:nvPr>
-            <p:ph type="body" sz="quarter" idx="3"/>
-          </p:nvPr>
-        </p:nvSpPr>
-        <p:spPr/>
-        <p:txBody>
-          <a:bodyPr/>
-          <a:lstStyle/>
-          <a:p>
-            <a:r>
-              <a:rPr lang="en-US" dirty="0" smtClean="0"/>
-              <a:t>Run 38 Indices</a:t>
-            </a:r>
-            <a:endParaRPr lang="en-US" dirty="0"/>
-          </a:p>
-        </p:txBody>
-      </p:sp>
-      <p:sp>
-        <p:nvSpPr>
-          <p:cNvPr id="8" name="Content Placeholder 7"/>
-          <p:cNvSpPr>
-            <a:spLocks noGrp="1"/>
-          </p:cNvSpPr>
-          <p:nvPr>
-            <p:ph sz="quarter" idx="4"/>
-          </p:nvPr>
-        </p:nvSpPr>
-        <p:spPr>
-          <a:xfrm>
-            <a:off x="6172200" y="2505075"/>
-            <a:ext cx="2728866" cy="3684588"/>
-          </a:xfrm>
-        </p:spPr>
-        <p:txBody>
-          <a:bodyPr>
-            <a:normAutofit/>
-          </a:bodyPr>
-          <a:lstStyle/>
-          <a:p>
-            <a:r>
-              <a:rPr lang="en-US" dirty="0" smtClean="0"/>
-              <a:t>North</a:t>
-            </a:r>
-          </a:p>
-          <a:p>
-            <a:pPr lvl="1"/>
-            <a:r>
-              <a:rPr lang="en-US" dirty="0" smtClean="0"/>
-              <a:t>Spring Albatross</a:t>
-            </a:r>
-          </a:p>
-          <a:p>
-            <a:pPr lvl="1"/>
-            <a:r>
-              <a:rPr lang="en-US" dirty="0" smtClean="0"/>
-              <a:t>NEAMAP</a:t>
-            </a:r>
-          </a:p>
-          <a:p>
-            <a:pPr lvl="1"/>
-            <a:r>
-              <a:rPr lang="en-US" dirty="0" smtClean="0"/>
-              <a:t>Bigelow</a:t>
-            </a:r>
-          </a:p>
-          <a:p>
-            <a:r>
-              <a:rPr lang="en-US" dirty="0" err="1" smtClean="0">
-                <a:solidFill>
-                  <a:schemeClr val="accent5">
-                    <a:lumMod val="75000"/>
-                  </a:schemeClr>
-                </a:solidFill>
-              </a:rPr>
-              <a:t>Sel</a:t>
-            </a:r>
-            <a:r>
-              <a:rPr lang="en-US" dirty="0" smtClean="0">
-                <a:solidFill>
-                  <a:schemeClr val="accent5">
-                    <a:lumMod val="75000"/>
-                  </a:schemeClr>
-                </a:solidFill>
-              </a:rPr>
-              <a:t> RE: none </a:t>
-            </a:r>
-            <a:r>
-              <a:rPr lang="en-US" dirty="0" smtClean="0">
-                <a:solidFill>
-                  <a:schemeClr val="accent4">
-                    <a:lumMod val="75000"/>
-                  </a:schemeClr>
-                </a:solidFill>
-              </a:rPr>
-              <a:t>Age comp: </a:t>
-            </a:r>
-            <a:r>
-              <a:rPr lang="en-US" dirty="0" err="1" smtClean="0">
-                <a:solidFill>
-                  <a:schemeClr val="accent4">
-                    <a:lumMod val="75000"/>
-                  </a:schemeClr>
-                </a:solidFill>
-              </a:rPr>
-              <a:t>dir-mult</a:t>
-            </a:r>
-            <a:endParaRPr lang="en-US" dirty="0" smtClean="0">
-              <a:solidFill>
-                <a:schemeClr val="accent4">
-                  <a:lumMod val="75000"/>
-                </a:schemeClr>
-              </a:solidFill>
-            </a:endParaRPr>
-          </a:p>
-        </p:txBody>
-      </p:sp>
-      <p:sp>
-        <p:nvSpPr>
-          <p:cNvPr id="10" name="Content Placeholder 7"/>
-          <p:cNvSpPr txBox="1">
-            <a:spLocks/>
-          </p:cNvSpPr>
-          <p:nvPr/>
-        </p:nvSpPr>
-        <p:spPr>
-          <a:xfrm>
-            <a:off x="9075691" y="2391863"/>
-            <a:ext cx="2728866" cy="4200527"/>
-          </a:xfrm>
-          <a:prstGeom prst="rect">
-            <a:avLst/>
-          </a:prstGeom>
-        </p:spPr>
-        <p:txBody>
-          <a:bodyPr vert="horz" lIns="91440" tIns="45720" rIns="91440" bIns="45720" rtlCol="0">
-            <a:normAutofit/>
-          </a:bodyPr>
-          <a:lstStyle>
-            <a:lvl1pPr marL="228600" indent="-228600" algn="l" defTabSz="914400" rtl="0" eaLnBrk="1" latinLnBrk="0" hangingPunct="1">
-              <a:lnSpc>
-                <a:spcPct val="90000"/>
-              </a:lnSpc>
-              <a:spcBef>
-                <a:spcPts val="1000"/>
-              </a:spcBef>
-              <a:buFont typeface="Arial" panose="020B0604020202020204" pitchFamily="34" charset="0"/>
-              <a:buChar char="•"/>
-              <a:defRPr sz="2800" kern="1200">
-                <a:solidFill>
-                  <a:schemeClr val="tx1"/>
-                </a:solidFill>
-                <a:latin typeface="+mn-lt"/>
-                <a:ea typeface="+mn-ea"/>
-                <a:cs typeface="+mn-cs"/>
-              </a:defRPr>
-            </a:lvl1pPr>
-            <a:lvl2pPr marL="685800" indent="-228600" algn="l" defTabSz="914400" rtl="0" eaLnBrk="1" latinLnBrk="0" hangingPunct="1">
-              <a:lnSpc>
-                <a:spcPct val="90000"/>
-              </a:lnSpc>
-              <a:spcBef>
-                <a:spcPts val="500"/>
-              </a:spcBef>
-              <a:buFont typeface="Arial" panose="020B0604020202020204" pitchFamily="34" charset="0"/>
-              <a:buChar char="•"/>
-              <a:defRPr sz="2400" kern="1200">
-                <a:solidFill>
-                  <a:schemeClr val="tx1"/>
-                </a:solidFill>
-                <a:latin typeface="+mn-lt"/>
-                <a:ea typeface="+mn-ea"/>
-                <a:cs typeface="+mn-cs"/>
-              </a:defRPr>
-            </a:lvl2pPr>
-            <a:lvl3pPr marL="1143000" indent="-228600" algn="l" defTabSz="914400" rtl="0" eaLnBrk="1" latinLnBrk="0" hangingPunct="1">
-              <a:lnSpc>
-                <a:spcPct val="90000"/>
-              </a:lnSpc>
-              <a:spcBef>
-                <a:spcPts val="500"/>
-              </a:spcBef>
-              <a:buFont typeface="Arial" panose="020B0604020202020204" pitchFamily="34" charset="0"/>
-              <a:buChar char="•"/>
-              <a:defRPr sz="2000" kern="1200">
-                <a:solidFill>
-                  <a:schemeClr val="tx1"/>
-                </a:solidFill>
-                <a:latin typeface="+mn-lt"/>
-                <a:ea typeface="+mn-ea"/>
-                <a:cs typeface="+mn-cs"/>
-              </a:defRPr>
-            </a:lvl3pPr>
-            <a:lvl4pPr marL="1600200" indent="-228600" algn="l" defTabSz="914400" rtl="0" eaLnBrk="1" latinLnBrk="0" hangingPunct="1">
-              <a:lnSpc>
-                <a:spcPct val="90000"/>
-              </a:lnSpc>
-              <a:spcBef>
-                <a:spcPts val="500"/>
-              </a:spcBef>
-              <a:buFont typeface="Arial" panose="020B0604020202020204" pitchFamily="34" charset="0"/>
-              <a:buChar char="•"/>
-              <a:defRPr sz="1800" kern="1200">
-                <a:solidFill>
-                  <a:schemeClr val="tx1"/>
-                </a:solidFill>
-                <a:latin typeface="+mn-lt"/>
-                <a:ea typeface="+mn-ea"/>
-                <a:cs typeface="+mn-cs"/>
-              </a:defRPr>
-            </a:lvl4pPr>
-            <a:lvl5pPr marL="2057400" indent="-228600" algn="l" defTabSz="914400" rtl="0" eaLnBrk="1" latinLnBrk="0" hangingPunct="1">
-              <a:lnSpc>
-                <a:spcPct val="90000"/>
-              </a:lnSpc>
-              <a:spcBef>
-                <a:spcPts val="500"/>
-              </a:spcBef>
-              <a:buFont typeface="Arial" panose="020B0604020202020204" pitchFamily="34" charset="0"/>
-              <a:buChar char="•"/>
-              <a:defRPr sz="1800" kern="1200">
-                <a:solidFill>
-                  <a:schemeClr val="tx1"/>
-                </a:solidFill>
-                <a:latin typeface="+mn-lt"/>
-                <a:ea typeface="+mn-ea"/>
-                <a:cs typeface="+mn-cs"/>
-              </a:defRPr>
-            </a:lvl5pPr>
-            <a:lvl6pPr marL="2514600" indent="-228600" algn="l" defTabSz="914400" rtl="0" eaLnBrk="1" latinLnBrk="0" hangingPunct="1">
-              <a:lnSpc>
-                <a:spcPct val="90000"/>
-              </a:lnSpc>
-              <a:spcBef>
-                <a:spcPts val="500"/>
-              </a:spcBef>
-              <a:buFont typeface="Arial" panose="020B0604020202020204" pitchFamily="34" charset="0"/>
-              <a:buChar char="•"/>
-              <a:defRPr sz="1800" kern="1200">
-                <a:solidFill>
-                  <a:schemeClr val="tx1"/>
-                </a:solidFill>
-                <a:latin typeface="+mn-lt"/>
-                <a:ea typeface="+mn-ea"/>
-                <a:cs typeface="+mn-cs"/>
-              </a:defRPr>
-            </a:lvl6pPr>
-            <a:lvl7pPr marL="2971800" indent="-228600" algn="l" defTabSz="914400" rtl="0" eaLnBrk="1" latinLnBrk="0" hangingPunct="1">
-              <a:lnSpc>
-                <a:spcPct val="90000"/>
-              </a:lnSpc>
-              <a:spcBef>
-                <a:spcPts val="500"/>
-              </a:spcBef>
-              <a:buFont typeface="Arial" panose="020B0604020202020204" pitchFamily="34" charset="0"/>
-              <a:buChar char="•"/>
-              <a:defRPr sz="1800" kern="1200">
-                <a:solidFill>
-                  <a:schemeClr val="tx1"/>
-                </a:solidFill>
-                <a:latin typeface="+mn-lt"/>
-                <a:ea typeface="+mn-ea"/>
-                <a:cs typeface="+mn-cs"/>
-              </a:defRPr>
-            </a:lvl7pPr>
-            <a:lvl8pPr marL="3429000" indent="-228600" algn="l" defTabSz="914400" rtl="0" eaLnBrk="1" latinLnBrk="0" hangingPunct="1">
-              <a:lnSpc>
-                <a:spcPct val="90000"/>
-              </a:lnSpc>
-              <a:spcBef>
-                <a:spcPts val="500"/>
-              </a:spcBef>
-              <a:buFont typeface="Arial" panose="020B0604020202020204" pitchFamily="34" charset="0"/>
-              <a:buChar char="•"/>
-              <a:defRPr sz="1800" kern="1200">
-                <a:solidFill>
-                  <a:schemeClr val="tx1"/>
-                </a:solidFill>
-                <a:latin typeface="+mn-lt"/>
-                <a:ea typeface="+mn-ea"/>
-                <a:cs typeface="+mn-cs"/>
-              </a:defRPr>
-            </a:lvl8pPr>
-            <a:lvl9pPr marL="3886200" indent="-228600" algn="l" defTabSz="914400" rtl="0" eaLnBrk="1" latinLnBrk="0" hangingPunct="1">
-              <a:lnSpc>
-                <a:spcPct val="90000"/>
-              </a:lnSpc>
-              <a:spcBef>
-                <a:spcPts val="500"/>
-              </a:spcBef>
-              <a:buFont typeface="Arial" panose="020B0604020202020204" pitchFamily="34" charset="0"/>
-              <a:buChar char="•"/>
-              <a:defRPr sz="1800" kern="1200">
-                <a:solidFill>
-                  <a:schemeClr val="tx1"/>
-                </a:solidFill>
-                <a:latin typeface="+mn-lt"/>
-                <a:ea typeface="+mn-ea"/>
-                <a:cs typeface="+mn-cs"/>
-              </a:defRPr>
-            </a:lvl9pPr>
-          </a:lstStyle>
-          <a:p>
-            <a:r>
-              <a:rPr lang="en-US" dirty="0" smtClean="0"/>
-              <a:t>South</a:t>
-            </a:r>
-          </a:p>
-          <a:p>
-            <a:pPr lvl="1"/>
-            <a:r>
-              <a:rPr lang="en-US" dirty="0" smtClean="0"/>
-              <a:t>Spring Albatross</a:t>
-            </a:r>
-          </a:p>
-          <a:p>
-            <a:pPr lvl="1"/>
-            <a:r>
-              <a:rPr lang="en-US" dirty="0" smtClean="0"/>
-              <a:t>NEAMAP</a:t>
-            </a:r>
-          </a:p>
-          <a:p>
-            <a:pPr lvl="1"/>
-            <a:r>
-              <a:rPr lang="en-US" dirty="0" smtClean="0"/>
-              <a:t>Winter BT</a:t>
-            </a:r>
-          </a:p>
-          <a:p>
-            <a:pPr lvl="1"/>
-            <a:r>
-              <a:rPr lang="en-US" dirty="0" smtClean="0"/>
-              <a:t>Bigelow</a:t>
-            </a:r>
-          </a:p>
-          <a:p>
-            <a:r>
-              <a:rPr lang="en-US" dirty="0" err="1" smtClean="0">
-                <a:solidFill>
-                  <a:schemeClr val="accent5">
-                    <a:lumMod val="75000"/>
-                  </a:schemeClr>
-                </a:solidFill>
-              </a:rPr>
-              <a:t>Sel</a:t>
-            </a:r>
-            <a:r>
-              <a:rPr lang="en-US" dirty="0" smtClean="0">
-                <a:solidFill>
-                  <a:schemeClr val="accent5">
-                    <a:lumMod val="75000"/>
-                  </a:schemeClr>
-                </a:solidFill>
-              </a:rPr>
-              <a:t> RE: none</a:t>
-            </a:r>
-          </a:p>
-          <a:p>
-            <a:r>
-              <a:rPr lang="en-US" dirty="0" smtClean="0">
-                <a:solidFill>
-                  <a:schemeClr val="accent4">
-                    <a:lumMod val="75000"/>
-                  </a:schemeClr>
-                </a:solidFill>
-              </a:rPr>
-              <a:t>Age comp: logistic-normal-ar1-miss0</a:t>
-            </a:r>
           </a:p>
         </p:txBody>
       </p:sp>
     </p:spTree>
     <p:extLst>
       <p:ext uri="{BB962C8B-B14F-4D97-AF65-F5344CB8AC3E}">
-        <p14:creationId xmlns:p14="http://schemas.microsoft.com/office/powerpoint/2010/main" val="1679956051"/>
+        <p14:creationId xmlns:p14="http://schemas.microsoft.com/office/powerpoint/2010/main" val="149695505"/>
       </p:ext>
     </p:extLst>
   </p:cSld>
@@ -6645,6 +6221,595 @@
           </a:p>
         </p:txBody>
       </p:sp>
+    </p:spTree>
+    <p:extLst>
+      <p:ext uri="{BB962C8B-B14F-4D97-AF65-F5344CB8AC3E}">
+        <p14:creationId xmlns:p14="http://schemas.microsoft.com/office/powerpoint/2010/main" val="1679956051"/>
+      </p:ext>
+    </p:extLst>
+  </p:cSld>
+  <p:clrMapOvr>
+    <a:masterClrMapping/>
+  </p:clrMapOvr>
+  <p:timing>
+    <p:tnLst>
+      <p:par>
+        <p:cTn id="1" dur="indefinite" restart="never" nodeType="tmRoot"/>
+      </p:par>
+    </p:tnLst>
+  </p:timing>
+</p:sld>
+</file>
+
+<file path=ppt/slides/slide31.xml><?xml version="1.0" encoding="utf-8"?>
+<p:sld xmlns:a="http://schemas.openxmlformats.org/drawingml/2006/main" xmlns:r="http://schemas.openxmlformats.org/officeDocument/2006/relationships" xmlns:p="http://schemas.openxmlformats.org/presentationml/2006/main">
+  <p:cSld>
+    <p:spTree>
+      <p:nvGrpSpPr>
+        <p:cNvPr id="1" name=""/>
+        <p:cNvGrpSpPr/>
+        <p:nvPr/>
+      </p:nvGrpSpPr>
+      <p:grpSpPr>
+        <a:xfrm>
+          <a:off x="0" y="0"/>
+          <a:ext cx="0" cy="0"/>
+          <a:chOff x="0" y="0"/>
+          <a:chExt cx="0" cy="0"/>
+        </a:xfrm>
+      </p:grpSpPr>
+      <p:sp>
+        <p:nvSpPr>
+          <p:cNvPr id="4" name="Title 3"/>
+          <p:cNvSpPr>
+            <a:spLocks noGrp="1"/>
+          </p:cNvSpPr>
+          <p:nvPr>
+            <p:ph type="title"/>
+          </p:nvPr>
+        </p:nvSpPr>
+        <p:spPr/>
+        <p:txBody>
+          <a:bodyPr/>
+          <a:lstStyle/>
+          <a:p>
+            <a:r>
+              <a:rPr lang="en-US" dirty="0" smtClean="0"/>
+              <a:t>Option 3: Run38 (NEAMAP Spring/Fall?)</a:t>
+            </a:r>
+            <a:endParaRPr lang="en-US" dirty="0"/>
+          </a:p>
+        </p:txBody>
+      </p:sp>
+      <p:sp>
+        <p:nvSpPr>
+          <p:cNvPr id="5" name="Text Placeholder 4"/>
+          <p:cNvSpPr>
+            <a:spLocks noGrp="1"/>
+          </p:cNvSpPr>
+          <p:nvPr>
+            <p:ph type="body" idx="1"/>
+          </p:nvPr>
+        </p:nvSpPr>
+        <p:spPr/>
+        <p:txBody>
+          <a:bodyPr/>
+          <a:lstStyle/>
+          <a:p>
+            <a:r>
+              <a:rPr lang="en-US" dirty="0" smtClean="0"/>
+              <a:t>Run 34 Indices</a:t>
+            </a:r>
+            <a:endParaRPr lang="en-US" dirty="0"/>
+          </a:p>
+        </p:txBody>
+      </p:sp>
+      <p:sp>
+        <p:nvSpPr>
+          <p:cNvPr id="6" name="Content Placeholder 5"/>
+          <p:cNvSpPr>
+            <a:spLocks noGrp="1"/>
+          </p:cNvSpPr>
+          <p:nvPr>
+            <p:ph sz="half" idx="2"/>
+          </p:nvPr>
+        </p:nvSpPr>
+        <p:spPr/>
+        <p:txBody>
+          <a:bodyPr>
+            <a:normAutofit/>
+          </a:bodyPr>
+          <a:lstStyle/>
+          <a:p>
+            <a:r>
+              <a:rPr lang="en-US" dirty="0" smtClean="0"/>
+              <a:t>North VAST</a:t>
+            </a:r>
+          </a:p>
+          <a:p>
+            <a:pPr lvl="1"/>
+            <a:r>
+              <a:rPr lang="en-US" dirty="0" err="1" smtClean="0">
+                <a:solidFill>
+                  <a:schemeClr val="accent5">
+                    <a:lumMod val="75000"/>
+                  </a:schemeClr>
+                </a:solidFill>
+              </a:rPr>
+              <a:t>Sel</a:t>
+            </a:r>
+            <a:r>
+              <a:rPr lang="en-US" dirty="0">
+                <a:solidFill>
+                  <a:schemeClr val="accent5">
+                    <a:lumMod val="75000"/>
+                  </a:schemeClr>
+                </a:solidFill>
+              </a:rPr>
+              <a:t> </a:t>
+            </a:r>
+            <a:r>
+              <a:rPr lang="en-US" dirty="0" smtClean="0">
+                <a:solidFill>
+                  <a:schemeClr val="accent5">
+                    <a:lumMod val="75000"/>
+                  </a:schemeClr>
+                </a:solidFill>
+              </a:rPr>
+              <a:t>RE: 2dar1</a:t>
+            </a:r>
+          </a:p>
+          <a:p>
+            <a:pPr lvl="1"/>
+            <a:r>
+              <a:rPr lang="en-US" dirty="0" smtClean="0">
+                <a:solidFill>
+                  <a:schemeClr val="accent4">
+                    <a:lumMod val="75000"/>
+                  </a:schemeClr>
+                </a:solidFill>
+              </a:rPr>
+              <a:t>Age comp: </a:t>
+            </a:r>
+            <a:r>
+              <a:rPr lang="en-US" dirty="0" err="1" smtClean="0">
+                <a:solidFill>
+                  <a:schemeClr val="accent4">
+                    <a:lumMod val="75000"/>
+                  </a:schemeClr>
+                </a:solidFill>
+              </a:rPr>
+              <a:t>dir-mult</a:t>
+            </a:r>
+            <a:endParaRPr lang="en-US" dirty="0" smtClean="0">
+              <a:solidFill>
+                <a:schemeClr val="accent4">
+                  <a:lumMod val="75000"/>
+                </a:schemeClr>
+              </a:solidFill>
+            </a:endParaRPr>
+          </a:p>
+          <a:p>
+            <a:r>
+              <a:rPr lang="en-US" dirty="0" smtClean="0"/>
+              <a:t>South VAST</a:t>
+            </a:r>
+          </a:p>
+          <a:p>
+            <a:pPr lvl="1"/>
+            <a:r>
+              <a:rPr lang="en-US" dirty="0" err="1" smtClean="0">
+                <a:solidFill>
+                  <a:schemeClr val="accent5">
+                    <a:lumMod val="75000"/>
+                  </a:schemeClr>
+                </a:solidFill>
+              </a:rPr>
+              <a:t>Sel</a:t>
+            </a:r>
+            <a:r>
+              <a:rPr lang="en-US" dirty="0" smtClean="0">
+                <a:solidFill>
+                  <a:schemeClr val="accent5">
+                    <a:lumMod val="75000"/>
+                  </a:schemeClr>
+                </a:solidFill>
+              </a:rPr>
+              <a:t> RE: none</a:t>
+            </a:r>
+          </a:p>
+          <a:p>
+            <a:pPr lvl="1"/>
+            <a:r>
+              <a:rPr lang="en-US" dirty="0" smtClean="0">
+                <a:solidFill>
+                  <a:schemeClr val="accent4">
+                    <a:lumMod val="75000"/>
+                  </a:schemeClr>
+                </a:solidFill>
+              </a:rPr>
+              <a:t>Age comp: logistic-normal-ar1-miss0</a:t>
+            </a:r>
+          </a:p>
+        </p:txBody>
+      </p:sp>
+      <p:sp>
+        <p:nvSpPr>
+          <p:cNvPr id="7" name="Text Placeholder 6"/>
+          <p:cNvSpPr>
+            <a:spLocks noGrp="1"/>
+          </p:cNvSpPr>
+          <p:nvPr>
+            <p:ph type="body" sz="quarter" idx="3"/>
+          </p:nvPr>
+        </p:nvSpPr>
+        <p:spPr/>
+        <p:txBody>
+          <a:bodyPr/>
+          <a:lstStyle/>
+          <a:p>
+            <a:r>
+              <a:rPr lang="en-US" dirty="0" smtClean="0"/>
+              <a:t>Run 38 Indices</a:t>
+            </a:r>
+            <a:endParaRPr lang="en-US" dirty="0"/>
+          </a:p>
+        </p:txBody>
+      </p:sp>
+      <p:sp>
+        <p:nvSpPr>
+          <p:cNvPr id="8" name="Content Placeholder 7"/>
+          <p:cNvSpPr>
+            <a:spLocks noGrp="1"/>
+          </p:cNvSpPr>
+          <p:nvPr>
+            <p:ph sz="quarter" idx="4"/>
+          </p:nvPr>
+        </p:nvSpPr>
+        <p:spPr>
+          <a:xfrm>
+            <a:off x="6172200" y="2505075"/>
+            <a:ext cx="2728866" cy="3684588"/>
+          </a:xfrm>
+        </p:spPr>
+        <p:txBody>
+          <a:bodyPr>
+            <a:normAutofit/>
+          </a:bodyPr>
+          <a:lstStyle/>
+          <a:p>
+            <a:r>
+              <a:rPr lang="en-US" dirty="0" smtClean="0"/>
+              <a:t>North</a:t>
+            </a:r>
+          </a:p>
+          <a:p>
+            <a:pPr lvl="1"/>
+            <a:r>
+              <a:rPr lang="en-US" dirty="0" smtClean="0"/>
+              <a:t>Spring Albatross</a:t>
+            </a:r>
+          </a:p>
+          <a:p>
+            <a:pPr lvl="1"/>
+            <a:r>
+              <a:rPr lang="en-US" dirty="0" smtClean="0"/>
+              <a:t>NEAMAP</a:t>
+            </a:r>
+          </a:p>
+          <a:p>
+            <a:pPr lvl="1"/>
+            <a:r>
+              <a:rPr lang="en-US" dirty="0" smtClean="0"/>
+              <a:t>Bigelow</a:t>
+            </a:r>
+          </a:p>
+          <a:p>
+            <a:r>
+              <a:rPr lang="en-US" dirty="0" err="1" smtClean="0">
+                <a:solidFill>
+                  <a:schemeClr val="accent5">
+                    <a:lumMod val="75000"/>
+                  </a:schemeClr>
+                </a:solidFill>
+              </a:rPr>
+              <a:t>Sel</a:t>
+            </a:r>
+            <a:r>
+              <a:rPr lang="en-US" dirty="0" smtClean="0">
+                <a:solidFill>
+                  <a:schemeClr val="accent5">
+                    <a:lumMod val="75000"/>
+                  </a:schemeClr>
+                </a:solidFill>
+              </a:rPr>
+              <a:t> RE: none </a:t>
+            </a:r>
+            <a:r>
+              <a:rPr lang="en-US" dirty="0" smtClean="0">
+                <a:solidFill>
+                  <a:schemeClr val="accent4">
+                    <a:lumMod val="75000"/>
+                  </a:schemeClr>
+                </a:solidFill>
+              </a:rPr>
+              <a:t>Age comp: </a:t>
+            </a:r>
+            <a:r>
+              <a:rPr lang="en-US" dirty="0" err="1" smtClean="0">
+                <a:solidFill>
+                  <a:schemeClr val="accent4">
+                    <a:lumMod val="75000"/>
+                  </a:schemeClr>
+                </a:solidFill>
+              </a:rPr>
+              <a:t>dir-mult</a:t>
+            </a:r>
+            <a:endParaRPr lang="en-US" dirty="0" smtClean="0">
+              <a:solidFill>
+                <a:schemeClr val="accent4">
+                  <a:lumMod val="75000"/>
+                </a:schemeClr>
+              </a:solidFill>
+            </a:endParaRPr>
+          </a:p>
+        </p:txBody>
+      </p:sp>
+      <p:sp>
+        <p:nvSpPr>
+          <p:cNvPr id="10" name="Content Placeholder 7"/>
+          <p:cNvSpPr txBox="1">
+            <a:spLocks/>
+          </p:cNvSpPr>
+          <p:nvPr/>
+        </p:nvSpPr>
+        <p:spPr>
+          <a:xfrm>
+            <a:off x="9075691" y="2391863"/>
+            <a:ext cx="2728866" cy="4200527"/>
+          </a:xfrm>
+          <a:prstGeom prst="rect">
+            <a:avLst/>
+          </a:prstGeom>
+        </p:spPr>
+        <p:txBody>
+          <a:bodyPr vert="horz" lIns="91440" tIns="45720" rIns="91440" bIns="45720" rtlCol="0">
+            <a:normAutofit/>
+          </a:bodyPr>
+          <a:lstStyle>
+            <a:lvl1pPr marL="228600" indent="-228600" algn="l" defTabSz="914400" rtl="0" eaLnBrk="1" latinLnBrk="0" hangingPunct="1">
+              <a:lnSpc>
+                <a:spcPct val="90000"/>
+              </a:lnSpc>
+              <a:spcBef>
+                <a:spcPts val="1000"/>
+              </a:spcBef>
+              <a:buFont typeface="Arial" panose="020B0604020202020204" pitchFamily="34" charset="0"/>
+              <a:buChar char="•"/>
+              <a:defRPr sz="2800" kern="1200">
+                <a:solidFill>
+                  <a:schemeClr val="tx1"/>
+                </a:solidFill>
+                <a:latin typeface="+mn-lt"/>
+                <a:ea typeface="+mn-ea"/>
+                <a:cs typeface="+mn-cs"/>
+              </a:defRPr>
+            </a:lvl1pPr>
+            <a:lvl2pPr marL="685800" indent="-228600" algn="l" defTabSz="914400" rtl="0" eaLnBrk="1" latinLnBrk="0" hangingPunct="1">
+              <a:lnSpc>
+                <a:spcPct val="90000"/>
+              </a:lnSpc>
+              <a:spcBef>
+                <a:spcPts val="500"/>
+              </a:spcBef>
+              <a:buFont typeface="Arial" panose="020B0604020202020204" pitchFamily="34" charset="0"/>
+              <a:buChar char="•"/>
+              <a:defRPr sz="2400" kern="1200">
+                <a:solidFill>
+                  <a:schemeClr val="tx1"/>
+                </a:solidFill>
+                <a:latin typeface="+mn-lt"/>
+                <a:ea typeface="+mn-ea"/>
+                <a:cs typeface="+mn-cs"/>
+              </a:defRPr>
+            </a:lvl2pPr>
+            <a:lvl3pPr marL="1143000" indent="-228600" algn="l" defTabSz="914400" rtl="0" eaLnBrk="1" latinLnBrk="0" hangingPunct="1">
+              <a:lnSpc>
+                <a:spcPct val="90000"/>
+              </a:lnSpc>
+              <a:spcBef>
+                <a:spcPts val="500"/>
+              </a:spcBef>
+              <a:buFont typeface="Arial" panose="020B0604020202020204" pitchFamily="34" charset="0"/>
+              <a:buChar char="•"/>
+              <a:defRPr sz="2000" kern="1200">
+                <a:solidFill>
+                  <a:schemeClr val="tx1"/>
+                </a:solidFill>
+                <a:latin typeface="+mn-lt"/>
+                <a:ea typeface="+mn-ea"/>
+                <a:cs typeface="+mn-cs"/>
+              </a:defRPr>
+            </a:lvl3pPr>
+            <a:lvl4pPr marL="1600200" indent="-228600" algn="l" defTabSz="914400" rtl="0" eaLnBrk="1" latinLnBrk="0" hangingPunct="1">
+              <a:lnSpc>
+                <a:spcPct val="90000"/>
+              </a:lnSpc>
+              <a:spcBef>
+                <a:spcPts val="500"/>
+              </a:spcBef>
+              <a:buFont typeface="Arial" panose="020B0604020202020204" pitchFamily="34" charset="0"/>
+              <a:buChar char="•"/>
+              <a:defRPr sz="1800" kern="1200">
+                <a:solidFill>
+                  <a:schemeClr val="tx1"/>
+                </a:solidFill>
+                <a:latin typeface="+mn-lt"/>
+                <a:ea typeface="+mn-ea"/>
+                <a:cs typeface="+mn-cs"/>
+              </a:defRPr>
+            </a:lvl4pPr>
+            <a:lvl5pPr marL="2057400" indent="-228600" algn="l" defTabSz="914400" rtl="0" eaLnBrk="1" latinLnBrk="0" hangingPunct="1">
+              <a:lnSpc>
+                <a:spcPct val="90000"/>
+              </a:lnSpc>
+              <a:spcBef>
+                <a:spcPts val="500"/>
+              </a:spcBef>
+              <a:buFont typeface="Arial" panose="020B0604020202020204" pitchFamily="34" charset="0"/>
+              <a:buChar char="•"/>
+              <a:defRPr sz="1800" kern="1200">
+                <a:solidFill>
+                  <a:schemeClr val="tx1"/>
+                </a:solidFill>
+                <a:latin typeface="+mn-lt"/>
+                <a:ea typeface="+mn-ea"/>
+                <a:cs typeface="+mn-cs"/>
+              </a:defRPr>
+            </a:lvl5pPr>
+            <a:lvl6pPr marL="2514600" indent="-228600" algn="l" defTabSz="914400" rtl="0" eaLnBrk="1" latinLnBrk="0" hangingPunct="1">
+              <a:lnSpc>
+                <a:spcPct val="90000"/>
+              </a:lnSpc>
+              <a:spcBef>
+                <a:spcPts val="500"/>
+              </a:spcBef>
+              <a:buFont typeface="Arial" panose="020B0604020202020204" pitchFamily="34" charset="0"/>
+              <a:buChar char="•"/>
+              <a:defRPr sz="1800" kern="1200">
+                <a:solidFill>
+                  <a:schemeClr val="tx1"/>
+                </a:solidFill>
+                <a:latin typeface="+mn-lt"/>
+                <a:ea typeface="+mn-ea"/>
+                <a:cs typeface="+mn-cs"/>
+              </a:defRPr>
+            </a:lvl6pPr>
+            <a:lvl7pPr marL="2971800" indent="-228600" algn="l" defTabSz="914400" rtl="0" eaLnBrk="1" latinLnBrk="0" hangingPunct="1">
+              <a:lnSpc>
+                <a:spcPct val="90000"/>
+              </a:lnSpc>
+              <a:spcBef>
+                <a:spcPts val="500"/>
+              </a:spcBef>
+              <a:buFont typeface="Arial" panose="020B0604020202020204" pitchFamily="34" charset="0"/>
+              <a:buChar char="•"/>
+              <a:defRPr sz="1800" kern="1200">
+                <a:solidFill>
+                  <a:schemeClr val="tx1"/>
+                </a:solidFill>
+                <a:latin typeface="+mn-lt"/>
+                <a:ea typeface="+mn-ea"/>
+                <a:cs typeface="+mn-cs"/>
+              </a:defRPr>
+            </a:lvl7pPr>
+            <a:lvl8pPr marL="3429000" indent="-228600" algn="l" defTabSz="914400" rtl="0" eaLnBrk="1" latinLnBrk="0" hangingPunct="1">
+              <a:lnSpc>
+                <a:spcPct val="90000"/>
+              </a:lnSpc>
+              <a:spcBef>
+                <a:spcPts val="500"/>
+              </a:spcBef>
+              <a:buFont typeface="Arial" panose="020B0604020202020204" pitchFamily="34" charset="0"/>
+              <a:buChar char="•"/>
+              <a:defRPr sz="1800" kern="1200">
+                <a:solidFill>
+                  <a:schemeClr val="tx1"/>
+                </a:solidFill>
+                <a:latin typeface="+mn-lt"/>
+                <a:ea typeface="+mn-ea"/>
+                <a:cs typeface="+mn-cs"/>
+              </a:defRPr>
+            </a:lvl8pPr>
+            <a:lvl9pPr marL="3886200" indent="-228600" algn="l" defTabSz="914400" rtl="0" eaLnBrk="1" latinLnBrk="0" hangingPunct="1">
+              <a:lnSpc>
+                <a:spcPct val="90000"/>
+              </a:lnSpc>
+              <a:spcBef>
+                <a:spcPts val="500"/>
+              </a:spcBef>
+              <a:buFont typeface="Arial" panose="020B0604020202020204" pitchFamily="34" charset="0"/>
+              <a:buChar char="•"/>
+              <a:defRPr sz="1800" kern="1200">
+                <a:solidFill>
+                  <a:schemeClr val="tx1"/>
+                </a:solidFill>
+                <a:latin typeface="+mn-lt"/>
+                <a:ea typeface="+mn-ea"/>
+                <a:cs typeface="+mn-cs"/>
+              </a:defRPr>
+            </a:lvl9pPr>
+          </a:lstStyle>
+          <a:p>
+            <a:r>
+              <a:rPr lang="en-US" dirty="0" smtClean="0"/>
+              <a:t>South</a:t>
+            </a:r>
+          </a:p>
+          <a:p>
+            <a:pPr lvl="1"/>
+            <a:r>
+              <a:rPr lang="en-US" dirty="0" smtClean="0"/>
+              <a:t>Spring Albatross</a:t>
+            </a:r>
+          </a:p>
+          <a:p>
+            <a:pPr lvl="1"/>
+            <a:r>
+              <a:rPr lang="en-US" dirty="0" smtClean="0"/>
+              <a:t>NEAMAP</a:t>
+            </a:r>
+          </a:p>
+          <a:p>
+            <a:pPr lvl="1"/>
+            <a:r>
+              <a:rPr lang="en-US" dirty="0" smtClean="0"/>
+              <a:t>Winter BT</a:t>
+            </a:r>
+          </a:p>
+          <a:p>
+            <a:pPr lvl="1"/>
+            <a:r>
+              <a:rPr lang="en-US" dirty="0" smtClean="0"/>
+              <a:t>Bigelow</a:t>
+            </a:r>
+          </a:p>
+          <a:p>
+            <a:r>
+              <a:rPr lang="en-US" dirty="0" err="1" smtClean="0">
+                <a:solidFill>
+                  <a:schemeClr val="accent5">
+                    <a:lumMod val="75000"/>
+                  </a:schemeClr>
+                </a:solidFill>
+              </a:rPr>
+              <a:t>Sel</a:t>
+            </a:r>
+            <a:r>
+              <a:rPr lang="en-US" dirty="0" smtClean="0">
+                <a:solidFill>
+                  <a:schemeClr val="accent5">
+                    <a:lumMod val="75000"/>
+                  </a:schemeClr>
+                </a:solidFill>
+              </a:rPr>
+              <a:t> RE: none</a:t>
+            </a:r>
+          </a:p>
+          <a:p>
+            <a:r>
+              <a:rPr lang="en-US" dirty="0" smtClean="0">
+                <a:solidFill>
+                  <a:schemeClr val="accent4">
+                    <a:lumMod val="75000"/>
+                  </a:schemeClr>
+                </a:solidFill>
+              </a:rPr>
+              <a:t>Age comp: logistic-normal-ar1-miss0</a:t>
+            </a:r>
+          </a:p>
+        </p:txBody>
+      </p:sp>
       <p:sp>
         <p:nvSpPr>
           <p:cNvPr id="3" name="TextBox 2"/>
@@ -6703,7 +6868,7 @@
 </p:sld>
 </file>
 
-<file path=ppt/slides/slide31.xml><?xml version="1.0" encoding="utf-8"?>
+<file path=ppt/slides/slide32.xml><?xml version="1.0" encoding="utf-8"?>
 <p:sld xmlns:a="http://schemas.openxmlformats.org/drawingml/2006/main" xmlns:r="http://schemas.openxmlformats.org/officeDocument/2006/relationships" xmlns:p="http://schemas.openxmlformats.org/presentationml/2006/main">
   <p:cSld>
     <p:spTree>
@@ -6800,9 +6965,17 @@
 </p:sld>
 </file>
 
-<file path=ppt/slides/slide32.xml><?xml version="1.0" encoding="utf-8"?>
+<file path=ppt/slides/slide33.xml><?xml version="1.0" encoding="utf-8"?>
 <p:sld xmlns:a="http://schemas.openxmlformats.org/drawingml/2006/main" xmlns:r="http://schemas.openxmlformats.org/officeDocument/2006/relationships" xmlns:p="http://schemas.openxmlformats.org/presentationml/2006/main">
   <p:cSld>
+    <p:bg>
+      <p:bgPr>
+        <a:solidFill>
+          <a:srgbClr val="0070C0"/>
+        </a:solidFill>
+        <a:effectLst/>
+      </p:bgPr>
+    </p:bg>
     <p:spTree>
       <p:nvGrpSpPr>
         <p:cNvPr id="1" name=""/>
@@ -6819,244 +6992,38 @@
       </p:grpSpPr>
       <p:sp>
         <p:nvSpPr>
-          <p:cNvPr id="2" name="Title 1"/>
-          <p:cNvSpPr>
-            <a:spLocks noGrp="1"/>
-          </p:cNvSpPr>
-          <p:nvPr>
-            <p:ph type="title"/>
-          </p:nvPr>
-        </p:nvSpPr>
-        <p:spPr/>
-        <p:txBody>
-          <a:bodyPr/>
-          <a:lstStyle/>
-          <a:p>
-            <a:r>
-              <a:rPr lang="en-US" dirty="0" smtClean="0"/>
-              <a:t>From FINAL Peer Review Report</a:t>
-            </a:r>
-            <a:endParaRPr lang="en-US" dirty="0"/>
-          </a:p>
-        </p:txBody>
-      </p:sp>
-      <p:sp>
-        <p:nvSpPr>
-          <p:cNvPr id="3" name="Content Placeholder 2"/>
-          <p:cNvSpPr>
-            <a:spLocks noGrp="1"/>
-          </p:cNvSpPr>
-          <p:nvPr>
-            <p:ph idx="1"/>
-          </p:nvPr>
-        </p:nvSpPr>
-        <p:spPr/>
-        <p:txBody>
-          <a:bodyPr>
-            <a:normAutofit/>
+          <p:cNvPr id="4" name="TextBox 3"/>
+          <p:cNvSpPr txBox="1"/>
+          <p:nvPr/>
+        </p:nvSpPr>
+        <p:spPr>
+          <a:xfrm>
+            <a:off x="1040963" y="2420858"/>
+            <a:ext cx="9925987" cy="1631216"/>
+          </a:xfrm>
+          <a:prstGeom prst="rect">
+            <a:avLst/>
+          </a:prstGeom>
+          <a:noFill/>
+        </p:spPr>
+        <p:txBody>
+          <a:bodyPr wrap="none" rtlCol="0">
+            <a:spAutoFit/>
           </a:bodyPr>
           <a:lstStyle/>
           <a:p>
             <a:r>
-              <a:rPr lang="en-US" dirty="0">
-                <a:solidFill>
-                  <a:schemeClr val="bg2">
-                    <a:lumMod val="90000"/>
-                  </a:schemeClr>
-                </a:solidFill>
-              </a:rPr>
-              <a:t>Conduct sensitivity analyses including: </a:t>
-            </a:r>
-            <a:endParaRPr lang="en-US" b="0" dirty="0" smtClean="0">
-              <a:solidFill>
-                <a:schemeClr val="bg2">
-                  <a:lumMod val="90000"/>
-                </a:schemeClr>
-              </a:solidFill>
-              <a:effectLst/>
-            </a:endParaRPr>
-          </a:p>
-          <a:p>
-            <a:r>
-              <a:rPr lang="en-US" dirty="0"/>
-              <a:t>1) an exploration of alternative parameterizations for natural mortality (e.g. different age-independent constant values, or age-dependent M) </a:t>
-            </a:r>
-            <a:endParaRPr lang="en-US" b="0" dirty="0" smtClean="0">
-              <a:effectLst/>
-            </a:endParaRPr>
-          </a:p>
-          <a:p>
-            <a:r>
-              <a:rPr lang="en-US" dirty="0">
-                <a:solidFill>
-                  <a:schemeClr val="bg2">
-                    <a:lumMod val="90000"/>
-                  </a:schemeClr>
-                </a:solidFill>
-              </a:rPr>
-              <a:t>2) profiles of the initial fishing mortality (i.e. initial depletion) </a:t>
-            </a:r>
-            <a:endParaRPr lang="en-US" b="0" dirty="0" smtClean="0">
-              <a:solidFill>
-                <a:schemeClr val="bg2">
-                  <a:lumMod val="90000"/>
-                </a:schemeClr>
-              </a:solidFill>
-              <a:effectLst/>
-            </a:endParaRPr>
-          </a:p>
-          <a:p>
-            <a:r>
-              <a:rPr lang="en-US" dirty="0">
-                <a:solidFill>
-                  <a:schemeClr val="bg2">
-                    <a:lumMod val="90000"/>
-                  </a:schemeClr>
-                </a:solidFill>
-              </a:rPr>
-              <a:t>3) an evaluation of which individual surveys should be included in the VAST index by comparing WHAM estimates (e.g., biomass time series) from the proposed run with individual fishery independent surveys. Surveys that do not appear to accurately reflect changes in stock size through this analysis should not be included in the VAST index. </a:t>
-            </a:r>
-            <a:endParaRPr lang="en-US" b="0" dirty="0" smtClean="0">
-              <a:solidFill>
-                <a:schemeClr val="bg2">
-                  <a:lumMod val="90000"/>
-                </a:schemeClr>
-              </a:solidFill>
-              <a:effectLst/>
-            </a:endParaRPr>
-          </a:p>
-          <a:p>
-            <a:pPr marL="0" indent="0">
-              <a:buNone/>
-            </a:pPr>
-            <a:endParaRPr lang="en-US" dirty="0"/>
+              <a:rPr lang="en-US" sz="10000" dirty="0" smtClean="0"/>
+              <a:t>Sensitivity Tests #1</a:t>
+            </a:r>
+            <a:endParaRPr lang="en-US" sz="10000" dirty="0"/>
           </a:p>
         </p:txBody>
       </p:sp>
     </p:spTree>
     <p:extLst>
       <p:ext uri="{BB962C8B-B14F-4D97-AF65-F5344CB8AC3E}">
-        <p14:creationId xmlns:p14="http://schemas.microsoft.com/office/powerpoint/2010/main" val="2387270172"/>
-      </p:ext>
-    </p:extLst>
-  </p:cSld>
-  <p:clrMapOvr>
-    <a:masterClrMapping/>
-  </p:clrMapOvr>
-  <p:timing>
-    <p:tnLst>
-      <p:par>
-        <p:cTn id="1" dur="indefinite" restart="never" nodeType="tmRoot"/>
-      </p:par>
-    </p:tnLst>
-  </p:timing>
-</p:sld>
-</file>
-
-<file path=ppt/slides/slide33.xml><?xml version="1.0" encoding="utf-8"?>
-<p:sld xmlns:a="http://schemas.openxmlformats.org/drawingml/2006/main" xmlns:r="http://schemas.openxmlformats.org/officeDocument/2006/relationships" xmlns:p="http://schemas.openxmlformats.org/presentationml/2006/main">
-  <p:cSld>
-    <p:spTree>
-      <p:nvGrpSpPr>
-        <p:cNvPr id="1" name=""/>
-        <p:cNvGrpSpPr/>
-        <p:nvPr/>
-      </p:nvGrpSpPr>
-      <p:grpSpPr>
-        <a:xfrm>
-          <a:off x="0" y="0"/>
-          <a:ext cx="0" cy="0"/>
-          <a:chOff x="0" y="0"/>
-          <a:chExt cx="0" cy="0"/>
-        </a:xfrm>
-      </p:grpSpPr>
-      <p:sp>
-        <p:nvSpPr>
-          <p:cNvPr id="2" name="Title 1"/>
-          <p:cNvSpPr>
-            <a:spLocks noGrp="1"/>
-          </p:cNvSpPr>
-          <p:nvPr>
-            <p:ph type="title"/>
-          </p:nvPr>
-        </p:nvSpPr>
-        <p:spPr/>
-        <p:txBody>
-          <a:bodyPr/>
-          <a:lstStyle/>
-          <a:p>
-            <a:r>
-              <a:rPr lang="en-US" dirty="0" smtClean="0"/>
-              <a:t>Options for Sensitivity Item 1</a:t>
-            </a:r>
-            <a:endParaRPr lang="en-US" dirty="0"/>
-          </a:p>
-        </p:txBody>
-      </p:sp>
-      <p:sp>
-        <p:nvSpPr>
-          <p:cNvPr id="3" name="Content Placeholder 2"/>
-          <p:cNvSpPr>
-            <a:spLocks noGrp="1"/>
-          </p:cNvSpPr>
-          <p:nvPr>
-            <p:ph idx="1"/>
-          </p:nvPr>
-        </p:nvSpPr>
-        <p:spPr/>
-        <p:txBody>
-          <a:bodyPr/>
-          <a:lstStyle/>
-          <a:p>
-            <a:pPr marL="514350" indent="-514350">
-              <a:buFont typeface="+mj-lt"/>
-              <a:buAutoNum type="arabicPeriod"/>
-            </a:pPr>
-            <a:r>
-              <a:rPr lang="en-US" dirty="0"/>
-              <a:t>Estimate age-dependent </a:t>
-            </a:r>
-            <a:r>
-              <a:rPr lang="en-US" dirty="0" smtClean="0"/>
-              <a:t>M</a:t>
-            </a:r>
-            <a:endParaRPr lang="en-US" dirty="0" smtClean="0"/>
-          </a:p>
-          <a:p>
-            <a:pPr marL="514350" indent="-514350">
-              <a:buFont typeface="+mj-lt"/>
-              <a:buAutoNum type="arabicPeriod"/>
-            </a:pPr>
-            <a:r>
-              <a:rPr lang="en-US" dirty="0" smtClean="0"/>
-              <a:t>Fix </a:t>
-            </a:r>
-            <a:r>
-              <a:rPr lang="en-US" dirty="0" smtClean="0"/>
-              <a:t>M at higher or lower age constant M values than was used in Run 34</a:t>
-            </a:r>
-          </a:p>
-          <a:p>
-            <a:pPr marL="514350" indent="-514350">
-              <a:buFont typeface="+mj-lt"/>
-              <a:buAutoNum type="arabicPeriod"/>
-            </a:pPr>
-            <a:r>
-              <a:rPr lang="en-US" dirty="0" smtClean="0"/>
-              <a:t>Fix age-dependent </a:t>
-            </a:r>
-            <a:r>
-              <a:rPr lang="en-US" dirty="0" smtClean="0"/>
-              <a:t>M</a:t>
-            </a:r>
-            <a:endParaRPr lang="en-US" dirty="0" smtClean="0"/>
-          </a:p>
-        </p:txBody>
-      </p:sp>
-    </p:spTree>
-    <p:extLst>
-      <p:ext uri="{BB962C8B-B14F-4D97-AF65-F5344CB8AC3E}">
-        <p14:creationId xmlns:p14="http://schemas.microsoft.com/office/powerpoint/2010/main" val="2685896087"/>
+        <p14:creationId xmlns:p14="http://schemas.microsoft.com/office/powerpoint/2010/main" val="832075103"/>
       </p:ext>
     </p:extLst>
   </p:cSld>
@@ -7085,7 +7052,7 @@
       </p:grpSpPr>
       <p:sp>
         <p:nvSpPr>
-          <p:cNvPr id="4" name="Title 3"/>
+          <p:cNvPr id="2" name="Title 1"/>
           <p:cNvSpPr>
             <a:spLocks noGrp="1"/>
           </p:cNvSpPr>
@@ -7100,11 +7067,7 @@
           <a:p>
             <a:r>
               <a:rPr lang="en-US" dirty="0" smtClean="0"/>
-              <a:t>Run </a:t>
-            </a:r>
-            <a:r>
-              <a:rPr lang="en-US" dirty="0" smtClean="0"/>
-              <a:t>35-36</a:t>
+              <a:t>From FINAL Peer Review Report</a:t>
             </a:r>
             <a:endParaRPr lang="en-US" dirty="0"/>
           </a:p>
@@ -7112,35 +7075,12 @@
       </p:sp>
       <p:sp>
         <p:nvSpPr>
-          <p:cNvPr id="5" name="Text Placeholder 4"/>
+          <p:cNvPr id="3" name="Content Placeholder 2"/>
           <p:cNvSpPr>
             <a:spLocks noGrp="1"/>
           </p:cNvSpPr>
           <p:nvPr>
-            <p:ph type="body" idx="1"/>
-          </p:nvPr>
-        </p:nvSpPr>
-        <p:spPr/>
-        <p:txBody>
-          <a:bodyPr/>
-          <a:lstStyle/>
-          <a:p>
-            <a:r>
-              <a:rPr lang="en-US" dirty="0" smtClean="0"/>
-              <a:t>Run 34</a:t>
-            </a:r>
-            <a:endParaRPr lang="en-US" dirty="0"/>
-          </a:p>
-        </p:txBody>
-      </p:sp>
-      <p:sp>
-        <p:nvSpPr>
-          <p:cNvPr id="6" name="Content Placeholder 5"/>
-          <p:cNvSpPr>
-            <a:spLocks noGrp="1"/>
-          </p:cNvSpPr>
-          <p:nvPr>
-            <p:ph sz="half" idx="2"/>
+            <p:ph idx="1"/>
           </p:nvPr>
         </p:nvSpPr>
         <p:spPr/>
@@ -7151,888 +7091,98 @@
           <a:lstStyle/>
           <a:p>
             <a:r>
-              <a:rPr lang="en-US" dirty="0" smtClean="0"/>
-              <a:t>Age-invariant M </a:t>
-            </a:r>
-            <a:r>
-              <a:rPr lang="en-US" dirty="0" smtClean="0"/>
-              <a:t>fixed at 0.4</a:t>
-            </a:r>
-            <a:endParaRPr lang="en-US" dirty="0" smtClean="0">
+              <a:rPr lang="en-US" dirty="0">
+                <a:solidFill>
+                  <a:schemeClr val="bg2">
+                    <a:lumMod val="90000"/>
+                  </a:schemeClr>
+                </a:solidFill>
+              </a:rPr>
+              <a:t>Conduct sensitivity analyses including: </a:t>
+            </a:r>
+            <a:endParaRPr lang="en-US" b="0" dirty="0" smtClean="0">
               <a:solidFill>
-                <a:schemeClr val="accent4">
-                  <a:lumMod val="75000"/>
+                <a:schemeClr val="bg2">
+                  <a:lumMod val="90000"/>
                 </a:schemeClr>
               </a:solidFill>
+              <a:effectLst/>
             </a:endParaRPr>
           </a:p>
-        </p:txBody>
-      </p:sp>
-      <p:sp>
-        <p:nvSpPr>
-          <p:cNvPr id="7" name="Text Placeholder 6"/>
-          <p:cNvSpPr>
-            <a:spLocks noGrp="1"/>
-          </p:cNvSpPr>
-          <p:nvPr>
-            <p:ph type="body" sz="quarter" idx="3"/>
-          </p:nvPr>
-        </p:nvSpPr>
-        <p:spPr>
-          <a:xfrm>
-            <a:off x="6172200" y="2053525"/>
-            <a:ext cx="1390973" cy="451550"/>
-          </a:xfrm>
-        </p:spPr>
-        <p:txBody>
-          <a:bodyPr/>
-          <a:lstStyle/>
-          <a:p>
-            <a:r>
-              <a:rPr lang="en-US" dirty="0" smtClean="0"/>
-              <a:t>Run 35</a:t>
-            </a:r>
-            <a:endParaRPr lang="en-US" dirty="0"/>
-          </a:p>
-        </p:txBody>
-      </p:sp>
-      <p:sp>
-        <p:nvSpPr>
-          <p:cNvPr id="8" name="Content Placeholder 7"/>
-          <p:cNvSpPr>
-            <a:spLocks noGrp="1"/>
-          </p:cNvSpPr>
-          <p:nvPr>
-            <p:ph sz="quarter" idx="4"/>
-          </p:nvPr>
-        </p:nvSpPr>
-        <p:spPr>
-          <a:xfrm>
-            <a:off x="6172200" y="2505075"/>
-            <a:ext cx="2728866" cy="501651"/>
-          </a:xfrm>
-        </p:spPr>
-        <p:txBody>
-          <a:bodyPr>
-            <a:normAutofit fontScale="85000" lnSpcReduction="10000"/>
-          </a:bodyPr>
-          <a:lstStyle/>
-          <a:p>
-            <a:r>
-              <a:rPr lang="en-US" dirty="0" smtClean="0">
-                <a:solidFill>
-                  <a:schemeClr val="accent4">
-                    <a:lumMod val="75000"/>
+          <a:p>
+            <a:r>
+              <a:rPr lang="en-US" dirty="0"/>
+              <a:t>1) an exploration of alternative parameterizations for natural mortality (e.g. different age-independent constant values, or age-dependent M) </a:t>
+            </a:r>
+            <a:endParaRPr lang="en-US" b="0" dirty="0" smtClean="0">
+              <a:effectLst/>
+            </a:endParaRPr>
+          </a:p>
+          <a:p>
+            <a:r>
+              <a:rPr lang="en-US" dirty="0">
+                <a:solidFill>
+                  <a:schemeClr val="bg2">
+                    <a:lumMod val="90000"/>
                   </a:schemeClr>
                 </a:solidFill>
               </a:rPr>
-              <a:t>One M estimated: </a:t>
-            </a:r>
-            <a:endParaRPr lang="en-US" dirty="0" smtClean="0">
+              <a:t>2) profiles of the initial fishing mortality (i.e. initial depletion) </a:t>
+            </a:r>
+            <a:endParaRPr lang="en-US" b="0" dirty="0" smtClean="0">
               <a:solidFill>
-                <a:schemeClr val="accent4">
-                  <a:lumMod val="75000"/>
+                <a:schemeClr val="bg2">
+                  <a:lumMod val="90000"/>
                 </a:schemeClr>
               </a:solidFill>
+              <a:effectLst/>
             </a:endParaRPr>
           </a:p>
-        </p:txBody>
-      </p:sp>
-      <p:sp>
-        <p:nvSpPr>
-          <p:cNvPr id="9" name="Text Placeholder 6"/>
-          <p:cNvSpPr txBox="1">
-            <a:spLocks/>
-          </p:cNvSpPr>
-          <p:nvPr/>
-        </p:nvSpPr>
-        <p:spPr>
-          <a:xfrm>
-            <a:off x="6172200" y="3319462"/>
-            <a:ext cx="1390973" cy="451550"/>
-          </a:xfrm>
-          <a:prstGeom prst="rect">
-            <a:avLst/>
-          </a:prstGeom>
-        </p:spPr>
-        <p:txBody>
-          <a:bodyPr vert="horz" lIns="91440" tIns="45720" rIns="91440" bIns="45720" rtlCol="0" anchor="b">
-            <a:normAutofit/>
-          </a:bodyPr>
-          <a:lstStyle>
-            <a:lvl1pPr marL="0" indent="0" algn="l" defTabSz="914400" rtl="0" eaLnBrk="1" latinLnBrk="0" hangingPunct="1">
-              <a:lnSpc>
-                <a:spcPct val="90000"/>
-              </a:lnSpc>
-              <a:spcBef>
-                <a:spcPts val="1000"/>
-              </a:spcBef>
-              <a:buFont typeface="Arial" panose="020B0604020202020204" pitchFamily="34" charset="0"/>
-              <a:buNone/>
-              <a:defRPr sz="2400" b="1" kern="1200">
-                <a:solidFill>
-                  <a:schemeClr val="tx1"/>
-                </a:solidFill>
-                <a:latin typeface="+mn-lt"/>
-                <a:ea typeface="+mn-ea"/>
-                <a:cs typeface="+mn-cs"/>
-              </a:defRPr>
-            </a:lvl1pPr>
-            <a:lvl2pPr marL="457200" indent="0" algn="l" defTabSz="914400" rtl="0" eaLnBrk="1" latinLnBrk="0" hangingPunct="1">
-              <a:lnSpc>
-                <a:spcPct val="90000"/>
-              </a:lnSpc>
-              <a:spcBef>
-                <a:spcPts val="500"/>
-              </a:spcBef>
-              <a:buFont typeface="Arial" panose="020B0604020202020204" pitchFamily="34" charset="0"/>
-              <a:buNone/>
-              <a:defRPr sz="2000" b="1" kern="1200">
-                <a:solidFill>
-                  <a:schemeClr val="tx1"/>
-                </a:solidFill>
-                <a:latin typeface="+mn-lt"/>
-                <a:ea typeface="+mn-ea"/>
-                <a:cs typeface="+mn-cs"/>
-              </a:defRPr>
-            </a:lvl2pPr>
-            <a:lvl3pPr marL="914400" indent="0" algn="l" defTabSz="914400" rtl="0" eaLnBrk="1" latinLnBrk="0" hangingPunct="1">
-              <a:lnSpc>
-                <a:spcPct val="90000"/>
-              </a:lnSpc>
-              <a:spcBef>
-                <a:spcPts val="500"/>
-              </a:spcBef>
-              <a:buFont typeface="Arial" panose="020B0604020202020204" pitchFamily="34" charset="0"/>
-              <a:buNone/>
-              <a:defRPr sz="1800" b="1" kern="1200">
-                <a:solidFill>
-                  <a:schemeClr val="tx1"/>
-                </a:solidFill>
-                <a:latin typeface="+mn-lt"/>
-                <a:ea typeface="+mn-ea"/>
-                <a:cs typeface="+mn-cs"/>
-              </a:defRPr>
-            </a:lvl3pPr>
-            <a:lvl4pPr marL="1371600" indent="0" algn="l" defTabSz="914400" rtl="0" eaLnBrk="1" latinLnBrk="0" hangingPunct="1">
-              <a:lnSpc>
-                <a:spcPct val="90000"/>
-              </a:lnSpc>
-              <a:spcBef>
-                <a:spcPts val="500"/>
-              </a:spcBef>
-              <a:buFont typeface="Arial" panose="020B0604020202020204" pitchFamily="34" charset="0"/>
-              <a:buNone/>
-              <a:defRPr sz="1600" b="1" kern="1200">
-                <a:solidFill>
-                  <a:schemeClr val="tx1"/>
-                </a:solidFill>
-                <a:latin typeface="+mn-lt"/>
-                <a:ea typeface="+mn-ea"/>
-                <a:cs typeface="+mn-cs"/>
-              </a:defRPr>
-            </a:lvl4pPr>
-            <a:lvl5pPr marL="1828800" indent="0" algn="l" defTabSz="914400" rtl="0" eaLnBrk="1" latinLnBrk="0" hangingPunct="1">
-              <a:lnSpc>
-                <a:spcPct val="90000"/>
-              </a:lnSpc>
-              <a:spcBef>
-                <a:spcPts val="500"/>
-              </a:spcBef>
-              <a:buFont typeface="Arial" panose="020B0604020202020204" pitchFamily="34" charset="0"/>
-              <a:buNone/>
-              <a:defRPr sz="1600" b="1" kern="1200">
-                <a:solidFill>
-                  <a:schemeClr val="tx1"/>
-                </a:solidFill>
-                <a:latin typeface="+mn-lt"/>
-                <a:ea typeface="+mn-ea"/>
-                <a:cs typeface="+mn-cs"/>
-              </a:defRPr>
-            </a:lvl5pPr>
-            <a:lvl6pPr marL="2286000" indent="0" algn="l" defTabSz="914400" rtl="0" eaLnBrk="1" latinLnBrk="0" hangingPunct="1">
-              <a:lnSpc>
-                <a:spcPct val="90000"/>
-              </a:lnSpc>
-              <a:spcBef>
-                <a:spcPts val="500"/>
-              </a:spcBef>
-              <a:buFont typeface="Arial" panose="020B0604020202020204" pitchFamily="34" charset="0"/>
-              <a:buNone/>
-              <a:defRPr sz="1600" b="1" kern="1200">
-                <a:solidFill>
-                  <a:schemeClr val="tx1"/>
-                </a:solidFill>
-                <a:latin typeface="+mn-lt"/>
-                <a:ea typeface="+mn-ea"/>
-                <a:cs typeface="+mn-cs"/>
-              </a:defRPr>
-            </a:lvl6pPr>
-            <a:lvl7pPr marL="2743200" indent="0" algn="l" defTabSz="914400" rtl="0" eaLnBrk="1" latinLnBrk="0" hangingPunct="1">
-              <a:lnSpc>
-                <a:spcPct val="90000"/>
-              </a:lnSpc>
-              <a:spcBef>
-                <a:spcPts val="500"/>
-              </a:spcBef>
-              <a:buFont typeface="Arial" panose="020B0604020202020204" pitchFamily="34" charset="0"/>
-              <a:buNone/>
-              <a:defRPr sz="1600" b="1" kern="1200">
-                <a:solidFill>
-                  <a:schemeClr val="tx1"/>
-                </a:solidFill>
-                <a:latin typeface="+mn-lt"/>
-                <a:ea typeface="+mn-ea"/>
-                <a:cs typeface="+mn-cs"/>
-              </a:defRPr>
-            </a:lvl7pPr>
-            <a:lvl8pPr marL="3200400" indent="0" algn="l" defTabSz="914400" rtl="0" eaLnBrk="1" latinLnBrk="0" hangingPunct="1">
-              <a:lnSpc>
-                <a:spcPct val="90000"/>
-              </a:lnSpc>
-              <a:spcBef>
-                <a:spcPts val="500"/>
-              </a:spcBef>
-              <a:buFont typeface="Arial" panose="020B0604020202020204" pitchFamily="34" charset="0"/>
-              <a:buNone/>
-              <a:defRPr sz="1600" b="1" kern="1200">
-                <a:solidFill>
-                  <a:schemeClr val="tx1"/>
-                </a:solidFill>
-                <a:latin typeface="+mn-lt"/>
-                <a:ea typeface="+mn-ea"/>
-                <a:cs typeface="+mn-cs"/>
-              </a:defRPr>
-            </a:lvl8pPr>
-            <a:lvl9pPr marL="3657600" indent="0" algn="l" defTabSz="914400" rtl="0" eaLnBrk="1" latinLnBrk="0" hangingPunct="1">
-              <a:lnSpc>
-                <a:spcPct val="90000"/>
-              </a:lnSpc>
-              <a:spcBef>
-                <a:spcPts val="500"/>
-              </a:spcBef>
-              <a:buFont typeface="Arial" panose="020B0604020202020204" pitchFamily="34" charset="0"/>
-              <a:buNone/>
-              <a:defRPr sz="1600" b="1" kern="1200">
-                <a:solidFill>
-                  <a:schemeClr val="tx1"/>
-                </a:solidFill>
-                <a:latin typeface="+mn-lt"/>
-                <a:ea typeface="+mn-ea"/>
-                <a:cs typeface="+mn-cs"/>
-              </a:defRPr>
-            </a:lvl9pPr>
-          </a:lstStyle>
-          <a:p>
-            <a:r>
-              <a:rPr lang="en-US" dirty="0" smtClean="0"/>
-              <a:t>Run 36</a:t>
-            </a:r>
-            <a:endParaRPr lang="en-US" dirty="0"/>
-          </a:p>
-        </p:txBody>
-      </p:sp>
-      <p:sp>
-        <p:nvSpPr>
-          <p:cNvPr id="11" name="Content Placeholder 7"/>
-          <p:cNvSpPr txBox="1">
-            <a:spLocks/>
-          </p:cNvSpPr>
-          <p:nvPr/>
-        </p:nvSpPr>
-        <p:spPr>
-          <a:xfrm>
-            <a:off x="6172199" y="3771012"/>
-            <a:ext cx="3490993" cy="501651"/>
-          </a:xfrm>
-          <a:prstGeom prst="rect">
-            <a:avLst/>
-          </a:prstGeom>
-        </p:spPr>
-        <p:txBody>
-          <a:bodyPr vert="horz" lIns="91440" tIns="45720" rIns="91440" bIns="45720" rtlCol="0">
-            <a:normAutofit/>
-          </a:bodyPr>
-          <a:lstStyle>
-            <a:lvl1pPr marL="228600" indent="-228600" algn="l" defTabSz="914400" rtl="0" eaLnBrk="1" latinLnBrk="0" hangingPunct="1">
-              <a:lnSpc>
-                <a:spcPct val="90000"/>
-              </a:lnSpc>
-              <a:spcBef>
-                <a:spcPts val="1000"/>
-              </a:spcBef>
-              <a:buFont typeface="Arial" panose="020B0604020202020204" pitchFamily="34" charset="0"/>
-              <a:buChar char="•"/>
-              <a:defRPr sz="2800" kern="1200">
-                <a:solidFill>
-                  <a:schemeClr val="tx1"/>
-                </a:solidFill>
-                <a:latin typeface="+mn-lt"/>
-                <a:ea typeface="+mn-ea"/>
-                <a:cs typeface="+mn-cs"/>
-              </a:defRPr>
-            </a:lvl1pPr>
-            <a:lvl2pPr marL="685800" indent="-228600" algn="l" defTabSz="914400" rtl="0" eaLnBrk="1" latinLnBrk="0" hangingPunct="1">
-              <a:lnSpc>
-                <a:spcPct val="90000"/>
-              </a:lnSpc>
-              <a:spcBef>
-                <a:spcPts val="500"/>
-              </a:spcBef>
-              <a:buFont typeface="Arial" panose="020B0604020202020204" pitchFamily="34" charset="0"/>
-              <a:buChar char="•"/>
-              <a:defRPr sz="2400" kern="1200">
-                <a:solidFill>
-                  <a:schemeClr val="tx1"/>
-                </a:solidFill>
-                <a:latin typeface="+mn-lt"/>
-                <a:ea typeface="+mn-ea"/>
-                <a:cs typeface="+mn-cs"/>
-              </a:defRPr>
-            </a:lvl2pPr>
-            <a:lvl3pPr marL="1143000" indent="-228600" algn="l" defTabSz="914400" rtl="0" eaLnBrk="1" latinLnBrk="0" hangingPunct="1">
-              <a:lnSpc>
-                <a:spcPct val="90000"/>
-              </a:lnSpc>
-              <a:spcBef>
-                <a:spcPts val="500"/>
-              </a:spcBef>
-              <a:buFont typeface="Arial" panose="020B0604020202020204" pitchFamily="34" charset="0"/>
-              <a:buChar char="•"/>
-              <a:defRPr sz="2000" kern="1200">
-                <a:solidFill>
-                  <a:schemeClr val="tx1"/>
-                </a:solidFill>
-                <a:latin typeface="+mn-lt"/>
-                <a:ea typeface="+mn-ea"/>
-                <a:cs typeface="+mn-cs"/>
-              </a:defRPr>
-            </a:lvl3pPr>
-            <a:lvl4pPr marL="1600200" indent="-228600" algn="l" defTabSz="914400" rtl="0" eaLnBrk="1" latinLnBrk="0" hangingPunct="1">
-              <a:lnSpc>
-                <a:spcPct val="90000"/>
-              </a:lnSpc>
-              <a:spcBef>
-                <a:spcPts val="500"/>
-              </a:spcBef>
-              <a:buFont typeface="Arial" panose="020B0604020202020204" pitchFamily="34" charset="0"/>
-              <a:buChar char="•"/>
-              <a:defRPr sz="1800" kern="1200">
-                <a:solidFill>
-                  <a:schemeClr val="tx1"/>
-                </a:solidFill>
-                <a:latin typeface="+mn-lt"/>
-                <a:ea typeface="+mn-ea"/>
-                <a:cs typeface="+mn-cs"/>
-              </a:defRPr>
-            </a:lvl4pPr>
-            <a:lvl5pPr marL="2057400" indent="-228600" algn="l" defTabSz="914400" rtl="0" eaLnBrk="1" latinLnBrk="0" hangingPunct="1">
-              <a:lnSpc>
-                <a:spcPct val="90000"/>
-              </a:lnSpc>
-              <a:spcBef>
-                <a:spcPts val="500"/>
-              </a:spcBef>
-              <a:buFont typeface="Arial" panose="020B0604020202020204" pitchFamily="34" charset="0"/>
-              <a:buChar char="•"/>
-              <a:defRPr sz="1800" kern="1200">
-                <a:solidFill>
-                  <a:schemeClr val="tx1"/>
-                </a:solidFill>
-                <a:latin typeface="+mn-lt"/>
-                <a:ea typeface="+mn-ea"/>
-                <a:cs typeface="+mn-cs"/>
-              </a:defRPr>
-            </a:lvl5pPr>
-            <a:lvl6pPr marL="2514600" indent="-228600" algn="l" defTabSz="914400" rtl="0" eaLnBrk="1" latinLnBrk="0" hangingPunct="1">
-              <a:lnSpc>
-                <a:spcPct val="90000"/>
-              </a:lnSpc>
-              <a:spcBef>
-                <a:spcPts val="500"/>
-              </a:spcBef>
-              <a:buFont typeface="Arial" panose="020B0604020202020204" pitchFamily="34" charset="0"/>
-              <a:buChar char="•"/>
-              <a:defRPr sz="1800" kern="1200">
-                <a:solidFill>
-                  <a:schemeClr val="tx1"/>
-                </a:solidFill>
-                <a:latin typeface="+mn-lt"/>
-                <a:ea typeface="+mn-ea"/>
-                <a:cs typeface="+mn-cs"/>
-              </a:defRPr>
-            </a:lvl6pPr>
-            <a:lvl7pPr marL="2971800" indent="-228600" algn="l" defTabSz="914400" rtl="0" eaLnBrk="1" latinLnBrk="0" hangingPunct="1">
-              <a:lnSpc>
-                <a:spcPct val="90000"/>
-              </a:lnSpc>
-              <a:spcBef>
-                <a:spcPts val="500"/>
-              </a:spcBef>
-              <a:buFont typeface="Arial" panose="020B0604020202020204" pitchFamily="34" charset="0"/>
-              <a:buChar char="•"/>
-              <a:defRPr sz="1800" kern="1200">
-                <a:solidFill>
-                  <a:schemeClr val="tx1"/>
-                </a:solidFill>
-                <a:latin typeface="+mn-lt"/>
-                <a:ea typeface="+mn-ea"/>
-                <a:cs typeface="+mn-cs"/>
-              </a:defRPr>
-            </a:lvl7pPr>
-            <a:lvl8pPr marL="3429000" indent="-228600" algn="l" defTabSz="914400" rtl="0" eaLnBrk="1" latinLnBrk="0" hangingPunct="1">
-              <a:lnSpc>
-                <a:spcPct val="90000"/>
-              </a:lnSpc>
-              <a:spcBef>
-                <a:spcPts val="500"/>
-              </a:spcBef>
-              <a:buFont typeface="Arial" panose="020B0604020202020204" pitchFamily="34" charset="0"/>
-              <a:buChar char="•"/>
-              <a:defRPr sz="1800" kern="1200">
-                <a:solidFill>
-                  <a:schemeClr val="tx1"/>
-                </a:solidFill>
-                <a:latin typeface="+mn-lt"/>
-                <a:ea typeface="+mn-ea"/>
-                <a:cs typeface="+mn-cs"/>
-              </a:defRPr>
-            </a:lvl8pPr>
-            <a:lvl9pPr marL="3886200" indent="-228600" algn="l" defTabSz="914400" rtl="0" eaLnBrk="1" latinLnBrk="0" hangingPunct="1">
-              <a:lnSpc>
-                <a:spcPct val="90000"/>
-              </a:lnSpc>
-              <a:spcBef>
-                <a:spcPts val="500"/>
-              </a:spcBef>
-              <a:buFont typeface="Arial" panose="020B0604020202020204" pitchFamily="34" charset="0"/>
-              <a:buChar char="•"/>
-              <a:defRPr sz="1800" kern="1200">
-                <a:solidFill>
-                  <a:schemeClr val="tx1"/>
-                </a:solidFill>
-                <a:latin typeface="+mn-lt"/>
-                <a:ea typeface="+mn-ea"/>
-                <a:cs typeface="+mn-cs"/>
-              </a:defRPr>
-            </a:lvl9pPr>
-          </a:lstStyle>
-          <a:p>
-            <a:endParaRPr lang="en-US" dirty="0" smtClean="0">
+          <a:p>
+            <a:r>
+              <a:rPr lang="en-US" dirty="0">
+                <a:solidFill>
+                  <a:schemeClr val="bg2">
+                    <a:lumMod val="90000"/>
+                  </a:schemeClr>
+                </a:solidFill>
+              </a:rPr>
+              <a:t>3) an evaluation of which individual surveys should be included in the VAST index by comparing WHAM estimates (e.g., biomass time series) from the proposed run with individual fishery independent surveys. Surveys that do not appear to accurately reflect changes in stock size through this analysis should not be included in the VAST index. </a:t>
+            </a:r>
+            <a:endParaRPr lang="en-US" b="0" dirty="0" smtClean="0">
               <a:solidFill>
-                <a:schemeClr val="accent4">
-                  <a:lumMod val="75000"/>
+                <a:schemeClr val="bg2">
+                  <a:lumMod val="90000"/>
                 </a:schemeClr>
               </a:solidFill>
+              <a:effectLst/>
             </a:endParaRPr>
           </a:p>
-        </p:txBody>
-      </p:sp>
-      <p:sp>
-        <p:nvSpPr>
-          <p:cNvPr id="17" name="Content Placeholder 7"/>
-          <p:cNvSpPr txBox="1">
-            <a:spLocks/>
-          </p:cNvSpPr>
-          <p:nvPr/>
-        </p:nvSpPr>
-        <p:spPr>
-          <a:xfrm>
-            <a:off x="6172199" y="5036949"/>
-            <a:ext cx="3490993" cy="501651"/>
-          </a:xfrm>
-          <a:prstGeom prst="rect">
-            <a:avLst/>
-          </a:prstGeom>
-        </p:spPr>
-        <p:txBody>
-          <a:bodyPr vert="horz" lIns="91440" tIns="45720" rIns="91440" bIns="45720" rtlCol="0">
-            <a:normAutofit/>
-          </a:bodyPr>
-          <a:lstStyle>
-            <a:lvl1pPr marL="228600" indent="-228600" algn="l" defTabSz="914400" rtl="0" eaLnBrk="1" latinLnBrk="0" hangingPunct="1">
-              <a:lnSpc>
-                <a:spcPct val="90000"/>
-              </a:lnSpc>
-              <a:spcBef>
-                <a:spcPts val="1000"/>
-              </a:spcBef>
-              <a:buFont typeface="Arial" panose="020B0604020202020204" pitchFamily="34" charset="0"/>
-              <a:buChar char="•"/>
-              <a:defRPr sz="2800" kern="1200">
-                <a:solidFill>
-                  <a:schemeClr val="tx1"/>
-                </a:solidFill>
-                <a:latin typeface="+mn-lt"/>
-                <a:ea typeface="+mn-ea"/>
-                <a:cs typeface="+mn-cs"/>
-              </a:defRPr>
-            </a:lvl1pPr>
-            <a:lvl2pPr marL="685800" indent="-228600" algn="l" defTabSz="914400" rtl="0" eaLnBrk="1" latinLnBrk="0" hangingPunct="1">
-              <a:lnSpc>
-                <a:spcPct val="90000"/>
-              </a:lnSpc>
-              <a:spcBef>
-                <a:spcPts val="500"/>
-              </a:spcBef>
-              <a:buFont typeface="Arial" panose="020B0604020202020204" pitchFamily="34" charset="0"/>
-              <a:buChar char="•"/>
-              <a:defRPr sz="2400" kern="1200">
-                <a:solidFill>
-                  <a:schemeClr val="tx1"/>
-                </a:solidFill>
-                <a:latin typeface="+mn-lt"/>
-                <a:ea typeface="+mn-ea"/>
-                <a:cs typeface="+mn-cs"/>
-              </a:defRPr>
-            </a:lvl2pPr>
-            <a:lvl3pPr marL="1143000" indent="-228600" algn="l" defTabSz="914400" rtl="0" eaLnBrk="1" latinLnBrk="0" hangingPunct="1">
-              <a:lnSpc>
-                <a:spcPct val="90000"/>
-              </a:lnSpc>
-              <a:spcBef>
-                <a:spcPts val="500"/>
-              </a:spcBef>
-              <a:buFont typeface="Arial" panose="020B0604020202020204" pitchFamily="34" charset="0"/>
-              <a:buChar char="•"/>
-              <a:defRPr sz="2000" kern="1200">
-                <a:solidFill>
-                  <a:schemeClr val="tx1"/>
-                </a:solidFill>
-                <a:latin typeface="+mn-lt"/>
-                <a:ea typeface="+mn-ea"/>
-                <a:cs typeface="+mn-cs"/>
-              </a:defRPr>
-            </a:lvl3pPr>
-            <a:lvl4pPr marL="1600200" indent="-228600" algn="l" defTabSz="914400" rtl="0" eaLnBrk="1" latinLnBrk="0" hangingPunct="1">
-              <a:lnSpc>
-                <a:spcPct val="90000"/>
-              </a:lnSpc>
-              <a:spcBef>
-                <a:spcPts val="500"/>
-              </a:spcBef>
-              <a:buFont typeface="Arial" panose="020B0604020202020204" pitchFamily="34" charset="0"/>
-              <a:buChar char="•"/>
-              <a:defRPr sz="1800" kern="1200">
-                <a:solidFill>
-                  <a:schemeClr val="tx1"/>
-                </a:solidFill>
-                <a:latin typeface="+mn-lt"/>
-                <a:ea typeface="+mn-ea"/>
-                <a:cs typeface="+mn-cs"/>
-              </a:defRPr>
-            </a:lvl4pPr>
-            <a:lvl5pPr marL="2057400" indent="-228600" algn="l" defTabSz="914400" rtl="0" eaLnBrk="1" latinLnBrk="0" hangingPunct="1">
-              <a:lnSpc>
-                <a:spcPct val="90000"/>
-              </a:lnSpc>
-              <a:spcBef>
-                <a:spcPts val="500"/>
-              </a:spcBef>
-              <a:buFont typeface="Arial" panose="020B0604020202020204" pitchFamily="34" charset="0"/>
-              <a:buChar char="•"/>
-              <a:defRPr sz="1800" kern="1200">
-                <a:solidFill>
-                  <a:schemeClr val="tx1"/>
-                </a:solidFill>
-                <a:latin typeface="+mn-lt"/>
-                <a:ea typeface="+mn-ea"/>
-                <a:cs typeface="+mn-cs"/>
-              </a:defRPr>
-            </a:lvl5pPr>
-            <a:lvl6pPr marL="2514600" indent="-228600" algn="l" defTabSz="914400" rtl="0" eaLnBrk="1" latinLnBrk="0" hangingPunct="1">
-              <a:lnSpc>
-                <a:spcPct val="90000"/>
-              </a:lnSpc>
-              <a:spcBef>
-                <a:spcPts val="500"/>
-              </a:spcBef>
-              <a:buFont typeface="Arial" panose="020B0604020202020204" pitchFamily="34" charset="0"/>
-              <a:buChar char="•"/>
-              <a:defRPr sz="1800" kern="1200">
-                <a:solidFill>
-                  <a:schemeClr val="tx1"/>
-                </a:solidFill>
-                <a:latin typeface="+mn-lt"/>
-                <a:ea typeface="+mn-ea"/>
-                <a:cs typeface="+mn-cs"/>
-              </a:defRPr>
-            </a:lvl6pPr>
-            <a:lvl7pPr marL="2971800" indent="-228600" algn="l" defTabSz="914400" rtl="0" eaLnBrk="1" latinLnBrk="0" hangingPunct="1">
-              <a:lnSpc>
-                <a:spcPct val="90000"/>
-              </a:lnSpc>
-              <a:spcBef>
-                <a:spcPts val="500"/>
-              </a:spcBef>
-              <a:buFont typeface="Arial" panose="020B0604020202020204" pitchFamily="34" charset="0"/>
-              <a:buChar char="•"/>
-              <a:defRPr sz="1800" kern="1200">
-                <a:solidFill>
-                  <a:schemeClr val="tx1"/>
-                </a:solidFill>
-                <a:latin typeface="+mn-lt"/>
-                <a:ea typeface="+mn-ea"/>
-                <a:cs typeface="+mn-cs"/>
-              </a:defRPr>
-            </a:lvl7pPr>
-            <a:lvl8pPr marL="3429000" indent="-228600" algn="l" defTabSz="914400" rtl="0" eaLnBrk="1" latinLnBrk="0" hangingPunct="1">
-              <a:lnSpc>
-                <a:spcPct val="90000"/>
-              </a:lnSpc>
-              <a:spcBef>
-                <a:spcPts val="500"/>
-              </a:spcBef>
-              <a:buFont typeface="Arial" panose="020B0604020202020204" pitchFamily="34" charset="0"/>
-              <a:buChar char="•"/>
-              <a:defRPr sz="1800" kern="1200">
-                <a:solidFill>
-                  <a:schemeClr val="tx1"/>
-                </a:solidFill>
-                <a:latin typeface="+mn-lt"/>
-                <a:ea typeface="+mn-ea"/>
-                <a:cs typeface="+mn-cs"/>
-              </a:defRPr>
-            </a:lvl8pPr>
-            <a:lvl9pPr marL="3886200" indent="-228600" algn="l" defTabSz="914400" rtl="0" eaLnBrk="1" latinLnBrk="0" hangingPunct="1">
-              <a:lnSpc>
-                <a:spcPct val="90000"/>
-              </a:lnSpc>
-              <a:spcBef>
-                <a:spcPts val="500"/>
-              </a:spcBef>
-              <a:buFont typeface="Arial" panose="020B0604020202020204" pitchFamily="34" charset="0"/>
-              <a:buChar char="•"/>
-              <a:defRPr sz="1800" kern="1200">
-                <a:solidFill>
-                  <a:schemeClr val="tx1"/>
-                </a:solidFill>
-                <a:latin typeface="+mn-lt"/>
-                <a:ea typeface="+mn-ea"/>
-                <a:cs typeface="+mn-cs"/>
-              </a:defRPr>
-            </a:lvl9pPr>
-          </a:lstStyle>
-          <a:p>
-            <a:endParaRPr lang="en-US" dirty="0" smtClean="0">
-              <a:solidFill>
-                <a:schemeClr val="accent4">
-                  <a:lumMod val="75000"/>
-                </a:schemeClr>
-              </a:solidFill>
-            </a:endParaRPr>
-          </a:p>
-        </p:txBody>
-      </p:sp>
-      <p:sp>
-        <p:nvSpPr>
-          <p:cNvPr id="12" name="Content Placeholder 7"/>
-          <p:cNvSpPr txBox="1">
-            <a:spLocks/>
-          </p:cNvSpPr>
-          <p:nvPr/>
-        </p:nvSpPr>
-        <p:spPr>
-          <a:xfrm>
-            <a:off x="6172198" y="3771011"/>
-            <a:ext cx="2728866" cy="501651"/>
-          </a:xfrm>
-          <a:prstGeom prst="rect">
-            <a:avLst/>
-          </a:prstGeom>
-        </p:spPr>
-        <p:txBody>
-          <a:bodyPr vert="horz" lIns="91440" tIns="45720" rIns="91440" bIns="45720" rtlCol="0">
-            <a:normAutofit fontScale="85000" lnSpcReduction="10000"/>
-          </a:bodyPr>
-          <a:lstStyle>
-            <a:lvl1pPr marL="228600" indent="-228600" algn="l" defTabSz="914400" rtl="0" eaLnBrk="1" latinLnBrk="0" hangingPunct="1">
-              <a:lnSpc>
-                <a:spcPct val="90000"/>
-              </a:lnSpc>
-              <a:spcBef>
-                <a:spcPts val="1000"/>
-              </a:spcBef>
-              <a:buFont typeface="Arial" panose="020B0604020202020204" pitchFamily="34" charset="0"/>
-              <a:buChar char="•"/>
-              <a:defRPr sz="2800" kern="1200">
-                <a:solidFill>
-                  <a:schemeClr val="tx1"/>
-                </a:solidFill>
-                <a:latin typeface="+mn-lt"/>
-                <a:ea typeface="+mn-ea"/>
-                <a:cs typeface="+mn-cs"/>
-              </a:defRPr>
-            </a:lvl1pPr>
-            <a:lvl2pPr marL="685800" indent="-228600" algn="l" defTabSz="914400" rtl="0" eaLnBrk="1" latinLnBrk="0" hangingPunct="1">
-              <a:lnSpc>
-                <a:spcPct val="90000"/>
-              </a:lnSpc>
-              <a:spcBef>
-                <a:spcPts val="500"/>
-              </a:spcBef>
-              <a:buFont typeface="Arial" panose="020B0604020202020204" pitchFamily="34" charset="0"/>
-              <a:buChar char="•"/>
-              <a:defRPr sz="2400" kern="1200">
-                <a:solidFill>
-                  <a:schemeClr val="tx1"/>
-                </a:solidFill>
-                <a:latin typeface="+mn-lt"/>
-                <a:ea typeface="+mn-ea"/>
-                <a:cs typeface="+mn-cs"/>
-              </a:defRPr>
-            </a:lvl2pPr>
-            <a:lvl3pPr marL="1143000" indent="-228600" algn="l" defTabSz="914400" rtl="0" eaLnBrk="1" latinLnBrk="0" hangingPunct="1">
-              <a:lnSpc>
-                <a:spcPct val="90000"/>
-              </a:lnSpc>
-              <a:spcBef>
-                <a:spcPts val="500"/>
-              </a:spcBef>
-              <a:buFont typeface="Arial" panose="020B0604020202020204" pitchFamily="34" charset="0"/>
-              <a:buChar char="•"/>
-              <a:defRPr sz="2000" kern="1200">
-                <a:solidFill>
-                  <a:schemeClr val="tx1"/>
-                </a:solidFill>
-                <a:latin typeface="+mn-lt"/>
-                <a:ea typeface="+mn-ea"/>
-                <a:cs typeface="+mn-cs"/>
-              </a:defRPr>
-            </a:lvl3pPr>
-            <a:lvl4pPr marL="1600200" indent="-228600" algn="l" defTabSz="914400" rtl="0" eaLnBrk="1" latinLnBrk="0" hangingPunct="1">
-              <a:lnSpc>
-                <a:spcPct val="90000"/>
-              </a:lnSpc>
-              <a:spcBef>
-                <a:spcPts val="500"/>
-              </a:spcBef>
-              <a:buFont typeface="Arial" panose="020B0604020202020204" pitchFamily="34" charset="0"/>
-              <a:buChar char="•"/>
-              <a:defRPr sz="1800" kern="1200">
-                <a:solidFill>
-                  <a:schemeClr val="tx1"/>
-                </a:solidFill>
-                <a:latin typeface="+mn-lt"/>
-                <a:ea typeface="+mn-ea"/>
-                <a:cs typeface="+mn-cs"/>
-              </a:defRPr>
-            </a:lvl4pPr>
-            <a:lvl5pPr marL="2057400" indent="-228600" algn="l" defTabSz="914400" rtl="0" eaLnBrk="1" latinLnBrk="0" hangingPunct="1">
-              <a:lnSpc>
-                <a:spcPct val="90000"/>
-              </a:lnSpc>
-              <a:spcBef>
-                <a:spcPts val="500"/>
-              </a:spcBef>
-              <a:buFont typeface="Arial" panose="020B0604020202020204" pitchFamily="34" charset="0"/>
-              <a:buChar char="•"/>
-              <a:defRPr sz="1800" kern="1200">
-                <a:solidFill>
-                  <a:schemeClr val="tx1"/>
-                </a:solidFill>
-                <a:latin typeface="+mn-lt"/>
-                <a:ea typeface="+mn-ea"/>
-                <a:cs typeface="+mn-cs"/>
-              </a:defRPr>
-            </a:lvl5pPr>
-            <a:lvl6pPr marL="2514600" indent="-228600" algn="l" defTabSz="914400" rtl="0" eaLnBrk="1" latinLnBrk="0" hangingPunct="1">
-              <a:lnSpc>
-                <a:spcPct val="90000"/>
-              </a:lnSpc>
-              <a:spcBef>
-                <a:spcPts val="500"/>
-              </a:spcBef>
-              <a:buFont typeface="Arial" panose="020B0604020202020204" pitchFamily="34" charset="0"/>
-              <a:buChar char="•"/>
-              <a:defRPr sz="1800" kern="1200">
-                <a:solidFill>
-                  <a:schemeClr val="tx1"/>
-                </a:solidFill>
-                <a:latin typeface="+mn-lt"/>
-                <a:ea typeface="+mn-ea"/>
-                <a:cs typeface="+mn-cs"/>
-              </a:defRPr>
-            </a:lvl6pPr>
-            <a:lvl7pPr marL="2971800" indent="-228600" algn="l" defTabSz="914400" rtl="0" eaLnBrk="1" latinLnBrk="0" hangingPunct="1">
-              <a:lnSpc>
-                <a:spcPct val="90000"/>
-              </a:lnSpc>
-              <a:spcBef>
-                <a:spcPts val="500"/>
-              </a:spcBef>
-              <a:buFont typeface="Arial" panose="020B0604020202020204" pitchFamily="34" charset="0"/>
-              <a:buChar char="•"/>
-              <a:defRPr sz="1800" kern="1200">
-                <a:solidFill>
-                  <a:schemeClr val="tx1"/>
-                </a:solidFill>
-                <a:latin typeface="+mn-lt"/>
-                <a:ea typeface="+mn-ea"/>
-                <a:cs typeface="+mn-cs"/>
-              </a:defRPr>
-            </a:lvl7pPr>
-            <a:lvl8pPr marL="3429000" indent="-228600" algn="l" defTabSz="914400" rtl="0" eaLnBrk="1" latinLnBrk="0" hangingPunct="1">
-              <a:lnSpc>
-                <a:spcPct val="90000"/>
-              </a:lnSpc>
-              <a:spcBef>
-                <a:spcPts val="500"/>
-              </a:spcBef>
-              <a:buFont typeface="Arial" panose="020B0604020202020204" pitchFamily="34" charset="0"/>
-              <a:buChar char="•"/>
-              <a:defRPr sz="1800" kern="1200">
-                <a:solidFill>
-                  <a:schemeClr val="tx1"/>
-                </a:solidFill>
-                <a:latin typeface="+mn-lt"/>
-                <a:ea typeface="+mn-ea"/>
-                <a:cs typeface="+mn-cs"/>
-              </a:defRPr>
-            </a:lvl8pPr>
-            <a:lvl9pPr marL="3886200" indent="-228600" algn="l" defTabSz="914400" rtl="0" eaLnBrk="1" latinLnBrk="0" hangingPunct="1">
-              <a:lnSpc>
-                <a:spcPct val="90000"/>
-              </a:lnSpc>
-              <a:spcBef>
-                <a:spcPts val="500"/>
-              </a:spcBef>
-              <a:buFont typeface="Arial" panose="020B0604020202020204" pitchFamily="34" charset="0"/>
-              <a:buChar char="•"/>
-              <a:defRPr sz="1800" kern="1200">
-                <a:solidFill>
-                  <a:schemeClr val="tx1"/>
-                </a:solidFill>
-                <a:latin typeface="+mn-lt"/>
-                <a:ea typeface="+mn-ea"/>
-                <a:cs typeface="+mn-cs"/>
-              </a:defRPr>
-            </a:lvl9pPr>
-          </a:lstStyle>
-          <a:p>
-            <a:r>
-              <a:rPr lang="en-US" dirty="0" smtClean="0">
-                <a:solidFill>
-                  <a:schemeClr val="accent4">
-                    <a:lumMod val="75000"/>
-                  </a:schemeClr>
-                </a:solidFill>
-              </a:rPr>
-              <a:t>X[] &lt;- 1, x[2,,] &lt;- 2</a:t>
-            </a:r>
+          <a:p>
+            <a:pPr marL="0" indent="0">
+              <a:buNone/>
+            </a:pPr>
+            <a:endParaRPr lang="en-US" dirty="0"/>
           </a:p>
         </p:txBody>
       </p:sp>
     </p:spTree>
     <p:extLst>
       <p:ext uri="{BB962C8B-B14F-4D97-AF65-F5344CB8AC3E}">
-        <p14:creationId xmlns:p14="http://schemas.microsoft.com/office/powerpoint/2010/main" val="1006062046"/>
+        <p14:creationId xmlns:p14="http://schemas.microsoft.com/office/powerpoint/2010/main" val="2387270172"/>
       </p:ext>
     </p:extLst>
   </p:cSld>
   <p:clrMapOvr>
     <a:masterClrMapping/>
   </p:clrMapOvr>
+  <p:timing>
+    <p:tnLst>
+      <p:par>
+        <p:cTn id="1" dur="indefinite" restart="never" nodeType="tmRoot"/>
+      </p:par>
+    </p:tnLst>
+  </p:timing>
 </p:sld>
 </file>
 
@@ -8070,7 +7220,7 @@
           <a:p>
             <a:r>
               <a:rPr lang="en-US" dirty="0" smtClean="0"/>
-              <a:t>From FINAL Peer Review Report</a:t>
+              <a:t>Options for Sensitivity Item 1</a:t>
             </a:r>
             <a:endParaRPr lang="en-US" dirty="0"/>
           </a:p>
@@ -8088,91 +7238,60 @@
         </p:nvSpPr>
         <p:spPr/>
         <p:txBody>
-          <a:bodyPr>
-            <a:normAutofit/>
-          </a:bodyPr>
+          <a:bodyPr/>
           <a:lstStyle/>
           <a:p>
-            <a:r>
-              <a:rPr lang="en-US" dirty="0">
-                <a:solidFill>
-                  <a:schemeClr val="bg2">
-                    <a:lumMod val="90000"/>
-                  </a:schemeClr>
-                </a:solidFill>
-              </a:rPr>
-              <a:t>Conduct sensitivity analyses including: </a:t>
-            </a:r>
-            <a:endParaRPr lang="en-US" b="0" dirty="0" smtClean="0">
-              <a:solidFill>
-                <a:schemeClr val="bg2">
-                  <a:lumMod val="90000"/>
-                </a:schemeClr>
-              </a:solidFill>
-              <a:effectLst/>
-            </a:endParaRPr>
-          </a:p>
-          <a:p>
-            <a:r>
-              <a:rPr lang="en-US" dirty="0">
-                <a:solidFill>
-                  <a:schemeClr val="bg2">
-                    <a:lumMod val="90000"/>
-                  </a:schemeClr>
-                </a:solidFill>
-              </a:rPr>
-              <a:t>1) an exploration of alternative parameterizations for natural mortality (e.g. different age-independent constant values, or age-dependent M) </a:t>
-            </a:r>
-            <a:endParaRPr lang="en-US" b="0" dirty="0" smtClean="0">
-              <a:solidFill>
-                <a:schemeClr val="bg2">
-                  <a:lumMod val="90000"/>
-                </a:schemeClr>
-              </a:solidFill>
-              <a:effectLst/>
-            </a:endParaRPr>
-          </a:p>
-          <a:p>
+            <a:pPr marL="514350" indent="-514350">
+              <a:buFont typeface="+mj-lt"/>
+              <a:buAutoNum type="arabicPeriod"/>
+            </a:pPr>
             <a:r>
               <a:rPr lang="en-US" dirty="0"/>
-              <a:t>2) profiles of the initial fishing mortality (i.e. initial depletion) </a:t>
-            </a:r>
-            <a:endParaRPr lang="en-US" b="0" dirty="0" smtClean="0">
-              <a:effectLst/>
-            </a:endParaRPr>
-          </a:p>
-          <a:p>
-            <a:r>
-              <a:rPr lang="en-US" dirty="0">
-                <a:solidFill>
-                  <a:schemeClr val="bg1">
-                    <a:lumMod val="85000"/>
-                  </a:schemeClr>
-                </a:solidFill>
-              </a:rPr>
-              <a:t>3) an evaluation of which individual surveys should be included in the VAST index by comparing WHAM estimates (e.g., biomass time series) from the proposed run with individual fishery independent surveys. Surveys that do not appear to accurately reflect changes in stock size through this analysis should not be included in the VAST index. </a:t>
-            </a:r>
-            <a:endParaRPr lang="en-US" b="0" dirty="0" smtClean="0">
-              <a:solidFill>
-                <a:schemeClr val="bg1">
-                  <a:lumMod val="85000"/>
-                </a:schemeClr>
-              </a:solidFill>
-              <a:effectLst/>
-            </a:endParaRPr>
-          </a:p>
-          <a:p>
-            <a:pPr marL="0" indent="0">
-              <a:buNone/>
+              <a:t>Estimate </a:t>
+            </a:r>
+            <a:r>
+              <a:rPr lang="en-US" dirty="0" smtClean="0"/>
+              <a:t>age-independent </a:t>
+            </a:r>
+            <a:r>
+              <a:rPr lang="en-US" dirty="0" smtClean="0"/>
+              <a:t>M</a:t>
+            </a:r>
+          </a:p>
+          <a:p>
+            <a:pPr marL="514350" indent="-514350">
+              <a:buFont typeface="+mj-lt"/>
+              <a:buAutoNum type="arabicPeriod"/>
             </a:pPr>
-            <a:endParaRPr lang="en-US" dirty="0"/>
+            <a:r>
+              <a:rPr lang="en-US" dirty="0" smtClean="0"/>
+              <a:t>Fix M at higher or lower </a:t>
+            </a:r>
+            <a:r>
+              <a:rPr lang="en-US" dirty="0" smtClean="0"/>
+              <a:t>values </a:t>
+            </a:r>
+            <a:r>
+              <a:rPr lang="en-US" dirty="0" smtClean="0"/>
+              <a:t>than was used in Run 34</a:t>
+            </a:r>
+          </a:p>
+          <a:p>
+            <a:pPr marL="514350" indent="-514350">
+              <a:buFont typeface="+mj-lt"/>
+              <a:buAutoNum type="arabicPeriod"/>
+            </a:pPr>
+            <a:r>
+              <a:rPr lang="en-US" dirty="0" smtClean="0"/>
+              <a:t>Fix age-dependent M</a:t>
+            </a:r>
           </a:p>
         </p:txBody>
       </p:sp>
     </p:spTree>
     <p:extLst>
       <p:ext uri="{BB962C8B-B14F-4D97-AF65-F5344CB8AC3E}">
-        <p14:creationId xmlns:p14="http://schemas.microsoft.com/office/powerpoint/2010/main" val="2961126734"/>
+        <p14:creationId xmlns:p14="http://schemas.microsoft.com/office/powerpoint/2010/main" val="2685896087"/>
       </p:ext>
     </p:extLst>
   </p:cSld>
@@ -8216,7 +7335,7 @@
           <a:p>
             <a:r>
               <a:rPr lang="en-US" dirty="0" smtClean="0"/>
-              <a:t>Options for Sensitivity Item 2</a:t>
+              <a:t>Options for Sensitivity Item 1</a:t>
             </a:r>
             <a:endParaRPr lang="en-US" dirty="0"/>
           </a:p>
@@ -8242,33 +7361,76 @@
               <a:buAutoNum type="arabicPeriod"/>
             </a:pPr>
             <a:r>
+              <a:rPr lang="en-US" dirty="0"/>
+              <a:t>Estimate </a:t>
+            </a:r>
+            <a:r>
               <a:rPr lang="en-US" dirty="0" smtClean="0"/>
-              <a:t>Look at the estimated initial F and the confidence interval. Pick the 25</a:t>
-            </a:r>
-            <a:r>
-              <a:rPr lang="en-US" baseline="30000" dirty="0" smtClean="0"/>
-              <a:t>th</a:t>
+              <a:t>age-independent </a:t>
             </a:r>
             <a:r>
               <a:rPr lang="en-US" dirty="0" smtClean="0"/>
-              <a:t> and 75</a:t>
-            </a:r>
-            <a:r>
-              <a:rPr lang="en-US" baseline="30000" dirty="0" smtClean="0"/>
-              <a:t>th</a:t>
-            </a:r>
-            <a:r>
-              <a:rPr lang="en-US" dirty="0" smtClean="0"/>
-              <a:t> value of the distribution and fix them at those values in estimation model</a:t>
-            </a:r>
-            <a:endParaRPr lang="en-US" strike="sngStrike" dirty="0"/>
+              <a:t>M</a:t>
+            </a:r>
+          </a:p>
+          <a:p>
+            <a:pPr marL="514350" indent="-514350">
+              <a:buFont typeface="+mj-lt"/>
+              <a:buAutoNum type="arabicPeriod"/>
+            </a:pPr>
+            <a:r>
+              <a:rPr lang="en-US" dirty="0" smtClean="0">
+                <a:solidFill>
+                  <a:schemeClr val="bg2">
+                    <a:lumMod val="90000"/>
+                  </a:schemeClr>
+                </a:solidFill>
+              </a:rPr>
+              <a:t>Fix M at higher or lower </a:t>
+            </a:r>
+            <a:r>
+              <a:rPr lang="en-US" dirty="0" smtClean="0">
+                <a:solidFill>
+                  <a:schemeClr val="bg2">
+                    <a:lumMod val="90000"/>
+                  </a:schemeClr>
+                </a:solidFill>
+              </a:rPr>
+              <a:t>values </a:t>
+            </a:r>
+            <a:r>
+              <a:rPr lang="en-US" dirty="0" smtClean="0">
+                <a:solidFill>
+                  <a:schemeClr val="bg2">
+                    <a:lumMod val="90000"/>
+                  </a:schemeClr>
+                </a:solidFill>
+              </a:rPr>
+              <a:t>than was used in Run 34</a:t>
+            </a:r>
+          </a:p>
+          <a:p>
+            <a:pPr marL="514350" indent="-514350">
+              <a:buFont typeface="+mj-lt"/>
+              <a:buAutoNum type="arabicPeriod"/>
+            </a:pPr>
+            <a:r>
+              <a:rPr lang="en-US" dirty="0" smtClean="0">
+                <a:solidFill>
+                  <a:schemeClr val="bg2">
+                    <a:lumMod val="90000"/>
+                  </a:schemeClr>
+                </a:solidFill>
+              </a:rPr>
+              <a:t>Fix age-dependent M</a:t>
+            </a:r>
           </a:p>
         </p:txBody>
       </p:sp>
     </p:spTree>
     <p:extLst>
       <p:ext uri="{BB962C8B-B14F-4D97-AF65-F5344CB8AC3E}">
-        <p14:creationId xmlns:p14="http://schemas.microsoft.com/office/powerpoint/2010/main" val="399200767"/>
+        <p14:creationId xmlns:p14="http://schemas.microsoft.com/office/powerpoint/2010/main" val="1510165682"/>
       </p:ext>
     </p:extLst>
   </p:cSld>
@@ -8312,7 +7474,11 @@
           <a:p>
             <a:r>
               <a:rPr lang="en-US" dirty="0" smtClean="0"/>
-              <a:t>Run 39</a:t>
+              <a:t>Run </a:t>
+            </a:r>
+            <a:r>
+              <a:rPr lang="en-US" dirty="0" smtClean="0"/>
+              <a:t>35-36 (Option 1) </a:t>
             </a:r>
             <a:endParaRPr lang="en-US" dirty="0"/>
           </a:p>
@@ -8360,7 +7526,7 @@
           <a:p>
             <a:r>
               <a:rPr lang="en-US" dirty="0" smtClean="0"/>
-              <a:t>Initial F estimated at XXX</a:t>
+              <a:t>Age-invariant M fixed at 0.4</a:t>
             </a:r>
             <a:endParaRPr lang="en-US" dirty="0" smtClean="0">
               <a:solidFill>
@@ -8394,7 +7560,7 @@
           <a:p>
             <a:r>
               <a:rPr lang="en-US" dirty="0" smtClean="0"/>
-              <a:t>Run 39</a:t>
+              <a:t>Run 35</a:t>
             </a:r>
             <a:endParaRPr lang="en-US" dirty="0"/>
           </a:p>
@@ -8412,19 +7578,45 @@
         </p:nvSpPr>
         <p:spPr>
           <a:xfrm>
-            <a:off x="6172200" y="2505075"/>
-            <a:ext cx="2728866" cy="501651"/>
+            <a:off x="6172199" y="2505075"/>
+            <a:ext cx="4539343" cy="814386"/>
           </a:xfrm>
         </p:spPr>
         <p:txBody>
           <a:bodyPr>
-            <a:normAutofit/>
+            <a:noAutofit/>
           </a:bodyPr>
           <a:lstStyle/>
           <a:p>
             <a:r>
-              <a:rPr lang="en-US" dirty="0" smtClean="0"/>
-              <a:t>F fixed at XXX</a:t>
+              <a:rPr lang="en-US" dirty="0" smtClean="0">
+                <a:solidFill>
+                  <a:schemeClr val="accent4">
+                    <a:lumMod val="75000"/>
+                  </a:schemeClr>
+                </a:solidFill>
+              </a:rPr>
+              <a:t>One M </a:t>
+            </a:r>
+            <a:r>
+              <a:rPr lang="en-US" dirty="0" smtClean="0">
+                <a:solidFill>
+                  <a:schemeClr val="accent4">
+                    <a:lumMod val="75000"/>
+                  </a:schemeClr>
+                </a:solidFill>
+              </a:rPr>
+              <a:t>estimated</a:t>
+            </a:r>
+            <a:r>
+              <a:rPr lang="en-US" dirty="0" smtClean="0">
+                <a:solidFill>
+                  <a:schemeClr val="accent4">
+                    <a:lumMod val="75000"/>
+                  </a:schemeClr>
+                </a:solidFill>
+              </a:rPr>
+              <a:t>: 0.732</a:t>
             </a:r>
             <a:endParaRPr lang="en-US" dirty="0" smtClean="0">
               <a:solidFill>
@@ -8624,7 +7816,7 @@
           <a:p>
             <a:r>
               <a:rPr lang="en-US" dirty="0" smtClean="0"/>
-              <a:t>Run 40</a:t>
+              <a:t>Run 36</a:t>
             </a:r>
             <a:endParaRPr lang="en-US" dirty="0"/>
           </a:p>
@@ -8649,7 +7841,7 @@
         </p:spPr>
         <p:txBody>
           <a:bodyPr vert="horz" lIns="91440" tIns="45720" rIns="91440" bIns="45720" rtlCol="0">
-            <a:normAutofit fontScale="92500"/>
+            <a:normAutofit/>
           </a:bodyPr>
           <a:lstStyle>
             <a:lvl1pPr marL="228600" indent="-228600" algn="l" defTabSz="914400" rtl="0" eaLnBrk="1" latinLnBrk="0" hangingPunct="1">
@@ -8816,10 +8008,6 @@
             </a:lvl9pPr>
           </a:lstStyle>
           <a:p>
-            <a:r>
-              <a:rPr lang="en-US" dirty="0" smtClean="0"/>
-              <a:t>F fixed at 25% CI Value</a:t>
-            </a:r>
             <a:endParaRPr lang="en-US" dirty="0" smtClean="0">
               <a:solidFill>
                 <a:schemeClr val="accent4">
@@ -8827,200 +8015,6 @@
                 </a:schemeClr>
               </a:solidFill>
             </a:endParaRPr>
-          </a:p>
-        </p:txBody>
-      </p:sp>
-      <p:sp>
-        <p:nvSpPr>
-          <p:cNvPr id="16" name="Text Placeholder 6"/>
-          <p:cNvSpPr txBox="1">
-            <a:spLocks/>
-          </p:cNvSpPr>
-          <p:nvPr/>
-        </p:nvSpPr>
-        <p:spPr>
-          <a:xfrm>
-            <a:off x="6172200" y="4585399"/>
-            <a:ext cx="1390973" cy="451550"/>
-          </a:xfrm>
-          <a:prstGeom prst="rect">
-            <a:avLst/>
-          </a:prstGeom>
-        </p:spPr>
-        <p:txBody>
-          <a:bodyPr vert="horz" lIns="91440" tIns="45720" rIns="91440" bIns="45720" rtlCol="0" anchor="b">
-            <a:normAutofit/>
-          </a:bodyPr>
-          <a:lstStyle>
-            <a:lvl1pPr marL="0" indent="0" algn="l" defTabSz="914400" rtl="0" eaLnBrk="1" latinLnBrk="0" hangingPunct="1">
-              <a:lnSpc>
-                <a:spcPct val="90000"/>
-              </a:lnSpc>
-              <a:spcBef>
-                <a:spcPts val="1000"/>
-              </a:spcBef>
-              <a:buFont typeface="Arial" panose="020B0604020202020204" pitchFamily="34" charset="0"/>
-              <a:buNone/>
-              <a:defRPr sz="2400" b="1" kern="1200">
-                <a:solidFill>
-                  <a:schemeClr val="tx1"/>
-                </a:solidFill>
-                <a:latin typeface="+mn-lt"/>
-                <a:ea typeface="+mn-ea"/>
-                <a:cs typeface="+mn-cs"/>
-              </a:defRPr>
-            </a:lvl1pPr>
-            <a:lvl2pPr marL="457200" indent="0" algn="l" defTabSz="914400" rtl="0" eaLnBrk="1" latinLnBrk="0" hangingPunct="1">
-              <a:lnSpc>
-                <a:spcPct val="90000"/>
-              </a:lnSpc>
-              <a:spcBef>
-                <a:spcPts val="500"/>
-              </a:spcBef>
-              <a:buFont typeface="Arial" panose="020B0604020202020204" pitchFamily="34" charset="0"/>
-              <a:buNone/>
-              <a:defRPr sz="2000" b="1" kern="1200">
-                <a:solidFill>
-                  <a:schemeClr val="tx1"/>
-                </a:solidFill>
-                <a:latin typeface="+mn-lt"/>
-                <a:ea typeface="+mn-ea"/>
-                <a:cs typeface="+mn-cs"/>
-              </a:defRPr>
-            </a:lvl2pPr>
-            <a:lvl3pPr marL="914400" indent="0" algn="l" defTabSz="914400" rtl="0" eaLnBrk="1" latinLnBrk="0" hangingPunct="1">
-              <a:lnSpc>
-                <a:spcPct val="90000"/>
-              </a:lnSpc>
-              <a:spcBef>
-                <a:spcPts val="500"/>
-              </a:spcBef>
-              <a:buFont typeface="Arial" panose="020B0604020202020204" pitchFamily="34" charset="0"/>
-              <a:buNone/>
-              <a:defRPr sz="1800" b="1" kern="1200">
-                <a:solidFill>
-                  <a:schemeClr val="tx1"/>
-                </a:solidFill>
-                <a:latin typeface="+mn-lt"/>
-                <a:ea typeface="+mn-ea"/>
-                <a:cs typeface="+mn-cs"/>
-              </a:defRPr>
-            </a:lvl3pPr>
-            <a:lvl4pPr marL="1371600" indent="0" algn="l" defTabSz="914400" rtl="0" eaLnBrk="1" latinLnBrk="0" hangingPunct="1">
-              <a:lnSpc>
-                <a:spcPct val="90000"/>
-              </a:lnSpc>
-              <a:spcBef>
-                <a:spcPts val="500"/>
-              </a:spcBef>
-              <a:buFont typeface="Arial" panose="020B0604020202020204" pitchFamily="34" charset="0"/>
-              <a:buNone/>
-              <a:defRPr sz="1600" b="1" kern="1200">
-                <a:solidFill>
-                  <a:schemeClr val="tx1"/>
-                </a:solidFill>
-                <a:latin typeface="+mn-lt"/>
-                <a:ea typeface="+mn-ea"/>
-                <a:cs typeface="+mn-cs"/>
-              </a:defRPr>
-            </a:lvl4pPr>
-            <a:lvl5pPr marL="1828800" indent="0" algn="l" defTabSz="914400" rtl="0" eaLnBrk="1" latinLnBrk="0" hangingPunct="1">
-              <a:lnSpc>
-                <a:spcPct val="90000"/>
-              </a:lnSpc>
-              <a:spcBef>
-                <a:spcPts val="500"/>
-              </a:spcBef>
-              <a:buFont typeface="Arial" panose="020B0604020202020204" pitchFamily="34" charset="0"/>
-              <a:buNone/>
-              <a:defRPr sz="1600" b="1" kern="1200">
-                <a:solidFill>
-                  <a:schemeClr val="tx1"/>
-                </a:solidFill>
-                <a:latin typeface="+mn-lt"/>
-                <a:ea typeface="+mn-ea"/>
-                <a:cs typeface="+mn-cs"/>
-              </a:defRPr>
-            </a:lvl5pPr>
-            <a:lvl6pPr marL="2286000" indent="0" algn="l" defTabSz="914400" rtl="0" eaLnBrk="1" latinLnBrk="0" hangingPunct="1">
-              <a:lnSpc>
-                <a:spcPct val="90000"/>
-              </a:lnSpc>
-              <a:spcBef>
-                <a:spcPts val="500"/>
-              </a:spcBef>
-              <a:buFont typeface="Arial" panose="020B0604020202020204" pitchFamily="34" charset="0"/>
-              <a:buNone/>
-              <a:defRPr sz="1600" b="1" kern="1200">
-                <a:solidFill>
-                  <a:schemeClr val="tx1"/>
-                </a:solidFill>
-                <a:latin typeface="+mn-lt"/>
-                <a:ea typeface="+mn-ea"/>
-                <a:cs typeface="+mn-cs"/>
-              </a:defRPr>
-            </a:lvl6pPr>
-            <a:lvl7pPr marL="2743200" indent="0" algn="l" defTabSz="914400" rtl="0" eaLnBrk="1" latinLnBrk="0" hangingPunct="1">
-              <a:lnSpc>
-                <a:spcPct val="90000"/>
-              </a:lnSpc>
-              <a:spcBef>
-                <a:spcPts val="500"/>
-              </a:spcBef>
-              <a:buFont typeface="Arial" panose="020B0604020202020204" pitchFamily="34" charset="0"/>
-              <a:buNone/>
-              <a:defRPr sz="1600" b="1" kern="1200">
-                <a:solidFill>
-                  <a:schemeClr val="tx1"/>
-                </a:solidFill>
-                <a:latin typeface="+mn-lt"/>
-                <a:ea typeface="+mn-ea"/>
-                <a:cs typeface="+mn-cs"/>
-              </a:defRPr>
-            </a:lvl7pPr>
-            <a:lvl8pPr marL="3200400" indent="0" algn="l" defTabSz="914400" rtl="0" eaLnBrk="1" latinLnBrk="0" hangingPunct="1">
-              <a:lnSpc>
-                <a:spcPct val="90000"/>
-              </a:lnSpc>
-              <a:spcBef>
-                <a:spcPts val="500"/>
-              </a:spcBef>
-              <a:buFont typeface="Arial" panose="020B0604020202020204" pitchFamily="34" charset="0"/>
-              <a:buNone/>
-              <a:defRPr sz="1600" b="1" kern="1200">
-                <a:solidFill>
-                  <a:schemeClr val="tx1"/>
-                </a:solidFill>
-                <a:latin typeface="+mn-lt"/>
-                <a:ea typeface="+mn-ea"/>
-                <a:cs typeface="+mn-cs"/>
-              </a:defRPr>
-            </a:lvl8pPr>
-            <a:lvl9pPr marL="3657600" indent="0" algn="l" defTabSz="914400" rtl="0" eaLnBrk="1" latinLnBrk="0" hangingPunct="1">
-              <a:lnSpc>
-                <a:spcPct val="90000"/>
-              </a:lnSpc>
-              <a:spcBef>
-                <a:spcPts val="500"/>
-              </a:spcBef>
-              <a:buFont typeface="Arial" panose="020B0604020202020204" pitchFamily="34" charset="0"/>
-              <a:buNone/>
-              <a:defRPr sz="1600" b="1" kern="1200">
-                <a:solidFill>
-                  <a:schemeClr val="tx1"/>
-                </a:solidFill>
-                <a:latin typeface="+mn-lt"/>
-                <a:ea typeface="+mn-ea"/>
-                <a:cs typeface="+mn-cs"/>
-              </a:defRPr>
-            </a:lvl9pPr>
-          </a:lstStyle>
-          <a:p>
-            <a:r>
-              <a:rPr lang="en-US" dirty="0" smtClean="0"/>
-              <a:t>Run 41</a:t>
-            </a:r>
-            <a:endParaRPr lang="en-US" dirty="0"/>
           </a:p>
         </p:txBody>
       </p:sp>
@@ -9043,7 +8037,7 @@
         </p:spPr>
         <p:txBody>
           <a:bodyPr vert="horz" lIns="91440" tIns="45720" rIns="91440" bIns="45720" rtlCol="0">
-            <a:normAutofit fontScale="92500"/>
+            <a:normAutofit/>
           </a:bodyPr>
           <a:lstStyle>
             <a:lvl1pPr marL="228600" indent="-228600" algn="l" defTabSz="914400" rtl="0" eaLnBrk="1" latinLnBrk="0" hangingPunct="1">
@@ -9210,10 +8204,6 @@
             </a:lvl9pPr>
           </a:lstStyle>
           <a:p>
-            <a:r>
-              <a:rPr lang="en-US" dirty="0" smtClean="0"/>
-              <a:t>F fixed at 75% CI Value</a:t>
-            </a:r>
             <a:endParaRPr lang="en-US" dirty="0" smtClean="0">
               <a:solidFill>
                 <a:schemeClr val="accent4">
@@ -9224,10 +8214,315 @@
           </a:p>
         </p:txBody>
       </p:sp>
+      <p:sp>
+        <p:nvSpPr>
+          <p:cNvPr id="13" name="Content Placeholder 7"/>
+          <p:cNvSpPr txBox="1">
+            <a:spLocks/>
+          </p:cNvSpPr>
+          <p:nvPr/>
+        </p:nvSpPr>
+        <p:spPr>
+          <a:xfrm>
+            <a:off x="6172199" y="3771010"/>
+            <a:ext cx="4539343" cy="1578229"/>
+          </a:xfrm>
+          <a:prstGeom prst="rect">
+            <a:avLst/>
+          </a:prstGeom>
+        </p:spPr>
+        <p:txBody>
+          <a:bodyPr vert="horz" lIns="91440" tIns="45720" rIns="91440" bIns="45720" rtlCol="0">
+            <a:noAutofit/>
+          </a:bodyPr>
+          <a:lstStyle>
+            <a:lvl1pPr marL="228600" indent="-228600" algn="l" defTabSz="914400" rtl="0" eaLnBrk="1" latinLnBrk="0" hangingPunct="1">
+              <a:lnSpc>
+                <a:spcPct val="90000"/>
+              </a:lnSpc>
+              <a:spcBef>
+                <a:spcPts val="1000"/>
+              </a:spcBef>
+              <a:buFont typeface="Arial" panose="020B0604020202020204" pitchFamily="34" charset="0"/>
+              <a:buChar char="•"/>
+              <a:defRPr sz="2800" kern="1200">
+                <a:solidFill>
+                  <a:schemeClr val="tx1"/>
+                </a:solidFill>
+                <a:latin typeface="+mn-lt"/>
+                <a:ea typeface="+mn-ea"/>
+                <a:cs typeface="+mn-cs"/>
+              </a:defRPr>
+            </a:lvl1pPr>
+            <a:lvl2pPr marL="685800" indent="-228600" algn="l" defTabSz="914400" rtl="0" eaLnBrk="1" latinLnBrk="0" hangingPunct="1">
+              <a:lnSpc>
+                <a:spcPct val="90000"/>
+              </a:lnSpc>
+              <a:spcBef>
+                <a:spcPts val="500"/>
+              </a:spcBef>
+              <a:buFont typeface="Arial" panose="020B0604020202020204" pitchFamily="34" charset="0"/>
+              <a:buChar char="•"/>
+              <a:defRPr sz="2400" kern="1200">
+                <a:solidFill>
+                  <a:schemeClr val="tx1"/>
+                </a:solidFill>
+                <a:latin typeface="+mn-lt"/>
+                <a:ea typeface="+mn-ea"/>
+                <a:cs typeface="+mn-cs"/>
+              </a:defRPr>
+            </a:lvl2pPr>
+            <a:lvl3pPr marL="1143000" indent="-228600" algn="l" defTabSz="914400" rtl="0" eaLnBrk="1" latinLnBrk="0" hangingPunct="1">
+              <a:lnSpc>
+                <a:spcPct val="90000"/>
+              </a:lnSpc>
+              <a:spcBef>
+                <a:spcPts val="500"/>
+              </a:spcBef>
+              <a:buFont typeface="Arial" panose="020B0604020202020204" pitchFamily="34" charset="0"/>
+              <a:buChar char="•"/>
+              <a:defRPr sz="2000" kern="1200">
+                <a:solidFill>
+                  <a:schemeClr val="tx1"/>
+                </a:solidFill>
+                <a:latin typeface="+mn-lt"/>
+                <a:ea typeface="+mn-ea"/>
+                <a:cs typeface="+mn-cs"/>
+              </a:defRPr>
+            </a:lvl3pPr>
+            <a:lvl4pPr marL="1600200" indent="-228600" algn="l" defTabSz="914400" rtl="0" eaLnBrk="1" latinLnBrk="0" hangingPunct="1">
+              <a:lnSpc>
+                <a:spcPct val="90000"/>
+              </a:lnSpc>
+              <a:spcBef>
+                <a:spcPts val="500"/>
+              </a:spcBef>
+              <a:buFont typeface="Arial" panose="020B0604020202020204" pitchFamily="34" charset="0"/>
+              <a:buChar char="•"/>
+              <a:defRPr sz="1800" kern="1200">
+                <a:solidFill>
+                  <a:schemeClr val="tx1"/>
+                </a:solidFill>
+                <a:latin typeface="+mn-lt"/>
+                <a:ea typeface="+mn-ea"/>
+                <a:cs typeface="+mn-cs"/>
+              </a:defRPr>
+            </a:lvl4pPr>
+            <a:lvl5pPr marL="2057400" indent="-228600" algn="l" defTabSz="914400" rtl="0" eaLnBrk="1" latinLnBrk="0" hangingPunct="1">
+              <a:lnSpc>
+                <a:spcPct val="90000"/>
+              </a:lnSpc>
+              <a:spcBef>
+                <a:spcPts val="500"/>
+              </a:spcBef>
+              <a:buFont typeface="Arial" panose="020B0604020202020204" pitchFamily="34" charset="0"/>
+              <a:buChar char="•"/>
+              <a:defRPr sz="1800" kern="1200">
+                <a:solidFill>
+                  <a:schemeClr val="tx1"/>
+                </a:solidFill>
+                <a:latin typeface="+mn-lt"/>
+                <a:ea typeface="+mn-ea"/>
+                <a:cs typeface="+mn-cs"/>
+              </a:defRPr>
+            </a:lvl5pPr>
+            <a:lvl6pPr marL="2514600" indent="-228600" algn="l" defTabSz="914400" rtl="0" eaLnBrk="1" latinLnBrk="0" hangingPunct="1">
+              <a:lnSpc>
+                <a:spcPct val="90000"/>
+              </a:lnSpc>
+              <a:spcBef>
+                <a:spcPts val="500"/>
+              </a:spcBef>
+              <a:buFont typeface="Arial" panose="020B0604020202020204" pitchFamily="34" charset="0"/>
+              <a:buChar char="•"/>
+              <a:defRPr sz="1800" kern="1200">
+                <a:solidFill>
+                  <a:schemeClr val="tx1"/>
+                </a:solidFill>
+                <a:latin typeface="+mn-lt"/>
+                <a:ea typeface="+mn-ea"/>
+                <a:cs typeface="+mn-cs"/>
+              </a:defRPr>
+            </a:lvl6pPr>
+            <a:lvl7pPr marL="2971800" indent="-228600" algn="l" defTabSz="914400" rtl="0" eaLnBrk="1" latinLnBrk="0" hangingPunct="1">
+              <a:lnSpc>
+                <a:spcPct val="90000"/>
+              </a:lnSpc>
+              <a:spcBef>
+                <a:spcPts val="500"/>
+              </a:spcBef>
+              <a:buFont typeface="Arial" panose="020B0604020202020204" pitchFamily="34" charset="0"/>
+              <a:buChar char="•"/>
+              <a:defRPr sz="1800" kern="1200">
+                <a:solidFill>
+                  <a:schemeClr val="tx1"/>
+                </a:solidFill>
+                <a:latin typeface="+mn-lt"/>
+                <a:ea typeface="+mn-ea"/>
+                <a:cs typeface="+mn-cs"/>
+              </a:defRPr>
+            </a:lvl7pPr>
+            <a:lvl8pPr marL="3429000" indent="-228600" algn="l" defTabSz="914400" rtl="0" eaLnBrk="1" latinLnBrk="0" hangingPunct="1">
+              <a:lnSpc>
+                <a:spcPct val="90000"/>
+              </a:lnSpc>
+              <a:spcBef>
+                <a:spcPts val="500"/>
+              </a:spcBef>
+              <a:buFont typeface="Arial" panose="020B0604020202020204" pitchFamily="34" charset="0"/>
+              <a:buChar char="•"/>
+              <a:defRPr sz="1800" kern="1200">
+                <a:solidFill>
+                  <a:schemeClr val="tx1"/>
+                </a:solidFill>
+                <a:latin typeface="+mn-lt"/>
+                <a:ea typeface="+mn-ea"/>
+                <a:cs typeface="+mn-cs"/>
+              </a:defRPr>
+            </a:lvl8pPr>
+            <a:lvl9pPr marL="3886200" indent="-228600" algn="l" defTabSz="914400" rtl="0" eaLnBrk="1" latinLnBrk="0" hangingPunct="1">
+              <a:lnSpc>
+                <a:spcPct val="90000"/>
+              </a:lnSpc>
+              <a:spcBef>
+                <a:spcPts val="500"/>
+              </a:spcBef>
+              <a:buFont typeface="Arial" panose="020B0604020202020204" pitchFamily="34" charset="0"/>
+              <a:buChar char="•"/>
+              <a:defRPr sz="1800" kern="1200">
+                <a:solidFill>
+                  <a:schemeClr val="tx1"/>
+                </a:solidFill>
+                <a:latin typeface="+mn-lt"/>
+                <a:ea typeface="+mn-ea"/>
+                <a:cs typeface="+mn-cs"/>
+              </a:defRPr>
+            </a:lvl9pPr>
+          </a:lstStyle>
+          <a:p>
+            <a:r>
+              <a:rPr lang="en-US" dirty="0" smtClean="0">
+                <a:solidFill>
+                  <a:schemeClr val="accent4">
+                    <a:lumMod val="75000"/>
+                  </a:schemeClr>
+                </a:solidFill>
+              </a:rPr>
+              <a:t>Two M estimated (stock)</a:t>
+            </a:r>
+          </a:p>
+          <a:p>
+            <a:pPr lvl="1"/>
+            <a:r>
+              <a:rPr lang="en-US" dirty="0" smtClean="0">
+                <a:solidFill>
+                  <a:schemeClr val="accent4">
+                    <a:lumMod val="75000"/>
+                  </a:schemeClr>
+                </a:solidFill>
+              </a:rPr>
+              <a:t>North</a:t>
+            </a:r>
+          </a:p>
+          <a:p>
+            <a:pPr lvl="1"/>
+            <a:r>
+              <a:rPr lang="en-US" dirty="0" smtClean="0">
+                <a:solidFill>
+                  <a:schemeClr val="accent4">
+                    <a:lumMod val="75000"/>
+                  </a:schemeClr>
+                </a:solidFill>
+              </a:rPr>
+              <a:t>South</a:t>
+            </a:r>
+          </a:p>
+          <a:p>
+            <a:r>
+              <a:rPr lang="en-US" dirty="0" smtClean="0">
+                <a:solidFill>
+                  <a:schemeClr val="accent4">
+                    <a:lumMod val="75000"/>
+                  </a:schemeClr>
+                </a:solidFill>
+              </a:rPr>
+              <a:t>Results in the </a:t>
+            </a:r>
+            <a:r>
+              <a:rPr lang="en-US" dirty="0" err="1" smtClean="0">
+                <a:solidFill>
+                  <a:schemeClr val="accent4">
+                    <a:lumMod val="75000"/>
+                  </a:schemeClr>
+                </a:solidFill>
+              </a:rPr>
+              <a:t>respository</a:t>
+            </a:r>
+            <a:r>
+              <a:rPr lang="en-US" dirty="0" smtClean="0">
+                <a:solidFill>
+                  <a:schemeClr val="accent4">
+                    <a:lumMod val="75000"/>
+                  </a:schemeClr>
+                </a:solidFill>
+              </a:rPr>
+              <a:t>, but not convinced they’re any good</a:t>
+            </a:r>
+            <a:endParaRPr lang="en-US" dirty="0" smtClean="0">
+              <a:solidFill>
+                <a:schemeClr val="accent4">
+                  <a:lumMod val="75000"/>
+                </a:schemeClr>
+              </a:solidFill>
+            </a:endParaRPr>
+          </a:p>
+        </p:txBody>
+      </p:sp>
+      <p:pic>
+        <p:nvPicPr>
+          <p:cNvPr id="1026" name="Picture 2" descr="bomb cartoon icon 12014538 Vector Art at Vecteezy"/>
+          <p:cNvPicPr>
+            <a:picLocks noChangeAspect="1" noChangeArrowheads="1"/>
+          </p:cNvPicPr>
+          <p:nvPr/>
+        </p:nvPicPr>
+        <p:blipFill>
+          <a:blip r:embed="rId2" cstate="print">
+            <a:extLst>
+              <a:ext uri="{28A0092B-C50C-407E-A947-70E740481C1C}">
+                <a14:useLocalDpi xmlns:a14="http://schemas.microsoft.com/office/drawing/2010/main" val="0"/>
+              </a:ext>
+            </a:extLst>
+          </a:blip>
+          <a:srcRect/>
+          <a:stretch>
+            <a:fillRect/>
+          </a:stretch>
+        </p:blipFill>
+        <p:spPr bwMode="auto">
+          <a:xfrm>
+            <a:off x="10144822" y="4021837"/>
+            <a:ext cx="692033" cy="870593"/>
+          </a:xfrm>
+          <a:prstGeom prst="rect">
+            <a:avLst/>
+          </a:prstGeom>
+          <a:noFill/>
+          <a:extLst>
+            <a:ext uri="{909E8E84-426E-40DD-AFC4-6F175D3DCCD1}">
+              <a14:hiddenFill xmlns:a14="http://schemas.microsoft.com/office/drawing/2010/main">
+                <a:solidFill>
+                  <a:srgbClr val="FFFFFF"/>
+                </a:solidFill>
+              </a14:hiddenFill>
+            </a:ext>
+          </a:extLst>
+        </p:spPr>
+      </p:pic>
     </p:spTree>
     <p:extLst>
       <p:ext uri="{BB962C8B-B14F-4D97-AF65-F5344CB8AC3E}">
-        <p14:creationId xmlns:p14="http://schemas.microsoft.com/office/powerpoint/2010/main" val="3855491165"/>
+        <p14:creationId xmlns:p14="http://schemas.microsoft.com/office/powerpoint/2010/main" val="1006062046"/>
       </p:ext>
     </p:extLst>
   </p:cSld>
@@ -9237,7 +8532,7 @@
 </p:sld>
 </file>
 
-<file path=ppt/slides/slide4.xml><?xml version="1.0" encoding="utf-8"?>
+<file path=ppt/slides/slide38.xml><?xml version="1.0" encoding="utf-8"?>
 <p:sld xmlns:a="http://schemas.openxmlformats.org/drawingml/2006/main" xmlns:r="http://schemas.openxmlformats.org/officeDocument/2006/relationships" xmlns:p="http://schemas.openxmlformats.org/presentationml/2006/main">
   <p:cSld>
     <p:spTree>
@@ -9254,118 +8549,2563 @@
           <a:chExt cx="0" cy="0"/>
         </a:xfrm>
       </p:grpSpPr>
-      <p:sp>
-        <p:nvSpPr>
-          <p:cNvPr id="2" name="Title 1"/>
-          <p:cNvSpPr>
-            <a:spLocks noGrp="1"/>
-          </p:cNvSpPr>
-          <p:nvPr>
-            <p:ph type="title"/>
-          </p:nvPr>
-        </p:nvSpPr>
-        <p:spPr/>
-        <p:txBody>
-          <a:bodyPr/>
-          <a:lstStyle/>
-          <a:p>
-            <a:r>
-              <a:rPr lang="en-US" dirty="0" smtClean="0"/>
-              <a:t>Options for Sensitivity Item 3</a:t>
-            </a:r>
-            <a:endParaRPr lang="en-US" dirty="0"/>
-          </a:p>
-        </p:txBody>
-      </p:sp>
-      <p:sp>
-        <p:nvSpPr>
-          <p:cNvPr id="3" name="Content Placeholder 2"/>
-          <p:cNvSpPr>
-            <a:spLocks noGrp="1"/>
-          </p:cNvSpPr>
-          <p:nvPr>
-            <p:ph idx="1"/>
-          </p:nvPr>
-        </p:nvSpPr>
-        <p:spPr/>
-        <p:txBody>
-          <a:bodyPr/>
-          <a:lstStyle/>
-          <a:p>
-            <a:pPr marL="514350" indent="-514350">
-              <a:buFont typeface="+mj-lt"/>
-              <a:buAutoNum type="arabicPeriod"/>
-            </a:pPr>
-            <a:r>
-              <a:rPr lang="en-US" dirty="0" smtClean="0"/>
-              <a:t>Compare WHAM SSB estimates to the number/tow time series from the individual surveys</a:t>
-            </a:r>
-          </a:p>
-          <a:p>
-            <a:pPr marL="514350" indent="-514350">
-              <a:buFont typeface="+mj-lt"/>
-              <a:buAutoNum type="arabicPeriod"/>
-            </a:pPr>
-            <a:r>
-              <a:rPr lang="en-US" dirty="0" smtClean="0"/>
-              <a:t>Compare WHAM run with run with each index individually, rather than the VAST INDEX</a:t>
-            </a:r>
-          </a:p>
-          <a:p>
-            <a:pPr marL="514350" indent="-514350">
-              <a:buFont typeface="+mj-lt"/>
-              <a:buAutoNum type="arabicPeriod"/>
-            </a:pPr>
-            <a:r>
-              <a:rPr lang="en-US" dirty="0" smtClean="0"/>
-              <a:t>Compare WHAM run with just NEFSC BTS, NEAMAP, and </a:t>
-            </a:r>
-            <a:r>
-              <a:rPr lang="en-US" dirty="0" err="1" smtClean="0"/>
-              <a:t>RecCPA</a:t>
-            </a:r>
-            <a:endParaRPr lang="en-US" dirty="0" smtClean="0"/>
-          </a:p>
-          <a:p>
-            <a:pPr marL="514350" indent="-514350">
-              <a:buFont typeface="+mj-lt"/>
-              <a:buAutoNum type="arabicPeriod"/>
-            </a:pPr>
-            <a:r>
-              <a:rPr lang="en-US" dirty="0" smtClean="0"/>
-              <a:t>Examine current VAST model to see if weighting for each survey could be extracted</a:t>
-            </a:r>
-          </a:p>
-          <a:p>
-            <a:pPr marL="514350" indent="-514350">
-              <a:buFont typeface="+mj-lt"/>
-              <a:buAutoNum type="arabicPeriod"/>
-            </a:pPr>
-            <a:r>
-              <a:rPr lang="en-US" dirty="0" smtClean="0"/>
-              <a:t>Re run VAST with just Spring and Fall NEFSC BTS/ NEAMAP</a:t>
-            </a:r>
-            <a:endParaRPr lang="en-US" dirty="0"/>
-          </a:p>
-        </p:txBody>
-      </p:sp>
+      <p:pic>
+        <p:nvPicPr>
+          <p:cNvPr id="7" name="Picture 6"/>
+          <p:cNvPicPr>
+            <a:picLocks noChangeAspect="1"/>
+          </p:cNvPicPr>
+          <p:nvPr/>
+        </p:nvPicPr>
+        <p:blipFill>
+          <a:blip r:embed="rId2" cstate="print">
+            <a:extLst>
+              <a:ext uri="{28A0092B-C50C-407E-A947-70E740481C1C}">
+                <a14:useLocalDpi xmlns:a14="http://schemas.microsoft.com/office/drawing/2010/main" val="0"/>
+              </a:ext>
+            </a:extLst>
+          </a:blip>
+          <a:stretch>
+            <a:fillRect/>
+          </a:stretch>
+        </p:blipFill>
+        <p:spPr>
+          <a:xfrm>
+            <a:off x="6190978" y="0"/>
+            <a:ext cx="4286250" cy="6858000"/>
+          </a:xfrm>
+          <a:prstGeom prst="rect">
+            <a:avLst/>
+          </a:prstGeom>
+        </p:spPr>
+      </p:pic>
+      <p:pic>
+        <p:nvPicPr>
+          <p:cNvPr id="8" name="Picture 7"/>
+          <p:cNvPicPr>
+            <a:picLocks noChangeAspect="1"/>
+          </p:cNvPicPr>
+          <p:nvPr/>
+        </p:nvPicPr>
+        <p:blipFill>
+          <a:blip r:embed="rId3" cstate="print">
+            <a:extLst>
+              <a:ext uri="{28A0092B-C50C-407E-A947-70E740481C1C}">
+                <a14:useLocalDpi xmlns:a14="http://schemas.microsoft.com/office/drawing/2010/main" val="0"/>
+              </a:ext>
+            </a:extLst>
+          </a:blip>
+          <a:stretch>
+            <a:fillRect/>
+          </a:stretch>
+        </p:blipFill>
+        <p:spPr>
+          <a:xfrm>
+            <a:off x="1453515" y="0"/>
+            <a:ext cx="4286250" cy="6858000"/>
+          </a:xfrm>
+          <a:prstGeom prst="rect">
+            <a:avLst/>
+          </a:prstGeom>
+        </p:spPr>
+      </p:pic>
     </p:spTree>
     <p:extLst>
       <p:ext uri="{BB962C8B-B14F-4D97-AF65-F5344CB8AC3E}">
-        <p14:creationId xmlns:p14="http://schemas.microsoft.com/office/powerpoint/2010/main" val="1499166679"/>
+        <p14:creationId xmlns:p14="http://schemas.microsoft.com/office/powerpoint/2010/main" val="2689090137"/>
       </p:ext>
     </p:extLst>
   </p:cSld>
   <p:clrMapOvr>
     <a:masterClrMapping/>
   </p:clrMapOvr>
-  <p:timing>
-    <p:tnLst>
-      <p:par>
-        <p:cTn id="1" dur="indefinite" restart="never" nodeType="tmRoot"/>
-      </p:par>
-    </p:tnLst>
-  </p:timing>
+</p:sld>
+</file>
+
+<file path=ppt/slides/slide39.xml><?xml version="1.0" encoding="utf-8"?>
+<p:sld xmlns:a="http://schemas.openxmlformats.org/drawingml/2006/main" xmlns:r="http://schemas.openxmlformats.org/officeDocument/2006/relationships" xmlns:p="http://schemas.openxmlformats.org/presentationml/2006/main">
+  <p:cSld>
+    <p:spTree>
+      <p:nvGrpSpPr>
+        <p:cNvPr id="1" name=""/>
+        <p:cNvGrpSpPr/>
+        <p:nvPr/>
+      </p:nvGrpSpPr>
+      <p:grpSpPr>
+        <a:xfrm>
+          <a:off x="0" y="0"/>
+          <a:ext cx="0" cy="0"/>
+          <a:chOff x="0" y="0"/>
+          <a:chExt cx="0" cy="0"/>
+        </a:xfrm>
+      </p:grpSpPr>
+      <p:sp>
+        <p:nvSpPr>
+          <p:cNvPr id="2" name="Title 1"/>
+          <p:cNvSpPr>
+            <a:spLocks noGrp="1"/>
+          </p:cNvSpPr>
+          <p:nvPr>
+            <p:ph type="title"/>
+          </p:nvPr>
+        </p:nvSpPr>
+        <p:spPr/>
+        <p:txBody>
+          <a:bodyPr/>
+          <a:lstStyle/>
+          <a:p>
+            <a:r>
+              <a:rPr lang="en-US" dirty="0" smtClean="0"/>
+              <a:t>Options for Sensitivity Item 1</a:t>
+            </a:r>
+            <a:endParaRPr lang="en-US" dirty="0"/>
+          </a:p>
+        </p:txBody>
+      </p:sp>
+      <p:sp>
+        <p:nvSpPr>
+          <p:cNvPr id="3" name="Content Placeholder 2"/>
+          <p:cNvSpPr>
+            <a:spLocks noGrp="1"/>
+          </p:cNvSpPr>
+          <p:nvPr>
+            <p:ph idx="1"/>
+          </p:nvPr>
+        </p:nvSpPr>
+        <p:spPr/>
+        <p:txBody>
+          <a:bodyPr/>
+          <a:lstStyle/>
+          <a:p>
+            <a:pPr marL="514350" indent="-514350">
+              <a:buFont typeface="+mj-lt"/>
+              <a:buAutoNum type="arabicPeriod"/>
+            </a:pPr>
+            <a:r>
+              <a:rPr lang="en-US" dirty="0">
+                <a:solidFill>
+                  <a:schemeClr val="bg2">
+                    <a:lumMod val="90000"/>
+                  </a:schemeClr>
+                </a:solidFill>
+              </a:rPr>
+              <a:t>Estimate </a:t>
+            </a:r>
+            <a:r>
+              <a:rPr lang="en-US" dirty="0" smtClean="0">
+                <a:solidFill>
+                  <a:schemeClr val="bg2">
+                    <a:lumMod val="90000"/>
+                  </a:schemeClr>
+                </a:solidFill>
+              </a:rPr>
+              <a:t>age-independent </a:t>
+            </a:r>
+            <a:r>
+              <a:rPr lang="en-US" dirty="0" smtClean="0">
+                <a:solidFill>
+                  <a:schemeClr val="bg2">
+                    <a:lumMod val="90000"/>
+                  </a:schemeClr>
+                </a:solidFill>
+              </a:rPr>
+              <a:t>M</a:t>
+            </a:r>
+          </a:p>
+          <a:p>
+            <a:pPr marL="514350" indent="-514350">
+              <a:buFont typeface="+mj-lt"/>
+              <a:buAutoNum type="arabicPeriod"/>
+            </a:pPr>
+            <a:r>
+              <a:rPr lang="en-US" dirty="0" smtClean="0"/>
+              <a:t>Fix M at higher or lower </a:t>
+            </a:r>
+            <a:r>
+              <a:rPr lang="en-US" dirty="0" smtClean="0"/>
+              <a:t>values </a:t>
+            </a:r>
+            <a:r>
+              <a:rPr lang="en-US" dirty="0" smtClean="0"/>
+              <a:t>than was used in Run 34</a:t>
+            </a:r>
+          </a:p>
+          <a:p>
+            <a:pPr marL="514350" indent="-514350">
+              <a:buFont typeface="+mj-lt"/>
+              <a:buAutoNum type="arabicPeriod"/>
+            </a:pPr>
+            <a:r>
+              <a:rPr lang="en-US" dirty="0" smtClean="0">
+                <a:solidFill>
+                  <a:schemeClr val="bg2">
+                    <a:lumMod val="90000"/>
+                  </a:schemeClr>
+                </a:solidFill>
+              </a:rPr>
+              <a:t>Fix age-dependent M</a:t>
+            </a:r>
+          </a:p>
+        </p:txBody>
+      </p:sp>
+    </p:spTree>
+    <p:extLst>
+      <p:ext uri="{BB962C8B-B14F-4D97-AF65-F5344CB8AC3E}">
+        <p14:creationId xmlns:p14="http://schemas.microsoft.com/office/powerpoint/2010/main" val="2656154398"/>
+      </p:ext>
+    </p:extLst>
+  </p:cSld>
+  <p:clrMapOvr>
+    <a:masterClrMapping/>
+  </p:clrMapOvr>
+</p:sld>
+</file>
+
+<file path=ppt/slides/slide4.xml><?xml version="1.0" encoding="utf-8"?>
+<p:sld xmlns:a="http://schemas.openxmlformats.org/drawingml/2006/main" xmlns:r="http://schemas.openxmlformats.org/officeDocument/2006/relationships" xmlns:p="http://schemas.openxmlformats.org/presentationml/2006/main">
+  <p:cSld>
+    <p:bg>
+      <p:bgPr>
+        <a:solidFill>
+          <a:srgbClr val="0070C0"/>
+        </a:solidFill>
+        <a:effectLst/>
+      </p:bgPr>
+    </p:bg>
+    <p:spTree>
+      <p:nvGrpSpPr>
+        <p:cNvPr id="1" name=""/>
+        <p:cNvGrpSpPr/>
+        <p:nvPr/>
+      </p:nvGrpSpPr>
+      <p:grpSpPr>
+        <a:xfrm>
+          <a:off x="0" y="0"/>
+          <a:ext cx="0" cy="0"/>
+          <a:chOff x="0" y="0"/>
+          <a:chExt cx="0" cy="0"/>
+        </a:xfrm>
+      </p:grpSpPr>
+      <p:sp>
+        <p:nvSpPr>
+          <p:cNvPr id="4" name="TextBox 3"/>
+          <p:cNvSpPr txBox="1"/>
+          <p:nvPr/>
+        </p:nvSpPr>
+        <p:spPr>
+          <a:xfrm>
+            <a:off x="1040963" y="2420858"/>
+            <a:ext cx="9925987" cy="1631216"/>
+          </a:xfrm>
+          <a:prstGeom prst="rect">
+            <a:avLst/>
+          </a:prstGeom>
+          <a:noFill/>
+        </p:spPr>
+        <p:txBody>
+          <a:bodyPr wrap="none" rtlCol="0">
+            <a:spAutoFit/>
+          </a:bodyPr>
+          <a:lstStyle/>
+          <a:p>
+            <a:r>
+              <a:rPr lang="en-US" sz="10000" dirty="0" smtClean="0"/>
+              <a:t>Sensitivity Tests #3</a:t>
+            </a:r>
+            <a:endParaRPr lang="en-US" sz="10000" dirty="0"/>
+          </a:p>
+        </p:txBody>
+      </p:sp>
+    </p:spTree>
+    <p:extLst>
+      <p:ext uri="{BB962C8B-B14F-4D97-AF65-F5344CB8AC3E}">
+        <p14:creationId xmlns:p14="http://schemas.microsoft.com/office/powerpoint/2010/main" val="238732756"/>
+      </p:ext>
+    </p:extLst>
+  </p:cSld>
+  <p:clrMapOvr>
+    <a:masterClrMapping/>
+  </p:clrMapOvr>
+</p:sld>
+</file>
+
+<file path=ppt/slides/slide40.xml><?xml version="1.0" encoding="utf-8"?>
+<p:sld xmlns:a="http://schemas.openxmlformats.org/drawingml/2006/main" xmlns:r="http://schemas.openxmlformats.org/officeDocument/2006/relationships" xmlns:p="http://schemas.openxmlformats.org/presentationml/2006/main">
+  <p:cSld>
+    <p:spTree>
+      <p:nvGrpSpPr>
+        <p:cNvPr id="1" name=""/>
+        <p:cNvGrpSpPr/>
+        <p:nvPr/>
+      </p:nvGrpSpPr>
+      <p:grpSpPr>
+        <a:xfrm>
+          <a:off x="0" y="0"/>
+          <a:ext cx="0" cy="0"/>
+          <a:chOff x="0" y="0"/>
+          <a:chExt cx="0" cy="0"/>
+        </a:xfrm>
+      </p:grpSpPr>
+      <p:sp>
+        <p:nvSpPr>
+          <p:cNvPr id="4" name="Title 3"/>
+          <p:cNvSpPr>
+            <a:spLocks noGrp="1"/>
+          </p:cNvSpPr>
+          <p:nvPr>
+            <p:ph type="title"/>
+          </p:nvPr>
+        </p:nvSpPr>
+        <p:spPr/>
+        <p:txBody>
+          <a:bodyPr/>
+          <a:lstStyle/>
+          <a:p>
+            <a:r>
+              <a:rPr lang="en-US" dirty="0" smtClean="0"/>
+              <a:t>Run </a:t>
+            </a:r>
+            <a:r>
+              <a:rPr lang="en-US" dirty="0" smtClean="0"/>
+              <a:t>35-36 (Option 1) </a:t>
+            </a:r>
+            <a:endParaRPr lang="en-US" dirty="0"/>
+          </a:p>
+        </p:txBody>
+      </p:sp>
+      <p:sp>
+        <p:nvSpPr>
+          <p:cNvPr id="5" name="Text Placeholder 4"/>
+          <p:cNvSpPr>
+            <a:spLocks noGrp="1"/>
+          </p:cNvSpPr>
+          <p:nvPr>
+            <p:ph type="body" idx="1"/>
+          </p:nvPr>
+        </p:nvSpPr>
+        <p:spPr/>
+        <p:txBody>
+          <a:bodyPr/>
+          <a:lstStyle/>
+          <a:p>
+            <a:r>
+              <a:rPr lang="en-US" dirty="0" smtClean="0"/>
+              <a:t>Run 34</a:t>
+            </a:r>
+            <a:endParaRPr lang="en-US" dirty="0"/>
+          </a:p>
+        </p:txBody>
+      </p:sp>
+      <p:sp>
+        <p:nvSpPr>
+          <p:cNvPr id="6" name="Content Placeholder 5"/>
+          <p:cNvSpPr>
+            <a:spLocks noGrp="1"/>
+          </p:cNvSpPr>
+          <p:nvPr>
+            <p:ph sz="half" idx="2"/>
+          </p:nvPr>
+        </p:nvSpPr>
+        <p:spPr/>
+        <p:txBody>
+          <a:bodyPr>
+            <a:normAutofit/>
+          </a:bodyPr>
+          <a:lstStyle/>
+          <a:p>
+            <a:r>
+              <a:rPr lang="en-US" dirty="0" smtClean="0"/>
+              <a:t>Age-invariant M fixed at 0.4</a:t>
+            </a:r>
+            <a:endParaRPr lang="en-US" dirty="0" smtClean="0">
+              <a:solidFill>
+                <a:schemeClr val="accent4">
+                  <a:lumMod val="75000"/>
+                </a:schemeClr>
+              </a:solidFill>
+            </a:endParaRPr>
+          </a:p>
+        </p:txBody>
+      </p:sp>
+      <p:sp>
+        <p:nvSpPr>
+          <p:cNvPr id="7" name="Text Placeholder 6"/>
+          <p:cNvSpPr>
+            <a:spLocks noGrp="1"/>
+          </p:cNvSpPr>
+          <p:nvPr>
+            <p:ph type="body" sz="quarter" idx="3"/>
+          </p:nvPr>
+        </p:nvSpPr>
+        <p:spPr>
+          <a:xfrm>
+            <a:off x="6172200" y="2053525"/>
+            <a:ext cx="1390973" cy="451550"/>
+          </a:xfrm>
+        </p:spPr>
+        <p:txBody>
+          <a:bodyPr/>
+          <a:lstStyle/>
+          <a:p>
+            <a:r>
+              <a:rPr lang="en-US" dirty="0" smtClean="0"/>
+              <a:t>Run </a:t>
+            </a:r>
+            <a:r>
+              <a:rPr lang="en-US" dirty="0" smtClean="0"/>
+              <a:t>39</a:t>
+            </a:r>
+            <a:endParaRPr lang="en-US" dirty="0"/>
+          </a:p>
+        </p:txBody>
+      </p:sp>
+      <p:sp>
+        <p:nvSpPr>
+          <p:cNvPr id="8" name="Content Placeholder 7"/>
+          <p:cNvSpPr>
+            <a:spLocks noGrp="1"/>
+          </p:cNvSpPr>
+          <p:nvPr>
+            <p:ph sz="quarter" idx="4"/>
+          </p:nvPr>
+        </p:nvSpPr>
+        <p:spPr>
+          <a:xfrm>
+            <a:off x="6172199" y="2505075"/>
+            <a:ext cx="4539343" cy="814386"/>
+          </a:xfrm>
+        </p:spPr>
+        <p:txBody>
+          <a:bodyPr>
+            <a:noAutofit/>
+          </a:bodyPr>
+          <a:lstStyle/>
+          <a:p>
+            <a:r>
+              <a:rPr lang="en-US" dirty="0" smtClean="0">
+                <a:solidFill>
+                  <a:schemeClr val="accent4">
+                    <a:lumMod val="75000"/>
+                  </a:schemeClr>
+                </a:solidFill>
+              </a:rPr>
+              <a:t>Age-invariant M fixed at 0.6</a:t>
+            </a:r>
+            <a:endParaRPr lang="en-US" dirty="0" smtClean="0">
+              <a:solidFill>
+                <a:schemeClr val="accent4">
+                  <a:lumMod val="75000"/>
+                </a:schemeClr>
+              </a:solidFill>
+            </a:endParaRPr>
+          </a:p>
+        </p:txBody>
+      </p:sp>
+      <p:sp>
+        <p:nvSpPr>
+          <p:cNvPr id="9" name="Text Placeholder 6"/>
+          <p:cNvSpPr txBox="1">
+            <a:spLocks/>
+          </p:cNvSpPr>
+          <p:nvPr/>
+        </p:nvSpPr>
+        <p:spPr>
+          <a:xfrm>
+            <a:off x="6172200" y="3319462"/>
+            <a:ext cx="1390973" cy="451550"/>
+          </a:xfrm>
+          <a:prstGeom prst="rect">
+            <a:avLst/>
+          </a:prstGeom>
+        </p:spPr>
+        <p:txBody>
+          <a:bodyPr vert="horz" lIns="91440" tIns="45720" rIns="91440" bIns="45720" rtlCol="0" anchor="b">
+            <a:normAutofit/>
+          </a:bodyPr>
+          <a:lstStyle>
+            <a:lvl1pPr marL="0" indent="0" algn="l" defTabSz="914400" rtl="0" eaLnBrk="1" latinLnBrk="0" hangingPunct="1">
+              <a:lnSpc>
+                <a:spcPct val="90000"/>
+              </a:lnSpc>
+              <a:spcBef>
+                <a:spcPts val="1000"/>
+              </a:spcBef>
+              <a:buFont typeface="Arial" panose="020B0604020202020204" pitchFamily="34" charset="0"/>
+              <a:buNone/>
+              <a:defRPr sz="2400" b="1" kern="1200">
+                <a:solidFill>
+                  <a:schemeClr val="tx1"/>
+                </a:solidFill>
+                <a:latin typeface="+mn-lt"/>
+                <a:ea typeface="+mn-ea"/>
+                <a:cs typeface="+mn-cs"/>
+              </a:defRPr>
+            </a:lvl1pPr>
+            <a:lvl2pPr marL="457200" indent="0" algn="l" defTabSz="914400" rtl="0" eaLnBrk="1" latinLnBrk="0" hangingPunct="1">
+              <a:lnSpc>
+                <a:spcPct val="90000"/>
+              </a:lnSpc>
+              <a:spcBef>
+                <a:spcPts val="500"/>
+              </a:spcBef>
+              <a:buFont typeface="Arial" panose="020B0604020202020204" pitchFamily="34" charset="0"/>
+              <a:buNone/>
+              <a:defRPr sz="2000" b="1" kern="1200">
+                <a:solidFill>
+                  <a:schemeClr val="tx1"/>
+                </a:solidFill>
+                <a:latin typeface="+mn-lt"/>
+                <a:ea typeface="+mn-ea"/>
+                <a:cs typeface="+mn-cs"/>
+              </a:defRPr>
+            </a:lvl2pPr>
+            <a:lvl3pPr marL="914400" indent="0" algn="l" defTabSz="914400" rtl="0" eaLnBrk="1" latinLnBrk="0" hangingPunct="1">
+              <a:lnSpc>
+                <a:spcPct val="90000"/>
+              </a:lnSpc>
+              <a:spcBef>
+                <a:spcPts val="500"/>
+              </a:spcBef>
+              <a:buFont typeface="Arial" panose="020B0604020202020204" pitchFamily="34" charset="0"/>
+              <a:buNone/>
+              <a:defRPr sz="1800" b="1" kern="1200">
+                <a:solidFill>
+                  <a:schemeClr val="tx1"/>
+                </a:solidFill>
+                <a:latin typeface="+mn-lt"/>
+                <a:ea typeface="+mn-ea"/>
+                <a:cs typeface="+mn-cs"/>
+              </a:defRPr>
+            </a:lvl3pPr>
+            <a:lvl4pPr marL="1371600" indent="0" algn="l" defTabSz="914400" rtl="0" eaLnBrk="1" latinLnBrk="0" hangingPunct="1">
+              <a:lnSpc>
+                <a:spcPct val="90000"/>
+              </a:lnSpc>
+              <a:spcBef>
+                <a:spcPts val="500"/>
+              </a:spcBef>
+              <a:buFont typeface="Arial" panose="020B0604020202020204" pitchFamily="34" charset="0"/>
+              <a:buNone/>
+              <a:defRPr sz="1600" b="1" kern="1200">
+                <a:solidFill>
+                  <a:schemeClr val="tx1"/>
+                </a:solidFill>
+                <a:latin typeface="+mn-lt"/>
+                <a:ea typeface="+mn-ea"/>
+                <a:cs typeface="+mn-cs"/>
+              </a:defRPr>
+            </a:lvl4pPr>
+            <a:lvl5pPr marL="1828800" indent="0" algn="l" defTabSz="914400" rtl="0" eaLnBrk="1" latinLnBrk="0" hangingPunct="1">
+              <a:lnSpc>
+                <a:spcPct val="90000"/>
+              </a:lnSpc>
+              <a:spcBef>
+                <a:spcPts val="500"/>
+              </a:spcBef>
+              <a:buFont typeface="Arial" panose="020B0604020202020204" pitchFamily="34" charset="0"/>
+              <a:buNone/>
+              <a:defRPr sz="1600" b="1" kern="1200">
+                <a:solidFill>
+                  <a:schemeClr val="tx1"/>
+                </a:solidFill>
+                <a:latin typeface="+mn-lt"/>
+                <a:ea typeface="+mn-ea"/>
+                <a:cs typeface="+mn-cs"/>
+              </a:defRPr>
+            </a:lvl5pPr>
+            <a:lvl6pPr marL="2286000" indent="0" algn="l" defTabSz="914400" rtl="0" eaLnBrk="1" latinLnBrk="0" hangingPunct="1">
+              <a:lnSpc>
+                <a:spcPct val="90000"/>
+              </a:lnSpc>
+              <a:spcBef>
+                <a:spcPts val="500"/>
+              </a:spcBef>
+              <a:buFont typeface="Arial" panose="020B0604020202020204" pitchFamily="34" charset="0"/>
+              <a:buNone/>
+              <a:defRPr sz="1600" b="1" kern="1200">
+                <a:solidFill>
+                  <a:schemeClr val="tx1"/>
+                </a:solidFill>
+                <a:latin typeface="+mn-lt"/>
+                <a:ea typeface="+mn-ea"/>
+                <a:cs typeface="+mn-cs"/>
+              </a:defRPr>
+            </a:lvl6pPr>
+            <a:lvl7pPr marL="2743200" indent="0" algn="l" defTabSz="914400" rtl="0" eaLnBrk="1" latinLnBrk="0" hangingPunct="1">
+              <a:lnSpc>
+                <a:spcPct val="90000"/>
+              </a:lnSpc>
+              <a:spcBef>
+                <a:spcPts val="500"/>
+              </a:spcBef>
+              <a:buFont typeface="Arial" panose="020B0604020202020204" pitchFamily="34" charset="0"/>
+              <a:buNone/>
+              <a:defRPr sz="1600" b="1" kern="1200">
+                <a:solidFill>
+                  <a:schemeClr val="tx1"/>
+                </a:solidFill>
+                <a:latin typeface="+mn-lt"/>
+                <a:ea typeface="+mn-ea"/>
+                <a:cs typeface="+mn-cs"/>
+              </a:defRPr>
+            </a:lvl7pPr>
+            <a:lvl8pPr marL="3200400" indent="0" algn="l" defTabSz="914400" rtl="0" eaLnBrk="1" latinLnBrk="0" hangingPunct="1">
+              <a:lnSpc>
+                <a:spcPct val="90000"/>
+              </a:lnSpc>
+              <a:spcBef>
+                <a:spcPts val="500"/>
+              </a:spcBef>
+              <a:buFont typeface="Arial" panose="020B0604020202020204" pitchFamily="34" charset="0"/>
+              <a:buNone/>
+              <a:defRPr sz="1600" b="1" kern="1200">
+                <a:solidFill>
+                  <a:schemeClr val="tx1"/>
+                </a:solidFill>
+                <a:latin typeface="+mn-lt"/>
+                <a:ea typeface="+mn-ea"/>
+                <a:cs typeface="+mn-cs"/>
+              </a:defRPr>
+            </a:lvl8pPr>
+            <a:lvl9pPr marL="3657600" indent="0" algn="l" defTabSz="914400" rtl="0" eaLnBrk="1" latinLnBrk="0" hangingPunct="1">
+              <a:lnSpc>
+                <a:spcPct val="90000"/>
+              </a:lnSpc>
+              <a:spcBef>
+                <a:spcPts val="500"/>
+              </a:spcBef>
+              <a:buFont typeface="Arial" panose="020B0604020202020204" pitchFamily="34" charset="0"/>
+              <a:buNone/>
+              <a:defRPr sz="1600" b="1" kern="1200">
+                <a:solidFill>
+                  <a:schemeClr val="tx1"/>
+                </a:solidFill>
+                <a:latin typeface="+mn-lt"/>
+                <a:ea typeface="+mn-ea"/>
+                <a:cs typeface="+mn-cs"/>
+              </a:defRPr>
+            </a:lvl9pPr>
+          </a:lstStyle>
+          <a:p>
+            <a:r>
+              <a:rPr lang="en-US" dirty="0" smtClean="0"/>
+              <a:t>Run </a:t>
+            </a:r>
+            <a:r>
+              <a:rPr lang="en-US" dirty="0" smtClean="0"/>
+              <a:t>40</a:t>
+            </a:r>
+            <a:endParaRPr lang="en-US" dirty="0"/>
+          </a:p>
+        </p:txBody>
+      </p:sp>
+      <p:sp>
+        <p:nvSpPr>
+          <p:cNvPr id="11" name="Content Placeholder 7"/>
+          <p:cNvSpPr txBox="1">
+            <a:spLocks/>
+          </p:cNvSpPr>
+          <p:nvPr/>
+        </p:nvSpPr>
+        <p:spPr>
+          <a:xfrm>
+            <a:off x="6172199" y="3771012"/>
+            <a:ext cx="3490993" cy="501651"/>
+          </a:xfrm>
+          <a:prstGeom prst="rect">
+            <a:avLst/>
+          </a:prstGeom>
+        </p:spPr>
+        <p:txBody>
+          <a:bodyPr vert="horz" lIns="91440" tIns="45720" rIns="91440" bIns="45720" rtlCol="0">
+            <a:normAutofit/>
+          </a:bodyPr>
+          <a:lstStyle>
+            <a:lvl1pPr marL="228600" indent="-228600" algn="l" defTabSz="914400" rtl="0" eaLnBrk="1" latinLnBrk="0" hangingPunct="1">
+              <a:lnSpc>
+                <a:spcPct val="90000"/>
+              </a:lnSpc>
+              <a:spcBef>
+                <a:spcPts val="1000"/>
+              </a:spcBef>
+              <a:buFont typeface="Arial" panose="020B0604020202020204" pitchFamily="34" charset="0"/>
+              <a:buChar char="•"/>
+              <a:defRPr sz="2800" kern="1200">
+                <a:solidFill>
+                  <a:schemeClr val="tx1"/>
+                </a:solidFill>
+                <a:latin typeface="+mn-lt"/>
+                <a:ea typeface="+mn-ea"/>
+                <a:cs typeface="+mn-cs"/>
+              </a:defRPr>
+            </a:lvl1pPr>
+            <a:lvl2pPr marL="685800" indent="-228600" algn="l" defTabSz="914400" rtl="0" eaLnBrk="1" latinLnBrk="0" hangingPunct="1">
+              <a:lnSpc>
+                <a:spcPct val="90000"/>
+              </a:lnSpc>
+              <a:spcBef>
+                <a:spcPts val="500"/>
+              </a:spcBef>
+              <a:buFont typeface="Arial" panose="020B0604020202020204" pitchFamily="34" charset="0"/>
+              <a:buChar char="•"/>
+              <a:defRPr sz="2400" kern="1200">
+                <a:solidFill>
+                  <a:schemeClr val="tx1"/>
+                </a:solidFill>
+                <a:latin typeface="+mn-lt"/>
+                <a:ea typeface="+mn-ea"/>
+                <a:cs typeface="+mn-cs"/>
+              </a:defRPr>
+            </a:lvl2pPr>
+            <a:lvl3pPr marL="1143000" indent="-228600" algn="l" defTabSz="914400" rtl="0" eaLnBrk="1" latinLnBrk="0" hangingPunct="1">
+              <a:lnSpc>
+                <a:spcPct val="90000"/>
+              </a:lnSpc>
+              <a:spcBef>
+                <a:spcPts val="500"/>
+              </a:spcBef>
+              <a:buFont typeface="Arial" panose="020B0604020202020204" pitchFamily="34" charset="0"/>
+              <a:buChar char="•"/>
+              <a:defRPr sz="2000" kern="1200">
+                <a:solidFill>
+                  <a:schemeClr val="tx1"/>
+                </a:solidFill>
+                <a:latin typeface="+mn-lt"/>
+                <a:ea typeface="+mn-ea"/>
+                <a:cs typeface="+mn-cs"/>
+              </a:defRPr>
+            </a:lvl3pPr>
+            <a:lvl4pPr marL="1600200" indent="-228600" algn="l" defTabSz="914400" rtl="0" eaLnBrk="1" latinLnBrk="0" hangingPunct="1">
+              <a:lnSpc>
+                <a:spcPct val="90000"/>
+              </a:lnSpc>
+              <a:spcBef>
+                <a:spcPts val="500"/>
+              </a:spcBef>
+              <a:buFont typeface="Arial" panose="020B0604020202020204" pitchFamily="34" charset="0"/>
+              <a:buChar char="•"/>
+              <a:defRPr sz="1800" kern="1200">
+                <a:solidFill>
+                  <a:schemeClr val="tx1"/>
+                </a:solidFill>
+                <a:latin typeface="+mn-lt"/>
+                <a:ea typeface="+mn-ea"/>
+                <a:cs typeface="+mn-cs"/>
+              </a:defRPr>
+            </a:lvl4pPr>
+            <a:lvl5pPr marL="2057400" indent="-228600" algn="l" defTabSz="914400" rtl="0" eaLnBrk="1" latinLnBrk="0" hangingPunct="1">
+              <a:lnSpc>
+                <a:spcPct val="90000"/>
+              </a:lnSpc>
+              <a:spcBef>
+                <a:spcPts val="500"/>
+              </a:spcBef>
+              <a:buFont typeface="Arial" panose="020B0604020202020204" pitchFamily="34" charset="0"/>
+              <a:buChar char="•"/>
+              <a:defRPr sz="1800" kern="1200">
+                <a:solidFill>
+                  <a:schemeClr val="tx1"/>
+                </a:solidFill>
+                <a:latin typeface="+mn-lt"/>
+                <a:ea typeface="+mn-ea"/>
+                <a:cs typeface="+mn-cs"/>
+              </a:defRPr>
+            </a:lvl5pPr>
+            <a:lvl6pPr marL="2514600" indent="-228600" algn="l" defTabSz="914400" rtl="0" eaLnBrk="1" latinLnBrk="0" hangingPunct="1">
+              <a:lnSpc>
+                <a:spcPct val="90000"/>
+              </a:lnSpc>
+              <a:spcBef>
+                <a:spcPts val="500"/>
+              </a:spcBef>
+              <a:buFont typeface="Arial" panose="020B0604020202020204" pitchFamily="34" charset="0"/>
+              <a:buChar char="•"/>
+              <a:defRPr sz="1800" kern="1200">
+                <a:solidFill>
+                  <a:schemeClr val="tx1"/>
+                </a:solidFill>
+                <a:latin typeface="+mn-lt"/>
+                <a:ea typeface="+mn-ea"/>
+                <a:cs typeface="+mn-cs"/>
+              </a:defRPr>
+            </a:lvl6pPr>
+            <a:lvl7pPr marL="2971800" indent="-228600" algn="l" defTabSz="914400" rtl="0" eaLnBrk="1" latinLnBrk="0" hangingPunct="1">
+              <a:lnSpc>
+                <a:spcPct val="90000"/>
+              </a:lnSpc>
+              <a:spcBef>
+                <a:spcPts val="500"/>
+              </a:spcBef>
+              <a:buFont typeface="Arial" panose="020B0604020202020204" pitchFamily="34" charset="0"/>
+              <a:buChar char="•"/>
+              <a:defRPr sz="1800" kern="1200">
+                <a:solidFill>
+                  <a:schemeClr val="tx1"/>
+                </a:solidFill>
+                <a:latin typeface="+mn-lt"/>
+                <a:ea typeface="+mn-ea"/>
+                <a:cs typeface="+mn-cs"/>
+              </a:defRPr>
+            </a:lvl7pPr>
+            <a:lvl8pPr marL="3429000" indent="-228600" algn="l" defTabSz="914400" rtl="0" eaLnBrk="1" latinLnBrk="0" hangingPunct="1">
+              <a:lnSpc>
+                <a:spcPct val="90000"/>
+              </a:lnSpc>
+              <a:spcBef>
+                <a:spcPts val="500"/>
+              </a:spcBef>
+              <a:buFont typeface="Arial" panose="020B0604020202020204" pitchFamily="34" charset="0"/>
+              <a:buChar char="•"/>
+              <a:defRPr sz="1800" kern="1200">
+                <a:solidFill>
+                  <a:schemeClr val="tx1"/>
+                </a:solidFill>
+                <a:latin typeface="+mn-lt"/>
+                <a:ea typeface="+mn-ea"/>
+                <a:cs typeface="+mn-cs"/>
+              </a:defRPr>
+            </a:lvl8pPr>
+            <a:lvl9pPr marL="3886200" indent="-228600" algn="l" defTabSz="914400" rtl="0" eaLnBrk="1" latinLnBrk="0" hangingPunct="1">
+              <a:lnSpc>
+                <a:spcPct val="90000"/>
+              </a:lnSpc>
+              <a:spcBef>
+                <a:spcPts val="500"/>
+              </a:spcBef>
+              <a:buFont typeface="Arial" panose="020B0604020202020204" pitchFamily="34" charset="0"/>
+              <a:buChar char="•"/>
+              <a:defRPr sz="1800" kern="1200">
+                <a:solidFill>
+                  <a:schemeClr val="tx1"/>
+                </a:solidFill>
+                <a:latin typeface="+mn-lt"/>
+                <a:ea typeface="+mn-ea"/>
+                <a:cs typeface="+mn-cs"/>
+              </a:defRPr>
+            </a:lvl9pPr>
+          </a:lstStyle>
+          <a:p>
+            <a:endParaRPr lang="en-US" dirty="0" smtClean="0">
+              <a:solidFill>
+                <a:schemeClr val="accent4">
+                  <a:lumMod val="75000"/>
+                </a:schemeClr>
+              </a:solidFill>
+            </a:endParaRPr>
+          </a:p>
+        </p:txBody>
+      </p:sp>
+      <p:sp>
+        <p:nvSpPr>
+          <p:cNvPr id="17" name="Content Placeholder 7"/>
+          <p:cNvSpPr txBox="1">
+            <a:spLocks/>
+          </p:cNvSpPr>
+          <p:nvPr/>
+        </p:nvSpPr>
+        <p:spPr>
+          <a:xfrm>
+            <a:off x="6172199" y="5036949"/>
+            <a:ext cx="3490993" cy="501651"/>
+          </a:xfrm>
+          <a:prstGeom prst="rect">
+            <a:avLst/>
+          </a:prstGeom>
+        </p:spPr>
+        <p:txBody>
+          <a:bodyPr vert="horz" lIns="91440" tIns="45720" rIns="91440" bIns="45720" rtlCol="0">
+            <a:normAutofit/>
+          </a:bodyPr>
+          <a:lstStyle>
+            <a:lvl1pPr marL="228600" indent="-228600" algn="l" defTabSz="914400" rtl="0" eaLnBrk="1" latinLnBrk="0" hangingPunct="1">
+              <a:lnSpc>
+                <a:spcPct val="90000"/>
+              </a:lnSpc>
+              <a:spcBef>
+                <a:spcPts val="1000"/>
+              </a:spcBef>
+              <a:buFont typeface="Arial" panose="020B0604020202020204" pitchFamily="34" charset="0"/>
+              <a:buChar char="•"/>
+              <a:defRPr sz="2800" kern="1200">
+                <a:solidFill>
+                  <a:schemeClr val="tx1"/>
+                </a:solidFill>
+                <a:latin typeface="+mn-lt"/>
+                <a:ea typeface="+mn-ea"/>
+                <a:cs typeface="+mn-cs"/>
+              </a:defRPr>
+            </a:lvl1pPr>
+            <a:lvl2pPr marL="685800" indent="-228600" algn="l" defTabSz="914400" rtl="0" eaLnBrk="1" latinLnBrk="0" hangingPunct="1">
+              <a:lnSpc>
+                <a:spcPct val="90000"/>
+              </a:lnSpc>
+              <a:spcBef>
+                <a:spcPts val="500"/>
+              </a:spcBef>
+              <a:buFont typeface="Arial" panose="020B0604020202020204" pitchFamily="34" charset="0"/>
+              <a:buChar char="•"/>
+              <a:defRPr sz="2400" kern="1200">
+                <a:solidFill>
+                  <a:schemeClr val="tx1"/>
+                </a:solidFill>
+                <a:latin typeface="+mn-lt"/>
+                <a:ea typeface="+mn-ea"/>
+                <a:cs typeface="+mn-cs"/>
+              </a:defRPr>
+            </a:lvl2pPr>
+            <a:lvl3pPr marL="1143000" indent="-228600" algn="l" defTabSz="914400" rtl="0" eaLnBrk="1" latinLnBrk="0" hangingPunct="1">
+              <a:lnSpc>
+                <a:spcPct val="90000"/>
+              </a:lnSpc>
+              <a:spcBef>
+                <a:spcPts val="500"/>
+              </a:spcBef>
+              <a:buFont typeface="Arial" panose="020B0604020202020204" pitchFamily="34" charset="0"/>
+              <a:buChar char="•"/>
+              <a:defRPr sz="2000" kern="1200">
+                <a:solidFill>
+                  <a:schemeClr val="tx1"/>
+                </a:solidFill>
+                <a:latin typeface="+mn-lt"/>
+                <a:ea typeface="+mn-ea"/>
+                <a:cs typeface="+mn-cs"/>
+              </a:defRPr>
+            </a:lvl3pPr>
+            <a:lvl4pPr marL="1600200" indent="-228600" algn="l" defTabSz="914400" rtl="0" eaLnBrk="1" latinLnBrk="0" hangingPunct="1">
+              <a:lnSpc>
+                <a:spcPct val="90000"/>
+              </a:lnSpc>
+              <a:spcBef>
+                <a:spcPts val="500"/>
+              </a:spcBef>
+              <a:buFont typeface="Arial" panose="020B0604020202020204" pitchFamily="34" charset="0"/>
+              <a:buChar char="•"/>
+              <a:defRPr sz="1800" kern="1200">
+                <a:solidFill>
+                  <a:schemeClr val="tx1"/>
+                </a:solidFill>
+                <a:latin typeface="+mn-lt"/>
+                <a:ea typeface="+mn-ea"/>
+                <a:cs typeface="+mn-cs"/>
+              </a:defRPr>
+            </a:lvl4pPr>
+            <a:lvl5pPr marL="2057400" indent="-228600" algn="l" defTabSz="914400" rtl="0" eaLnBrk="1" latinLnBrk="0" hangingPunct="1">
+              <a:lnSpc>
+                <a:spcPct val="90000"/>
+              </a:lnSpc>
+              <a:spcBef>
+                <a:spcPts val="500"/>
+              </a:spcBef>
+              <a:buFont typeface="Arial" panose="020B0604020202020204" pitchFamily="34" charset="0"/>
+              <a:buChar char="•"/>
+              <a:defRPr sz="1800" kern="1200">
+                <a:solidFill>
+                  <a:schemeClr val="tx1"/>
+                </a:solidFill>
+                <a:latin typeface="+mn-lt"/>
+                <a:ea typeface="+mn-ea"/>
+                <a:cs typeface="+mn-cs"/>
+              </a:defRPr>
+            </a:lvl5pPr>
+            <a:lvl6pPr marL="2514600" indent="-228600" algn="l" defTabSz="914400" rtl="0" eaLnBrk="1" latinLnBrk="0" hangingPunct="1">
+              <a:lnSpc>
+                <a:spcPct val="90000"/>
+              </a:lnSpc>
+              <a:spcBef>
+                <a:spcPts val="500"/>
+              </a:spcBef>
+              <a:buFont typeface="Arial" panose="020B0604020202020204" pitchFamily="34" charset="0"/>
+              <a:buChar char="•"/>
+              <a:defRPr sz="1800" kern="1200">
+                <a:solidFill>
+                  <a:schemeClr val="tx1"/>
+                </a:solidFill>
+                <a:latin typeface="+mn-lt"/>
+                <a:ea typeface="+mn-ea"/>
+                <a:cs typeface="+mn-cs"/>
+              </a:defRPr>
+            </a:lvl6pPr>
+            <a:lvl7pPr marL="2971800" indent="-228600" algn="l" defTabSz="914400" rtl="0" eaLnBrk="1" latinLnBrk="0" hangingPunct="1">
+              <a:lnSpc>
+                <a:spcPct val="90000"/>
+              </a:lnSpc>
+              <a:spcBef>
+                <a:spcPts val="500"/>
+              </a:spcBef>
+              <a:buFont typeface="Arial" panose="020B0604020202020204" pitchFamily="34" charset="0"/>
+              <a:buChar char="•"/>
+              <a:defRPr sz="1800" kern="1200">
+                <a:solidFill>
+                  <a:schemeClr val="tx1"/>
+                </a:solidFill>
+                <a:latin typeface="+mn-lt"/>
+                <a:ea typeface="+mn-ea"/>
+                <a:cs typeface="+mn-cs"/>
+              </a:defRPr>
+            </a:lvl7pPr>
+            <a:lvl8pPr marL="3429000" indent="-228600" algn="l" defTabSz="914400" rtl="0" eaLnBrk="1" latinLnBrk="0" hangingPunct="1">
+              <a:lnSpc>
+                <a:spcPct val="90000"/>
+              </a:lnSpc>
+              <a:spcBef>
+                <a:spcPts val="500"/>
+              </a:spcBef>
+              <a:buFont typeface="Arial" panose="020B0604020202020204" pitchFamily="34" charset="0"/>
+              <a:buChar char="•"/>
+              <a:defRPr sz="1800" kern="1200">
+                <a:solidFill>
+                  <a:schemeClr val="tx1"/>
+                </a:solidFill>
+                <a:latin typeface="+mn-lt"/>
+                <a:ea typeface="+mn-ea"/>
+                <a:cs typeface="+mn-cs"/>
+              </a:defRPr>
+            </a:lvl8pPr>
+            <a:lvl9pPr marL="3886200" indent="-228600" algn="l" defTabSz="914400" rtl="0" eaLnBrk="1" latinLnBrk="0" hangingPunct="1">
+              <a:lnSpc>
+                <a:spcPct val="90000"/>
+              </a:lnSpc>
+              <a:spcBef>
+                <a:spcPts val="500"/>
+              </a:spcBef>
+              <a:buFont typeface="Arial" panose="020B0604020202020204" pitchFamily="34" charset="0"/>
+              <a:buChar char="•"/>
+              <a:defRPr sz="1800" kern="1200">
+                <a:solidFill>
+                  <a:schemeClr val="tx1"/>
+                </a:solidFill>
+                <a:latin typeface="+mn-lt"/>
+                <a:ea typeface="+mn-ea"/>
+                <a:cs typeface="+mn-cs"/>
+              </a:defRPr>
+            </a:lvl9pPr>
+          </a:lstStyle>
+          <a:p>
+            <a:endParaRPr lang="en-US" dirty="0" smtClean="0">
+              <a:solidFill>
+                <a:schemeClr val="accent4">
+                  <a:lumMod val="75000"/>
+                </a:schemeClr>
+              </a:solidFill>
+            </a:endParaRPr>
+          </a:p>
+        </p:txBody>
+      </p:sp>
+      <p:sp>
+        <p:nvSpPr>
+          <p:cNvPr id="13" name="Content Placeholder 7"/>
+          <p:cNvSpPr txBox="1">
+            <a:spLocks/>
+          </p:cNvSpPr>
+          <p:nvPr/>
+        </p:nvSpPr>
+        <p:spPr>
+          <a:xfrm>
+            <a:off x="6172199" y="3771010"/>
+            <a:ext cx="4539343" cy="1578229"/>
+          </a:xfrm>
+          <a:prstGeom prst="rect">
+            <a:avLst/>
+          </a:prstGeom>
+        </p:spPr>
+        <p:txBody>
+          <a:bodyPr vert="horz" lIns="91440" tIns="45720" rIns="91440" bIns="45720" rtlCol="0">
+            <a:noAutofit/>
+          </a:bodyPr>
+          <a:lstStyle>
+            <a:lvl1pPr marL="228600" indent="-228600" algn="l" defTabSz="914400" rtl="0" eaLnBrk="1" latinLnBrk="0" hangingPunct="1">
+              <a:lnSpc>
+                <a:spcPct val="90000"/>
+              </a:lnSpc>
+              <a:spcBef>
+                <a:spcPts val="1000"/>
+              </a:spcBef>
+              <a:buFont typeface="Arial" panose="020B0604020202020204" pitchFamily="34" charset="0"/>
+              <a:buChar char="•"/>
+              <a:defRPr sz="2800" kern="1200">
+                <a:solidFill>
+                  <a:schemeClr val="tx1"/>
+                </a:solidFill>
+                <a:latin typeface="+mn-lt"/>
+                <a:ea typeface="+mn-ea"/>
+                <a:cs typeface="+mn-cs"/>
+              </a:defRPr>
+            </a:lvl1pPr>
+            <a:lvl2pPr marL="685800" indent="-228600" algn="l" defTabSz="914400" rtl="0" eaLnBrk="1" latinLnBrk="0" hangingPunct="1">
+              <a:lnSpc>
+                <a:spcPct val="90000"/>
+              </a:lnSpc>
+              <a:spcBef>
+                <a:spcPts val="500"/>
+              </a:spcBef>
+              <a:buFont typeface="Arial" panose="020B0604020202020204" pitchFamily="34" charset="0"/>
+              <a:buChar char="•"/>
+              <a:defRPr sz="2400" kern="1200">
+                <a:solidFill>
+                  <a:schemeClr val="tx1"/>
+                </a:solidFill>
+                <a:latin typeface="+mn-lt"/>
+                <a:ea typeface="+mn-ea"/>
+                <a:cs typeface="+mn-cs"/>
+              </a:defRPr>
+            </a:lvl2pPr>
+            <a:lvl3pPr marL="1143000" indent="-228600" algn="l" defTabSz="914400" rtl="0" eaLnBrk="1" latinLnBrk="0" hangingPunct="1">
+              <a:lnSpc>
+                <a:spcPct val="90000"/>
+              </a:lnSpc>
+              <a:spcBef>
+                <a:spcPts val="500"/>
+              </a:spcBef>
+              <a:buFont typeface="Arial" panose="020B0604020202020204" pitchFamily="34" charset="0"/>
+              <a:buChar char="•"/>
+              <a:defRPr sz="2000" kern="1200">
+                <a:solidFill>
+                  <a:schemeClr val="tx1"/>
+                </a:solidFill>
+                <a:latin typeface="+mn-lt"/>
+                <a:ea typeface="+mn-ea"/>
+                <a:cs typeface="+mn-cs"/>
+              </a:defRPr>
+            </a:lvl3pPr>
+            <a:lvl4pPr marL="1600200" indent="-228600" algn="l" defTabSz="914400" rtl="0" eaLnBrk="1" latinLnBrk="0" hangingPunct="1">
+              <a:lnSpc>
+                <a:spcPct val="90000"/>
+              </a:lnSpc>
+              <a:spcBef>
+                <a:spcPts val="500"/>
+              </a:spcBef>
+              <a:buFont typeface="Arial" panose="020B0604020202020204" pitchFamily="34" charset="0"/>
+              <a:buChar char="•"/>
+              <a:defRPr sz="1800" kern="1200">
+                <a:solidFill>
+                  <a:schemeClr val="tx1"/>
+                </a:solidFill>
+                <a:latin typeface="+mn-lt"/>
+                <a:ea typeface="+mn-ea"/>
+                <a:cs typeface="+mn-cs"/>
+              </a:defRPr>
+            </a:lvl4pPr>
+            <a:lvl5pPr marL="2057400" indent="-228600" algn="l" defTabSz="914400" rtl="0" eaLnBrk="1" latinLnBrk="0" hangingPunct="1">
+              <a:lnSpc>
+                <a:spcPct val="90000"/>
+              </a:lnSpc>
+              <a:spcBef>
+                <a:spcPts val="500"/>
+              </a:spcBef>
+              <a:buFont typeface="Arial" panose="020B0604020202020204" pitchFamily="34" charset="0"/>
+              <a:buChar char="•"/>
+              <a:defRPr sz="1800" kern="1200">
+                <a:solidFill>
+                  <a:schemeClr val="tx1"/>
+                </a:solidFill>
+                <a:latin typeface="+mn-lt"/>
+                <a:ea typeface="+mn-ea"/>
+                <a:cs typeface="+mn-cs"/>
+              </a:defRPr>
+            </a:lvl5pPr>
+            <a:lvl6pPr marL="2514600" indent="-228600" algn="l" defTabSz="914400" rtl="0" eaLnBrk="1" latinLnBrk="0" hangingPunct="1">
+              <a:lnSpc>
+                <a:spcPct val="90000"/>
+              </a:lnSpc>
+              <a:spcBef>
+                <a:spcPts val="500"/>
+              </a:spcBef>
+              <a:buFont typeface="Arial" panose="020B0604020202020204" pitchFamily="34" charset="0"/>
+              <a:buChar char="•"/>
+              <a:defRPr sz="1800" kern="1200">
+                <a:solidFill>
+                  <a:schemeClr val="tx1"/>
+                </a:solidFill>
+                <a:latin typeface="+mn-lt"/>
+                <a:ea typeface="+mn-ea"/>
+                <a:cs typeface="+mn-cs"/>
+              </a:defRPr>
+            </a:lvl6pPr>
+            <a:lvl7pPr marL="2971800" indent="-228600" algn="l" defTabSz="914400" rtl="0" eaLnBrk="1" latinLnBrk="0" hangingPunct="1">
+              <a:lnSpc>
+                <a:spcPct val="90000"/>
+              </a:lnSpc>
+              <a:spcBef>
+                <a:spcPts val="500"/>
+              </a:spcBef>
+              <a:buFont typeface="Arial" panose="020B0604020202020204" pitchFamily="34" charset="0"/>
+              <a:buChar char="•"/>
+              <a:defRPr sz="1800" kern="1200">
+                <a:solidFill>
+                  <a:schemeClr val="tx1"/>
+                </a:solidFill>
+                <a:latin typeface="+mn-lt"/>
+                <a:ea typeface="+mn-ea"/>
+                <a:cs typeface="+mn-cs"/>
+              </a:defRPr>
+            </a:lvl7pPr>
+            <a:lvl8pPr marL="3429000" indent="-228600" algn="l" defTabSz="914400" rtl="0" eaLnBrk="1" latinLnBrk="0" hangingPunct="1">
+              <a:lnSpc>
+                <a:spcPct val="90000"/>
+              </a:lnSpc>
+              <a:spcBef>
+                <a:spcPts val="500"/>
+              </a:spcBef>
+              <a:buFont typeface="Arial" panose="020B0604020202020204" pitchFamily="34" charset="0"/>
+              <a:buChar char="•"/>
+              <a:defRPr sz="1800" kern="1200">
+                <a:solidFill>
+                  <a:schemeClr val="tx1"/>
+                </a:solidFill>
+                <a:latin typeface="+mn-lt"/>
+                <a:ea typeface="+mn-ea"/>
+                <a:cs typeface="+mn-cs"/>
+              </a:defRPr>
+            </a:lvl8pPr>
+            <a:lvl9pPr marL="3886200" indent="-228600" algn="l" defTabSz="914400" rtl="0" eaLnBrk="1" latinLnBrk="0" hangingPunct="1">
+              <a:lnSpc>
+                <a:spcPct val="90000"/>
+              </a:lnSpc>
+              <a:spcBef>
+                <a:spcPts val="500"/>
+              </a:spcBef>
+              <a:buFont typeface="Arial" panose="020B0604020202020204" pitchFamily="34" charset="0"/>
+              <a:buChar char="•"/>
+              <a:defRPr sz="1800" kern="1200">
+                <a:solidFill>
+                  <a:schemeClr val="tx1"/>
+                </a:solidFill>
+                <a:latin typeface="+mn-lt"/>
+                <a:ea typeface="+mn-ea"/>
+                <a:cs typeface="+mn-cs"/>
+              </a:defRPr>
+            </a:lvl9pPr>
+          </a:lstStyle>
+          <a:p>
+            <a:r>
+              <a:rPr lang="en-US" dirty="0" smtClean="0">
+                <a:solidFill>
+                  <a:schemeClr val="accent4">
+                    <a:lumMod val="75000"/>
+                  </a:schemeClr>
+                </a:solidFill>
+              </a:rPr>
+              <a:t>Age-invariant M fixed at 0.2</a:t>
+            </a:r>
+            <a:endParaRPr lang="en-US" dirty="0" smtClean="0">
+              <a:solidFill>
+                <a:schemeClr val="accent4">
+                  <a:lumMod val="75000"/>
+                </a:schemeClr>
+              </a:solidFill>
+            </a:endParaRPr>
+          </a:p>
+        </p:txBody>
+      </p:sp>
+    </p:spTree>
+    <p:extLst>
+      <p:ext uri="{BB962C8B-B14F-4D97-AF65-F5344CB8AC3E}">
+        <p14:creationId xmlns:p14="http://schemas.microsoft.com/office/powerpoint/2010/main" val="2287668083"/>
+      </p:ext>
+    </p:extLst>
+  </p:cSld>
+  <p:clrMapOvr>
+    <a:masterClrMapping/>
+  </p:clrMapOvr>
+</p:sld>
+</file>
+
+<file path=ppt/slides/slide41.xml><?xml version="1.0" encoding="utf-8"?>
+<p:sld xmlns:a="http://schemas.openxmlformats.org/drawingml/2006/main" xmlns:r="http://schemas.openxmlformats.org/officeDocument/2006/relationships" xmlns:p="http://schemas.openxmlformats.org/presentationml/2006/main">
+  <p:cSld>
+    <p:spTree>
+      <p:nvGrpSpPr>
+        <p:cNvPr id="1" name=""/>
+        <p:cNvGrpSpPr/>
+        <p:nvPr/>
+      </p:nvGrpSpPr>
+      <p:grpSpPr>
+        <a:xfrm>
+          <a:off x="0" y="0"/>
+          <a:ext cx="0" cy="0"/>
+          <a:chOff x="0" y="0"/>
+          <a:chExt cx="0" cy="0"/>
+        </a:xfrm>
+      </p:grpSpPr>
+    </p:spTree>
+    <p:extLst>
+      <p:ext uri="{BB962C8B-B14F-4D97-AF65-F5344CB8AC3E}">
+        <p14:creationId xmlns:p14="http://schemas.microsoft.com/office/powerpoint/2010/main" val="349860305"/>
+      </p:ext>
+    </p:extLst>
+  </p:cSld>
+  <p:clrMapOvr>
+    <a:masterClrMapping/>
+  </p:clrMapOvr>
+</p:sld>
+</file>
+
+<file path=ppt/slides/slide42.xml><?xml version="1.0" encoding="utf-8"?>
+<p:sld xmlns:a="http://schemas.openxmlformats.org/drawingml/2006/main" xmlns:r="http://schemas.openxmlformats.org/officeDocument/2006/relationships" xmlns:p="http://schemas.openxmlformats.org/presentationml/2006/main">
+  <p:cSld>
+    <p:bg>
+      <p:bgPr>
+        <a:solidFill>
+          <a:srgbClr val="0070C0"/>
+        </a:solidFill>
+        <a:effectLst/>
+      </p:bgPr>
+    </p:bg>
+    <p:spTree>
+      <p:nvGrpSpPr>
+        <p:cNvPr id="1" name=""/>
+        <p:cNvGrpSpPr/>
+        <p:nvPr/>
+      </p:nvGrpSpPr>
+      <p:grpSpPr>
+        <a:xfrm>
+          <a:off x="0" y="0"/>
+          <a:ext cx="0" cy="0"/>
+          <a:chOff x="0" y="0"/>
+          <a:chExt cx="0" cy="0"/>
+        </a:xfrm>
+      </p:grpSpPr>
+      <p:sp>
+        <p:nvSpPr>
+          <p:cNvPr id="4" name="TextBox 3"/>
+          <p:cNvSpPr txBox="1"/>
+          <p:nvPr/>
+        </p:nvSpPr>
+        <p:spPr>
+          <a:xfrm>
+            <a:off x="1040963" y="2420858"/>
+            <a:ext cx="9925987" cy="1631216"/>
+          </a:xfrm>
+          <a:prstGeom prst="rect">
+            <a:avLst/>
+          </a:prstGeom>
+          <a:noFill/>
+        </p:spPr>
+        <p:txBody>
+          <a:bodyPr wrap="none" rtlCol="0">
+            <a:spAutoFit/>
+          </a:bodyPr>
+          <a:lstStyle/>
+          <a:p>
+            <a:r>
+              <a:rPr lang="en-US" sz="10000" dirty="0" smtClean="0"/>
+              <a:t>Sensitivity Tests #2</a:t>
+            </a:r>
+            <a:endParaRPr lang="en-US" sz="10000" dirty="0"/>
+          </a:p>
+        </p:txBody>
+      </p:sp>
+    </p:spTree>
+    <p:extLst>
+      <p:ext uri="{BB962C8B-B14F-4D97-AF65-F5344CB8AC3E}">
+        <p14:creationId xmlns:p14="http://schemas.microsoft.com/office/powerpoint/2010/main" val="3086846144"/>
+      </p:ext>
+    </p:extLst>
+  </p:cSld>
+  <p:clrMapOvr>
+    <a:masterClrMapping/>
+  </p:clrMapOvr>
+</p:sld>
+</file>
+
+<file path=ppt/slides/slide43.xml><?xml version="1.0" encoding="utf-8"?>
+<p:sld xmlns:a="http://schemas.openxmlformats.org/drawingml/2006/main" xmlns:r="http://schemas.openxmlformats.org/officeDocument/2006/relationships" xmlns:p="http://schemas.openxmlformats.org/presentationml/2006/main">
+  <p:cSld>
+    <p:spTree>
+      <p:nvGrpSpPr>
+        <p:cNvPr id="1" name=""/>
+        <p:cNvGrpSpPr/>
+        <p:nvPr/>
+      </p:nvGrpSpPr>
+      <p:grpSpPr>
+        <a:xfrm>
+          <a:off x="0" y="0"/>
+          <a:ext cx="0" cy="0"/>
+          <a:chOff x="0" y="0"/>
+          <a:chExt cx="0" cy="0"/>
+        </a:xfrm>
+      </p:grpSpPr>
+      <p:sp>
+        <p:nvSpPr>
+          <p:cNvPr id="2" name="Title 1"/>
+          <p:cNvSpPr>
+            <a:spLocks noGrp="1"/>
+          </p:cNvSpPr>
+          <p:nvPr>
+            <p:ph type="title"/>
+          </p:nvPr>
+        </p:nvSpPr>
+        <p:spPr/>
+        <p:txBody>
+          <a:bodyPr/>
+          <a:lstStyle/>
+          <a:p>
+            <a:r>
+              <a:rPr lang="en-US" dirty="0" smtClean="0"/>
+              <a:t>From FINAL Peer Review Report</a:t>
+            </a:r>
+            <a:endParaRPr lang="en-US" dirty="0"/>
+          </a:p>
+        </p:txBody>
+      </p:sp>
+      <p:sp>
+        <p:nvSpPr>
+          <p:cNvPr id="3" name="Content Placeholder 2"/>
+          <p:cNvSpPr>
+            <a:spLocks noGrp="1"/>
+          </p:cNvSpPr>
+          <p:nvPr>
+            <p:ph idx="1"/>
+          </p:nvPr>
+        </p:nvSpPr>
+        <p:spPr/>
+        <p:txBody>
+          <a:bodyPr>
+            <a:normAutofit/>
+          </a:bodyPr>
+          <a:lstStyle/>
+          <a:p>
+            <a:r>
+              <a:rPr lang="en-US" dirty="0">
+                <a:solidFill>
+                  <a:schemeClr val="bg2">
+                    <a:lumMod val="90000"/>
+                  </a:schemeClr>
+                </a:solidFill>
+              </a:rPr>
+              <a:t>Conduct sensitivity analyses including: </a:t>
+            </a:r>
+            <a:endParaRPr lang="en-US" b="0" dirty="0" smtClean="0">
+              <a:solidFill>
+                <a:schemeClr val="bg2">
+                  <a:lumMod val="90000"/>
+                </a:schemeClr>
+              </a:solidFill>
+              <a:effectLst/>
+            </a:endParaRPr>
+          </a:p>
+          <a:p>
+            <a:r>
+              <a:rPr lang="en-US" dirty="0">
+                <a:solidFill>
+                  <a:schemeClr val="bg2">
+                    <a:lumMod val="90000"/>
+                  </a:schemeClr>
+                </a:solidFill>
+              </a:rPr>
+              <a:t>1) an exploration of alternative parameterizations for natural mortality (e.g. different age-independent constant values, or age-dependent M) </a:t>
+            </a:r>
+            <a:endParaRPr lang="en-US" b="0" dirty="0" smtClean="0">
+              <a:solidFill>
+                <a:schemeClr val="bg2">
+                  <a:lumMod val="90000"/>
+                </a:schemeClr>
+              </a:solidFill>
+              <a:effectLst/>
+            </a:endParaRPr>
+          </a:p>
+          <a:p>
+            <a:r>
+              <a:rPr lang="en-US" dirty="0"/>
+              <a:t>2) profiles of the initial fishing mortality (i.e. initial depletion) </a:t>
+            </a:r>
+            <a:endParaRPr lang="en-US" b="0" dirty="0" smtClean="0">
+              <a:effectLst/>
+            </a:endParaRPr>
+          </a:p>
+          <a:p>
+            <a:r>
+              <a:rPr lang="en-US" dirty="0">
+                <a:solidFill>
+                  <a:schemeClr val="bg1">
+                    <a:lumMod val="85000"/>
+                  </a:schemeClr>
+                </a:solidFill>
+              </a:rPr>
+              <a:t>3) an evaluation of which individual surveys should be included in the VAST index by comparing WHAM estimates (e.g., biomass time series) from the proposed run with individual fishery independent surveys. Surveys that do not appear to accurately reflect changes in stock size through this analysis should not be included in the VAST index. </a:t>
+            </a:r>
+            <a:endParaRPr lang="en-US" b="0" dirty="0" smtClean="0">
+              <a:solidFill>
+                <a:schemeClr val="bg1">
+                  <a:lumMod val="85000"/>
+                </a:schemeClr>
+              </a:solidFill>
+              <a:effectLst/>
+            </a:endParaRPr>
+          </a:p>
+          <a:p>
+            <a:pPr marL="0" indent="0">
+              <a:buNone/>
+            </a:pPr>
+            <a:endParaRPr lang="en-US" dirty="0"/>
+          </a:p>
+        </p:txBody>
+      </p:sp>
+    </p:spTree>
+    <p:extLst>
+      <p:ext uri="{BB962C8B-B14F-4D97-AF65-F5344CB8AC3E}">
+        <p14:creationId xmlns:p14="http://schemas.microsoft.com/office/powerpoint/2010/main" val="2961126734"/>
+      </p:ext>
+    </p:extLst>
+  </p:cSld>
+  <p:clrMapOvr>
+    <a:masterClrMapping/>
+  </p:clrMapOvr>
+</p:sld>
+</file>
+
+<file path=ppt/slides/slide44.xml><?xml version="1.0" encoding="utf-8"?>
+<p:sld xmlns:a="http://schemas.openxmlformats.org/drawingml/2006/main" xmlns:r="http://schemas.openxmlformats.org/officeDocument/2006/relationships" xmlns:p="http://schemas.openxmlformats.org/presentationml/2006/main">
+  <p:cSld>
+    <p:spTree>
+      <p:nvGrpSpPr>
+        <p:cNvPr id="1" name=""/>
+        <p:cNvGrpSpPr/>
+        <p:nvPr/>
+      </p:nvGrpSpPr>
+      <p:grpSpPr>
+        <a:xfrm>
+          <a:off x="0" y="0"/>
+          <a:ext cx="0" cy="0"/>
+          <a:chOff x="0" y="0"/>
+          <a:chExt cx="0" cy="0"/>
+        </a:xfrm>
+      </p:grpSpPr>
+      <p:sp>
+        <p:nvSpPr>
+          <p:cNvPr id="2" name="Title 1"/>
+          <p:cNvSpPr>
+            <a:spLocks noGrp="1"/>
+          </p:cNvSpPr>
+          <p:nvPr>
+            <p:ph type="title"/>
+          </p:nvPr>
+        </p:nvSpPr>
+        <p:spPr/>
+        <p:txBody>
+          <a:bodyPr/>
+          <a:lstStyle/>
+          <a:p>
+            <a:r>
+              <a:rPr lang="en-US" dirty="0" smtClean="0"/>
+              <a:t>Options for Sensitivity Item 2</a:t>
+            </a:r>
+            <a:endParaRPr lang="en-US" dirty="0"/>
+          </a:p>
+        </p:txBody>
+      </p:sp>
+      <p:sp>
+        <p:nvSpPr>
+          <p:cNvPr id="3" name="Content Placeholder 2"/>
+          <p:cNvSpPr>
+            <a:spLocks noGrp="1"/>
+          </p:cNvSpPr>
+          <p:nvPr>
+            <p:ph idx="1"/>
+          </p:nvPr>
+        </p:nvSpPr>
+        <p:spPr/>
+        <p:txBody>
+          <a:bodyPr/>
+          <a:lstStyle/>
+          <a:p>
+            <a:pPr marL="514350" indent="-514350">
+              <a:buFont typeface="+mj-lt"/>
+              <a:buAutoNum type="arabicPeriod"/>
+            </a:pPr>
+            <a:r>
+              <a:rPr lang="en-US" dirty="0" smtClean="0"/>
+              <a:t>Look at the estimated initial F and the confidence interval. Pick the 25</a:t>
+            </a:r>
+            <a:r>
+              <a:rPr lang="en-US" baseline="30000" dirty="0" smtClean="0"/>
+              <a:t>th</a:t>
+            </a:r>
+            <a:r>
+              <a:rPr lang="en-US" dirty="0" smtClean="0"/>
+              <a:t> and 75</a:t>
+            </a:r>
+            <a:r>
+              <a:rPr lang="en-US" baseline="30000" dirty="0" smtClean="0"/>
+              <a:t>th</a:t>
+            </a:r>
+            <a:r>
+              <a:rPr lang="en-US" dirty="0" smtClean="0"/>
+              <a:t> value of the distribution and fix them at those values in estimation model</a:t>
+            </a:r>
+            <a:endParaRPr lang="en-US" strike="sngStrike" dirty="0"/>
+          </a:p>
+        </p:txBody>
+      </p:sp>
+    </p:spTree>
+    <p:extLst>
+      <p:ext uri="{BB962C8B-B14F-4D97-AF65-F5344CB8AC3E}">
+        <p14:creationId xmlns:p14="http://schemas.microsoft.com/office/powerpoint/2010/main" val="399200767"/>
+      </p:ext>
+    </p:extLst>
+  </p:cSld>
+  <p:clrMapOvr>
+    <a:masterClrMapping/>
+  </p:clrMapOvr>
+</p:sld>
+</file>
+
+<file path=ppt/slides/slide45.xml><?xml version="1.0" encoding="utf-8"?>
+<p:sld xmlns:a="http://schemas.openxmlformats.org/drawingml/2006/main" xmlns:r="http://schemas.openxmlformats.org/officeDocument/2006/relationships" xmlns:p="http://schemas.openxmlformats.org/presentationml/2006/main">
+  <p:cSld>
+    <p:spTree>
+      <p:nvGrpSpPr>
+        <p:cNvPr id="1" name=""/>
+        <p:cNvGrpSpPr/>
+        <p:nvPr/>
+      </p:nvGrpSpPr>
+      <p:grpSpPr>
+        <a:xfrm>
+          <a:off x="0" y="0"/>
+          <a:ext cx="0" cy="0"/>
+          <a:chOff x="0" y="0"/>
+          <a:chExt cx="0" cy="0"/>
+        </a:xfrm>
+      </p:grpSpPr>
+      <p:sp>
+        <p:nvSpPr>
+          <p:cNvPr id="4" name="Title 3"/>
+          <p:cNvSpPr>
+            <a:spLocks noGrp="1"/>
+          </p:cNvSpPr>
+          <p:nvPr>
+            <p:ph type="title"/>
+          </p:nvPr>
+        </p:nvSpPr>
+        <p:spPr/>
+        <p:txBody>
+          <a:bodyPr/>
+          <a:lstStyle/>
+          <a:p>
+            <a:r>
+              <a:rPr lang="en-US" dirty="0" smtClean="0"/>
+              <a:t>Run 39</a:t>
+            </a:r>
+            <a:endParaRPr lang="en-US" dirty="0"/>
+          </a:p>
+        </p:txBody>
+      </p:sp>
+      <p:sp>
+        <p:nvSpPr>
+          <p:cNvPr id="5" name="Text Placeholder 4"/>
+          <p:cNvSpPr>
+            <a:spLocks noGrp="1"/>
+          </p:cNvSpPr>
+          <p:nvPr>
+            <p:ph type="body" idx="1"/>
+          </p:nvPr>
+        </p:nvSpPr>
+        <p:spPr/>
+        <p:txBody>
+          <a:bodyPr/>
+          <a:lstStyle/>
+          <a:p>
+            <a:r>
+              <a:rPr lang="en-US" dirty="0" smtClean="0"/>
+              <a:t>Run 34</a:t>
+            </a:r>
+            <a:endParaRPr lang="en-US" dirty="0"/>
+          </a:p>
+        </p:txBody>
+      </p:sp>
+      <p:sp>
+        <p:nvSpPr>
+          <p:cNvPr id="6" name="Content Placeholder 5"/>
+          <p:cNvSpPr>
+            <a:spLocks noGrp="1"/>
+          </p:cNvSpPr>
+          <p:nvPr>
+            <p:ph sz="half" idx="2"/>
+          </p:nvPr>
+        </p:nvSpPr>
+        <p:spPr/>
+        <p:txBody>
+          <a:bodyPr>
+            <a:normAutofit/>
+          </a:bodyPr>
+          <a:lstStyle/>
+          <a:p>
+            <a:r>
+              <a:rPr lang="en-US" dirty="0" smtClean="0"/>
+              <a:t>Initial F estimated at XXX</a:t>
+            </a:r>
+            <a:endParaRPr lang="en-US" dirty="0" smtClean="0">
+              <a:solidFill>
+                <a:schemeClr val="accent4">
+                  <a:lumMod val="75000"/>
+                </a:schemeClr>
+              </a:solidFill>
+            </a:endParaRPr>
+          </a:p>
+        </p:txBody>
+      </p:sp>
+      <p:sp>
+        <p:nvSpPr>
+          <p:cNvPr id="7" name="Text Placeholder 6"/>
+          <p:cNvSpPr>
+            <a:spLocks noGrp="1"/>
+          </p:cNvSpPr>
+          <p:nvPr>
+            <p:ph type="body" sz="quarter" idx="3"/>
+          </p:nvPr>
+        </p:nvSpPr>
+        <p:spPr>
+          <a:xfrm>
+            <a:off x="6172200" y="2053525"/>
+            <a:ext cx="1390973" cy="451550"/>
+          </a:xfrm>
+        </p:spPr>
+        <p:txBody>
+          <a:bodyPr/>
+          <a:lstStyle/>
+          <a:p>
+            <a:r>
+              <a:rPr lang="en-US" dirty="0" smtClean="0"/>
+              <a:t>Run 39</a:t>
+            </a:r>
+            <a:endParaRPr lang="en-US" dirty="0"/>
+          </a:p>
+        </p:txBody>
+      </p:sp>
+      <p:sp>
+        <p:nvSpPr>
+          <p:cNvPr id="8" name="Content Placeholder 7"/>
+          <p:cNvSpPr>
+            <a:spLocks noGrp="1"/>
+          </p:cNvSpPr>
+          <p:nvPr>
+            <p:ph sz="quarter" idx="4"/>
+          </p:nvPr>
+        </p:nvSpPr>
+        <p:spPr>
+          <a:xfrm>
+            <a:off x="6172200" y="2505075"/>
+            <a:ext cx="2728866" cy="501651"/>
+          </a:xfrm>
+        </p:spPr>
+        <p:txBody>
+          <a:bodyPr>
+            <a:normAutofit/>
+          </a:bodyPr>
+          <a:lstStyle/>
+          <a:p>
+            <a:r>
+              <a:rPr lang="en-US" dirty="0" smtClean="0"/>
+              <a:t>F fixed at XXX</a:t>
+            </a:r>
+            <a:endParaRPr lang="en-US" dirty="0" smtClean="0">
+              <a:solidFill>
+                <a:schemeClr val="accent4">
+                  <a:lumMod val="75000"/>
+                </a:schemeClr>
+              </a:solidFill>
+            </a:endParaRPr>
+          </a:p>
+        </p:txBody>
+      </p:sp>
+      <p:sp>
+        <p:nvSpPr>
+          <p:cNvPr id="9" name="Text Placeholder 6"/>
+          <p:cNvSpPr txBox="1">
+            <a:spLocks/>
+          </p:cNvSpPr>
+          <p:nvPr/>
+        </p:nvSpPr>
+        <p:spPr>
+          <a:xfrm>
+            <a:off x="6172200" y="3319462"/>
+            <a:ext cx="1390973" cy="451550"/>
+          </a:xfrm>
+          <a:prstGeom prst="rect">
+            <a:avLst/>
+          </a:prstGeom>
+        </p:spPr>
+        <p:txBody>
+          <a:bodyPr vert="horz" lIns="91440" tIns="45720" rIns="91440" bIns="45720" rtlCol="0" anchor="b">
+            <a:normAutofit/>
+          </a:bodyPr>
+          <a:lstStyle>
+            <a:lvl1pPr marL="0" indent="0" algn="l" defTabSz="914400" rtl="0" eaLnBrk="1" latinLnBrk="0" hangingPunct="1">
+              <a:lnSpc>
+                <a:spcPct val="90000"/>
+              </a:lnSpc>
+              <a:spcBef>
+                <a:spcPts val="1000"/>
+              </a:spcBef>
+              <a:buFont typeface="Arial" panose="020B0604020202020204" pitchFamily="34" charset="0"/>
+              <a:buNone/>
+              <a:defRPr sz="2400" b="1" kern="1200">
+                <a:solidFill>
+                  <a:schemeClr val="tx1"/>
+                </a:solidFill>
+                <a:latin typeface="+mn-lt"/>
+                <a:ea typeface="+mn-ea"/>
+                <a:cs typeface="+mn-cs"/>
+              </a:defRPr>
+            </a:lvl1pPr>
+            <a:lvl2pPr marL="457200" indent="0" algn="l" defTabSz="914400" rtl="0" eaLnBrk="1" latinLnBrk="0" hangingPunct="1">
+              <a:lnSpc>
+                <a:spcPct val="90000"/>
+              </a:lnSpc>
+              <a:spcBef>
+                <a:spcPts val="500"/>
+              </a:spcBef>
+              <a:buFont typeface="Arial" panose="020B0604020202020204" pitchFamily="34" charset="0"/>
+              <a:buNone/>
+              <a:defRPr sz="2000" b="1" kern="1200">
+                <a:solidFill>
+                  <a:schemeClr val="tx1"/>
+                </a:solidFill>
+                <a:latin typeface="+mn-lt"/>
+                <a:ea typeface="+mn-ea"/>
+                <a:cs typeface="+mn-cs"/>
+              </a:defRPr>
+            </a:lvl2pPr>
+            <a:lvl3pPr marL="914400" indent="0" algn="l" defTabSz="914400" rtl="0" eaLnBrk="1" latinLnBrk="0" hangingPunct="1">
+              <a:lnSpc>
+                <a:spcPct val="90000"/>
+              </a:lnSpc>
+              <a:spcBef>
+                <a:spcPts val="500"/>
+              </a:spcBef>
+              <a:buFont typeface="Arial" panose="020B0604020202020204" pitchFamily="34" charset="0"/>
+              <a:buNone/>
+              <a:defRPr sz="1800" b="1" kern="1200">
+                <a:solidFill>
+                  <a:schemeClr val="tx1"/>
+                </a:solidFill>
+                <a:latin typeface="+mn-lt"/>
+                <a:ea typeface="+mn-ea"/>
+                <a:cs typeface="+mn-cs"/>
+              </a:defRPr>
+            </a:lvl3pPr>
+            <a:lvl4pPr marL="1371600" indent="0" algn="l" defTabSz="914400" rtl="0" eaLnBrk="1" latinLnBrk="0" hangingPunct="1">
+              <a:lnSpc>
+                <a:spcPct val="90000"/>
+              </a:lnSpc>
+              <a:spcBef>
+                <a:spcPts val="500"/>
+              </a:spcBef>
+              <a:buFont typeface="Arial" panose="020B0604020202020204" pitchFamily="34" charset="0"/>
+              <a:buNone/>
+              <a:defRPr sz="1600" b="1" kern="1200">
+                <a:solidFill>
+                  <a:schemeClr val="tx1"/>
+                </a:solidFill>
+                <a:latin typeface="+mn-lt"/>
+                <a:ea typeface="+mn-ea"/>
+                <a:cs typeface="+mn-cs"/>
+              </a:defRPr>
+            </a:lvl4pPr>
+            <a:lvl5pPr marL="1828800" indent="0" algn="l" defTabSz="914400" rtl="0" eaLnBrk="1" latinLnBrk="0" hangingPunct="1">
+              <a:lnSpc>
+                <a:spcPct val="90000"/>
+              </a:lnSpc>
+              <a:spcBef>
+                <a:spcPts val="500"/>
+              </a:spcBef>
+              <a:buFont typeface="Arial" panose="020B0604020202020204" pitchFamily="34" charset="0"/>
+              <a:buNone/>
+              <a:defRPr sz="1600" b="1" kern="1200">
+                <a:solidFill>
+                  <a:schemeClr val="tx1"/>
+                </a:solidFill>
+                <a:latin typeface="+mn-lt"/>
+                <a:ea typeface="+mn-ea"/>
+                <a:cs typeface="+mn-cs"/>
+              </a:defRPr>
+            </a:lvl5pPr>
+            <a:lvl6pPr marL="2286000" indent="0" algn="l" defTabSz="914400" rtl="0" eaLnBrk="1" latinLnBrk="0" hangingPunct="1">
+              <a:lnSpc>
+                <a:spcPct val="90000"/>
+              </a:lnSpc>
+              <a:spcBef>
+                <a:spcPts val="500"/>
+              </a:spcBef>
+              <a:buFont typeface="Arial" panose="020B0604020202020204" pitchFamily="34" charset="0"/>
+              <a:buNone/>
+              <a:defRPr sz="1600" b="1" kern="1200">
+                <a:solidFill>
+                  <a:schemeClr val="tx1"/>
+                </a:solidFill>
+                <a:latin typeface="+mn-lt"/>
+                <a:ea typeface="+mn-ea"/>
+                <a:cs typeface="+mn-cs"/>
+              </a:defRPr>
+            </a:lvl6pPr>
+            <a:lvl7pPr marL="2743200" indent="0" algn="l" defTabSz="914400" rtl="0" eaLnBrk="1" latinLnBrk="0" hangingPunct="1">
+              <a:lnSpc>
+                <a:spcPct val="90000"/>
+              </a:lnSpc>
+              <a:spcBef>
+                <a:spcPts val="500"/>
+              </a:spcBef>
+              <a:buFont typeface="Arial" panose="020B0604020202020204" pitchFamily="34" charset="0"/>
+              <a:buNone/>
+              <a:defRPr sz="1600" b="1" kern="1200">
+                <a:solidFill>
+                  <a:schemeClr val="tx1"/>
+                </a:solidFill>
+                <a:latin typeface="+mn-lt"/>
+                <a:ea typeface="+mn-ea"/>
+                <a:cs typeface="+mn-cs"/>
+              </a:defRPr>
+            </a:lvl7pPr>
+            <a:lvl8pPr marL="3200400" indent="0" algn="l" defTabSz="914400" rtl="0" eaLnBrk="1" latinLnBrk="0" hangingPunct="1">
+              <a:lnSpc>
+                <a:spcPct val="90000"/>
+              </a:lnSpc>
+              <a:spcBef>
+                <a:spcPts val="500"/>
+              </a:spcBef>
+              <a:buFont typeface="Arial" panose="020B0604020202020204" pitchFamily="34" charset="0"/>
+              <a:buNone/>
+              <a:defRPr sz="1600" b="1" kern="1200">
+                <a:solidFill>
+                  <a:schemeClr val="tx1"/>
+                </a:solidFill>
+                <a:latin typeface="+mn-lt"/>
+                <a:ea typeface="+mn-ea"/>
+                <a:cs typeface="+mn-cs"/>
+              </a:defRPr>
+            </a:lvl8pPr>
+            <a:lvl9pPr marL="3657600" indent="0" algn="l" defTabSz="914400" rtl="0" eaLnBrk="1" latinLnBrk="0" hangingPunct="1">
+              <a:lnSpc>
+                <a:spcPct val="90000"/>
+              </a:lnSpc>
+              <a:spcBef>
+                <a:spcPts val="500"/>
+              </a:spcBef>
+              <a:buFont typeface="Arial" panose="020B0604020202020204" pitchFamily="34" charset="0"/>
+              <a:buNone/>
+              <a:defRPr sz="1600" b="1" kern="1200">
+                <a:solidFill>
+                  <a:schemeClr val="tx1"/>
+                </a:solidFill>
+                <a:latin typeface="+mn-lt"/>
+                <a:ea typeface="+mn-ea"/>
+                <a:cs typeface="+mn-cs"/>
+              </a:defRPr>
+            </a:lvl9pPr>
+          </a:lstStyle>
+          <a:p>
+            <a:r>
+              <a:rPr lang="en-US" dirty="0" smtClean="0"/>
+              <a:t>Run 40</a:t>
+            </a:r>
+            <a:endParaRPr lang="en-US" dirty="0"/>
+          </a:p>
+        </p:txBody>
+      </p:sp>
+      <p:sp>
+        <p:nvSpPr>
+          <p:cNvPr id="11" name="Content Placeholder 7"/>
+          <p:cNvSpPr txBox="1">
+            <a:spLocks/>
+          </p:cNvSpPr>
+          <p:nvPr/>
+        </p:nvSpPr>
+        <p:spPr>
+          <a:xfrm>
+            <a:off x="6172199" y="3771012"/>
+            <a:ext cx="3490993" cy="501651"/>
+          </a:xfrm>
+          <a:prstGeom prst="rect">
+            <a:avLst/>
+          </a:prstGeom>
+        </p:spPr>
+        <p:txBody>
+          <a:bodyPr vert="horz" lIns="91440" tIns="45720" rIns="91440" bIns="45720" rtlCol="0">
+            <a:normAutofit fontScale="92500"/>
+          </a:bodyPr>
+          <a:lstStyle>
+            <a:lvl1pPr marL="228600" indent="-228600" algn="l" defTabSz="914400" rtl="0" eaLnBrk="1" latinLnBrk="0" hangingPunct="1">
+              <a:lnSpc>
+                <a:spcPct val="90000"/>
+              </a:lnSpc>
+              <a:spcBef>
+                <a:spcPts val="1000"/>
+              </a:spcBef>
+              <a:buFont typeface="Arial" panose="020B0604020202020204" pitchFamily="34" charset="0"/>
+              <a:buChar char="•"/>
+              <a:defRPr sz="2800" kern="1200">
+                <a:solidFill>
+                  <a:schemeClr val="tx1"/>
+                </a:solidFill>
+                <a:latin typeface="+mn-lt"/>
+                <a:ea typeface="+mn-ea"/>
+                <a:cs typeface="+mn-cs"/>
+              </a:defRPr>
+            </a:lvl1pPr>
+            <a:lvl2pPr marL="685800" indent="-228600" algn="l" defTabSz="914400" rtl="0" eaLnBrk="1" latinLnBrk="0" hangingPunct="1">
+              <a:lnSpc>
+                <a:spcPct val="90000"/>
+              </a:lnSpc>
+              <a:spcBef>
+                <a:spcPts val="500"/>
+              </a:spcBef>
+              <a:buFont typeface="Arial" panose="020B0604020202020204" pitchFamily="34" charset="0"/>
+              <a:buChar char="•"/>
+              <a:defRPr sz="2400" kern="1200">
+                <a:solidFill>
+                  <a:schemeClr val="tx1"/>
+                </a:solidFill>
+                <a:latin typeface="+mn-lt"/>
+                <a:ea typeface="+mn-ea"/>
+                <a:cs typeface="+mn-cs"/>
+              </a:defRPr>
+            </a:lvl2pPr>
+            <a:lvl3pPr marL="1143000" indent="-228600" algn="l" defTabSz="914400" rtl="0" eaLnBrk="1" latinLnBrk="0" hangingPunct="1">
+              <a:lnSpc>
+                <a:spcPct val="90000"/>
+              </a:lnSpc>
+              <a:spcBef>
+                <a:spcPts val="500"/>
+              </a:spcBef>
+              <a:buFont typeface="Arial" panose="020B0604020202020204" pitchFamily="34" charset="0"/>
+              <a:buChar char="•"/>
+              <a:defRPr sz="2000" kern="1200">
+                <a:solidFill>
+                  <a:schemeClr val="tx1"/>
+                </a:solidFill>
+                <a:latin typeface="+mn-lt"/>
+                <a:ea typeface="+mn-ea"/>
+                <a:cs typeface="+mn-cs"/>
+              </a:defRPr>
+            </a:lvl3pPr>
+            <a:lvl4pPr marL="1600200" indent="-228600" algn="l" defTabSz="914400" rtl="0" eaLnBrk="1" latinLnBrk="0" hangingPunct="1">
+              <a:lnSpc>
+                <a:spcPct val="90000"/>
+              </a:lnSpc>
+              <a:spcBef>
+                <a:spcPts val="500"/>
+              </a:spcBef>
+              <a:buFont typeface="Arial" panose="020B0604020202020204" pitchFamily="34" charset="0"/>
+              <a:buChar char="•"/>
+              <a:defRPr sz="1800" kern="1200">
+                <a:solidFill>
+                  <a:schemeClr val="tx1"/>
+                </a:solidFill>
+                <a:latin typeface="+mn-lt"/>
+                <a:ea typeface="+mn-ea"/>
+                <a:cs typeface="+mn-cs"/>
+              </a:defRPr>
+            </a:lvl4pPr>
+            <a:lvl5pPr marL="2057400" indent="-228600" algn="l" defTabSz="914400" rtl="0" eaLnBrk="1" latinLnBrk="0" hangingPunct="1">
+              <a:lnSpc>
+                <a:spcPct val="90000"/>
+              </a:lnSpc>
+              <a:spcBef>
+                <a:spcPts val="500"/>
+              </a:spcBef>
+              <a:buFont typeface="Arial" panose="020B0604020202020204" pitchFamily="34" charset="0"/>
+              <a:buChar char="•"/>
+              <a:defRPr sz="1800" kern="1200">
+                <a:solidFill>
+                  <a:schemeClr val="tx1"/>
+                </a:solidFill>
+                <a:latin typeface="+mn-lt"/>
+                <a:ea typeface="+mn-ea"/>
+                <a:cs typeface="+mn-cs"/>
+              </a:defRPr>
+            </a:lvl5pPr>
+            <a:lvl6pPr marL="2514600" indent="-228600" algn="l" defTabSz="914400" rtl="0" eaLnBrk="1" latinLnBrk="0" hangingPunct="1">
+              <a:lnSpc>
+                <a:spcPct val="90000"/>
+              </a:lnSpc>
+              <a:spcBef>
+                <a:spcPts val="500"/>
+              </a:spcBef>
+              <a:buFont typeface="Arial" panose="020B0604020202020204" pitchFamily="34" charset="0"/>
+              <a:buChar char="•"/>
+              <a:defRPr sz="1800" kern="1200">
+                <a:solidFill>
+                  <a:schemeClr val="tx1"/>
+                </a:solidFill>
+                <a:latin typeface="+mn-lt"/>
+                <a:ea typeface="+mn-ea"/>
+                <a:cs typeface="+mn-cs"/>
+              </a:defRPr>
+            </a:lvl6pPr>
+            <a:lvl7pPr marL="2971800" indent="-228600" algn="l" defTabSz="914400" rtl="0" eaLnBrk="1" latinLnBrk="0" hangingPunct="1">
+              <a:lnSpc>
+                <a:spcPct val="90000"/>
+              </a:lnSpc>
+              <a:spcBef>
+                <a:spcPts val="500"/>
+              </a:spcBef>
+              <a:buFont typeface="Arial" panose="020B0604020202020204" pitchFamily="34" charset="0"/>
+              <a:buChar char="•"/>
+              <a:defRPr sz="1800" kern="1200">
+                <a:solidFill>
+                  <a:schemeClr val="tx1"/>
+                </a:solidFill>
+                <a:latin typeface="+mn-lt"/>
+                <a:ea typeface="+mn-ea"/>
+                <a:cs typeface="+mn-cs"/>
+              </a:defRPr>
+            </a:lvl7pPr>
+            <a:lvl8pPr marL="3429000" indent="-228600" algn="l" defTabSz="914400" rtl="0" eaLnBrk="1" latinLnBrk="0" hangingPunct="1">
+              <a:lnSpc>
+                <a:spcPct val="90000"/>
+              </a:lnSpc>
+              <a:spcBef>
+                <a:spcPts val="500"/>
+              </a:spcBef>
+              <a:buFont typeface="Arial" panose="020B0604020202020204" pitchFamily="34" charset="0"/>
+              <a:buChar char="•"/>
+              <a:defRPr sz="1800" kern="1200">
+                <a:solidFill>
+                  <a:schemeClr val="tx1"/>
+                </a:solidFill>
+                <a:latin typeface="+mn-lt"/>
+                <a:ea typeface="+mn-ea"/>
+                <a:cs typeface="+mn-cs"/>
+              </a:defRPr>
+            </a:lvl8pPr>
+            <a:lvl9pPr marL="3886200" indent="-228600" algn="l" defTabSz="914400" rtl="0" eaLnBrk="1" latinLnBrk="0" hangingPunct="1">
+              <a:lnSpc>
+                <a:spcPct val="90000"/>
+              </a:lnSpc>
+              <a:spcBef>
+                <a:spcPts val="500"/>
+              </a:spcBef>
+              <a:buFont typeface="Arial" panose="020B0604020202020204" pitchFamily="34" charset="0"/>
+              <a:buChar char="•"/>
+              <a:defRPr sz="1800" kern="1200">
+                <a:solidFill>
+                  <a:schemeClr val="tx1"/>
+                </a:solidFill>
+                <a:latin typeface="+mn-lt"/>
+                <a:ea typeface="+mn-ea"/>
+                <a:cs typeface="+mn-cs"/>
+              </a:defRPr>
+            </a:lvl9pPr>
+          </a:lstStyle>
+          <a:p>
+            <a:r>
+              <a:rPr lang="en-US" dirty="0" smtClean="0"/>
+              <a:t>F fixed at 25% CI Value</a:t>
+            </a:r>
+            <a:endParaRPr lang="en-US" dirty="0" smtClean="0">
+              <a:solidFill>
+                <a:schemeClr val="accent4">
+                  <a:lumMod val="75000"/>
+                </a:schemeClr>
+              </a:solidFill>
+            </a:endParaRPr>
+          </a:p>
+        </p:txBody>
+      </p:sp>
+      <p:sp>
+        <p:nvSpPr>
+          <p:cNvPr id="16" name="Text Placeholder 6"/>
+          <p:cNvSpPr txBox="1">
+            <a:spLocks/>
+          </p:cNvSpPr>
+          <p:nvPr/>
+        </p:nvSpPr>
+        <p:spPr>
+          <a:xfrm>
+            <a:off x="6172200" y="4585399"/>
+            <a:ext cx="1390973" cy="451550"/>
+          </a:xfrm>
+          <a:prstGeom prst="rect">
+            <a:avLst/>
+          </a:prstGeom>
+        </p:spPr>
+        <p:txBody>
+          <a:bodyPr vert="horz" lIns="91440" tIns="45720" rIns="91440" bIns="45720" rtlCol="0" anchor="b">
+            <a:normAutofit/>
+          </a:bodyPr>
+          <a:lstStyle>
+            <a:lvl1pPr marL="0" indent="0" algn="l" defTabSz="914400" rtl="0" eaLnBrk="1" latinLnBrk="0" hangingPunct="1">
+              <a:lnSpc>
+                <a:spcPct val="90000"/>
+              </a:lnSpc>
+              <a:spcBef>
+                <a:spcPts val="1000"/>
+              </a:spcBef>
+              <a:buFont typeface="Arial" panose="020B0604020202020204" pitchFamily="34" charset="0"/>
+              <a:buNone/>
+              <a:defRPr sz="2400" b="1" kern="1200">
+                <a:solidFill>
+                  <a:schemeClr val="tx1"/>
+                </a:solidFill>
+                <a:latin typeface="+mn-lt"/>
+                <a:ea typeface="+mn-ea"/>
+                <a:cs typeface="+mn-cs"/>
+              </a:defRPr>
+            </a:lvl1pPr>
+            <a:lvl2pPr marL="457200" indent="0" algn="l" defTabSz="914400" rtl="0" eaLnBrk="1" latinLnBrk="0" hangingPunct="1">
+              <a:lnSpc>
+                <a:spcPct val="90000"/>
+              </a:lnSpc>
+              <a:spcBef>
+                <a:spcPts val="500"/>
+              </a:spcBef>
+              <a:buFont typeface="Arial" panose="020B0604020202020204" pitchFamily="34" charset="0"/>
+              <a:buNone/>
+              <a:defRPr sz="2000" b="1" kern="1200">
+                <a:solidFill>
+                  <a:schemeClr val="tx1"/>
+                </a:solidFill>
+                <a:latin typeface="+mn-lt"/>
+                <a:ea typeface="+mn-ea"/>
+                <a:cs typeface="+mn-cs"/>
+              </a:defRPr>
+            </a:lvl2pPr>
+            <a:lvl3pPr marL="914400" indent="0" algn="l" defTabSz="914400" rtl="0" eaLnBrk="1" latinLnBrk="0" hangingPunct="1">
+              <a:lnSpc>
+                <a:spcPct val="90000"/>
+              </a:lnSpc>
+              <a:spcBef>
+                <a:spcPts val="500"/>
+              </a:spcBef>
+              <a:buFont typeface="Arial" panose="020B0604020202020204" pitchFamily="34" charset="0"/>
+              <a:buNone/>
+              <a:defRPr sz="1800" b="1" kern="1200">
+                <a:solidFill>
+                  <a:schemeClr val="tx1"/>
+                </a:solidFill>
+                <a:latin typeface="+mn-lt"/>
+                <a:ea typeface="+mn-ea"/>
+                <a:cs typeface="+mn-cs"/>
+              </a:defRPr>
+            </a:lvl3pPr>
+            <a:lvl4pPr marL="1371600" indent="0" algn="l" defTabSz="914400" rtl="0" eaLnBrk="1" latinLnBrk="0" hangingPunct="1">
+              <a:lnSpc>
+                <a:spcPct val="90000"/>
+              </a:lnSpc>
+              <a:spcBef>
+                <a:spcPts val="500"/>
+              </a:spcBef>
+              <a:buFont typeface="Arial" panose="020B0604020202020204" pitchFamily="34" charset="0"/>
+              <a:buNone/>
+              <a:defRPr sz="1600" b="1" kern="1200">
+                <a:solidFill>
+                  <a:schemeClr val="tx1"/>
+                </a:solidFill>
+                <a:latin typeface="+mn-lt"/>
+                <a:ea typeface="+mn-ea"/>
+                <a:cs typeface="+mn-cs"/>
+              </a:defRPr>
+            </a:lvl4pPr>
+            <a:lvl5pPr marL="1828800" indent="0" algn="l" defTabSz="914400" rtl="0" eaLnBrk="1" latinLnBrk="0" hangingPunct="1">
+              <a:lnSpc>
+                <a:spcPct val="90000"/>
+              </a:lnSpc>
+              <a:spcBef>
+                <a:spcPts val="500"/>
+              </a:spcBef>
+              <a:buFont typeface="Arial" panose="020B0604020202020204" pitchFamily="34" charset="0"/>
+              <a:buNone/>
+              <a:defRPr sz="1600" b="1" kern="1200">
+                <a:solidFill>
+                  <a:schemeClr val="tx1"/>
+                </a:solidFill>
+                <a:latin typeface="+mn-lt"/>
+                <a:ea typeface="+mn-ea"/>
+                <a:cs typeface="+mn-cs"/>
+              </a:defRPr>
+            </a:lvl5pPr>
+            <a:lvl6pPr marL="2286000" indent="0" algn="l" defTabSz="914400" rtl="0" eaLnBrk="1" latinLnBrk="0" hangingPunct="1">
+              <a:lnSpc>
+                <a:spcPct val="90000"/>
+              </a:lnSpc>
+              <a:spcBef>
+                <a:spcPts val="500"/>
+              </a:spcBef>
+              <a:buFont typeface="Arial" panose="020B0604020202020204" pitchFamily="34" charset="0"/>
+              <a:buNone/>
+              <a:defRPr sz="1600" b="1" kern="1200">
+                <a:solidFill>
+                  <a:schemeClr val="tx1"/>
+                </a:solidFill>
+                <a:latin typeface="+mn-lt"/>
+                <a:ea typeface="+mn-ea"/>
+                <a:cs typeface="+mn-cs"/>
+              </a:defRPr>
+            </a:lvl6pPr>
+            <a:lvl7pPr marL="2743200" indent="0" algn="l" defTabSz="914400" rtl="0" eaLnBrk="1" latinLnBrk="0" hangingPunct="1">
+              <a:lnSpc>
+                <a:spcPct val="90000"/>
+              </a:lnSpc>
+              <a:spcBef>
+                <a:spcPts val="500"/>
+              </a:spcBef>
+              <a:buFont typeface="Arial" panose="020B0604020202020204" pitchFamily="34" charset="0"/>
+              <a:buNone/>
+              <a:defRPr sz="1600" b="1" kern="1200">
+                <a:solidFill>
+                  <a:schemeClr val="tx1"/>
+                </a:solidFill>
+                <a:latin typeface="+mn-lt"/>
+                <a:ea typeface="+mn-ea"/>
+                <a:cs typeface="+mn-cs"/>
+              </a:defRPr>
+            </a:lvl7pPr>
+            <a:lvl8pPr marL="3200400" indent="0" algn="l" defTabSz="914400" rtl="0" eaLnBrk="1" latinLnBrk="0" hangingPunct="1">
+              <a:lnSpc>
+                <a:spcPct val="90000"/>
+              </a:lnSpc>
+              <a:spcBef>
+                <a:spcPts val="500"/>
+              </a:spcBef>
+              <a:buFont typeface="Arial" panose="020B0604020202020204" pitchFamily="34" charset="0"/>
+              <a:buNone/>
+              <a:defRPr sz="1600" b="1" kern="1200">
+                <a:solidFill>
+                  <a:schemeClr val="tx1"/>
+                </a:solidFill>
+                <a:latin typeface="+mn-lt"/>
+                <a:ea typeface="+mn-ea"/>
+                <a:cs typeface="+mn-cs"/>
+              </a:defRPr>
+            </a:lvl8pPr>
+            <a:lvl9pPr marL="3657600" indent="0" algn="l" defTabSz="914400" rtl="0" eaLnBrk="1" latinLnBrk="0" hangingPunct="1">
+              <a:lnSpc>
+                <a:spcPct val="90000"/>
+              </a:lnSpc>
+              <a:spcBef>
+                <a:spcPts val="500"/>
+              </a:spcBef>
+              <a:buFont typeface="Arial" panose="020B0604020202020204" pitchFamily="34" charset="0"/>
+              <a:buNone/>
+              <a:defRPr sz="1600" b="1" kern="1200">
+                <a:solidFill>
+                  <a:schemeClr val="tx1"/>
+                </a:solidFill>
+                <a:latin typeface="+mn-lt"/>
+                <a:ea typeface="+mn-ea"/>
+                <a:cs typeface="+mn-cs"/>
+              </a:defRPr>
+            </a:lvl9pPr>
+          </a:lstStyle>
+          <a:p>
+            <a:r>
+              <a:rPr lang="en-US" dirty="0" smtClean="0"/>
+              <a:t>Run 41</a:t>
+            </a:r>
+            <a:endParaRPr lang="en-US" dirty="0"/>
+          </a:p>
+        </p:txBody>
+      </p:sp>
+      <p:sp>
+        <p:nvSpPr>
+          <p:cNvPr id="17" name="Content Placeholder 7"/>
+          <p:cNvSpPr txBox="1">
+            <a:spLocks/>
+          </p:cNvSpPr>
+          <p:nvPr/>
+        </p:nvSpPr>
+        <p:spPr>
+          <a:xfrm>
+            <a:off x="6172199" y="5036949"/>
+            <a:ext cx="3490993" cy="501651"/>
+          </a:xfrm>
+          <a:prstGeom prst="rect">
+            <a:avLst/>
+          </a:prstGeom>
+        </p:spPr>
+        <p:txBody>
+          <a:bodyPr vert="horz" lIns="91440" tIns="45720" rIns="91440" bIns="45720" rtlCol="0">
+            <a:normAutofit fontScale="92500"/>
+          </a:bodyPr>
+          <a:lstStyle>
+            <a:lvl1pPr marL="228600" indent="-228600" algn="l" defTabSz="914400" rtl="0" eaLnBrk="1" latinLnBrk="0" hangingPunct="1">
+              <a:lnSpc>
+                <a:spcPct val="90000"/>
+              </a:lnSpc>
+              <a:spcBef>
+                <a:spcPts val="1000"/>
+              </a:spcBef>
+              <a:buFont typeface="Arial" panose="020B0604020202020204" pitchFamily="34" charset="0"/>
+              <a:buChar char="•"/>
+              <a:defRPr sz="2800" kern="1200">
+                <a:solidFill>
+                  <a:schemeClr val="tx1"/>
+                </a:solidFill>
+                <a:latin typeface="+mn-lt"/>
+                <a:ea typeface="+mn-ea"/>
+                <a:cs typeface="+mn-cs"/>
+              </a:defRPr>
+            </a:lvl1pPr>
+            <a:lvl2pPr marL="685800" indent="-228600" algn="l" defTabSz="914400" rtl="0" eaLnBrk="1" latinLnBrk="0" hangingPunct="1">
+              <a:lnSpc>
+                <a:spcPct val="90000"/>
+              </a:lnSpc>
+              <a:spcBef>
+                <a:spcPts val="500"/>
+              </a:spcBef>
+              <a:buFont typeface="Arial" panose="020B0604020202020204" pitchFamily="34" charset="0"/>
+              <a:buChar char="•"/>
+              <a:defRPr sz="2400" kern="1200">
+                <a:solidFill>
+                  <a:schemeClr val="tx1"/>
+                </a:solidFill>
+                <a:latin typeface="+mn-lt"/>
+                <a:ea typeface="+mn-ea"/>
+                <a:cs typeface="+mn-cs"/>
+              </a:defRPr>
+            </a:lvl2pPr>
+            <a:lvl3pPr marL="1143000" indent="-228600" algn="l" defTabSz="914400" rtl="0" eaLnBrk="1" latinLnBrk="0" hangingPunct="1">
+              <a:lnSpc>
+                <a:spcPct val="90000"/>
+              </a:lnSpc>
+              <a:spcBef>
+                <a:spcPts val="500"/>
+              </a:spcBef>
+              <a:buFont typeface="Arial" panose="020B0604020202020204" pitchFamily="34" charset="0"/>
+              <a:buChar char="•"/>
+              <a:defRPr sz="2000" kern="1200">
+                <a:solidFill>
+                  <a:schemeClr val="tx1"/>
+                </a:solidFill>
+                <a:latin typeface="+mn-lt"/>
+                <a:ea typeface="+mn-ea"/>
+                <a:cs typeface="+mn-cs"/>
+              </a:defRPr>
+            </a:lvl3pPr>
+            <a:lvl4pPr marL="1600200" indent="-228600" algn="l" defTabSz="914400" rtl="0" eaLnBrk="1" latinLnBrk="0" hangingPunct="1">
+              <a:lnSpc>
+                <a:spcPct val="90000"/>
+              </a:lnSpc>
+              <a:spcBef>
+                <a:spcPts val="500"/>
+              </a:spcBef>
+              <a:buFont typeface="Arial" panose="020B0604020202020204" pitchFamily="34" charset="0"/>
+              <a:buChar char="•"/>
+              <a:defRPr sz="1800" kern="1200">
+                <a:solidFill>
+                  <a:schemeClr val="tx1"/>
+                </a:solidFill>
+                <a:latin typeface="+mn-lt"/>
+                <a:ea typeface="+mn-ea"/>
+                <a:cs typeface="+mn-cs"/>
+              </a:defRPr>
+            </a:lvl4pPr>
+            <a:lvl5pPr marL="2057400" indent="-228600" algn="l" defTabSz="914400" rtl="0" eaLnBrk="1" latinLnBrk="0" hangingPunct="1">
+              <a:lnSpc>
+                <a:spcPct val="90000"/>
+              </a:lnSpc>
+              <a:spcBef>
+                <a:spcPts val="500"/>
+              </a:spcBef>
+              <a:buFont typeface="Arial" panose="020B0604020202020204" pitchFamily="34" charset="0"/>
+              <a:buChar char="•"/>
+              <a:defRPr sz="1800" kern="1200">
+                <a:solidFill>
+                  <a:schemeClr val="tx1"/>
+                </a:solidFill>
+                <a:latin typeface="+mn-lt"/>
+                <a:ea typeface="+mn-ea"/>
+                <a:cs typeface="+mn-cs"/>
+              </a:defRPr>
+            </a:lvl5pPr>
+            <a:lvl6pPr marL="2514600" indent="-228600" algn="l" defTabSz="914400" rtl="0" eaLnBrk="1" latinLnBrk="0" hangingPunct="1">
+              <a:lnSpc>
+                <a:spcPct val="90000"/>
+              </a:lnSpc>
+              <a:spcBef>
+                <a:spcPts val="500"/>
+              </a:spcBef>
+              <a:buFont typeface="Arial" panose="020B0604020202020204" pitchFamily="34" charset="0"/>
+              <a:buChar char="•"/>
+              <a:defRPr sz="1800" kern="1200">
+                <a:solidFill>
+                  <a:schemeClr val="tx1"/>
+                </a:solidFill>
+                <a:latin typeface="+mn-lt"/>
+                <a:ea typeface="+mn-ea"/>
+                <a:cs typeface="+mn-cs"/>
+              </a:defRPr>
+            </a:lvl6pPr>
+            <a:lvl7pPr marL="2971800" indent="-228600" algn="l" defTabSz="914400" rtl="0" eaLnBrk="1" latinLnBrk="0" hangingPunct="1">
+              <a:lnSpc>
+                <a:spcPct val="90000"/>
+              </a:lnSpc>
+              <a:spcBef>
+                <a:spcPts val="500"/>
+              </a:spcBef>
+              <a:buFont typeface="Arial" panose="020B0604020202020204" pitchFamily="34" charset="0"/>
+              <a:buChar char="•"/>
+              <a:defRPr sz="1800" kern="1200">
+                <a:solidFill>
+                  <a:schemeClr val="tx1"/>
+                </a:solidFill>
+                <a:latin typeface="+mn-lt"/>
+                <a:ea typeface="+mn-ea"/>
+                <a:cs typeface="+mn-cs"/>
+              </a:defRPr>
+            </a:lvl7pPr>
+            <a:lvl8pPr marL="3429000" indent="-228600" algn="l" defTabSz="914400" rtl="0" eaLnBrk="1" latinLnBrk="0" hangingPunct="1">
+              <a:lnSpc>
+                <a:spcPct val="90000"/>
+              </a:lnSpc>
+              <a:spcBef>
+                <a:spcPts val="500"/>
+              </a:spcBef>
+              <a:buFont typeface="Arial" panose="020B0604020202020204" pitchFamily="34" charset="0"/>
+              <a:buChar char="•"/>
+              <a:defRPr sz="1800" kern="1200">
+                <a:solidFill>
+                  <a:schemeClr val="tx1"/>
+                </a:solidFill>
+                <a:latin typeface="+mn-lt"/>
+                <a:ea typeface="+mn-ea"/>
+                <a:cs typeface="+mn-cs"/>
+              </a:defRPr>
+            </a:lvl8pPr>
+            <a:lvl9pPr marL="3886200" indent="-228600" algn="l" defTabSz="914400" rtl="0" eaLnBrk="1" latinLnBrk="0" hangingPunct="1">
+              <a:lnSpc>
+                <a:spcPct val="90000"/>
+              </a:lnSpc>
+              <a:spcBef>
+                <a:spcPts val="500"/>
+              </a:spcBef>
+              <a:buFont typeface="Arial" panose="020B0604020202020204" pitchFamily="34" charset="0"/>
+              <a:buChar char="•"/>
+              <a:defRPr sz="1800" kern="1200">
+                <a:solidFill>
+                  <a:schemeClr val="tx1"/>
+                </a:solidFill>
+                <a:latin typeface="+mn-lt"/>
+                <a:ea typeface="+mn-ea"/>
+                <a:cs typeface="+mn-cs"/>
+              </a:defRPr>
+            </a:lvl9pPr>
+          </a:lstStyle>
+          <a:p>
+            <a:r>
+              <a:rPr lang="en-US" dirty="0" smtClean="0"/>
+              <a:t>F fixed at 75% CI Value</a:t>
+            </a:r>
+            <a:endParaRPr lang="en-US" dirty="0" smtClean="0">
+              <a:solidFill>
+                <a:schemeClr val="accent4">
+                  <a:lumMod val="75000"/>
+                </a:schemeClr>
+              </a:solidFill>
+            </a:endParaRPr>
+          </a:p>
+        </p:txBody>
+      </p:sp>
+    </p:spTree>
+    <p:extLst>
+      <p:ext uri="{BB962C8B-B14F-4D97-AF65-F5344CB8AC3E}">
+        <p14:creationId xmlns:p14="http://schemas.microsoft.com/office/powerpoint/2010/main" val="3855491165"/>
+      </p:ext>
+    </p:extLst>
+  </p:cSld>
+  <p:clrMapOvr>
+    <a:masterClrMapping/>
+  </p:clrMapOvr>
 </p:sld>
 </file>
 
@@ -9429,11 +11169,7 @@
               <a:buAutoNum type="arabicPeriod"/>
             </a:pPr>
             <a:r>
-              <a:rPr lang="en-US" dirty="0" smtClean="0">
-                <a:solidFill>
-                  <a:schemeClr val="bg2"/>
-                </a:solidFill>
-              </a:rPr>
+              <a:rPr lang="en-US" dirty="0" smtClean="0"/>
               <a:t>Compare WHAM SSB estimates to the number/tow time series from the individual surveys</a:t>
             </a:r>
           </a:p>
@@ -9453,26 +11189,14 @@
               <a:buAutoNum type="arabicPeriod"/>
             </a:pPr>
             <a:r>
-              <a:rPr lang="en-US" dirty="0" smtClean="0">
-                <a:solidFill>
-                  <a:schemeClr val="bg2"/>
-                </a:solidFill>
-              </a:rPr>
+              <a:rPr lang="en-US" dirty="0" smtClean="0"/>
               <a:t>Compare WHAM run with just NEFSC BTS, NEAMAP, and </a:t>
             </a:r>
             <a:r>
-              <a:rPr lang="en-US" dirty="0" err="1" smtClean="0">
-                <a:solidFill>
-                  <a:schemeClr val="bg2"/>
-                </a:solidFill>
-              </a:rPr>
+              <a:rPr lang="en-US" dirty="0" err="1" smtClean="0"/>
               <a:t>RecCPA</a:t>
             </a:r>
-            <a:endParaRPr lang="en-US" dirty="0" smtClean="0">
-              <a:solidFill>
-                <a:schemeClr val="bg2"/>
-              </a:solidFill>
-            </a:endParaRPr>
+            <a:endParaRPr lang="en-US" dirty="0" smtClean="0"/>
           </a:p>
           <a:p>
             <a:pPr marL="514350" indent="-514350">
@@ -9480,11 +11204,7 @@
               <a:buAutoNum type="arabicPeriod"/>
             </a:pPr>
             <a:r>
-              <a:rPr lang="en-US" dirty="0" smtClean="0">
-                <a:solidFill>
-                  <a:schemeClr val="bg2"/>
-                </a:solidFill>
-              </a:rPr>
+              <a:rPr lang="en-US" dirty="0" smtClean="0"/>
               <a:t>Examine current VAST model to see if weighting for each survey could be extracted</a:t>
             </a:r>
           </a:p>
@@ -9494,25 +11214,17 @@
               <a:buAutoNum type="arabicPeriod"/>
             </a:pPr>
             <a:r>
-              <a:rPr lang="en-US" dirty="0" smtClean="0">
-                <a:solidFill>
-                  <a:schemeClr val="bg2"/>
-                </a:solidFill>
-              </a:rPr>
-              <a:t>Re run VAST with just NEFSC BTS/ NEAMAP</a:t>
-            </a:r>
-            <a:endParaRPr lang="en-US" dirty="0">
-              <a:solidFill>
-                <a:schemeClr val="bg2"/>
-              </a:solidFill>
-            </a:endParaRPr>
+              <a:rPr lang="en-US" dirty="0" smtClean="0"/>
+              <a:t>Re run VAST with just Spring and Fall NEFSC BTS/ NEAMAP</a:t>
+            </a:r>
+            <a:endParaRPr lang="en-US" dirty="0"/>
           </a:p>
         </p:txBody>
       </p:sp>
     </p:spTree>
     <p:extLst>
       <p:ext uri="{BB962C8B-B14F-4D97-AF65-F5344CB8AC3E}">
-        <p14:creationId xmlns:p14="http://schemas.microsoft.com/office/powerpoint/2010/main" val="2151754822"/>
+        <p14:creationId xmlns:p14="http://schemas.microsoft.com/office/powerpoint/2010/main" val="1499166679"/>
       </p:ext>
     </p:extLst>
   </p:cSld>
@@ -9548,6 +11260,166 @@
       </p:grpSpPr>
       <p:sp>
         <p:nvSpPr>
+          <p:cNvPr id="2" name="Title 1"/>
+          <p:cNvSpPr>
+            <a:spLocks noGrp="1"/>
+          </p:cNvSpPr>
+          <p:nvPr>
+            <p:ph type="title"/>
+          </p:nvPr>
+        </p:nvSpPr>
+        <p:spPr/>
+        <p:txBody>
+          <a:bodyPr/>
+          <a:lstStyle/>
+          <a:p>
+            <a:r>
+              <a:rPr lang="en-US" dirty="0" smtClean="0"/>
+              <a:t>Options for Sensitivity Item 3</a:t>
+            </a:r>
+            <a:endParaRPr lang="en-US" dirty="0"/>
+          </a:p>
+        </p:txBody>
+      </p:sp>
+      <p:sp>
+        <p:nvSpPr>
+          <p:cNvPr id="3" name="Content Placeholder 2"/>
+          <p:cNvSpPr>
+            <a:spLocks noGrp="1"/>
+          </p:cNvSpPr>
+          <p:nvPr>
+            <p:ph idx="1"/>
+          </p:nvPr>
+        </p:nvSpPr>
+        <p:spPr/>
+        <p:txBody>
+          <a:bodyPr/>
+          <a:lstStyle/>
+          <a:p>
+            <a:pPr marL="514350" indent="-514350">
+              <a:buFont typeface="+mj-lt"/>
+              <a:buAutoNum type="arabicPeriod"/>
+            </a:pPr>
+            <a:r>
+              <a:rPr lang="en-US" dirty="0" smtClean="0">
+                <a:solidFill>
+                  <a:schemeClr val="bg2"/>
+                </a:solidFill>
+              </a:rPr>
+              <a:t>Compare WHAM SSB estimates to the number/tow time series from the individual surveys</a:t>
+            </a:r>
+          </a:p>
+          <a:p>
+            <a:pPr marL="514350" indent="-514350">
+              <a:buFont typeface="+mj-lt"/>
+              <a:buAutoNum type="arabicPeriod"/>
+            </a:pPr>
+            <a:r>
+              <a:rPr lang="en-US" dirty="0" smtClean="0"/>
+              <a:t>Compare WHAM run with run with each index individually, rather than the VAST INDEX</a:t>
+            </a:r>
+          </a:p>
+          <a:p>
+            <a:pPr marL="514350" indent="-514350">
+              <a:buFont typeface="+mj-lt"/>
+              <a:buAutoNum type="arabicPeriod"/>
+            </a:pPr>
+            <a:r>
+              <a:rPr lang="en-US" dirty="0" smtClean="0">
+                <a:solidFill>
+                  <a:schemeClr val="bg2"/>
+                </a:solidFill>
+              </a:rPr>
+              <a:t>Compare WHAM run with just NEFSC BTS, NEAMAP, and </a:t>
+            </a:r>
+            <a:r>
+              <a:rPr lang="en-US" dirty="0" err="1" smtClean="0">
+                <a:solidFill>
+                  <a:schemeClr val="bg2"/>
+                </a:solidFill>
+              </a:rPr>
+              <a:t>RecCPA</a:t>
+            </a:r>
+            <a:endParaRPr lang="en-US" dirty="0" smtClean="0">
+              <a:solidFill>
+                <a:schemeClr val="bg2"/>
+              </a:solidFill>
+            </a:endParaRPr>
+          </a:p>
+          <a:p>
+            <a:pPr marL="514350" indent="-514350">
+              <a:buFont typeface="+mj-lt"/>
+              <a:buAutoNum type="arabicPeriod"/>
+            </a:pPr>
+            <a:r>
+              <a:rPr lang="en-US" dirty="0" smtClean="0">
+                <a:solidFill>
+                  <a:schemeClr val="bg2"/>
+                </a:solidFill>
+              </a:rPr>
+              <a:t>Examine current VAST model to see if weighting for each survey could be extracted</a:t>
+            </a:r>
+          </a:p>
+          <a:p>
+            <a:pPr marL="514350" indent="-514350">
+              <a:buFont typeface="+mj-lt"/>
+              <a:buAutoNum type="arabicPeriod"/>
+            </a:pPr>
+            <a:r>
+              <a:rPr lang="en-US" dirty="0" smtClean="0">
+                <a:solidFill>
+                  <a:schemeClr val="bg2"/>
+                </a:solidFill>
+              </a:rPr>
+              <a:t>Re run VAST with just NEFSC BTS/ NEAMAP</a:t>
+            </a:r>
+            <a:endParaRPr lang="en-US" dirty="0">
+              <a:solidFill>
+                <a:schemeClr val="bg2"/>
+              </a:solidFill>
+            </a:endParaRPr>
+          </a:p>
+        </p:txBody>
+      </p:sp>
+    </p:spTree>
+    <p:extLst>
+      <p:ext uri="{BB962C8B-B14F-4D97-AF65-F5344CB8AC3E}">
+        <p14:creationId xmlns:p14="http://schemas.microsoft.com/office/powerpoint/2010/main" val="2151754822"/>
+      </p:ext>
+    </p:extLst>
+  </p:cSld>
+  <p:clrMapOvr>
+    <a:masterClrMapping/>
+  </p:clrMapOvr>
+  <p:timing>
+    <p:tnLst>
+      <p:par>
+        <p:cTn id="1" dur="indefinite" restart="never" nodeType="tmRoot"/>
+      </p:par>
+    </p:tnLst>
+  </p:timing>
+</p:sld>
+</file>
+
+<file path=ppt/slides/slide7.xml><?xml version="1.0" encoding="utf-8"?>
+<p:sld xmlns:a="http://schemas.openxmlformats.org/drawingml/2006/main" xmlns:r="http://schemas.openxmlformats.org/officeDocument/2006/relationships" xmlns:p="http://schemas.openxmlformats.org/presentationml/2006/main">
+  <p:cSld>
+    <p:spTree>
+      <p:nvGrpSpPr>
+        <p:cNvPr id="1" name=""/>
+        <p:cNvGrpSpPr/>
+        <p:nvPr/>
+      </p:nvGrpSpPr>
+      <p:grpSpPr>
+        <a:xfrm>
+          <a:off x="0" y="0"/>
+          <a:ext cx="0" cy="0"/>
+          <a:chOff x="0" y="0"/>
+          <a:chExt cx="0" cy="0"/>
+        </a:xfrm>
+      </p:grpSpPr>
+      <p:sp>
+        <p:nvSpPr>
           <p:cNvPr id="4" name="Title 3"/>
           <p:cNvSpPr>
             <a:spLocks noGrp="1"/>
@@ -9775,13 +11647,8 @@
             <a:pPr lvl="1"/>
             <a:r>
               <a:rPr lang="en-US" dirty="0" smtClean="0"/>
-              <a:t>Spring </a:t>
-            </a:r>
-            <a:r>
-              <a:rPr lang="en-US" dirty="0" smtClean="0"/>
-              <a:t>Albatross </a:t>
-            </a:r>
-            <a:endParaRPr lang="en-US" dirty="0" smtClean="0"/>
+              <a:t>Spring Albatross </a:t>
+            </a:r>
           </a:p>
           <a:p>
             <a:pPr lvl="1"/>
@@ -10181,7 +12048,7 @@
 </p:sld>
 </file>
 
-<file path=ppt/slides/slide7.xml><?xml version="1.0" encoding="utf-8"?>
+<file path=ppt/slides/slide8.xml><?xml version="1.0" encoding="utf-8"?>
 <p:sld xmlns:a="http://schemas.openxmlformats.org/drawingml/2006/main" xmlns:r="http://schemas.openxmlformats.org/officeDocument/2006/relationships" xmlns:p="http://schemas.openxmlformats.org/presentationml/2006/main">
   <p:cSld>
     <p:spTree>
@@ -10368,7 +12235,7 @@
 </p:sld>
 </file>
 
-<file path=ppt/slides/slide8.xml><?xml version="1.0" encoding="utf-8"?>
+<file path=ppt/slides/slide9.xml><?xml version="1.0" encoding="utf-8"?>
 <p:sld xmlns:a="http://schemas.openxmlformats.org/drawingml/2006/main" xmlns:r="http://schemas.openxmlformats.org/officeDocument/2006/relationships" xmlns:p="http://schemas.openxmlformats.org/presentationml/2006/main">
   <p:cSld>
     <p:spTree>
@@ -10509,163 +12376,6 @@
     <p:extLst>
       <p:ext uri="{BB962C8B-B14F-4D97-AF65-F5344CB8AC3E}">
         <p14:creationId xmlns:p14="http://schemas.microsoft.com/office/powerpoint/2010/main" val="3111338226"/>
-      </p:ext>
-    </p:extLst>
-  </p:cSld>
-  <p:clrMapOvr>
-    <a:masterClrMapping/>
-  </p:clrMapOvr>
-  <p:timing>
-    <p:tnLst>
-      <p:par>
-        <p:cTn id="1" dur="indefinite" restart="never" nodeType="tmRoot"/>
-      </p:par>
-    </p:tnLst>
-  </p:timing>
-</p:sld>
-</file>
-
-<file path=ppt/slides/slide9.xml><?xml version="1.0" encoding="utf-8"?>
-<p:sld xmlns:a="http://schemas.openxmlformats.org/drawingml/2006/main" xmlns:r="http://schemas.openxmlformats.org/officeDocument/2006/relationships" xmlns:p="http://schemas.openxmlformats.org/presentationml/2006/main">
-  <p:cSld>
-    <p:spTree>
-      <p:nvGrpSpPr>
-        <p:cNvPr id="1" name=""/>
-        <p:cNvGrpSpPr/>
-        <p:nvPr/>
-      </p:nvGrpSpPr>
-      <p:grpSpPr>
-        <a:xfrm>
-          <a:off x="0" y="0"/>
-          <a:ext cx="0" cy="0"/>
-          <a:chOff x="0" y="0"/>
-          <a:chExt cx="0" cy="0"/>
-        </a:xfrm>
-      </p:grpSpPr>
-      <p:sp>
-        <p:nvSpPr>
-          <p:cNvPr id="3" name="TextBox 2"/>
-          <p:cNvSpPr txBox="1"/>
-          <p:nvPr/>
-        </p:nvSpPr>
-        <p:spPr>
-          <a:xfrm>
-            <a:off x="2899953" y="670560"/>
-            <a:ext cx="840295" cy="369332"/>
-          </a:xfrm>
-          <a:prstGeom prst="rect">
-            <a:avLst/>
-          </a:prstGeom>
-          <a:noFill/>
-        </p:spPr>
-        <p:txBody>
-          <a:bodyPr wrap="none" rtlCol="0">
-            <a:spAutoFit/>
-          </a:bodyPr>
-          <a:lstStyle/>
-          <a:p>
-            <a:r>
-              <a:rPr lang="en-US" dirty="0" smtClean="0"/>
-              <a:t>Run 34</a:t>
-            </a:r>
-            <a:endParaRPr lang="en-US" dirty="0"/>
-          </a:p>
-        </p:txBody>
-      </p:sp>
-      <p:sp>
-        <p:nvSpPr>
-          <p:cNvPr id="4" name="TextBox 3"/>
-          <p:cNvSpPr txBox="1"/>
-          <p:nvPr/>
-        </p:nvSpPr>
-        <p:spPr>
-          <a:xfrm>
-            <a:off x="8817428" y="670560"/>
-            <a:ext cx="840295" cy="369332"/>
-          </a:xfrm>
-          <a:prstGeom prst="rect">
-            <a:avLst/>
-          </a:prstGeom>
-          <a:noFill/>
-        </p:spPr>
-        <p:txBody>
-          <a:bodyPr wrap="none" rtlCol="0">
-            <a:spAutoFit/>
-          </a:bodyPr>
-          <a:lstStyle/>
-          <a:p>
-            <a:r>
-              <a:rPr lang="en-US" dirty="0" smtClean="0"/>
-              <a:t>Run 37</a:t>
-            </a:r>
-            <a:endParaRPr lang="en-US" dirty="0"/>
-          </a:p>
-        </p:txBody>
-      </p:sp>
-      <p:pic>
-        <p:nvPicPr>
-          <p:cNvPr id="7" name="Picture 6"/>
-          <p:cNvPicPr>
-            <a:picLocks noChangeAspect="1"/>
-          </p:cNvPicPr>
-          <p:nvPr/>
-        </p:nvPicPr>
-        <p:blipFill>
-          <a:blip r:embed="rId2">
-            <a:extLst>
-              <a:ext uri="{28A0092B-C50C-407E-A947-70E740481C1C}">
-                <a14:useLocalDpi xmlns:a14="http://schemas.microsoft.com/office/drawing/2010/main" val="0"/>
-              </a:ext>
-            </a:extLst>
-          </a:blip>
-          <a:stretch>
-            <a:fillRect/>
-          </a:stretch>
-        </p:blipFill>
-        <p:spPr>
-          <a:xfrm>
-            <a:off x="346166" y="1036320"/>
-            <a:ext cx="5760720" cy="5760720"/>
-          </a:xfrm>
-          <a:prstGeom prst="rect">
-            <a:avLst/>
-          </a:prstGeom>
-        </p:spPr>
-      </p:pic>
-      <p:pic>
-        <p:nvPicPr>
-          <p:cNvPr id="2" name="Picture 1"/>
-          <p:cNvPicPr>
-            <a:picLocks noChangeAspect="1"/>
-          </p:cNvPicPr>
-          <p:nvPr/>
-        </p:nvPicPr>
-        <p:blipFill>
-          <a:blip r:embed="rId3">
-            <a:extLst>
-              <a:ext uri="{28A0092B-C50C-407E-A947-70E740481C1C}">
-                <a14:useLocalDpi xmlns:a14="http://schemas.microsoft.com/office/drawing/2010/main" val="0"/>
-              </a:ext>
-            </a:extLst>
-          </a:blip>
-          <a:stretch>
-            <a:fillRect/>
-          </a:stretch>
-        </p:blipFill>
-        <p:spPr>
-          <a:xfrm>
-            <a:off x="6106886" y="1005840"/>
-            <a:ext cx="5821680" cy="5821680"/>
-          </a:xfrm>
-          <a:prstGeom prst="rect">
-            <a:avLst/>
-          </a:prstGeom>
-        </p:spPr>
-      </p:pic>
-    </p:spTree>
-    <p:extLst>
-      <p:ext uri="{BB962C8B-B14F-4D97-AF65-F5344CB8AC3E}">
-        <p14:creationId xmlns:p14="http://schemas.microsoft.com/office/powerpoint/2010/main" val="1192040204"/>
       </p:ext>
     </p:extLst>
   </p:cSld>

--- a/2023.RT.Runs/BSB WHAM Sensitivity Tests.pptx
+++ b/2023.RT.Runs/BSB WHAM Sensitivity Tests.pptx
@@ -5,7 +5,7 @@
     <p:sldMasterId id="2147483648" r:id="rId1"/>
   </p:sldMasterIdLst>
   <p:notesMasterIdLst>
-    <p:notesMasterId r:id="rId47"/>
+    <p:notesMasterId r:id="rId49"/>
   </p:notesMasterIdLst>
   <p:sldIdLst>
     <p:sldId id="256" r:id="rId2"/>
@@ -19,40 +19,42 @@
     <p:sldId id="267" r:id="rId10"/>
     <p:sldId id="268" r:id="rId11"/>
     <p:sldId id="275" r:id="rId12"/>
-    <p:sldId id="277" r:id="rId13"/>
-    <p:sldId id="278" r:id="rId14"/>
-    <p:sldId id="279" r:id="rId15"/>
-    <p:sldId id="280" r:id="rId16"/>
-    <p:sldId id="281" r:id="rId17"/>
-    <p:sldId id="282" r:id="rId18"/>
-    <p:sldId id="283" r:id="rId19"/>
-    <p:sldId id="284" r:id="rId20"/>
-    <p:sldId id="285" r:id="rId21"/>
-    <p:sldId id="286" r:id="rId22"/>
-    <p:sldId id="287" r:id="rId23"/>
-    <p:sldId id="288" r:id="rId24"/>
-    <p:sldId id="289" r:id="rId25"/>
-    <p:sldId id="290" r:id="rId26"/>
-    <p:sldId id="291" r:id="rId27"/>
-    <p:sldId id="292" r:id="rId28"/>
-    <p:sldId id="293" r:id="rId29"/>
-    <p:sldId id="276" r:id="rId30"/>
+    <p:sldId id="306" r:id="rId13"/>
+    <p:sldId id="277" r:id="rId14"/>
+    <p:sldId id="278" r:id="rId15"/>
+    <p:sldId id="279" r:id="rId16"/>
+    <p:sldId id="280" r:id="rId17"/>
+    <p:sldId id="281" r:id="rId18"/>
+    <p:sldId id="282" r:id="rId19"/>
+    <p:sldId id="283" r:id="rId20"/>
+    <p:sldId id="284" r:id="rId21"/>
+    <p:sldId id="285" r:id="rId22"/>
+    <p:sldId id="286" r:id="rId23"/>
+    <p:sldId id="287" r:id="rId24"/>
+    <p:sldId id="288" r:id="rId25"/>
+    <p:sldId id="289" r:id="rId26"/>
+    <p:sldId id="290" r:id="rId27"/>
+    <p:sldId id="291" r:id="rId28"/>
+    <p:sldId id="292" r:id="rId29"/>
+    <p:sldId id="293" r:id="rId30"/>
     <p:sldId id="264" r:id="rId31"/>
     <p:sldId id="296" r:id="rId32"/>
     <p:sldId id="297" r:id="rId33"/>
-    <p:sldId id="302" r:id="rId34"/>
-    <p:sldId id="295" r:id="rId35"/>
-    <p:sldId id="270" r:id="rId36"/>
-    <p:sldId id="299" r:id="rId37"/>
-    <p:sldId id="274" r:id="rId38"/>
-    <p:sldId id="298" r:id="rId39"/>
-    <p:sldId id="300" r:id="rId40"/>
-    <p:sldId id="304" r:id="rId41"/>
-    <p:sldId id="305" r:id="rId42"/>
-    <p:sldId id="303" r:id="rId43"/>
-    <p:sldId id="294" r:id="rId44"/>
-    <p:sldId id="269" r:id="rId45"/>
-    <p:sldId id="273" r:id="rId46"/>
+    <p:sldId id="276" r:id="rId34"/>
+    <p:sldId id="302" r:id="rId35"/>
+    <p:sldId id="295" r:id="rId36"/>
+    <p:sldId id="270" r:id="rId37"/>
+    <p:sldId id="299" r:id="rId38"/>
+    <p:sldId id="274" r:id="rId39"/>
+    <p:sldId id="298" r:id="rId40"/>
+    <p:sldId id="300" r:id="rId41"/>
+    <p:sldId id="304" r:id="rId42"/>
+    <p:sldId id="305" r:id="rId43"/>
+    <p:sldId id="307" r:id="rId44"/>
+    <p:sldId id="303" r:id="rId45"/>
+    <p:sldId id="294" r:id="rId46"/>
+    <p:sldId id="269" r:id="rId47"/>
+    <p:sldId id="273" r:id="rId48"/>
   </p:sldIdLst>
   <p:sldSz cx="12192000" cy="6858000"/>
   <p:notesSz cx="6858000" cy="9144000"/>
@@ -267,7 +269,7 @@
           <a:p>
             <a:fld id="{BCE76315-5318-4C37-8130-0BE8558006F8}" type="datetimeFigureOut">
               <a:rPr lang="en-US" smtClean="0"/>
-              <a:t>1/29/2024</a:t>
+              <a:t>1/30/2024</a:t>
             </a:fld>
             <a:endParaRPr lang="en-US"/>
           </a:p>
@@ -713,6 +715,357 @@
           <a:lstStyle/>
           <a:p>
             <a:r>
+              <a:rPr lang="en-US" dirty="0" smtClean="0"/>
+              <a:t>Interesting difference in convergence messages:</a:t>
+            </a:r>
+          </a:p>
+          <a:p>
+            <a:endParaRPr lang="en-US" dirty="0" smtClean="0"/>
+          </a:p>
+          <a:p>
+            <a:pPr marL="171450" indent="-171450">
+              <a:buFont typeface="Wingdings" panose="05000000000000000000" pitchFamily="2" charset="2"/>
+              <a:buChar char="Ø"/>
+            </a:pPr>
+            <a:r>
+              <a:rPr lang="en-US" sz="1200" kern="1200" dirty="0" err="1" smtClean="0">
+                <a:solidFill>
+                  <a:schemeClr val="tx1"/>
+                </a:solidFill>
+                <a:effectLst/>
+                <a:latin typeface="+mn-lt"/>
+                <a:ea typeface="+mn-ea"/>
+                <a:cs typeface="+mn-cs"/>
+              </a:rPr>
+              <a:t>check_convergence</a:t>
+            </a:r>
+            <a:r>
+              <a:rPr lang="en-US" sz="1200" kern="1200" dirty="0" smtClean="0">
+                <a:solidFill>
+                  <a:schemeClr val="tx1"/>
+                </a:solidFill>
+                <a:effectLst/>
+                <a:latin typeface="+mn-lt"/>
+                <a:ea typeface="+mn-ea"/>
+                <a:cs typeface="+mn-cs"/>
+              </a:rPr>
+              <a:t>(fit) </a:t>
+            </a:r>
+            <a:r>
+              <a:rPr lang="en-US" dirty="0" err="1" smtClean="0">
+                <a:effectLst/>
+              </a:rPr>
+              <a:t>stats:nlminb</a:t>
+            </a:r>
+            <a:r>
+              <a:rPr lang="en-US" dirty="0" smtClean="0">
+                <a:effectLst/>
+              </a:rPr>
+              <a:t> thinks the model has converged: </a:t>
+            </a:r>
+            <a:r>
+              <a:rPr lang="en-US" dirty="0" err="1" smtClean="0">
+                <a:effectLst/>
+              </a:rPr>
+              <a:t>mod$opt$convergence</a:t>
+            </a:r>
+            <a:r>
+              <a:rPr lang="en-US" dirty="0" smtClean="0">
+                <a:effectLst/>
+              </a:rPr>
+              <a:t> == 0 Maximum gradient component: 1.49e-11 Max gradient parameter: </a:t>
+            </a:r>
+            <a:r>
+              <a:rPr lang="en-US" b="1" dirty="0" err="1" smtClean="0">
+                <a:effectLst/>
+              </a:rPr>
+              <a:t>log_NAA_sigma</a:t>
+            </a:r>
+            <a:r>
+              <a:rPr lang="en-US" dirty="0" smtClean="0">
+                <a:effectLst/>
+              </a:rPr>
+              <a:t> </a:t>
+            </a:r>
+            <a:r>
+              <a:rPr lang="en-US" dirty="0" err="1" smtClean="0">
+                <a:effectLst/>
+              </a:rPr>
+              <a:t>TMB:sdreport</a:t>
+            </a:r>
+            <a:r>
+              <a:rPr lang="en-US" dirty="0" smtClean="0">
+                <a:effectLst/>
+              </a:rPr>
+              <a:t>() was performed successfully for this model </a:t>
+            </a:r>
+            <a:r>
+              <a:rPr lang="en-US" sz="1200" kern="1200" dirty="0" smtClean="0">
+                <a:solidFill>
+                  <a:schemeClr val="tx1"/>
+                </a:solidFill>
+                <a:effectLst/>
+                <a:latin typeface="+mn-lt"/>
+                <a:ea typeface="+mn-ea"/>
+                <a:cs typeface="+mn-cs"/>
+              </a:rPr>
+              <a:t>&gt; </a:t>
+            </a:r>
+          </a:p>
+          <a:p>
+            <a:pPr marL="171450" indent="-171450">
+              <a:buFont typeface="Wingdings" panose="05000000000000000000" pitchFamily="2" charset="2"/>
+              <a:buChar char="Ø"/>
+            </a:pPr>
+            <a:r>
+              <a:rPr lang="en-US" sz="1200" kern="1200" dirty="0" err="1" smtClean="0">
+                <a:solidFill>
+                  <a:schemeClr val="tx1"/>
+                </a:solidFill>
+                <a:effectLst/>
+                <a:latin typeface="+mn-lt"/>
+                <a:ea typeface="+mn-ea"/>
+                <a:cs typeface="+mn-cs"/>
+              </a:rPr>
+              <a:t>check_convergence</a:t>
+            </a:r>
+            <a:r>
+              <a:rPr lang="en-US" sz="1200" kern="1200" dirty="0" smtClean="0">
+                <a:solidFill>
+                  <a:schemeClr val="tx1"/>
+                </a:solidFill>
+                <a:effectLst/>
+                <a:latin typeface="+mn-lt"/>
+                <a:ea typeface="+mn-ea"/>
+                <a:cs typeface="+mn-cs"/>
+              </a:rPr>
+              <a:t>(fit2) </a:t>
+            </a:r>
+            <a:r>
+              <a:rPr lang="en-US" dirty="0" err="1" smtClean="0">
+                <a:effectLst/>
+              </a:rPr>
+              <a:t>stats:nlminb</a:t>
+            </a:r>
+            <a:r>
+              <a:rPr lang="en-US" dirty="0" smtClean="0">
+                <a:effectLst/>
+              </a:rPr>
+              <a:t> thinks the model has converged: </a:t>
+            </a:r>
+            <a:r>
+              <a:rPr lang="en-US" dirty="0" err="1" smtClean="0">
+                <a:effectLst/>
+              </a:rPr>
+              <a:t>mod$opt$convergence</a:t>
+            </a:r>
+            <a:r>
+              <a:rPr lang="en-US" dirty="0" smtClean="0">
+                <a:effectLst/>
+              </a:rPr>
+              <a:t> == 0 Maximum gradient component: 1.89e-08 Max gradient parameter: </a:t>
+            </a:r>
+            <a:r>
+              <a:rPr lang="en-US" b="1" dirty="0" err="1" smtClean="0">
+                <a:effectLst/>
+              </a:rPr>
+              <a:t>index_paa_pars</a:t>
+            </a:r>
+            <a:r>
+              <a:rPr lang="en-US" dirty="0" smtClean="0">
+                <a:effectLst/>
+              </a:rPr>
+              <a:t> </a:t>
+            </a:r>
+            <a:r>
+              <a:rPr lang="en-US" dirty="0" err="1" smtClean="0">
+                <a:effectLst/>
+              </a:rPr>
+              <a:t>TMB:sdreport</a:t>
+            </a:r>
+            <a:r>
+              <a:rPr lang="en-US" dirty="0" smtClean="0">
+                <a:effectLst/>
+              </a:rPr>
+              <a:t>() was performed successfully for this model</a:t>
+            </a:r>
+            <a:endParaRPr lang="en-US" dirty="0"/>
+          </a:p>
+        </p:txBody>
+      </p:sp>
+      <p:sp>
+        <p:nvSpPr>
+          <p:cNvPr id="4" name="Slide Number Placeholder 3"/>
+          <p:cNvSpPr>
+            <a:spLocks noGrp="1"/>
+          </p:cNvSpPr>
+          <p:nvPr>
+            <p:ph type="sldNum" sz="quarter" idx="10"/>
+          </p:nvPr>
+        </p:nvSpPr>
+        <p:spPr/>
+        <p:txBody>
+          <a:bodyPr/>
+          <a:lstStyle/>
+          <a:p>
+            <a:fld id="{5DBD21DD-8E4A-412C-939F-361AD1C20860}" type="slidenum">
+              <a:rPr lang="en-US" smtClean="0"/>
+              <a:t>8</a:t>
+            </a:fld>
+            <a:endParaRPr lang="en-US"/>
+          </a:p>
+        </p:txBody>
+      </p:sp>
+    </p:spTree>
+    <p:extLst>
+      <p:ext uri="{BB962C8B-B14F-4D97-AF65-F5344CB8AC3E}">
+        <p14:creationId xmlns:p14="http://schemas.microsoft.com/office/powerpoint/2010/main" val="2003190674"/>
+      </p:ext>
+    </p:extLst>
+  </p:cSld>
+  <p:clrMapOvr>
+    <a:masterClrMapping/>
+  </p:clrMapOvr>
+</p:notes>
+</file>
+
+<file path=ppt/notesSlides/notesSlide3.xml><?xml version="1.0" encoding="utf-8"?>
+<p:notes xmlns:a="http://schemas.openxmlformats.org/drawingml/2006/main" xmlns:r="http://schemas.openxmlformats.org/officeDocument/2006/relationships" xmlns:p="http://schemas.openxmlformats.org/presentationml/2006/main">
+  <p:cSld>
+    <p:spTree>
+      <p:nvGrpSpPr>
+        <p:cNvPr id="1" name=""/>
+        <p:cNvGrpSpPr/>
+        <p:nvPr/>
+      </p:nvGrpSpPr>
+      <p:grpSpPr>
+        <a:xfrm>
+          <a:off x="0" y="0"/>
+          <a:ext cx="0" cy="0"/>
+          <a:chOff x="0" y="0"/>
+          <a:chExt cx="0" cy="0"/>
+        </a:xfrm>
+      </p:grpSpPr>
+      <p:sp>
+        <p:nvSpPr>
+          <p:cNvPr id="2" name="Slide Image Placeholder 1"/>
+          <p:cNvSpPr>
+            <a:spLocks noGrp="1" noRot="1" noChangeAspect="1"/>
+          </p:cNvSpPr>
+          <p:nvPr>
+            <p:ph type="sldImg"/>
+          </p:nvPr>
+        </p:nvSpPr>
+        <p:spPr/>
+      </p:sp>
+      <p:sp>
+        <p:nvSpPr>
+          <p:cNvPr id="3" name="Notes Placeholder 2"/>
+          <p:cNvSpPr>
+            <a:spLocks noGrp="1"/>
+          </p:cNvSpPr>
+          <p:nvPr>
+            <p:ph type="body" idx="1"/>
+          </p:nvPr>
+        </p:nvSpPr>
+        <p:spPr/>
+        <p:txBody>
+          <a:bodyPr/>
+          <a:lstStyle/>
+          <a:p>
+            <a:r>
+              <a:rPr lang="en-US" dirty="0" smtClean="0"/>
+              <a:t>Not sure this value or what’s going on with CV,</a:t>
+            </a:r>
+            <a:r>
+              <a:rPr lang="en-US" baseline="0" dirty="0" smtClean="0"/>
+              <a:t> this value itself isn’t output in WHAM</a:t>
+            </a:r>
+            <a:endParaRPr lang="en-US" dirty="0"/>
+          </a:p>
+        </p:txBody>
+      </p:sp>
+      <p:sp>
+        <p:nvSpPr>
+          <p:cNvPr id="4" name="Slide Number Placeholder 3"/>
+          <p:cNvSpPr>
+            <a:spLocks noGrp="1"/>
+          </p:cNvSpPr>
+          <p:nvPr>
+            <p:ph type="sldNum" sz="quarter" idx="10"/>
+          </p:nvPr>
+        </p:nvSpPr>
+        <p:spPr/>
+        <p:txBody>
+          <a:bodyPr/>
+          <a:lstStyle/>
+          <a:p>
+            <a:fld id="{5DBD21DD-8E4A-412C-939F-361AD1C20860}" type="slidenum">
+              <a:rPr lang="en-US" smtClean="0"/>
+              <a:t>11</a:t>
+            </a:fld>
+            <a:endParaRPr lang="en-US"/>
+          </a:p>
+        </p:txBody>
+      </p:sp>
+    </p:spTree>
+    <p:extLst>
+      <p:ext uri="{BB962C8B-B14F-4D97-AF65-F5344CB8AC3E}">
+        <p14:creationId xmlns:p14="http://schemas.microsoft.com/office/powerpoint/2010/main" val="3917821979"/>
+      </p:ext>
+    </p:extLst>
+  </p:cSld>
+  <p:clrMapOvr>
+    <a:masterClrMapping/>
+  </p:clrMapOvr>
+</p:notes>
+</file>
+
+<file path=ppt/notesSlides/notesSlide4.xml><?xml version="1.0" encoding="utf-8"?>
+<p:notes xmlns:a="http://schemas.openxmlformats.org/drawingml/2006/main" xmlns:r="http://schemas.openxmlformats.org/officeDocument/2006/relationships" xmlns:p="http://schemas.openxmlformats.org/presentationml/2006/main">
+  <p:cSld>
+    <p:spTree>
+      <p:nvGrpSpPr>
+        <p:cNvPr id="1" name=""/>
+        <p:cNvGrpSpPr/>
+        <p:nvPr/>
+      </p:nvGrpSpPr>
+      <p:grpSpPr>
+        <a:xfrm>
+          <a:off x="0" y="0"/>
+          <a:ext cx="0" cy="0"/>
+          <a:chOff x="0" y="0"/>
+          <a:chExt cx="0" cy="0"/>
+        </a:xfrm>
+      </p:grpSpPr>
+      <p:sp>
+        <p:nvSpPr>
+          <p:cNvPr id="2" name="Slide Image Placeholder 1"/>
+          <p:cNvSpPr>
+            <a:spLocks noGrp="1" noRot="1" noChangeAspect="1"/>
+          </p:cNvSpPr>
+          <p:nvPr>
+            <p:ph type="sldImg"/>
+          </p:nvPr>
+        </p:nvSpPr>
+        <p:spPr/>
+      </p:sp>
+      <p:sp>
+        <p:nvSpPr>
+          <p:cNvPr id="3" name="Notes Placeholder 2"/>
+          <p:cNvSpPr>
+            <a:spLocks noGrp="1"/>
+          </p:cNvSpPr>
+          <p:nvPr>
+            <p:ph type="body" idx="1"/>
+          </p:nvPr>
+        </p:nvSpPr>
+        <p:spPr/>
+        <p:txBody>
+          <a:bodyPr/>
+          <a:lstStyle/>
+          <a:p>
+            <a:r>
               <a:rPr lang="en-US" sz="1200" kern="1200" dirty="0" smtClean="0">
                 <a:solidFill>
                   <a:schemeClr val="tx1"/>
@@ -814,7 +1167,7 @@
 </p:notes>
 </file>
 
-<file path=ppt/notesSlides/notesSlide3.xml><?xml version="1.0" encoding="utf-8"?>
+<file path=ppt/notesSlides/notesSlide5.xml><?xml version="1.0" encoding="utf-8"?>
 <p:notes xmlns:a="http://schemas.openxmlformats.org/drawingml/2006/main" xmlns:r="http://schemas.openxmlformats.org/officeDocument/2006/relationships" xmlns:p="http://schemas.openxmlformats.org/presentationml/2006/main">
   <p:cSld>
     <p:spTree>
@@ -1091,7 +1444,7 @@
           <a:p>
             <a:fld id="{E946A1EF-D084-4303-9967-3757BA40A8BB}" type="datetimeFigureOut">
               <a:rPr lang="en-US" smtClean="0"/>
-              <a:t>1/29/2024</a:t>
+              <a:t>1/30/2024</a:t>
             </a:fld>
             <a:endParaRPr lang="en-US"/>
           </a:p>
@@ -1261,7 +1614,7 @@
           <a:p>
             <a:fld id="{E946A1EF-D084-4303-9967-3757BA40A8BB}" type="datetimeFigureOut">
               <a:rPr lang="en-US" smtClean="0"/>
-              <a:t>1/29/2024</a:t>
+              <a:t>1/30/2024</a:t>
             </a:fld>
             <a:endParaRPr lang="en-US"/>
           </a:p>
@@ -1441,7 +1794,7 @@
           <a:p>
             <a:fld id="{E946A1EF-D084-4303-9967-3757BA40A8BB}" type="datetimeFigureOut">
               <a:rPr lang="en-US" smtClean="0"/>
-              <a:t>1/29/2024</a:t>
+              <a:t>1/30/2024</a:t>
             </a:fld>
             <a:endParaRPr lang="en-US"/>
           </a:p>
@@ -1611,7 +1964,7 @@
           <a:p>
             <a:fld id="{E946A1EF-D084-4303-9967-3757BA40A8BB}" type="datetimeFigureOut">
               <a:rPr lang="en-US" smtClean="0"/>
-              <a:t>1/29/2024</a:t>
+              <a:t>1/30/2024</a:t>
             </a:fld>
             <a:endParaRPr lang="en-US"/>
           </a:p>
@@ -1857,7 +2210,7 @@
           <a:p>
             <a:fld id="{E946A1EF-D084-4303-9967-3757BA40A8BB}" type="datetimeFigureOut">
               <a:rPr lang="en-US" smtClean="0"/>
-              <a:t>1/29/2024</a:t>
+              <a:t>1/30/2024</a:t>
             </a:fld>
             <a:endParaRPr lang="en-US"/>
           </a:p>
@@ -2089,7 +2442,7 @@
           <a:p>
             <a:fld id="{E946A1EF-D084-4303-9967-3757BA40A8BB}" type="datetimeFigureOut">
               <a:rPr lang="en-US" smtClean="0"/>
-              <a:t>1/29/2024</a:t>
+              <a:t>1/30/2024</a:t>
             </a:fld>
             <a:endParaRPr lang="en-US"/>
           </a:p>
@@ -2456,7 +2809,7 @@
           <a:p>
             <a:fld id="{E946A1EF-D084-4303-9967-3757BA40A8BB}" type="datetimeFigureOut">
               <a:rPr lang="en-US" smtClean="0"/>
-              <a:t>1/29/2024</a:t>
+              <a:t>1/30/2024</a:t>
             </a:fld>
             <a:endParaRPr lang="en-US"/>
           </a:p>
@@ -2574,7 +2927,7 @@
           <a:p>
             <a:fld id="{E946A1EF-D084-4303-9967-3757BA40A8BB}" type="datetimeFigureOut">
               <a:rPr lang="en-US" smtClean="0"/>
-              <a:t>1/29/2024</a:t>
+              <a:t>1/30/2024</a:t>
             </a:fld>
             <a:endParaRPr lang="en-US"/>
           </a:p>
@@ -2669,7 +3022,7 @@
           <a:p>
             <a:fld id="{E946A1EF-D084-4303-9967-3757BA40A8BB}" type="datetimeFigureOut">
               <a:rPr lang="en-US" smtClean="0"/>
-              <a:t>1/29/2024</a:t>
+              <a:t>1/30/2024</a:t>
             </a:fld>
             <a:endParaRPr lang="en-US"/>
           </a:p>
@@ -2946,7 +3299,7 @@
           <a:p>
             <a:fld id="{E946A1EF-D084-4303-9967-3757BA40A8BB}" type="datetimeFigureOut">
               <a:rPr lang="en-US" smtClean="0"/>
-              <a:t>1/29/2024</a:t>
+              <a:t>1/30/2024</a:t>
             </a:fld>
             <a:endParaRPr lang="en-US"/>
           </a:p>
@@ -3199,7 +3552,7 @@
           <a:p>
             <a:fld id="{E946A1EF-D084-4303-9967-3757BA40A8BB}" type="datetimeFigureOut">
               <a:rPr lang="en-US" smtClean="0"/>
-              <a:t>1/29/2024</a:t>
+              <a:t>1/30/2024</a:t>
             </a:fld>
             <a:endParaRPr lang="en-US"/>
           </a:p>
@@ -3412,7 +3765,7 @@
           <a:p>
             <a:fld id="{E946A1EF-D084-4303-9967-3757BA40A8BB}" type="datetimeFigureOut">
               <a:rPr lang="en-US" smtClean="0"/>
-              <a:t>1/29/2024</a:t>
+              <a:t>1/30/2024</a:t>
             </a:fld>
             <a:endParaRPr lang="en-US"/>
           </a:p>
@@ -4062,7 +4415,7 @@
           <p:nvPr/>
         </p:nvPicPr>
         <p:blipFill>
-          <a:blip r:embed="rId2" cstate="print">
+          <a:blip r:embed="rId3" cstate="print">
             <a:extLst>
               <a:ext uri="{28A0092B-C50C-407E-A947-70E740481C1C}">
                 <a14:useLocalDpi xmlns:a14="http://schemas.microsoft.com/office/drawing/2010/main" val="0"/>
@@ -4092,7 +4445,7 @@
           <p:nvPr/>
         </p:nvPicPr>
         <p:blipFill>
-          <a:blip r:embed="rId3" cstate="print">
+          <a:blip r:embed="rId4" cstate="print">
             <a:extLst>
               <a:ext uri="{28A0092B-C50C-407E-A947-70E740481C1C}">
                 <a14:useLocalDpi xmlns:a14="http://schemas.microsoft.com/office/drawing/2010/main" val="0"/>
@@ -4113,6 +4466,52 @@
           </a:prstGeom>
         </p:spPr>
       </p:pic>
+      <p:sp>
+        <p:nvSpPr>
+          <p:cNvPr id="2" name="Oval 1"/>
+          <p:cNvSpPr/>
+          <p:nvPr/>
+        </p:nvSpPr>
+        <p:spPr>
+          <a:xfrm>
+            <a:off x="3293165" y="2319130"/>
+            <a:ext cx="463826" cy="410818"/>
+          </a:xfrm>
+          <a:prstGeom prst="ellipse">
+            <a:avLst/>
+          </a:prstGeom>
+          <a:noFill/>
+          <a:ln w="38100">
+            <a:solidFill>
+              <a:srgbClr val="FF0000"/>
+            </a:solidFill>
+          </a:ln>
+        </p:spPr>
+        <p:style>
+          <a:lnRef idx="2">
+            <a:schemeClr val="accent1">
+              <a:shade val="50000"/>
+            </a:schemeClr>
+          </a:lnRef>
+          <a:fillRef idx="1">
+            <a:schemeClr val="accent1"/>
+          </a:fillRef>
+          <a:effectRef idx="0">
+            <a:schemeClr val="accent1"/>
+          </a:effectRef>
+          <a:fontRef idx="minor">
+            <a:schemeClr val="lt1"/>
+          </a:fontRef>
+        </p:style>
+        <p:txBody>
+          <a:bodyPr rtlCol="0" anchor="ctr"/>
+          <a:lstStyle/>
+          <a:p>
+            <a:pPr algn="ctr"/>
+            <a:endParaRPr lang="en-US"/>
+          </a:p>
+        </p:txBody>
+      </p:sp>
     </p:spTree>
     <p:extLst>
       <p:ext uri="{BB962C8B-B14F-4D97-AF65-F5344CB8AC3E}">
@@ -4134,6 +4533,90 @@
 </file>
 
 <file path=ppt/slides/slide12.xml><?xml version="1.0" encoding="utf-8"?>
+<p:sld xmlns:a="http://schemas.openxmlformats.org/drawingml/2006/main" xmlns:r="http://schemas.openxmlformats.org/officeDocument/2006/relationships" xmlns:p="http://schemas.openxmlformats.org/presentationml/2006/main">
+  <p:cSld>
+    <p:spTree>
+      <p:nvGrpSpPr>
+        <p:cNvPr id="1" name=""/>
+        <p:cNvGrpSpPr/>
+        <p:nvPr/>
+      </p:nvGrpSpPr>
+      <p:grpSpPr>
+        <a:xfrm>
+          <a:off x="0" y="0"/>
+          <a:ext cx="0" cy="0"/>
+          <a:chOff x="0" y="0"/>
+          <a:chExt cx="0" cy="0"/>
+        </a:xfrm>
+      </p:grpSpPr>
+      <p:pic>
+        <p:nvPicPr>
+          <p:cNvPr id="3" name="Picture 2"/>
+          <p:cNvPicPr>
+            <a:picLocks noChangeAspect="1"/>
+          </p:cNvPicPr>
+          <p:nvPr/>
+        </p:nvPicPr>
+        <p:blipFill>
+          <a:blip r:embed="rId2"/>
+          <a:stretch>
+            <a:fillRect/>
+          </a:stretch>
+        </p:blipFill>
+        <p:spPr>
+          <a:xfrm>
+            <a:off x="2882684" y="1214091"/>
+            <a:ext cx="5591175" cy="5266621"/>
+          </a:xfrm>
+          <a:prstGeom prst="rect">
+            <a:avLst/>
+          </a:prstGeom>
+        </p:spPr>
+      </p:pic>
+      <p:sp>
+        <p:nvSpPr>
+          <p:cNvPr id="4" name="TextBox 3"/>
+          <p:cNvSpPr txBox="1"/>
+          <p:nvPr/>
+        </p:nvSpPr>
+        <p:spPr>
+          <a:xfrm>
+            <a:off x="3172087" y="596685"/>
+            <a:ext cx="5301772" cy="369332"/>
+          </a:xfrm>
+          <a:prstGeom prst="rect">
+            <a:avLst/>
+          </a:prstGeom>
+          <a:noFill/>
+        </p:spPr>
+        <p:txBody>
+          <a:bodyPr wrap="none" rtlCol="0">
+            <a:spAutoFit/>
+          </a:bodyPr>
+          <a:lstStyle/>
+          <a:p>
+            <a:r>
+              <a:rPr lang="en-US" dirty="0" smtClean="0"/>
+              <a:t>Run 34, shows that this CV spike is in North and South:</a:t>
+            </a:r>
+            <a:endParaRPr lang="en-US" dirty="0"/>
+          </a:p>
+        </p:txBody>
+      </p:sp>
+    </p:spTree>
+    <p:extLst>
+      <p:ext uri="{BB962C8B-B14F-4D97-AF65-F5344CB8AC3E}">
+        <p14:creationId xmlns:p14="http://schemas.microsoft.com/office/powerpoint/2010/main" val="2129950172"/>
+      </p:ext>
+    </p:extLst>
+  </p:cSld>
+  <p:clrMapOvr>
+    <a:masterClrMapping/>
+  </p:clrMapOvr>
+</p:sld>
+</file>
+
+<file path=ppt/slides/slide13.xml><?xml version="1.0" encoding="utf-8"?>
 <p:sld xmlns:a="http://schemas.openxmlformats.org/drawingml/2006/main" xmlns:r="http://schemas.openxmlformats.org/officeDocument/2006/relationships" xmlns:p="http://schemas.openxmlformats.org/presentationml/2006/main">
   <p:cSld>
     <p:spTree>
@@ -4200,7 +4683,7 @@
 </p:sld>
 </file>
 
-<file path=ppt/slides/slide13.xml><?xml version="1.0" encoding="utf-8"?>
+<file path=ppt/slides/slide14.xml><?xml version="1.0" encoding="utf-8"?>
 <p:sld xmlns:a="http://schemas.openxmlformats.org/drawingml/2006/main" xmlns:r="http://schemas.openxmlformats.org/officeDocument/2006/relationships" xmlns:p="http://schemas.openxmlformats.org/presentationml/2006/main">
   <p:cSld>
     <p:spTree>
@@ -4267,7 +4750,7 @@
 </p:sld>
 </file>
 
-<file path=ppt/slides/slide14.xml><?xml version="1.0" encoding="utf-8"?>
+<file path=ppt/slides/slide15.xml><?xml version="1.0" encoding="utf-8"?>
 <p:sld xmlns:a="http://schemas.openxmlformats.org/drawingml/2006/main" xmlns:r="http://schemas.openxmlformats.org/officeDocument/2006/relationships" xmlns:p="http://schemas.openxmlformats.org/presentationml/2006/main">
   <p:cSld>
     <p:spTree>
@@ -4334,7 +4817,7 @@
 </p:sld>
 </file>
 
-<file path=ppt/slides/slide15.xml><?xml version="1.0" encoding="utf-8"?>
+<file path=ppt/slides/slide16.xml><?xml version="1.0" encoding="utf-8"?>
 <p:sld xmlns:a="http://schemas.openxmlformats.org/drawingml/2006/main" xmlns:r="http://schemas.openxmlformats.org/officeDocument/2006/relationships" xmlns:p="http://schemas.openxmlformats.org/presentationml/2006/main">
   <p:cSld>
     <p:spTree>
@@ -4401,7 +4884,7 @@
 </p:sld>
 </file>
 
-<file path=ppt/slides/slide16.xml><?xml version="1.0" encoding="utf-8"?>
+<file path=ppt/slides/slide17.xml><?xml version="1.0" encoding="utf-8"?>
 <p:sld xmlns:a="http://schemas.openxmlformats.org/drawingml/2006/main" xmlns:r="http://schemas.openxmlformats.org/officeDocument/2006/relationships" xmlns:p="http://schemas.openxmlformats.org/presentationml/2006/main">
   <p:cSld>
     <p:spTree>
@@ -4468,7 +4951,7 @@
 </p:sld>
 </file>
 
-<file path=ppt/slides/slide17.xml><?xml version="1.0" encoding="utf-8"?>
+<file path=ppt/slides/slide18.xml><?xml version="1.0" encoding="utf-8"?>
 <p:sld xmlns:a="http://schemas.openxmlformats.org/drawingml/2006/main" xmlns:r="http://schemas.openxmlformats.org/officeDocument/2006/relationships" xmlns:p="http://schemas.openxmlformats.org/presentationml/2006/main">
   <p:cSld>
     <p:spTree>
@@ -4535,7 +5018,7 @@
 </p:sld>
 </file>
 
-<file path=ppt/slides/slide18.xml><?xml version="1.0" encoding="utf-8"?>
+<file path=ppt/slides/slide19.xml><?xml version="1.0" encoding="utf-8"?>
 <p:sld xmlns:a="http://schemas.openxmlformats.org/drawingml/2006/main" xmlns:r="http://schemas.openxmlformats.org/officeDocument/2006/relationships" xmlns:p="http://schemas.openxmlformats.org/presentationml/2006/main">
   <p:cSld>
     <p:spTree>
@@ -4586,73 +5069,6 @@
     <p:extLst>
       <p:ext uri="{BB962C8B-B14F-4D97-AF65-F5344CB8AC3E}">
         <p14:creationId xmlns:p14="http://schemas.microsoft.com/office/powerpoint/2010/main" val="2867361759"/>
-      </p:ext>
-    </p:extLst>
-  </p:cSld>
-  <p:clrMapOvr>
-    <a:masterClrMapping/>
-  </p:clrMapOvr>
-  <p:timing>
-    <p:tnLst>
-      <p:par>
-        <p:cTn id="1" dur="indefinite" restart="never" nodeType="tmRoot"/>
-      </p:par>
-    </p:tnLst>
-  </p:timing>
-</p:sld>
-</file>
-
-<file path=ppt/slides/slide19.xml><?xml version="1.0" encoding="utf-8"?>
-<p:sld xmlns:a="http://schemas.openxmlformats.org/drawingml/2006/main" xmlns:r="http://schemas.openxmlformats.org/officeDocument/2006/relationships" xmlns:p="http://schemas.openxmlformats.org/presentationml/2006/main">
-  <p:cSld>
-    <p:spTree>
-      <p:nvGrpSpPr>
-        <p:cNvPr id="1" name=""/>
-        <p:cNvGrpSpPr/>
-        <p:nvPr/>
-      </p:nvGrpSpPr>
-      <p:grpSpPr>
-        <a:xfrm>
-          <a:off x="0" y="0"/>
-          <a:ext cx="0" cy="0"/>
-          <a:chOff x="0" y="0"/>
-          <a:chExt cx="0" cy="0"/>
-        </a:xfrm>
-      </p:grpSpPr>
-      <p:pic>
-        <p:nvPicPr>
-          <p:cNvPr id="2" name="Picture 1"/>
-          <p:cNvPicPr>
-            <a:picLocks noChangeAspect="1"/>
-          </p:cNvPicPr>
-          <p:nvPr/>
-        </p:nvPicPr>
-        <p:blipFill>
-          <a:blip r:embed="rId2">
-            <a:extLst>
-              <a:ext uri="{28A0092B-C50C-407E-A947-70E740481C1C}">
-                <a14:useLocalDpi xmlns:a14="http://schemas.microsoft.com/office/drawing/2010/main" val="0"/>
-              </a:ext>
-            </a:extLst>
-          </a:blip>
-          <a:stretch>
-            <a:fillRect/>
-          </a:stretch>
-        </p:blipFill>
-        <p:spPr>
-          <a:xfrm>
-            <a:off x="2667000" y="0"/>
-            <a:ext cx="6858000" cy="6858000"/>
-          </a:xfrm>
-          <a:prstGeom prst="rect">
-            <a:avLst/>
-          </a:prstGeom>
-        </p:spPr>
-      </p:pic>
-    </p:spTree>
-    <p:extLst>
-      <p:ext uri="{BB962C8B-B14F-4D97-AF65-F5344CB8AC3E}">
-        <p14:creationId xmlns:p14="http://schemas.microsoft.com/office/powerpoint/2010/main" val="2607012505"/>
       </p:ext>
     </p:extLst>
   </p:cSld>
@@ -4843,7 +5259,7 @@
     </p:spTree>
     <p:extLst>
       <p:ext uri="{BB962C8B-B14F-4D97-AF65-F5344CB8AC3E}">
-        <p14:creationId xmlns:p14="http://schemas.microsoft.com/office/powerpoint/2010/main" val="561156797"/>
+        <p14:creationId xmlns:p14="http://schemas.microsoft.com/office/powerpoint/2010/main" val="2607012505"/>
       </p:ext>
     </p:extLst>
   </p:cSld>
@@ -4910,7 +5326,7 @@
     </p:spTree>
     <p:extLst>
       <p:ext uri="{BB962C8B-B14F-4D97-AF65-F5344CB8AC3E}">
-        <p14:creationId xmlns:p14="http://schemas.microsoft.com/office/powerpoint/2010/main" val="744264266"/>
+        <p14:creationId xmlns:p14="http://schemas.microsoft.com/office/powerpoint/2010/main" val="561156797"/>
       </p:ext>
     </p:extLst>
   </p:cSld>
@@ -4977,7 +5393,7 @@
     </p:spTree>
     <p:extLst>
       <p:ext uri="{BB962C8B-B14F-4D97-AF65-F5344CB8AC3E}">
-        <p14:creationId xmlns:p14="http://schemas.microsoft.com/office/powerpoint/2010/main" val="2082591535"/>
+        <p14:creationId xmlns:p14="http://schemas.microsoft.com/office/powerpoint/2010/main" val="744264266"/>
       </p:ext>
     </p:extLst>
   </p:cSld>
@@ -5044,7 +5460,7 @@
     </p:spTree>
     <p:extLst>
       <p:ext uri="{BB962C8B-B14F-4D97-AF65-F5344CB8AC3E}">
-        <p14:creationId xmlns:p14="http://schemas.microsoft.com/office/powerpoint/2010/main" val="2092244529"/>
+        <p14:creationId xmlns:p14="http://schemas.microsoft.com/office/powerpoint/2010/main" val="2082591535"/>
       </p:ext>
     </p:extLst>
   </p:cSld>
@@ -5111,7 +5527,7 @@
     </p:spTree>
     <p:extLst>
       <p:ext uri="{BB962C8B-B14F-4D97-AF65-F5344CB8AC3E}">
-        <p14:creationId xmlns:p14="http://schemas.microsoft.com/office/powerpoint/2010/main" val="2403155380"/>
+        <p14:creationId xmlns:p14="http://schemas.microsoft.com/office/powerpoint/2010/main" val="2092244529"/>
       </p:ext>
     </p:extLst>
   </p:cSld>
@@ -5178,7 +5594,7 @@
     </p:spTree>
     <p:extLst>
       <p:ext uri="{BB962C8B-B14F-4D97-AF65-F5344CB8AC3E}">
-        <p14:creationId xmlns:p14="http://schemas.microsoft.com/office/powerpoint/2010/main" val="3366171140"/>
+        <p14:creationId xmlns:p14="http://schemas.microsoft.com/office/powerpoint/2010/main" val="2403155380"/>
       </p:ext>
     </p:extLst>
   </p:cSld>
@@ -5245,7 +5661,7 @@
     </p:spTree>
     <p:extLst>
       <p:ext uri="{BB962C8B-B14F-4D97-AF65-F5344CB8AC3E}">
-        <p14:creationId xmlns:p14="http://schemas.microsoft.com/office/powerpoint/2010/main" val="2582873375"/>
+        <p14:creationId xmlns:p14="http://schemas.microsoft.com/office/powerpoint/2010/main" val="3366171140"/>
       </p:ext>
     </p:extLst>
   </p:cSld>
@@ -5312,6 +5728,73 @@
     </p:spTree>
     <p:extLst>
       <p:ext uri="{BB962C8B-B14F-4D97-AF65-F5344CB8AC3E}">
+        <p14:creationId xmlns:p14="http://schemas.microsoft.com/office/powerpoint/2010/main" val="2582873375"/>
+      </p:ext>
+    </p:extLst>
+  </p:cSld>
+  <p:clrMapOvr>
+    <a:masterClrMapping/>
+  </p:clrMapOvr>
+  <p:timing>
+    <p:tnLst>
+      <p:par>
+        <p:cTn id="1" dur="indefinite" restart="never" nodeType="tmRoot"/>
+      </p:par>
+    </p:tnLst>
+  </p:timing>
+</p:sld>
+</file>
+
+<file path=ppt/slides/slide28.xml><?xml version="1.0" encoding="utf-8"?>
+<p:sld xmlns:a="http://schemas.openxmlformats.org/drawingml/2006/main" xmlns:r="http://schemas.openxmlformats.org/officeDocument/2006/relationships" xmlns:p="http://schemas.openxmlformats.org/presentationml/2006/main">
+  <p:cSld>
+    <p:spTree>
+      <p:nvGrpSpPr>
+        <p:cNvPr id="1" name=""/>
+        <p:cNvGrpSpPr/>
+        <p:nvPr/>
+      </p:nvGrpSpPr>
+      <p:grpSpPr>
+        <a:xfrm>
+          <a:off x="0" y="0"/>
+          <a:ext cx="0" cy="0"/>
+          <a:chOff x="0" y="0"/>
+          <a:chExt cx="0" cy="0"/>
+        </a:xfrm>
+      </p:grpSpPr>
+      <p:pic>
+        <p:nvPicPr>
+          <p:cNvPr id="2" name="Picture 1"/>
+          <p:cNvPicPr>
+            <a:picLocks noChangeAspect="1"/>
+          </p:cNvPicPr>
+          <p:nvPr/>
+        </p:nvPicPr>
+        <p:blipFill>
+          <a:blip r:embed="rId2">
+            <a:extLst>
+              <a:ext uri="{28A0092B-C50C-407E-A947-70E740481C1C}">
+                <a14:useLocalDpi xmlns:a14="http://schemas.microsoft.com/office/drawing/2010/main" val="0"/>
+              </a:ext>
+            </a:extLst>
+          </a:blip>
+          <a:stretch>
+            <a:fillRect/>
+          </a:stretch>
+        </p:blipFill>
+        <p:spPr>
+          <a:xfrm>
+            <a:off x="2667000" y="0"/>
+            <a:ext cx="6858000" cy="6858000"/>
+          </a:xfrm>
+          <a:prstGeom prst="rect">
+            <a:avLst/>
+          </a:prstGeom>
+        </p:spPr>
+      </p:pic>
+    </p:spTree>
+    <p:extLst>
+      <p:ext uri="{BB962C8B-B14F-4D97-AF65-F5344CB8AC3E}">
         <p14:creationId xmlns:p14="http://schemas.microsoft.com/office/powerpoint/2010/main" val="4260679195"/>
       </p:ext>
     </p:extLst>
@@ -5329,7 +5812,7 @@
 </p:sld>
 </file>
 
-<file path=ppt/slides/slide28.xml><?xml version="1.0" encoding="utf-8"?>
+<file path=ppt/slides/slide29.xml><?xml version="1.0" encoding="utf-8"?>
 <p:sld xmlns:a="http://schemas.openxmlformats.org/drawingml/2006/main" xmlns:r="http://schemas.openxmlformats.org/officeDocument/2006/relationships" xmlns:p="http://schemas.openxmlformats.org/presentationml/2006/main">
   <p:cSld>
     <p:spTree>
@@ -5380,109 +5863,6 @@
     <p:extLst>
       <p:ext uri="{BB962C8B-B14F-4D97-AF65-F5344CB8AC3E}">
         <p14:creationId xmlns:p14="http://schemas.microsoft.com/office/powerpoint/2010/main" val="585918496"/>
-      </p:ext>
-    </p:extLst>
-  </p:cSld>
-  <p:clrMapOvr>
-    <a:masterClrMapping/>
-  </p:clrMapOvr>
-  <p:timing>
-    <p:tnLst>
-      <p:par>
-        <p:cTn id="1" dur="indefinite" restart="never" nodeType="tmRoot"/>
-      </p:par>
-    </p:tnLst>
-  </p:timing>
-</p:sld>
-</file>
-
-<file path=ppt/slides/slide29.xml><?xml version="1.0" encoding="utf-8"?>
-<p:sld xmlns:a="http://schemas.openxmlformats.org/drawingml/2006/main" xmlns:r="http://schemas.openxmlformats.org/officeDocument/2006/relationships" xmlns:p="http://schemas.openxmlformats.org/presentationml/2006/main">
-  <p:cSld>
-    <p:spTree>
-      <p:nvGrpSpPr>
-        <p:cNvPr id="1" name=""/>
-        <p:cNvGrpSpPr/>
-        <p:nvPr/>
-      </p:nvGrpSpPr>
-      <p:grpSpPr>
-        <a:xfrm>
-          <a:off x="0" y="0"/>
-          <a:ext cx="0" cy="0"/>
-          <a:chOff x="0" y="0"/>
-          <a:chExt cx="0" cy="0"/>
-        </a:xfrm>
-      </p:grpSpPr>
-      <p:sp>
-        <p:nvSpPr>
-          <p:cNvPr id="2" name="Title 1"/>
-          <p:cNvSpPr>
-            <a:spLocks noGrp="1"/>
-          </p:cNvSpPr>
-          <p:nvPr>
-            <p:ph type="title"/>
-          </p:nvPr>
-        </p:nvSpPr>
-        <p:spPr/>
-        <p:txBody>
-          <a:bodyPr/>
-          <a:lstStyle/>
-          <a:p>
-            <a:r>
-              <a:rPr lang="en-US" dirty="0" smtClean="0"/>
-              <a:t>Conclusions about Sensitivity Test</a:t>
-            </a:r>
-            <a:endParaRPr lang="en-US" dirty="0"/>
-          </a:p>
-        </p:txBody>
-      </p:sp>
-      <p:sp>
-        <p:nvSpPr>
-          <p:cNvPr id="3" name="Content Placeholder 2"/>
-          <p:cNvSpPr>
-            <a:spLocks noGrp="1"/>
-          </p:cNvSpPr>
-          <p:nvPr>
-            <p:ph idx="1"/>
-          </p:nvPr>
-        </p:nvSpPr>
-        <p:spPr/>
-        <p:txBody>
-          <a:bodyPr/>
-          <a:lstStyle/>
-          <a:p>
-            <a:r>
-              <a:rPr lang="en-US" dirty="0" smtClean="0"/>
-              <a:t>When the model is fit using the individual indices, there’s a higher recruitment estimated in the north</a:t>
-            </a:r>
-          </a:p>
-          <a:p>
-            <a:r>
-              <a:rPr lang="en-US" dirty="0" smtClean="0"/>
-              <a:t>This causes a higher SSB estimated as well</a:t>
-            </a:r>
-          </a:p>
-          <a:p>
-            <a:r>
-              <a:rPr lang="en-US" dirty="0" smtClean="0"/>
-              <a:t>Some of the indices fit better </a:t>
-            </a:r>
-            <a:r>
-              <a:rPr lang="en-US" smtClean="0"/>
-              <a:t>than others, </a:t>
-            </a:r>
-            <a:r>
-              <a:rPr lang="en-US" dirty="0" smtClean="0"/>
-              <a:t>because of their assumed CV</a:t>
-            </a:r>
-            <a:endParaRPr lang="en-US" dirty="0"/>
-          </a:p>
-        </p:txBody>
-      </p:sp>
-    </p:spTree>
-    <p:extLst>
-      <p:ext uri="{BB962C8B-B14F-4D97-AF65-F5344CB8AC3E}">
-        <p14:creationId xmlns:p14="http://schemas.microsoft.com/office/powerpoint/2010/main" val="149695505"/>
       </p:ext>
     </p:extLst>
   </p:cSld>
@@ -6968,6 +7348,109 @@
 <file path=ppt/slides/slide33.xml><?xml version="1.0" encoding="utf-8"?>
 <p:sld xmlns:a="http://schemas.openxmlformats.org/drawingml/2006/main" xmlns:r="http://schemas.openxmlformats.org/officeDocument/2006/relationships" xmlns:p="http://schemas.openxmlformats.org/presentationml/2006/main">
   <p:cSld>
+    <p:spTree>
+      <p:nvGrpSpPr>
+        <p:cNvPr id="1" name=""/>
+        <p:cNvGrpSpPr/>
+        <p:nvPr/>
+      </p:nvGrpSpPr>
+      <p:grpSpPr>
+        <a:xfrm>
+          <a:off x="0" y="0"/>
+          <a:ext cx="0" cy="0"/>
+          <a:chOff x="0" y="0"/>
+          <a:chExt cx="0" cy="0"/>
+        </a:xfrm>
+      </p:grpSpPr>
+      <p:sp>
+        <p:nvSpPr>
+          <p:cNvPr id="2" name="Title 1"/>
+          <p:cNvSpPr>
+            <a:spLocks noGrp="1"/>
+          </p:cNvSpPr>
+          <p:nvPr>
+            <p:ph type="title"/>
+          </p:nvPr>
+        </p:nvSpPr>
+        <p:spPr/>
+        <p:txBody>
+          <a:bodyPr/>
+          <a:lstStyle/>
+          <a:p>
+            <a:r>
+              <a:rPr lang="en-US" dirty="0" smtClean="0"/>
+              <a:t>Conclusions about Sensitivity Test</a:t>
+            </a:r>
+            <a:endParaRPr lang="en-US" dirty="0"/>
+          </a:p>
+        </p:txBody>
+      </p:sp>
+      <p:sp>
+        <p:nvSpPr>
+          <p:cNvPr id="3" name="Content Placeholder 2"/>
+          <p:cNvSpPr>
+            <a:spLocks noGrp="1"/>
+          </p:cNvSpPr>
+          <p:nvPr>
+            <p:ph idx="1"/>
+          </p:nvPr>
+        </p:nvSpPr>
+        <p:spPr/>
+        <p:txBody>
+          <a:bodyPr/>
+          <a:lstStyle/>
+          <a:p>
+            <a:r>
+              <a:rPr lang="en-US" dirty="0" smtClean="0"/>
+              <a:t>When the model is fit using the individual indices, there’s a higher recruitment estimated in the north</a:t>
+            </a:r>
+          </a:p>
+          <a:p>
+            <a:r>
+              <a:rPr lang="en-US" dirty="0" smtClean="0"/>
+              <a:t>This causes a higher SSB estimated as well</a:t>
+            </a:r>
+          </a:p>
+          <a:p>
+            <a:r>
+              <a:rPr lang="en-US" dirty="0" smtClean="0"/>
+              <a:t>Some of the indices fit better </a:t>
+            </a:r>
+            <a:r>
+              <a:rPr lang="en-US" smtClean="0"/>
+              <a:t>than others, </a:t>
+            </a:r>
+            <a:r>
+              <a:rPr lang="en-US" dirty="0" smtClean="0"/>
+              <a:t>because of their assumed CV</a:t>
+            </a:r>
+            <a:endParaRPr lang="en-US" dirty="0"/>
+          </a:p>
+        </p:txBody>
+      </p:sp>
+    </p:spTree>
+    <p:extLst>
+      <p:ext uri="{BB962C8B-B14F-4D97-AF65-F5344CB8AC3E}">
+        <p14:creationId xmlns:p14="http://schemas.microsoft.com/office/powerpoint/2010/main" val="149695505"/>
+      </p:ext>
+    </p:extLst>
+  </p:cSld>
+  <p:clrMapOvr>
+    <a:masterClrMapping/>
+  </p:clrMapOvr>
+  <p:timing>
+    <p:tnLst>
+      <p:par>
+        <p:cTn id="1" dur="indefinite" restart="never" nodeType="tmRoot"/>
+      </p:par>
+    </p:tnLst>
+  </p:timing>
+</p:sld>
+</file>
+
+<file path=ppt/slides/slide34.xml><?xml version="1.0" encoding="utf-8"?>
+<p:sld xmlns:a="http://schemas.openxmlformats.org/drawingml/2006/main" xmlns:r="http://schemas.openxmlformats.org/officeDocument/2006/relationships" xmlns:p="http://schemas.openxmlformats.org/presentationml/2006/main">
+  <p:cSld>
     <p:bg>
       <p:bgPr>
         <a:solidFill>
@@ -7033,7 +7516,7 @@
 </p:sld>
 </file>
 
-<file path=ppt/slides/slide34.xml><?xml version="1.0" encoding="utf-8"?>
+<file path=ppt/slides/slide35.xml><?xml version="1.0" encoding="utf-8"?>
 <p:sld xmlns:a="http://schemas.openxmlformats.org/drawingml/2006/main" xmlns:r="http://schemas.openxmlformats.org/officeDocument/2006/relationships" xmlns:p="http://schemas.openxmlformats.org/presentationml/2006/main">
   <p:cSld>
     <p:spTree>
@@ -7186,121 +7669,6 @@
 </p:sld>
 </file>
 
-<file path=ppt/slides/slide35.xml><?xml version="1.0" encoding="utf-8"?>
-<p:sld xmlns:a="http://schemas.openxmlformats.org/drawingml/2006/main" xmlns:r="http://schemas.openxmlformats.org/officeDocument/2006/relationships" xmlns:p="http://schemas.openxmlformats.org/presentationml/2006/main">
-  <p:cSld>
-    <p:spTree>
-      <p:nvGrpSpPr>
-        <p:cNvPr id="1" name=""/>
-        <p:cNvGrpSpPr/>
-        <p:nvPr/>
-      </p:nvGrpSpPr>
-      <p:grpSpPr>
-        <a:xfrm>
-          <a:off x="0" y="0"/>
-          <a:ext cx="0" cy="0"/>
-          <a:chOff x="0" y="0"/>
-          <a:chExt cx="0" cy="0"/>
-        </a:xfrm>
-      </p:grpSpPr>
-      <p:sp>
-        <p:nvSpPr>
-          <p:cNvPr id="2" name="Title 1"/>
-          <p:cNvSpPr>
-            <a:spLocks noGrp="1"/>
-          </p:cNvSpPr>
-          <p:nvPr>
-            <p:ph type="title"/>
-          </p:nvPr>
-        </p:nvSpPr>
-        <p:spPr/>
-        <p:txBody>
-          <a:bodyPr/>
-          <a:lstStyle/>
-          <a:p>
-            <a:r>
-              <a:rPr lang="en-US" dirty="0" smtClean="0"/>
-              <a:t>Options for Sensitivity Item 1</a:t>
-            </a:r>
-            <a:endParaRPr lang="en-US" dirty="0"/>
-          </a:p>
-        </p:txBody>
-      </p:sp>
-      <p:sp>
-        <p:nvSpPr>
-          <p:cNvPr id="3" name="Content Placeholder 2"/>
-          <p:cNvSpPr>
-            <a:spLocks noGrp="1"/>
-          </p:cNvSpPr>
-          <p:nvPr>
-            <p:ph idx="1"/>
-          </p:nvPr>
-        </p:nvSpPr>
-        <p:spPr/>
-        <p:txBody>
-          <a:bodyPr/>
-          <a:lstStyle/>
-          <a:p>
-            <a:pPr marL="514350" indent="-514350">
-              <a:buFont typeface="+mj-lt"/>
-              <a:buAutoNum type="arabicPeriod"/>
-            </a:pPr>
-            <a:r>
-              <a:rPr lang="en-US" dirty="0"/>
-              <a:t>Estimate </a:t>
-            </a:r>
-            <a:r>
-              <a:rPr lang="en-US" dirty="0" smtClean="0"/>
-              <a:t>age-independent </a:t>
-            </a:r>
-            <a:r>
-              <a:rPr lang="en-US" dirty="0" smtClean="0"/>
-              <a:t>M</a:t>
-            </a:r>
-          </a:p>
-          <a:p>
-            <a:pPr marL="514350" indent="-514350">
-              <a:buFont typeface="+mj-lt"/>
-              <a:buAutoNum type="arabicPeriod"/>
-            </a:pPr>
-            <a:r>
-              <a:rPr lang="en-US" dirty="0" smtClean="0"/>
-              <a:t>Fix M at higher or lower </a:t>
-            </a:r>
-            <a:r>
-              <a:rPr lang="en-US" dirty="0" smtClean="0"/>
-              <a:t>values </a:t>
-            </a:r>
-            <a:r>
-              <a:rPr lang="en-US" dirty="0" smtClean="0"/>
-              <a:t>than was used in Run 34</a:t>
-            </a:r>
-          </a:p>
-          <a:p>
-            <a:pPr marL="514350" indent="-514350">
-              <a:buFont typeface="+mj-lt"/>
-              <a:buAutoNum type="arabicPeriod"/>
-            </a:pPr>
-            <a:r>
-              <a:rPr lang="en-US" dirty="0" smtClean="0"/>
-              <a:t>Fix age-dependent M</a:t>
-            </a:r>
-          </a:p>
-        </p:txBody>
-      </p:sp>
-    </p:spTree>
-    <p:extLst>
-      <p:ext uri="{BB962C8B-B14F-4D97-AF65-F5344CB8AC3E}">
-        <p14:creationId xmlns:p14="http://schemas.microsoft.com/office/powerpoint/2010/main" val="2685896087"/>
-      </p:ext>
-    </p:extLst>
-  </p:cSld>
-  <p:clrMapOvr>
-    <a:masterClrMapping/>
-  </p:clrMapOvr>
-</p:sld>
-</file>
-
 <file path=ppt/slides/slide36.xml><?xml version="1.0" encoding="utf-8"?>
 <p:sld xmlns:a="http://schemas.openxmlformats.org/drawingml/2006/main" xmlns:r="http://schemas.openxmlformats.org/officeDocument/2006/relationships" xmlns:p="http://schemas.openxmlformats.org/presentationml/2006/main">
   <p:cSld>
@@ -7366,11 +7734,7 @@
             </a:r>
             <a:r>
               <a:rPr lang="en-US" dirty="0" smtClean="0"/>
-              <a:t>age-independent </a:t>
-            </a:r>
-            <a:r>
-              <a:rPr lang="en-US" dirty="0" smtClean="0"/>
-              <a:t>M</a:t>
+              <a:t>age-independent M</a:t>
             </a:r>
           </a:p>
           <a:p>
@@ -7379,34 +7743,8 @@
               <a:buAutoNum type="arabicPeriod"/>
             </a:pPr>
             <a:r>
-              <a:rPr lang="en-US" dirty="0" smtClean="0">
-                <a:solidFill>
-                  <a:schemeClr val="bg2">
-                    <a:lumMod val="90000"/>
-                  </a:schemeClr>
-                </a:solidFill>
-              </a:rPr>
-              <a:t>Fix M at higher or lower </a:t>
-            </a:r>
-            <a:r>
-              <a:rPr lang="en-US" dirty="0" smtClean="0">
-                <a:solidFill>
-                  <a:schemeClr val="bg2">
-                    <a:lumMod val="90000"/>
-                  </a:schemeClr>
-                </a:solidFill>
-              </a:rPr>
-              <a:t>values </a:t>
-            </a:r>
-            <a:r>
-              <a:rPr lang="en-US" dirty="0" smtClean="0">
-                <a:solidFill>
-                  <a:schemeClr val="bg2">
-                    <a:lumMod val="90000"/>
-                  </a:schemeClr>
-                </a:solidFill>
-              </a:rPr>
-              <a:t>than was used in Run 34</a:t>
+              <a:rPr lang="en-US" dirty="0" smtClean="0"/>
+              <a:t>Fix M at higher or lower values than was used in Run 34</a:t>
             </a:r>
           </a:p>
           <a:p>
@@ -7415,13 +7753,7 @@
               <a:buAutoNum type="arabicPeriod"/>
             </a:pPr>
             <a:r>
-              <a:rPr lang="en-US" dirty="0" smtClean="0">
-                <a:solidFill>
-                  <a:schemeClr val="bg2">
-                    <a:lumMod val="90000"/>
-                  </a:schemeClr>
-                </a:solidFill>
-              </a:rPr>
+              <a:rPr lang="en-US" dirty="0" smtClean="0"/>
               <a:t>Fix age-dependent M</a:t>
             </a:r>
           </a:p>
@@ -7430,7 +7762,7 @@
     </p:spTree>
     <p:extLst>
       <p:ext uri="{BB962C8B-B14F-4D97-AF65-F5344CB8AC3E}">
-        <p14:creationId xmlns:p14="http://schemas.microsoft.com/office/powerpoint/2010/main" val="1510165682"/>
+        <p14:creationId xmlns:p14="http://schemas.microsoft.com/office/powerpoint/2010/main" val="2685896087"/>
       </p:ext>
     </p:extLst>
   </p:cSld>
@@ -7459,7 +7791,7 @@
       </p:grpSpPr>
       <p:sp>
         <p:nvSpPr>
-          <p:cNvPr id="4" name="Title 3"/>
+          <p:cNvPr id="2" name="Title 1"/>
           <p:cNvSpPr>
             <a:spLocks noGrp="1"/>
           </p:cNvSpPr>
@@ -7474,11 +7806,7 @@
           <a:p>
             <a:r>
               <a:rPr lang="en-US" dirty="0" smtClean="0"/>
-              <a:t>Run </a:t>
-            </a:r>
-            <a:r>
-              <a:rPr lang="en-US" dirty="0" smtClean="0"/>
-              <a:t>35-36 (Option 1) </a:t>
+              <a:t>Options for Sensitivity Item 1</a:t>
             </a:r>
             <a:endParaRPr lang="en-US" dirty="0"/>
           </a:p>
@@ -7486,12 +7814,12 @@
       </p:sp>
       <p:sp>
         <p:nvSpPr>
-          <p:cNvPr id="5" name="Text Placeholder 4"/>
+          <p:cNvPr id="3" name="Content Placeholder 2"/>
           <p:cNvSpPr>
             <a:spLocks noGrp="1"/>
           </p:cNvSpPr>
           <p:nvPr>
-            <p:ph type="body" idx="1"/>
+            <p:ph idx="1"/>
           </p:nvPr>
         </p:nvSpPr>
         <p:spPr/>
@@ -7499,1030 +7827,57 @@
           <a:bodyPr/>
           <a:lstStyle/>
           <a:p>
+            <a:pPr marL="514350" indent="-514350">
+              <a:buFont typeface="+mj-lt"/>
+              <a:buAutoNum type="arabicPeriod"/>
+            </a:pPr>
+            <a:r>
+              <a:rPr lang="en-US" dirty="0"/>
+              <a:t>Estimate </a:t>
+            </a:r>
             <a:r>
               <a:rPr lang="en-US" dirty="0" smtClean="0"/>
-              <a:t>Run 34</a:t>
-            </a:r>
-            <a:endParaRPr lang="en-US" dirty="0"/>
-          </a:p>
-        </p:txBody>
-      </p:sp>
-      <p:sp>
-        <p:nvSpPr>
-          <p:cNvPr id="6" name="Content Placeholder 5"/>
-          <p:cNvSpPr>
-            <a:spLocks noGrp="1"/>
-          </p:cNvSpPr>
-          <p:nvPr>
-            <p:ph sz="half" idx="2"/>
-          </p:nvPr>
-        </p:nvSpPr>
-        <p:spPr/>
-        <p:txBody>
-          <a:bodyPr>
-            <a:normAutofit/>
-          </a:bodyPr>
-          <a:lstStyle/>
-          <a:p>
-            <a:r>
-              <a:rPr lang="en-US" dirty="0" smtClean="0"/>
-              <a:t>Age-invariant M fixed at 0.4</a:t>
-            </a:r>
-            <a:endParaRPr lang="en-US" dirty="0" smtClean="0">
-              <a:solidFill>
-                <a:schemeClr val="accent4">
-                  <a:lumMod val="75000"/>
-                </a:schemeClr>
-              </a:solidFill>
-            </a:endParaRPr>
-          </a:p>
-        </p:txBody>
-      </p:sp>
-      <p:sp>
-        <p:nvSpPr>
-          <p:cNvPr id="7" name="Text Placeholder 6"/>
-          <p:cNvSpPr>
-            <a:spLocks noGrp="1"/>
-          </p:cNvSpPr>
-          <p:nvPr>
-            <p:ph type="body" sz="quarter" idx="3"/>
-          </p:nvPr>
-        </p:nvSpPr>
-        <p:spPr>
-          <a:xfrm>
-            <a:off x="6172200" y="2053525"/>
-            <a:ext cx="1390973" cy="451550"/>
-          </a:xfrm>
-        </p:spPr>
-        <p:txBody>
-          <a:bodyPr/>
-          <a:lstStyle/>
-          <a:p>
-            <a:r>
-              <a:rPr lang="en-US" dirty="0" smtClean="0"/>
-              <a:t>Run 35</a:t>
-            </a:r>
-            <a:endParaRPr lang="en-US" dirty="0"/>
-          </a:p>
-        </p:txBody>
-      </p:sp>
-      <p:sp>
-        <p:nvSpPr>
-          <p:cNvPr id="8" name="Content Placeholder 7"/>
-          <p:cNvSpPr>
-            <a:spLocks noGrp="1"/>
-          </p:cNvSpPr>
-          <p:nvPr>
-            <p:ph sz="quarter" idx="4"/>
-          </p:nvPr>
-        </p:nvSpPr>
-        <p:spPr>
-          <a:xfrm>
-            <a:off x="6172199" y="2505075"/>
-            <a:ext cx="4539343" cy="814386"/>
-          </a:xfrm>
-        </p:spPr>
-        <p:txBody>
-          <a:bodyPr>
-            <a:noAutofit/>
-          </a:bodyPr>
-          <a:lstStyle/>
-          <a:p>
+              <a:t>age-independent M</a:t>
+            </a:r>
+          </a:p>
+          <a:p>
+            <a:pPr marL="514350" indent="-514350">
+              <a:buFont typeface="+mj-lt"/>
+              <a:buAutoNum type="arabicPeriod"/>
+            </a:pPr>
             <a:r>
               <a:rPr lang="en-US" dirty="0" smtClean="0">
                 <a:solidFill>
-                  <a:schemeClr val="accent4">
-                    <a:lumMod val="75000"/>
+                  <a:schemeClr val="bg2">
+                    <a:lumMod val="90000"/>
                   </a:schemeClr>
                 </a:solidFill>
               </a:rPr>
-              <a:t>One M </a:t>
-            </a:r>
+              <a:t>Fix M at higher or lower values than was used in Run 34</a:t>
+            </a:r>
+          </a:p>
+          <a:p>
+            <a:pPr marL="514350" indent="-514350">
+              <a:buFont typeface="+mj-lt"/>
+              <a:buAutoNum type="arabicPeriod"/>
+            </a:pPr>
             <a:r>
               <a:rPr lang="en-US" dirty="0" smtClean="0">
                 <a:solidFill>
-                  <a:schemeClr val="accent4">
-                    <a:lumMod val="75000"/>
+                  <a:schemeClr val="bg2">
+                    <a:lumMod val="90000"/>
                   </a:schemeClr>
                 </a:solidFill>
               </a:rPr>
-              <a:t>estimated</a:t>
-            </a:r>
-            <a:r>
-              <a:rPr lang="en-US" dirty="0" smtClean="0">
-                <a:solidFill>
-                  <a:schemeClr val="accent4">
-                    <a:lumMod val="75000"/>
-                  </a:schemeClr>
-                </a:solidFill>
-              </a:rPr>
-              <a:t>: 0.732</a:t>
-            </a:r>
-            <a:endParaRPr lang="en-US" dirty="0" smtClean="0">
-              <a:solidFill>
-                <a:schemeClr val="accent4">
-                  <a:lumMod val="75000"/>
-                </a:schemeClr>
-              </a:solidFill>
-            </a:endParaRPr>
-          </a:p>
-        </p:txBody>
-      </p:sp>
-      <p:sp>
-        <p:nvSpPr>
-          <p:cNvPr id="9" name="Text Placeholder 6"/>
-          <p:cNvSpPr txBox="1">
-            <a:spLocks/>
-          </p:cNvSpPr>
-          <p:nvPr/>
-        </p:nvSpPr>
-        <p:spPr>
-          <a:xfrm>
-            <a:off x="6172200" y="3319462"/>
-            <a:ext cx="1390973" cy="451550"/>
-          </a:xfrm>
-          <a:prstGeom prst="rect">
-            <a:avLst/>
-          </a:prstGeom>
-        </p:spPr>
-        <p:txBody>
-          <a:bodyPr vert="horz" lIns="91440" tIns="45720" rIns="91440" bIns="45720" rtlCol="0" anchor="b">
-            <a:normAutofit/>
-          </a:bodyPr>
-          <a:lstStyle>
-            <a:lvl1pPr marL="0" indent="0" algn="l" defTabSz="914400" rtl="0" eaLnBrk="1" latinLnBrk="0" hangingPunct="1">
-              <a:lnSpc>
-                <a:spcPct val="90000"/>
-              </a:lnSpc>
-              <a:spcBef>
-                <a:spcPts val="1000"/>
-              </a:spcBef>
-              <a:buFont typeface="Arial" panose="020B0604020202020204" pitchFamily="34" charset="0"/>
-              <a:buNone/>
-              <a:defRPr sz="2400" b="1" kern="1200">
-                <a:solidFill>
-                  <a:schemeClr val="tx1"/>
-                </a:solidFill>
-                <a:latin typeface="+mn-lt"/>
-                <a:ea typeface="+mn-ea"/>
-                <a:cs typeface="+mn-cs"/>
-              </a:defRPr>
-            </a:lvl1pPr>
-            <a:lvl2pPr marL="457200" indent="0" algn="l" defTabSz="914400" rtl="0" eaLnBrk="1" latinLnBrk="0" hangingPunct="1">
-              <a:lnSpc>
-                <a:spcPct val="90000"/>
-              </a:lnSpc>
-              <a:spcBef>
-                <a:spcPts val="500"/>
-              </a:spcBef>
-              <a:buFont typeface="Arial" panose="020B0604020202020204" pitchFamily="34" charset="0"/>
-              <a:buNone/>
-              <a:defRPr sz="2000" b="1" kern="1200">
-                <a:solidFill>
-                  <a:schemeClr val="tx1"/>
-                </a:solidFill>
-                <a:latin typeface="+mn-lt"/>
-                <a:ea typeface="+mn-ea"/>
-                <a:cs typeface="+mn-cs"/>
-              </a:defRPr>
-            </a:lvl2pPr>
-            <a:lvl3pPr marL="914400" indent="0" algn="l" defTabSz="914400" rtl="0" eaLnBrk="1" latinLnBrk="0" hangingPunct="1">
-              <a:lnSpc>
-                <a:spcPct val="90000"/>
-              </a:lnSpc>
-              <a:spcBef>
-                <a:spcPts val="500"/>
-              </a:spcBef>
-              <a:buFont typeface="Arial" panose="020B0604020202020204" pitchFamily="34" charset="0"/>
-              <a:buNone/>
-              <a:defRPr sz="1800" b="1" kern="1200">
-                <a:solidFill>
-                  <a:schemeClr val="tx1"/>
-                </a:solidFill>
-                <a:latin typeface="+mn-lt"/>
-                <a:ea typeface="+mn-ea"/>
-                <a:cs typeface="+mn-cs"/>
-              </a:defRPr>
-            </a:lvl3pPr>
-            <a:lvl4pPr marL="1371600" indent="0" algn="l" defTabSz="914400" rtl="0" eaLnBrk="1" latinLnBrk="0" hangingPunct="1">
-              <a:lnSpc>
-                <a:spcPct val="90000"/>
-              </a:lnSpc>
-              <a:spcBef>
-                <a:spcPts val="500"/>
-              </a:spcBef>
-              <a:buFont typeface="Arial" panose="020B0604020202020204" pitchFamily="34" charset="0"/>
-              <a:buNone/>
-              <a:defRPr sz="1600" b="1" kern="1200">
-                <a:solidFill>
-                  <a:schemeClr val="tx1"/>
-                </a:solidFill>
-                <a:latin typeface="+mn-lt"/>
-                <a:ea typeface="+mn-ea"/>
-                <a:cs typeface="+mn-cs"/>
-              </a:defRPr>
-            </a:lvl4pPr>
-            <a:lvl5pPr marL="1828800" indent="0" algn="l" defTabSz="914400" rtl="0" eaLnBrk="1" latinLnBrk="0" hangingPunct="1">
-              <a:lnSpc>
-                <a:spcPct val="90000"/>
-              </a:lnSpc>
-              <a:spcBef>
-                <a:spcPts val="500"/>
-              </a:spcBef>
-              <a:buFont typeface="Arial" panose="020B0604020202020204" pitchFamily="34" charset="0"/>
-              <a:buNone/>
-              <a:defRPr sz="1600" b="1" kern="1200">
-                <a:solidFill>
-                  <a:schemeClr val="tx1"/>
-                </a:solidFill>
-                <a:latin typeface="+mn-lt"/>
-                <a:ea typeface="+mn-ea"/>
-                <a:cs typeface="+mn-cs"/>
-              </a:defRPr>
-            </a:lvl5pPr>
-            <a:lvl6pPr marL="2286000" indent="0" algn="l" defTabSz="914400" rtl="0" eaLnBrk="1" latinLnBrk="0" hangingPunct="1">
-              <a:lnSpc>
-                <a:spcPct val="90000"/>
-              </a:lnSpc>
-              <a:spcBef>
-                <a:spcPts val="500"/>
-              </a:spcBef>
-              <a:buFont typeface="Arial" panose="020B0604020202020204" pitchFamily="34" charset="0"/>
-              <a:buNone/>
-              <a:defRPr sz="1600" b="1" kern="1200">
-                <a:solidFill>
-                  <a:schemeClr val="tx1"/>
-                </a:solidFill>
-                <a:latin typeface="+mn-lt"/>
-                <a:ea typeface="+mn-ea"/>
-                <a:cs typeface="+mn-cs"/>
-              </a:defRPr>
-            </a:lvl6pPr>
-            <a:lvl7pPr marL="2743200" indent="0" algn="l" defTabSz="914400" rtl="0" eaLnBrk="1" latinLnBrk="0" hangingPunct="1">
-              <a:lnSpc>
-                <a:spcPct val="90000"/>
-              </a:lnSpc>
-              <a:spcBef>
-                <a:spcPts val="500"/>
-              </a:spcBef>
-              <a:buFont typeface="Arial" panose="020B0604020202020204" pitchFamily="34" charset="0"/>
-              <a:buNone/>
-              <a:defRPr sz="1600" b="1" kern="1200">
-                <a:solidFill>
-                  <a:schemeClr val="tx1"/>
-                </a:solidFill>
-                <a:latin typeface="+mn-lt"/>
-                <a:ea typeface="+mn-ea"/>
-                <a:cs typeface="+mn-cs"/>
-              </a:defRPr>
-            </a:lvl7pPr>
-            <a:lvl8pPr marL="3200400" indent="0" algn="l" defTabSz="914400" rtl="0" eaLnBrk="1" latinLnBrk="0" hangingPunct="1">
-              <a:lnSpc>
-                <a:spcPct val="90000"/>
-              </a:lnSpc>
-              <a:spcBef>
-                <a:spcPts val="500"/>
-              </a:spcBef>
-              <a:buFont typeface="Arial" panose="020B0604020202020204" pitchFamily="34" charset="0"/>
-              <a:buNone/>
-              <a:defRPr sz="1600" b="1" kern="1200">
-                <a:solidFill>
-                  <a:schemeClr val="tx1"/>
-                </a:solidFill>
-                <a:latin typeface="+mn-lt"/>
-                <a:ea typeface="+mn-ea"/>
-                <a:cs typeface="+mn-cs"/>
-              </a:defRPr>
-            </a:lvl8pPr>
-            <a:lvl9pPr marL="3657600" indent="0" algn="l" defTabSz="914400" rtl="0" eaLnBrk="1" latinLnBrk="0" hangingPunct="1">
-              <a:lnSpc>
-                <a:spcPct val="90000"/>
-              </a:lnSpc>
-              <a:spcBef>
-                <a:spcPts val="500"/>
-              </a:spcBef>
-              <a:buFont typeface="Arial" panose="020B0604020202020204" pitchFamily="34" charset="0"/>
-              <a:buNone/>
-              <a:defRPr sz="1600" b="1" kern="1200">
-                <a:solidFill>
-                  <a:schemeClr val="tx1"/>
-                </a:solidFill>
-                <a:latin typeface="+mn-lt"/>
-                <a:ea typeface="+mn-ea"/>
-                <a:cs typeface="+mn-cs"/>
-              </a:defRPr>
-            </a:lvl9pPr>
-          </a:lstStyle>
-          <a:p>
-            <a:r>
-              <a:rPr lang="en-US" dirty="0" smtClean="0"/>
-              <a:t>Run 36</a:t>
-            </a:r>
-            <a:endParaRPr lang="en-US" dirty="0"/>
-          </a:p>
-        </p:txBody>
-      </p:sp>
-      <p:sp>
-        <p:nvSpPr>
-          <p:cNvPr id="11" name="Content Placeholder 7"/>
-          <p:cNvSpPr txBox="1">
-            <a:spLocks/>
-          </p:cNvSpPr>
-          <p:nvPr/>
-        </p:nvSpPr>
-        <p:spPr>
-          <a:xfrm>
-            <a:off x="6172199" y="3771012"/>
-            <a:ext cx="3490993" cy="501651"/>
-          </a:xfrm>
-          <a:prstGeom prst="rect">
-            <a:avLst/>
-          </a:prstGeom>
-        </p:spPr>
-        <p:txBody>
-          <a:bodyPr vert="horz" lIns="91440" tIns="45720" rIns="91440" bIns="45720" rtlCol="0">
-            <a:normAutofit/>
-          </a:bodyPr>
-          <a:lstStyle>
-            <a:lvl1pPr marL="228600" indent="-228600" algn="l" defTabSz="914400" rtl="0" eaLnBrk="1" latinLnBrk="0" hangingPunct="1">
-              <a:lnSpc>
-                <a:spcPct val="90000"/>
-              </a:lnSpc>
-              <a:spcBef>
-                <a:spcPts val="1000"/>
-              </a:spcBef>
-              <a:buFont typeface="Arial" panose="020B0604020202020204" pitchFamily="34" charset="0"/>
-              <a:buChar char="•"/>
-              <a:defRPr sz="2800" kern="1200">
-                <a:solidFill>
-                  <a:schemeClr val="tx1"/>
-                </a:solidFill>
-                <a:latin typeface="+mn-lt"/>
-                <a:ea typeface="+mn-ea"/>
-                <a:cs typeface="+mn-cs"/>
-              </a:defRPr>
-            </a:lvl1pPr>
-            <a:lvl2pPr marL="685800" indent="-228600" algn="l" defTabSz="914400" rtl="0" eaLnBrk="1" latinLnBrk="0" hangingPunct="1">
-              <a:lnSpc>
-                <a:spcPct val="90000"/>
-              </a:lnSpc>
-              <a:spcBef>
-                <a:spcPts val="500"/>
-              </a:spcBef>
-              <a:buFont typeface="Arial" panose="020B0604020202020204" pitchFamily="34" charset="0"/>
-              <a:buChar char="•"/>
-              <a:defRPr sz="2400" kern="1200">
-                <a:solidFill>
-                  <a:schemeClr val="tx1"/>
-                </a:solidFill>
-                <a:latin typeface="+mn-lt"/>
-                <a:ea typeface="+mn-ea"/>
-                <a:cs typeface="+mn-cs"/>
-              </a:defRPr>
-            </a:lvl2pPr>
-            <a:lvl3pPr marL="1143000" indent="-228600" algn="l" defTabSz="914400" rtl="0" eaLnBrk="1" latinLnBrk="0" hangingPunct="1">
-              <a:lnSpc>
-                <a:spcPct val="90000"/>
-              </a:lnSpc>
-              <a:spcBef>
-                <a:spcPts val="500"/>
-              </a:spcBef>
-              <a:buFont typeface="Arial" panose="020B0604020202020204" pitchFamily="34" charset="0"/>
-              <a:buChar char="•"/>
-              <a:defRPr sz="2000" kern="1200">
-                <a:solidFill>
-                  <a:schemeClr val="tx1"/>
-                </a:solidFill>
-                <a:latin typeface="+mn-lt"/>
-                <a:ea typeface="+mn-ea"/>
-                <a:cs typeface="+mn-cs"/>
-              </a:defRPr>
-            </a:lvl3pPr>
-            <a:lvl4pPr marL="1600200" indent="-228600" algn="l" defTabSz="914400" rtl="0" eaLnBrk="1" latinLnBrk="0" hangingPunct="1">
-              <a:lnSpc>
-                <a:spcPct val="90000"/>
-              </a:lnSpc>
-              <a:spcBef>
-                <a:spcPts val="500"/>
-              </a:spcBef>
-              <a:buFont typeface="Arial" panose="020B0604020202020204" pitchFamily="34" charset="0"/>
-              <a:buChar char="•"/>
-              <a:defRPr sz="1800" kern="1200">
-                <a:solidFill>
-                  <a:schemeClr val="tx1"/>
-                </a:solidFill>
-                <a:latin typeface="+mn-lt"/>
-                <a:ea typeface="+mn-ea"/>
-                <a:cs typeface="+mn-cs"/>
-              </a:defRPr>
-            </a:lvl4pPr>
-            <a:lvl5pPr marL="2057400" indent="-228600" algn="l" defTabSz="914400" rtl="0" eaLnBrk="1" latinLnBrk="0" hangingPunct="1">
-              <a:lnSpc>
-                <a:spcPct val="90000"/>
-              </a:lnSpc>
-              <a:spcBef>
-                <a:spcPts val="500"/>
-              </a:spcBef>
-              <a:buFont typeface="Arial" panose="020B0604020202020204" pitchFamily="34" charset="0"/>
-              <a:buChar char="•"/>
-              <a:defRPr sz="1800" kern="1200">
-                <a:solidFill>
-                  <a:schemeClr val="tx1"/>
-                </a:solidFill>
-                <a:latin typeface="+mn-lt"/>
-                <a:ea typeface="+mn-ea"/>
-                <a:cs typeface="+mn-cs"/>
-              </a:defRPr>
-            </a:lvl5pPr>
-            <a:lvl6pPr marL="2514600" indent="-228600" algn="l" defTabSz="914400" rtl="0" eaLnBrk="1" latinLnBrk="0" hangingPunct="1">
-              <a:lnSpc>
-                <a:spcPct val="90000"/>
-              </a:lnSpc>
-              <a:spcBef>
-                <a:spcPts val="500"/>
-              </a:spcBef>
-              <a:buFont typeface="Arial" panose="020B0604020202020204" pitchFamily="34" charset="0"/>
-              <a:buChar char="•"/>
-              <a:defRPr sz="1800" kern="1200">
-                <a:solidFill>
-                  <a:schemeClr val="tx1"/>
-                </a:solidFill>
-                <a:latin typeface="+mn-lt"/>
-                <a:ea typeface="+mn-ea"/>
-                <a:cs typeface="+mn-cs"/>
-              </a:defRPr>
-            </a:lvl6pPr>
-            <a:lvl7pPr marL="2971800" indent="-228600" algn="l" defTabSz="914400" rtl="0" eaLnBrk="1" latinLnBrk="0" hangingPunct="1">
-              <a:lnSpc>
-                <a:spcPct val="90000"/>
-              </a:lnSpc>
-              <a:spcBef>
-                <a:spcPts val="500"/>
-              </a:spcBef>
-              <a:buFont typeface="Arial" panose="020B0604020202020204" pitchFamily="34" charset="0"/>
-              <a:buChar char="•"/>
-              <a:defRPr sz="1800" kern="1200">
-                <a:solidFill>
-                  <a:schemeClr val="tx1"/>
-                </a:solidFill>
-                <a:latin typeface="+mn-lt"/>
-                <a:ea typeface="+mn-ea"/>
-                <a:cs typeface="+mn-cs"/>
-              </a:defRPr>
-            </a:lvl7pPr>
-            <a:lvl8pPr marL="3429000" indent="-228600" algn="l" defTabSz="914400" rtl="0" eaLnBrk="1" latinLnBrk="0" hangingPunct="1">
-              <a:lnSpc>
-                <a:spcPct val="90000"/>
-              </a:lnSpc>
-              <a:spcBef>
-                <a:spcPts val="500"/>
-              </a:spcBef>
-              <a:buFont typeface="Arial" panose="020B0604020202020204" pitchFamily="34" charset="0"/>
-              <a:buChar char="•"/>
-              <a:defRPr sz="1800" kern="1200">
-                <a:solidFill>
-                  <a:schemeClr val="tx1"/>
-                </a:solidFill>
-                <a:latin typeface="+mn-lt"/>
-                <a:ea typeface="+mn-ea"/>
-                <a:cs typeface="+mn-cs"/>
-              </a:defRPr>
-            </a:lvl8pPr>
-            <a:lvl9pPr marL="3886200" indent="-228600" algn="l" defTabSz="914400" rtl="0" eaLnBrk="1" latinLnBrk="0" hangingPunct="1">
-              <a:lnSpc>
-                <a:spcPct val="90000"/>
-              </a:lnSpc>
-              <a:spcBef>
-                <a:spcPts val="500"/>
-              </a:spcBef>
-              <a:buFont typeface="Arial" panose="020B0604020202020204" pitchFamily="34" charset="0"/>
-              <a:buChar char="•"/>
-              <a:defRPr sz="1800" kern="1200">
-                <a:solidFill>
-                  <a:schemeClr val="tx1"/>
-                </a:solidFill>
-                <a:latin typeface="+mn-lt"/>
-                <a:ea typeface="+mn-ea"/>
-                <a:cs typeface="+mn-cs"/>
-              </a:defRPr>
-            </a:lvl9pPr>
-          </a:lstStyle>
-          <a:p>
-            <a:endParaRPr lang="en-US" dirty="0" smtClean="0">
-              <a:solidFill>
-                <a:schemeClr val="accent4">
-                  <a:lumMod val="75000"/>
-                </a:schemeClr>
-              </a:solidFill>
-            </a:endParaRPr>
-          </a:p>
-        </p:txBody>
-      </p:sp>
-      <p:sp>
-        <p:nvSpPr>
-          <p:cNvPr id="17" name="Content Placeholder 7"/>
-          <p:cNvSpPr txBox="1">
-            <a:spLocks/>
-          </p:cNvSpPr>
-          <p:nvPr/>
-        </p:nvSpPr>
-        <p:spPr>
-          <a:xfrm>
-            <a:off x="6172199" y="5036949"/>
-            <a:ext cx="3490993" cy="501651"/>
-          </a:xfrm>
-          <a:prstGeom prst="rect">
-            <a:avLst/>
-          </a:prstGeom>
-        </p:spPr>
-        <p:txBody>
-          <a:bodyPr vert="horz" lIns="91440" tIns="45720" rIns="91440" bIns="45720" rtlCol="0">
-            <a:normAutofit/>
-          </a:bodyPr>
-          <a:lstStyle>
-            <a:lvl1pPr marL="228600" indent="-228600" algn="l" defTabSz="914400" rtl="0" eaLnBrk="1" latinLnBrk="0" hangingPunct="1">
-              <a:lnSpc>
-                <a:spcPct val="90000"/>
-              </a:lnSpc>
-              <a:spcBef>
-                <a:spcPts val="1000"/>
-              </a:spcBef>
-              <a:buFont typeface="Arial" panose="020B0604020202020204" pitchFamily="34" charset="0"/>
-              <a:buChar char="•"/>
-              <a:defRPr sz="2800" kern="1200">
-                <a:solidFill>
-                  <a:schemeClr val="tx1"/>
-                </a:solidFill>
-                <a:latin typeface="+mn-lt"/>
-                <a:ea typeface="+mn-ea"/>
-                <a:cs typeface="+mn-cs"/>
-              </a:defRPr>
-            </a:lvl1pPr>
-            <a:lvl2pPr marL="685800" indent="-228600" algn="l" defTabSz="914400" rtl="0" eaLnBrk="1" latinLnBrk="0" hangingPunct="1">
-              <a:lnSpc>
-                <a:spcPct val="90000"/>
-              </a:lnSpc>
-              <a:spcBef>
-                <a:spcPts val="500"/>
-              </a:spcBef>
-              <a:buFont typeface="Arial" panose="020B0604020202020204" pitchFamily="34" charset="0"/>
-              <a:buChar char="•"/>
-              <a:defRPr sz="2400" kern="1200">
-                <a:solidFill>
-                  <a:schemeClr val="tx1"/>
-                </a:solidFill>
-                <a:latin typeface="+mn-lt"/>
-                <a:ea typeface="+mn-ea"/>
-                <a:cs typeface="+mn-cs"/>
-              </a:defRPr>
-            </a:lvl2pPr>
-            <a:lvl3pPr marL="1143000" indent="-228600" algn="l" defTabSz="914400" rtl="0" eaLnBrk="1" latinLnBrk="0" hangingPunct="1">
-              <a:lnSpc>
-                <a:spcPct val="90000"/>
-              </a:lnSpc>
-              <a:spcBef>
-                <a:spcPts val="500"/>
-              </a:spcBef>
-              <a:buFont typeface="Arial" panose="020B0604020202020204" pitchFamily="34" charset="0"/>
-              <a:buChar char="•"/>
-              <a:defRPr sz="2000" kern="1200">
-                <a:solidFill>
-                  <a:schemeClr val="tx1"/>
-                </a:solidFill>
-                <a:latin typeface="+mn-lt"/>
-                <a:ea typeface="+mn-ea"/>
-                <a:cs typeface="+mn-cs"/>
-              </a:defRPr>
-            </a:lvl3pPr>
-            <a:lvl4pPr marL="1600200" indent="-228600" algn="l" defTabSz="914400" rtl="0" eaLnBrk="1" latinLnBrk="0" hangingPunct="1">
-              <a:lnSpc>
-                <a:spcPct val="90000"/>
-              </a:lnSpc>
-              <a:spcBef>
-                <a:spcPts val="500"/>
-              </a:spcBef>
-              <a:buFont typeface="Arial" panose="020B0604020202020204" pitchFamily="34" charset="0"/>
-              <a:buChar char="•"/>
-              <a:defRPr sz="1800" kern="1200">
-                <a:solidFill>
-                  <a:schemeClr val="tx1"/>
-                </a:solidFill>
-                <a:latin typeface="+mn-lt"/>
-                <a:ea typeface="+mn-ea"/>
-                <a:cs typeface="+mn-cs"/>
-              </a:defRPr>
-            </a:lvl4pPr>
-            <a:lvl5pPr marL="2057400" indent="-228600" algn="l" defTabSz="914400" rtl="0" eaLnBrk="1" latinLnBrk="0" hangingPunct="1">
-              <a:lnSpc>
-                <a:spcPct val="90000"/>
-              </a:lnSpc>
-              <a:spcBef>
-                <a:spcPts val="500"/>
-              </a:spcBef>
-              <a:buFont typeface="Arial" panose="020B0604020202020204" pitchFamily="34" charset="0"/>
-              <a:buChar char="•"/>
-              <a:defRPr sz="1800" kern="1200">
-                <a:solidFill>
-                  <a:schemeClr val="tx1"/>
-                </a:solidFill>
-                <a:latin typeface="+mn-lt"/>
-                <a:ea typeface="+mn-ea"/>
-                <a:cs typeface="+mn-cs"/>
-              </a:defRPr>
-            </a:lvl5pPr>
-            <a:lvl6pPr marL="2514600" indent="-228600" algn="l" defTabSz="914400" rtl="0" eaLnBrk="1" latinLnBrk="0" hangingPunct="1">
-              <a:lnSpc>
-                <a:spcPct val="90000"/>
-              </a:lnSpc>
-              <a:spcBef>
-                <a:spcPts val="500"/>
-              </a:spcBef>
-              <a:buFont typeface="Arial" panose="020B0604020202020204" pitchFamily="34" charset="0"/>
-              <a:buChar char="•"/>
-              <a:defRPr sz="1800" kern="1200">
-                <a:solidFill>
-                  <a:schemeClr val="tx1"/>
-                </a:solidFill>
-                <a:latin typeface="+mn-lt"/>
-                <a:ea typeface="+mn-ea"/>
-                <a:cs typeface="+mn-cs"/>
-              </a:defRPr>
-            </a:lvl6pPr>
-            <a:lvl7pPr marL="2971800" indent="-228600" algn="l" defTabSz="914400" rtl="0" eaLnBrk="1" latinLnBrk="0" hangingPunct="1">
-              <a:lnSpc>
-                <a:spcPct val="90000"/>
-              </a:lnSpc>
-              <a:spcBef>
-                <a:spcPts val="500"/>
-              </a:spcBef>
-              <a:buFont typeface="Arial" panose="020B0604020202020204" pitchFamily="34" charset="0"/>
-              <a:buChar char="•"/>
-              <a:defRPr sz="1800" kern="1200">
-                <a:solidFill>
-                  <a:schemeClr val="tx1"/>
-                </a:solidFill>
-                <a:latin typeface="+mn-lt"/>
-                <a:ea typeface="+mn-ea"/>
-                <a:cs typeface="+mn-cs"/>
-              </a:defRPr>
-            </a:lvl7pPr>
-            <a:lvl8pPr marL="3429000" indent="-228600" algn="l" defTabSz="914400" rtl="0" eaLnBrk="1" latinLnBrk="0" hangingPunct="1">
-              <a:lnSpc>
-                <a:spcPct val="90000"/>
-              </a:lnSpc>
-              <a:spcBef>
-                <a:spcPts val="500"/>
-              </a:spcBef>
-              <a:buFont typeface="Arial" panose="020B0604020202020204" pitchFamily="34" charset="0"/>
-              <a:buChar char="•"/>
-              <a:defRPr sz="1800" kern="1200">
-                <a:solidFill>
-                  <a:schemeClr val="tx1"/>
-                </a:solidFill>
-                <a:latin typeface="+mn-lt"/>
-                <a:ea typeface="+mn-ea"/>
-                <a:cs typeface="+mn-cs"/>
-              </a:defRPr>
-            </a:lvl8pPr>
-            <a:lvl9pPr marL="3886200" indent="-228600" algn="l" defTabSz="914400" rtl="0" eaLnBrk="1" latinLnBrk="0" hangingPunct="1">
-              <a:lnSpc>
-                <a:spcPct val="90000"/>
-              </a:lnSpc>
-              <a:spcBef>
-                <a:spcPts val="500"/>
-              </a:spcBef>
-              <a:buFont typeface="Arial" panose="020B0604020202020204" pitchFamily="34" charset="0"/>
-              <a:buChar char="•"/>
-              <a:defRPr sz="1800" kern="1200">
-                <a:solidFill>
-                  <a:schemeClr val="tx1"/>
-                </a:solidFill>
-                <a:latin typeface="+mn-lt"/>
-                <a:ea typeface="+mn-ea"/>
-                <a:cs typeface="+mn-cs"/>
-              </a:defRPr>
-            </a:lvl9pPr>
-          </a:lstStyle>
-          <a:p>
-            <a:endParaRPr lang="en-US" dirty="0" smtClean="0">
-              <a:solidFill>
-                <a:schemeClr val="accent4">
-                  <a:lumMod val="75000"/>
-                </a:schemeClr>
-              </a:solidFill>
-            </a:endParaRPr>
-          </a:p>
-        </p:txBody>
-      </p:sp>
-      <p:sp>
-        <p:nvSpPr>
-          <p:cNvPr id="13" name="Content Placeholder 7"/>
-          <p:cNvSpPr txBox="1">
-            <a:spLocks/>
-          </p:cNvSpPr>
-          <p:nvPr/>
-        </p:nvSpPr>
-        <p:spPr>
-          <a:xfrm>
-            <a:off x="6172199" y="3771010"/>
-            <a:ext cx="4539343" cy="1578229"/>
-          </a:xfrm>
-          <a:prstGeom prst="rect">
-            <a:avLst/>
-          </a:prstGeom>
-        </p:spPr>
-        <p:txBody>
-          <a:bodyPr vert="horz" lIns="91440" tIns="45720" rIns="91440" bIns="45720" rtlCol="0">
-            <a:noAutofit/>
-          </a:bodyPr>
-          <a:lstStyle>
-            <a:lvl1pPr marL="228600" indent="-228600" algn="l" defTabSz="914400" rtl="0" eaLnBrk="1" latinLnBrk="0" hangingPunct="1">
-              <a:lnSpc>
-                <a:spcPct val="90000"/>
-              </a:lnSpc>
-              <a:spcBef>
-                <a:spcPts val="1000"/>
-              </a:spcBef>
-              <a:buFont typeface="Arial" panose="020B0604020202020204" pitchFamily="34" charset="0"/>
-              <a:buChar char="•"/>
-              <a:defRPr sz="2800" kern="1200">
-                <a:solidFill>
-                  <a:schemeClr val="tx1"/>
-                </a:solidFill>
-                <a:latin typeface="+mn-lt"/>
-                <a:ea typeface="+mn-ea"/>
-                <a:cs typeface="+mn-cs"/>
-              </a:defRPr>
-            </a:lvl1pPr>
-            <a:lvl2pPr marL="685800" indent="-228600" algn="l" defTabSz="914400" rtl="0" eaLnBrk="1" latinLnBrk="0" hangingPunct="1">
-              <a:lnSpc>
-                <a:spcPct val="90000"/>
-              </a:lnSpc>
-              <a:spcBef>
-                <a:spcPts val="500"/>
-              </a:spcBef>
-              <a:buFont typeface="Arial" panose="020B0604020202020204" pitchFamily="34" charset="0"/>
-              <a:buChar char="•"/>
-              <a:defRPr sz="2400" kern="1200">
-                <a:solidFill>
-                  <a:schemeClr val="tx1"/>
-                </a:solidFill>
-                <a:latin typeface="+mn-lt"/>
-                <a:ea typeface="+mn-ea"/>
-                <a:cs typeface="+mn-cs"/>
-              </a:defRPr>
-            </a:lvl2pPr>
-            <a:lvl3pPr marL="1143000" indent="-228600" algn="l" defTabSz="914400" rtl="0" eaLnBrk="1" latinLnBrk="0" hangingPunct="1">
-              <a:lnSpc>
-                <a:spcPct val="90000"/>
-              </a:lnSpc>
-              <a:spcBef>
-                <a:spcPts val="500"/>
-              </a:spcBef>
-              <a:buFont typeface="Arial" panose="020B0604020202020204" pitchFamily="34" charset="0"/>
-              <a:buChar char="•"/>
-              <a:defRPr sz="2000" kern="1200">
-                <a:solidFill>
-                  <a:schemeClr val="tx1"/>
-                </a:solidFill>
-                <a:latin typeface="+mn-lt"/>
-                <a:ea typeface="+mn-ea"/>
-                <a:cs typeface="+mn-cs"/>
-              </a:defRPr>
-            </a:lvl3pPr>
-            <a:lvl4pPr marL="1600200" indent="-228600" algn="l" defTabSz="914400" rtl="0" eaLnBrk="1" latinLnBrk="0" hangingPunct="1">
-              <a:lnSpc>
-                <a:spcPct val="90000"/>
-              </a:lnSpc>
-              <a:spcBef>
-                <a:spcPts val="500"/>
-              </a:spcBef>
-              <a:buFont typeface="Arial" panose="020B0604020202020204" pitchFamily="34" charset="0"/>
-              <a:buChar char="•"/>
-              <a:defRPr sz="1800" kern="1200">
-                <a:solidFill>
-                  <a:schemeClr val="tx1"/>
-                </a:solidFill>
-                <a:latin typeface="+mn-lt"/>
-                <a:ea typeface="+mn-ea"/>
-                <a:cs typeface="+mn-cs"/>
-              </a:defRPr>
-            </a:lvl4pPr>
-            <a:lvl5pPr marL="2057400" indent="-228600" algn="l" defTabSz="914400" rtl="0" eaLnBrk="1" latinLnBrk="0" hangingPunct="1">
-              <a:lnSpc>
-                <a:spcPct val="90000"/>
-              </a:lnSpc>
-              <a:spcBef>
-                <a:spcPts val="500"/>
-              </a:spcBef>
-              <a:buFont typeface="Arial" panose="020B0604020202020204" pitchFamily="34" charset="0"/>
-              <a:buChar char="•"/>
-              <a:defRPr sz="1800" kern="1200">
-                <a:solidFill>
-                  <a:schemeClr val="tx1"/>
-                </a:solidFill>
-                <a:latin typeface="+mn-lt"/>
-                <a:ea typeface="+mn-ea"/>
-                <a:cs typeface="+mn-cs"/>
-              </a:defRPr>
-            </a:lvl5pPr>
-            <a:lvl6pPr marL="2514600" indent="-228600" algn="l" defTabSz="914400" rtl="0" eaLnBrk="1" latinLnBrk="0" hangingPunct="1">
-              <a:lnSpc>
-                <a:spcPct val="90000"/>
-              </a:lnSpc>
-              <a:spcBef>
-                <a:spcPts val="500"/>
-              </a:spcBef>
-              <a:buFont typeface="Arial" panose="020B0604020202020204" pitchFamily="34" charset="0"/>
-              <a:buChar char="•"/>
-              <a:defRPr sz="1800" kern="1200">
-                <a:solidFill>
-                  <a:schemeClr val="tx1"/>
-                </a:solidFill>
-                <a:latin typeface="+mn-lt"/>
-                <a:ea typeface="+mn-ea"/>
-                <a:cs typeface="+mn-cs"/>
-              </a:defRPr>
-            </a:lvl6pPr>
-            <a:lvl7pPr marL="2971800" indent="-228600" algn="l" defTabSz="914400" rtl="0" eaLnBrk="1" latinLnBrk="0" hangingPunct="1">
-              <a:lnSpc>
-                <a:spcPct val="90000"/>
-              </a:lnSpc>
-              <a:spcBef>
-                <a:spcPts val="500"/>
-              </a:spcBef>
-              <a:buFont typeface="Arial" panose="020B0604020202020204" pitchFamily="34" charset="0"/>
-              <a:buChar char="•"/>
-              <a:defRPr sz="1800" kern="1200">
-                <a:solidFill>
-                  <a:schemeClr val="tx1"/>
-                </a:solidFill>
-                <a:latin typeface="+mn-lt"/>
-                <a:ea typeface="+mn-ea"/>
-                <a:cs typeface="+mn-cs"/>
-              </a:defRPr>
-            </a:lvl7pPr>
-            <a:lvl8pPr marL="3429000" indent="-228600" algn="l" defTabSz="914400" rtl="0" eaLnBrk="1" latinLnBrk="0" hangingPunct="1">
-              <a:lnSpc>
-                <a:spcPct val="90000"/>
-              </a:lnSpc>
-              <a:spcBef>
-                <a:spcPts val="500"/>
-              </a:spcBef>
-              <a:buFont typeface="Arial" panose="020B0604020202020204" pitchFamily="34" charset="0"/>
-              <a:buChar char="•"/>
-              <a:defRPr sz="1800" kern="1200">
-                <a:solidFill>
-                  <a:schemeClr val="tx1"/>
-                </a:solidFill>
-                <a:latin typeface="+mn-lt"/>
-                <a:ea typeface="+mn-ea"/>
-                <a:cs typeface="+mn-cs"/>
-              </a:defRPr>
-            </a:lvl8pPr>
-            <a:lvl9pPr marL="3886200" indent="-228600" algn="l" defTabSz="914400" rtl="0" eaLnBrk="1" latinLnBrk="0" hangingPunct="1">
-              <a:lnSpc>
-                <a:spcPct val="90000"/>
-              </a:lnSpc>
-              <a:spcBef>
-                <a:spcPts val="500"/>
-              </a:spcBef>
-              <a:buFont typeface="Arial" panose="020B0604020202020204" pitchFamily="34" charset="0"/>
-              <a:buChar char="•"/>
-              <a:defRPr sz="1800" kern="1200">
-                <a:solidFill>
-                  <a:schemeClr val="tx1"/>
-                </a:solidFill>
-                <a:latin typeface="+mn-lt"/>
-                <a:ea typeface="+mn-ea"/>
-                <a:cs typeface="+mn-cs"/>
-              </a:defRPr>
-            </a:lvl9pPr>
-          </a:lstStyle>
-          <a:p>
-            <a:r>
-              <a:rPr lang="en-US" dirty="0" smtClean="0">
-                <a:solidFill>
-                  <a:schemeClr val="accent4">
-                    <a:lumMod val="75000"/>
-                  </a:schemeClr>
-                </a:solidFill>
-              </a:rPr>
-              <a:t>Two M estimated (stock)</a:t>
-            </a:r>
-          </a:p>
-          <a:p>
-            <a:pPr lvl="1"/>
-            <a:r>
-              <a:rPr lang="en-US" dirty="0" smtClean="0">
-                <a:solidFill>
-                  <a:schemeClr val="accent4">
-                    <a:lumMod val="75000"/>
-                  </a:schemeClr>
-                </a:solidFill>
-              </a:rPr>
-              <a:t>North</a:t>
-            </a:r>
-          </a:p>
-          <a:p>
-            <a:pPr lvl="1"/>
-            <a:r>
-              <a:rPr lang="en-US" dirty="0" smtClean="0">
-                <a:solidFill>
-                  <a:schemeClr val="accent4">
-                    <a:lumMod val="75000"/>
-                  </a:schemeClr>
-                </a:solidFill>
-              </a:rPr>
-              <a:t>South</a:t>
-            </a:r>
-          </a:p>
-          <a:p>
-            <a:r>
-              <a:rPr lang="en-US" dirty="0" smtClean="0">
-                <a:solidFill>
-                  <a:schemeClr val="accent4">
-                    <a:lumMod val="75000"/>
-                  </a:schemeClr>
-                </a:solidFill>
-              </a:rPr>
-              <a:t>Results in the </a:t>
-            </a:r>
-            <a:r>
-              <a:rPr lang="en-US" dirty="0" err="1" smtClean="0">
-                <a:solidFill>
-                  <a:schemeClr val="accent4">
-                    <a:lumMod val="75000"/>
-                  </a:schemeClr>
-                </a:solidFill>
-              </a:rPr>
-              <a:t>respository</a:t>
-            </a:r>
-            <a:r>
-              <a:rPr lang="en-US" dirty="0" smtClean="0">
-                <a:solidFill>
-                  <a:schemeClr val="accent4">
-                    <a:lumMod val="75000"/>
-                  </a:schemeClr>
-                </a:solidFill>
-              </a:rPr>
-              <a:t>, but not convinced they’re any good</a:t>
-            </a:r>
-            <a:endParaRPr lang="en-US" dirty="0" smtClean="0">
-              <a:solidFill>
-                <a:schemeClr val="accent4">
-                  <a:lumMod val="75000"/>
-                </a:schemeClr>
-              </a:solidFill>
-            </a:endParaRPr>
-          </a:p>
-        </p:txBody>
-      </p:sp>
-      <p:pic>
-        <p:nvPicPr>
-          <p:cNvPr id="1026" name="Picture 2" descr="bomb cartoon icon 12014538 Vector Art at Vecteezy"/>
-          <p:cNvPicPr>
-            <a:picLocks noChangeAspect="1" noChangeArrowheads="1"/>
-          </p:cNvPicPr>
-          <p:nvPr/>
-        </p:nvPicPr>
-        <p:blipFill>
-          <a:blip r:embed="rId2" cstate="print">
-            <a:extLst>
-              <a:ext uri="{28A0092B-C50C-407E-A947-70E740481C1C}">
-                <a14:useLocalDpi xmlns:a14="http://schemas.microsoft.com/office/drawing/2010/main" val="0"/>
-              </a:ext>
-            </a:extLst>
-          </a:blip>
-          <a:srcRect/>
-          <a:stretch>
-            <a:fillRect/>
-          </a:stretch>
-        </p:blipFill>
-        <p:spPr bwMode="auto">
-          <a:xfrm>
-            <a:off x="10144822" y="4021837"/>
-            <a:ext cx="692033" cy="870593"/>
-          </a:xfrm>
-          <a:prstGeom prst="rect">
-            <a:avLst/>
-          </a:prstGeom>
-          <a:noFill/>
-          <a:extLst>
-            <a:ext uri="{909E8E84-426E-40DD-AFC4-6F175D3DCCD1}">
-              <a14:hiddenFill xmlns:a14="http://schemas.microsoft.com/office/drawing/2010/main">
-                <a:solidFill>
-                  <a:srgbClr val="FFFFFF"/>
-                </a:solidFill>
-              </a14:hiddenFill>
-            </a:ext>
-          </a:extLst>
-        </p:spPr>
-      </p:pic>
+              <a:t>Fix age-dependent M</a:t>
+            </a:r>
+          </a:p>
+        </p:txBody>
+      </p:sp>
     </p:spTree>
     <p:extLst>
       <p:ext uri="{BB962C8B-B14F-4D97-AF65-F5344CB8AC3E}">
-        <p14:creationId xmlns:p14="http://schemas.microsoft.com/office/powerpoint/2010/main" val="1006062046"/>
+        <p14:creationId xmlns:p14="http://schemas.microsoft.com/office/powerpoint/2010/main" val="1510165682"/>
       </p:ext>
     </p:extLst>
   </p:cSld>
@@ -8549,70 +7904,985 @@
           <a:chExt cx="0" cy="0"/>
         </a:xfrm>
       </p:grpSpPr>
-      <p:pic>
-        <p:nvPicPr>
-          <p:cNvPr id="7" name="Picture 6"/>
-          <p:cNvPicPr>
-            <a:picLocks noChangeAspect="1"/>
-          </p:cNvPicPr>
-          <p:nvPr/>
-        </p:nvPicPr>
-        <p:blipFill>
-          <a:blip r:embed="rId2" cstate="print">
-            <a:extLst>
-              <a:ext uri="{28A0092B-C50C-407E-A947-70E740481C1C}">
-                <a14:useLocalDpi xmlns:a14="http://schemas.microsoft.com/office/drawing/2010/main" val="0"/>
-              </a:ext>
-            </a:extLst>
-          </a:blip>
-          <a:stretch>
-            <a:fillRect/>
-          </a:stretch>
-        </p:blipFill>
+      <p:sp>
+        <p:nvSpPr>
+          <p:cNvPr id="4" name="Title 3"/>
+          <p:cNvSpPr>
+            <a:spLocks noGrp="1"/>
+          </p:cNvSpPr>
+          <p:nvPr>
+            <p:ph type="title"/>
+          </p:nvPr>
+        </p:nvSpPr>
+        <p:spPr/>
+        <p:txBody>
+          <a:bodyPr/>
+          <a:lstStyle/>
+          <a:p>
+            <a:r>
+              <a:rPr lang="en-US" dirty="0" smtClean="0"/>
+              <a:t>Run 35-36 (Option 1) </a:t>
+            </a:r>
+            <a:endParaRPr lang="en-US" dirty="0"/>
+          </a:p>
+        </p:txBody>
+      </p:sp>
+      <p:sp>
+        <p:nvSpPr>
+          <p:cNvPr id="5" name="Text Placeholder 4"/>
+          <p:cNvSpPr>
+            <a:spLocks noGrp="1"/>
+          </p:cNvSpPr>
+          <p:nvPr>
+            <p:ph type="body" idx="1"/>
+          </p:nvPr>
+        </p:nvSpPr>
+        <p:spPr/>
+        <p:txBody>
+          <a:bodyPr/>
+          <a:lstStyle/>
+          <a:p>
+            <a:r>
+              <a:rPr lang="en-US" dirty="0" smtClean="0"/>
+              <a:t>Run 34</a:t>
+            </a:r>
+            <a:endParaRPr lang="en-US" dirty="0"/>
+          </a:p>
+        </p:txBody>
+      </p:sp>
+      <p:sp>
+        <p:nvSpPr>
+          <p:cNvPr id="6" name="Content Placeholder 5"/>
+          <p:cNvSpPr>
+            <a:spLocks noGrp="1"/>
+          </p:cNvSpPr>
+          <p:nvPr>
+            <p:ph sz="half" idx="2"/>
+          </p:nvPr>
+        </p:nvSpPr>
+        <p:spPr/>
+        <p:txBody>
+          <a:bodyPr>
+            <a:normAutofit/>
+          </a:bodyPr>
+          <a:lstStyle/>
+          <a:p>
+            <a:r>
+              <a:rPr lang="en-US" dirty="0" smtClean="0"/>
+              <a:t>Age-invariant M fixed at 0.4</a:t>
+            </a:r>
+            <a:endParaRPr lang="en-US" dirty="0" smtClean="0">
+              <a:solidFill>
+                <a:schemeClr val="accent4">
+                  <a:lumMod val="75000"/>
+                </a:schemeClr>
+              </a:solidFill>
+            </a:endParaRPr>
+          </a:p>
+        </p:txBody>
+      </p:sp>
+      <p:sp>
+        <p:nvSpPr>
+          <p:cNvPr id="7" name="Text Placeholder 6"/>
+          <p:cNvSpPr>
+            <a:spLocks noGrp="1"/>
+          </p:cNvSpPr>
+          <p:nvPr>
+            <p:ph type="body" sz="quarter" idx="3"/>
+          </p:nvPr>
+        </p:nvSpPr>
         <p:spPr>
           <a:xfrm>
-            <a:off x="6190978" y="0"/>
-            <a:ext cx="4286250" cy="6858000"/>
+            <a:off x="6172200" y="2053525"/>
+            <a:ext cx="1390973" cy="451550"/>
+          </a:xfrm>
+        </p:spPr>
+        <p:txBody>
+          <a:bodyPr/>
+          <a:lstStyle/>
+          <a:p>
+            <a:r>
+              <a:rPr lang="en-US" dirty="0" smtClean="0"/>
+              <a:t>Run 35</a:t>
+            </a:r>
+            <a:endParaRPr lang="en-US" dirty="0"/>
+          </a:p>
+        </p:txBody>
+      </p:sp>
+      <p:sp>
+        <p:nvSpPr>
+          <p:cNvPr id="8" name="Content Placeholder 7"/>
+          <p:cNvSpPr>
+            <a:spLocks noGrp="1"/>
+          </p:cNvSpPr>
+          <p:nvPr>
+            <p:ph sz="quarter" idx="4"/>
+          </p:nvPr>
+        </p:nvSpPr>
+        <p:spPr>
+          <a:xfrm>
+            <a:off x="6172199" y="2505075"/>
+            <a:ext cx="4539343" cy="814386"/>
+          </a:xfrm>
+        </p:spPr>
+        <p:txBody>
+          <a:bodyPr>
+            <a:noAutofit/>
+          </a:bodyPr>
+          <a:lstStyle/>
+          <a:p>
+            <a:r>
+              <a:rPr lang="en-US" dirty="0" smtClean="0">
+                <a:solidFill>
+                  <a:schemeClr val="accent4">
+                    <a:lumMod val="75000"/>
+                  </a:schemeClr>
+                </a:solidFill>
+              </a:rPr>
+              <a:t>One M estimated: 0.732</a:t>
+            </a:r>
+          </a:p>
+        </p:txBody>
+      </p:sp>
+      <p:sp>
+        <p:nvSpPr>
+          <p:cNvPr id="9" name="Text Placeholder 6"/>
+          <p:cNvSpPr txBox="1">
+            <a:spLocks/>
+          </p:cNvSpPr>
+          <p:nvPr/>
+        </p:nvSpPr>
+        <p:spPr>
+          <a:xfrm>
+            <a:off x="6172200" y="3319462"/>
+            <a:ext cx="1390973" cy="451550"/>
           </a:xfrm>
           <a:prstGeom prst="rect">
             <a:avLst/>
           </a:prstGeom>
         </p:spPr>
-      </p:pic>
-      <p:pic>
-        <p:nvPicPr>
-          <p:cNvPr id="8" name="Picture 7"/>
-          <p:cNvPicPr>
-            <a:picLocks noChangeAspect="1"/>
-          </p:cNvPicPr>
+        <p:txBody>
+          <a:bodyPr vert="horz" lIns="91440" tIns="45720" rIns="91440" bIns="45720" rtlCol="0" anchor="b">
+            <a:normAutofit/>
+          </a:bodyPr>
+          <a:lstStyle>
+            <a:lvl1pPr marL="0" indent="0" algn="l" defTabSz="914400" rtl="0" eaLnBrk="1" latinLnBrk="0" hangingPunct="1">
+              <a:lnSpc>
+                <a:spcPct val="90000"/>
+              </a:lnSpc>
+              <a:spcBef>
+                <a:spcPts val="1000"/>
+              </a:spcBef>
+              <a:buFont typeface="Arial" panose="020B0604020202020204" pitchFamily="34" charset="0"/>
+              <a:buNone/>
+              <a:defRPr sz="2400" b="1" kern="1200">
+                <a:solidFill>
+                  <a:schemeClr val="tx1"/>
+                </a:solidFill>
+                <a:latin typeface="+mn-lt"/>
+                <a:ea typeface="+mn-ea"/>
+                <a:cs typeface="+mn-cs"/>
+              </a:defRPr>
+            </a:lvl1pPr>
+            <a:lvl2pPr marL="457200" indent="0" algn="l" defTabSz="914400" rtl="0" eaLnBrk="1" latinLnBrk="0" hangingPunct="1">
+              <a:lnSpc>
+                <a:spcPct val="90000"/>
+              </a:lnSpc>
+              <a:spcBef>
+                <a:spcPts val="500"/>
+              </a:spcBef>
+              <a:buFont typeface="Arial" panose="020B0604020202020204" pitchFamily="34" charset="0"/>
+              <a:buNone/>
+              <a:defRPr sz="2000" b="1" kern="1200">
+                <a:solidFill>
+                  <a:schemeClr val="tx1"/>
+                </a:solidFill>
+                <a:latin typeface="+mn-lt"/>
+                <a:ea typeface="+mn-ea"/>
+                <a:cs typeface="+mn-cs"/>
+              </a:defRPr>
+            </a:lvl2pPr>
+            <a:lvl3pPr marL="914400" indent="0" algn="l" defTabSz="914400" rtl="0" eaLnBrk="1" latinLnBrk="0" hangingPunct="1">
+              <a:lnSpc>
+                <a:spcPct val="90000"/>
+              </a:lnSpc>
+              <a:spcBef>
+                <a:spcPts val="500"/>
+              </a:spcBef>
+              <a:buFont typeface="Arial" panose="020B0604020202020204" pitchFamily="34" charset="0"/>
+              <a:buNone/>
+              <a:defRPr sz="1800" b="1" kern="1200">
+                <a:solidFill>
+                  <a:schemeClr val="tx1"/>
+                </a:solidFill>
+                <a:latin typeface="+mn-lt"/>
+                <a:ea typeface="+mn-ea"/>
+                <a:cs typeface="+mn-cs"/>
+              </a:defRPr>
+            </a:lvl3pPr>
+            <a:lvl4pPr marL="1371600" indent="0" algn="l" defTabSz="914400" rtl="0" eaLnBrk="1" latinLnBrk="0" hangingPunct="1">
+              <a:lnSpc>
+                <a:spcPct val="90000"/>
+              </a:lnSpc>
+              <a:spcBef>
+                <a:spcPts val="500"/>
+              </a:spcBef>
+              <a:buFont typeface="Arial" panose="020B0604020202020204" pitchFamily="34" charset="0"/>
+              <a:buNone/>
+              <a:defRPr sz="1600" b="1" kern="1200">
+                <a:solidFill>
+                  <a:schemeClr val="tx1"/>
+                </a:solidFill>
+                <a:latin typeface="+mn-lt"/>
+                <a:ea typeface="+mn-ea"/>
+                <a:cs typeface="+mn-cs"/>
+              </a:defRPr>
+            </a:lvl4pPr>
+            <a:lvl5pPr marL="1828800" indent="0" algn="l" defTabSz="914400" rtl="0" eaLnBrk="1" latinLnBrk="0" hangingPunct="1">
+              <a:lnSpc>
+                <a:spcPct val="90000"/>
+              </a:lnSpc>
+              <a:spcBef>
+                <a:spcPts val="500"/>
+              </a:spcBef>
+              <a:buFont typeface="Arial" panose="020B0604020202020204" pitchFamily="34" charset="0"/>
+              <a:buNone/>
+              <a:defRPr sz="1600" b="1" kern="1200">
+                <a:solidFill>
+                  <a:schemeClr val="tx1"/>
+                </a:solidFill>
+                <a:latin typeface="+mn-lt"/>
+                <a:ea typeface="+mn-ea"/>
+                <a:cs typeface="+mn-cs"/>
+              </a:defRPr>
+            </a:lvl5pPr>
+            <a:lvl6pPr marL="2286000" indent="0" algn="l" defTabSz="914400" rtl="0" eaLnBrk="1" latinLnBrk="0" hangingPunct="1">
+              <a:lnSpc>
+                <a:spcPct val="90000"/>
+              </a:lnSpc>
+              <a:spcBef>
+                <a:spcPts val="500"/>
+              </a:spcBef>
+              <a:buFont typeface="Arial" panose="020B0604020202020204" pitchFamily="34" charset="0"/>
+              <a:buNone/>
+              <a:defRPr sz="1600" b="1" kern="1200">
+                <a:solidFill>
+                  <a:schemeClr val="tx1"/>
+                </a:solidFill>
+                <a:latin typeface="+mn-lt"/>
+                <a:ea typeface="+mn-ea"/>
+                <a:cs typeface="+mn-cs"/>
+              </a:defRPr>
+            </a:lvl6pPr>
+            <a:lvl7pPr marL="2743200" indent="0" algn="l" defTabSz="914400" rtl="0" eaLnBrk="1" latinLnBrk="0" hangingPunct="1">
+              <a:lnSpc>
+                <a:spcPct val="90000"/>
+              </a:lnSpc>
+              <a:spcBef>
+                <a:spcPts val="500"/>
+              </a:spcBef>
+              <a:buFont typeface="Arial" panose="020B0604020202020204" pitchFamily="34" charset="0"/>
+              <a:buNone/>
+              <a:defRPr sz="1600" b="1" kern="1200">
+                <a:solidFill>
+                  <a:schemeClr val="tx1"/>
+                </a:solidFill>
+                <a:latin typeface="+mn-lt"/>
+                <a:ea typeface="+mn-ea"/>
+                <a:cs typeface="+mn-cs"/>
+              </a:defRPr>
+            </a:lvl7pPr>
+            <a:lvl8pPr marL="3200400" indent="0" algn="l" defTabSz="914400" rtl="0" eaLnBrk="1" latinLnBrk="0" hangingPunct="1">
+              <a:lnSpc>
+                <a:spcPct val="90000"/>
+              </a:lnSpc>
+              <a:spcBef>
+                <a:spcPts val="500"/>
+              </a:spcBef>
+              <a:buFont typeface="Arial" panose="020B0604020202020204" pitchFamily="34" charset="0"/>
+              <a:buNone/>
+              <a:defRPr sz="1600" b="1" kern="1200">
+                <a:solidFill>
+                  <a:schemeClr val="tx1"/>
+                </a:solidFill>
+                <a:latin typeface="+mn-lt"/>
+                <a:ea typeface="+mn-ea"/>
+                <a:cs typeface="+mn-cs"/>
+              </a:defRPr>
+            </a:lvl8pPr>
+            <a:lvl9pPr marL="3657600" indent="0" algn="l" defTabSz="914400" rtl="0" eaLnBrk="1" latinLnBrk="0" hangingPunct="1">
+              <a:lnSpc>
+                <a:spcPct val="90000"/>
+              </a:lnSpc>
+              <a:spcBef>
+                <a:spcPts val="500"/>
+              </a:spcBef>
+              <a:buFont typeface="Arial" panose="020B0604020202020204" pitchFamily="34" charset="0"/>
+              <a:buNone/>
+              <a:defRPr sz="1600" b="1" kern="1200">
+                <a:solidFill>
+                  <a:schemeClr val="tx1"/>
+                </a:solidFill>
+                <a:latin typeface="+mn-lt"/>
+                <a:ea typeface="+mn-ea"/>
+                <a:cs typeface="+mn-cs"/>
+              </a:defRPr>
+            </a:lvl9pPr>
+          </a:lstStyle>
+          <a:p>
+            <a:r>
+              <a:rPr lang="en-US" dirty="0" smtClean="0"/>
+              <a:t>Run 36</a:t>
+            </a:r>
+            <a:endParaRPr lang="en-US" dirty="0"/>
+          </a:p>
+        </p:txBody>
+      </p:sp>
+      <p:sp>
+        <p:nvSpPr>
+          <p:cNvPr id="11" name="Content Placeholder 7"/>
+          <p:cNvSpPr txBox="1">
+            <a:spLocks/>
+          </p:cNvSpPr>
           <p:nvPr/>
-        </p:nvPicPr>
-        <p:blipFill>
-          <a:blip r:embed="rId3" cstate="print">
-            <a:extLst>
-              <a:ext uri="{28A0092B-C50C-407E-A947-70E740481C1C}">
-                <a14:useLocalDpi xmlns:a14="http://schemas.microsoft.com/office/drawing/2010/main" val="0"/>
-              </a:ext>
-            </a:extLst>
-          </a:blip>
-          <a:stretch>
-            <a:fillRect/>
-          </a:stretch>
-        </p:blipFill>
+        </p:nvSpPr>
         <p:spPr>
           <a:xfrm>
-            <a:off x="1453515" y="0"/>
-            <a:ext cx="4286250" cy="6858000"/>
+            <a:off x="6172199" y="3771012"/>
+            <a:ext cx="3490993" cy="501651"/>
           </a:xfrm>
           <a:prstGeom prst="rect">
             <a:avLst/>
           </a:prstGeom>
         </p:spPr>
-      </p:pic>
+        <p:txBody>
+          <a:bodyPr vert="horz" lIns="91440" tIns="45720" rIns="91440" bIns="45720" rtlCol="0">
+            <a:normAutofit/>
+          </a:bodyPr>
+          <a:lstStyle>
+            <a:lvl1pPr marL="228600" indent="-228600" algn="l" defTabSz="914400" rtl="0" eaLnBrk="1" latinLnBrk="0" hangingPunct="1">
+              <a:lnSpc>
+                <a:spcPct val="90000"/>
+              </a:lnSpc>
+              <a:spcBef>
+                <a:spcPts val="1000"/>
+              </a:spcBef>
+              <a:buFont typeface="Arial" panose="020B0604020202020204" pitchFamily="34" charset="0"/>
+              <a:buChar char="•"/>
+              <a:defRPr sz="2800" kern="1200">
+                <a:solidFill>
+                  <a:schemeClr val="tx1"/>
+                </a:solidFill>
+                <a:latin typeface="+mn-lt"/>
+                <a:ea typeface="+mn-ea"/>
+                <a:cs typeface="+mn-cs"/>
+              </a:defRPr>
+            </a:lvl1pPr>
+            <a:lvl2pPr marL="685800" indent="-228600" algn="l" defTabSz="914400" rtl="0" eaLnBrk="1" latinLnBrk="0" hangingPunct="1">
+              <a:lnSpc>
+                <a:spcPct val="90000"/>
+              </a:lnSpc>
+              <a:spcBef>
+                <a:spcPts val="500"/>
+              </a:spcBef>
+              <a:buFont typeface="Arial" panose="020B0604020202020204" pitchFamily="34" charset="0"/>
+              <a:buChar char="•"/>
+              <a:defRPr sz="2400" kern="1200">
+                <a:solidFill>
+                  <a:schemeClr val="tx1"/>
+                </a:solidFill>
+                <a:latin typeface="+mn-lt"/>
+                <a:ea typeface="+mn-ea"/>
+                <a:cs typeface="+mn-cs"/>
+              </a:defRPr>
+            </a:lvl2pPr>
+            <a:lvl3pPr marL="1143000" indent="-228600" algn="l" defTabSz="914400" rtl="0" eaLnBrk="1" latinLnBrk="0" hangingPunct="1">
+              <a:lnSpc>
+                <a:spcPct val="90000"/>
+              </a:lnSpc>
+              <a:spcBef>
+                <a:spcPts val="500"/>
+              </a:spcBef>
+              <a:buFont typeface="Arial" panose="020B0604020202020204" pitchFamily="34" charset="0"/>
+              <a:buChar char="•"/>
+              <a:defRPr sz="2000" kern="1200">
+                <a:solidFill>
+                  <a:schemeClr val="tx1"/>
+                </a:solidFill>
+                <a:latin typeface="+mn-lt"/>
+                <a:ea typeface="+mn-ea"/>
+                <a:cs typeface="+mn-cs"/>
+              </a:defRPr>
+            </a:lvl3pPr>
+            <a:lvl4pPr marL="1600200" indent="-228600" algn="l" defTabSz="914400" rtl="0" eaLnBrk="1" latinLnBrk="0" hangingPunct="1">
+              <a:lnSpc>
+                <a:spcPct val="90000"/>
+              </a:lnSpc>
+              <a:spcBef>
+                <a:spcPts val="500"/>
+              </a:spcBef>
+              <a:buFont typeface="Arial" panose="020B0604020202020204" pitchFamily="34" charset="0"/>
+              <a:buChar char="•"/>
+              <a:defRPr sz="1800" kern="1200">
+                <a:solidFill>
+                  <a:schemeClr val="tx1"/>
+                </a:solidFill>
+                <a:latin typeface="+mn-lt"/>
+                <a:ea typeface="+mn-ea"/>
+                <a:cs typeface="+mn-cs"/>
+              </a:defRPr>
+            </a:lvl4pPr>
+            <a:lvl5pPr marL="2057400" indent="-228600" algn="l" defTabSz="914400" rtl="0" eaLnBrk="1" latinLnBrk="0" hangingPunct="1">
+              <a:lnSpc>
+                <a:spcPct val="90000"/>
+              </a:lnSpc>
+              <a:spcBef>
+                <a:spcPts val="500"/>
+              </a:spcBef>
+              <a:buFont typeface="Arial" panose="020B0604020202020204" pitchFamily="34" charset="0"/>
+              <a:buChar char="•"/>
+              <a:defRPr sz="1800" kern="1200">
+                <a:solidFill>
+                  <a:schemeClr val="tx1"/>
+                </a:solidFill>
+                <a:latin typeface="+mn-lt"/>
+                <a:ea typeface="+mn-ea"/>
+                <a:cs typeface="+mn-cs"/>
+              </a:defRPr>
+            </a:lvl5pPr>
+            <a:lvl6pPr marL="2514600" indent="-228600" algn="l" defTabSz="914400" rtl="0" eaLnBrk="1" latinLnBrk="0" hangingPunct="1">
+              <a:lnSpc>
+                <a:spcPct val="90000"/>
+              </a:lnSpc>
+              <a:spcBef>
+                <a:spcPts val="500"/>
+              </a:spcBef>
+              <a:buFont typeface="Arial" panose="020B0604020202020204" pitchFamily="34" charset="0"/>
+              <a:buChar char="•"/>
+              <a:defRPr sz="1800" kern="1200">
+                <a:solidFill>
+                  <a:schemeClr val="tx1"/>
+                </a:solidFill>
+                <a:latin typeface="+mn-lt"/>
+                <a:ea typeface="+mn-ea"/>
+                <a:cs typeface="+mn-cs"/>
+              </a:defRPr>
+            </a:lvl6pPr>
+            <a:lvl7pPr marL="2971800" indent="-228600" algn="l" defTabSz="914400" rtl="0" eaLnBrk="1" latinLnBrk="0" hangingPunct="1">
+              <a:lnSpc>
+                <a:spcPct val="90000"/>
+              </a:lnSpc>
+              <a:spcBef>
+                <a:spcPts val="500"/>
+              </a:spcBef>
+              <a:buFont typeface="Arial" panose="020B0604020202020204" pitchFamily="34" charset="0"/>
+              <a:buChar char="•"/>
+              <a:defRPr sz="1800" kern="1200">
+                <a:solidFill>
+                  <a:schemeClr val="tx1"/>
+                </a:solidFill>
+                <a:latin typeface="+mn-lt"/>
+                <a:ea typeface="+mn-ea"/>
+                <a:cs typeface="+mn-cs"/>
+              </a:defRPr>
+            </a:lvl7pPr>
+            <a:lvl8pPr marL="3429000" indent="-228600" algn="l" defTabSz="914400" rtl="0" eaLnBrk="1" latinLnBrk="0" hangingPunct="1">
+              <a:lnSpc>
+                <a:spcPct val="90000"/>
+              </a:lnSpc>
+              <a:spcBef>
+                <a:spcPts val="500"/>
+              </a:spcBef>
+              <a:buFont typeface="Arial" panose="020B0604020202020204" pitchFamily="34" charset="0"/>
+              <a:buChar char="•"/>
+              <a:defRPr sz="1800" kern="1200">
+                <a:solidFill>
+                  <a:schemeClr val="tx1"/>
+                </a:solidFill>
+                <a:latin typeface="+mn-lt"/>
+                <a:ea typeface="+mn-ea"/>
+                <a:cs typeface="+mn-cs"/>
+              </a:defRPr>
+            </a:lvl8pPr>
+            <a:lvl9pPr marL="3886200" indent="-228600" algn="l" defTabSz="914400" rtl="0" eaLnBrk="1" latinLnBrk="0" hangingPunct="1">
+              <a:lnSpc>
+                <a:spcPct val="90000"/>
+              </a:lnSpc>
+              <a:spcBef>
+                <a:spcPts val="500"/>
+              </a:spcBef>
+              <a:buFont typeface="Arial" panose="020B0604020202020204" pitchFamily="34" charset="0"/>
+              <a:buChar char="•"/>
+              <a:defRPr sz="1800" kern="1200">
+                <a:solidFill>
+                  <a:schemeClr val="tx1"/>
+                </a:solidFill>
+                <a:latin typeface="+mn-lt"/>
+                <a:ea typeface="+mn-ea"/>
+                <a:cs typeface="+mn-cs"/>
+              </a:defRPr>
+            </a:lvl9pPr>
+          </a:lstStyle>
+          <a:p>
+            <a:endParaRPr lang="en-US" dirty="0" smtClean="0">
+              <a:solidFill>
+                <a:schemeClr val="accent4">
+                  <a:lumMod val="75000"/>
+                </a:schemeClr>
+              </a:solidFill>
+            </a:endParaRPr>
+          </a:p>
+        </p:txBody>
+      </p:sp>
+      <p:sp>
+        <p:nvSpPr>
+          <p:cNvPr id="17" name="Content Placeholder 7"/>
+          <p:cNvSpPr txBox="1">
+            <a:spLocks/>
+          </p:cNvSpPr>
+          <p:nvPr/>
+        </p:nvSpPr>
+        <p:spPr>
+          <a:xfrm>
+            <a:off x="6172199" y="5036949"/>
+            <a:ext cx="3490993" cy="501651"/>
+          </a:xfrm>
+          <a:prstGeom prst="rect">
+            <a:avLst/>
+          </a:prstGeom>
+        </p:spPr>
+        <p:txBody>
+          <a:bodyPr vert="horz" lIns="91440" tIns="45720" rIns="91440" bIns="45720" rtlCol="0">
+            <a:normAutofit/>
+          </a:bodyPr>
+          <a:lstStyle>
+            <a:lvl1pPr marL="228600" indent="-228600" algn="l" defTabSz="914400" rtl="0" eaLnBrk="1" latinLnBrk="0" hangingPunct="1">
+              <a:lnSpc>
+                <a:spcPct val="90000"/>
+              </a:lnSpc>
+              <a:spcBef>
+                <a:spcPts val="1000"/>
+              </a:spcBef>
+              <a:buFont typeface="Arial" panose="020B0604020202020204" pitchFamily="34" charset="0"/>
+              <a:buChar char="•"/>
+              <a:defRPr sz="2800" kern="1200">
+                <a:solidFill>
+                  <a:schemeClr val="tx1"/>
+                </a:solidFill>
+                <a:latin typeface="+mn-lt"/>
+                <a:ea typeface="+mn-ea"/>
+                <a:cs typeface="+mn-cs"/>
+              </a:defRPr>
+            </a:lvl1pPr>
+            <a:lvl2pPr marL="685800" indent="-228600" algn="l" defTabSz="914400" rtl="0" eaLnBrk="1" latinLnBrk="0" hangingPunct="1">
+              <a:lnSpc>
+                <a:spcPct val="90000"/>
+              </a:lnSpc>
+              <a:spcBef>
+                <a:spcPts val="500"/>
+              </a:spcBef>
+              <a:buFont typeface="Arial" panose="020B0604020202020204" pitchFamily="34" charset="0"/>
+              <a:buChar char="•"/>
+              <a:defRPr sz="2400" kern="1200">
+                <a:solidFill>
+                  <a:schemeClr val="tx1"/>
+                </a:solidFill>
+                <a:latin typeface="+mn-lt"/>
+                <a:ea typeface="+mn-ea"/>
+                <a:cs typeface="+mn-cs"/>
+              </a:defRPr>
+            </a:lvl2pPr>
+            <a:lvl3pPr marL="1143000" indent="-228600" algn="l" defTabSz="914400" rtl="0" eaLnBrk="1" latinLnBrk="0" hangingPunct="1">
+              <a:lnSpc>
+                <a:spcPct val="90000"/>
+              </a:lnSpc>
+              <a:spcBef>
+                <a:spcPts val="500"/>
+              </a:spcBef>
+              <a:buFont typeface="Arial" panose="020B0604020202020204" pitchFamily="34" charset="0"/>
+              <a:buChar char="•"/>
+              <a:defRPr sz="2000" kern="1200">
+                <a:solidFill>
+                  <a:schemeClr val="tx1"/>
+                </a:solidFill>
+                <a:latin typeface="+mn-lt"/>
+                <a:ea typeface="+mn-ea"/>
+                <a:cs typeface="+mn-cs"/>
+              </a:defRPr>
+            </a:lvl3pPr>
+            <a:lvl4pPr marL="1600200" indent="-228600" algn="l" defTabSz="914400" rtl="0" eaLnBrk="1" latinLnBrk="0" hangingPunct="1">
+              <a:lnSpc>
+                <a:spcPct val="90000"/>
+              </a:lnSpc>
+              <a:spcBef>
+                <a:spcPts val="500"/>
+              </a:spcBef>
+              <a:buFont typeface="Arial" panose="020B0604020202020204" pitchFamily="34" charset="0"/>
+              <a:buChar char="•"/>
+              <a:defRPr sz="1800" kern="1200">
+                <a:solidFill>
+                  <a:schemeClr val="tx1"/>
+                </a:solidFill>
+                <a:latin typeface="+mn-lt"/>
+                <a:ea typeface="+mn-ea"/>
+                <a:cs typeface="+mn-cs"/>
+              </a:defRPr>
+            </a:lvl4pPr>
+            <a:lvl5pPr marL="2057400" indent="-228600" algn="l" defTabSz="914400" rtl="0" eaLnBrk="1" latinLnBrk="0" hangingPunct="1">
+              <a:lnSpc>
+                <a:spcPct val="90000"/>
+              </a:lnSpc>
+              <a:spcBef>
+                <a:spcPts val="500"/>
+              </a:spcBef>
+              <a:buFont typeface="Arial" panose="020B0604020202020204" pitchFamily="34" charset="0"/>
+              <a:buChar char="•"/>
+              <a:defRPr sz="1800" kern="1200">
+                <a:solidFill>
+                  <a:schemeClr val="tx1"/>
+                </a:solidFill>
+                <a:latin typeface="+mn-lt"/>
+                <a:ea typeface="+mn-ea"/>
+                <a:cs typeface="+mn-cs"/>
+              </a:defRPr>
+            </a:lvl5pPr>
+            <a:lvl6pPr marL="2514600" indent="-228600" algn="l" defTabSz="914400" rtl="0" eaLnBrk="1" latinLnBrk="0" hangingPunct="1">
+              <a:lnSpc>
+                <a:spcPct val="90000"/>
+              </a:lnSpc>
+              <a:spcBef>
+                <a:spcPts val="500"/>
+              </a:spcBef>
+              <a:buFont typeface="Arial" panose="020B0604020202020204" pitchFamily="34" charset="0"/>
+              <a:buChar char="•"/>
+              <a:defRPr sz="1800" kern="1200">
+                <a:solidFill>
+                  <a:schemeClr val="tx1"/>
+                </a:solidFill>
+                <a:latin typeface="+mn-lt"/>
+                <a:ea typeface="+mn-ea"/>
+                <a:cs typeface="+mn-cs"/>
+              </a:defRPr>
+            </a:lvl6pPr>
+            <a:lvl7pPr marL="2971800" indent="-228600" algn="l" defTabSz="914400" rtl="0" eaLnBrk="1" latinLnBrk="0" hangingPunct="1">
+              <a:lnSpc>
+                <a:spcPct val="90000"/>
+              </a:lnSpc>
+              <a:spcBef>
+                <a:spcPts val="500"/>
+              </a:spcBef>
+              <a:buFont typeface="Arial" panose="020B0604020202020204" pitchFamily="34" charset="0"/>
+              <a:buChar char="•"/>
+              <a:defRPr sz="1800" kern="1200">
+                <a:solidFill>
+                  <a:schemeClr val="tx1"/>
+                </a:solidFill>
+                <a:latin typeface="+mn-lt"/>
+                <a:ea typeface="+mn-ea"/>
+                <a:cs typeface="+mn-cs"/>
+              </a:defRPr>
+            </a:lvl7pPr>
+            <a:lvl8pPr marL="3429000" indent="-228600" algn="l" defTabSz="914400" rtl="0" eaLnBrk="1" latinLnBrk="0" hangingPunct="1">
+              <a:lnSpc>
+                <a:spcPct val="90000"/>
+              </a:lnSpc>
+              <a:spcBef>
+                <a:spcPts val="500"/>
+              </a:spcBef>
+              <a:buFont typeface="Arial" panose="020B0604020202020204" pitchFamily="34" charset="0"/>
+              <a:buChar char="•"/>
+              <a:defRPr sz="1800" kern="1200">
+                <a:solidFill>
+                  <a:schemeClr val="tx1"/>
+                </a:solidFill>
+                <a:latin typeface="+mn-lt"/>
+                <a:ea typeface="+mn-ea"/>
+                <a:cs typeface="+mn-cs"/>
+              </a:defRPr>
+            </a:lvl8pPr>
+            <a:lvl9pPr marL="3886200" indent="-228600" algn="l" defTabSz="914400" rtl="0" eaLnBrk="1" latinLnBrk="0" hangingPunct="1">
+              <a:lnSpc>
+                <a:spcPct val="90000"/>
+              </a:lnSpc>
+              <a:spcBef>
+                <a:spcPts val="500"/>
+              </a:spcBef>
+              <a:buFont typeface="Arial" panose="020B0604020202020204" pitchFamily="34" charset="0"/>
+              <a:buChar char="•"/>
+              <a:defRPr sz="1800" kern="1200">
+                <a:solidFill>
+                  <a:schemeClr val="tx1"/>
+                </a:solidFill>
+                <a:latin typeface="+mn-lt"/>
+                <a:ea typeface="+mn-ea"/>
+                <a:cs typeface="+mn-cs"/>
+              </a:defRPr>
+            </a:lvl9pPr>
+          </a:lstStyle>
+          <a:p>
+            <a:endParaRPr lang="en-US" dirty="0" smtClean="0">
+              <a:solidFill>
+                <a:schemeClr val="accent4">
+                  <a:lumMod val="75000"/>
+                </a:schemeClr>
+              </a:solidFill>
+            </a:endParaRPr>
+          </a:p>
+        </p:txBody>
+      </p:sp>
+      <p:sp>
+        <p:nvSpPr>
+          <p:cNvPr id="13" name="Content Placeholder 7"/>
+          <p:cNvSpPr txBox="1">
+            <a:spLocks/>
+          </p:cNvSpPr>
+          <p:nvPr/>
+        </p:nvSpPr>
+        <p:spPr>
+          <a:xfrm>
+            <a:off x="6172199" y="3771010"/>
+            <a:ext cx="4539343" cy="1578229"/>
+          </a:xfrm>
+          <a:prstGeom prst="rect">
+            <a:avLst/>
+          </a:prstGeom>
+        </p:spPr>
+        <p:txBody>
+          <a:bodyPr vert="horz" lIns="91440" tIns="45720" rIns="91440" bIns="45720" rtlCol="0">
+            <a:noAutofit/>
+          </a:bodyPr>
+          <a:lstStyle>
+            <a:lvl1pPr marL="228600" indent="-228600" algn="l" defTabSz="914400" rtl="0" eaLnBrk="1" latinLnBrk="0" hangingPunct="1">
+              <a:lnSpc>
+                <a:spcPct val="90000"/>
+              </a:lnSpc>
+              <a:spcBef>
+                <a:spcPts val="1000"/>
+              </a:spcBef>
+              <a:buFont typeface="Arial" panose="020B0604020202020204" pitchFamily="34" charset="0"/>
+              <a:buChar char="•"/>
+              <a:defRPr sz="2800" kern="1200">
+                <a:solidFill>
+                  <a:schemeClr val="tx1"/>
+                </a:solidFill>
+                <a:latin typeface="+mn-lt"/>
+                <a:ea typeface="+mn-ea"/>
+                <a:cs typeface="+mn-cs"/>
+              </a:defRPr>
+            </a:lvl1pPr>
+            <a:lvl2pPr marL="685800" indent="-228600" algn="l" defTabSz="914400" rtl="0" eaLnBrk="1" latinLnBrk="0" hangingPunct="1">
+              <a:lnSpc>
+                <a:spcPct val="90000"/>
+              </a:lnSpc>
+              <a:spcBef>
+                <a:spcPts val="500"/>
+              </a:spcBef>
+              <a:buFont typeface="Arial" panose="020B0604020202020204" pitchFamily="34" charset="0"/>
+              <a:buChar char="•"/>
+              <a:defRPr sz="2400" kern="1200">
+                <a:solidFill>
+                  <a:schemeClr val="tx1"/>
+                </a:solidFill>
+                <a:latin typeface="+mn-lt"/>
+                <a:ea typeface="+mn-ea"/>
+                <a:cs typeface="+mn-cs"/>
+              </a:defRPr>
+            </a:lvl2pPr>
+            <a:lvl3pPr marL="1143000" indent="-228600" algn="l" defTabSz="914400" rtl="0" eaLnBrk="1" latinLnBrk="0" hangingPunct="1">
+              <a:lnSpc>
+                <a:spcPct val="90000"/>
+              </a:lnSpc>
+              <a:spcBef>
+                <a:spcPts val="500"/>
+              </a:spcBef>
+              <a:buFont typeface="Arial" panose="020B0604020202020204" pitchFamily="34" charset="0"/>
+              <a:buChar char="•"/>
+              <a:defRPr sz="2000" kern="1200">
+                <a:solidFill>
+                  <a:schemeClr val="tx1"/>
+                </a:solidFill>
+                <a:latin typeface="+mn-lt"/>
+                <a:ea typeface="+mn-ea"/>
+                <a:cs typeface="+mn-cs"/>
+              </a:defRPr>
+            </a:lvl3pPr>
+            <a:lvl4pPr marL="1600200" indent="-228600" algn="l" defTabSz="914400" rtl="0" eaLnBrk="1" latinLnBrk="0" hangingPunct="1">
+              <a:lnSpc>
+                <a:spcPct val="90000"/>
+              </a:lnSpc>
+              <a:spcBef>
+                <a:spcPts val="500"/>
+              </a:spcBef>
+              <a:buFont typeface="Arial" panose="020B0604020202020204" pitchFamily="34" charset="0"/>
+              <a:buChar char="•"/>
+              <a:defRPr sz="1800" kern="1200">
+                <a:solidFill>
+                  <a:schemeClr val="tx1"/>
+                </a:solidFill>
+                <a:latin typeface="+mn-lt"/>
+                <a:ea typeface="+mn-ea"/>
+                <a:cs typeface="+mn-cs"/>
+              </a:defRPr>
+            </a:lvl4pPr>
+            <a:lvl5pPr marL="2057400" indent="-228600" algn="l" defTabSz="914400" rtl="0" eaLnBrk="1" latinLnBrk="0" hangingPunct="1">
+              <a:lnSpc>
+                <a:spcPct val="90000"/>
+              </a:lnSpc>
+              <a:spcBef>
+                <a:spcPts val="500"/>
+              </a:spcBef>
+              <a:buFont typeface="Arial" panose="020B0604020202020204" pitchFamily="34" charset="0"/>
+              <a:buChar char="•"/>
+              <a:defRPr sz="1800" kern="1200">
+                <a:solidFill>
+                  <a:schemeClr val="tx1"/>
+                </a:solidFill>
+                <a:latin typeface="+mn-lt"/>
+                <a:ea typeface="+mn-ea"/>
+                <a:cs typeface="+mn-cs"/>
+              </a:defRPr>
+            </a:lvl5pPr>
+            <a:lvl6pPr marL="2514600" indent="-228600" algn="l" defTabSz="914400" rtl="0" eaLnBrk="1" latinLnBrk="0" hangingPunct="1">
+              <a:lnSpc>
+                <a:spcPct val="90000"/>
+              </a:lnSpc>
+              <a:spcBef>
+                <a:spcPts val="500"/>
+              </a:spcBef>
+              <a:buFont typeface="Arial" panose="020B0604020202020204" pitchFamily="34" charset="0"/>
+              <a:buChar char="•"/>
+              <a:defRPr sz="1800" kern="1200">
+                <a:solidFill>
+                  <a:schemeClr val="tx1"/>
+                </a:solidFill>
+                <a:latin typeface="+mn-lt"/>
+                <a:ea typeface="+mn-ea"/>
+                <a:cs typeface="+mn-cs"/>
+              </a:defRPr>
+            </a:lvl6pPr>
+            <a:lvl7pPr marL="2971800" indent="-228600" algn="l" defTabSz="914400" rtl="0" eaLnBrk="1" latinLnBrk="0" hangingPunct="1">
+              <a:lnSpc>
+                <a:spcPct val="90000"/>
+              </a:lnSpc>
+              <a:spcBef>
+                <a:spcPts val="500"/>
+              </a:spcBef>
+              <a:buFont typeface="Arial" panose="020B0604020202020204" pitchFamily="34" charset="0"/>
+              <a:buChar char="•"/>
+              <a:defRPr sz="1800" kern="1200">
+                <a:solidFill>
+                  <a:schemeClr val="tx1"/>
+                </a:solidFill>
+                <a:latin typeface="+mn-lt"/>
+                <a:ea typeface="+mn-ea"/>
+                <a:cs typeface="+mn-cs"/>
+              </a:defRPr>
+            </a:lvl7pPr>
+            <a:lvl8pPr marL="3429000" indent="-228600" algn="l" defTabSz="914400" rtl="0" eaLnBrk="1" latinLnBrk="0" hangingPunct="1">
+              <a:lnSpc>
+                <a:spcPct val="90000"/>
+              </a:lnSpc>
+              <a:spcBef>
+                <a:spcPts val="500"/>
+              </a:spcBef>
+              <a:buFont typeface="Arial" panose="020B0604020202020204" pitchFamily="34" charset="0"/>
+              <a:buChar char="•"/>
+              <a:defRPr sz="1800" kern="1200">
+                <a:solidFill>
+                  <a:schemeClr val="tx1"/>
+                </a:solidFill>
+                <a:latin typeface="+mn-lt"/>
+                <a:ea typeface="+mn-ea"/>
+                <a:cs typeface="+mn-cs"/>
+              </a:defRPr>
+            </a:lvl8pPr>
+            <a:lvl9pPr marL="3886200" indent="-228600" algn="l" defTabSz="914400" rtl="0" eaLnBrk="1" latinLnBrk="0" hangingPunct="1">
+              <a:lnSpc>
+                <a:spcPct val="90000"/>
+              </a:lnSpc>
+              <a:spcBef>
+                <a:spcPts val="500"/>
+              </a:spcBef>
+              <a:buFont typeface="Arial" panose="020B0604020202020204" pitchFamily="34" charset="0"/>
+              <a:buChar char="•"/>
+              <a:defRPr sz="1800" kern="1200">
+                <a:solidFill>
+                  <a:schemeClr val="tx1"/>
+                </a:solidFill>
+                <a:latin typeface="+mn-lt"/>
+                <a:ea typeface="+mn-ea"/>
+                <a:cs typeface="+mn-cs"/>
+              </a:defRPr>
+            </a:lvl9pPr>
+          </a:lstStyle>
+          <a:p>
+            <a:r>
+              <a:rPr lang="en-US" dirty="0" smtClean="0">
+                <a:solidFill>
+                  <a:schemeClr val="accent4">
+                    <a:lumMod val="75000"/>
+                  </a:schemeClr>
+                </a:solidFill>
+              </a:rPr>
+              <a:t>Two M estimated (stock)</a:t>
+            </a:r>
+          </a:p>
+          <a:p>
+            <a:pPr lvl="1"/>
+            <a:r>
+              <a:rPr lang="en-US" dirty="0">
+                <a:solidFill>
+                  <a:schemeClr val="accent4">
+                    <a:lumMod val="75000"/>
+                  </a:schemeClr>
+                </a:solidFill>
+              </a:rPr>
+              <a:t>North - 0.534</a:t>
+            </a:r>
+            <a:endParaRPr lang="en-US" dirty="0" smtClean="0">
+              <a:solidFill>
+                <a:schemeClr val="accent4">
+                  <a:lumMod val="75000"/>
+                </a:schemeClr>
+              </a:solidFill>
+            </a:endParaRPr>
+          </a:p>
+          <a:p>
+            <a:pPr lvl="1"/>
+            <a:r>
+              <a:rPr lang="en-US" dirty="0">
+                <a:solidFill>
+                  <a:schemeClr val="accent4">
+                    <a:lumMod val="75000"/>
+                  </a:schemeClr>
+                </a:solidFill>
+              </a:rPr>
+              <a:t>South - </a:t>
+            </a:r>
+            <a:r>
+              <a:rPr lang="en-US" dirty="0" smtClean="0">
+                <a:solidFill>
+                  <a:schemeClr val="accent4">
+                    <a:lumMod val="75000"/>
+                  </a:schemeClr>
+                </a:solidFill>
+              </a:rPr>
+              <a:t>0.778</a:t>
+            </a:r>
+            <a:endParaRPr lang="en-US" dirty="0" smtClean="0">
+              <a:solidFill>
+                <a:schemeClr val="accent4">
+                  <a:lumMod val="75000"/>
+                </a:schemeClr>
+              </a:solidFill>
+            </a:endParaRPr>
+          </a:p>
+        </p:txBody>
+      </p:sp>
     </p:spTree>
     <p:extLst>
       <p:ext uri="{BB962C8B-B14F-4D97-AF65-F5344CB8AC3E}">
-        <p14:creationId xmlns:p14="http://schemas.microsoft.com/office/powerpoint/2010/main" val="2689090137"/>
+        <p14:creationId xmlns:p14="http://schemas.microsoft.com/office/powerpoint/2010/main" val="1006062046"/>
       </p:ext>
     </p:extLst>
   </p:cSld>
@@ -8639,119 +8909,100 @@
           <a:chExt cx="0" cy="0"/>
         </a:xfrm>
       </p:grpSpPr>
-      <p:sp>
-        <p:nvSpPr>
-          <p:cNvPr id="2" name="Title 1"/>
-          <p:cNvSpPr>
-            <a:spLocks noGrp="1"/>
-          </p:cNvSpPr>
-          <p:nvPr>
-            <p:ph type="title"/>
-          </p:nvPr>
-        </p:nvSpPr>
-        <p:spPr/>
-        <p:txBody>
-          <a:bodyPr/>
-          <a:lstStyle/>
-          <a:p>
-            <a:r>
-              <a:rPr lang="en-US" dirty="0" smtClean="0"/>
-              <a:t>Options for Sensitivity Item 1</a:t>
-            </a:r>
-            <a:endParaRPr lang="en-US" dirty="0"/>
-          </a:p>
-        </p:txBody>
-      </p:sp>
-      <p:sp>
-        <p:nvSpPr>
-          <p:cNvPr id="3" name="Content Placeholder 2"/>
-          <p:cNvSpPr>
-            <a:spLocks noGrp="1"/>
-          </p:cNvSpPr>
-          <p:nvPr>
-            <p:ph idx="1"/>
-          </p:nvPr>
-        </p:nvSpPr>
-        <p:spPr/>
-        <p:txBody>
-          <a:bodyPr/>
-          <a:lstStyle/>
-          <a:p>
-            <a:pPr marL="514350" indent="-514350">
-              <a:buFont typeface="+mj-lt"/>
-              <a:buAutoNum type="arabicPeriod"/>
-            </a:pPr>
-            <a:r>
-              <a:rPr lang="en-US" dirty="0">
-                <a:solidFill>
-                  <a:schemeClr val="bg2">
-                    <a:lumMod val="90000"/>
-                  </a:schemeClr>
-                </a:solidFill>
-              </a:rPr>
-              <a:t>Estimate </a:t>
-            </a:r>
-            <a:r>
-              <a:rPr lang="en-US" dirty="0" smtClean="0">
-                <a:solidFill>
-                  <a:schemeClr val="bg2">
-                    <a:lumMod val="90000"/>
-                  </a:schemeClr>
-                </a:solidFill>
-              </a:rPr>
-              <a:t>age-independent </a:t>
-            </a:r>
-            <a:r>
-              <a:rPr lang="en-US" dirty="0" smtClean="0">
-                <a:solidFill>
-                  <a:schemeClr val="bg2">
-                    <a:lumMod val="90000"/>
-                  </a:schemeClr>
-                </a:solidFill>
-              </a:rPr>
-              <a:t>M</a:t>
-            </a:r>
-          </a:p>
-          <a:p>
-            <a:pPr marL="514350" indent="-514350">
-              <a:buFont typeface="+mj-lt"/>
-              <a:buAutoNum type="arabicPeriod"/>
-            </a:pPr>
-            <a:r>
-              <a:rPr lang="en-US" dirty="0" smtClean="0"/>
-              <a:t>Fix M at higher or lower </a:t>
-            </a:r>
-            <a:r>
-              <a:rPr lang="en-US" dirty="0" smtClean="0"/>
-              <a:t>values </a:t>
-            </a:r>
-            <a:r>
-              <a:rPr lang="en-US" dirty="0" smtClean="0"/>
-              <a:t>than was used in Run 34</a:t>
-            </a:r>
-          </a:p>
-          <a:p>
-            <a:pPr marL="514350" indent="-514350">
-              <a:buFont typeface="+mj-lt"/>
-              <a:buAutoNum type="arabicPeriod"/>
-            </a:pPr>
-            <a:r>
-              <a:rPr lang="en-US" dirty="0" smtClean="0">
-                <a:solidFill>
-                  <a:schemeClr val="bg2">
-                    <a:lumMod val="90000"/>
-                  </a:schemeClr>
-                </a:solidFill>
-              </a:rPr>
-              <a:t>Fix age-dependent M</a:t>
-            </a:r>
-          </a:p>
-        </p:txBody>
-      </p:sp>
+      <p:pic>
+        <p:nvPicPr>
+          <p:cNvPr id="2" name="Picture 1"/>
+          <p:cNvPicPr>
+            <a:picLocks noChangeAspect="1"/>
+          </p:cNvPicPr>
+          <p:nvPr/>
+        </p:nvPicPr>
+        <p:blipFill>
+          <a:blip r:embed="rId2" cstate="print">
+            <a:extLst>
+              <a:ext uri="{28A0092B-C50C-407E-A947-70E740481C1C}">
+                <a14:useLocalDpi xmlns:a14="http://schemas.microsoft.com/office/drawing/2010/main" val="0"/>
+              </a:ext>
+            </a:extLst>
+          </a:blip>
+          <a:stretch>
+            <a:fillRect/>
+          </a:stretch>
+        </p:blipFill>
+        <p:spPr>
+          <a:xfrm>
+            <a:off x="203835" y="-1"/>
+            <a:ext cx="4286250" cy="6858000"/>
+          </a:xfrm>
+          <a:prstGeom prst="rect">
+            <a:avLst/>
+          </a:prstGeom>
+        </p:spPr>
+      </p:pic>
+      <p:pic>
+        <p:nvPicPr>
+          <p:cNvPr id="3" name="Picture 2"/>
+          <p:cNvPicPr>
+            <a:picLocks noChangeAspect="1"/>
+          </p:cNvPicPr>
+          <p:nvPr/>
+        </p:nvPicPr>
+        <p:blipFill>
+          <a:blip r:embed="rId3" cstate="print">
+            <a:extLst>
+              <a:ext uri="{28A0092B-C50C-407E-A947-70E740481C1C}">
+                <a14:useLocalDpi xmlns:a14="http://schemas.microsoft.com/office/drawing/2010/main" val="0"/>
+              </a:ext>
+            </a:extLst>
+          </a:blip>
+          <a:stretch>
+            <a:fillRect/>
+          </a:stretch>
+        </p:blipFill>
+        <p:spPr>
+          <a:xfrm>
+            <a:off x="4154806" y="1681475"/>
+            <a:ext cx="3663956" cy="2931165"/>
+          </a:xfrm>
+          <a:prstGeom prst="rect">
+            <a:avLst/>
+          </a:prstGeom>
+        </p:spPr>
+      </p:pic>
+      <p:pic>
+        <p:nvPicPr>
+          <p:cNvPr id="4" name="Picture 3"/>
+          <p:cNvPicPr>
+            <a:picLocks noChangeAspect="1"/>
+          </p:cNvPicPr>
+          <p:nvPr/>
+        </p:nvPicPr>
+        <p:blipFill>
+          <a:blip r:embed="rId4" cstate="print">
+            <a:extLst>
+              <a:ext uri="{28A0092B-C50C-407E-A947-70E740481C1C}">
+                <a14:useLocalDpi xmlns:a14="http://schemas.microsoft.com/office/drawing/2010/main" val="0"/>
+              </a:ext>
+            </a:extLst>
+          </a:blip>
+          <a:stretch>
+            <a:fillRect/>
+          </a:stretch>
+        </p:blipFill>
+        <p:spPr>
+          <a:xfrm>
+            <a:off x="7818762" y="0"/>
+            <a:ext cx="4286250" cy="6858000"/>
+          </a:xfrm>
+          <a:prstGeom prst="rect">
+            <a:avLst/>
+          </a:prstGeom>
+        </p:spPr>
+      </p:pic>
     </p:spTree>
     <p:extLst>
       <p:ext uri="{BB962C8B-B14F-4D97-AF65-F5344CB8AC3E}">
-        <p14:creationId xmlns:p14="http://schemas.microsoft.com/office/powerpoint/2010/main" val="2656154398"/>
+        <p14:creationId xmlns:p14="http://schemas.microsoft.com/office/powerpoint/2010/main" val="2689090137"/>
       </p:ext>
     </p:extLst>
   </p:cSld>
@@ -8848,7 +9099,7 @@
       </p:grpSpPr>
       <p:sp>
         <p:nvSpPr>
-          <p:cNvPr id="4" name="Title 3"/>
+          <p:cNvPr id="2" name="Title 1"/>
           <p:cNvSpPr>
             <a:spLocks noGrp="1"/>
           </p:cNvSpPr>
@@ -8863,11 +9114,7 @@
           <a:p>
             <a:r>
               <a:rPr lang="en-US" dirty="0" smtClean="0"/>
-              <a:t>Run </a:t>
-            </a:r>
-            <a:r>
-              <a:rPr lang="en-US" dirty="0" smtClean="0"/>
-              <a:t>35-36 (Option 1) </a:t>
+              <a:t>Options for Sensitivity Item 1</a:t>
             </a:r>
             <a:endParaRPr lang="en-US" dirty="0"/>
           </a:p>
@@ -8875,12 +9122,12 @@
       </p:sp>
       <p:sp>
         <p:nvSpPr>
-          <p:cNvPr id="5" name="Text Placeholder 4"/>
+          <p:cNvPr id="3" name="Content Placeholder 2"/>
           <p:cNvSpPr>
             <a:spLocks noGrp="1"/>
           </p:cNvSpPr>
           <p:nvPr>
-            <p:ph type="body" idx="1"/>
+            <p:ph idx="1"/>
           </p:nvPr>
         </p:nvSpPr>
         <p:spPr/>
@@ -8888,919 +9135,63 @@
           <a:bodyPr/>
           <a:lstStyle/>
           <a:p>
+            <a:pPr marL="514350" indent="-514350">
+              <a:buFont typeface="+mj-lt"/>
+              <a:buAutoNum type="arabicPeriod"/>
+            </a:pPr>
+            <a:r>
+              <a:rPr lang="en-US" dirty="0">
+                <a:solidFill>
+                  <a:schemeClr val="bg2">
+                    <a:lumMod val="90000"/>
+                  </a:schemeClr>
+                </a:solidFill>
+              </a:rPr>
+              <a:t>Estimate </a:t>
+            </a:r>
+            <a:r>
+              <a:rPr lang="en-US" dirty="0" smtClean="0">
+                <a:solidFill>
+                  <a:schemeClr val="bg2">
+                    <a:lumMod val="90000"/>
+                  </a:schemeClr>
+                </a:solidFill>
+              </a:rPr>
+              <a:t>age-independent M</a:t>
+            </a:r>
+          </a:p>
+          <a:p>
+            <a:pPr marL="514350" indent="-514350">
+              <a:buFont typeface="+mj-lt"/>
+              <a:buAutoNum type="arabicPeriod"/>
+            </a:pPr>
             <a:r>
               <a:rPr lang="en-US" dirty="0" smtClean="0"/>
-              <a:t>Run 34</a:t>
-            </a:r>
-            <a:endParaRPr lang="en-US" dirty="0"/>
-          </a:p>
-        </p:txBody>
-      </p:sp>
-      <p:sp>
-        <p:nvSpPr>
-          <p:cNvPr id="6" name="Content Placeholder 5"/>
-          <p:cNvSpPr>
-            <a:spLocks noGrp="1"/>
-          </p:cNvSpPr>
-          <p:nvPr>
-            <p:ph sz="half" idx="2"/>
-          </p:nvPr>
-        </p:nvSpPr>
-        <p:spPr/>
-        <p:txBody>
-          <a:bodyPr>
-            <a:normAutofit/>
-          </a:bodyPr>
-          <a:lstStyle/>
-          <a:p>
-            <a:r>
-              <a:rPr lang="en-US" dirty="0" smtClean="0"/>
-              <a:t>Age-invariant M fixed at 0.4</a:t>
-            </a:r>
-            <a:endParaRPr lang="en-US" dirty="0" smtClean="0">
-              <a:solidFill>
-                <a:schemeClr val="accent4">
-                  <a:lumMod val="75000"/>
-                </a:schemeClr>
-              </a:solidFill>
-            </a:endParaRPr>
-          </a:p>
-        </p:txBody>
-      </p:sp>
-      <p:sp>
-        <p:nvSpPr>
-          <p:cNvPr id="7" name="Text Placeholder 6"/>
-          <p:cNvSpPr>
-            <a:spLocks noGrp="1"/>
-          </p:cNvSpPr>
-          <p:nvPr>
-            <p:ph type="body" sz="quarter" idx="3"/>
-          </p:nvPr>
-        </p:nvSpPr>
-        <p:spPr>
-          <a:xfrm>
-            <a:off x="6172200" y="2053525"/>
-            <a:ext cx="1390973" cy="451550"/>
-          </a:xfrm>
-        </p:spPr>
-        <p:txBody>
-          <a:bodyPr/>
-          <a:lstStyle/>
-          <a:p>
-            <a:r>
-              <a:rPr lang="en-US" dirty="0" smtClean="0"/>
-              <a:t>Run </a:t>
-            </a:r>
-            <a:r>
-              <a:rPr lang="en-US" dirty="0" smtClean="0"/>
-              <a:t>39</a:t>
-            </a:r>
-            <a:endParaRPr lang="en-US" dirty="0"/>
-          </a:p>
-        </p:txBody>
-      </p:sp>
-      <p:sp>
-        <p:nvSpPr>
-          <p:cNvPr id="8" name="Content Placeholder 7"/>
-          <p:cNvSpPr>
-            <a:spLocks noGrp="1"/>
-          </p:cNvSpPr>
-          <p:nvPr>
-            <p:ph sz="quarter" idx="4"/>
-          </p:nvPr>
-        </p:nvSpPr>
-        <p:spPr>
-          <a:xfrm>
-            <a:off x="6172199" y="2505075"/>
-            <a:ext cx="4539343" cy="814386"/>
-          </a:xfrm>
-        </p:spPr>
-        <p:txBody>
-          <a:bodyPr>
-            <a:noAutofit/>
-          </a:bodyPr>
-          <a:lstStyle/>
-          <a:p>
+              <a:t>Fix M at higher or lower values than was used in Run 34</a:t>
+            </a:r>
+          </a:p>
+          <a:p>
+            <a:pPr marL="514350" indent="-514350">
+              <a:buFont typeface="+mj-lt"/>
+              <a:buAutoNum type="arabicPeriod"/>
+            </a:pPr>
             <a:r>
               <a:rPr lang="en-US" dirty="0" smtClean="0">
                 <a:solidFill>
-                  <a:schemeClr val="accent4">
-                    <a:lumMod val="75000"/>
+                  <a:schemeClr val="bg2">
+                    <a:lumMod val="90000"/>
                   </a:schemeClr>
                 </a:solidFill>
               </a:rPr>
-              <a:t>Age-invariant M fixed at 0.6</a:t>
-            </a:r>
-            <a:endParaRPr lang="en-US" dirty="0" smtClean="0">
-              <a:solidFill>
-                <a:schemeClr val="accent4">
-                  <a:lumMod val="75000"/>
-                </a:schemeClr>
-              </a:solidFill>
-            </a:endParaRPr>
-          </a:p>
-        </p:txBody>
-      </p:sp>
-      <p:sp>
-        <p:nvSpPr>
-          <p:cNvPr id="9" name="Text Placeholder 6"/>
-          <p:cNvSpPr txBox="1">
-            <a:spLocks/>
-          </p:cNvSpPr>
-          <p:nvPr/>
-        </p:nvSpPr>
-        <p:spPr>
-          <a:xfrm>
-            <a:off x="6172200" y="3319462"/>
-            <a:ext cx="1390973" cy="451550"/>
-          </a:xfrm>
-          <a:prstGeom prst="rect">
-            <a:avLst/>
-          </a:prstGeom>
-        </p:spPr>
-        <p:txBody>
-          <a:bodyPr vert="horz" lIns="91440" tIns="45720" rIns="91440" bIns="45720" rtlCol="0" anchor="b">
-            <a:normAutofit/>
-          </a:bodyPr>
-          <a:lstStyle>
-            <a:lvl1pPr marL="0" indent="0" algn="l" defTabSz="914400" rtl="0" eaLnBrk="1" latinLnBrk="0" hangingPunct="1">
-              <a:lnSpc>
-                <a:spcPct val="90000"/>
-              </a:lnSpc>
-              <a:spcBef>
-                <a:spcPts val="1000"/>
-              </a:spcBef>
-              <a:buFont typeface="Arial" panose="020B0604020202020204" pitchFamily="34" charset="0"/>
-              <a:buNone/>
-              <a:defRPr sz="2400" b="1" kern="1200">
-                <a:solidFill>
-                  <a:schemeClr val="tx1"/>
-                </a:solidFill>
-                <a:latin typeface="+mn-lt"/>
-                <a:ea typeface="+mn-ea"/>
-                <a:cs typeface="+mn-cs"/>
-              </a:defRPr>
-            </a:lvl1pPr>
-            <a:lvl2pPr marL="457200" indent="0" algn="l" defTabSz="914400" rtl="0" eaLnBrk="1" latinLnBrk="0" hangingPunct="1">
-              <a:lnSpc>
-                <a:spcPct val="90000"/>
-              </a:lnSpc>
-              <a:spcBef>
-                <a:spcPts val="500"/>
-              </a:spcBef>
-              <a:buFont typeface="Arial" panose="020B0604020202020204" pitchFamily="34" charset="0"/>
-              <a:buNone/>
-              <a:defRPr sz="2000" b="1" kern="1200">
-                <a:solidFill>
-                  <a:schemeClr val="tx1"/>
-                </a:solidFill>
-                <a:latin typeface="+mn-lt"/>
-                <a:ea typeface="+mn-ea"/>
-                <a:cs typeface="+mn-cs"/>
-              </a:defRPr>
-            </a:lvl2pPr>
-            <a:lvl3pPr marL="914400" indent="0" algn="l" defTabSz="914400" rtl="0" eaLnBrk="1" latinLnBrk="0" hangingPunct="1">
-              <a:lnSpc>
-                <a:spcPct val="90000"/>
-              </a:lnSpc>
-              <a:spcBef>
-                <a:spcPts val="500"/>
-              </a:spcBef>
-              <a:buFont typeface="Arial" panose="020B0604020202020204" pitchFamily="34" charset="0"/>
-              <a:buNone/>
-              <a:defRPr sz="1800" b="1" kern="1200">
-                <a:solidFill>
-                  <a:schemeClr val="tx1"/>
-                </a:solidFill>
-                <a:latin typeface="+mn-lt"/>
-                <a:ea typeface="+mn-ea"/>
-                <a:cs typeface="+mn-cs"/>
-              </a:defRPr>
-            </a:lvl3pPr>
-            <a:lvl4pPr marL="1371600" indent="0" algn="l" defTabSz="914400" rtl="0" eaLnBrk="1" latinLnBrk="0" hangingPunct="1">
-              <a:lnSpc>
-                <a:spcPct val="90000"/>
-              </a:lnSpc>
-              <a:spcBef>
-                <a:spcPts val="500"/>
-              </a:spcBef>
-              <a:buFont typeface="Arial" panose="020B0604020202020204" pitchFamily="34" charset="0"/>
-              <a:buNone/>
-              <a:defRPr sz="1600" b="1" kern="1200">
-                <a:solidFill>
-                  <a:schemeClr val="tx1"/>
-                </a:solidFill>
-                <a:latin typeface="+mn-lt"/>
-                <a:ea typeface="+mn-ea"/>
-                <a:cs typeface="+mn-cs"/>
-              </a:defRPr>
-            </a:lvl4pPr>
-            <a:lvl5pPr marL="1828800" indent="0" algn="l" defTabSz="914400" rtl="0" eaLnBrk="1" latinLnBrk="0" hangingPunct="1">
-              <a:lnSpc>
-                <a:spcPct val="90000"/>
-              </a:lnSpc>
-              <a:spcBef>
-                <a:spcPts val="500"/>
-              </a:spcBef>
-              <a:buFont typeface="Arial" panose="020B0604020202020204" pitchFamily="34" charset="0"/>
-              <a:buNone/>
-              <a:defRPr sz="1600" b="1" kern="1200">
-                <a:solidFill>
-                  <a:schemeClr val="tx1"/>
-                </a:solidFill>
-                <a:latin typeface="+mn-lt"/>
-                <a:ea typeface="+mn-ea"/>
-                <a:cs typeface="+mn-cs"/>
-              </a:defRPr>
-            </a:lvl5pPr>
-            <a:lvl6pPr marL="2286000" indent="0" algn="l" defTabSz="914400" rtl="0" eaLnBrk="1" latinLnBrk="0" hangingPunct="1">
-              <a:lnSpc>
-                <a:spcPct val="90000"/>
-              </a:lnSpc>
-              <a:spcBef>
-                <a:spcPts val="500"/>
-              </a:spcBef>
-              <a:buFont typeface="Arial" panose="020B0604020202020204" pitchFamily="34" charset="0"/>
-              <a:buNone/>
-              <a:defRPr sz="1600" b="1" kern="1200">
-                <a:solidFill>
-                  <a:schemeClr val="tx1"/>
-                </a:solidFill>
-                <a:latin typeface="+mn-lt"/>
-                <a:ea typeface="+mn-ea"/>
-                <a:cs typeface="+mn-cs"/>
-              </a:defRPr>
-            </a:lvl6pPr>
-            <a:lvl7pPr marL="2743200" indent="0" algn="l" defTabSz="914400" rtl="0" eaLnBrk="1" latinLnBrk="0" hangingPunct="1">
-              <a:lnSpc>
-                <a:spcPct val="90000"/>
-              </a:lnSpc>
-              <a:spcBef>
-                <a:spcPts val="500"/>
-              </a:spcBef>
-              <a:buFont typeface="Arial" panose="020B0604020202020204" pitchFamily="34" charset="0"/>
-              <a:buNone/>
-              <a:defRPr sz="1600" b="1" kern="1200">
-                <a:solidFill>
-                  <a:schemeClr val="tx1"/>
-                </a:solidFill>
-                <a:latin typeface="+mn-lt"/>
-                <a:ea typeface="+mn-ea"/>
-                <a:cs typeface="+mn-cs"/>
-              </a:defRPr>
-            </a:lvl7pPr>
-            <a:lvl8pPr marL="3200400" indent="0" algn="l" defTabSz="914400" rtl="0" eaLnBrk="1" latinLnBrk="0" hangingPunct="1">
-              <a:lnSpc>
-                <a:spcPct val="90000"/>
-              </a:lnSpc>
-              <a:spcBef>
-                <a:spcPts val="500"/>
-              </a:spcBef>
-              <a:buFont typeface="Arial" panose="020B0604020202020204" pitchFamily="34" charset="0"/>
-              <a:buNone/>
-              <a:defRPr sz="1600" b="1" kern="1200">
-                <a:solidFill>
-                  <a:schemeClr val="tx1"/>
-                </a:solidFill>
-                <a:latin typeface="+mn-lt"/>
-                <a:ea typeface="+mn-ea"/>
-                <a:cs typeface="+mn-cs"/>
-              </a:defRPr>
-            </a:lvl8pPr>
-            <a:lvl9pPr marL="3657600" indent="0" algn="l" defTabSz="914400" rtl="0" eaLnBrk="1" latinLnBrk="0" hangingPunct="1">
-              <a:lnSpc>
-                <a:spcPct val="90000"/>
-              </a:lnSpc>
-              <a:spcBef>
-                <a:spcPts val="500"/>
-              </a:spcBef>
-              <a:buFont typeface="Arial" panose="020B0604020202020204" pitchFamily="34" charset="0"/>
-              <a:buNone/>
-              <a:defRPr sz="1600" b="1" kern="1200">
-                <a:solidFill>
-                  <a:schemeClr val="tx1"/>
-                </a:solidFill>
-                <a:latin typeface="+mn-lt"/>
-                <a:ea typeface="+mn-ea"/>
-                <a:cs typeface="+mn-cs"/>
-              </a:defRPr>
-            </a:lvl9pPr>
-          </a:lstStyle>
-          <a:p>
-            <a:r>
-              <a:rPr lang="en-US" dirty="0" smtClean="0"/>
-              <a:t>Run </a:t>
-            </a:r>
-            <a:r>
-              <a:rPr lang="en-US" dirty="0" smtClean="0"/>
-              <a:t>40</a:t>
-            </a:r>
-            <a:endParaRPr lang="en-US" dirty="0"/>
-          </a:p>
-        </p:txBody>
-      </p:sp>
-      <p:sp>
-        <p:nvSpPr>
-          <p:cNvPr id="11" name="Content Placeholder 7"/>
-          <p:cNvSpPr txBox="1">
-            <a:spLocks/>
-          </p:cNvSpPr>
-          <p:nvPr/>
-        </p:nvSpPr>
-        <p:spPr>
-          <a:xfrm>
-            <a:off x="6172199" y="3771012"/>
-            <a:ext cx="3490993" cy="501651"/>
-          </a:xfrm>
-          <a:prstGeom prst="rect">
-            <a:avLst/>
-          </a:prstGeom>
-        </p:spPr>
-        <p:txBody>
-          <a:bodyPr vert="horz" lIns="91440" tIns="45720" rIns="91440" bIns="45720" rtlCol="0">
-            <a:normAutofit/>
-          </a:bodyPr>
-          <a:lstStyle>
-            <a:lvl1pPr marL="228600" indent="-228600" algn="l" defTabSz="914400" rtl="0" eaLnBrk="1" latinLnBrk="0" hangingPunct="1">
-              <a:lnSpc>
-                <a:spcPct val="90000"/>
-              </a:lnSpc>
-              <a:spcBef>
-                <a:spcPts val="1000"/>
-              </a:spcBef>
-              <a:buFont typeface="Arial" panose="020B0604020202020204" pitchFamily="34" charset="0"/>
-              <a:buChar char="•"/>
-              <a:defRPr sz="2800" kern="1200">
-                <a:solidFill>
-                  <a:schemeClr val="tx1"/>
-                </a:solidFill>
-                <a:latin typeface="+mn-lt"/>
-                <a:ea typeface="+mn-ea"/>
-                <a:cs typeface="+mn-cs"/>
-              </a:defRPr>
-            </a:lvl1pPr>
-            <a:lvl2pPr marL="685800" indent="-228600" algn="l" defTabSz="914400" rtl="0" eaLnBrk="1" latinLnBrk="0" hangingPunct="1">
-              <a:lnSpc>
-                <a:spcPct val="90000"/>
-              </a:lnSpc>
-              <a:spcBef>
-                <a:spcPts val="500"/>
-              </a:spcBef>
-              <a:buFont typeface="Arial" panose="020B0604020202020204" pitchFamily="34" charset="0"/>
-              <a:buChar char="•"/>
-              <a:defRPr sz="2400" kern="1200">
-                <a:solidFill>
-                  <a:schemeClr val="tx1"/>
-                </a:solidFill>
-                <a:latin typeface="+mn-lt"/>
-                <a:ea typeface="+mn-ea"/>
-                <a:cs typeface="+mn-cs"/>
-              </a:defRPr>
-            </a:lvl2pPr>
-            <a:lvl3pPr marL="1143000" indent="-228600" algn="l" defTabSz="914400" rtl="0" eaLnBrk="1" latinLnBrk="0" hangingPunct="1">
-              <a:lnSpc>
-                <a:spcPct val="90000"/>
-              </a:lnSpc>
-              <a:spcBef>
-                <a:spcPts val="500"/>
-              </a:spcBef>
-              <a:buFont typeface="Arial" panose="020B0604020202020204" pitchFamily="34" charset="0"/>
-              <a:buChar char="•"/>
-              <a:defRPr sz="2000" kern="1200">
-                <a:solidFill>
-                  <a:schemeClr val="tx1"/>
-                </a:solidFill>
-                <a:latin typeface="+mn-lt"/>
-                <a:ea typeface="+mn-ea"/>
-                <a:cs typeface="+mn-cs"/>
-              </a:defRPr>
-            </a:lvl3pPr>
-            <a:lvl4pPr marL="1600200" indent="-228600" algn="l" defTabSz="914400" rtl="0" eaLnBrk="1" latinLnBrk="0" hangingPunct="1">
-              <a:lnSpc>
-                <a:spcPct val="90000"/>
-              </a:lnSpc>
-              <a:spcBef>
-                <a:spcPts val="500"/>
-              </a:spcBef>
-              <a:buFont typeface="Arial" panose="020B0604020202020204" pitchFamily="34" charset="0"/>
-              <a:buChar char="•"/>
-              <a:defRPr sz="1800" kern="1200">
-                <a:solidFill>
-                  <a:schemeClr val="tx1"/>
-                </a:solidFill>
-                <a:latin typeface="+mn-lt"/>
-                <a:ea typeface="+mn-ea"/>
-                <a:cs typeface="+mn-cs"/>
-              </a:defRPr>
-            </a:lvl4pPr>
-            <a:lvl5pPr marL="2057400" indent="-228600" algn="l" defTabSz="914400" rtl="0" eaLnBrk="1" latinLnBrk="0" hangingPunct="1">
-              <a:lnSpc>
-                <a:spcPct val="90000"/>
-              </a:lnSpc>
-              <a:spcBef>
-                <a:spcPts val="500"/>
-              </a:spcBef>
-              <a:buFont typeface="Arial" panose="020B0604020202020204" pitchFamily="34" charset="0"/>
-              <a:buChar char="•"/>
-              <a:defRPr sz="1800" kern="1200">
-                <a:solidFill>
-                  <a:schemeClr val="tx1"/>
-                </a:solidFill>
-                <a:latin typeface="+mn-lt"/>
-                <a:ea typeface="+mn-ea"/>
-                <a:cs typeface="+mn-cs"/>
-              </a:defRPr>
-            </a:lvl5pPr>
-            <a:lvl6pPr marL="2514600" indent="-228600" algn="l" defTabSz="914400" rtl="0" eaLnBrk="1" latinLnBrk="0" hangingPunct="1">
-              <a:lnSpc>
-                <a:spcPct val="90000"/>
-              </a:lnSpc>
-              <a:spcBef>
-                <a:spcPts val="500"/>
-              </a:spcBef>
-              <a:buFont typeface="Arial" panose="020B0604020202020204" pitchFamily="34" charset="0"/>
-              <a:buChar char="•"/>
-              <a:defRPr sz="1800" kern="1200">
-                <a:solidFill>
-                  <a:schemeClr val="tx1"/>
-                </a:solidFill>
-                <a:latin typeface="+mn-lt"/>
-                <a:ea typeface="+mn-ea"/>
-                <a:cs typeface="+mn-cs"/>
-              </a:defRPr>
-            </a:lvl6pPr>
-            <a:lvl7pPr marL="2971800" indent="-228600" algn="l" defTabSz="914400" rtl="0" eaLnBrk="1" latinLnBrk="0" hangingPunct="1">
-              <a:lnSpc>
-                <a:spcPct val="90000"/>
-              </a:lnSpc>
-              <a:spcBef>
-                <a:spcPts val="500"/>
-              </a:spcBef>
-              <a:buFont typeface="Arial" panose="020B0604020202020204" pitchFamily="34" charset="0"/>
-              <a:buChar char="•"/>
-              <a:defRPr sz="1800" kern="1200">
-                <a:solidFill>
-                  <a:schemeClr val="tx1"/>
-                </a:solidFill>
-                <a:latin typeface="+mn-lt"/>
-                <a:ea typeface="+mn-ea"/>
-                <a:cs typeface="+mn-cs"/>
-              </a:defRPr>
-            </a:lvl7pPr>
-            <a:lvl8pPr marL="3429000" indent="-228600" algn="l" defTabSz="914400" rtl="0" eaLnBrk="1" latinLnBrk="0" hangingPunct="1">
-              <a:lnSpc>
-                <a:spcPct val="90000"/>
-              </a:lnSpc>
-              <a:spcBef>
-                <a:spcPts val="500"/>
-              </a:spcBef>
-              <a:buFont typeface="Arial" panose="020B0604020202020204" pitchFamily="34" charset="0"/>
-              <a:buChar char="•"/>
-              <a:defRPr sz="1800" kern="1200">
-                <a:solidFill>
-                  <a:schemeClr val="tx1"/>
-                </a:solidFill>
-                <a:latin typeface="+mn-lt"/>
-                <a:ea typeface="+mn-ea"/>
-                <a:cs typeface="+mn-cs"/>
-              </a:defRPr>
-            </a:lvl8pPr>
-            <a:lvl9pPr marL="3886200" indent="-228600" algn="l" defTabSz="914400" rtl="0" eaLnBrk="1" latinLnBrk="0" hangingPunct="1">
-              <a:lnSpc>
-                <a:spcPct val="90000"/>
-              </a:lnSpc>
-              <a:spcBef>
-                <a:spcPts val="500"/>
-              </a:spcBef>
-              <a:buFont typeface="Arial" panose="020B0604020202020204" pitchFamily="34" charset="0"/>
-              <a:buChar char="•"/>
-              <a:defRPr sz="1800" kern="1200">
-                <a:solidFill>
-                  <a:schemeClr val="tx1"/>
-                </a:solidFill>
-                <a:latin typeface="+mn-lt"/>
-                <a:ea typeface="+mn-ea"/>
-                <a:cs typeface="+mn-cs"/>
-              </a:defRPr>
-            </a:lvl9pPr>
-          </a:lstStyle>
-          <a:p>
-            <a:endParaRPr lang="en-US" dirty="0" smtClean="0">
-              <a:solidFill>
-                <a:schemeClr val="accent4">
-                  <a:lumMod val="75000"/>
-                </a:schemeClr>
-              </a:solidFill>
-            </a:endParaRPr>
-          </a:p>
-        </p:txBody>
-      </p:sp>
-      <p:sp>
-        <p:nvSpPr>
-          <p:cNvPr id="17" name="Content Placeholder 7"/>
-          <p:cNvSpPr txBox="1">
-            <a:spLocks/>
-          </p:cNvSpPr>
-          <p:nvPr/>
-        </p:nvSpPr>
-        <p:spPr>
-          <a:xfrm>
-            <a:off x="6172199" y="5036949"/>
-            <a:ext cx="3490993" cy="501651"/>
-          </a:xfrm>
-          <a:prstGeom prst="rect">
-            <a:avLst/>
-          </a:prstGeom>
-        </p:spPr>
-        <p:txBody>
-          <a:bodyPr vert="horz" lIns="91440" tIns="45720" rIns="91440" bIns="45720" rtlCol="0">
-            <a:normAutofit/>
-          </a:bodyPr>
-          <a:lstStyle>
-            <a:lvl1pPr marL="228600" indent="-228600" algn="l" defTabSz="914400" rtl="0" eaLnBrk="1" latinLnBrk="0" hangingPunct="1">
-              <a:lnSpc>
-                <a:spcPct val="90000"/>
-              </a:lnSpc>
-              <a:spcBef>
-                <a:spcPts val="1000"/>
-              </a:spcBef>
-              <a:buFont typeface="Arial" panose="020B0604020202020204" pitchFamily="34" charset="0"/>
-              <a:buChar char="•"/>
-              <a:defRPr sz="2800" kern="1200">
-                <a:solidFill>
-                  <a:schemeClr val="tx1"/>
-                </a:solidFill>
-                <a:latin typeface="+mn-lt"/>
-                <a:ea typeface="+mn-ea"/>
-                <a:cs typeface="+mn-cs"/>
-              </a:defRPr>
-            </a:lvl1pPr>
-            <a:lvl2pPr marL="685800" indent="-228600" algn="l" defTabSz="914400" rtl="0" eaLnBrk="1" latinLnBrk="0" hangingPunct="1">
-              <a:lnSpc>
-                <a:spcPct val="90000"/>
-              </a:lnSpc>
-              <a:spcBef>
-                <a:spcPts val="500"/>
-              </a:spcBef>
-              <a:buFont typeface="Arial" panose="020B0604020202020204" pitchFamily="34" charset="0"/>
-              <a:buChar char="•"/>
-              <a:defRPr sz="2400" kern="1200">
-                <a:solidFill>
-                  <a:schemeClr val="tx1"/>
-                </a:solidFill>
-                <a:latin typeface="+mn-lt"/>
-                <a:ea typeface="+mn-ea"/>
-                <a:cs typeface="+mn-cs"/>
-              </a:defRPr>
-            </a:lvl2pPr>
-            <a:lvl3pPr marL="1143000" indent="-228600" algn="l" defTabSz="914400" rtl="0" eaLnBrk="1" latinLnBrk="0" hangingPunct="1">
-              <a:lnSpc>
-                <a:spcPct val="90000"/>
-              </a:lnSpc>
-              <a:spcBef>
-                <a:spcPts val="500"/>
-              </a:spcBef>
-              <a:buFont typeface="Arial" panose="020B0604020202020204" pitchFamily="34" charset="0"/>
-              <a:buChar char="•"/>
-              <a:defRPr sz="2000" kern="1200">
-                <a:solidFill>
-                  <a:schemeClr val="tx1"/>
-                </a:solidFill>
-                <a:latin typeface="+mn-lt"/>
-                <a:ea typeface="+mn-ea"/>
-                <a:cs typeface="+mn-cs"/>
-              </a:defRPr>
-            </a:lvl3pPr>
-            <a:lvl4pPr marL="1600200" indent="-228600" algn="l" defTabSz="914400" rtl="0" eaLnBrk="1" latinLnBrk="0" hangingPunct="1">
-              <a:lnSpc>
-                <a:spcPct val="90000"/>
-              </a:lnSpc>
-              <a:spcBef>
-                <a:spcPts val="500"/>
-              </a:spcBef>
-              <a:buFont typeface="Arial" panose="020B0604020202020204" pitchFamily="34" charset="0"/>
-              <a:buChar char="•"/>
-              <a:defRPr sz="1800" kern="1200">
-                <a:solidFill>
-                  <a:schemeClr val="tx1"/>
-                </a:solidFill>
-                <a:latin typeface="+mn-lt"/>
-                <a:ea typeface="+mn-ea"/>
-                <a:cs typeface="+mn-cs"/>
-              </a:defRPr>
-            </a:lvl4pPr>
-            <a:lvl5pPr marL="2057400" indent="-228600" algn="l" defTabSz="914400" rtl="0" eaLnBrk="1" latinLnBrk="0" hangingPunct="1">
-              <a:lnSpc>
-                <a:spcPct val="90000"/>
-              </a:lnSpc>
-              <a:spcBef>
-                <a:spcPts val="500"/>
-              </a:spcBef>
-              <a:buFont typeface="Arial" panose="020B0604020202020204" pitchFamily="34" charset="0"/>
-              <a:buChar char="•"/>
-              <a:defRPr sz="1800" kern="1200">
-                <a:solidFill>
-                  <a:schemeClr val="tx1"/>
-                </a:solidFill>
-                <a:latin typeface="+mn-lt"/>
-                <a:ea typeface="+mn-ea"/>
-                <a:cs typeface="+mn-cs"/>
-              </a:defRPr>
-            </a:lvl5pPr>
-            <a:lvl6pPr marL="2514600" indent="-228600" algn="l" defTabSz="914400" rtl="0" eaLnBrk="1" latinLnBrk="0" hangingPunct="1">
-              <a:lnSpc>
-                <a:spcPct val="90000"/>
-              </a:lnSpc>
-              <a:spcBef>
-                <a:spcPts val="500"/>
-              </a:spcBef>
-              <a:buFont typeface="Arial" panose="020B0604020202020204" pitchFamily="34" charset="0"/>
-              <a:buChar char="•"/>
-              <a:defRPr sz="1800" kern="1200">
-                <a:solidFill>
-                  <a:schemeClr val="tx1"/>
-                </a:solidFill>
-                <a:latin typeface="+mn-lt"/>
-                <a:ea typeface="+mn-ea"/>
-                <a:cs typeface="+mn-cs"/>
-              </a:defRPr>
-            </a:lvl6pPr>
-            <a:lvl7pPr marL="2971800" indent="-228600" algn="l" defTabSz="914400" rtl="0" eaLnBrk="1" latinLnBrk="0" hangingPunct="1">
-              <a:lnSpc>
-                <a:spcPct val="90000"/>
-              </a:lnSpc>
-              <a:spcBef>
-                <a:spcPts val="500"/>
-              </a:spcBef>
-              <a:buFont typeface="Arial" panose="020B0604020202020204" pitchFamily="34" charset="0"/>
-              <a:buChar char="•"/>
-              <a:defRPr sz="1800" kern="1200">
-                <a:solidFill>
-                  <a:schemeClr val="tx1"/>
-                </a:solidFill>
-                <a:latin typeface="+mn-lt"/>
-                <a:ea typeface="+mn-ea"/>
-                <a:cs typeface="+mn-cs"/>
-              </a:defRPr>
-            </a:lvl7pPr>
-            <a:lvl8pPr marL="3429000" indent="-228600" algn="l" defTabSz="914400" rtl="0" eaLnBrk="1" latinLnBrk="0" hangingPunct="1">
-              <a:lnSpc>
-                <a:spcPct val="90000"/>
-              </a:lnSpc>
-              <a:spcBef>
-                <a:spcPts val="500"/>
-              </a:spcBef>
-              <a:buFont typeface="Arial" panose="020B0604020202020204" pitchFamily="34" charset="0"/>
-              <a:buChar char="•"/>
-              <a:defRPr sz="1800" kern="1200">
-                <a:solidFill>
-                  <a:schemeClr val="tx1"/>
-                </a:solidFill>
-                <a:latin typeface="+mn-lt"/>
-                <a:ea typeface="+mn-ea"/>
-                <a:cs typeface="+mn-cs"/>
-              </a:defRPr>
-            </a:lvl8pPr>
-            <a:lvl9pPr marL="3886200" indent="-228600" algn="l" defTabSz="914400" rtl="0" eaLnBrk="1" latinLnBrk="0" hangingPunct="1">
-              <a:lnSpc>
-                <a:spcPct val="90000"/>
-              </a:lnSpc>
-              <a:spcBef>
-                <a:spcPts val="500"/>
-              </a:spcBef>
-              <a:buFont typeface="Arial" panose="020B0604020202020204" pitchFamily="34" charset="0"/>
-              <a:buChar char="•"/>
-              <a:defRPr sz="1800" kern="1200">
-                <a:solidFill>
-                  <a:schemeClr val="tx1"/>
-                </a:solidFill>
-                <a:latin typeface="+mn-lt"/>
-                <a:ea typeface="+mn-ea"/>
-                <a:cs typeface="+mn-cs"/>
-              </a:defRPr>
-            </a:lvl9pPr>
-          </a:lstStyle>
-          <a:p>
-            <a:endParaRPr lang="en-US" dirty="0" smtClean="0">
-              <a:solidFill>
-                <a:schemeClr val="accent4">
-                  <a:lumMod val="75000"/>
-                </a:schemeClr>
-              </a:solidFill>
-            </a:endParaRPr>
-          </a:p>
-        </p:txBody>
-      </p:sp>
-      <p:sp>
-        <p:nvSpPr>
-          <p:cNvPr id="13" name="Content Placeholder 7"/>
-          <p:cNvSpPr txBox="1">
-            <a:spLocks/>
-          </p:cNvSpPr>
-          <p:nvPr/>
-        </p:nvSpPr>
-        <p:spPr>
-          <a:xfrm>
-            <a:off x="6172199" y="3771010"/>
-            <a:ext cx="4539343" cy="1578229"/>
-          </a:xfrm>
-          <a:prstGeom prst="rect">
-            <a:avLst/>
-          </a:prstGeom>
-        </p:spPr>
-        <p:txBody>
-          <a:bodyPr vert="horz" lIns="91440" tIns="45720" rIns="91440" bIns="45720" rtlCol="0">
-            <a:noAutofit/>
-          </a:bodyPr>
-          <a:lstStyle>
-            <a:lvl1pPr marL="228600" indent="-228600" algn="l" defTabSz="914400" rtl="0" eaLnBrk="1" latinLnBrk="0" hangingPunct="1">
-              <a:lnSpc>
-                <a:spcPct val="90000"/>
-              </a:lnSpc>
-              <a:spcBef>
-                <a:spcPts val="1000"/>
-              </a:spcBef>
-              <a:buFont typeface="Arial" panose="020B0604020202020204" pitchFamily="34" charset="0"/>
-              <a:buChar char="•"/>
-              <a:defRPr sz="2800" kern="1200">
-                <a:solidFill>
-                  <a:schemeClr val="tx1"/>
-                </a:solidFill>
-                <a:latin typeface="+mn-lt"/>
-                <a:ea typeface="+mn-ea"/>
-                <a:cs typeface="+mn-cs"/>
-              </a:defRPr>
-            </a:lvl1pPr>
-            <a:lvl2pPr marL="685800" indent="-228600" algn="l" defTabSz="914400" rtl="0" eaLnBrk="1" latinLnBrk="0" hangingPunct="1">
-              <a:lnSpc>
-                <a:spcPct val="90000"/>
-              </a:lnSpc>
-              <a:spcBef>
-                <a:spcPts val="500"/>
-              </a:spcBef>
-              <a:buFont typeface="Arial" panose="020B0604020202020204" pitchFamily="34" charset="0"/>
-              <a:buChar char="•"/>
-              <a:defRPr sz="2400" kern="1200">
-                <a:solidFill>
-                  <a:schemeClr val="tx1"/>
-                </a:solidFill>
-                <a:latin typeface="+mn-lt"/>
-                <a:ea typeface="+mn-ea"/>
-                <a:cs typeface="+mn-cs"/>
-              </a:defRPr>
-            </a:lvl2pPr>
-            <a:lvl3pPr marL="1143000" indent="-228600" algn="l" defTabSz="914400" rtl="0" eaLnBrk="1" latinLnBrk="0" hangingPunct="1">
-              <a:lnSpc>
-                <a:spcPct val="90000"/>
-              </a:lnSpc>
-              <a:spcBef>
-                <a:spcPts val="500"/>
-              </a:spcBef>
-              <a:buFont typeface="Arial" panose="020B0604020202020204" pitchFamily="34" charset="0"/>
-              <a:buChar char="•"/>
-              <a:defRPr sz="2000" kern="1200">
-                <a:solidFill>
-                  <a:schemeClr val="tx1"/>
-                </a:solidFill>
-                <a:latin typeface="+mn-lt"/>
-                <a:ea typeface="+mn-ea"/>
-                <a:cs typeface="+mn-cs"/>
-              </a:defRPr>
-            </a:lvl3pPr>
-            <a:lvl4pPr marL="1600200" indent="-228600" algn="l" defTabSz="914400" rtl="0" eaLnBrk="1" latinLnBrk="0" hangingPunct="1">
-              <a:lnSpc>
-                <a:spcPct val="90000"/>
-              </a:lnSpc>
-              <a:spcBef>
-                <a:spcPts val="500"/>
-              </a:spcBef>
-              <a:buFont typeface="Arial" panose="020B0604020202020204" pitchFamily="34" charset="0"/>
-              <a:buChar char="•"/>
-              <a:defRPr sz="1800" kern="1200">
-                <a:solidFill>
-                  <a:schemeClr val="tx1"/>
-                </a:solidFill>
-                <a:latin typeface="+mn-lt"/>
-                <a:ea typeface="+mn-ea"/>
-                <a:cs typeface="+mn-cs"/>
-              </a:defRPr>
-            </a:lvl4pPr>
-            <a:lvl5pPr marL="2057400" indent="-228600" algn="l" defTabSz="914400" rtl="0" eaLnBrk="1" latinLnBrk="0" hangingPunct="1">
-              <a:lnSpc>
-                <a:spcPct val="90000"/>
-              </a:lnSpc>
-              <a:spcBef>
-                <a:spcPts val="500"/>
-              </a:spcBef>
-              <a:buFont typeface="Arial" panose="020B0604020202020204" pitchFamily="34" charset="0"/>
-              <a:buChar char="•"/>
-              <a:defRPr sz="1800" kern="1200">
-                <a:solidFill>
-                  <a:schemeClr val="tx1"/>
-                </a:solidFill>
-                <a:latin typeface="+mn-lt"/>
-                <a:ea typeface="+mn-ea"/>
-                <a:cs typeface="+mn-cs"/>
-              </a:defRPr>
-            </a:lvl5pPr>
-            <a:lvl6pPr marL="2514600" indent="-228600" algn="l" defTabSz="914400" rtl="0" eaLnBrk="1" latinLnBrk="0" hangingPunct="1">
-              <a:lnSpc>
-                <a:spcPct val="90000"/>
-              </a:lnSpc>
-              <a:spcBef>
-                <a:spcPts val="500"/>
-              </a:spcBef>
-              <a:buFont typeface="Arial" panose="020B0604020202020204" pitchFamily="34" charset="0"/>
-              <a:buChar char="•"/>
-              <a:defRPr sz="1800" kern="1200">
-                <a:solidFill>
-                  <a:schemeClr val="tx1"/>
-                </a:solidFill>
-                <a:latin typeface="+mn-lt"/>
-                <a:ea typeface="+mn-ea"/>
-                <a:cs typeface="+mn-cs"/>
-              </a:defRPr>
-            </a:lvl6pPr>
-            <a:lvl7pPr marL="2971800" indent="-228600" algn="l" defTabSz="914400" rtl="0" eaLnBrk="1" latinLnBrk="0" hangingPunct="1">
-              <a:lnSpc>
-                <a:spcPct val="90000"/>
-              </a:lnSpc>
-              <a:spcBef>
-                <a:spcPts val="500"/>
-              </a:spcBef>
-              <a:buFont typeface="Arial" panose="020B0604020202020204" pitchFamily="34" charset="0"/>
-              <a:buChar char="•"/>
-              <a:defRPr sz="1800" kern="1200">
-                <a:solidFill>
-                  <a:schemeClr val="tx1"/>
-                </a:solidFill>
-                <a:latin typeface="+mn-lt"/>
-                <a:ea typeface="+mn-ea"/>
-                <a:cs typeface="+mn-cs"/>
-              </a:defRPr>
-            </a:lvl7pPr>
-            <a:lvl8pPr marL="3429000" indent="-228600" algn="l" defTabSz="914400" rtl="0" eaLnBrk="1" latinLnBrk="0" hangingPunct="1">
-              <a:lnSpc>
-                <a:spcPct val="90000"/>
-              </a:lnSpc>
-              <a:spcBef>
-                <a:spcPts val="500"/>
-              </a:spcBef>
-              <a:buFont typeface="Arial" panose="020B0604020202020204" pitchFamily="34" charset="0"/>
-              <a:buChar char="•"/>
-              <a:defRPr sz="1800" kern="1200">
-                <a:solidFill>
-                  <a:schemeClr val="tx1"/>
-                </a:solidFill>
-                <a:latin typeface="+mn-lt"/>
-                <a:ea typeface="+mn-ea"/>
-                <a:cs typeface="+mn-cs"/>
-              </a:defRPr>
-            </a:lvl8pPr>
-            <a:lvl9pPr marL="3886200" indent="-228600" algn="l" defTabSz="914400" rtl="0" eaLnBrk="1" latinLnBrk="0" hangingPunct="1">
-              <a:lnSpc>
-                <a:spcPct val="90000"/>
-              </a:lnSpc>
-              <a:spcBef>
-                <a:spcPts val="500"/>
-              </a:spcBef>
-              <a:buFont typeface="Arial" panose="020B0604020202020204" pitchFamily="34" charset="0"/>
-              <a:buChar char="•"/>
-              <a:defRPr sz="1800" kern="1200">
-                <a:solidFill>
-                  <a:schemeClr val="tx1"/>
-                </a:solidFill>
-                <a:latin typeface="+mn-lt"/>
-                <a:ea typeface="+mn-ea"/>
-                <a:cs typeface="+mn-cs"/>
-              </a:defRPr>
-            </a:lvl9pPr>
-          </a:lstStyle>
-          <a:p>
-            <a:r>
-              <a:rPr lang="en-US" dirty="0" smtClean="0">
-                <a:solidFill>
-                  <a:schemeClr val="accent4">
-                    <a:lumMod val="75000"/>
-                  </a:schemeClr>
-                </a:solidFill>
-              </a:rPr>
-              <a:t>Age-invariant M fixed at 0.2</a:t>
-            </a:r>
-            <a:endParaRPr lang="en-US" dirty="0" smtClean="0">
-              <a:solidFill>
-                <a:schemeClr val="accent4">
-                  <a:lumMod val="75000"/>
-                </a:schemeClr>
-              </a:solidFill>
-            </a:endParaRPr>
+              <a:t>Fix age-dependent M</a:t>
+            </a:r>
           </a:p>
         </p:txBody>
       </p:sp>
     </p:spTree>
     <p:extLst>
       <p:ext uri="{BB962C8B-B14F-4D97-AF65-F5344CB8AC3E}">
-        <p14:creationId xmlns:p14="http://schemas.microsoft.com/office/powerpoint/2010/main" val="2287668083"/>
+        <p14:creationId xmlns:p14="http://schemas.microsoft.com/office/powerpoint/2010/main" val="2656154398"/>
       </p:ext>
     </p:extLst>
   </p:cSld>
@@ -9827,10 +9218,935 @@
           <a:chExt cx="0" cy="0"/>
         </a:xfrm>
       </p:grpSpPr>
+      <p:sp>
+        <p:nvSpPr>
+          <p:cNvPr id="4" name="Title 3"/>
+          <p:cNvSpPr>
+            <a:spLocks noGrp="1"/>
+          </p:cNvSpPr>
+          <p:nvPr>
+            <p:ph type="title"/>
+          </p:nvPr>
+        </p:nvSpPr>
+        <p:spPr/>
+        <p:txBody>
+          <a:bodyPr/>
+          <a:lstStyle/>
+          <a:p>
+            <a:r>
+              <a:rPr lang="en-US" dirty="0" smtClean="0"/>
+              <a:t>Run 35-36 (Option 1) </a:t>
+            </a:r>
+            <a:endParaRPr lang="en-US" dirty="0"/>
+          </a:p>
+        </p:txBody>
+      </p:sp>
+      <p:sp>
+        <p:nvSpPr>
+          <p:cNvPr id="5" name="Text Placeholder 4"/>
+          <p:cNvSpPr>
+            <a:spLocks noGrp="1"/>
+          </p:cNvSpPr>
+          <p:nvPr>
+            <p:ph type="body" idx="1"/>
+          </p:nvPr>
+        </p:nvSpPr>
+        <p:spPr/>
+        <p:txBody>
+          <a:bodyPr/>
+          <a:lstStyle/>
+          <a:p>
+            <a:r>
+              <a:rPr lang="en-US" dirty="0" smtClean="0"/>
+              <a:t>Run 34</a:t>
+            </a:r>
+            <a:endParaRPr lang="en-US" dirty="0"/>
+          </a:p>
+        </p:txBody>
+      </p:sp>
+      <p:sp>
+        <p:nvSpPr>
+          <p:cNvPr id="6" name="Content Placeholder 5"/>
+          <p:cNvSpPr>
+            <a:spLocks noGrp="1"/>
+          </p:cNvSpPr>
+          <p:nvPr>
+            <p:ph sz="half" idx="2"/>
+          </p:nvPr>
+        </p:nvSpPr>
+        <p:spPr/>
+        <p:txBody>
+          <a:bodyPr>
+            <a:normAutofit/>
+          </a:bodyPr>
+          <a:lstStyle/>
+          <a:p>
+            <a:r>
+              <a:rPr lang="en-US" dirty="0" smtClean="0"/>
+              <a:t>Age-invariant M fixed at 0.4</a:t>
+            </a:r>
+            <a:endParaRPr lang="en-US" dirty="0" smtClean="0">
+              <a:solidFill>
+                <a:schemeClr val="accent4">
+                  <a:lumMod val="75000"/>
+                </a:schemeClr>
+              </a:solidFill>
+            </a:endParaRPr>
+          </a:p>
+        </p:txBody>
+      </p:sp>
+      <p:sp>
+        <p:nvSpPr>
+          <p:cNvPr id="7" name="Text Placeholder 6"/>
+          <p:cNvSpPr>
+            <a:spLocks noGrp="1"/>
+          </p:cNvSpPr>
+          <p:nvPr>
+            <p:ph type="body" sz="quarter" idx="3"/>
+          </p:nvPr>
+        </p:nvSpPr>
+        <p:spPr>
+          <a:xfrm>
+            <a:off x="6172200" y="2053525"/>
+            <a:ext cx="1390973" cy="451550"/>
+          </a:xfrm>
+        </p:spPr>
+        <p:txBody>
+          <a:bodyPr/>
+          <a:lstStyle/>
+          <a:p>
+            <a:r>
+              <a:rPr lang="en-US" dirty="0" smtClean="0"/>
+              <a:t>Run 39</a:t>
+            </a:r>
+            <a:endParaRPr lang="en-US" dirty="0"/>
+          </a:p>
+        </p:txBody>
+      </p:sp>
+      <p:sp>
+        <p:nvSpPr>
+          <p:cNvPr id="8" name="Content Placeholder 7"/>
+          <p:cNvSpPr>
+            <a:spLocks noGrp="1"/>
+          </p:cNvSpPr>
+          <p:nvPr>
+            <p:ph sz="quarter" idx="4"/>
+          </p:nvPr>
+        </p:nvSpPr>
+        <p:spPr>
+          <a:xfrm>
+            <a:off x="6172199" y="2505075"/>
+            <a:ext cx="4539343" cy="814386"/>
+          </a:xfrm>
+        </p:spPr>
+        <p:txBody>
+          <a:bodyPr>
+            <a:noAutofit/>
+          </a:bodyPr>
+          <a:lstStyle/>
+          <a:p>
+            <a:r>
+              <a:rPr lang="en-US" dirty="0" smtClean="0">
+                <a:solidFill>
+                  <a:schemeClr val="accent4">
+                    <a:lumMod val="75000"/>
+                  </a:schemeClr>
+                </a:solidFill>
+              </a:rPr>
+              <a:t>Age-invariant M fixed at 0.6</a:t>
+            </a:r>
+          </a:p>
+        </p:txBody>
+      </p:sp>
+      <p:sp>
+        <p:nvSpPr>
+          <p:cNvPr id="9" name="Text Placeholder 6"/>
+          <p:cNvSpPr txBox="1">
+            <a:spLocks/>
+          </p:cNvSpPr>
+          <p:nvPr/>
+        </p:nvSpPr>
+        <p:spPr>
+          <a:xfrm>
+            <a:off x="6172200" y="3319462"/>
+            <a:ext cx="1390973" cy="451550"/>
+          </a:xfrm>
+          <a:prstGeom prst="rect">
+            <a:avLst/>
+          </a:prstGeom>
+        </p:spPr>
+        <p:txBody>
+          <a:bodyPr vert="horz" lIns="91440" tIns="45720" rIns="91440" bIns="45720" rtlCol="0" anchor="b">
+            <a:normAutofit/>
+          </a:bodyPr>
+          <a:lstStyle>
+            <a:lvl1pPr marL="0" indent="0" algn="l" defTabSz="914400" rtl="0" eaLnBrk="1" latinLnBrk="0" hangingPunct="1">
+              <a:lnSpc>
+                <a:spcPct val="90000"/>
+              </a:lnSpc>
+              <a:spcBef>
+                <a:spcPts val="1000"/>
+              </a:spcBef>
+              <a:buFont typeface="Arial" panose="020B0604020202020204" pitchFamily="34" charset="0"/>
+              <a:buNone/>
+              <a:defRPr sz="2400" b="1" kern="1200">
+                <a:solidFill>
+                  <a:schemeClr val="tx1"/>
+                </a:solidFill>
+                <a:latin typeface="+mn-lt"/>
+                <a:ea typeface="+mn-ea"/>
+                <a:cs typeface="+mn-cs"/>
+              </a:defRPr>
+            </a:lvl1pPr>
+            <a:lvl2pPr marL="457200" indent="0" algn="l" defTabSz="914400" rtl="0" eaLnBrk="1" latinLnBrk="0" hangingPunct="1">
+              <a:lnSpc>
+                <a:spcPct val="90000"/>
+              </a:lnSpc>
+              <a:spcBef>
+                <a:spcPts val="500"/>
+              </a:spcBef>
+              <a:buFont typeface="Arial" panose="020B0604020202020204" pitchFamily="34" charset="0"/>
+              <a:buNone/>
+              <a:defRPr sz="2000" b="1" kern="1200">
+                <a:solidFill>
+                  <a:schemeClr val="tx1"/>
+                </a:solidFill>
+                <a:latin typeface="+mn-lt"/>
+                <a:ea typeface="+mn-ea"/>
+                <a:cs typeface="+mn-cs"/>
+              </a:defRPr>
+            </a:lvl2pPr>
+            <a:lvl3pPr marL="914400" indent="0" algn="l" defTabSz="914400" rtl="0" eaLnBrk="1" latinLnBrk="0" hangingPunct="1">
+              <a:lnSpc>
+                <a:spcPct val="90000"/>
+              </a:lnSpc>
+              <a:spcBef>
+                <a:spcPts val="500"/>
+              </a:spcBef>
+              <a:buFont typeface="Arial" panose="020B0604020202020204" pitchFamily="34" charset="0"/>
+              <a:buNone/>
+              <a:defRPr sz="1800" b="1" kern="1200">
+                <a:solidFill>
+                  <a:schemeClr val="tx1"/>
+                </a:solidFill>
+                <a:latin typeface="+mn-lt"/>
+                <a:ea typeface="+mn-ea"/>
+                <a:cs typeface="+mn-cs"/>
+              </a:defRPr>
+            </a:lvl3pPr>
+            <a:lvl4pPr marL="1371600" indent="0" algn="l" defTabSz="914400" rtl="0" eaLnBrk="1" latinLnBrk="0" hangingPunct="1">
+              <a:lnSpc>
+                <a:spcPct val="90000"/>
+              </a:lnSpc>
+              <a:spcBef>
+                <a:spcPts val="500"/>
+              </a:spcBef>
+              <a:buFont typeface="Arial" panose="020B0604020202020204" pitchFamily="34" charset="0"/>
+              <a:buNone/>
+              <a:defRPr sz="1600" b="1" kern="1200">
+                <a:solidFill>
+                  <a:schemeClr val="tx1"/>
+                </a:solidFill>
+                <a:latin typeface="+mn-lt"/>
+                <a:ea typeface="+mn-ea"/>
+                <a:cs typeface="+mn-cs"/>
+              </a:defRPr>
+            </a:lvl4pPr>
+            <a:lvl5pPr marL="1828800" indent="0" algn="l" defTabSz="914400" rtl="0" eaLnBrk="1" latinLnBrk="0" hangingPunct="1">
+              <a:lnSpc>
+                <a:spcPct val="90000"/>
+              </a:lnSpc>
+              <a:spcBef>
+                <a:spcPts val="500"/>
+              </a:spcBef>
+              <a:buFont typeface="Arial" panose="020B0604020202020204" pitchFamily="34" charset="0"/>
+              <a:buNone/>
+              <a:defRPr sz="1600" b="1" kern="1200">
+                <a:solidFill>
+                  <a:schemeClr val="tx1"/>
+                </a:solidFill>
+                <a:latin typeface="+mn-lt"/>
+                <a:ea typeface="+mn-ea"/>
+                <a:cs typeface="+mn-cs"/>
+              </a:defRPr>
+            </a:lvl5pPr>
+            <a:lvl6pPr marL="2286000" indent="0" algn="l" defTabSz="914400" rtl="0" eaLnBrk="1" latinLnBrk="0" hangingPunct="1">
+              <a:lnSpc>
+                <a:spcPct val="90000"/>
+              </a:lnSpc>
+              <a:spcBef>
+                <a:spcPts val="500"/>
+              </a:spcBef>
+              <a:buFont typeface="Arial" panose="020B0604020202020204" pitchFamily="34" charset="0"/>
+              <a:buNone/>
+              <a:defRPr sz="1600" b="1" kern="1200">
+                <a:solidFill>
+                  <a:schemeClr val="tx1"/>
+                </a:solidFill>
+                <a:latin typeface="+mn-lt"/>
+                <a:ea typeface="+mn-ea"/>
+                <a:cs typeface="+mn-cs"/>
+              </a:defRPr>
+            </a:lvl6pPr>
+            <a:lvl7pPr marL="2743200" indent="0" algn="l" defTabSz="914400" rtl="0" eaLnBrk="1" latinLnBrk="0" hangingPunct="1">
+              <a:lnSpc>
+                <a:spcPct val="90000"/>
+              </a:lnSpc>
+              <a:spcBef>
+                <a:spcPts val="500"/>
+              </a:spcBef>
+              <a:buFont typeface="Arial" panose="020B0604020202020204" pitchFamily="34" charset="0"/>
+              <a:buNone/>
+              <a:defRPr sz="1600" b="1" kern="1200">
+                <a:solidFill>
+                  <a:schemeClr val="tx1"/>
+                </a:solidFill>
+                <a:latin typeface="+mn-lt"/>
+                <a:ea typeface="+mn-ea"/>
+                <a:cs typeface="+mn-cs"/>
+              </a:defRPr>
+            </a:lvl7pPr>
+            <a:lvl8pPr marL="3200400" indent="0" algn="l" defTabSz="914400" rtl="0" eaLnBrk="1" latinLnBrk="0" hangingPunct="1">
+              <a:lnSpc>
+                <a:spcPct val="90000"/>
+              </a:lnSpc>
+              <a:spcBef>
+                <a:spcPts val="500"/>
+              </a:spcBef>
+              <a:buFont typeface="Arial" panose="020B0604020202020204" pitchFamily="34" charset="0"/>
+              <a:buNone/>
+              <a:defRPr sz="1600" b="1" kern="1200">
+                <a:solidFill>
+                  <a:schemeClr val="tx1"/>
+                </a:solidFill>
+                <a:latin typeface="+mn-lt"/>
+                <a:ea typeface="+mn-ea"/>
+                <a:cs typeface="+mn-cs"/>
+              </a:defRPr>
+            </a:lvl8pPr>
+            <a:lvl9pPr marL="3657600" indent="0" algn="l" defTabSz="914400" rtl="0" eaLnBrk="1" latinLnBrk="0" hangingPunct="1">
+              <a:lnSpc>
+                <a:spcPct val="90000"/>
+              </a:lnSpc>
+              <a:spcBef>
+                <a:spcPts val="500"/>
+              </a:spcBef>
+              <a:buFont typeface="Arial" panose="020B0604020202020204" pitchFamily="34" charset="0"/>
+              <a:buNone/>
+              <a:defRPr sz="1600" b="1" kern="1200">
+                <a:solidFill>
+                  <a:schemeClr val="tx1"/>
+                </a:solidFill>
+                <a:latin typeface="+mn-lt"/>
+                <a:ea typeface="+mn-ea"/>
+                <a:cs typeface="+mn-cs"/>
+              </a:defRPr>
+            </a:lvl9pPr>
+          </a:lstStyle>
+          <a:p>
+            <a:r>
+              <a:rPr lang="en-US" dirty="0" smtClean="0"/>
+              <a:t>Run 40</a:t>
+            </a:r>
+            <a:endParaRPr lang="en-US" dirty="0"/>
+          </a:p>
+        </p:txBody>
+      </p:sp>
+      <p:sp>
+        <p:nvSpPr>
+          <p:cNvPr id="11" name="Content Placeholder 7"/>
+          <p:cNvSpPr txBox="1">
+            <a:spLocks/>
+          </p:cNvSpPr>
+          <p:nvPr/>
+        </p:nvSpPr>
+        <p:spPr>
+          <a:xfrm>
+            <a:off x="6172199" y="3771012"/>
+            <a:ext cx="3490993" cy="501651"/>
+          </a:xfrm>
+          <a:prstGeom prst="rect">
+            <a:avLst/>
+          </a:prstGeom>
+        </p:spPr>
+        <p:txBody>
+          <a:bodyPr vert="horz" lIns="91440" tIns="45720" rIns="91440" bIns="45720" rtlCol="0">
+            <a:normAutofit/>
+          </a:bodyPr>
+          <a:lstStyle>
+            <a:lvl1pPr marL="228600" indent="-228600" algn="l" defTabSz="914400" rtl="0" eaLnBrk="1" latinLnBrk="0" hangingPunct="1">
+              <a:lnSpc>
+                <a:spcPct val="90000"/>
+              </a:lnSpc>
+              <a:spcBef>
+                <a:spcPts val="1000"/>
+              </a:spcBef>
+              <a:buFont typeface="Arial" panose="020B0604020202020204" pitchFamily="34" charset="0"/>
+              <a:buChar char="•"/>
+              <a:defRPr sz="2800" kern="1200">
+                <a:solidFill>
+                  <a:schemeClr val="tx1"/>
+                </a:solidFill>
+                <a:latin typeface="+mn-lt"/>
+                <a:ea typeface="+mn-ea"/>
+                <a:cs typeface="+mn-cs"/>
+              </a:defRPr>
+            </a:lvl1pPr>
+            <a:lvl2pPr marL="685800" indent="-228600" algn="l" defTabSz="914400" rtl="0" eaLnBrk="1" latinLnBrk="0" hangingPunct="1">
+              <a:lnSpc>
+                <a:spcPct val="90000"/>
+              </a:lnSpc>
+              <a:spcBef>
+                <a:spcPts val="500"/>
+              </a:spcBef>
+              <a:buFont typeface="Arial" panose="020B0604020202020204" pitchFamily="34" charset="0"/>
+              <a:buChar char="•"/>
+              <a:defRPr sz="2400" kern="1200">
+                <a:solidFill>
+                  <a:schemeClr val="tx1"/>
+                </a:solidFill>
+                <a:latin typeface="+mn-lt"/>
+                <a:ea typeface="+mn-ea"/>
+                <a:cs typeface="+mn-cs"/>
+              </a:defRPr>
+            </a:lvl2pPr>
+            <a:lvl3pPr marL="1143000" indent="-228600" algn="l" defTabSz="914400" rtl="0" eaLnBrk="1" latinLnBrk="0" hangingPunct="1">
+              <a:lnSpc>
+                <a:spcPct val="90000"/>
+              </a:lnSpc>
+              <a:spcBef>
+                <a:spcPts val="500"/>
+              </a:spcBef>
+              <a:buFont typeface="Arial" panose="020B0604020202020204" pitchFamily="34" charset="0"/>
+              <a:buChar char="•"/>
+              <a:defRPr sz="2000" kern="1200">
+                <a:solidFill>
+                  <a:schemeClr val="tx1"/>
+                </a:solidFill>
+                <a:latin typeface="+mn-lt"/>
+                <a:ea typeface="+mn-ea"/>
+                <a:cs typeface="+mn-cs"/>
+              </a:defRPr>
+            </a:lvl3pPr>
+            <a:lvl4pPr marL="1600200" indent="-228600" algn="l" defTabSz="914400" rtl="0" eaLnBrk="1" latinLnBrk="0" hangingPunct="1">
+              <a:lnSpc>
+                <a:spcPct val="90000"/>
+              </a:lnSpc>
+              <a:spcBef>
+                <a:spcPts val="500"/>
+              </a:spcBef>
+              <a:buFont typeface="Arial" panose="020B0604020202020204" pitchFamily="34" charset="0"/>
+              <a:buChar char="•"/>
+              <a:defRPr sz="1800" kern="1200">
+                <a:solidFill>
+                  <a:schemeClr val="tx1"/>
+                </a:solidFill>
+                <a:latin typeface="+mn-lt"/>
+                <a:ea typeface="+mn-ea"/>
+                <a:cs typeface="+mn-cs"/>
+              </a:defRPr>
+            </a:lvl4pPr>
+            <a:lvl5pPr marL="2057400" indent="-228600" algn="l" defTabSz="914400" rtl="0" eaLnBrk="1" latinLnBrk="0" hangingPunct="1">
+              <a:lnSpc>
+                <a:spcPct val="90000"/>
+              </a:lnSpc>
+              <a:spcBef>
+                <a:spcPts val="500"/>
+              </a:spcBef>
+              <a:buFont typeface="Arial" panose="020B0604020202020204" pitchFamily="34" charset="0"/>
+              <a:buChar char="•"/>
+              <a:defRPr sz="1800" kern="1200">
+                <a:solidFill>
+                  <a:schemeClr val="tx1"/>
+                </a:solidFill>
+                <a:latin typeface="+mn-lt"/>
+                <a:ea typeface="+mn-ea"/>
+                <a:cs typeface="+mn-cs"/>
+              </a:defRPr>
+            </a:lvl5pPr>
+            <a:lvl6pPr marL="2514600" indent="-228600" algn="l" defTabSz="914400" rtl="0" eaLnBrk="1" latinLnBrk="0" hangingPunct="1">
+              <a:lnSpc>
+                <a:spcPct val="90000"/>
+              </a:lnSpc>
+              <a:spcBef>
+                <a:spcPts val="500"/>
+              </a:spcBef>
+              <a:buFont typeface="Arial" panose="020B0604020202020204" pitchFamily="34" charset="0"/>
+              <a:buChar char="•"/>
+              <a:defRPr sz="1800" kern="1200">
+                <a:solidFill>
+                  <a:schemeClr val="tx1"/>
+                </a:solidFill>
+                <a:latin typeface="+mn-lt"/>
+                <a:ea typeface="+mn-ea"/>
+                <a:cs typeface="+mn-cs"/>
+              </a:defRPr>
+            </a:lvl6pPr>
+            <a:lvl7pPr marL="2971800" indent="-228600" algn="l" defTabSz="914400" rtl="0" eaLnBrk="1" latinLnBrk="0" hangingPunct="1">
+              <a:lnSpc>
+                <a:spcPct val="90000"/>
+              </a:lnSpc>
+              <a:spcBef>
+                <a:spcPts val="500"/>
+              </a:spcBef>
+              <a:buFont typeface="Arial" panose="020B0604020202020204" pitchFamily="34" charset="0"/>
+              <a:buChar char="•"/>
+              <a:defRPr sz="1800" kern="1200">
+                <a:solidFill>
+                  <a:schemeClr val="tx1"/>
+                </a:solidFill>
+                <a:latin typeface="+mn-lt"/>
+                <a:ea typeface="+mn-ea"/>
+                <a:cs typeface="+mn-cs"/>
+              </a:defRPr>
+            </a:lvl7pPr>
+            <a:lvl8pPr marL="3429000" indent="-228600" algn="l" defTabSz="914400" rtl="0" eaLnBrk="1" latinLnBrk="0" hangingPunct="1">
+              <a:lnSpc>
+                <a:spcPct val="90000"/>
+              </a:lnSpc>
+              <a:spcBef>
+                <a:spcPts val="500"/>
+              </a:spcBef>
+              <a:buFont typeface="Arial" panose="020B0604020202020204" pitchFamily="34" charset="0"/>
+              <a:buChar char="•"/>
+              <a:defRPr sz="1800" kern="1200">
+                <a:solidFill>
+                  <a:schemeClr val="tx1"/>
+                </a:solidFill>
+                <a:latin typeface="+mn-lt"/>
+                <a:ea typeface="+mn-ea"/>
+                <a:cs typeface="+mn-cs"/>
+              </a:defRPr>
+            </a:lvl8pPr>
+            <a:lvl9pPr marL="3886200" indent="-228600" algn="l" defTabSz="914400" rtl="0" eaLnBrk="1" latinLnBrk="0" hangingPunct="1">
+              <a:lnSpc>
+                <a:spcPct val="90000"/>
+              </a:lnSpc>
+              <a:spcBef>
+                <a:spcPts val="500"/>
+              </a:spcBef>
+              <a:buFont typeface="Arial" panose="020B0604020202020204" pitchFamily="34" charset="0"/>
+              <a:buChar char="•"/>
+              <a:defRPr sz="1800" kern="1200">
+                <a:solidFill>
+                  <a:schemeClr val="tx1"/>
+                </a:solidFill>
+                <a:latin typeface="+mn-lt"/>
+                <a:ea typeface="+mn-ea"/>
+                <a:cs typeface="+mn-cs"/>
+              </a:defRPr>
+            </a:lvl9pPr>
+          </a:lstStyle>
+          <a:p>
+            <a:endParaRPr lang="en-US" dirty="0" smtClean="0">
+              <a:solidFill>
+                <a:schemeClr val="accent4">
+                  <a:lumMod val="75000"/>
+                </a:schemeClr>
+              </a:solidFill>
+            </a:endParaRPr>
+          </a:p>
+        </p:txBody>
+      </p:sp>
+      <p:sp>
+        <p:nvSpPr>
+          <p:cNvPr id="17" name="Content Placeholder 7"/>
+          <p:cNvSpPr txBox="1">
+            <a:spLocks/>
+          </p:cNvSpPr>
+          <p:nvPr/>
+        </p:nvSpPr>
+        <p:spPr>
+          <a:xfrm>
+            <a:off x="6172199" y="5036949"/>
+            <a:ext cx="3490993" cy="501651"/>
+          </a:xfrm>
+          <a:prstGeom prst="rect">
+            <a:avLst/>
+          </a:prstGeom>
+        </p:spPr>
+        <p:txBody>
+          <a:bodyPr vert="horz" lIns="91440" tIns="45720" rIns="91440" bIns="45720" rtlCol="0">
+            <a:normAutofit/>
+          </a:bodyPr>
+          <a:lstStyle>
+            <a:lvl1pPr marL="228600" indent="-228600" algn="l" defTabSz="914400" rtl="0" eaLnBrk="1" latinLnBrk="0" hangingPunct="1">
+              <a:lnSpc>
+                <a:spcPct val="90000"/>
+              </a:lnSpc>
+              <a:spcBef>
+                <a:spcPts val="1000"/>
+              </a:spcBef>
+              <a:buFont typeface="Arial" panose="020B0604020202020204" pitchFamily="34" charset="0"/>
+              <a:buChar char="•"/>
+              <a:defRPr sz="2800" kern="1200">
+                <a:solidFill>
+                  <a:schemeClr val="tx1"/>
+                </a:solidFill>
+                <a:latin typeface="+mn-lt"/>
+                <a:ea typeface="+mn-ea"/>
+                <a:cs typeface="+mn-cs"/>
+              </a:defRPr>
+            </a:lvl1pPr>
+            <a:lvl2pPr marL="685800" indent="-228600" algn="l" defTabSz="914400" rtl="0" eaLnBrk="1" latinLnBrk="0" hangingPunct="1">
+              <a:lnSpc>
+                <a:spcPct val="90000"/>
+              </a:lnSpc>
+              <a:spcBef>
+                <a:spcPts val="500"/>
+              </a:spcBef>
+              <a:buFont typeface="Arial" panose="020B0604020202020204" pitchFamily="34" charset="0"/>
+              <a:buChar char="•"/>
+              <a:defRPr sz="2400" kern="1200">
+                <a:solidFill>
+                  <a:schemeClr val="tx1"/>
+                </a:solidFill>
+                <a:latin typeface="+mn-lt"/>
+                <a:ea typeface="+mn-ea"/>
+                <a:cs typeface="+mn-cs"/>
+              </a:defRPr>
+            </a:lvl2pPr>
+            <a:lvl3pPr marL="1143000" indent="-228600" algn="l" defTabSz="914400" rtl="0" eaLnBrk="1" latinLnBrk="0" hangingPunct="1">
+              <a:lnSpc>
+                <a:spcPct val="90000"/>
+              </a:lnSpc>
+              <a:spcBef>
+                <a:spcPts val="500"/>
+              </a:spcBef>
+              <a:buFont typeface="Arial" panose="020B0604020202020204" pitchFamily="34" charset="0"/>
+              <a:buChar char="•"/>
+              <a:defRPr sz="2000" kern="1200">
+                <a:solidFill>
+                  <a:schemeClr val="tx1"/>
+                </a:solidFill>
+                <a:latin typeface="+mn-lt"/>
+                <a:ea typeface="+mn-ea"/>
+                <a:cs typeface="+mn-cs"/>
+              </a:defRPr>
+            </a:lvl3pPr>
+            <a:lvl4pPr marL="1600200" indent="-228600" algn="l" defTabSz="914400" rtl="0" eaLnBrk="1" latinLnBrk="0" hangingPunct="1">
+              <a:lnSpc>
+                <a:spcPct val="90000"/>
+              </a:lnSpc>
+              <a:spcBef>
+                <a:spcPts val="500"/>
+              </a:spcBef>
+              <a:buFont typeface="Arial" panose="020B0604020202020204" pitchFamily="34" charset="0"/>
+              <a:buChar char="•"/>
+              <a:defRPr sz="1800" kern="1200">
+                <a:solidFill>
+                  <a:schemeClr val="tx1"/>
+                </a:solidFill>
+                <a:latin typeface="+mn-lt"/>
+                <a:ea typeface="+mn-ea"/>
+                <a:cs typeface="+mn-cs"/>
+              </a:defRPr>
+            </a:lvl4pPr>
+            <a:lvl5pPr marL="2057400" indent="-228600" algn="l" defTabSz="914400" rtl="0" eaLnBrk="1" latinLnBrk="0" hangingPunct="1">
+              <a:lnSpc>
+                <a:spcPct val="90000"/>
+              </a:lnSpc>
+              <a:spcBef>
+                <a:spcPts val="500"/>
+              </a:spcBef>
+              <a:buFont typeface="Arial" panose="020B0604020202020204" pitchFamily="34" charset="0"/>
+              <a:buChar char="•"/>
+              <a:defRPr sz="1800" kern="1200">
+                <a:solidFill>
+                  <a:schemeClr val="tx1"/>
+                </a:solidFill>
+                <a:latin typeface="+mn-lt"/>
+                <a:ea typeface="+mn-ea"/>
+                <a:cs typeface="+mn-cs"/>
+              </a:defRPr>
+            </a:lvl5pPr>
+            <a:lvl6pPr marL="2514600" indent="-228600" algn="l" defTabSz="914400" rtl="0" eaLnBrk="1" latinLnBrk="0" hangingPunct="1">
+              <a:lnSpc>
+                <a:spcPct val="90000"/>
+              </a:lnSpc>
+              <a:spcBef>
+                <a:spcPts val="500"/>
+              </a:spcBef>
+              <a:buFont typeface="Arial" panose="020B0604020202020204" pitchFamily="34" charset="0"/>
+              <a:buChar char="•"/>
+              <a:defRPr sz="1800" kern="1200">
+                <a:solidFill>
+                  <a:schemeClr val="tx1"/>
+                </a:solidFill>
+                <a:latin typeface="+mn-lt"/>
+                <a:ea typeface="+mn-ea"/>
+                <a:cs typeface="+mn-cs"/>
+              </a:defRPr>
+            </a:lvl6pPr>
+            <a:lvl7pPr marL="2971800" indent="-228600" algn="l" defTabSz="914400" rtl="0" eaLnBrk="1" latinLnBrk="0" hangingPunct="1">
+              <a:lnSpc>
+                <a:spcPct val="90000"/>
+              </a:lnSpc>
+              <a:spcBef>
+                <a:spcPts val="500"/>
+              </a:spcBef>
+              <a:buFont typeface="Arial" panose="020B0604020202020204" pitchFamily="34" charset="0"/>
+              <a:buChar char="•"/>
+              <a:defRPr sz="1800" kern="1200">
+                <a:solidFill>
+                  <a:schemeClr val="tx1"/>
+                </a:solidFill>
+                <a:latin typeface="+mn-lt"/>
+                <a:ea typeface="+mn-ea"/>
+                <a:cs typeface="+mn-cs"/>
+              </a:defRPr>
+            </a:lvl7pPr>
+            <a:lvl8pPr marL="3429000" indent="-228600" algn="l" defTabSz="914400" rtl="0" eaLnBrk="1" latinLnBrk="0" hangingPunct="1">
+              <a:lnSpc>
+                <a:spcPct val="90000"/>
+              </a:lnSpc>
+              <a:spcBef>
+                <a:spcPts val="500"/>
+              </a:spcBef>
+              <a:buFont typeface="Arial" panose="020B0604020202020204" pitchFamily="34" charset="0"/>
+              <a:buChar char="•"/>
+              <a:defRPr sz="1800" kern="1200">
+                <a:solidFill>
+                  <a:schemeClr val="tx1"/>
+                </a:solidFill>
+                <a:latin typeface="+mn-lt"/>
+                <a:ea typeface="+mn-ea"/>
+                <a:cs typeface="+mn-cs"/>
+              </a:defRPr>
+            </a:lvl8pPr>
+            <a:lvl9pPr marL="3886200" indent="-228600" algn="l" defTabSz="914400" rtl="0" eaLnBrk="1" latinLnBrk="0" hangingPunct="1">
+              <a:lnSpc>
+                <a:spcPct val="90000"/>
+              </a:lnSpc>
+              <a:spcBef>
+                <a:spcPts val="500"/>
+              </a:spcBef>
+              <a:buFont typeface="Arial" panose="020B0604020202020204" pitchFamily="34" charset="0"/>
+              <a:buChar char="•"/>
+              <a:defRPr sz="1800" kern="1200">
+                <a:solidFill>
+                  <a:schemeClr val="tx1"/>
+                </a:solidFill>
+                <a:latin typeface="+mn-lt"/>
+                <a:ea typeface="+mn-ea"/>
+                <a:cs typeface="+mn-cs"/>
+              </a:defRPr>
+            </a:lvl9pPr>
+          </a:lstStyle>
+          <a:p>
+            <a:endParaRPr lang="en-US" dirty="0" smtClean="0">
+              <a:solidFill>
+                <a:schemeClr val="accent4">
+                  <a:lumMod val="75000"/>
+                </a:schemeClr>
+              </a:solidFill>
+            </a:endParaRPr>
+          </a:p>
+        </p:txBody>
+      </p:sp>
+      <p:sp>
+        <p:nvSpPr>
+          <p:cNvPr id="13" name="Content Placeholder 7"/>
+          <p:cNvSpPr txBox="1">
+            <a:spLocks/>
+          </p:cNvSpPr>
+          <p:nvPr/>
+        </p:nvSpPr>
+        <p:spPr>
+          <a:xfrm>
+            <a:off x="6172199" y="3771010"/>
+            <a:ext cx="4539343" cy="1578229"/>
+          </a:xfrm>
+          <a:prstGeom prst="rect">
+            <a:avLst/>
+          </a:prstGeom>
+        </p:spPr>
+        <p:txBody>
+          <a:bodyPr vert="horz" lIns="91440" tIns="45720" rIns="91440" bIns="45720" rtlCol="0">
+            <a:noAutofit/>
+          </a:bodyPr>
+          <a:lstStyle>
+            <a:lvl1pPr marL="228600" indent="-228600" algn="l" defTabSz="914400" rtl="0" eaLnBrk="1" latinLnBrk="0" hangingPunct="1">
+              <a:lnSpc>
+                <a:spcPct val="90000"/>
+              </a:lnSpc>
+              <a:spcBef>
+                <a:spcPts val="1000"/>
+              </a:spcBef>
+              <a:buFont typeface="Arial" panose="020B0604020202020204" pitchFamily="34" charset="0"/>
+              <a:buChar char="•"/>
+              <a:defRPr sz="2800" kern="1200">
+                <a:solidFill>
+                  <a:schemeClr val="tx1"/>
+                </a:solidFill>
+                <a:latin typeface="+mn-lt"/>
+                <a:ea typeface="+mn-ea"/>
+                <a:cs typeface="+mn-cs"/>
+              </a:defRPr>
+            </a:lvl1pPr>
+            <a:lvl2pPr marL="685800" indent="-228600" algn="l" defTabSz="914400" rtl="0" eaLnBrk="1" latinLnBrk="0" hangingPunct="1">
+              <a:lnSpc>
+                <a:spcPct val="90000"/>
+              </a:lnSpc>
+              <a:spcBef>
+                <a:spcPts val="500"/>
+              </a:spcBef>
+              <a:buFont typeface="Arial" panose="020B0604020202020204" pitchFamily="34" charset="0"/>
+              <a:buChar char="•"/>
+              <a:defRPr sz="2400" kern="1200">
+                <a:solidFill>
+                  <a:schemeClr val="tx1"/>
+                </a:solidFill>
+                <a:latin typeface="+mn-lt"/>
+                <a:ea typeface="+mn-ea"/>
+                <a:cs typeface="+mn-cs"/>
+              </a:defRPr>
+            </a:lvl2pPr>
+            <a:lvl3pPr marL="1143000" indent="-228600" algn="l" defTabSz="914400" rtl="0" eaLnBrk="1" latinLnBrk="0" hangingPunct="1">
+              <a:lnSpc>
+                <a:spcPct val="90000"/>
+              </a:lnSpc>
+              <a:spcBef>
+                <a:spcPts val="500"/>
+              </a:spcBef>
+              <a:buFont typeface="Arial" panose="020B0604020202020204" pitchFamily="34" charset="0"/>
+              <a:buChar char="•"/>
+              <a:defRPr sz="2000" kern="1200">
+                <a:solidFill>
+                  <a:schemeClr val="tx1"/>
+                </a:solidFill>
+                <a:latin typeface="+mn-lt"/>
+                <a:ea typeface="+mn-ea"/>
+                <a:cs typeface="+mn-cs"/>
+              </a:defRPr>
+            </a:lvl3pPr>
+            <a:lvl4pPr marL="1600200" indent="-228600" algn="l" defTabSz="914400" rtl="0" eaLnBrk="1" latinLnBrk="0" hangingPunct="1">
+              <a:lnSpc>
+                <a:spcPct val="90000"/>
+              </a:lnSpc>
+              <a:spcBef>
+                <a:spcPts val="500"/>
+              </a:spcBef>
+              <a:buFont typeface="Arial" panose="020B0604020202020204" pitchFamily="34" charset="0"/>
+              <a:buChar char="•"/>
+              <a:defRPr sz="1800" kern="1200">
+                <a:solidFill>
+                  <a:schemeClr val="tx1"/>
+                </a:solidFill>
+                <a:latin typeface="+mn-lt"/>
+                <a:ea typeface="+mn-ea"/>
+                <a:cs typeface="+mn-cs"/>
+              </a:defRPr>
+            </a:lvl4pPr>
+            <a:lvl5pPr marL="2057400" indent="-228600" algn="l" defTabSz="914400" rtl="0" eaLnBrk="1" latinLnBrk="0" hangingPunct="1">
+              <a:lnSpc>
+                <a:spcPct val="90000"/>
+              </a:lnSpc>
+              <a:spcBef>
+                <a:spcPts val="500"/>
+              </a:spcBef>
+              <a:buFont typeface="Arial" panose="020B0604020202020204" pitchFamily="34" charset="0"/>
+              <a:buChar char="•"/>
+              <a:defRPr sz="1800" kern="1200">
+                <a:solidFill>
+                  <a:schemeClr val="tx1"/>
+                </a:solidFill>
+                <a:latin typeface="+mn-lt"/>
+                <a:ea typeface="+mn-ea"/>
+                <a:cs typeface="+mn-cs"/>
+              </a:defRPr>
+            </a:lvl5pPr>
+            <a:lvl6pPr marL="2514600" indent="-228600" algn="l" defTabSz="914400" rtl="0" eaLnBrk="1" latinLnBrk="0" hangingPunct="1">
+              <a:lnSpc>
+                <a:spcPct val="90000"/>
+              </a:lnSpc>
+              <a:spcBef>
+                <a:spcPts val="500"/>
+              </a:spcBef>
+              <a:buFont typeface="Arial" panose="020B0604020202020204" pitchFamily="34" charset="0"/>
+              <a:buChar char="•"/>
+              <a:defRPr sz="1800" kern="1200">
+                <a:solidFill>
+                  <a:schemeClr val="tx1"/>
+                </a:solidFill>
+                <a:latin typeface="+mn-lt"/>
+                <a:ea typeface="+mn-ea"/>
+                <a:cs typeface="+mn-cs"/>
+              </a:defRPr>
+            </a:lvl6pPr>
+            <a:lvl7pPr marL="2971800" indent="-228600" algn="l" defTabSz="914400" rtl="0" eaLnBrk="1" latinLnBrk="0" hangingPunct="1">
+              <a:lnSpc>
+                <a:spcPct val="90000"/>
+              </a:lnSpc>
+              <a:spcBef>
+                <a:spcPts val="500"/>
+              </a:spcBef>
+              <a:buFont typeface="Arial" panose="020B0604020202020204" pitchFamily="34" charset="0"/>
+              <a:buChar char="•"/>
+              <a:defRPr sz="1800" kern="1200">
+                <a:solidFill>
+                  <a:schemeClr val="tx1"/>
+                </a:solidFill>
+                <a:latin typeface="+mn-lt"/>
+                <a:ea typeface="+mn-ea"/>
+                <a:cs typeface="+mn-cs"/>
+              </a:defRPr>
+            </a:lvl7pPr>
+            <a:lvl8pPr marL="3429000" indent="-228600" algn="l" defTabSz="914400" rtl="0" eaLnBrk="1" latinLnBrk="0" hangingPunct="1">
+              <a:lnSpc>
+                <a:spcPct val="90000"/>
+              </a:lnSpc>
+              <a:spcBef>
+                <a:spcPts val="500"/>
+              </a:spcBef>
+              <a:buFont typeface="Arial" panose="020B0604020202020204" pitchFamily="34" charset="0"/>
+              <a:buChar char="•"/>
+              <a:defRPr sz="1800" kern="1200">
+                <a:solidFill>
+                  <a:schemeClr val="tx1"/>
+                </a:solidFill>
+                <a:latin typeface="+mn-lt"/>
+                <a:ea typeface="+mn-ea"/>
+                <a:cs typeface="+mn-cs"/>
+              </a:defRPr>
+            </a:lvl8pPr>
+            <a:lvl9pPr marL="3886200" indent="-228600" algn="l" defTabSz="914400" rtl="0" eaLnBrk="1" latinLnBrk="0" hangingPunct="1">
+              <a:lnSpc>
+                <a:spcPct val="90000"/>
+              </a:lnSpc>
+              <a:spcBef>
+                <a:spcPts val="500"/>
+              </a:spcBef>
+              <a:buFont typeface="Arial" panose="020B0604020202020204" pitchFamily="34" charset="0"/>
+              <a:buChar char="•"/>
+              <a:defRPr sz="1800" kern="1200">
+                <a:solidFill>
+                  <a:schemeClr val="tx1"/>
+                </a:solidFill>
+                <a:latin typeface="+mn-lt"/>
+                <a:ea typeface="+mn-ea"/>
+                <a:cs typeface="+mn-cs"/>
+              </a:defRPr>
+            </a:lvl9pPr>
+          </a:lstStyle>
+          <a:p>
+            <a:r>
+              <a:rPr lang="en-US" dirty="0" smtClean="0">
+                <a:solidFill>
+                  <a:schemeClr val="accent4">
+                    <a:lumMod val="75000"/>
+                  </a:schemeClr>
+                </a:solidFill>
+              </a:rPr>
+              <a:t>Age-invariant M fixed at 0.2</a:t>
+            </a:r>
+          </a:p>
+        </p:txBody>
+      </p:sp>
     </p:spTree>
     <p:extLst>
       <p:ext uri="{BB962C8B-B14F-4D97-AF65-F5344CB8AC3E}">
-        <p14:creationId xmlns:p14="http://schemas.microsoft.com/office/powerpoint/2010/main" val="349860305"/>
+        <p14:creationId xmlns:p14="http://schemas.microsoft.com/office/powerpoint/2010/main" val="2287668083"/>
       </p:ext>
     </p:extLst>
   </p:cSld>
@@ -9843,14 +10159,6 @@
 <file path=ppt/slides/slide42.xml><?xml version="1.0" encoding="utf-8"?>
 <p:sld xmlns:a="http://schemas.openxmlformats.org/drawingml/2006/main" xmlns:r="http://schemas.openxmlformats.org/officeDocument/2006/relationships" xmlns:p="http://schemas.openxmlformats.org/presentationml/2006/main">
   <p:cSld>
-    <p:bg>
-      <p:bgPr>
-        <a:solidFill>
-          <a:srgbClr val="0070C0"/>
-        </a:solidFill>
-        <a:effectLst/>
-      </p:bgPr>
-    </p:bg>
     <p:spTree>
       <p:nvGrpSpPr>
         <p:cNvPr id="1" name=""/>
@@ -9865,40 +10173,70 @@
           <a:chExt cx="0" cy="0"/>
         </a:xfrm>
       </p:grpSpPr>
-      <p:sp>
-        <p:nvSpPr>
-          <p:cNvPr id="4" name="TextBox 3"/>
-          <p:cNvSpPr txBox="1"/>
+      <p:pic>
+        <p:nvPicPr>
+          <p:cNvPr id="2" name="Picture 1"/>
+          <p:cNvPicPr>
+            <a:picLocks noChangeAspect="1"/>
+          </p:cNvPicPr>
           <p:nvPr/>
-        </p:nvSpPr>
+        </p:nvPicPr>
+        <p:blipFill>
+          <a:blip r:embed="rId2" cstate="print">
+            <a:extLst>
+              <a:ext uri="{28A0092B-C50C-407E-A947-70E740481C1C}">
+                <a14:useLocalDpi xmlns:a14="http://schemas.microsoft.com/office/drawing/2010/main" val="0"/>
+              </a:ext>
+            </a:extLst>
+          </a:blip>
+          <a:stretch>
+            <a:fillRect/>
+          </a:stretch>
+        </p:blipFill>
         <p:spPr>
           <a:xfrm>
-            <a:off x="1040963" y="2420858"/>
-            <a:ext cx="9925987" cy="1631216"/>
+            <a:off x="1148080" y="1498596"/>
+            <a:ext cx="4572009" cy="3657607"/>
           </a:xfrm>
           <a:prstGeom prst="rect">
             <a:avLst/>
           </a:prstGeom>
-          <a:noFill/>
         </p:spPr>
-        <p:txBody>
-          <a:bodyPr wrap="none" rtlCol="0">
-            <a:spAutoFit/>
-          </a:bodyPr>
-          <a:lstStyle/>
-          <a:p>
-            <a:r>
-              <a:rPr lang="en-US" sz="10000" dirty="0" smtClean="0"/>
-              <a:t>Sensitivity Tests #2</a:t>
-            </a:r>
-            <a:endParaRPr lang="en-US" sz="10000" dirty="0"/>
-          </a:p>
-        </p:txBody>
-      </p:sp>
+      </p:pic>
+      <p:pic>
+        <p:nvPicPr>
+          <p:cNvPr id="3" name="Picture 2"/>
+          <p:cNvPicPr>
+            <a:picLocks noChangeAspect="1"/>
+          </p:cNvPicPr>
+          <p:nvPr/>
+        </p:nvPicPr>
+        <p:blipFill>
+          <a:blip r:embed="rId3" cstate="print">
+            <a:extLst>
+              <a:ext uri="{28A0092B-C50C-407E-A947-70E740481C1C}">
+                <a14:useLocalDpi xmlns:a14="http://schemas.microsoft.com/office/drawing/2010/main" val="0"/>
+              </a:ext>
+            </a:extLst>
+          </a:blip>
+          <a:stretch>
+            <a:fillRect/>
+          </a:stretch>
+        </p:blipFill>
+        <p:spPr>
+          <a:xfrm>
+            <a:off x="6370955" y="0"/>
+            <a:ext cx="4286250" cy="6858000"/>
+          </a:xfrm>
+          <a:prstGeom prst="rect">
+            <a:avLst/>
+          </a:prstGeom>
+        </p:spPr>
+      </p:pic>
     </p:spTree>
     <p:extLst>
       <p:ext uri="{BB962C8B-B14F-4D97-AF65-F5344CB8AC3E}">
-        <p14:creationId xmlns:p14="http://schemas.microsoft.com/office/powerpoint/2010/main" val="3086846144"/>
+        <p14:creationId xmlns:p14="http://schemas.microsoft.com/office/powerpoint/2010/main" val="349860305"/>
       </p:ext>
     </p:extLst>
   </p:cSld>
@@ -9942,7 +10280,7 @@
           <a:p>
             <a:r>
               <a:rPr lang="en-US" dirty="0" smtClean="0"/>
-              <a:t>From FINAL Peer Review Report</a:t>
+              <a:t>Conclusions about Sensitivity Test</a:t>
             </a:r>
             <a:endParaRPr lang="en-US" dirty="0"/>
           </a:p>
@@ -9960,83 +10298,13 @@
         </p:nvSpPr>
         <p:spPr/>
         <p:txBody>
-          <a:bodyPr>
-            <a:normAutofit/>
-          </a:bodyPr>
+          <a:bodyPr/>
           <a:lstStyle/>
           <a:p>
             <a:r>
-              <a:rPr lang="en-US" dirty="0">
-                <a:solidFill>
-                  <a:schemeClr val="bg2">
-                    <a:lumMod val="90000"/>
-                  </a:schemeClr>
-                </a:solidFill>
-              </a:rPr>
-              <a:t>Conduct sensitivity analyses including: </a:t>
-            </a:r>
-            <a:endParaRPr lang="en-US" b="0" dirty="0" smtClean="0">
-              <a:solidFill>
-                <a:schemeClr val="bg2">
-                  <a:lumMod val="90000"/>
-                </a:schemeClr>
-              </a:solidFill>
-              <a:effectLst/>
-            </a:endParaRPr>
-          </a:p>
-          <a:p>
-            <a:r>
-              <a:rPr lang="en-US" dirty="0">
-                <a:solidFill>
-                  <a:schemeClr val="bg2">
-                    <a:lumMod val="90000"/>
-                  </a:schemeClr>
-                </a:solidFill>
-              </a:rPr>
-              <a:t>1) an exploration of alternative parameterizations for natural mortality (e.g. different age-independent constant values, or age-dependent M) </a:t>
-            </a:r>
-            <a:endParaRPr lang="en-US" b="0" dirty="0" smtClean="0">
-              <a:solidFill>
-                <a:schemeClr val="bg2">
-                  <a:lumMod val="90000"/>
-                </a:schemeClr>
-              </a:solidFill>
-              <a:effectLst/>
-            </a:endParaRPr>
-          </a:p>
-          <a:p>
-            <a:r>
-              <a:rPr lang="en-US" dirty="0"/>
-              <a:t>2) profiles of the initial fishing mortality (i.e. initial depletion) </a:t>
-            </a:r>
-            <a:endParaRPr lang="en-US" b="0" dirty="0" smtClean="0">
-              <a:effectLst/>
-            </a:endParaRPr>
-          </a:p>
-          <a:p>
-            <a:r>
-              <a:rPr lang="en-US" dirty="0">
-                <a:solidFill>
-                  <a:schemeClr val="bg1">
-                    <a:lumMod val="85000"/>
-                  </a:schemeClr>
-                </a:solidFill>
-              </a:rPr>
-              <a:t>3) an evaluation of which individual surveys should be included in the VAST index by comparing WHAM estimates (e.g., biomass time series) from the proposed run with individual fishery independent surveys. Surveys that do not appear to accurately reflect changes in stock size through this analysis should not be included in the VAST index. </a:t>
-            </a:r>
-            <a:endParaRPr lang="en-US" b="0" dirty="0" smtClean="0">
-              <a:solidFill>
-                <a:schemeClr val="bg1">
-                  <a:lumMod val="85000"/>
-                </a:schemeClr>
-              </a:solidFill>
-              <a:effectLst/>
-            </a:endParaRPr>
-          </a:p>
-          <a:p>
-            <a:pPr marL="0" indent="0">
-              <a:buNone/>
-            </a:pPr>
+              <a:rPr lang="en-US" dirty="0" smtClean="0"/>
+              <a:t>M has a strong influence on recruitment and therefore SSB</a:t>
+            </a:r>
             <a:endParaRPr lang="en-US" dirty="0"/>
           </a:p>
         </p:txBody>
@@ -10044,19 +10312,34 @@
     </p:spTree>
     <p:extLst>
       <p:ext uri="{BB962C8B-B14F-4D97-AF65-F5344CB8AC3E}">
-        <p14:creationId xmlns:p14="http://schemas.microsoft.com/office/powerpoint/2010/main" val="2961126734"/>
+        <p14:creationId xmlns:p14="http://schemas.microsoft.com/office/powerpoint/2010/main" val="2681618932"/>
       </p:ext>
     </p:extLst>
   </p:cSld>
   <p:clrMapOvr>
     <a:masterClrMapping/>
   </p:clrMapOvr>
+  <p:timing>
+    <p:tnLst>
+      <p:par>
+        <p:cTn id="1" dur="indefinite" restart="never" nodeType="tmRoot"/>
+      </p:par>
+    </p:tnLst>
+  </p:timing>
 </p:sld>
 </file>
 
 <file path=ppt/slides/slide44.xml><?xml version="1.0" encoding="utf-8"?>
 <p:sld xmlns:a="http://schemas.openxmlformats.org/drawingml/2006/main" xmlns:r="http://schemas.openxmlformats.org/officeDocument/2006/relationships" xmlns:p="http://schemas.openxmlformats.org/presentationml/2006/main">
   <p:cSld>
+    <p:bg>
+      <p:bgPr>
+        <a:solidFill>
+          <a:srgbClr val="0070C0"/>
+        </a:solidFill>
+        <a:effectLst/>
+      </p:bgPr>
+    </p:bg>
     <p:spTree>
       <p:nvGrpSpPr>
         <p:cNvPr id="1" name=""/>
@@ -10073,74 +10356,38 @@
       </p:grpSpPr>
       <p:sp>
         <p:nvSpPr>
-          <p:cNvPr id="2" name="Title 1"/>
-          <p:cNvSpPr>
-            <a:spLocks noGrp="1"/>
-          </p:cNvSpPr>
-          <p:nvPr>
-            <p:ph type="title"/>
-          </p:nvPr>
-        </p:nvSpPr>
-        <p:spPr/>
-        <p:txBody>
-          <a:bodyPr/>
+          <p:cNvPr id="4" name="TextBox 3"/>
+          <p:cNvSpPr txBox="1"/>
+          <p:nvPr/>
+        </p:nvSpPr>
+        <p:spPr>
+          <a:xfrm>
+            <a:off x="1040963" y="2420858"/>
+            <a:ext cx="9925987" cy="1631216"/>
+          </a:xfrm>
+          <a:prstGeom prst="rect">
+            <a:avLst/>
+          </a:prstGeom>
+          <a:noFill/>
+        </p:spPr>
+        <p:txBody>
+          <a:bodyPr wrap="none" rtlCol="0">
+            <a:spAutoFit/>
+          </a:bodyPr>
           <a:lstStyle/>
           <a:p>
             <a:r>
-              <a:rPr lang="en-US" dirty="0" smtClean="0"/>
-              <a:t>Options for Sensitivity Item 2</a:t>
-            </a:r>
-            <a:endParaRPr lang="en-US" dirty="0"/>
-          </a:p>
-        </p:txBody>
-      </p:sp>
-      <p:sp>
-        <p:nvSpPr>
-          <p:cNvPr id="3" name="Content Placeholder 2"/>
-          <p:cNvSpPr>
-            <a:spLocks noGrp="1"/>
-          </p:cNvSpPr>
-          <p:nvPr>
-            <p:ph idx="1"/>
-          </p:nvPr>
-        </p:nvSpPr>
-        <p:spPr/>
-        <p:txBody>
-          <a:bodyPr/>
-          <a:lstStyle/>
-          <a:p>
-            <a:pPr marL="514350" indent="-514350">
-              <a:buFont typeface="+mj-lt"/>
-              <a:buAutoNum type="arabicPeriod"/>
-            </a:pPr>
-            <a:r>
-              <a:rPr lang="en-US" dirty="0" smtClean="0"/>
-              <a:t>Look at the estimated initial F and the confidence interval. Pick the 25</a:t>
-            </a:r>
-            <a:r>
-              <a:rPr lang="en-US" baseline="30000" dirty="0" smtClean="0"/>
-              <a:t>th</a:t>
-            </a:r>
-            <a:r>
-              <a:rPr lang="en-US" dirty="0" smtClean="0"/>
-              <a:t> and 75</a:t>
-            </a:r>
-            <a:r>
-              <a:rPr lang="en-US" baseline="30000" dirty="0" smtClean="0"/>
-              <a:t>th</a:t>
-            </a:r>
-            <a:r>
-              <a:rPr lang="en-US" dirty="0" smtClean="0"/>
-              <a:t> value of the distribution and fix them at those values in estimation model</a:t>
-            </a:r>
-            <a:endParaRPr lang="en-US" strike="sngStrike" dirty="0"/>
+              <a:rPr lang="en-US" sz="10000" dirty="0" smtClean="0"/>
+              <a:t>Sensitivity Tests #2</a:t>
+            </a:r>
+            <a:endParaRPr lang="en-US" sz="10000" dirty="0"/>
           </a:p>
         </p:txBody>
       </p:sp>
     </p:spTree>
     <p:extLst>
       <p:ext uri="{BB962C8B-B14F-4D97-AF65-F5344CB8AC3E}">
-        <p14:creationId xmlns:p14="http://schemas.microsoft.com/office/powerpoint/2010/main" val="399200767"/>
+        <p14:creationId xmlns:p14="http://schemas.microsoft.com/office/powerpoint/2010/main" val="3086846144"/>
       </p:ext>
     </p:extLst>
   </p:cSld>
@@ -10169,7 +10416,7 @@
       </p:grpSpPr>
       <p:sp>
         <p:nvSpPr>
-          <p:cNvPr id="4" name="Title 3"/>
+          <p:cNvPr id="2" name="Title 1"/>
           <p:cNvSpPr>
             <a:spLocks noGrp="1"/>
           </p:cNvSpPr>
@@ -10184,7 +10431,7 @@
           <a:p>
             <a:r>
               <a:rPr lang="en-US" dirty="0" smtClean="0"/>
-              <a:t>Run 39</a:t>
+              <a:t>From FINAL Peer Review Report</a:t>
             </a:r>
             <a:endParaRPr lang="en-US" dirty="0"/>
           </a:p>
@@ -10192,35 +10439,12 @@
       </p:sp>
       <p:sp>
         <p:nvSpPr>
-          <p:cNvPr id="5" name="Text Placeholder 4"/>
+          <p:cNvPr id="3" name="Content Placeholder 2"/>
           <p:cNvSpPr>
             <a:spLocks noGrp="1"/>
           </p:cNvSpPr>
           <p:nvPr>
-            <p:ph type="body" idx="1"/>
-          </p:nvPr>
-        </p:nvSpPr>
-        <p:spPr/>
-        <p:txBody>
-          <a:bodyPr/>
-          <a:lstStyle/>
-          <a:p>
-            <a:r>
-              <a:rPr lang="en-US" dirty="0" smtClean="0"/>
-              <a:t>Run 34</a:t>
-            </a:r>
-            <a:endParaRPr lang="en-US" dirty="0"/>
-          </a:p>
-        </p:txBody>
-      </p:sp>
-      <p:sp>
-        <p:nvSpPr>
-          <p:cNvPr id="6" name="Content Placeholder 5"/>
-          <p:cNvSpPr>
-            <a:spLocks noGrp="1"/>
-          </p:cNvSpPr>
-          <p:nvPr>
-            <p:ph sz="half" idx="2"/>
+            <p:ph idx="1"/>
           </p:nvPr>
         </p:nvSpPr>
         <p:spPr/>
@@ -10231,8 +10455,329 @@
           <a:lstStyle/>
           <a:p>
             <a:r>
+              <a:rPr lang="en-US" dirty="0">
+                <a:solidFill>
+                  <a:schemeClr val="bg2">
+                    <a:lumMod val="90000"/>
+                  </a:schemeClr>
+                </a:solidFill>
+              </a:rPr>
+              <a:t>Conduct sensitivity analyses including: </a:t>
+            </a:r>
+            <a:endParaRPr lang="en-US" b="0" dirty="0" smtClean="0">
+              <a:solidFill>
+                <a:schemeClr val="bg2">
+                  <a:lumMod val="90000"/>
+                </a:schemeClr>
+              </a:solidFill>
+              <a:effectLst/>
+            </a:endParaRPr>
+          </a:p>
+          <a:p>
+            <a:r>
+              <a:rPr lang="en-US" dirty="0">
+                <a:solidFill>
+                  <a:schemeClr val="bg2">
+                    <a:lumMod val="90000"/>
+                  </a:schemeClr>
+                </a:solidFill>
+              </a:rPr>
+              <a:t>1) an exploration of alternative parameterizations for natural mortality (e.g. different age-independent constant values, or age-dependent M) </a:t>
+            </a:r>
+            <a:endParaRPr lang="en-US" b="0" dirty="0" smtClean="0">
+              <a:solidFill>
+                <a:schemeClr val="bg2">
+                  <a:lumMod val="90000"/>
+                </a:schemeClr>
+              </a:solidFill>
+              <a:effectLst/>
+            </a:endParaRPr>
+          </a:p>
+          <a:p>
+            <a:r>
+              <a:rPr lang="en-US" dirty="0"/>
+              <a:t>2) profiles of the initial fishing mortality (i.e. initial depletion) </a:t>
+            </a:r>
+            <a:endParaRPr lang="en-US" b="0" dirty="0" smtClean="0">
+              <a:effectLst/>
+            </a:endParaRPr>
+          </a:p>
+          <a:p>
+            <a:r>
+              <a:rPr lang="en-US" dirty="0">
+                <a:solidFill>
+                  <a:schemeClr val="bg1">
+                    <a:lumMod val="85000"/>
+                  </a:schemeClr>
+                </a:solidFill>
+              </a:rPr>
+              <a:t>3) an evaluation of which individual surveys should be included in the VAST index by comparing WHAM estimates (e.g., biomass time series) from the proposed run with individual fishery independent surveys. Surveys that do not appear to accurately reflect changes in stock size through this analysis should not be included in the VAST index. </a:t>
+            </a:r>
+            <a:endParaRPr lang="en-US" b="0" dirty="0" smtClean="0">
+              <a:solidFill>
+                <a:schemeClr val="bg1">
+                  <a:lumMod val="85000"/>
+                </a:schemeClr>
+              </a:solidFill>
+              <a:effectLst/>
+            </a:endParaRPr>
+          </a:p>
+          <a:p>
+            <a:pPr marL="0" indent="0">
+              <a:buNone/>
+            </a:pPr>
+            <a:endParaRPr lang="en-US" dirty="0"/>
+          </a:p>
+        </p:txBody>
+      </p:sp>
+    </p:spTree>
+    <p:extLst>
+      <p:ext uri="{BB962C8B-B14F-4D97-AF65-F5344CB8AC3E}">
+        <p14:creationId xmlns:p14="http://schemas.microsoft.com/office/powerpoint/2010/main" val="2961126734"/>
+      </p:ext>
+    </p:extLst>
+  </p:cSld>
+  <p:clrMapOvr>
+    <a:masterClrMapping/>
+  </p:clrMapOvr>
+</p:sld>
+</file>
+
+<file path=ppt/slides/slide46.xml><?xml version="1.0" encoding="utf-8"?>
+<p:sld xmlns:a="http://schemas.openxmlformats.org/drawingml/2006/main" xmlns:r="http://schemas.openxmlformats.org/officeDocument/2006/relationships" xmlns:p="http://schemas.openxmlformats.org/presentationml/2006/main">
+  <p:cSld>
+    <p:spTree>
+      <p:nvGrpSpPr>
+        <p:cNvPr id="1" name=""/>
+        <p:cNvGrpSpPr/>
+        <p:nvPr/>
+      </p:nvGrpSpPr>
+      <p:grpSpPr>
+        <a:xfrm>
+          <a:off x="0" y="0"/>
+          <a:ext cx="0" cy="0"/>
+          <a:chOff x="0" y="0"/>
+          <a:chExt cx="0" cy="0"/>
+        </a:xfrm>
+      </p:grpSpPr>
+      <p:sp>
+        <p:nvSpPr>
+          <p:cNvPr id="2" name="Title 1"/>
+          <p:cNvSpPr>
+            <a:spLocks noGrp="1"/>
+          </p:cNvSpPr>
+          <p:nvPr>
+            <p:ph type="title"/>
+          </p:nvPr>
+        </p:nvSpPr>
+        <p:spPr/>
+        <p:txBody>
+          <a:bodyPr/>
+          <a:lstStyle/>
+          <a:p>
+            <a:r>
               <a:rPr lang="en-US" dirty="0" smtClean="0"/>
-              <a:t>Initial F estimated at XXX</a:t>
+              <a:t>Options for Sensitivity Item 2</a:t>
+            </a:r>
+            <a:endParaRPr lang="en-US" dirty="0"/>
+          </a:p>
+        </p:txBody>
+      </p:sp>
+      <p:sp>
+        <p:nvSpPr>
+          <p:cNvPr id="3" name="Content Placeholder 2"/>
+          <p:cNvSpPr>
+            <a:spLocks noGrp="1"/>
+          </p:cNvSpPr>
+          <p:nvPr>
+            <p:ph idx="1"/>
+          </p:nvPr>
+        </p:nvSpPr>
+        <p:spPr/>
+        <p:txBody>
+          <a:bodyPr/>
+          <a:lstStyle/>
+          <a:p>
+            <a:pPr marL="514350" indent="-514350">
+              <a:buFont typeface="+mj-lt"/>
+              <a:buAutoNum type="arabicPeriod"/>
+            </a:pPr>
+            <a:r>
+              <a:rPr lang="en-US" dirty="0" smtClean="0"/>
+              <a:t>Look at the estimated initial F and the confidence interval. Pick the </a:t>
+            </a:r>
+            <a:r>
+              <a:rPr lang="en-US" dirty="0" smtClean="0"/>
+              <a:t>lower and upper values of the </a:t>
+            </a:r>
+            <a:r>
+              <a:rPr lang="en-US" dirty="0" smtClean="0"/>
+              <a:t>CI </a:t>
+            </a:r>
+            <a:r>
+              <a:rPr lang="en-US" dirty="0" smtClean="0"/>
+              <a:t>and </a:t>
+            </a:r>
+            <a:r>
+              <a:rPr lang="en-US" dirty="0" smtClean="0"/>
+              <a:t>fix them at those values in estimation model</a:t>
+            </a:r>
+            <a:endParaRPr lang="en-US" strike="sngStrike" dirty="0"/>
+          </a:p>
+        </p:txBody>
+      </p:sp>
+    </p:spTree>
+    <p:extLst>
+      <p:ext uri="{BB962C8B-B14F-4D97-AF65-F5344CB8AC3E}">
+        <p14:creationId xmlns:p14="http://schemas.microsoft.com/office/powerpoint/2010/main" val="399200767"/>
+      </p:ext>
+    </p:extLst>
+  </p:cSld>
+  <p:clrMapOvr>
+    <a:masterClrMapping/>
+  </p:clrMapOvr>
+</p:sld>
+</file>
+
+<file path=ppt/slides/slide47.xml><?xml version="1.0" encoding="utf-8"?>
+<p:sld xmlns:a="http://schemas.openxmlformats.org/drawingml/2006/main" xmlns:r="http://schemas.openxmlformats.org/officeDocument/2006/relationships" xmlns:p="http://schemas.openxmlformats.org/presentationml/2006/main">
+  <p:cSld>
+    <p:spTree>
+      <p:nvGrpSpPr>
+        <p:cNvPr id="1" name=""/>
+        <p:cNvGrpSpPr/>
+        <p:nvPr/>
+      </p:nvGrpSpPr>
+      <p:grpSpPr>
+        <a:xfrm>
+          <a:off x="0" y="0"/>
+          <a:ext cx="0" cy="0"/>
+          <a:chOff x="0" y="0"/>
+          <a:chExt cx="0" cy="0"/>
+        </a:xfrm>
+      </p:grpSpPr>
+      <p:sp>
+        <p:nvSpPr>
+          <p:cNvPr id="4" name="Title 3"/>
+          <p:cNvSpPr>
+            <a:spLocks noGrp="1"/>
+          </p:cNvSpPr>
+          <p:nvPr>
+            <p:ph type="title"/>
+          </p:nvPr>
+        </p:nvSpPr>
+        <p:spPr/>
+        <p:txBody>
+          <a:bodyPr/>
+          <a:lstStyle/>
+          <a:p>
+            <a:r>
+              <a:rPr lang="en-US" dirty="0" smtClean="0"/>
+              <a:t>Run 39</a:t>
+            </a:r>
+            <a:endParaRPr lang="en-US" dirty="0"/>
+          </a:p>
+        </p:txBody>
+      </p:sp>
+      <p:sp>
+        <p:nvSpPr>
+          <p:cNvPr id="5" name="Text Placeholder 4"/>
+          <p:cNvSpPr>
+            <a:spLocks noGrp="1"/>
+          </p:cNvSpPr>
+          <p:nvPr>
+            <p:ph type="body" idx="1"/>
+          </p:nvPr>
+        </p:nvSpPr>
+        <p:spPr/>
+        <p:txBody>
+          <a:bodyPr/>
+          <a:lstStyle/>
+          <a:p>
+            <a:r>
+              <a:rPr lang="en-US" dirty="0" smtClean="0"/>
+              <a:t>Run 34</a:t>
+            </a:r>
+            <a:endParaRPr lang="en-US" dirty="0"/>
+          </a:p>
+        </p:txBody>
+      </p:sp>
+      <p:sp>
+        <p:nvSpPr>
+          <p:cNvPr id="6" name="Content Placeholder 5"/>
+          <p:cNvSpPr>
+            <a:spLocks noGrp="1"/>
+          </p:cNvSpPr>
+          <p:nvPr>
+            <p:ph sz="half" idx="2"/>
+          </p:nvPr>
+        </p:nvSpPr>
+        <p:spPr/>
+        <p:txBody>
+          <a:bodyPr>
+            <a:normAutofit/>
+          </a:bodyPr>
+          <a:lstStyle/>
+          <a:p>
+            <a:r>
+              <a:rPr lang="en-US" dirty="0" smtClean="0"/>
+              <a:t>Initial F estimated </a:t>
+            </a:r>
+            <a:r>
+              <a:rPr lang="en-US" dirty="0" smtClean="0"/>
+              <a:t>at</a:t>
+            </a:r>
+          </a:p>
+          <a:p>
+            <a:pPr lvl="1"/>
+            <a:r>
+              <a:rPr lang="en-US" dirty="0" smtClean="0">
+                <a:solidFill>
+                  <a:schemeClr val="accent4">
+                    <a:lumMod val="75000"/>
+                  </a:schemeClr>
+                </a:solidFill>
+              </a:rPr>
+              <a:t>N Com – 0.317</a:t>
+            </a:r>
+          </a:p>
+          <a:p>
+            <a:pPr lvl="1"/>
+            <a:r>
+              <a:rPr lang="en-US" dirty="0" smtClean="0">
+                <a:solidFill>
+                  <a:schemeClr val="accent4">
+                    <a:lumMod val="75000"/>
+                  </a:schemeClr>
+                </a:solidFill>
+              </a:rPr>
+              <a:t>N Rec – 0.527</a:t>
+            </a:r>
+          </a:p>
+          <a:p>
+            <a:pPr lvl="1"/>
+            <a:r>
+              <a:rPr lang="en-US" dirty="0" smtClean="0">
+                <a:solidFill>
+                  <a:schemeClr val="accent4">
+                    <a:lumMod val="75000"/>
+                  </a:schemeClr>
+                </a:solidFill>
+              </a:rPr>
+              <a:t>S Com – 0.315</a:t>
+            </a:r>
+          </a:p>
+          <a:p>
+            <a:pPr lvl="1"/>
+            <a:r>
+              <a:rPr lang="en-US" dirty="0" smtClean="0">
+                <a:solidFill>
+                  <a:schemeClr val="accent4">
+                    <a:lumMod val="75000"/>
+                  </a:schemeClr>
+                </a:solidFill>
+              </a:rPr>
+              <a:t>S Rec – 0.721</a:t>
             </a:r>
             <a:endParaRPr lang="en-US" dirty="0" smtClean="0">
               <a:solidFill>
@@ -10266,7 +10811,11 @@
           <a:p>
             <a:r>
               <a:rPr lang="en-US" dirty="0" smtClean="0"/>
-              <a:t>Run 39</a:t>
+              <a:t>Run </a:t>
+            </a:r>
+            <a:r>
+              <a:rPr lang="en-US" dirty="0" smtClean="0"/>
+              <a:t>41</a:t>
             </a:r>
             <a:endParaRPr lang="en-US" dirty="0"/>
           </a:p>
@@ -10285,7 +10834,7 @@
         <p:spPr>
           <a:xfrm>
             <a:off x="6172200" y="2505075"/>
-            <a:ext cx="2728866" cy="501651"/>
+            <a:ext cx="5296546" cy="501651"/>
           </a:xfrm>
         </p:spPr>
         <p:txBody>
@@ -10296,7 +10845,11 @@
           <a:p>
             <a:r>
               <a:rPr lang="en-US" dirty="0" smtClean="0"/>
-              <a:t>F fixed at XXX</a:t>
+              <a:t>F fixed at </a:t>
+            </a:r>
+            <a:r>
+              <a:rPr lang="en-US" dirty="0" smtClean="0"/>
+              <a:t>estimated values</a:t>
             </a:r>
             <a:endParaRPr lang="en-US" dirty="0" smtClean="0">
               <a:solidFill>
@@ -10318,7 +10871,7 @@
         </p:nvSpPr>
         <p:spPr>
           <a:xfrm>
-            <a:off x="6172200" y="3319462"/>
+            <a:off x="6172200" y="3001753"/>
             <a:ext cx="1390973" cy="451550"/>
           </a:xfrm>
           <a:prstGeom prst="rect">
@@ -10496,7 +11049,11 @@
           <a:p>
             <a:r>
               <a:rPr lang="en-US" dirty="0" smtClean="0"/>
-              <a:t>Run 40</a:t>
+              <a:t>Run </a:t>
+            </a:r>
+            <a:r>
+              <a:rPr lang="en-US" dirty="0" smtClean="0"/>
+              <a:t>42</a:t>
             </a:r>
             <a:endParaRPr lang="en-US" dirty="0"/>
           </a:p>
@@ -10512,8 +11069,8 @@
         </p:nvSpPr>
         <p:spPr>
           <a:xfrm>
-            <a:off x="6172199" y="3771012"/>
-            <a:ext cx="3490993" cy="501651"/>
+            <a:off x="6172199" y="3453303"/>
+            <a:ext cx="5033076" cy="501651"/>
           </a:xfrm>
           <a:prstGeom prst="rect">
             <a:avLst/>
@@ -10521,7 +11078,7 @@
         </p:spPr>
         <p:txBody>
           <a:bodyPr vert="horz" lIns="91440" tIns="45720" rIns="91440" bIns="45720" rtlCol="0">
-            <a:normAutofit fontScale="92500"/>
+            <a:noAutofit/>
           </a:bodyPr>
           <a:lstStyle>
             <a:lvl1pPr marL="228600" indent="-228600" algn="l" defTabSz="914400" rtl="0" eaLnBrk="1" latinLnBrk="0" hangingPunct="1">
@@ -10690,15 +11247,12 @@
           <a:p>
             <a:r>
               <a:rPr lang="en-US" dirty="0" smtClean="0"/>
-              <a:t>F fixed at 25% CI Value</a:t>
-            </a:r>
-            <a:endParaRPr lang="en-US" dirty="0" smtClean="0">
-              <a:solidFill>
-                <a:schemeClr val="accent4">
-                  <a:lumMod val="75000"/>
-                </a:schemeClr>
-              </a:solidFill>
-            </a:endParaRPr>
+              <a:t>F fixed at </a:t>
+            </a:r>
+            <a:r>
+              <a:rPr lang="en-US" dirty="0" smtClean="0"/>
+              <a:t>95% CI Lower</a:t>
+            </a:r>
           </a:p>
         </p:txBody>
       </p:sp>
@@ -10712,7 +11266,7 @@
         </p:nvSpPr>
         <p:spPr>
           <a:xfrm>
-            <a:off x="6172200" y="4585399"/>
+            <a:off x="6172200" y="3982000"/>
             <a:ext cx="1390973" cy="451550"/>
           </a:xfrm>
           <a:prstGeom prst="rect">
@@ -10890,7 +11444,11 @@
           <a:p>
             <a:r>
               <a:rPr lang="en-US" dirty="0" smtClean="0"/>
-              <a:t>Run 41</a:t>
+              <a:t>Run </a:t>
+            </a:r>
+            <a:r>
+              <a:rPr lang="en-US" dirty="0" smtClean="0"/>
+              <a:t>43</a:t>
             </a:r>
             <a:endParaRPr lang="en-US" dirty="0"/>
           </a:p>
@@ -10906,8 +11464,8 @@
         </p:nvSpPr>
         <p:spPr>
           <a:xfrm>
-            <a:off x="6172199" y="5036949"/>
-            <a:ext cx="3490993" cy="501651"/>
+            <a:off x="6172199" y="4433550"/>
+            <a:ext cx="5296547" cy="501651"/>
           </a:xfrm>
           <a:prstGeom prst="rect">
             <a:avLst/>
@@ -10915,7 +11473,7 @@
         </p:spPr>
         <p:txBody>
           <a:bodyPr vert="horz" lIns="91440" tIns="45720" rIns="91440" bIns="45720" rtlCol="0">
-            <a:normAutofit fontScale="92500"/>
+            <a:noAutofit/>
           </a:bodyPr>
           <a:lstStyle>
             <a:lvl1pPr marL="228600" indent="-228600" algn="l" defTabSz="914400" rtl="0" eaLnBrk="1" latinLnBrk="0" hangingPunct="1">
@@ -11084,15 +11642,12 @@
           <a:p>
             <a:r>
               <a:rPr lang="en-US" dirty="0" smtClean="0"/>
-              <a:t>F fixed at 75% CI Value</a:t>
-            </a:r>
-            <a:endParaRPr lang="en-US" dirty="0" smtClean="0">
-              <a:solidFill>
-                <a:schemeClr val="accent4">
-                  <a:lumMod val="75000"/>
-                </a:schemeClr>
-              </a:solidFill>
-            </a:endParaRPr>
+              <a:t>F fixed at </a:t>
+            </a:r>
+            <a:r>
+              <a:rPr lang="en-US" dirty="0" smtClean="0"/>
+              <a:t>95% CI Upper</a:t>
+            </a:r>
           </a:p>
         </p:txBody>
       </p:sp>
@@ -12074,7 +12629,7 @@
           <p:nvPr/>
         </p:nvPicPr>
         <p:blipFill>
-          <a:blip r:embed="rId2">
+          <a:blip r:embed="rId3">
             <a:extLst>
               <a:ext uri="{28A0092B-C50C-407E-A947-70E740481C1C}">
                 <a14:useLocalDpi xmlns:a14="http://schemas.microsoft.com/office/drawing/2010/main" val="0"/>
@@ -12194,7 +12749,7 @@
           <p:nvPr/>
         </p:nvPicPr>
         <p:blipFill>
-          <a:blip r:embed="rId3">
+          <a:blip r:embed="rId4">
             <a:extLst>
               <a:ext uri="{28A0092B-C50C-407E-A947-70E740481C1C}">
                 <a14:useLocalDpi xmlns:a14="http://schemas.microsoft.com/office/drawing/2010/main" val="0"/>

--- a/2023.RT.Runs/BSB WHAM Sensitivity Tests.pptx
+++ b/2023.RT.Runs/BSB WHAM Sensitivity Tests.pptx
@@ -5,7 +5,7 @@
     <p:sldMasterId id="2147483648" r:id="rId1"/>
   </p:sldMasterIdLst>
   <p:notesMasterIdLst>
-    <p:notesMasterId r:id="rId49"/>
+    <p:notesMasterId r:id="rId50"/>
   </p:notesMasterIdLst>
   <p:sldIdLst>
     <p:sldId id="256" r:id="rId2"/>
@@ -55,6 +55,7 @@
     <p:sldId id="294" r:id="rId46"/>
     <p:sldId id="269" r:id="rId47"/>
     <p:sldId id="273" r:id="rId48"/>
+    <p:sldId id="308" r:id="rId49"/>
   </p:sldIdLst>
   <p:sldSz cx="12192000" cy="6858000"/>
   <p:notesSz cx="6858000" cy="9144000"/>
@@ -269,7 +270,7 @@
           <a:p>
             <a:fld id="{BCE76315-5318-4C37-8130-0BE8558006F8}" type="datetimeFigureOut">
               <a:rPr lang="en-US" smtClean="0"/>
-              <a:t>1/30/2024</a:t>
+              <a:t>2/1/2024</a:t>
             </a:fld>
             <a:endParaRPr lang="en-US"/>
           </a:p>
@@ -1259,7 +1260,7 @@
                 <a:ea typeface="+mn-ea"/>
                 <a:cs typeface="+mn-cs"/>
               </a:rPr>
-              <a:t>) : no non-missing arguments to max; returning -</a:t>
+              <a:t>) : no non-missing arguments to max; returning –</a:t>
             </a:r>
             <a:r>
               <a:rPr lang="en-US" sz="1200" kern="1200" dirty="0" err="1" smtClean="0">
@@ -1272,6 +1273,40 @@
                 <a:cs typeface="+mn-cs"/>
               </a:rPr>
               <a:t>Inf</a:t>
+            </a:r>
+            <a:endParaRPr lang="en-US" sz="1200" kern="1200" dirty="0" smtClean="0">
+              <a:solidFill>
+                <a:schemeClr val="tx1"/>
+              </a:solidFill>
+              <a:effectLst/>
+              <a:latin typeface="+mn-lt"/>
+              <a:ea typeface="+mn-ea"/>
+              <a:cs typeface="+mn-cs"/>
+            </a:endParaRPr>
+          </a:p>
+          <a:p>
+            <a:endParaRPr lang="en-US" sz="1200" kern="1200" dirty="0" smtClean="0">
+              <a:solidFill>
+                <a:schemeClr val="tx1"/>
+              </a:solidFill>
+              <a:effectLst/>
+              <a:latin typeface="+mn-lt"/>
+              <a:ea typeface="+mn-ea"/>
+              <a:cs typeface="+mn-cs"/>
+            </a:endParaRPr>
+          </a:p>
+          <a:p>
+            <a:r>
+              <a:rPr lang="en-US" sz="1200" kern="1200" dirty="0" smtClean="0">
+                <a:solidFill>
+                  <a:schemeClr val="tx1"/>
+                </a:solidFill>
+                <a:effectLst/>
+                <a:latin typeface="+mn-lt"/>
+                <a:ea typeface="+mn-ea"/>
+                <a:cs typeface="+mn-cs"/>
+              </a:rPr>
+              <a:t>Still working this out with Tim</a:t>
             </a:r>
             <a:endParaRPr lang="en-US" dirty="0"/>
           </a:p>
@@ -1444,7 +1479,7 @@
           <a:p>
             <a:fld id="{E946A1EF-D084-4303-9967-3757BA40A8BB}" type="datetimeFigureOut">
               <a:rPr lang="en-US" smtClean="0"/>
-              <a:t>1/30/2024</a:t>
+              <a:t>2/1/2024</a:t>
             </a:fld>
             <a:endParaRPr lang="en-US"/>
           </a:p>
@@ -1614,7 +1649,7 @@
           <a:p>
             <a:fld id="{E946A1EF-D084-4303-9967-3757BA40A8BB}" type="datetimeFigureOut">
               <a:rPr lang="en-US" smtClean="0"/>
-              <a:t>1/30/2024</a:t>
+              <a:t>2/1/2024</a:t>
             </a:fld>
             <a:endParaRPr lang="en-US"/>
           </a:p>
@@ -1794,7 +1829,7 @@
           <a:p>
             <a:fld id="{E946A1EF-D084-4303-9967-3757BA40A8BB}" type="datetimeFigureOut">
               <a:rPr lang="en-US" smtClean="0"/>
-              <a:t>1/30/2024</a:t>
+              <a:t>2/1/2024</a:t>
             </a:fld>
             <a:endParaRPr lang="en-US"/>
           </a:p>
@@ -1964,7 +1999,7 @@
           <a:p>
             <a:fld id="{E946A1EF-D084-4303-9967-3757BA40A8BB}" type="datetimeFigureOut">
               <a:rPr lang="en-US" smtClean="0"/>
-              <a:t>1/30/2024</a:t>
+              <a:t>2/1/2024</a:t>
             </a:fld>
             <a:endParaRPr lang="en-US"/>
           </a:p>
@@ -2210,7 +2245,7 @@
           <a:p>
             <a:fld id="{E946A1EF-D084-4303-9967-3757BA40A8BB}" type="datetimeFigureOut">
               <a:rPr lang="en-US" smtClean="0"/>
-              <a:t>1/30/2024</a:t>
+              <a:t>2/1/2024</a:t>
             </a:fld>
             <a:endParaRPr lang="en-US"/>
           </a:p>
@@ -2442,7 +2477,7 @@
           <a:p>
             <a:fld id="{E946A1EF-D084-4303-9967-3757BA40A8BB}" type="datetimeFigureOut">
               <a:rPr lang="en-US" smtClean="0"/>
-              <a:t>1/30/2024</a:t>
+              <a:t>2/1/2024</a:t>
             </a:fld>
             <a:endParaRPr lang="en-US"/>
           </a:p>
@@ -2809,7 +2844,7 @@
           <a:p>
             <a:fld id="{E946A1EF-D084-4303-9967-3757BA40A8BB}" type="datetimeFigureOut">
               <a:rPr lang="en-US" smtClean="0"/>
-              <a:t>1/30/2024</a:t>
+              <a:t>2/1/2024</a:t>
             </a:fld>
             <a:endParaRPr lang="en-US"/>
           </a:p>
@@ -2927,7 +2962,7 @@
           <a:p>
             <a:fld id="{E946A1EF-D084-4303-9967-3757BA40A8BB}" type="datetimeFigureOut">
               <a:rPr lang="en-US" smtClean="0"/>
-              <a:t>1/30/2024</a:t>
+              <a:t>2/1/2024</a:t>
             </a:fld>
             <a:endParaRPr lang="en-US"/>
           </a:p>
@@ -3022,7 +3057,7 @@
           <a:p>
             <a:fld id="{E946A1EF-D084-4303-9967-3757BA40A8BB}" type="datetimeFigureOut">
               <a:rPr lang="en-US" smtClean="0"/>
-              <a:t>1/30/2024</a:t>
+              <a:t>2/1/2024</a:t>
             </a:fld>
             <a:endParaRPr lang="en-US"/>
           </a:p>
@@ -3299,7 +3334,7 @@
           <a:p>
             <a:fld id="{E946A1EF-D084-4303-9967-3757BA40A8BB}" type="datetimeFigureOut">
               <a:rPr lang="en-US" smtClean="0"/>
-              <a:t>1/30/2024</a:t>
+              <a:t>2/1/2024</a:t>
             </a:fld>
             <a:endParaRPr lang="en-US"/>
           </a:p>
@@ -3552,7 +3587,7 @@
           <a:p>
             <a:fld id="{E946A1EF-D084-4303-9967-3757BA40A8BB}" type="datetimeFigureOut">
               <a:rPr lang="en-US" smtClean="0"/>
-              <a:t>1/30/2024</a:t>
+              <a:t>2/1/2024</a:t>
             </a:fld>
             <a:endParaRPr lang="en-US"/>
           </a:p>
@@ -3765,7 +3800,7 @@
           <a:p>
             <a:fld id="{E946A1EF-D084-4303-9967-3757BA40A8BB}" type="datetimeFigureOut">
               <a:rPr lang="en-US" smtClean="0"/>
-              <a:t>1/30/2024</a:t>
+              <a:t>2/1/2024</a:t>
             </a:fld>
             <a:endParaRPr lang="en-US"/>
           </a:p>
@@ -8869,13 +8904,6 @@
               </a:rPr>
               <a:t>0.778</a:t>
             </a:r>
-            <a:endParaRPr lang="en-US" dirty="0" smtClean="0">
-              <a:solidFill>
-                <a:schemeClr val="accent4">
-                  <a:lumMod val="75000"/>
-                </a:schemeClr>
-              </a:solidFill>
-            </a:endParaRPr>
           </a:p>
         </p:txBody>
       </p:sp>
@@ -10604,23 +10632,7 @@
             </a:pPr>
             <a:r>
               <a:rPr lang="en-US" dirty="0" smtClean="0"/>
-              <a:t>Look at the estimated initial F and the confidence interval. Pick the </a:t>
-            </a:r>
-            <a:r>
-              <a:rPr lang="en-US" dirty="0" smtClean="0"/>
-              <a:t>lower and upper values of the </a:t>
-            </a:r>
-            <a:r>
-              <a:rPr lang="en-US" dirty="0" smtClean="0"/>
-              <a:t>CI </a:t>
-            </a:r>
-            <a:r>
-              <a:rPr lang="en-US" dirty="0" smtClean="0"/>
-              <a:t>and </a:t>
-            </a:r>
-            <a:r>
-              <a:rPr lang="en-US" dirty="0" smtClean="0"/>
-              <a:t>fix them at those values in estimation model</a:t>
+              <a:t>Look at the estimated initial F and the confidence interval. Pick the lower and upper values of the CI and fix them at those values in estimation model</a:t>
             </a:r>
             <a:endParaRPr lang="en-US" strike="sngStrike" dirty="0"/>
           </a:p>
@@ -10721,11 +10733,7 @@
           <a:p>
             <a:r>
               <a:rPr lang="en-US" dirty="0" smtClean="0"/>
-              <a:t>Initial F estimated </a:t>
-            </a:r>
-            <a:r>
-              <a:rPr lang="en-US" dirty="0" smtClean="0"/>
-              <a:t>at</a:t>
+              <a:t>Initial F estimated at</a:t>
             </a:r>
           </a:p>
           <a:p>
@@ -10779,13 +10787,6 @@
               </a:rPr>
               <a:t>S Rec – 0.721</a:t>
             </a:r>
-            <a:endParaRPr lang="en-US" dirty="0" smtClean="0">
-              <a:solidFill>
-                <a:schemeClr val="accent4">
-                  <a:lumMod val="75000"/>
-                </a:schemeClr>
-              </a:solidFill>
-            </a:endParaRPr>
           </a:p>
         </p:txBody>
       </p:sp>
@@ -10811,11 +10812,7 @@
           <a:p>
             <a:r>
               <a:rPr lang="en-US" dirty="0" smtClean="0"/>
-              <a:t>Run </a:t>
-            </a:r>
-            <a:r>
-              <a:rPr lang="en-US" dirty="0" smtClean="0"/>
-              <a:t>41</a:t>
+              <a:t>Run 41</a:t>
             </a:r>
             <a:endParaRPr lang="en-US" dirty="0"/>
           </a:p>
@@ -10845,11 +10842,7 @@
           <a:p>
             <a:r>
               <a:rPr lang="en-US" dirty="0" smtClean="0"/>
-              <a:t>F fixed at </a:t>
-            </a:r>
-            <a:r>
-              <a:rPr lang="en-US" dirty="0" smtClean="0"/>
-              <a:t>estimated values</a:t>
+              <a:t>F fixed at estimated values</a:t>
             </a:r>
             <a:endParaRPr lang="en-US" dirty="0" smtClean="0">
               <a:solidFill>
@@ -11049,11 +11042,7 @@
           <a:p>
             <a:r>
               <a:rPr lang="en-US" dirty="0" smtClean="0"/>
-              <a:t>Run </a:t>
-            </a:r>
-            <a:r>
-              <a:rPr lang="en-US" dirty="0" smtClean="0"/>
-              <a:t>42</a:t>
+              <a:t>Run 42</a:t>
             </a:r>
             <a:endParaRPr lang="en-US" dirty="0"/>
           </a:p>
@@ -11247,11 +11236,7 @@
           <a:p>
             <a:r>
               <a:rPr lang="en-US" dirty="0" smtClean="0"/>
-              <a:t>F fixed at </a:t>
-            </a:r>
-            <a:r>
-              <a:rPr lang="en-US" dirty="0" smtClean="0"/>
-              <a:t>95% CI Lower</a:t>
+              <a:t>F fixed at 95% CI Lower</a:t>
             </a:r>
           </a:p>
         </p:txBody>
@@ -11444,11 +11429,7 @@
           <a:p>
             <a:r>
               <a:rPr lang="en-US" dirty="0" smtClean="0"/>
-              <a:t>Run </a:t>
-            </a:r>
-            <a:r>
-              <a:rPr lang="en-US" dirty="0" smtClean="0"/>
-              <a:t>43</a:t>
+              <a:t>Run 43</a:t>
             </a:r>
             <a:endParaRPr lang="en-US" dirty="0"/>
           </a:p>
@@ -11642,11 +11623,7 @@
           <a:p>
             <a:r>
               <a:rPr lang="en-US" dirty="0" smtClean="0"/>
-              <a:t>F fixed at </a:t>
-            </a:r>
-            <a:r>
-              <a:rPr lang="en-US" dirty="0" smtClean="0"/>
-              <a:t>95% CI Upper</a:t>
+              <a:t>F fixed at 95% CI Upper</a:t>
             </a:r>
           </a:p>
         </p:txBody>
@@ -11655,6 +11632,96 @@
     <p:extLst>
       <p:ext uri="{BB962C8B-B14F-4D97-AF65-F5344CB8AC3E}">
         <p14:creationId xmlns:p14="http://schemas.microsoft.com/office/powerpoint/2010/main" val="3855491165"/>
+      </p:ext>
+    </p:extLst>
+  </p:cSld>
+  <p:clrMapOvr>
+    <a:masterClrMapping/>
+  </p:clrMapOvr>
+</p:sld>
+</file>
+
+<file path=ppt/slides/slide48.xml><?xml version="1.0" encoding="utf-8"?>
+<p:sld xmlns:a="http://schemas.openxmlformats.org/drawingml/2006/main" xmlns:r="http://schemas.openxmlformats.org/officeDocument/2006/relationships" xmlns:p="http://schemas.openxmlformats.org/presentationml/2006/main">
+  <p:cSld>
+    <p:spTree>
+      <p:nvGrpSpPr>
+        <p:cNvPr id="1" name=""/>
+        <p:cNvGrpSpPr/>
+        <p:nvPr/>
+      </p:nvGrpSpPr>
+      <p:grpSpPr>
+        <a:xfrm>
+          <a:off x="0" y="0"/>
+          <a:ext cx="0" cy="0"/>
+          <a:chOff x="0" y="0"/>
+          <a:chExt cx="0" cy="0"/>
+        </a:xfrm>
+      </p:grpSpPr>
+      <p:pic>
+        <p:nvPicPr>
+          <p:cNvPr id="7" name="Picture 6"/>
+          <p:cNvPicPr>
+            <a:picLocks noChangeAspect="1"/>
+          </p:cNvPicPr>
+          <p:nvPr/>
+        </p:nvPicPr>
+        <p:blipFill>
+          <a:blip r:embed="rId2" cstate="print">
+            <a:extLst>
+              <a:ext uri="{28A0092B-C50C-407E-A947-70E740481C1C}">
+                <a14:useLocalDpi xmlns:a14="http://schemas.microsoft.com/office/drawing/2010/main" val="0"/>
+              </a:ext>
+            </a:extLst>
+          </a:blip>
+          <a:stretch>
+            <a:fillRect/>
+          </a:stretch>
+        </p:blipFill>
+        <p:spPr>
+          <a:xfrm>
+            <a:off x="5588635" y="0"/>
+            <a:ext cx="4286250" cy="6858000"/>
+          </a:xfrm>
+          <a:prstGeom prst="rect">
+            <a:avLst/>
+          </a:prstGeom>
+        </p:spPr>
+      </p:pic>
+      <p:pic>
+        <p:nvPicPr>
+          <p:cNvPr id="8" name="Picture 7"/>
+          <p:cNvPicPr>
+            <a:picLocks noChangeAspect="1"/>
+          </p:cNvPicPr>
+          <p:nvPr/>
+        </p:nvPicPr>
+        <p:blipFill>
+          <a:blip r:embed="rId3" cstate="print">
+            <a:extLst>
+              <a:ext uri="{28A0092B-C50C-407E-A947-70E740481C1C}">
+                <a14:useLocalDpi xmlns:a14="http://schemas.microsoft.com/office/drawing/2010/main" val="0"/>
+              </a:ext>
+            </a:extLst>
+          </a:blip>
+          <a:stretch>
+            <a:fillRect/>
+          </a:stretch>
+        </p:blipFill>
+        <p:spPr>
+          <a:xfrm>
+            <a:off x="894715" y="0"/>
+            <a:ext cx="4286250" cy="6858000"/>
+          </a:xfrm>
+          <a:prstGeom prst="rect">
+            <a:avLst/>
+          </a:prstGeom>
+        </p:spPr>
+      </p:pic>
+    </p:spTree>
+    <p:extLst>
+      <p:ext uri="{BB962C8B-B14F-4D97-AF65-F5344CB8AC3E}">
+        <p14:creationId xmlns:p14="http://schemas.microsoft.com/office/powerpoint/2010/main" val="1258789425"/>
       </p:ext>
     </p:extLst>
   </p:cSld>

--- a/2023.RT.Runs/BSB WHAM Sensitivity Tests.pptx
+++ b/2023.RT.Runs/BSB WHAM Sensitivity Tests.pptx
@@ -270,7 +270,7 @@
           <a:p>
             <a:fld id="{BCE76315-5318-4C37-8130-0BE8558006F8}" type="datetimeFigureOut">
               <a:rPr lang="en-US" smtClean="0"/>
-              <a:t>2/1/2024</a:t>
+              <a:t>2/2/2024</a:t>
             </a:fld>
             <a:endParaRPr lang="en-US"/>
           </a:p>
@@ -584,49 +584,49 @@
           <a:p>
             <a:pPr lvl="1"/>
             <a:r>
-              <a:rPr lang="en-US" dirty="0" smtClean="0"/>
+              <a:rPr lang="en-US" sz="1100" dirty="0" smtClean="0"/>
               <a:t>Spring Albatross – 2dar1</a:t>
             </a:r>
           </a:p>
           <a:p>
             <a:pPr lvl="1"/>
             <a:r>
-              <a:rPr lang="en-US" dirty="0" smtClean="0"/>
+              <a:rPr lang="en-US" sz="1100" dirty="0" smtClean="0"/>
               <a:t>NEAMAP –            ar1_y</a:t>
             </a:r>
           </a:p>
           <a:p>
             <a:pPr lvl="1"/>
             <a:r>
-              <a:rPr lang="en-US" dirty="0" smtClean="0"/>
+              <a:rPr lang="en-US" sz="1100" dirty="0" smtClean="0"/>
               <a:t>MA –                     ar1_y</a:t>
             </a:r>
           </a:p>
           <a:p>
             <a:pPr lvl="1"/>
             <a:r>
-              <a:rPr lang="en-US" dirty="0" smtClean="0"/>
+              <a:rPr lang="en-US" sz="1100" dirty="0" smtClean="0"/>
               <a:t>RI –                       ar1_y</a:t>
             </a:r>
           </a:p>
           <a:p>
             <a:pPr lvl="1"/>
             <a:r>
-              <a:rPr lang="en-US" dirty="0" smtClean="0"/>
+              <a:rPr lang="en-US" sz="1100" dirty="0" smtClean="0"/>
               <a:t>CT –                       ar1_y</a:t>
             </a:r>
           </a:p>
           <a:p>
             <a:pPr lvl="1"/>
             <a:r>
-              <a:rPr lang="en-US" dirty="0" smtClean="0"/>
+              <a:rPr lang="en-US" sz="1100" dirty="0" smtClean="0"/>
               <a:t>NY-                       none</a:t>
             </a:r>
           </a:p>
           <a:p>
             <a:pPr lvl="1"/>
             <a:r>
-              <a:rPr lang="en-US" dirty="0" smtClean="0"/>
+              <a:rPr lang="en-US" sz="1100" dirty="0" smtClean="0"/>
               <a:t>Bigelow –              2dar1</a:t>
             </a:r>
           </a:p>
@@ -1339,6 +1339,258 @@
     <p:extLst>
       <p:ext uri="{BB962C8B-B14F-4D97-AF65-F5344CB8AC3E}">
         <p14:creationId xmlns:p14="http://schemas.microsoft.com/office/powerpoint/2010/main" val="2134327487"/>
+      </p:ext>
+    </p:extLst>
+  </p:cSld>
+  <p:clrMapOvr>
+    <a:masterClrMapping/>
+  </p:clrMapOvr>
+</p:notes>
+</file>
+
+<file path=ppt/notesSlides/notesSlide6.xml><?xml version="1.0" encoding="utf-8"?>
+<p:notes xmlns:a="http://schemas.openxmlformats.org/drawingml/2006/main" xmlns:r="http://schemas.openxmlformats.org/officeDocument/2006/relationships" xmlns:p="http://schemas.openxmlformats.org/presentationml/2006/main">
+  <p:cSld>
+    <p:spTree>
+      <p:nvGrpSpPr>
+        <p:cNvPr id="1" name=""/>
+        <p:cNvGrpSpPr/>
+        <p:nvPr/>
+      </p:nvGrpSpPr>
+      <p:grpSpPr>
+        <a:xfrm>
+          <a:off x="0" y="0"/>
+          <a:ext cx="0" cy="0"/>
+          <a:chOff x="0" y="0"/>
+          <a:chExt cx="0" cy="0"/>
+        </a:xfrm>
+      </p:grpSpPr>
+      <p:sp>
+        <p:nvSpPr>
+          <p:cNvPr id="2" name="Slide Image Placeholder 1"/>
+          <p:cNvSpPr>
+            <a:spLocks noGrp="1" noRot="1" noChangeAspect="1"/>
+          </p:cNvSpPr>
+          <p:nvPr>
+            <p:ph type="sldImg"/>
+          </p:nvPr>
+        </p:nvSpPr>
+        <p:spPr/>
+      </p:sp>
+      <p:sp>
+        <p:nvSpPr>
+          <p:cNvPr id="3" name="Notes Placeholder 2"/>
+          <p:cNvSpPr>
+            <a:spLocks noGrp="1"/>
+          </p:cNvSpPr>
+          <p:nvPr>
+            <p:ph type="body" idx="1"/>
+          </p:nvPr>
+        </p:nvSpPr>
+        <p:spPr/>
+        <p:txBody>
+          <a:bodyPr/>
+          <a:lstStyle/>
+          <a:p>
+            <a:endParaRPr lang="en-US" dirty="0"/>
+          </a:p>
+        </p:txBody>
+      </p:sp>
+      <p:sp>
+        <p:nvSpPr>
+          <p:cNvPr id="4" name="Slide Number Placeholder 3"/>
+          <p:cNvSpPr>
+            <a:spLocks noGrp="1"/>
+          </p:cNvSpPr>
+          <p:nvPr>
+            <p:ph type="sldNum" sz="quarter" idx="10"/>
+          </p:nvPr>
+        </p:nvSpPr>
+        <p:spPr/>
+        <p:txBody>
+          <a:bodyPr/>
+          <a:lstStyle/>
+          <a:p>
+            <a:fld id="{5DBD21DD-8E4A-412C-939F-361AD1C20860}" type="slidenum">
+              <a:rPr lang="en-US" smtClean="0"/>
+              <a:t>39</a:t>
+            </a:fld>
+            <a:endParaRPr lang="en-US"/>
+          </a:p>
+        </p:txBody>
+      </p:sp>
+    </p:spTree>
+    <p:extLst>
+      <p:ext uri="{BB962C8B-B14F-4D97-AF65-F5344CB8AC3E}">
+        <p14:creationId xmlns:p14="http://schemas.microsoft.com/office/powerpoint/2010/main" val="667175516"/>
+      </p:ext>
+    </p:extLst>
+  </p:cSld>
+  <p:clrMapOvr>
+    <a:masterClrMapping/>
+  </p:clrMapOvr>
+</p:notes>
+</file>
+
+<file path=ppt/notesSlides/notesSlide7.xml><?xml version="1.0" encoding="utf-8"?>
+<p:notes xmlns:a="http://schemas.openxmlformats.org/drawingml/2006/main" xmlns:r="http://schemas.openxmlformats.org/officeDocument/2006/relationships" xmlns:p="http://schemas.openxmlformats.org/presentationml/2006/main">
+  <p:cSld>
+    <p:spTree>
+      <p:nvGrpSpPr>
+        <p:cNvPr id="1" name=""/>
+        <p:cNvGrpSpPr/>
+        <p:nvPr/>
+      </p:nvGrpSpPr>
+      <p:grpSpPr>
+        <a:xfrm>
+          <a:off x="0" y="0"/>
+          <a:ext cx="0" cy="0"/>
+          <a:chOff x="0" y="0"/>
+          <a:chExt cx="0" cy="0"/>
+        </a:xfrm>
+      </p:grpSpPr>
+      <p:sp>
+        <p:nvSpPr>
+          <p:cNvPr id="2" name="Slide Image Placeholder 1"/>
+          <p:cNvSpPr>
+            <a:spLocks noGrp="1" noRot="1" noChangeAspect="1"/>
+          </p:cNvSpPr>
+          <p:nvPr>
+            <p:ph type="sldImg"/>
+          </p:nvPr>
+        </p:nvSpPr>
+        <p:spPr/>
+      </p:sp>
+      <p:sp>
+        <p:nvSpPr>
+          <p:cNvPr id="3" name="Notes Placeholder 2"/>
+          <p:cNvSpPr>
+            <a:spLocks noGrp="1"/>
+          </p:cNvSpPr>
+          <p:nvPr>
+            <p:ph type="body" idx="1"/>
+          </p:nvPr>
+        </p:nvSpPr>
+        <p:spPr/>
+        <p:txBody>
+          <a:bodyPr/>
+          <a:lstStyle/>
+          <a:p>
+            <a:endParaRPr lang="en-US" dirty="0"/>
+          </a:p>
+        </p:txBody>
+      </p:sp>
+      <p:sp>
+        <p:nvSpPr>
+          <p:cNvPr id="4" name="Slide Number Placeholder 3"/>
+          <p:cNvSpPr>
+            <a:spLocks noGrp="1"/>
+          </p:cNvSpPr>
+          <p:nvPr>
+            <p:ph type="sldNum" sz="quarter" idx="10"/>
+          </p:nvPr>
+        </p:nvSpPr>
+        <p:spPr/>
+        <p:txBody>
+          <a:bodyPr/>
+          <a:lstStyle/>
+          <a:p>
+            <a:fld id="{5DBD21DD-8E4A-412C-939F-361AD1C20860}" type="slidenum">
+              <a:rPr lang="en-US" smtClean="0"/>
+              <a:t>47</a:t>
+            </a:fld>
+            <a:endParaRPr lang="en-US"/>
+          </a:p>
+        </p:txBody>
+      </p:sp>
+    </p:spTree>
+    <p:extLst>
+      <p:ext uri="{BB962C8B-B14F-4D97-AF65-F5344CB8AC3E}">
+        <p14:creationId xmlns:p14="http://schemas.microsoft.com/office/powerpoint/2010/main" val="3672750161"/>
+      </p:ext>
+    </p:extLst>
+  </p:cSld>
+  <p:clrMapOvr>
+    <a:masterClrMapping/>
+  </p:clrMapOvr>
+</p:notes>
+</file>
+
+<file path=ppt/notesSlides/notesSlide8.xml><?xml version="1.0" encoding="utf-8"?>
+<p:notes xmlns:a="http://schemas.openxmlformats.org/drawingml/2006/main" xmlns:r="http://schemas.openxmlformats.org/officeDocument/2006/relationships" xmlns:p="http://schemas.openxmlformats.org/presentationml/2006/main">
+  <p:cSld>
+    <p:spTree>
+      <p:nvGrpSpPr>
+        <p:cNvPr id="1" name=""/>
+        <p:cNvGrpSpPr/>
+        <p:nvPr/>
+      </p:nvGrpSpPr>
+      <p:grpSpPr>
+        <a:xfrm>
+          <a:off x="0" y="0"/>
+          <a:ext cx="0" cy="0"/>
+          <a:chOff x="0" y="0"/>
+          <a:chExt cx="0" cy="0"/>
+        </a:xfrm>
+      </p:grpSpPr>
+      <p:sp>
+        <p:nvSpPr>
+          <p:cNvPr id="2" name="Slide Image Placeholder 1"/>
+          <p:cNvSpPr>
+            <a:spLocks noGrp="1" noRot="1" noChangeAspect="1"/>
+          </p:cNvSpPr>
+          <p:nvPr>
+            <p:ph type="sldImg"/>
+          </p:nvPr>
+        </p:nvSpPr>
+        <p:spPr/>
+      </p:sp>
+      <p:sp>
+        <p:nvSpPr>
+          <p:cNvPr id="3" name="Notes Placeholder 2"/>
+          <p:cNvSpPr>
+            <a:spLocks noGrp="1"/>
+          </p:cNvSpPr>
+          <p:nvPr>
+            <p:ph type="body" idx="1"/>
+          </p:nvPr>
+        </p:nvSpPr>
+        <p:spPr/>
+        <p:txBody>
+          <a:bodyPr/>
+          <a:lstStyle/>
+          <a:p>
+            <a:endParaRPr lang="en-US" dirty="0"/>
+          </a:p>
+        </p:txBody>
+      </p:sp>
+      <p:sp>
+        <p:nvSpPr>
+          <p:cNvPr id="4" name="Slide Number Placeholder 3"/>
+          <p:cNvSpPr>
+            <a:spLocks noGrp="1"/>
+          </p:cNvSpPr>
+          <p:nvPr>
+            <p:ph type="sldNum" sz="quarter" idx="10"/>
+          </p:nvPr>
+        </p:nvSpPr>
+        <p:spPr/>
+        <p:txBody>
+          <a:bodyPr/>
+          <a:lstStyle/>
+          <a:p>
+            <a:fld id="{5DBD21DD-8E4A-412C-939F-361AD1C20860}" type="slidenum">
+              <a:rPr lang="en-US" smtClean="0"/>
+              <a:t>48</a:t>
+            </a:fld>
+            <a:endParaRPr lang="en-US"/>
+          </a:p>
+        </p:txBody>
+      </p:sp>
+    </p:spTree>
+    <p:extLst>
+      <p:ext uri="{BB962C8B-B14F-4D97-AF65-F5344CB8AC3E}">
+        <p14:creationId xmlns:p14="http://schemas.microsoft.com/office/powerpoint/2010/main" val="3341692117"/>
       </p:ext>
     </p:extLst>
   </p:cSld>
@@ -1479,7 +1731,7 @@
           <a:p>
             <a:fld id="{E946A1EF-D084-4303-9967-3757BA40A8BB}" type="datetimeFigureOut">
               <a:rPr lang="en-US" smtClean="0"/>
-              <a:t>2/1/2024</a:t>
+              <a:t>2/2/2024</a:t>
             </a:fld>
             <a:endParaRPr lang="en-US"/>
           </a:p>
@@ -1649,7 +1901,7 @@
           <a:p>
             <a:fld id="{E946A1EF-D084-4303-9967-3757BA40A8BB}" type="datetimeFigureOut">
               <a:rPr lang="en-US" smtClean="0"/>
-              <a:t>2/1/2024</a:t>
+              <a:t>2/2/2024</a:t>
             </a:fld>
             <a:endParaRPr lang="en-US"/>
           </a:p>
@@ -1829,7 +2081,7 @@
           <a:p>
             <a:fld id="{E946A1EF-D084-4303-9967-3757BA40A8BB}" type="datetimeFigureOut">
               <a:rPr lang="en-US" smtClean="0"/>
-              <a:t>2/1/2024</a:t>
+              <a:t>2/2/2024</a:t>
             </a:fld>
             <a:endParaRPr lang="en-US"/>
           </a:p>
@@ -1999,7 +2251,7 @@
           <a:p>
             <a:fld id="{E946A1EF-D084-4303-9967-3757BA40A8BB}" type="datetimeFigureOut">
               <a:rPr lang="en-US" smtClean="0"/>
-              <a:t>2/1/2024</a:t>
+              <a:t>2/2/2024</a:t>
             </a:fld>
             <a:endParaRPr lang="en-US"/>
           </a:p>
@@ -2245,7 +2497,7 @@
           <a:p>
             <a:fld id="{E946A1EF-D084-4303-9967-3757BA40A8BB}" type="datetimeFigureOut">
               <a:rPr lang="en-US" smtClean="0"/>
-              <a:t>2/1/2024</a:t>
+              <a:t>2/2/2024</a:t>
             </a:fld>
             <a:endParaRPr lang="en-US"/>
           </a:p>
@@ -2477,7 +2729,7 @@
           <a:p>
             <a:fld id="{E946A1EF-D084-4303-9967-3757BA40A8BB}" type="datetimeFigureOut">
               <a:rPr lang="en-US" smtClean="0"/>
-              <a:t>2/1/2024</a:t>
+              <a:t>2/2/2024</a:t>
             </a:fld>
             <a:endParaRPr lang="en-US"/>
           </a:p>
@@ -2844,7 +3096,7 @@
           <a:p>
             <a:fld id="{E946A1EF-D084-4303-9967-3757BA40A8BB}" type="datetimeFigureOut">
               <a:rPr lang="en-US" smtClean="0"/>
-              <a:t>2/1/2024</a:t>
+              <a:t>2/2/2024</a:t>
             </a:fld>
             <a:endParaRPr lang="en-US"/>
           </a:p>
@@ -2962,7 +3214,7 @@
           <a:p>
             <a:fld id="{E946A1EF-D084-4303-9967-3757BA40A8BB}" type="datetimeFigureOut">
               <a:rPr lang="en-US" smtClean="0"/>
-              <a:t>2/1/2024</a:t>
+              <a:t>2/2/2024</a:t>
             </a:fld>
             <a:endParaRPr lang="en-US"/>
           </a:p>
@@ -3057,7 +3309,7 @@
           <a:p>
             <a:fld id="{E946A1EF-D084-4303-9967-3757BA40A8BB}" type="datetimeFigureOut">
               <a:rPr lang="en-US" smtClean="0"/>
-              <a:t>2/1/2024</a:t>
+              <a:t>2/2/2024</a:t>
             </a:fld>
             <a:endParaRPr lang="en-US"/>
           </a:p>
@@ -3334,7 +3586,7 @@
           <a:p>
             <a:fld id="{E946A1EF-D084-4303-9967-3757BA40A8BB}" type="datetimeFigureOut">
               <a:rPr lang="en-US" smtClean="0"/>
-              <a:t>2/1/2024</a:t>
+              <a:t>2/2/2024</a:t>
             </a:fld>
             <a:endParaRPr lang="en-US"/>
           </a:p>
@@ -3587,7 +3839,7 @@
           <a:p>
             <a:fld id="{E946A1EF-D084-4303-9967-3757BA40A8BB}" type="datetimeFigureOut">
               <a:rPr lang="en-US" smtClean="0"/>
-              <a:t>2/1/2024</a:t>
+              <a:t>2/2/2024</a:t>
             </a:fld>
             <a:endParaRPr lang="en-US"/>
           </a:p>
@@ -3800,7 +4052,7 @@
           <a:p>
             <a:fld id="{E946A1EF-D084-4303-9967-3757BA40A8BB}" type="datetimeFigureOut">
               <a:rPr lang="en-US" smtClean="0"/>
-              <a:t>2/1/2024</a:t>
+              <a:t>2/2/2024</a:t>
             </a:fld>
             <a:endParaRPr lang="en-US"/>
           </a:p>
@@ -6349,8 +6601,20 @@
                   </a:schemeClr>
                 </a:solidFill>
               </a:rPr>
-              <a:t> RE: none </a:t>
-            </a:r>
+              <a:t> RE: </a:t>
+            </a:r>
+            <a:r>
+              <a:rPr lang="en-US" dirty="0" smtClean="0">
+                <a:solidFill>
+                  <a:schemeClr val="accent5">
+                    <a:lumMod val="75000"/>
+                  </a:schemeClr>
+                </a:solidFill>
+              </a:rPr>
+              <a:t>none</a:t>
+            </a:r>
+          </a:p>
+          <a:p>
             <a:r>
               <a:rPr lang="en-US" dirty="0" smtClean="0">
                 <a:solidFill>
@@ -6359,7 +6623,17 @@
                   </a:schemeClr>
                 </a:solidFill>
               </a:rPr>
-              <a:t>Age comp: </a:t>
+              <a:t>Age </a:t>
+            </a:r>
+            <a:r>
+              <a:rPr lang="en-US" dirty="0" smtClean="0">
+                <a:solidFill>
+                  <a:schemeClr val="accent4">
+                    <a:lumMod val="75000"/>
+                  </a:schemeClr>
+                </a:solidFill>
+              </a:rPr>
+              <a:t>comp: </a:t>
             </a:r>
             <a:r>
               <a:rPr lang="en-US" dirty="0" err="1" smtClean="0">
@@ -8907,6 +9181,146 @@
           </a:p>
         </p:txBody>
       </p:sp>
+      <p:sp>
+        <p:nvSpPr>
+          <p:cNvPr id="3" name="Rectangle 2"/>
+          <p:cNvSpPr/>
+          <p:nvPr/>
+        </p:nvSpPr>
+        <p:spPr>
+          <a:xfrm>
+            <a:off x="690880" y="5287774"/>
+            <a:ext cx="6096000" cy="1200329"/>
+          </a:xfrm>
+          <a:prstGeom prst="rect">
+            <a:avLst/>
+          </a:prstGeom>
+        </p:spPr>
+        <p:txBody>
+          <a:bodyPr>
+            <a:spAutoFit/>
+          </a:bodyPr>
+          <a:lstStyle/>
+          <a:p>
+            <a:r>
+              <a:rPr lang="en-US" dirty="0"/>
+              <a:t> </a:t>
+            </a:r>
+            <a:r>
+              <a:rPr lang="en-US" dirty="0" smtClean="0"/>
+              <a:t>              </a:t>
+            </a:r>
+            <a:r>
+              <a:rPr lang="en-US" dirty="0" err="1" smtClean="0"/>
+              <a:t>dAIC</a:t>
+            </a:r>
+            <a:r>
+              <a:rPr lang="en-US" dirty="0" smtClean="0"/>
+              <a:t>     </a:t>
+            </a:r>
+            <a:r>
+              <a:rPr lang="en-US" dirty="0"/>
+              <a:t>AIC  </a:t>
+            </a:r>
+            <a:r>
+              <a:rPr lang="en-US" dirty="0" smtClean="0"/>
+              <a:t>          </a:t>
+            </a:r>
+            <a:r>
+              <a:rPr lang="en-US" dirty="0" err="1" smtClean="0"/>
+              <a:t>rho_R</a:t>
+            </a:r>
+            <a:r>
+              <a:rPr lang="en-US" dirty="0" smtClean="0"/>
+              <a:t>       </a:t>
+            </a:r>
+            <a:r>
+              <a:rPr lang="en-US" dirty="0" err="1" smtClean="0"/>
+              <a:t>rho_SSB</a:t>
+            </a:r>
+            <a:r>
+              <a:rPr lang="en-US" dirty="0" smtClean="0"/>
+              <a:t>      </a:t>
+            </a:r>
+            <a:r>
+              <a:rPr lang="en-US" dirty="0" err="1"/>
+              <a:t>rho_Fbar</a:t>
+            </a:r>
+            <a:endParaRPr lang="en-US" dirty="0"/>
+          </a:p>
+          <a:p>
+            <a:r>
+              <a:rPr lang="en-US" dirty="0"/>
+              <a:t>Run35  </a:t>
+            </a:r>
+            <a:r>
+              <a:rPr lang="en-US" dirty="0" smtClean="0"/>
+              <a:t> 0.0        -</a:t>
+            </a:r>
+            <a:r>
+              <a:rPr lang="en-US" dirty="0"/>
+              <a:t>1566.0 </a:t>
+            </a:r>
+            <a:r>
+              <a:rPr lang="en-US" dirty="0" smtClean="0"/>
+              <a:t>    0.3388     0.0149         -</a:t>
+            </a:r>
+            <a:r>
+              <a:rPr lang="en-US" dirty="0"/>
+              <a:t>0.0242</a:t>
+            </a:r>
+          </a:p>
+          <a:p>
+            <a:r>
+              <a:rPr lang="en-US" dirty="0"/>
+              <a:t>Run36  </a:t>
+            </a:r>
+            <a:r>
+              <a:rPr lang="en-US" dirty="0" smtClean="0"/>
+              <a:t> 0.8        -</a:t>
+            </a:r>
+            <a:r>
+              <a:rPr lang="en-US" dirty="0"/>
+              <a:t>1565.2 </a:t>
+            </a:r>
+            <a:r>
+              <a:rPr lang="en-US" dirty="0" smtClean="0"/>
+              <a:t>    1.0454     0.2980         -</a:t>
+            </a:r>
+            <a:r>
+              <a:rPr lang="en-US" dirty="0"/>
+              <a:t>0.2165</a:t>
+            </a:r>
+          </a:p>
+          <a:p>
+            <a:r>
+              <a:rPr lang="en-US" dirty="0"/>
+              <a:t>Run34  </a:t>
+            </a:r>
+            <a:r>
+              <a:rPr lang="en-US" dirty="0" smtClean="0"/>
+              <a:t> 7.8        -</a:t>
+            </a:r>
+            <a:r>
+              <a:rPr lang="en-US" dirty="0"/>
+              <a:t>1558.2 </a:t>
+            </a:r>
+            <a:r>
+              <a:rPr lang="en-US" dirty="0" smtClean="0"/>
+              <a:t>    0.1209    -</a:t>
+            </a:r>
+            <a:r>
+              <a:rPr lang="en-US" dirty="0"/>
+              <a:t>0.0579   </a:t>
+            </a:r>
+            <a:r>
+              <a:rPr lang="en-US" dirty="0" smtClean="0"/>
+              <a:t>       0.0598</a:t>
+            </a:r>
+            <a:endParaRPr lang="en-US" dirty="0"/>
+          </a:p>
+        </p:txBody>
+      </p:sp>
     </p:spTree>
     <p:extLst>
       <p:ext uri="{BB962C8B-B14F-4D97-AF65-F5344CB8AC3E}">
@@ -8946,7 +9360,7 @@
           <p:nvPr/>
         </p:nvPicPr>
         <p:blipFill>
-          <a:blip r:embed="rId2" cstate="print">
+          <a:blip r:embed="rId3" cstate="print">
             <a:extLst>
               <a:ext uri="{28A0092B-C50C-407E-A947-70E740481C1C}">
                 <a14:useLocalDpi xmlns:a14="http://schemas.microsoft.com/office/drawing/2010/main" val="0"/>
@@ -8976,7 +9390,7 @@
           <p:nvPr/>
         </p:nvPicPr>
         <p:blipFill>
-          <a:blip r:embed="rId3" cstate="print">
+          <a:blip r:embed="rId4" cstate="print">
             <a:extLst>
               <a:ext uri="{28A0092B-C50C-407E-A947-70E740481C1C}">
                 <a14:useLocalDpi xmlns:a14="http://schemas.microsoft.com/office/drawing/2010/main" val="0"/>
@@ -9006,7 +9420,7 @@
           <p:nvPr/>
         </p:nvPicPr>
         <p:blipFill>
-          <a:blip r:embed="rId4" cstate="print">
+          <a:blip r:embed="rId5" cstate="print">
             <a:extLst>
               <a:ext uri="{28A0092B-C50C-407E-A947-70E740481C1C}">
                 <a14:useLocalDpi xmlns:a14="http://schemas.microsoft.com/office/drawing/2010/main" val="0"/>
@@ -9263,7 +9677,15 @@
           <a:p>
             <a:r>
               <a:rPr lang="en-US" dirty="0" smtClean="0"/>
-              <a:t>Run 35-36 (Option 1) </a:t>
+              <a:t>Run </a:t>
+            </a:r>
+            <a:r>
+              <a:rPr lang="en-US" dirty="0" smtClean="0"/>
+              <a:t>39-40 </a:t>
+            </a:r>
+            <a:r>
+              <a:rPr lang="en-US" dirty="0" smtClean="0"/>
+              <a:t>(Option 1) </a:t>
             </a:r>
             <a:endParaRPr lang="en-US" dirty="0"/>
           </a:p>
@@ -10168,6 +10590,186 @@
               </a:rPr>
               <a:t>Age-invariant M fixed at 0.2</a:t>
             </a:r>
+          </a:p>
+        </p:txBody>
+      </p:sp>
+      <p:sp>
+        <p:nvSpPr>
+          <p:cNvPr id="3" name="Rectangle 2"/>
+          <p:cNvSpPr/>
+          <p:nvPr/>
+        </p:nvSpPr>
+        <p:spPr>
+          <a:xfrm>
+            <a:off x="771686" y="4807016"/>
+            <a:ext cx="6096000" cy="1477328"/>
+          </a:xfrm>
+          <a:prstGeom prst="rect">
+            <a:avLst/>
+          </a:prstGeom>
+        </p:spPr>
+        <p:txBody>
+          <a:bodyPr>
+            <a:spAutoFit/>
+          </a:bodyPr>
+          <a:lstStyle/>
+          <a:p>
+            <a:r>
+              <a:rPr lang="en-US" dirty="0"/>
+              <a:t> </a:t>
+            </a:r>
+            <a:r>
+              <a:rPr lang="en-US" dirty="0" smtClean="0"/>
+              <a:t>              </a:t>
+            </a:r>
+            <a:r>
+              <a:rPr lang="en-US" dirty="0" err="1" smtClean="0"/>
+              <a:t>dAIC</a:t>
+            </a:r>
+            <a:r>
+              <a:rPr lang="en-US" dirty="0" smtClean="0"/>
+              <a:t>     </a:t>
+            </a:r>
+            <a:r>
+              <a:rPr lang="en-US" dirty="0"/>
+              <a:t>AIC  </a:t>
+            </a:r>
+            <a:r>
+              <a:rPr lang="en-US" dirty="0" smtClean="0"/>
+              <a:t>        </a:t>
+            </a:r>
+            <a:r>
+              <a:rPr lang="en-US" dirty="0" err="1" smtClean="0"/>
+              <a:t>rho_R</a:t>
+            </a:r>
+            <a:r>
+              <a:rPr lang="en-US" dirty="0" smtClean="0"/>
+              <a:t>     </a:t>
+            </a:r>
+            <a:r>
+              <a:rPr lang="en-US" dirty="0" err="1" smtClean="0"/>
+              <a:t>rho_SSB</a:t>
+            </a:r>
+            <a:r>
+              <a:rPr lang="en-US" dirty="0" smtClean="0"/>
+              <a:t>    </a:t>
+            </a:r>
+            <a:r>
+              <a:rPr lang="en-US" dirty="0" err="1" smtClean="0"/>
+              <a:t>rho_Fbar</a:t>
+            </a:r>
+            <a:endParaRPr lang="en-US" dirty="0"/>
+          </a:p>
+          <a:p>
+            <a:r>
+              <a:rPr lang="en-US" dirty="0"/>
+              <a:t>Run39  </a:t>
+            </a:r>
+            <a:r>
+              <a:rPr lang="en-US" dirty="0" smtClean="0"/>
+              <a:t>  0.0      -</a:t>
+            </a:r>
+            <a:r>
+              <a:rPr lang="en-US" dirty="0"/>
+              <a:t>1566.3 </a:t>
+            </a:r>
+            <a:r>
+              <a:rPr lang="en-US" dirty="0" smtClean="0"/>
+              <a:t>   0.1026   -</a:t>
+            </a:r>
+            <a:r>
+              <a:rPr lang="en-US" dirty="0"/>
+              <a:t>0.0850   </a:t>
+            </a:r>
+            <a:r>
+              <a:rPr lang="en-US" dirty="0" smtClean="0"/>
+              <a:t>   0.0869</a:t>
+            </a:r>
+            <a:endParaRPr lang="en-US" dirty="0"/>
+          </a:p>
+          <a:p>
+            <a:r>
+              <a:rPr lang="en-US" dirty="0"/>
+              <a:t>Run35  </a:t>
+            </a:r>
+            <a:r>
+              <a:rPr lang="en-US" dirty="0" smtClean="0"/>
+              <a:t>  0.3      -</a:t>
+            </a:r>
+            <a:r>
+              <a:rPr lang="en-US" dirty="0"/>
+              <a:t>1566.0 </a:t>
+            </a:r>
+            <a:r>
+              <a:rPr lang="en-US" dirty="0" smtClean="0"/>
+              <a:t>   0.3388    0.0149     -</a:t>
+            </a:r>
+            <a:r>
+              <a:rPr lang="en-US" dirty="0"/>
+              <a:t>0.0242</a:t>
+            </a:r>
+          </a:p>
+          <a:p>
+            <a:r>
+              <a:rPr lang="en-US" dirty="0"/>
+              <a:t>Run34 </a:t>
+            </a:r>
+            <a:r>
+              <a:rPr lang="en-US" dirty="0" smtClean="0"/>
+              <a:t>   </a:t>
+            </a:r>
+            <a:r>
+              <a:rPr lang="en-US" dirty="0"/>
+              <a:t>8.1 </a:t>
+            </a:r>
+            <a:r>
+              <a:rPr lang="en-US" dirty="0" smtClean="0"/>
+              <a:t>     -</a:t>
+            </a:r>
+            <a:r>
+              <a:rPr lang="en-US" dirty="0"/>
+              <a:t>1558.2 </a:t>
+            </a:r>
+            <a:r>
+              <a:rPr lang="en-US" dirty="0" smtClean="0"/>
+              <a:t>   0.1209   -</a:t>
+            </a:r>
+            <a:r>
+              <a:rPr lang="en-US" dirty="0"/>
+              <a:t>0.0579   </a:t>
+            </a:r>
+            <a:r>
+              <a:rPr lang="en-US" dirty="0" smtClean="0"/>
+              <a:t>   0.0598</a:t>
+            </a:r>
+            <a:endParaRPr lang="en-US" dirty="0"/>
+          </a:p>
+          <a:p>
+            <a:r>
+              <a:rPr lang="en-US" dirty="0"/>
+              <a:t>Run40 </a:t>
+            </a:r>
+            <a:r>
+              <a:rPr lang="en-US" dirty="0" smtClean="0"/>
+              <a:t> 20.8      -1545.5    </a:t>
+            </a:r>
+            <a:r>
+              <a:rPr lang="en-US" dirty="0"/>
+              <a:t>0.1289 </a:t>
+            </a:r>
+            <a:r>
+              <a:rPr lang="en-US" dirty="0" smtClean="0"/>
+              <a:t>  -</a:t>
+            </a:r>
+            <a:r>
+              <a:rPr lang="en-US" dirty="0"/>
+              <a:t>0.0414   </a:t>
+            </a:r>
+            <a:r>
+              <a:rPr lang="en-US" dirty="0" smtClean="0"/>
+              <a:t>   0.0451 </a:t>
+            </a:r>
+            <a:endParaRPr lang="en-US" dirty="0"/>
           </a:p>
         </p:txBody>
       </p:sp>
@@ -11667,7 +12269,7 @@
           <p:nvPr/>
         </p:nvPicPr>
         <p:blipFill>
-          <a:blip r:embed="rId2" cstate="print">
+          <a:blip r:embed="rId3" cstate="print">
             <a:extLst>
               <a:ext uri="{28A0092B-C50C-407E-A947-70E740481C1C}">
                 <a14:useLocalDpi xmlns:a14="http://schemas.microsoft.com/office/drawing/2010/main" val="0"/>
@@ -11697,7 +12299,7 @@
           <p:nvPr/>
         </p:nvPicPr>
         <p:blipFill>
-          <a:blip r:embed="rId3" cstate="print">
+          <a:blip r:embed="rId4" cstate="print">
             <a:extLst>
               <a:ext uri="{28A0092B-C50C-407E-A947-70E740481C1C}">
                 <a14:useLocalDpi xmlns:a14="http://schemas.microsoft.com/office/drawing/2010/main" val="0"/>
@@ -11718,6 +12320,57 @@
           </a:prstGeom>
         </p:spPr>
       </p:pic>
+      <p:sp>
+        <p:nvSpPr>
+          <p:cNvPr id="2" name="TextBox 1"/>
+          <p:cNvSpPr txBox="1"/>
+          <p:nvPr/>
+        </p:nvSpPr>
+        <p:spPr>
+          <a:xfrm>
+            <a:off x="10058400" y="2296160"/>
+            <a:ext cx="2350131" cy="923330"/>
+          </a:xfrm>
+          <a:prstGeom prst="rect">
+            <a:avLst/>
+          </a:prstGeom>
+          <a:noFill/>
+        </p:spPr>
+        <p:txBody>
+          <a:bodyPr wrap="none" rtlCol="0">
+            <a:spAutoFit/>
+          </a:bodyPr>
+          <a:lstStyle/>
+          <a:p>
+            <a:r>
+              <a:rPr lang="en-US" dirty="0" smtClean="0"/>
+              <a:t>Run41 – Fixed at </a:t>
+            </a:r>
+            <a:r>
+              <a:rPr lang="en-US" dirty="0" err="1" smtClean="0"/>
+              <a:t>est</a:t>
+            </a:r>
+            <a:endParaRPr lang="en-US" dirty="0" smtClean="0"/>
+          </a:p>
+          <a:p>
+            <a:r>
+              <a:rPr lang="en-US" dirty="0" smtClean="0"/>
+              <a:t>Run42 – Fixed at lower</a:t>
+            </a:r>
+          </a:p>
+          <a:p>
+            <a:r>
+              <a:rPr lang="en-US" dirty="0" smtClean="0"/>
+              <a:t>Run43 – Fixed </a:t>
+            </a:r>
+            <a:r>
+              <a:rPr lang="en-US" smtClean="0"/>
+              <a:t>at upper</a:t>
+            </a:r>
+            <a:endParaRPr lang="en-US" dirty="0"/>
+          </a:p>
+        </p:txBody>
+      </p:sp>
     </p:spTree>
     <p:extLst>
       <p:ext uri="{BB962C8B-B14F-4D97-AF65-F5344CB8AC3E}">
@@ -11802,8 +12455,13 @@
             </a:pPr>
             <a:r>
               <a:rPr lang="en-US" dirty="0" smtClean="0"/>
-              <a:t>Compare WHAM run with run with each index individually, rather than the VAST INDEX</a:t>
-            </a:r>
+              <a:t>Compare WHAM run with run with each index individually, rather than the VAST </a:t>
+            </a:r>
+            <a:r>
+              <a:rPr lang="en-US" dirty="0" smtClean="0"/>
+              <a:t>INDEX -&gt; relax catchability and selectivity </a:t>
+            </a:r>
+            <a:endParaRPr lang="en-US" dirty="0" smtClean="0"/>
           </a:p>
           <a:p>
             <a:pPr marL="514350" indent="-514350">

--- a/2023.RT.Runs/BSB WHAM Sensitivity Tests.pptx
+++ b/2023.RT.Runs/BSB WHAM Sensitivity Tests.pptx
@@ -5,7 +5,7 @@
     <p:sldMasterId id="2147483648" r:id="rId1"/>
   </p:sldMasterIdLst>
   <p:notesMasterIdLst>
-    <p:notesMasterId r:id="rId50"/>
+    <p:notesMasterId r:id="rId63"/>
   </p:notesMasterIdLst>
   <p:sldIdLst>
     <p:sldId id="256" r:id="rId2"/>
@@ -37,25 +37,38 @@
     <p:sldId id="291" r:id="rId28"/>
     <p:sldId id="292" r:id="rId29"/>
     <p:sldId id="293" r:id="rId30"/>
-    <p:sldId id="264" r:id="rId31"/>
-    <p:sldId id="296" r:id="rId32"/>
-    <p:sldId id="297" r:id="rId33"/>
-    <p:sldId id="276" r:id="rId34"/>
-    <p:sldId id="302" r:id="rId35"/>
-    <p:sldId id="295" r:id="rId36"/>
-    <p:sldId id="270" r:id="rId37"/>
-    <p:sldId id="299" r:id="rId38"/>
-    <p:sldId id="274" r:id="rId39"/>
-    <p:sldId id="298" r:id="rId40"/>
-    <p:sldId id="300" r:id="rId41"/>
-    <p:sldId id="304" r:id="rId42"/>
-    <p:sldId id="305" r:id="rId43"/>
-    <p:sldId id="307" r:id="rId44"/>
-    <p:sldId id="303" r:id="rId45"/>
-    <p:sldId id="294" r:id="rId46"/>
-    <p:sldId id="269" r:id="rId47"/>
-    <p:sldId id="273" r:id="rId48"/>
-    <p:sldId id="308" r:id="rId49"/>
+    <p:sldId id="316" r:id="rId31"/>
+    <p:sldId id="317" r:id="rId32"/>
+    <p:sldId id="319" r:id="rId33"/>
+    <p:sldId id="318" r:id="rId34"/>
+    <p:sldId id="320" r:id="rId35"/>
+    <p:sldId id="321" r:id="rId36"/>
+    <p:sldId id="322" r:id="rId37"/>
+    <p:sldId id="309" r:id="rId38"/>
+    <p:sldId id="311" r:id="rId39"/>
+    <p:sldId id="312" r:id="rId40"/>
+    <p:sldId id="314" r:id="rId41"/>
+    <p:sldId id="313" r:id="rId42"/>
+    <p:sldId id="315" r:id="rId43"/>
+    <p:sldId id="264" r:id="rId44"/>
+    <p:sldId id="296" r:id="rId45"/>
+    <p:sldId id="297" r:id="rId46"/>
+    <p:sldId id="276" r:id="rId47"/>
+    <p:sldId id="302" r:id="rId48"/>
+    <p:sldId id="295" r:id="rId49"/>
+    <p:sldId id="270" r:id="rId50"/>
+    <p:sldId id="299" r:id="rId51"/>
+    <p:sldId id="274" r:id="rId52"/>
+    <p:sldId id="298" r:id="rId53"/>
+    <p:sldId id="300" r:id="rId54"/>
+    <p:sldId id="304" r:id="rId55"/>
+    <p:sldId id="305" r:id="rId56"/>
+    <p:sldId id="307" r:id="rId57"/>
+    <p:sldId id="303" r:id="rId58"/>
+    <p:sldId id="294" r:id="rId59"/>
+    <p:sldId id="269" r:id="rId60"/>
+    <p:sldId id="273" r:id="rId61"/>
+    <p:sldId id="308" r:id="rId62"/>
   </p:sldIdLst>
   <p:sldSz cx="12192000" cy="6858000"/>
   <p:notesSz cx="6858000" cy="9144000"/>
@@ -174,20 +187,6 @@
 </p:cmAuthorLst>
 </file>
 
-<file path=ppt/comments/comment1.xml><?xml version="1.0" encoding="utf-8"?>
-<p:cmLst xmlns:a="http://schemas.openxmlformats.org/drawingml/2006/main" xmlns:r="http://schemas.openxmlformats.org/officeDocument/2006/relationships" xmlns:p="http://schemas.openxmlformats.org/presentationml/2006/main">
-  <p:cm authorId="1" dt="2024-01-22T12:28:46.910" idx="2">
-    <p:pos x="6656" y="1175"/>
-    <p:text>Focus on this before Wednesday too</p:text>
-    <p:extLst>
-      <p:ext uri="{C676402C-5697-4E1C-873F-D02D1690AC5C}">
-        <p15:threadingInfo xmlns:p15="http://schemas.microsoft.com/office/powerpoint/2012/main" timeZoneBias="300"/>
-      </p:ext>
-    </p:extLst>
-  </p:cm>
-</p:cmLst>
-</file>
-
 <file path=ppt/notesMasters/notesMaster1.xml><?xml version="1.0" encoding="utf-8"?>
 <p:notesMaster xmlns:a="http://schemas.openxmlformats.org/drawingml/2006/main" xmlns:r="http://schemas.openxmlformats.org/officeDocument/2006/relationships" xmlns:p="http://schemas.openxmlformats.org/presentationml/2006/main">
   <p:cSld>
@@ -270,7 +269,7 @@
           <a:p>
             <a:fld id="{BCE76315-5318-4C37-8130-0BE8558006F8}" type="datetimeFigureOut">
               <a:rPr lang="en-US" smtClean="0"/>
-              <a:t>2/2/2024</a:t>
+              <a:t>2/27/2024</a:t>
             </a:fld>
             <a:endParaRPr lang="en-US"/>
           </a:p>
@@ -671,6 +670,90 @@
 </p:notes>
 </file>
 
+<file path=ppt/notesSlides/notesSlide10.xml><?xml version="1.0" encoding="utf-8"?>
+<p:notes xmlns:a="http://schemas.openxmlformats.org/drawingml/2006/main" xmlns:r="http://schemas.openxmlformats.org/officeDocument/2006/relationships" xmlns:p="http://schemas.openxmlformats.org/presentationml/2006/main">
+  <p:cSld>
+    <p:spTree>
+      <p:nvGrpSpPr>
+        <p:cNvPr id="1" name=""/>
+        <p:cNvGrpSpPr/>
+        <p:nvPr/>
+      </p:nvGrpSpPr>
+      <p:grpSpPr>
+        <a:xfrm>
+          <a:off x="0" y="0"/>
+          <a:ext cx="0" cy="0"/>
+          <a:chOff x="0" y="0"/>
+          <a:chExt cx="0" cy="0"/>
+        </a:xfrm>
+      </p:grpSpPr>
+      <p:sp>
+        <p:nvSpPr>
+          <p:cNvPr id="2" name="Slide Image Placeholder 1"/>
+          <p:cNvSpPr>
+            <a:spLocks noGrp="1" noRot="1" noChangeAspect="1"/>
+          </p:cNvSpPr>
+          <p:nvPr>
+            <p:ph type="sldImg"/>
+          </p:nvPr>
+        </p:nvSpPr>
+        <p:spPr/>
+      </p:sp>
+      <p:sp>
+        <p:nvSpPr>
+          <p:cNvPr id="3" name="Notes Placeholder 2"/>
+          <p:cNvSpPr>
+            <a:spLocks noGrp="1"/>
+          </p:cNvSpPr>
+          <p:nvPr>
+            <p:ph type="body" idx="1"/>
+          </p:nvPr>
+        </p:nvSpPr>
+        <p:spPr/>
+        <p:txBody>
+          <a:bodyPr/>
+          <a:lstStyle/>
+          <a:p>
+            <a:endParaRPr lang="en-US" dirty="0"/>
+          </a:p>
+        </p:txBody>
+      </p:sp>
+      <p:sp>
+        <p:nvSpPr>
+          <p:cNvPr id="4" name="Slide Number Placeholder 3"/>
+          <p:cNvSpPr>
+            <a:spLocks noGrp="1"/>
+          </p:cNvSpPr>
+          <p:nvPr>
+            <p:ph type="sldNum" sz="quarter" idx="10"/>
+          </p:nvPr>
+        </p:nvSpPr>
+        <p:spPr/>
+        <p:txBody>
+          <a:bodyPr/>
+          <a:lstStyle/>
+          <a:p>
+            <a:fld id="{5DBD21DD-8E4A-412C-939F-361AD1C20860}" type="slidenum">
+              <a:rPr lang="en-US" smtClean="0"/>
+              <a:t>61</a:t>
+            </a:fld>
+            <a:endParaRPr lang="en-US"/>
+          </a:p>
+        </p:txBody>
+      </p:sp>
+    </p:spTree>
+    <p:extLst>
+      <p:ext uri="{BB962C8B-B14F-4D97-AF65-F5344CB8AC3E}">
+        <p14:creationId xmlns:p14="http://schemas.microsoft.com/office/powerpoint/2010/main" val="3341692117"/>
+      </p:ext>
+    </p:extLst>
+  </p:cSld>
+  <p:clrMapOvr>
+    <a:masterClrMapping/>
+  </p:clrMapOvr>
+</p:notes>
+</file>
+
 <file path=ppt/notesSlides/notesSlide2.xml><?xml version="1.0" encoding="utf-8"?>
 <p:notes xmlns:a="http://schemas.openxmlformats.org/drawingml/2006/main" xmlns:r="http://schemas.openxmlformats.org/officeDocument/2006/relationships" xmlns:p="http://schemas.openxmlformats.org/presentationml/2006/main">
   <p:cSld>
@@ -1023,11 +1106,11 @@
 </file>
 
 <file path=ppt/notesSlides/notesSlide4.xml><?xml version="1.0" encoding="utf-8"?>
-<p:notes xmlns:a="http://schemas.openxmlformats.org/drawingml/2006/main" xmlns:r="http://schemas.openxmlformats.org/officeDocument/2006/relationships" xmlns:p="http://schemas.openxmlformats.org/presentationml/2006/main">
+<p:notes xmlns:a="http://schemas.openxmlformats.org/drawingml/2006/main" xmlns:r="http://schemas.openxmlformats.org/officeDocument/2006/relationships" xmlns:p="http://schemas.openxmlformats.org/presentationml/2006/main" showMasterSp="0" showMasterPhAnim="0">
   <p:cSld>
     <p:spTree>
       <p:nvGrpSpPr>
-        <p:cNvPr id="1" name=""/>
+        <p:cNvPr id="1" name="Shape 140"/>
         <p:cNvGrpSpPr/>
         <p:nvPr/>
       </p:nvGrpSpPr>
@@ -1041,124 +1124,134 @@
       </p:grpSpPr>
       <p:sp>
         <p:nvSpPr>
-          <p:cNvPr id="2" name="Slide Image Placeholder 1"/>
+          <p:cNvPr id="141" name="Google Shape;141;g2bb4734145b_1_1:notes"/>
           <p:cNvSpPr>
             <a:spLocks noGrp="1" noRot="1" noChangeAspect="1"/>
           </p:cNvSpPr>
           <p:nvPr>
-            <p:ph type="sldImg"/>
+            <p:ph type="sldImg" idx="2"/>
           </p:nvPr>
         </p:nvSpPr>
-        <p:spPr/>
-      </p:sp>
-      <p:sp>
-        <p:nvSpPr>
-          <p:cNvPr id="3" name="Notes Placeholder 2"/>
-          <p:cNvSpPr>
+        <p:spPr>
+          <a:xfrm>
+            <a:off x="960438" y="1143000"/>
+            <a:ext cx="4937125" cy="3086100"/>
+          </a:xfrm>
+          <a:custGeom>
+            <a:avLst/>
+            <a:gdLst/>
+            <a:ahLst/>
+            <a:cxnLst/>
+            <a:rect l="l" t="t" r="r" b="b"/>
+            <a:pathLst>
+              <a:path w="120000" h="120000" extrusionOk="0">
+                <a:moveTo>
+                  <a:pt x="0" y="0"/>
+                </a:moveTo>
+                <a:lnTo>
+                  <a:pt x="120000" y="0"/>
+                </a:lnTo>
+                <a:lnTo>
+                  <a:pt x="120000" y="120000"/>
+                </a:lnTo>
+                <a:lnTo>
+                  <a:pt x="0" y="120000"/>
+                </a:lnTo>
+                <a:close/>
+              </a:path>
+            </a:pathLst>
+          </a:custGeom>
+        </p:spPr>
+      </p:sp>
+      <p:sp>
+        <p:nvSpPr>
+          <p:cNvPr id="142" name="Google Shape;142;g2bb4734145b_1_1:notes"/>
+          <p:cNvSpPr txBox="1">
             <a:spLocks noGrp="1"/>
           </p:cNvSpPr>
           <p:nvPr>
             <p:ph type="body" idx="1"/>
           </p:nvPr>
         </p:nvSpPr>
-        <p:spPr/>
-        <p:txBody>
-          <a:bodyPr/>
+        <p:spPr>
+          <a:xfrm>
+            <a:off x="685800" y="4400550"/>
+            <a:ext cx="5486400" cy="3600600"/>
+          </a:xfrm>
+          <a:prstGeom prst="rect">
+            <a:avLst/>
+          </a:prstGeom>
+        </p:spPr>
+        <p:txBody>
+          <a:bodyPr spcFirstLastPara="1" wrap="square" lIns="91425" tIns="45700" rIns="91425" bIns="45700" anchor="t" anchorCtr="0">
+            <a:noAutofit/>
+          </a:bodyPr>
           <a:lstStyle/>
           <a:p>
-            <a:r>
-              <a:rPr lang="en-US" sz="1200" kern="1200" dirty="0" smtClean="0">
-                <a:solidFill>
-                  <a:schemeClr val="tx1"/>
-                </a:solidFill>
-                <a:effectLst/>
-                <a:latin typeface="+mn-lt"/>
-                <a:ea typeface="+mn-ea"/>
-                <a:cs typeface="+mn-cs"/>
-              </a:rPr>
-              <a:t>Error:</a:t>
-            </a:r>
-          </a:p>
-          <a:p>
-            <a:r>
-              <a:rPr lang="en-US" sz="1200" kern="1200" dirty="0" smtClean="0">
-                <a:solidFill>
-                  <a:schemeClr val="tx1"/>
-                </a:solidFill>
-                <a:effectLst/>
-                <a:latin typeface="+mn-lt"/>
-                <a:ea typeface="+mn-ea"/>
-                <a:cs typeface="+mn-cs"/>
-              </a:rPr>
-              <a:t>Warning message: In max(</a:t>
-            </a:r>
-            <a:r>
-              <a:rPr lang="en-US" sz="1200" kern="1200" dirty="0" err="1" smtClean="0">
-                <a:solidFill>
-                  <a:schemeClr val="tx1"/>
-                </a:solidFill>
-                <a:effectLst/>
-                <a:latin typeface="+mn-lt"/>
-                <a:ea typeface="+mn-ea"/>
-                <a:cs typeface="+mn-cs"/>
-              </a:rPr>
-              <a:t>tmp</a:t>
-            </a:r>
-            <a:r>
-              <a:rPr lang="en-US" sz="1200" kern="1200" dirty="0" smtClean="0">
-                <a:solidFill>
-                  <a:schemeClr val="tx1"/>
-                </a:solidFill>
-                <a:effectLst/>
-                <a:latin typeface="+mn-lt"/>
-                <a:ea typeface="+mn-ea"/>
-                <a:cs typeface="+mn-cs"/>
-              </a:rPr>
-              <a:t>) : no non-missing arguments to max; returning -</a:t>
-            </a:r>
-            <a:r>
-              <a:rPr lang="en-US" sz="1200" kern="1200" dirty="0" err="1" smtClean="0">
-                <a:solidFill>
-                  <a:schemeClr val="tx1"/>
-                </a:solidFill>
-                <a:effectLst/>
-                <a:latin typeface="+mn-lt"/>
-                <a:ea typeface="+mn-ea"/>
-                <a:cs typeface="+mn-cs"/>
-              </a:rPr>
-              <a:t>Inf</a:t>
-            </a:r>
-            <a:endParaRPr lang="en-US" dirty="0"/>
-          </a:p>
-        </p:txBody>
-      </p:sp>
-      <p:sp>
-        <p:nvSpPr>
-          <p:cNvPr id="4" name="Slide Number Placeholder 3"/>
-          <p:cNvSpPr>
+            <a:pPr marL="0" lvl="0" indent="0" algn="l" rtl="0">
+              <a:spcBef>
+                <a:spcPts val="0"/>
+              </a:spcBef>
+              <a:spcAft>
+                <a:spcPts val="0"/>
+              </a:spcAft>
+              <a:buNone/>
+            </a:pPr>
+            <a:endParaRPr/>
+          </a:p>
+        </p:txBody>
+      </p:sp>
+      <p:sp>
+        <p:nvSpPr>
+          <p:cNvPr id="143" name="Google Shape;143;g2bb4734145b_1_1:notes"/>
+          <p:cNvSpPr txBox="1">
             <a:spLocks noGrp="1"/>
           </p:cNvSpPr>
           <p:nvPr>
-            <p:ph type="sldNum" sz="quarter" idx="10"/>
+            <p:ph type="sldNum" idx="12"/>
           </p:nvPr>
         </p:nvSpPr>
-        <p:spPr/>
-        <p:txBody>
-          <a:bodyPr/>
+        <p:spPr>
+          <a:xfrm>
+            <a:off x="3884613" y="8685213"/>
+            <a:ext cx="2971800" cy="458700"/>
+          </a:xfrm>
+          <a:prstGeom prst="rect">
+            <a:avLst/>
+          </a:prstGeom>
+        </p:spPr>
+        <p:txBody>
+          <a:bodyPr spcFirstLastPara="1" wrap="square" lIns="91425" tIns="45700" rIns="91425" bIns="45700" anchor="b" anchorCtr="0">
+            <a:noAutofit/>
+          </a:bodyPr>
           <a:lstStyle/>
           <a:p>
-            <a:fld id="{5DBD21DD-8E4A-412C-939F-361AD1C20860}" type="slidenum">
-              <a:rPr lang="en-US" smtClean="0"/>
-              <a:t>30</a:t>
+            <a:pPr marL="0" lvl="0" indent="0" algn="r" rtl="0">
+              <a:spcBef>
+                <a:spcPts val="0"/>
+              </a:spcBef>
+              <a:spcAft>
+                <a:spcPts val="0"/>
+              </a:spcAft>
+              <a:buClr>
+                <a:srgbClr val="000000"/>
+              </a:buClr>
+              <a:buSzPts val="1200"/>
+              <a:buFont typeface="Arial"/>
+              <a:buNone/>
+            </a:pPr>
+            <a:fld id="{00000000-1234-1234-1234-123412341234}" type="slidenum">
+              <a:rPr lang="en-US"/>
+              <a:t>38</a:t>
             </a:fld>
-            <a:endParaRPr lang="en-US"/>
+            <a:endParaRPr/>
           </a:p>
         </p:txBody>
       </p:sp>
     </p:spTree>
     <p:extLst>
       <p:ext uri="{BB962C8B-B14F-4D97-AF65-F5344CB8AC3E}">
-        <p14:creationId xmlns:p14="http://schemas.microsoft.com/office/powerpoint/2010/main" val="1813777810"/>
+        <p14:creationId xmlns:p14="http://schemas.microsoft.com/office/powerpoint/2010/main" val="4196257921"/>
       </p:ext>
     </p:extLst>
   </p:cSld>
@@ -1169,11 +1262,11 @@
 </file>
 
 <file path=ppt/notesSlides/notesSlide5.xml><?xml version="1.0" encoding="utf-8"?>
-<p:notes xmlns:a="http://schemas.openxmlformats.org/drawingml/2006/main" xmlns:r="http://schemas.openxmlformats.org/officeDocument/2006/relationships" xmlns:p="http://schemas.openxmlformats.org/presentationml/2006/main">
+<p:notes xmlns:a="http://schemas.openxmlformats.org/drawingml/2006/main" xmlns:r="http://schemas.openxmlformats.org/officeDocument/2006/relationships" xmlns:p="http://schemas.openxmlformats.org/presentationml/2006/main" showMasterSp="0" showMasterPhAnim="0">
   <p:cSld>
     <p:spTree>
       <p:nvGrpSpPr>
-        <p:cNvPr id="1" name=""/>
+        <p:cNvPr id="1" name="Shape 155"/>
         <p:cNvGrpSpPr/>
         <p:nvPr/>
       </p:nvGrpSpPr>
@@ -1187,158 +1280,134 @@
       </p:grpSpPr>
       <p:sp>
         <p:nvSpPr>
-          <p:cNvPr id="2" name="Slide Image Placeholder 1"/>
+          <p:cNvPr id="156" name="Google Shape;156;g2bb4734145b_1_21:notes"/>
           <p:cNvSpPr>
             <a:spLocks noGrp="1" noRot="1" noChangeAspect="1"/>
           </p:cNvSpPr>
           <p:nvPr>
-            <p:ph type="sldImg"/>
+            <p:ph type="sldImg" idx="2"/>
           </p:nvPr>
         </p:nvSpPr>
-        <p:spPr/>
-      </p:sp>
-      <p:sp>
-        <p:nvSpPr>
-          <p:cNvPr id="3" name="Notes Placeholder 2"/>
-          <p:cNvSpPr>
+        <p:spPr>
+          <a:xfrm>
+            <a:off x="960438" y="1143000"/>
+            <a:ext cx="4937125" cy="3086100"/>
+          </a:xfrm>
+          <a:custGeom>
+            <a:avLst/>
+            <a:gdLst/>
+            <a:ahLst/>
+            <a:cxnLst/>
+            <a:rect l="l" t="t" r="r" b="b"/>
+            <a:pathLst>
+              <a:path w="120000" h="120000" extrusionOk="0">
+                <a:moveTo>
+                  <a:pt x="0" y="0"/>
+                </a:moveTo>
+                <a:lnTo>
+                  <a:pt x="120000" y="0"/>
+                </a:lnTo>
+                <a:lnTo>
+                  <a:pt x="120000" y="120000"/>
+                </a:lnTo>
+                <a:lnTo>
+                  <a:pt x="0" y="120000"/>
+                </a:lnTo>
+                <a:close/>
+              </a:path>
+            </a:pathLst>
+          </a:custGeom>
+        </p:spPr>
+      </p:sp>
+      <p:sp>
+        <p:nvSpPr>
+          <p:cNvPr id="157" name="Google Shape;157;g2bb4734145b_1_21:notes"/>
+          <p:cNvSpPr txBox="1">
             <a:spLocks noGrp="1"/>
           </p:cNvSpPr>
           <p:nvPr>
             <p:ph type="body" idx="1"/>
           </p:nvPr>
         </p:nvSpPr>
-        <p:spPr/>
-        <p:txBody>
-          <a:bodyPr/>
+        <p:spPr>
+          <a:xfrm>
+            <a:off x="685800" y="4400550"/>
+            <a:ext cx="5486400" cy="3600600"/>
+          </a:xfrm>
+          <a:prstGeom prst="rect">
+            <a:avLst/>
+          </a:prstGeom>
+        </p:spPr>
+        <p:txBody>
+          <a:bodyPr spcFirstLastPara="1" wrap="square" lIns="91425" tIns="45700" rIns="91425" bIns="45700" anchor="t" anchorCtr="0">
+            <a:noAutofit/>
+          </a:bodyPr>
           <a:lstStyle/>
           <a:p>
-            <a:r>
-              <a:rPr lang="en-US" sz="1200" kern="1200" dirty="0" smtClean="0">
-                <a:solidFill>
-                  <a:schemeClr val="tx1"/>
-                </a:solidFill>
-                <a:effectLst/>
-                <a:latin typeface="+mn-lt"/>
-                <a:ea typeface="+mn-ea"/>
-                <a:cs typeface="+mn-cs"/>
-              </a:rPr>
-              <a:t>Error:</a:t>
-            </a:r>
-          </a:p>
-          <a:p>
-            <a:r>
-              <a:rPr lang="en-US" sz="1200" kern="1200" dirty="0" smtClean="0">
-                <a:solidFill>
-                  <a:schemeClr val="tx1"/>
-                </a:solidFill>
-                <a:effectLst/>
-                <a:latin typeface="+mn-lt"/>
-                <a:ea typeface="+mn-ea"/>
-                <a:cs typeface="+mn-cs"/>
-              </a:rPr>
-              <a:t>Warning message: In max(</a:t>
-            </a:r>
-            <a:r>
-              <a:rPr lang="en-US" sz="1200" kern="1200" dirty="0" err="1" smtClean="0">
-                <a:solidFill>
-                  <a:schemeClr val="tx1"/>
-                </a:solidFill>
-                <a:effectLst/>
-                <a:latin typeface="+mn-lt"/>
-                <a:ea typeface="+mn-ea"/>
-                <a:cs typeface="+mn-cs"/>
-              </a:rPr>
-              <a:t>tmp</a:t>
-            </a:r>
-            <a:r>
-              <a:rPr lang="en-US" sz="1200" kern="1200" dirty="0" smtClean="0">
-                <a:solidFill>
-                  <a:schemeClr val="tx1"/>
-                </a:solidFill>
-                <a:effectLst/>
-                <a:latin typeface="+mn-lt"/>
-                <a:ea typeface="+mn-ea"/>
-                <a:cs typeface="+mn-cs"/>
-              </a:rPr>
-              <a:t>) : no non-missing arguments to max; returning –</a:t>
-            </a:r>
-            <a:r>
-              <a:rPr lang="en-US" sz="1200" kern="1200" dirty="0" err="1" smtClean="0">
-                <a:solidFill>
-                  <a:schemeClr val="tx1"/>
-                </a:solidFill>
-                <a:effectLst/>
-                <a:latin typeface="+mn-lt"/>
-                <a:ea typeface="+mn-ea"/>
-                <a:cs typeface="+mn-cs"/>
-              </a:rPr>
-              <a:t>Inf</a:t>
-            </a:r>
-            <a:endParaRPr lang="en-US" sz="1200" kern="1200" dirty="0" smtClean="0">
-              <a:solidFill>
-                <a:schemeClr val="tx1"/>
-              </a:solidFill>
-              <a:effectLst/>
-              <a:latin typeface="+mn-lt"/>
-              <a:ea typeface="+mn-ea"/>
-              <a:cs typeface="+mn-cs"/>
-            </a:endParaRPr>
-          </a:p>
-          <a:p>
-            <a:endParaRPr lang="en-US" sz="1200" kern="1200" dirty="0" smtClean="0">
-              <a:solidFill>
-                <a:schemeClr val="tx1"/>
-              </a:solidFill>
-              <a:effectLst/>
-              <a:latin typeface="+mn-lt"/>
-              <a:ea typeface="+mn-ea"/>
-              <a:cs typeface="+mn-cs"/>
-            </a:endParaRPr>
-          </a:p>
-          <a:p>
-            <a:r>
-              <a:rPr lang="en-US" sz="1200" kern="1200" dirty="0" smtClean="0">
-                <a:solidFill>
-                  <a:schemeClr val="tx1"/>
-                </a:solidFill>
-                <a:effectLst/>
-                <a:latin typeface="+mn-lt"/>
-                <a:ea typeface="+mn-ea"/>
-                <a:cs typeface="+mn-cs"/>
-              </a:rPr>
-              <a:t>Still working this out with Tim</a:t>
-            </a:r>
-            <a:endParaRPr lang="en-US" dirty="0"/>
-          </a:p>
-        </p:txBody>
-      </p:sp>
-      <p:sp>
-        <p:nvSpPr>
-          <p:cNvPr id="4" name="Slide Number Placeholder 3"/>
-          <p:cNvSpPr>
+            <a:pPr marL="0" lvl="0" indent="0" algn="l" rtl="0">
+              <a:spcBef>
+                <a:spcPts val="0"/>
+              </a:spcBef>
+              <a:spcAft>
+                <a:spcPts val="0"/>
+              </a:spcAft>
+              <a:buNone/>
+            </a:pPr>
+            <a:endParaRPr/>
+          </a:p>
+        </p:txBody>
+      </p:sp>
+      <p:sp>
+        <p:nvSpPr>
+          <p:cNvPr id="158" name="Google Shape;158;g2bb4734145b_1_21:notes"/>
+          <p:cNvSpPr txBox="1">
             <a:spLocks noGrp="1"/>
           </p:cNvSpPr>
           <p:nvPr>
-            <p:ph type="sldNum" sz="quarter" idx="10"/>
+            <p:ph type="sldNum" idx="12"/>
           </p:nvPr>
         </p:nvSpPr>
-        <p:spPr/>
-        <p:txBody>
-          <a:bodyPr/>
+        <p:spPr>
+          <a:xfrm>
+            <a:off x="3884613" y="8685213"/>
+            <a:ext cx="2971800" cy="458700"/>
+          </a:xfrm>
+          <a:prstGeom prst="rect">
+            <a:avLst/>
+          </a:prstGeom>
+        </p:spPr>
+        <p:txBody>
+          <a:bodyPr spcFirstLastPara="1" wrap="square" lIns="91425" tIns="45700" rIns="91425" bIns="45700" anchor="b" anchorCtr="0">
+            <a:noAutofit/>
+          </a:bodyPr>
           <a:lstStyle/>
           <a:p>
-            <a:fld id="{5DBD21DD-8E4A-412C-939F-361AD1C20860}" type="slidenum">
-              <a:rPr lang="en-US" smtClean="0"/>
-              <a:t>31</a:t>
+            <a:pPr marL="0" lvl="0" indent="0" algn="r" rtl="0">
+              <a:spcBef>
+                <a:spcPts val="0"/>
+              </a:spcBef>
+              <a:spcAft>
+                <a:spcPts val="0"/>
+              </a:spcAft>
+              <a:buClr>
+                <a:srgbClr val="000000"/>
+              </a:buClr>
+              <a:buSzPts val="1200"/>
+              <a:buFont typeface="Arial"/>
+              <a:buNone/>
+            </a:pPr>
+            <a:fld id="{00000000-1234-1234-1234-123412341234}" type="slidenum">
+              <a:rPr lang="en-US"/>
+              <a:t>39</a:t>
             </a:fld>
-            <a:endParaRPr lang="en-US"/>
+            <a:endParaRPr/>
           </a:p>
         </p:txBody>
       </p:sp>
     </p:spTree>
     <p:extLst>
       <p:ext uri="{BB962C8B-B14F-4D97-AF65-F5344CB8AC3E}">
-        <p14:creationId xmlns:p14="http://schemas.microsoft.com/office/powerpoint/2010/main" val="2134327487"/>
+        <p14:creationId xmlns:p14="http://schemas.microsoft.com/office/powerpoint/2010/main" val="1916195712"/>
       </p:ext>
     </p:extLst>
   </p:cSld>
@@ -1392,6 +1461,68 @@
           <a:bodyPr/>
           <a:lstStyle/>
           <a:p>
+            <a:r>
+              <a:rPr lang="en-US" sz="1200" kern="1200" dirty="0" smtClean="0">
+                <a:solidFill>
+                  <a:schemeClr val="tx1"/>
+                </a:solidFill>
+                <a:effectLst/>
+                <a:latin typeface="+mn-lt"/>
+                <a:ea typeface="+mn-ea"/>
+                <a:cs typeface="+mn-cs"/>
+              </a:rPr>
+              <a:t>Error:</a:t>
+            </a:r>
+          </a:p>
+          <a:p>
+            <a:r>
+              <a:rPr lang="en-US" sz="1200" kern="1200" dirty="0" smtClean="0">
+                <a:solidFill>
+                  <a:schemeClr val="tx1"/>
+                </a:solidFill>
+                <a:effectLst/>
+                <a:latin typeface="+mn-lt"/>
+                <a:ea typeface="+mn-ea"/>
+                <a:cs typeface="+mn-cs"/>
+              </a:rPr>
+              <a:t>Warning message: In max(</a:t>
+            </a:r>
+            <a:r>
+              <a:rPr lang="en-US" sz="1200" kern="1200" dirty="0" err="1" smtClean="0">
+                <a:solidFill>
+                  <a:schemeClr val="tx1"/>
+                </a:solidFill>
+                <a:effectLst/>
+                <a:latin typeface="+mn-lt"/>
+                <a:ea typeface="+mn-ea"/>
+                <a:cs typeface="+mn-cs"/>
+              </a:rPr>
+              <a:t>tmp</a:t>
+            </a:r>
+            <a:r>
+              <a:rPr lang="en-US" sz="1200" kern="1200" dirty="0" smtClean="0">
+                <a:solidFill>
+                  <a:schemeClr val="tx1"/>
+                </a:solidFill>
+                <a:effectLst/>
+                <a:latin typeface="+mn-lt"/>
+                <a:ea typeface="+mn-ea"/>
+                <a:cs typeface="+mn-cs"/>
+              </a:rPr>
+              <a:t>) : no non-missing arguments to max; returning -</a:t>
+            </a:r>
+            <a:r>
+              <a:rPr lang="en-US" sz="1200" kern="1200" dirty="0" err="1" smtClean="0">
+                <a:solidFill>
+                  <a:schemeClr val="tx1"/>
+                </a:solidFill>
+                <a:effectLst/>
+                <a:latin typeface="+mn-lt"/>
+                <a:ea typeface="+mn-ea"/>
+                <a:cs typeface="+mn-cs"/>
+              </a:rPr>
+              <a:t>Inf</a:t>
+            </a:r>
             <a:endParaRPr lang="en-US" dirty="0"/>
           </a:p>
         </p:txBody>
@@ -1413,7 +1544,7 @@
           <a:p>
             <a:fld id="{5DBD21DD-8E4A-412C-939F-361AD1C20860}" type="slidenum">
               <a:rPr lang="en-US" smtClean="0"/>
-              <a:t>39</a:t>
+              <a:t>43</a:t>
             </a:fld>
             <a:endParaRPr lang="en-US"/>
           </a:p>
@@ -1422,7 +1553,7 @@
     </p:spTree>
     <p:extLst>
       <p:ext uri="{BB962C8B-B14F-4D97-AF65-F5344CB8AC3E}">
-        <p14:creationId xmlns:p14="http://schemas.microsoft.com/office/powerpoint/2010/main" val="667175516"/>
+        <p14:creationId xmlns:p14="http://schemas.microsoft.com/office/powerpoint/2010/main" val="1813777810"/>
       </p:ext>
     </p:extLst>
   </p:cSld>
@@ -1476,6 +1607,102 @@
           <a:bodyPr/>
           <a:lstStyle/>
           <a:p>
+            <a:r>
+              <a:rPr lang="en-US" sz="1200" kern="1200" dirty="0" smtClean="0">
+                <a:solidFill>
+                  <a:schemeClr val="tx1"/>
+                </a:solidFill>
+                <a:effectLst/>
+                <a:latin typeface="+mn-lt"/>
+                <a:ea typeface="+mn-ea"/>
+                <a:cs typeface="+mn-cs"/>
+              </a:rPr>
+              <a:t>Error:</a:t>
+            </a:r>
+          </a:p>
+          <a:p>
+            <a:r>
+              <a:rPr lang="en-US" sz="1200" kern="1200" dirty="0" smtClean="0">
+                <a:solidFill>
+                  <a:schemeClr val="tx1"/>
+                </a:solidFill>
+                <a:effectLst/>
+                <a:latin typeface="+mn-lt"/>
+                <a:ea typeface="+mn-ea"/>
+                <a:cs typeface="+mn-cs"/>
+              </a:rPr>
+              <a:t>Warning message: In max(</a:t>
+            </a:r>
+            <a:r>
+              <a:rPr lang="en-US" sz="1200" kern="1200" dirty="0" err="1" smtClean="0">
+                <a:solidFill>
+                  <a:schemeClr val="tx1"/>
+                </a:solidFill>
+                <a:effectLst/>
+                <a:latin typeface="+mn-lt"/>
+                <a:ea typeface="+mn-ea"/>
+                <a:cs typeface="+mn-cs"/>
+              </a:rPr>
+              <a:t>tmp</a:t>
+            </a:r>
+            <a:r>
+              <a:rPr lang="en-US" sz="1200" kern="1200" dirty="0" smtClean="0">
+                <a:solidFill>
+                  <a:schemeClr val="tx1"/>
+                </a:solidFill>
+                <a:effectLst/>
+                <a:latin typeface="+mn-lt"/>
+                <a:ea typeface="+mn-ea"/>
+                <a:cs typeface="+mn-cs"/>
+              </a:rPr>
+              <a:t>) : no non-missing arguments to max; returning –</a:t>
+            </a:r>
+            <a:r>
+              <a:rPr lang="en-US" sz="1200" kern="1200" dirty="0" err="1" smtClean="0">
+                <a:solidFill>
+                  <a:schemeClr val="tx1"/>
+                </a:solidFill>
+                <a:effectLst/>
+                <a:latin typeface="+mn-lt"/>
+                <a:ea typeface="+mn-ea"/>
+                <a:cs typeface="+mn-cs"/>
+              </a:rPr>
+              <a:t>Inf</a:t>
+            </a:r>
+            <a:endParaRPr lang="en-US" sz="1200" kern="1200" dirty="0" smtClean="0">
+              <a:solidFill>
+                <a:schemeClr val="tx1"/>
+              </a:solidFill>
+              <a:effectLst/>
+              <a:latin typeface="+mn-lt"/>
+              <a:ea typeface="+mn-ea"/>
+              <a:cs typeface="+mn-cs"/>
+            </a:endParaRPr>
+          </a:p>
+          <a:p>
+            <a:endParaRPr lang="en-US" sz="1200" kern="1200" dirty="0" smtClean="0">
+              <a:solidFill>
+                <a:schemeClr val="tx1"/>
+              </a:solidFill>
+              <a:effectLst/>
+              <a:latin typeface="+mn-lt"/>
+              <a:ea typeface="+mn-ea"/>
+              <a:cs typeface="+mn-cs"/>
+            </a:endParaRPr>
+          </a:p>
+          <a:p>
+            <a:r>
+              <a:rPr lang="en-US" sz="1200" kern="1200" dirty="0" smtClean="0">
+                <a:solidFill>
+                  <a:schemeClr val="tx1"/>
+                </a:solidFill>
+                <a:effectLst/>
+                <a:latin typeface="+mn-lt"/>
+                <a:ea typeface="+mn-ea"/>
+                <a:cs typeface="+mn-cs"/>
+              </a:rPr>
+              <a:t>Still working this out with Tim</a:t>
+            </a:r>
             <a:endParaRPr lang="en-US" dirty="0"/>
           </a:p>
         </p:txBody>
@@ -1497,7 +1724,7 @@
           <a:p>
             <a:fld id="{5DBD21DD-8E4A-412C-939F-361AD1C20860}" type="slidenum">
               <a:rPr lang="en-US" smtClean="0"/>
-              <a:t>47</a:t>
+              <a:t>44</a:t>
             </a:fld>
             <a:endParaRPr lang="en-US"/>
           </a:p>
@@ -1506,7 +1733,7 @@
     </p:spTree>
     <p:extLst>
       <p:ext uri="{BB962C8B-B14F-4D97-AF65-F5344CB8AC3E}">
-        <p14:creationId xmlns:p14="http://schemas.microsoft.com/office/powerpoint/2010/main" val="3672750161"/>
+        <p14:creationId xmlns:p14="http://schemas.microsoft.com/office/powerpoint/2010/main" val="2134327487"/>
       </p:ext>
     </p:extLst>
   </p:cSld>
@@ -1581,7 +1808,7 @@
           <a:p>
             <a:fld id="{5DBD21DD-8E4A-412C-939F-361AD1C20860}" type="slidenum">
               <a:rPr lang="en-US" smtClean="0"/>
-              <a:t>48</a:t>
+              <a:t>52</a:t>
             </a:fld>
             <a:endParaRPr lang="en-US"/>
           </a:p>
@@ -1590,7 +1817,91 @@
     </p:spTree>
     <p:extLst>
       <p:ext uri="{BB962C8B-B14F-4D97-AF65-F5344CB8AC3E}">
-        <p14:creationId xmlns:p14="http://schemas.microsoft.com/office/powerpoint/2010/main" val="3341692117"/>
+        <p14:creationId xmlns:p14="http://schemas.microsoft.com/office/powerpoint/2010/main" val="667175516"/>
+      </p:ext>
+    </p:extLst>
+  </p:cSld>
+  <p:clrMapOvr>
+    <a:masterClrMapping/>
+  </p:clrMapOvr>
+</p:notes>
+</file>
+
+<file path=ppt/notesSlides/notesSlide9.xml><?xml version="1.0" encoding="utf-8"?>
+<p:notes xmlns:a="http://schemas.openxmlformats.org/drawingml/2006/main" xmlns:r="http://schemas.openxmlformats.org/officeDocument/2006/relationships" xmlns:p="http://schemas.openxmlformats.org/presentationml/2006/main">
+  <p:cSld>
+    <p:spTree>
+      <p:nvGrpSpPr>
+        <p:cNvPr id="1" name=""/>
+        <p:cNvGrpSpPr/>
+        <p:nvPr/>
+      </p:nvGrpSpPr>
+      <p:grpSpPr>
+        <a:xfrm>
+          <a:off x="0" y="0"/>
+          <a:ext cx="0" cy="0"/>
+          <a:chOff x="0" y="0"/>
+          <a:chExt cx="0" cy="0"/>
+        </a:xfrm>
+      </p:grpSpPr>
+      <p:sp>
+        <p:nvSpPr>
+          <p:cNvPr id="2" name="Slide Image Placeholder 1"/>
+          <p:cNvSpPr>
+            <a:spLocks noGrp="1" noRot="1" noChangeAspect="1"/>
+          </p:cNvSpPr>
+          <p:nvPr>
+            <p:ph type="sldImg"/>
+          </p:nvPr>
+        </p:nvSpPr>
+        <p:spPr/>
+      </p:sp>
+      <p:sp>
+        <p:nvSpPr>
+          <p:cNvPr id="3" name="Notes Placeholder 2"/>
+          <p:cNvSpPr>
+            <a:spLocks noGrp="1"/>
+          </p:cNvSpPr>
+          <p:nvPr>
+            <p:ph type="body" idx="1"/>
+          </p:nvPr>
+        </p:nvSpPr>
+        <p:spPr/>
+        <p:txBody>
+          <a:bodyPr/>
+          <a:lstStyle/>
+          <a:p>
+            <a:endParaRPr lang="en-US" dirty="0"/>
+          </a:p>
+        </p:txBody>
+      </p:sp>
+      <p:sp>
+        <p:nvSpPr>
+          <p:cNvPr id="4" name="Slide Number Placeholder 3"/>
+          <p:cNvSpPr>
+            <a:spLocks noGrp="1"/>
+          </p:cNvSpPr>
+          <p:nvPr>
+            <p:ph type="sldNum" sz="quarter" idx="10"/>
+          </p:nvPr>
+        </p:nvSpPr>
+        <p:spPr/>
+        <p:txBody>
+          <a:bodyPr/>
+          <a:lstStyle/>
+          <a:p>
+            <a:fld id="{5DBD21DD-8E4A-412C-939F-361AD1C20860}" type="slidenum">
+              <a:rPr lang="en-US" smtClean="0"/>
+              <a:t>60</a:t>
+            </a:fld>
+            <a:endParaRPr lang="en-US"/>
+          </a:p>
+        </p:txBody>
+      </p:sp>
+    </p:spTree>
+    <p:extLst>
+      <p:ext uri="{BB962C8B-B14F-4D97-AF65-F5344CB8AC3E}">
+        <p14:creationId xmlns:p14="http://schemas.microsoft.com/office/powerpoint/2010/main" val="3672750161"/>
       </p:ext>
     </p:extLst>
   </p:cSld>
@@ -1731,7 +2042,7 @@
           <a:p>
             <a:fld id="{E946A1EF-D084-4303-9967-3757BA40A8BB}" type="datetimeFigureOut">
               <a:rPr lang="en-US" smtClean="0"/>
-              <a:t>2/2/2024</a:t>
+              <a:t>2/27/2024</a:t>
             </a:fld>
             <a:endParaRPr lang="en-US"/>
           </a:p>
@@ -1901,7 +2212,7 @@
           <a:p>
             <a:fld id="{E946A1EF-D084-4303-9967-3757BA40A8BB}" type="datetimeFigureOut">
               <a:rPr lang="en-US" smtClean="0"/>
-              <a:t>2/2/2024</a:t>
+              <a:t>2/27/2024</a:t>
             </a:fld>
             <a:endParaRPr lang="en-US"/>
           </a:p>
@@ -2081,7 +2392,7 @@
           <a:p>
             <a:fld id="{E946A1EF-D084-4303-9967-3757BA40A8BB}" type="datetimeFigureOut">
               <a:rPr lang="en-US" smtClean="0"/>
-              <a:t>2/2/2024</a:t>
+              <a:t>2/27/2024</a:t>
             </a:fld>
             <a:endParaRPr lang="en-US"/>
           </a:p>
@@ -2251,7 +2562,7 @@
           <a:p>
             <a:fld id="{E946A1EF-D084-4303-9967-3757BA40A8BB}" type="datetimeFigureOut">
               <a:rPr lang="en-US" smtClean="0"/>
-              <a:t>2/2/2024</a:t>
+              <a:t>2/27/2024</a:t>
             </a:fld>
             <a:endParaRPr lang="en-US"/>
           </a:p>
@@ -2497,7 +2808,7 @@
           <a:p>
             <a:fld id="{E946A1EF-D084-4303-9967-3757BA40A8BB}" type="datetimeFigureOut">
               <a:rPr lang="en-US" smtClean="0"/>
-              <a:t>2/2/2024</a:t>
+              <a:t>2/27/2024</a:t>
             </a:fld>
             <a:endParaRPr lang="en-US"/>
           </a:p>
@@ -2729,7 +3040,7 @@
           <a:p>
             <a:fld id="{E946A1EF-D084-4303-9967-3757BA40A8BB}" type="datetimeFigureOut">
               <a:rPr lang="en-US" smtClean="0"/>
-              <a:t>2/2/2024</a:t>
+              <a:t>2/27/2024</a:t>
             </a:fld>
             <a:endParaRPr lang="en-US"/>
           </a:p>
@@ -3096,7 +3407,7 @@
           <a:p>
             <a:fld id="{E946A1EF-D084-4303-9967-3757BA40A8BB}" type="datetimeFigureOut">
               <a:rPr lang="en-US" smtClean="0"/>
-              <a:t>2/2/2024</a:t>
+              <a:t>2/27/2024</a:t>
             </a:fld>
             <a:endParaRPr lang="en-US"/>
           </a:p>
@@ -3214,7 +3525,7 @@
           <a:p>
             <a:fld id="{E946A1EF-D084-4303-9967-3757BA40A8BB}" type="datetimeFigureOut">
               <a:rPr lang="en-US" smtClean="0"/>
-              <a:t>2/2/2024</a:t>
+              <a:t>2/27/2024</a:t>
             </a:fld>
             <a:endParaRPr lang="en-US"/>
           </a:p>
@@ -3309,7 +3620,7 @@
           <a:p>
             <a:fld id="{E946A1EF-D084-4303-9967-3757BA40A8BB}" type="datetimeFigureOut">
               <a:rPr lang="en-US" smtClean="0"/>
-              <a:t>2/2/2024</a:t>
+              <a:t>2/27/2024</a:t>
             </a:fld>
             <a:endParaRPr lang="en-US"/>
           </a:p>
@@ -3586,7 +3897,7 @@
           <a:p>
             <a:fld id="{E946A1EF-D084-4303-9967-3757BA40A8BB}" type="datetimeFigureOut">
               <a:rPr lang="en-US" smtClean="0"/>
-              <a:t>2/2/2024</a:t>
+              <a:t>2/27/2024</a:t>
             </a:fld>
             <a:endParaRPr lang="en-US"/>
           </a:p>
@@ -3839,7 +4150,7 @@
           <a:p>
             <a:fld id="{E946A1EF-D084-4303-9967-3757BA40A8BB}" type="datetimeFigureOut">
               <a:rPr lang="en-US" smtClean="0"/>
-              <a:t>2/2/2024</a:t>
+              <a:t>2/27/2024</a:t>
             </a:fld>
             <a:endParaRPr lang="en-US"/>
           </a:p>
@@ -4052,7 +4363,7 @@
           <a:p>
             <a:fld id="{E946A1EF-D084-4303-9967-3757BA40A8BB}" type="datetimeFigureOut">
               <a:rPr lang="en-US" smtClean="0"/>
-              <a:t>2/2/2024</a:t>
+              <a:t>2/27/2024</a:t>
             </a:fld>
             <a:endParaRPr lang="en-US"/>
           </a:p>
@@ -6338,7 +6649,7 @@
       </p:grpSpPr>
       <p:sp>
         <p:nvSpPr>
-          <p:cNvPr id="4" name="Title 3"/>
+          <p:cNvPr id="2" name="Title 1"/>
           <p:cNvSpPr>
             <a:spLocks noGrp="1"/>
           </p:cNvSpPr>
@@ -6353,7 +6664,7 @@
           <a:p>
             <a:r>
               <a:rPr lang="en-US" dirty="0" smtClean="0"/>
-              <a:t>Option 3: Run38 (NEAMAP Spring/Fall?)</a:t>
+              <a:t>Options for Sensitivity Item 3</a:t>
             </a:r>
             <a:endParaRPr lang="en-US" dirty="0"/>
           </a:p>
@@ -6361,35 +6672,12 @@
       </p:sp>
       <p:sp>
         <p:nvSpPr>
-          <p:cNvPr id="5" name="Text Placeholder 4"/>
+          <p:cNvPr id="3" name="Content Placeholder 2"/>
           <p:cNvSpPr>
             <a:spLocks noGrp="1"/>
           </p:cNvSpPr>
           <p:nvPr>
-            <p:ph type="body" idx="1"/>
-          </p:nvPr>
-        </p:nvSpPr>
-        <p:spPr/>
-        <p:txBody>
-          <a:bodyPr/>
-          <a:lstStyle/>
-          <a:p>
-            <a:r>
-              <a:rPr lang="en-US" dirty="0" smtClean="0"/>
-              <a:t>Run 34 Indices</a:t>
-            </a:r>
-            <a:endParaRPr lang="en-US" dirty="0"/>
-          </a:p>
-        </p:txBody>
-      </p:sp>
-      <p:sp>
-        <p:nvSpPr>
-          <p:cNvPr id="6" name="Content Placeholder 5"/>
-          <p:cNvSpPr>
-            <a:spLocks noGrp="1"/>
-          </p:cNvSpPr>
-          <p:nvPr>
-            <p:ph sz="half" idx="2"/>
+            <p:ph idx="1"/>
           </p:nvPr>
         </p:nvSpPr>
         <p:spPr/>
@@ -6399,521 +6687,108 @@
           </a:bodyPr>
           <a:lstStyle/>
           <a:p>
+            <a:pPr marL="514350" indent="-514350">
+              <a:buFont typeface="+mj-lt"/>
+              <a:buAutoNum type="arabicPeriod"/>
+            </a:pPr>
+            <a:r>
+              <a:rPr lang="en-US" dirty="0" smtClean="0">
+                <a:solidFill>
+                  <a:schemeClr val="bg2"/>
+                </a:solidFill>
+              </a:rPr>
+              <a:t>Compare WHAM SSB estimates to the number/tow time series from the individual surveys</a:t>
+            </a:r>
+          </a:p>
+          <a:p>
+            <a:pPr marL="514350" indent="-514350">
+              <a:buFont typeface="+mj-lt"/>
+              <a:buAutoNum type="arabicPeriod"/>
+            </a:pPr>
+            <a:r>
+              <a:rPr lang="en-US" dirty="0" smtClean="0">
+                <a:solidFill>
+                  <a:schemeClr val="bg1">
+                    <a:lumMod val="95000"/>
+                  </a:schemeClr>
+                </a:solidFill>
+              </a:rPr>
+              <a:t>Compare WHAM run with run with each index individually, rather than the VAST INDEX</a:t>
+            </a:r>
+          </a:p>
+          <a:p>
+            <a:pPr lvl="1"/>
             <a:r>
               <a:rPr lang="en-US" dirty="0" smtClean="0"/>
-              <a:t>North VAST</a:t>
-            </a:r>
-          </a:p>
-          <a:p>
-            <a:pPr lvl="1"/>
+              <a:t>Leave-one-out analysis</a:t>
+            </a:r>
+          </a:p>
+          <a:p>
+            <a:pPr marL="514350" indent="-514350">
+              <a:buFont typeface="+mj-lt"/>
+              <a:buAutoNum type="arabicPeriod"/>
+            </a:pPr>
+            <a:r>
+              <a:rPr lang="en-US" dirty="0" smtClean="0">
+                <a:solidFill>
+                  <a:schemeClr val="bg2"/>
+                </a:solidFill>
+              </a:rPr>
+              <a:t>Compare WHAM run with just NEFSC BTS, NEAMAP, and </a:t>
+            </a:r>
             <a:r>
               <a:rPr lang="en-US" dirty="0" err="1" smtClean="0">
                 <a:solidFill>
-                  <a:schemeClr val="accent5">
-                    <a:lumMod val="75000"/>
-                  </a:schemeClr>
+                  <a:schemeClr val="bg2"/>
                 </a:solidFill>
               </a:rPr>
-              <a:t>Sel</a:t>
-            </a:r>
-            <a:r>
-              <a:rPr lang="en-US" dirty="0">
-                <a:solidFill>
-                  <a:schemeClr val="accent5">
-                    <a:lumMod val="75000"/>
-                  </a:schemeClr>
-                </a:solidFill>
-              </a:rPr>
-              <a:t> </a:t>
-            </a:r>
-            <a:r>
-              <a:rPr lang="en-US" dirty="0" smtClean="0">
-                <a:solidFill>
-                  <a:schemeClr val="accent5">
-                    <a:lumMod val="75000"/>
-                  </a:schemeClr>
-                </a:solidFill>
-              </a:rPr>
-              <a:t>RE: 2dar1</a:t>
-            </a:r>
-          </a:p>
-          <a:p>
-            <a:pPr lvl="1"/>
-            <a:r>
-              <a:rPr lang="en-US" dirty="0" smtClean="0">
-                <a:solidFill>
-                  <a:schemeClr val="accent4">
-                    <a:lumMod val="75000"/>
-                  </a:schemeClr>
-                </a:solidFill>
-              </a:rPr>
-              <a:t>Age comp: </a:t>
-            </a:r>
-            <a:r>
-              <a:rPr lang="en-US" dirty="0" err="1" smtClean="0">
-                <a:solidFill>
-                  <a:schemeClr val="accent4">
-                    <a:lumMod val="75000"/>
-                  </a:schemeClr>
-                </a:solidFill>
-              </a:rPr>
-              <a:t>dir-mult</a:t>
+              <a:t>RecCPA</a:t>
             </a:r>
             <a:endParaRPr lang="en-US" dirty="0" smtClean="0">
               <a:solidFill>
-                <a:schemeClr val="accent4">
-                  <a:lumMod val="75000"/>
-                </a:schemeClr>
+                <a:schemeClr val="bg2"/>
               </a:solidFill>
             </a:endParaRPr>
           </a:p>
           <a:p>
-            <a:r>
-              <a:rPr lang="en-US" dirty="0" smtClean="0"/>
-              <a:t>South VAST</a:t>
-            </a:r>
-          </a:p>
-          <a:p>
-            <a:pPr lvl="1"/>
-            <a:r>
-              <a:rPr lang="en-US" dirty="0" err="1" smtClean="0">
-                <a:solidFill>
-                  <a:schemeClr val="accent5">
-                    <a:lumMod val="75000"/>
-                  </a:schemeClr>
+            <a:pPr marL="514350" indent="-514350">
+              <a:buFont typeface="+mj-lt"/>
+              <a:buAutoNum type="arabicPeriod"/>
+            </a:pPr>
+            <a:r>
+              <a:rPr lang="en-US" dirty="0" smtClean="0">
+                <a:solidFill>
+                  <a:schemeClr val="bg2"/>
                 </a:solidFill>
               </a:rPr>
-              <a:t>Sel</a:t>
-            </a:r>
+              <a:t>Examine current VAST model to see if weighting for each survey could be extracted</a:t>
+            </a:r>
+          </a:p>
+          <a:p>
+            <a:pPr marL="514350" indent="-514350">
+              <a:buFont typeface="+mj-lt"/>
+              <a:buAutoNum type="arabicPeriod"/>
+            </a:pPr>
             <a:r>
               <a:rPr lang="en-US" dirty="0" smtClean="0">
                 <a:solidFill>
-                  <a:schemeClr val="accent5">
-                    <a:lumMod val="75000"/>
-                  </a:schemeClr>
+                  <a:schemeClr val="bg2"/>
                 </a:solidFill>
               </a:rPr>
-              <a:t> RE: none</a:t>
-            </a:r>
-          </a:p>
-          <a:p>
-            <a:pPr lvl="1"/>
-            <a:r>
-              <a:rPr lang="en-US" dirty="0" smtClean="0">
-                <a:solidFill>
-                  <a:schemeClr val="accent4">
-                    <a:lumMod val="75000"/>
-                  </a:schemeClr>
-                </a:solidFill>
-              </a:rPr>
-              <a:t>Age comp: logistic-normal-ar1-miss0</a:t>
-            </a:r>
-          </a:p>
-        </p:txBody>
-      </p:sp>
-      <p:sp>
-        <p:nvSpPr>
-          <p:cNvPr id="7" name="Text Placeholder 6"/>
-          <p:cNvSpPr>
-            <a:spLocks noGrp="1"/>
-          </p:cNvSpPr>
-          <p:nvPr>
-            <p:ph type="body" sz="quarter" idx="3"/>
-          </p:nvPr>
-        </p:nvSpPr>
-        <p:spPr/>
-        <p:txBody>
-          <a:bodyPr/>
-          <a:lstStyle/>
-          <a:p>
-            <a:r>
-              <a:rPr lang="en-US" dirty="0" smtClean="0"/>
-              <a:t>Run 38 Indices</a:t>
-            </a:r>
-            <a:endParaRPr lang="en-US" dirty="0"/>
-          </a:p>
-        </p:txBody>
-      </p:sp>
-      <p:sp>
-        <p:nvSpPr>
-          <p:cNvPr id="8" name="Content Placeholder 7"/>
-          <p:cNvSpPr>
-            <a:spLocks noGrp="1"/>
-          </p:cNvSpPr>
-          <p:nvPr>
-            <p:ph sz="quarter" idx="4"/>
-          </p:nvPr>
-        </p:nvSpPr>
-        <p:spPr>
-          <a:xfrm>
-            <a:off x="6172200" y="2505075"/>
-            <a:ext cx="2728866" cy="3684588"/>
-          </a:xfrm>
-        </p:spPr>
-        <p:txBody>
-          <a:bodyPr>
-            <a:normAutofit/>
-          </a:bodyPr>
-          <a:lstStyle/>
-          <a:p>
-            <a:r>
-              <a:rPr lang="en-US" dirty="0" smtClean="0"/>
-              <a:t>North</a:t>
-            </a:r>
-          </a:p>
-          <a:p>
-            <a:pPr lvl="1"/>
-            <a:r>
-              <a:rPr lang="en-US" dirty="0" smtClean="0"/>
-              <a:t>Spring Albatross</a:t>
-            </a:r>
-          </a:p>
-          <a:p>
-            <a:pPr lvl="1"/>
-            <a:r>
-              <a:rPr lang="en-US" dirty="0" smtClean="0"/>
-              <a:t>NEAMAP</a:t>
-            </a:r>
-          </a:p>
-          <a:p>
-            <a:pPr lvl="1"/>
-            <a:r>
-              <a:rPr lang="en-US" dirty="0" smtClean="0"/>
-              <a:t>Bigelow</a:t>
-            </a:r>
-          </a:p>
-          <a:p>
-            <a:r>
-              <a:rPr lang="en-US" dirty="0" err="1" smtClean="0">
-                <a:solidFill>
-                  <a:schemeClr val="accent5">
-                    <a:lumMod val="75000"/>
-                  </a:schemeClr>
-                </a:solidFill>
-              </a:rPr>
-              <a:t>Sel</a:t>
-            </a:r>
-            <a:r>
-              <a:rPr lang="en-US" dirty="0" smtClean="0">
-                <a:solidFill>
-                  <a:schemeClr val="accent5">
-                    <a:lumMod val="75000"/>
-                  </a:schemeClr>
-                </a:solidFill>
-              </a:rPr>
-              <a:t> RE: </a:t>
-            </a:r>
-            <a:r>
-              <a:rPr lang="en-US" dirty="0" smtClean="0">
-                <a:solidFill>
-                  <a:schemeClr val="accent5">
-                    <a:lumMod val="75000"/>
-                  </a:schemeClr>
-                </a:solidFill>
-              </a:rPr>
-              <a:t>none</a:t>
-            </a:r>
-          </a:p>
-          <a:p>
-            <a:r>
-              <a:rPr lang="en-US" dirty="0" smtClean="0">
-                <a:solidFill>
-                  <a:schemeClr val="accent4">
-                    <a:lumMod val="75000"/>
-                  </a:schemeClr>
-                </a:solidFill>
-              </a:rPr>
-              <a:t>Age </a:t>
-            </a:r>
-            <a:r>
-              <a:rPr lang="en-US" dirty="0" smtClean="0">
-                <a:solidFill>
-                  <a:schemeClr val="accent4">
-                    <a:lumMod val="75000"/>
-                  </a:schemeClr>
-                </a:solidFill>
-              </a:rPr>
-              <a:t>comp: </a:t>
-            </a:r>
-            <a:r>
-              <a:rPr lang="en-US" dirty="0" err="1" smtClean="0">
-                <a:solidFill>
-                  <a:schemeClr val="accent4">
-                    <a:lumMod val="75000"/>
-                  </a:schemeClr>
-                </a:solidFill>
-              </a:rPr>
-              <a:t>dir-mult</a:t>
-            </a:r>
-            <a:endParaRPr lang="en-US" dirty="0" smtClean="0">
+              <a:t>Re run VAST with just NEFSC BTS/ NEAMAP</a:t>
+            </a:r>
+            <a:endParaRPr lang="en-US" dirty="0">
               <a:solidFill>
-                <a:schemeClr val="accent4">
-                  <a:lumMod val="75000"/>
-                </a:schemeClr>
+                <a:schemeClr val="bg2"/>
               </a:solidFill>
             </a:endParaRPr>
-          </a:p>
-        </p:txBody>
-      </p:sp>
-      <p:sp>
-        <p:nvSpPr>
-          <p:cNvPr id="10" name="Content Placeholder 7"/>
-          <p:cNvSpPr txBox="1">
-            <a:spLocks/>
-          </p:cNvSpPr>
-          <p:nvPr/>
-        </p:nvSpPr>
-        <p:spPr>
-          <a:xfrm>
-            <a:off x="9075691" y="2391863"/>
-            <a:ext cx="2728866" cy="4200527"/>
-          </a:xfrm>
-          <a:prstGeom prst="rect">
-            <a:avLst/>
-          </a:prstGeom>
-        </p:spPr>
-        <p:txBody>
-          <a:bodyPr vert="horz" lIns="91440" tIns="45720" rIns="91440" bIns="45720" rtlCol="0">
-            <a:normAutofit/>
-          </a:bodyPr>
-          <a:lstStyle>
-            <a:lvl1pPr marL="228600" indent="-228600" algn="l" defTabSz="914400" rtl="0" eaLnBrk="1" latinLnBrk="0" hangingPunct="1">
-              <a:lnSpc>
-                <a:spcPct val="90000"/>
-              </a:lnSpc>
-              <a:spcBef>
-                <a:spcPts val="1000"/>
-              </a:spcBef>
-              <a:buFont typeface="Arial" panose="020B0604020202020204" pitchFamily="34" charset="0"/>
-              <a:buChar char="•"/>
-              <a:defRPr sz="2800" kern="1200">
-                <a:solidFill>
-                  <a:schemeClr val="tx1"/>
-                </a:solidFill>
-                <a:latin typeface="+mn-lt"/>
-                <a:ea typeface="+mn-ea"/>
-                <a:cs typeface="+mn-cs"/>
-              </a:defRPr>
-            </a:lvl1pPr>
-            <a:lvl2pPr marL="685800" indent="-228600" algn="l" defTabSz="914400" rtl="0" eaLnBrk="1" latinLnBrk="0" hangingPunct="1">
-              <a:lnSpc>
-                <a:spcPct val="90000"/>
-              </a:lnSpc>
-              <a:spcBef>
-                <a:spcPts val="500"/>
-              </a:spcBef>
-              <a:buFont typeface="Arial" panose="020B0604020202020204" pitchFamily="34" charset="0"/>
-              <a:buChar char="•"/>
-              <a:defRPr sz="2400" kern="1200">
-                <a:solidFill>
-                  <a:schemeClr val="tx1"/>
-                </a:solidFill>
-                <a:latin typeface="+mn-lt"/>
-                <a:ea typeface="+mn-ea"/>
-                <a:cs typeface="+mn-cs"/>
-              </a:defRPr>
-            </a:lvl2pPr>
-            <a:lvl3pPr marL="1143000" indent="-228600" algn="l" defTabSz="914400" rtl="0" eaLnBrk="1" latinLnBrk="0" hangingPunct="1">
-              <a:lnSpc>
-                <a:spcPct val="90000"/>
-              </a:lnSpc>
-              <a:spcBef>
-                <a:spcPts val="500"/>
-              </a:spcBef>
-              <a:buFont typeface="Arial" panose="020B0604020202020204" pitchFamily="34" charset="0"/>
-              <a:buChar char="•"/>
-              <a:defRPr sz="2000" kern="1200">
-                <a:solidFill>
-                  <a:schemeClr val="tx1"/>
-                </a:solidFill>
-                <a:latin typeface="+mn-lt"/>
-                <a:ea typeface="+mn-ea"/>
-                <a:cs typeface="+mn-cs"/>
-              </a:defRPr>
-            </a:lvl3pPr>
-            <a:lvl4pPr marL="1600200" indent="-228600" algn="l" defTabSz="914400" rtl="0" eaLnBrk="1" latinLnBrk="0" hangingPunct="1">
-              <a:lnSpc>
-                <a:spcPct val="90000"/>
-              </a:lnSpc>
-              <a:spcBef>
-                <a:spcPts val="500"/>
-              </a:spcBef>
-              <a:buFont typeface="Arial" panose="020B0604020202020204" pitchFamily="34" charset="0"/>
-              <a:buChar char="•"/>
-              <a:defRPr sz="1800" kern="1200">
-                <a:solidFill>
-                  <a:schemeClr val="tx1"/>
-                </a:solidFill>
-                <a:latin typeface="+mn-lt"/>
-                <a:ea typeface="+mn-ea"/>
-                <a:cs typeface="+mn-cs"/>
-              </a:defRPr>
-            </a:lvl4pPr>
-            <a:lvl5pPr marL="2057400" indent="-228600" algn="l" defTabSz="914400" rtl="0" eaLnBrk="1" latinLnBrk="0" hangingPunct="1">
-              <a:lnSpc>
-                <a:spcPct val="90000"/>
-              </a:lnSpc>
-              <a:spcBef>
-                <a:spcPts val="500"/>
-              </a:spcBef>
-              <a:buFont typeface="Arial" panose="020B0604020202020204" pitchFamily="34" charset="0"/>
-              <a:buChar char="•"/>
-              <a:defRPr sz="1800" kern="1200">
-                <a:solidFill>
-                  <a:schemeClr val="tx1"/>
-                </a:solidFill>
-                <a:latin typeface="+mn-lt"/>
-                <a:ea typeface="+mn-ea"/>
-                <a:cs typeface="+mn-cs"/>
-              </a:defRPr>
-            </a:lvl5pPr>
-            <a:lvl6pPr marL="2514600" indent="-228600" algn="l" defTabSz="914400" rtl="0" eaLnBrk="1" latinLnBrk="0" hangingPunct="1">
-              <a:lnSpc>
-                <a:spcPct val="90000"/>
-              </a:lnSpc>
-              <a:spcBef>
-                <a:spcPts val="500"/>
-              </a:spcBef>
-              <a:buFont typeface="Arial" panose="020B0604020202020204" pitchFamily="34" charset="0"/>
-              <a:buChar char="•"/>
-              <a:defRPr sz="1800" kern="1200">
-                <a:solidFill>
-                  <a:schemeClr val="tx1"/>
-                </a:solidFill>
-                <a:latin typeface="+mn-lt"/>
-                <a:ea typeface="+mn-ea"/>
-                <a:cs typeface="+mn-cs"/>
-              </a:defRPr>
-            </a:lvl6pPr>
-            <a:lvl7pPr marL="2971800" indent="-228600" algn="l" defTabSz="914400" rtl="0" eaLnBrk="1" latinLnBrk="0" hangingPunct="1">
-              <a:lnSpc>
-                <a:spcPct val="90000"/>
-              </a:lnSpc>
-              <a:spcBef>
-                <a:spcPts val="500"/>
-              </a:spcBef>
-              <a:buFont typeface="Arial" panose="020B0604020202020204" pitchFamily="34" charset="0"/>
-              <a:buChar char="•"/>
-              <a:defRPr sz="1800" kern="1200">
-                <a:solidFill>
-                  <a:schemeClr val="tx1"/>
-                </a:solidFill>
-                <a:latin typeface="+mn-lt"/>
-                <a:ea typeface="+mn-ea"/>
-                <a:cs typeface="+mn-cs"/>
-              </a:defRPr>
-            </a:lvl7pPr>
-            <a:lvl8pPr marL="3429000" indent="-228600" algn="l" defTabSz="914400" rtl="0" eaLnBrk="1" latinLnBrk="0" hangingPunct="1">
-              <a:lnSpc>
-                <a:spcPct val="90000"/>
-              </a:lnSpc>
-              <a:spcBef>
-                <a:spcPts val="500"/>
-              </a:spcBef>
-              <a:buFont typeface="Arial" panose="020B0604020202020204" pitchFamily="34" charset="0"/>
-              <a:buChar char="•"/>
-              <a:defRPr sz="1800" kern="1200">
-                <a:solidFill>
-                  <a:schemeClr val="tx1"/>
-                </a:solidFill>
-                <a:latin typeface="+mn-lt"/>
-                <a:ea typeface="+mn-ea"/>
-                <a:cs typeface="+mn-cs"/>
-              </a:defRPr>
-            </a:lvl8pPr>
-            <a:lvl9pPr marL="3886200" indent="-228600" algn="l" defTabSz="914400" rtl="0" eaLnBrk="1" latinLnBrk="0" hangingPunct="1">
-              <a:lnSpc>
-                <a:spcPct val="90000"/>
-              </a:lnSpc>
-              <a:spcBef>
-                <a:spcPts val="500"/>
-              </a:spcBef>
-              <a:buFont typeface="Arial" panose="020B0604020202020204" pitchFamily="34" charset="0"/>
-              <a:buChar char="•"/>
-              <a:defRPr sz="1800" kern="1200">
-                <a:solidFill>
-                  <a:schemeClr val="tx1"/>
-                </a:solidFill>
-                <a:latin typeface="+mn-lt"/>
-                <a:ea typeface="+mn-ea"/>
-                <a:cs typeface="+mn-cs"/>
-              </a:defRPr>
-            </a:lvl9pPr>
-          </a:lstStyle>
-          <a:p>
-            <a:r>
-              <a:rPr lang="en-US" dirty="0" smtClean="0"/>
-              <a:t>South</a:t>
-            </a:r>
-          </a:p>
-          <a:p>
-            <a:pPr lvl="1"/>
-            <a:r>
-              <a:rPr lang="en-US" dirty="0" smtClean="0"/>
-              <a:t>Spring Albatross</a:t>
-            </a:r>
-          </a:p>
-          <a:p>
-            <a:pPr lvl="1"/>
-            <a:r>
-              <a:rPr lang="en-US" dirty="0" smtClean="0"/>
-              <a:t>NEAMAP</a:t>
-            </a:r>
-          </a:p>
-          <a:p>
-            <a:pPr lvl="1"/>
-            <a:r>
-              <a:rPr lang="en-US" dirty="0" smtClean="0"/>
-              <a:t>Winter BT</a:t>
-            </a:r>
-          </a:p>
-          <a:p>
-            <a:pPr lvl="1"/>
-            <a:r>
-              <a:rPr lang="en-US" dirty="0" smtClean="0"/>
-              <a:t>Bigelow</a:t>
-            </a:r>
-          </a:p>
-          <a:p>
-            <a:r>
-              <a:rPr lang="en-US" dirty="0" err="1" smtClean="0">
-                <a:solidFill>
-                  <a:schemeClr val="accent5">
-                    <a:lumMod val="75000"/>
-                  </a:schemeClr>
-                </a:solidFill>
-              </a:rPr>
-              <a:t>Sel</a:t>
-            </a:r>
-            <a:r>
-              <a:rPr lang="en-US" dirty="0" smtClean="0">
-                <a:solidFill>
-                  <a:schemeClr val="accent5">
-                    <a:lumMod val="75000"/>
-                  </a:schemeClr>
-                </a:solidFill>
-              </a:rPr>
-              <a:t> RE: none</a:t>
-            </a:r>
-          </a:p>
-          <a:p>
-            <a:r>
-              <a:rPr lang="en-US" dirty="0" smtClean="0">
-                <a:solidFill>
-                  <a:schemeClr val="accent4">
-                    <a:lumMod val="75000"/>
-                  </a:schemeClr>
-                </a:solidFill>
-              </a:rPr>
-              <a:t>Age comp: logistic-normal-ar1-miss0</a:t>
-            </a:r>
           </a:p>
         </p:txBody>
       </p:sp>
     </p:spTree>
     <p:extLst>
       <p:ext uri="{BB962C8B-B14F-4D97-AF65-F5344CB8AC3E}">
-        <p14:creationId xmlns:p14="http://schemas.microsoft.com/office/powerpoint/2010/main" val="1679956051"/>
+        <p14:creationId xmlns:p14="http://schemas.microsoft.com/office/powerpoint/2010/main" val="2182645084"/>
       </p:ext>
     </p:extLst>
   </p:cSld>
@@ -6947,600 +6822,624 @@
           <a:chExt cx="0" cy="0"/>
         </a:xfrm>
       </p:grpSpPr>
-      <p:sp>
-        <p:nvSpPr>
-          <p:cNvPr id="4" name="Title 3"/>
-          <p:cNvSpPr>
-            <a:spLocks noGrp="1"/>
-          </p:cNvSpPr>
-          <p:nvPr>
-            <p:ph type="title"/>
-          </p:nvPr>
-        </p:nvSpPr>
-        <p:spPr/>
-        <p:txBody>
-          <a:bodyPr/>
-          <a:lstStyle/>
-          <a:p>
-            <a:r>
-              <a:rPr lang="en-US" dirty="0" smtClean="0"/>
-              <a:t>Option 3: Run38 (NEAMAP Spring/Fall?)</a:t>
-            </a:r>
-            <a:endParaRPr lang="en-US" dirty="0"/>
-          </a:p>
-        </p:txBody>
-      </p:sp>
-      <p:sp>
-        <p:nvSpPr>
-          <p:cNvPr id="5" name="Text Placeholder 4"/>
-          <p:cNvSpPr>
-            <a:spLocks noGrp="1"/>
-          </p:cNvSpPr>
-          <p:nvPr>
-            <p:ph type="body" idx="1"/>
-          </p:nvPr>
-        </p:nvSpPr>
-        <p:spPr/>
-        <p:txBody>
-          <a:bodyPr/>
-          <a:lstStyle/>
-          <a:p>
-            <a:r>
-              <a:rPr lang="en-US" dirty="0" smtClean="0"/>
-              <a:t>Run 34 Indices</a:t>
-            </a:r>
-            <a:endParaRPr lang="en-US" dirty="0"/>
-          </a:p>
-        </p:txBody>
-      </p:sp>
-      <p:sp>
-        <p:nvSpPr>
-          <p:cNvPr id="6" name="Content Placeholder 5"/>
-          <p:cNvSpPr>
-            <a:spLocks noGrp="1"/>
-          </p:cNvSpPr>
-          <p:nvPr>
-            <p:ph sz="half" idx="2"/>
-          </p:nvPr>
-        </p:nvSpPr>
-        <p:spPr/>
-        <p:txBody>
-          <a:bodyPr>
-            <a:normAutofit/>
-          </a:bodyPr>
-          <a:lstStyle/>
-          <a:p>
-            <a:r>
-              <a:rPr lang="en-US" dirty="0" smtClean="0"/>
-              <a:t>North VAST</a:t>
-            </a:r>
-          </a:p>
-          <a:p>
-            <a:pPr lvl="1"/>
-            <a:r>
-              <a:rPr lang="en-US" dirty="0" err="1" smtClean="0">
-                <a:solidFill>
-                  <a:schemeClr val="accent5">
-                    <a:lumMod val="75000"/>
-                  </a:schemeClr>
-                </a:solidFill>
-              </a:rPr>
-              <a:t>Sel</a:t>
-            </a:r>
-            <a:r>
-              <a:rPr lang="en-US" dirty="0">
-                <a:solidFill>
-                  <a:schemeClr val="accent5">
-                    <a:lumMod val="75000"/>
-                  </a:schemeClr>
-                </a:solidFill>
-              </a:rPr>
-              <a:t> </a:t>
-            </a:r>
-            <a:r>
-              <a:rPr lang="en-US" dirty="0" smtClean="0">
-                <a:solidFill>
-                  <a:schemeClr val="accent5">
-                    <a:lumMod val="75000"/>
-                  </a:schemeClr>
-                </a:solidFill>
-              </a:rPr>
-              <a:t>RE: 2dar1</a:t>
-            </a:r>
-          </a:p>
-          <a:p>
-            <a:pPr lvl="1"/>
-            <a:r>
-              <a:rPr lang="en-US" dirty="0" smtClean="0">
-                <a:solidFill>
-                  <a:schemeClr val="accent4">
-                    <a:lumMod val="75000"/>
-                  </a:schemeClr>
-                </a:solidFill>
-              </a:rPr>
-              <a:t>Age comp: </a:t>
-            </a:r>
-            <a:r>
-              <a:rPr lang="en-US" dirty="0" err="1" smtClean="0">
-                <a:solidFill>
-                  <a:schemeClr val="accent4">
-                    <a:lumMod val="75000"/>
-                  </a:schemeClr>
-                </a:solidFill>
-              </a:rPr>
-              <a:t>dir-mult</a:t>
-            </a:r>
-            <a:endParaRPr lang="en-US" dirty="0" smtClean="0">
-              <a:solidFill>
-                <a:schemeClr val="accent4">
-                  <a:lumMod val="75000"/>
-                </a:schemeClr>
-              </a:solidFill>
-            </a:endParaRPr>
-          </a:p>
-          <a:p>
-            <a:r>
-              <a:rPr lang="en-US" dirty="0" smtClean="0"/>
-              <a:t>South VAST</a:t>
-            </a:r>
-          </a:p>
-          <a:p>
-            <a:pPr lvl="1"/>
-            <a:r>
-              <a:rPr lang="en-US" dirty="0" err="1" smtClean="0">
-                <a:solidFill>
-                  <a:schemeClr val="accent5">
-                    <a:lumMod val="75000"/>
-                  </a:schemeClr>
-                </a:solidFill>
-              </a:rPr>
-              <a:t>Sel</a:t>
-            </a:r>
-            <a:r>
-              <a:rPr lang="en-US" dirty="0" smtClean="0">
-                <a:solidFill>
-                  <a:schemeClr val="accent5">
-                    <a:lumMod val="75000"/>
-                  </a:schemeClr>
-                </a:solidFill>
-              </a:rPr>
-              <a:t> RE: none</a:t>
-            </a:r>
-          </a:p>
-          <a:p>
-            <a:pPr lvl="1"/>
-            <a:r>
-              <a:rPr lang="en-US" dirty="0" smtClean="0">
-                <a:solidFill>
-                  <a:schemeClr val="accent4">
-                    <a:lumMod val="75000"/>
-                  </a:schemeClr>
-                </a:solidFill>
-              </a:rPr>
-              <a:t>Age comp: logistic-normal-ar1-miss0</a:t>
-            </a:r>
-          </a:p>
-        </p:txBody>
-      </p:sp>
-      <p:sp>
-        <p:nvSpPr>
-          <p:cNvPr id="7" name="Text Placeholder 6"/>
-          <p:cNvSpPr>
-            <a:spLocks noGrp="1"/>
-          </p:cNvSpPr>
-          <p:nvPr>
-            <p:ph type="body" sz="quarter" idx="3"/>
-          </p:nvPr>
-        </p:nvSpPr>
-        <p:spPr/>
-        <p:txBody>
-          <a:bodyPr/>
-          <a:lstStyle/>
-          <a:p>
-            <a:r>
-              <a:rPr lang="en-US" dirty="0" smtClean="0"/>
-              <a:t>Run 38 Indices</a:t>
-            </a:r>
-            <a:endParaRPr lang="en-US" dirty="0"/>
-          </a:p>
-        </p:txBody>
-      </p:sp>
-      <p:sp>
-        <p:nvSpPr>
-          <p:cNvPr id="8" name="Content Placeholder 7"/>
-          <p:cNvSpPr>
-            <a:spLocks noGrp="1"/>
-          </p:cNvSpPr>
-          <p:nvPr>
-            <p:ph sz="quarter" idx="4"/>
-          </p:nvPr>
-        </p:nvSpPr>
+      <p:pic>
+        <p:nvPicPr>
+          <p:cNvPr id="2050" name="Picture 2" descr="https://lh7-us.googleusercontent.com/Wo4tCFtz5PtSKFuh6-bjIvOrpq4nB9J9qQbU0xALfce6J336WtfZbWrzoekfTkAJyo9wgwj_zucjDePIkE3338jRN3waya05I-clCFXMS8DsFZRXoa2dn9s2G3BzwmAxjMjtu39GLtrF1iRso5GGp6gtRw=s2048"/>
+          <p:cNvPicPr>
+            <a:picLocks noChangeAspect="1" noChangeArrowheads="1"/>
+          </p:cNvPicPr>
+          <p:nvPr/>
+        </p:nvPicPr>
+        <p:blipFill>
+          <a:blip r:embed="rId2" cstate="print">
+            <a:extLst>
+              <a:ext uri="{28A0092B-C50C-407E-A947-70E740481C1C}">
+                <a14:useLocalDpi xmlns:a14="http://schemas.microsoft.com/office/drawing/2010/main" val="0"/>
+              </a:ext>
+            </a:extLst>
+          </a:blip>
+          <a:srcRect/>
+          <a:stretch>
+            <a:fillRect/>
+          </a:stretch>
+        </p:blipFill>
+        <p:spPr bwMode="auto">
+          <a:xfrm>
+            <a:off x="5201921" y="0"/>
+            <a:ext cx="6857999" cy="6858000"/>
+          </a:xfrm>
+          <a:prstGeom prst="rect">
+            <a:avLst/>
+          </a:prstGeom>
+          <a:noFill/>
+          <a:extLst>
+            <a:ext uri="{909E8E84-426E-40DD-AFC4-6F175D3DCCD1}">
+              <a14:hiddenFill xmlns:a14="http://schemas.microsoft.com/office/drawing/2010/main">
+                <a:solidFill>
+                  <a:srgbClr val="FFFFFF"/>
+                </a:solidFill>
+              </a14:hiddenFill>
+            </a:ext>
+          </a:extLst>
+        </p:spPr>
+      </p:pic>
+      <p:pic>
+        <p:nvPicPr>
+          <p:cNvPr id="2051" name="Picture 3" descr="https://lh7-us.googleusercontent.com/BC1MoERWdtBFHDdUNVupGj94ZNNo9p8EG15oBM9DQfDAqGJcs1Mv42cLi_tEUm6UbIWQtYrs-LSp1PuWq42e1Q_5nGIN3rOjqOlFF_Oge_vj3ARMSOrgEDoeud5mi0-_TVk0FOWUmvssEbneeNm9LyAjCA=s2048"/>
+          <p:cNvPicPr>
+            <a:picLocks noChangeAspect="1" noChangeArrowheads="1"/>
+          </p:cNvPicPr>
+          <p:nvPr/>
+        </p:nvPicPr>
+        <p:blipFill>
+          <a:blip r:embed="rId3" cstate="print">
+            <a:extLst>
+              <a:ext uri="{28A0092B-C50C-407E-A947-70E740481C1C}">
+                <a14:useLocalDpi xmlns:a14="http://schemas.microsoft.com/office/drawing/2010/main" val="0"/>
+              </a:ext>
+            </a:extLst>
+          </a:blip>
+          <a:srcRect/>
+          <a:stretch>
+            <a:fillRect/>
+          </a:stretch>
+        </p:blipFill>
+        <p:spPr bwMode="auto">
+          <a:xfrm>
+            <a:off x="431801" y="111760"/>
+            <a:ext cx="4216399" cy="6746240"/>
+          </a:xfrm>
+          <a:prstGeom prst="rect">
+            <a:avLst/>
+          </a:prstGeom>
+          <a:noFill/>
+          <a:extLst>
+            <a:ext uri="{909E8E84-426E-40DD-AFC4-6F175D3DCCD1}">
+              <a14:hiddenFill xmlns:a14="http://schemas.microsoft.com/office/drawing/2010/main">
+                <a:solidFill>
+                  <a:srgbClr val="FFFFFF"/>
+                </a:solidFill>
+              </a14:hiddenFill>
+            </a:ext>
+          </a:extLst>
+        </p:spPr>
+      </p:pic>
+    </p:spTree>
+    <p:extLst>
+      <p:ext uri="{BB962C8B-B14F-4D97-AF65-F5344CB8AC3E}">
+        <p14:creationId xmlns:p14="http://schemas.microsoft.com/office/powerpoint/2010/main" val="465303580"/>
+      </p:ext>
+    </p:extLst>
+  </p:cSld>
+  <p:clrMapOvr>
+    <a:masterClrMapping/>
+  </p:clrMapOvr>
+</p:sld>
+</file>
+
+<file path=ppt/slides/slide32.xml><?xml version="1.0" encoding="utf-8"?>
+<p:sld xmlns:a="http://schemas.openxmlformats.org/drawingml/2006/main" xmlns:r="http://schemas.openxmlformats.org/officeDocument/2006/relationships" xmlns:p="http://schemas.openxmlformats.org/presentationml/2006/main">
+  <p:cSld>
+    <p:spTree>
+      <p:nvGrpSpPr>
+        <p:cNvPr id="1" name=""/>
+        <p:cNvGrpSpPr/>
+        <p:nvPr/>
+      </p:nvGrpSpPr>
+      <p:grpSpPr>
+        <a:xfrm>
+          <a:off x="0" y="0"/>
+          <a:ext cx="0" cy="0"/>
+          <a:chOff x="0" y="0"/>
+          <a:chExt cx="0" cy="0"/>
+        </a:xfrm>
+      </p:grpSpPr>
+      <p:pic>
+        <p:nvPicPr>
+          <p:cNvPr id="2" name="Picture 1"/>
+          <p:cNvPicPr>
+            <a:picLocks noChangeAspect="1"/>
+          </p:cNvPicPr>
+          <p:nvPr/>
+        </p:nvPicPr>
+        <p:blipFill>
+          <a:blip r:embed="rId2" cstate="print">
+            <a:extLst>
+              <a:ext uri="{28A0092B-C50C-407E-A947-70E740481C1C}">
+                <a14:useLocalDpi xmlns:a14="http://schemas.microsoft.com/office/drawing/2010/main" val="0"/>
+              </a:ext>
+            </a:extLst>
+          </a:blip>
+          <a:stretch>
+            <a:fillRect/>
+          </a:stretch>
+        </p:blipFill>
         <p:spPr>
           <a:xfrm>
-            <a:off x="6172200" y="2505075"/>
-            <a:ext cx="2728866" cy="3684588"/>
-          </a:xfrm>
-        </p:spPr>
-        <p:txBody>
-          <a:bodyPr>
-            <a:normAutofit/>
-          </a:bodyPr>
-          <a:lstStyle/>
-          <a:p>
-            <a:r>
-              <a:rPr lang="en-US" dirty="0" smtClean="0"/>
-              <a:t>North</a:t>
-            </a:r>
-          </a:p>
-          <a:p>
-            <a:pPr lvl="1"/>
-            <a:r>
-              <a:rPr lang="en-US" dirty="0" smtClean="0"/>
-              <a:t>Spring Albatross</a:t>
-            </a:r>
-          </a:p>
-          <a:p>
-            <a:pPr lvl="1"/>
-            <a:r>
-              <a:rPr lang="en-US" dirty="0" smtClean="0"/>
-              <a:t>NEAMAP</a:t>
-            </a:r>
-          </a:p>
-          <a:p>
-            <a:pPr lvl="1"/>
-            <a:r>
-              <a:rPr lang="en-US" dirty="0" smtClean="0"/>
-              <a:t>Bigelow</a:t>
-            </a:r>
-          </a:p>
-          <a:p>
-            <a:r>
-              <a:rPr lang="en-US" dirty="0" err="1" smtClean="0">
-                <a:solidFill>
-                  <a:schemeClr val="accent5">
-                    <a:lumMod val="75000"/>
-                  </a:schemeClr>
-                </a:solidFill>
-              </a:rPr>
-              <a:t>Sel</a:t>
-            </a:r>
-            <a:r>
-              <a:rPr lang="en-US" dirty="0" smtClean="0">
-                <a:solidFill>
-                  <a:schemeClr val="accent5">
-                    <a:lumMod val="75000"/>
-                  </a:schemeClr>
-                </a:solidFill>
-              </a:rPr>
-              <a:t> RE: none </a:t>
-            </a:r>
-            <a:r>
-              <a:rPr lang="en-US" dirty="0" smtClean="0">
-                <a:solidFill>
-                  <a:schemeClr val="accent4">
-                    <a:lumMod val="75000"/>
-                  </a:schemeClr>
-                </a:solidFill>
-              </a:rPr>
-              <a:t>Age comp: </a:t>
-            </a:r>
-            <a:r>
-              <a:rPr lang="en-US" dirty="0" err="1" smtClean="0">
-                <a:solidFill>
-                  <a:schemeClr val="accent4">
-                    <a:lumMod val="75000"/>
-                  </a:schemeClr>
-                </a:solidFill>
-              </a:rPr>
-              <a:t>dir-mult</a:t>
-            </a:r>
-            <a:endParaRPr lang="en-US" dirty="0" smtClean="0">
-              <a:solidFill>
-                <a:schemeClr val="accent4">
-                  <a:lumMod val="75000"/>
-                </a:schemeClr>
-              </a:solidFill>
-            </a:endParaRPr>
-          </a:p>
-        </p:txBody>
-      </p:sp>
-      <p:sp>
-        <p:nvSpPr>
-          <p:cNvPr id="10" name="Content Placeholder 7"/>
-          <p:cNvSpPr txBox="1">
-            <a:spLocks/>
-          </p:cNvSpPr>
-          <p:nvPr/>
-        </p:nvSpPr>
-        <p:spPr>
-          <a:xfrm>
-            <a:off x="9075691" y="2391863"/>
-            <a:ext cx="2728866" cy="4200527"/>
+            <a:off x="2895593" y="228593"/>
+            <a:ext cx="6400813" cy="6400813"/>
           </a:xfrm>
           <a:prstGeom prst="rect">
             <a:avLst/>
           </a:prstGeom>
         </p:spPr>
-        <p:txBody>
-          <a:bodyPr vert="horz" lIns="91440" tIns="45720" rIns="91440" bIns="45720" rtlCol="0">
-            <a:normAutofit/>
-          </a:bodyPr>
-          <a:lstStyle>
-            <a:lvl1pPr marL="228600" indent="-228600" algn="l" defTabSz="914400" rtl="0" eaLnBrk="1" latinLnBrk="0" hangingPunct="1">
-              <a:lnSpc>
-                <a:spcPct val="90000"/>
-              </a:lnSpc>
-              <a:spcBef>
-                <a:spcPts val="1000"/>
-              </a:spcBef>
-              <a:buFont typeface="Arial" panose="020B0604020202020204" pitchFamily="34" charset="0"/>
-              <a:buChar char="•"/>
-              <a:defRPr sz="2800" kern="1200">
-                <a:solidFill>
-                  <a:schemeClr val="tx1"/>
-                </a:solidFill>
-                <a:latin typeface="+mn-lt"/>
-                <a:ea typeface="+mn-ea"/>
-                <a:cs typeface="+mn-cs"/>
-              </a:defRPr>
-            </a:lvl1pPr>
-            <a:lvl2pPr marL="685800" indent="-228600" algn="l" defTabSz="914400" rtl="0" eaLnBrk="1" latinLnBrk="0" hangingPunct="1">
-              <a:lnSpc>
-                <a:spcPct val="90000"/>
-              </a:lnSpc>
-              <a:spcBef>
-                <a:spcPts val="500"/>
-              </a:spcBef>
-              <a:buFont typeface="Arial" panose="020B0604020202020204" pitchFamily="34" charset="0"/>
-              <a:buChar char="•"/>
-              <a:defRPr sz="2400" kern="1200">
-                <a:solidFill>
-                  <a:schemeClr val="tx1"/>
-                </a:solidFill>
-                <a:latin typeface="+mn-lt"/>
-                <a:ea typeface="+mn-ea"/>
-                <a:cs typeface="+mn-cs"/>
-              </a:defRPr>
-            </a:lvl2pPr>
-            <a:lvl3pPr marL="1143000" indent="-228600" algn="l" defTabSz="914400" rtl="0" eaLnBrk="1" latinLnBrk="0" hangingPunct="1">
-              <a:lnSpc>
-                <a:spcPct val="90000"/>
-              </a:lnSpc>
-              <a:spcBef>
-                <a:spcPts val="500"/>
-              </a:spcBef>
-              <a:buFont typeface="Arial" panose="020B0604020202020204" pitchFamily="34" charset="0"/>
-              <a:buChar char="•"/>
-              <a:defRPr sz="2000" kern="1200">
-                <a:solidFill>
-                  <a:schemeClr val="tx1"/>
-                </a:solidFill>
-                <a:latin typeface="+mn-lt"/>
-                <a:ea typeface="+mn-ea"/>
-                <a:cs typeface="+mn-cs"/>
-              </a:defRPr>
-            </a:lvl3pPr>
-            <a:lvl4pPr marL="1600200" indent="-228600" algn="l" defTabSz="914400" rtl="0" eaLnBrk="1" latinLnBrk="0" hangingPunct="1">
-              <a:lnSpc>
-                <a:spcPct val="90000"/>
-              </a:lnSpc>
-              <a:spcBef>
-                <a:spcPts val="500"/>
-              </a:spcBef>
-              <a:buFont typeface="Arial" panose="020B0604020202020204" pitchFamily="34" charset="0"/>
-              <a:buChar char="•"/>
-              <a:defRPr sz="1800" kern="1200">
-                <a:solidFill>
-                  <a:schemeClr val="tx1"/>
-                </a:solidFill>
-                <a:latin typeface="+mn-lt"/>
-                <a:ea typeface="+mn-ea"/>
-                <a:cs typeface="+mn-cs"/>
-              </a:defRPr>
-            </a:lvl4pPr>
-            <a:lvl5pPr marL="2057400" indent="-228600" algn="l" defTabSz="914400" rtl="0" eaLnBrk="1" latinLnBrk="0" hangingPunct="1">
-              <a:lnSpc>
-                <a:spcPct val="90000"/>
-              </a:lnSpc>
-              <a:spcBef>
-                <a:spcPts val="500"/>
-              </a:spcBef>
-              <a:buFont typeface="Arial" panose="020B0604020202020204" pitchFamily="34" charset="0"/>
-              <a:buChar char="•"/>
-              <a:defRPr sz="1800" kern="1200">
-                <a:solidFill>
-                  <a:schemeClr val="tx1"/>
-                </a:solidFill>
-                <a:latin typeface="+mn-lt"/>
-                <a:ea typeface="+mn-ea"/>
-                <a:cs typeface="+mn-cs"/>
-              </a:defRPr>
-            </a:lvl5pPr>
-            <a:lvl6pPr marL="2514600" indent="-228600" algn="l" defTabSz="914400" rtl="0" eaLnBrk="1" latinLnBrk="0" hangingPunct="1">
-              <a:lnSpc>
-                <a:spcPct val="90000"/>
-              </a:lnSpc>
-              <a:spcBef>
-                <a:spcPts val="500"/>
-              </a:spcBef>
-              <a:buFont typeface="Arial" panose="020B0604020202020204" pitchFamily="34" charset="0"/>
-              <a:buChar char="•"/>
-              <a:defRPr sz="1800" kern="1200">
-                <a:solidFill>
-                  <a:schemeClr val="tx1"/>
-                </a:solidFill>
-                <a:latin typeface="+mn-lt"/>
-                <a:ea typeface="+mn-ea"/>
-                <a:cs typeface="+mn-cs"/>
-              </a:defRPr>
-            </a:lvl6pPr>
-            <a:lvl7pPr marL="2971800" indent="-228600" algn="l" defTabSz="914400" rtl="0" eaLnBrk="1" latinLnBrk="0" hangingPunct="1">
-              <a:lnSpc>
-                <a:spcPct val="90000"/>
-              </a:lnSpc>
-              <a:spcBef>
-                <a:spcPts val="500"/>
-              </a:spcBef>
-              <a:buFont typeface="Arial" panose="020B0604020202020204" pitchFamily="34" charset="0"/>
-              <a:buChar char="•"/>
-              <a:defRPr sz="1800" kern="1200">
-                <a:solidFill>
-                  <a:schemeClr val="tx1"/>
-                </a:solidFill>
-                <a:latin typeface="+mn-lt"/>
-                <a:ea typeface="+mn-ea"/>
-                <a:cs typeface="+mn-cs"/>
-              </a:defRPr>
-            </a:lvl7pPr>
-            <a:lvl8pPr marL="3429000" indent="-228600" algn="l" defTabSz="914400" rtl="0" eaLnBrk="1" latinLnBrk="0" hangingPunct="1">
-              <a:lnSpc>
-                <a:spcPct val="90000"/>
-              </a:lnSpc>
-              <a:spcBef>
-                <a:spcPts val="500"/>
-              </a:spcBef>
-              <a:buFont typeface="Arial" panose="020B0604020202020204" pitchFamily="34" charset="0"/>
-              <a:buChar char="•"/>
-              <a:defRPr sz="1800" kern="1200">
-                <a:solidFill>
-                  <a:schemeClr val="tx1"/>
-                </a:solidFill>
-                <a:latin typeface="+mn-lt"/>
-                <a:ea typeface="+mn-ea"/>
-                <a:cs typeface="+mn-cs"/>
-              </a:defRPr>
-            </a:lvl8pPr>
-            <a:lvl9pPr marL="3886200" indent="-228600" algn="l" defTabSz="914400" rtl="0" eaLnBrk="1" latinLnBrk="0" hangingPunct="1">
-              <a:lnSpc>
-                <a:spcPct val="90000"/>
-              </a:lnSpc>
-              <a:spcBef>
-                <a:spcPts val="500"/>
-              </a:spcBef>
-              <a:buFont typeface="Arial" panose="020B0604020202020204" pitchFamily="34" charset="0"/>
-              <a:buChar char="•"/>
-              <a:defRPr sz="1800" kern="1200">
-                <a:solidFill>
-                  <a:schemeClr val="tx1"/>
-                </a:solidFill>
-                <a:latin typeface="+mn-lt"/>
-                <a:ea typeface="+mn-ea"/>
-                <a:cs typeface="+mn-cs"/>
-              </a:defRPr>
-            </a:lvl9pPr>
-          </a:lstStyle>
-          <a:p>
-            <a:r>
-              <a:rPr lang="en-US" dirty="0" smtClean="0"/>
-              <a:t>South</a:t>
-            </a:r>
-          </a:p>
-          <a:p>
-            <a:pPr lvl="1"/>
-            <a:r>
-              <a:rPr lang="en-US" dirty="0" smtClean="0"/>
-              <a:t>Spring Albatross</a:t>
-            </a:r>
-          </a:p>
-          <a:p>
-            <a:pPr lvl="1"/>
-            <a:r>
-              <a:rPr lang="en-US" dirty="0" smtClean="0"/>
-              <a:t>NEAMAP</a:t>
-            </a:r>
-          </a:p>
-          <a:p>
-            <a:pPr lvl="1"/>
-            <a:r>
-              <a:rPr lang="en-US" dirty="0" smtClean="0"/>
-              <a:t>Winter BT</a:t>
-            </a:r>
-          </a:p>
-          <a:p>
-            <a:pPr lvl="1"/>
-            <a:r>
-              <a:rPr lang="en-US" dirty="0" smtClean="0"/>
-              <a:t>Bigelow</a:t>
-            </a:r>
-          </a:p>
-          <a:p>
-            <a:r>
-              <a:rPr lang="en-US" dirty="0" err="1" smtClean="0">
-                <a:solidFill>
-                  <a:schemeClr val="accent5">
-                    <a:lumMod val="75000"/>
-                  </a:schemeClr>
-                </a:solidFill>
-              </a:rPr>
-              <a:t>Sel</a:t>
-            </a:r>
-            <a:r>
-              <a:rPr lang="en-US" dirty="0" smtClean="0">
-                <a:solidFill>
-                  <a:schemeClr val="accent5">
-                    <a:lumMod val="75000"/>
-                  </a:schemeClr>
-                </a:solidFill>
-              </a:rPr>
-              <a:t> RE: none</a:t>
-            </a:r>
-          </a:p>
-          <a:p>
-            <a:r>
-              <a:rPr lang="en-US" dirty="0" smtClean="0">
-                <a:solidFill>
-                  <a:schemeClr val="accent4">
-                    <a:lumMod val="75000"/>
-                  </a:schemeClr>
-                </a:solidFill>
-              </a:rPr>
-              <a:t>Age comp: logistic-normal-ar1-miss0</a:t>
-            </a:r>
-          </a:p>
-        </p:txBody>
-      </p:sp>
-      <p:sp>
-        <p:nvSpPr>
-          <p:cNvPr id="3" name="TextBox 2"/>
-          <p:cNvSpPr txBox="1"/>
+      </p:pic>
+    </p:spTree>
+    <p:extLst>
+      <p:ext uri="{BB962C8B-B14F-4D97-AF65-F5344CB8AC3E}">
+        <p14:creationId xmlns:p14="http://schemas.microsoft.com/office/powerpoint/2010/main" val="3562508027"/>
+      </p:ext>
+    </p:extLst>
+  </p:cSld>
+  <p:clrMapOvr>
+    <a:masterClrMapping/>
+  </p:clrMapOvr>
+</p:sld>
+</file>
+
+<file path=ppt/slides/slide33.xml><?xml version="1.0" encoding="utf-8"?>
+<p:sld xmlns:a="http://schemas.openxmlformats.org/drawingml/2006/main" xmlns:r="http://schemas.openxmlformats.org/officeDocument/2006/relationships" xmlns:p="http://schemas.openxmlformats.org/presentationml/2006/main">
+  <p:cSld>
+    <p:spTree>
+      <p:nvGrpSpPr>
+        <p:cNvPr id="1" name=""/>
+        <p:cNvGrpSpPr/>
+        <p:nvPr/>
+      </p:nvGrpSpPr>
+      <p:grpSpPr>
+        <a:xfrm>
+          <a:off x="0" y="0"/>
+          <a:ext cx="0" cy="0"/>
+          <a:chOff x="0" y="0"/>
+          <a:chExt cx="0" cy="0"/>
+        </a:xfrm>
+      </p:grpSpPr>
+      <p:pic>
+        <p:nvPicPr>
+          <p:cNvPr id="3075" name="Picture 3" descr="https://lh7-us.googleusercontent.com/lIoJjpRLCg2-2Fnw5DNPjNqVwTAQOBJlaZgCqw-G29NVlW7-7Z8skz0I9TrEH4zSW7VDGFvOUMAzqoX7j9RtRZuDVlDD7jUru3MCxsBkhBwgK2UGqKp8WmtlTFuYTK4R1l0ChH8LWvfdcorqzz5Q_IVfLw=s2048"/>
+          <p:cNvPicPr>
+            <a:picLocks noChangeAspect="1" noChangeArrowheads="1"/>
+          </p:cNvPicPr>
           <p:nvPr/>
-        </p:nvSpPr>
-        <p:spPr>
+        </p:nvPicPr>
+        <p:blipFill>
+          <a:blip r:embed="rId2" cstate="print">
+            <a:extLst>
+              <a:ext uri="{28A0092B-C50C-407E-A947-70E740481C1C}">
+                <a14:useLocalDpi xmlns:a14="http://schemas.microsoft.com/office/drawing/2010/main" val="0"/>
+              </a:ext>
+            </a:extLst>
+          </a:blip>
+          <a:srcRect/>
+          <a:stretch>
+            <a:fillRect/>
+          </a:stretch>
+        </p:blipFill>
+        <p:spPr bwMode="auto">
           <a:xfrm>
-            <a:off x="3482482" y="-2933214"/>
-            <a:ext cx="5509842" cy="12403395"/>
+            <a:off x="5186680" y="0"/>
+            <a:ext cx="6858000" cy="6858000"/>
           </a:xfrm>
           <a:prstGeom prst="rect">
             <a:avLst/>
           </a:prstGeom>
           <a:noFill/>
+          <a:extLst>
+            <a:ext uri="{909E8E84-426E-40DD-AFC4-6F175D3DCCD1}">
+              <a14:hiddenFill xmlns:a14="http://schemas.microsoft.com/office/drawing/2010/main">
+                <a:solidFill>
+                  <a:srgbClr val="FFFFFF"/>
+                </a:solidFill>
+              </a14:hiddenFill>
+            </a:ext>
+          </a:extLst>
         </p:spPr>
-        <p:txBody>
-          <a:bodyPr wrap="none" rtlCol="0">
-            <a:spAutoFit/>
-          </a:bodyPr>
-          <a:lstStyle/>
-          <a:p>
-            <a:r>
-              <a:rPr lang="en-US" sz="80000" dirty="0" smtClean="0">
-                <a:solidFill>
-                  <a:srgbClr val="FF0000"/>
-                </a:solidFill>
-              </a:rPr>
-              <a:t>X</a:t>
-            </a:r>
-            <a:endParaRPr lang="en-US" sz="80000" dirty="0">
-              <a:solidFill>
-                <a:srgbClr val="FF0000"/>
-              </a:solidFill>
-            </a:endParaRPr>
-          </a:p>
-        </p:txBody>
-      </p:sp>
+      </p:pic>
+      <p:pic>
+        <p:nvPicPr>
+          <p:cNvPr id="3074" name="Picture 2" descr="https://lh7-us.googleusercontent.com/ZSZDyiTWYpCm8thTlEl8NA1KsxJwz7YQpbkVpDd5GAUrpmzFJN5tTh8pdOdDeHEXtnsMpPxyp-K8jNQmzattCR9Yi1ouULJ7ICTyxcEC5_vZ64d4RhsV_dlPTPFEcd_WfnedjyZu4V4RyOiHlWwdamFkrA=s2048"/>
+          <p:cNvPicPr>
+            <a:picLocks noChangeAspect="1" noChangeArrowheads="1"/>
+          </p:cNvPicPr>
+          <p:nvPr/>
+        </p:nvPicPr>
+        <p:blipFill>
+          <a:blip r:embed="rId3" cstate="print">
+            <a:extLst>
+              <a:ext uri="{28A0092B-C50C-407E-A947-70E740481C1C}">
+                <a14:useLocalDpi xmlns:a14="http://schemas.microsoft.com/office/drawing/2010/main" val="0"/>
+              </a:ext>
+            </a:extLst>
+          </a:blip>
+          <a:srcRect/>
+          <a:stretch>
+            <a:fillRect/>
+          </a:stretch>
+        </p:blipFill>
+        <p:spPr bwMode="auto">
+          <a:xfrm>
+            <a:off x="399416" y="0"/>
+            <a:ext cx="4286250" cy="6858000"/>
+          </a:xfrm>
+          <a:prstGeom prst="rect">
+            <a:avLst/>
+          </a:prstGeom>
+          <a:noFill/>
+          <a:extLst>
+            <a:ext uri="{909E8E84-426E-40DD-AFC4-6F175D3DCCD1}">
+              <a14:hiddenFill xmlns:a14="http://schemas.microsoft.com/office/drawing/2010/main">
+                <a:solidFill>
+                  <a:srgbClr val="FFFFFF"/>
+                </a:solidFill>
+              </a14:hiddenFill>
+            </a:ext>
+          </a:extLst>
+        </p:spPr>
+      </p:pic>
     </p:spTree>
     <p:extLst>
       <p:ext uri="{BB962C8B-B14F-4D97-AF65-F5344CB8AC3E}">
-        <p14:creationId xmlns:p14="http://schemas.microsoft.com/office/powerpoint/2010/main" val="3947875065"/>
+        <p14:creationId xmlns:p14="http://schemas.microsoft.com/office/powerpoint/2010/main" val="2395944433"/>
+      </p:ext>
+    </p:extLst>
+  </p:cSld>
+  <p:clrMapOvr>
+    <a:masterClrMapping/>
+  </p:clrMapOvr>
+</p:sld>
+</file>
+
+<file path=ppt/slides/slide34.xml><?xml version="1.0" encoding="utf-8"?>
+<p:sld xmlns:a="http://schemas.openxmlformats.org/drawingml/2006/main" xmlns:r="http://schemas.openxmlformats.org/officeDocument/2006/relationships" xmlns:p="http://schemas.openxmlformats.org/presentationml/2006/main">
+  <p:cSld>
+    <p:spTree>
+      <p:nvGrpSpPr>
+        <p:cNvPr id="1" name=""/>
+        <p:cNvGrpSpPr/>
+        <p:nvPr/>
+      </p:nvGrpSpPr>
+      <p:grpSpPr>
+        <a:xfrm>
+          <a:off x="0" y="0"/>
+          <a:ext cx="0" cy="0"/>
+          <a:chOff x="0" y="0"/>
+          <a:chExt cx="0" cy="0"/>
+        </a:xfrm>
+      </p:grpSpPr>
+      <p:pic>
+        <p:nvPicPr>
+          <p:cNvPr id="2" name="Picture 1"/>
+          <p:cNvPicPr>
+            <a:picLocks noChangeAspect="1"/>
+          </p:cNvPicPr>
+          <p:nvPr/>
+        </p:nvPicPr>
+        <p:blipFill>
+          <a:blip r:embed="rId2">
+            <a:extLst>
+              <a:ext uri="{28A0092B-C50C-407E-A947-70E740481C1C}">
+                <a14:useLocalDpi xmlns:a14="http://schemas.microsoft.com/office/drawing/2010/main" val="0"/>
+              </a:ext>
+            </a:extLst>
+          </a:blip>
+          <a:stretch>
+            <a:fillRect/>
+          </a:stretch>
+        </p:blipFill>
+        <p:spPr>
+          <a:xfrm>
+            <a:off x="643078" y="111760"/>
+            <a:ext cx="10979961" cy="6679569"/>
+          </a:xfrm>
+          <a:prstGeom prst="rect">
+            <a:avLst/>
+          </a:prstGeom>
+        </p:spPr>
+      </p:pic>
+    </p:spTree>
+    <p:extLst>
+      <p:ext uri="{BB962C8B-B14F-4D97-AF65-F5344CB8AC3E}">
+        <p14:creationId xmlns:p14="http://schemas.microsoft.com/office/powerpoint/2010/main" val="3768455853"/>
+      </p:ext>
+    </p:extLst>
+  </p:cSld>
+  <p:clrMapOvr>
+    <a:masterClrMapping/>
+  </p:clrMapOvr>
+</p:sld>
+</file>
+
+<file path=ppt/slides/slide35.xml><?xml version="1.0" encoding="utf-8"?>
+<p:sld xmlns:a="http://schemas.openxmlformats.org/drawingml/2006/main" xmlns:r="http://schemas.openxmlformats.org/officeDocument/2006/relationships" xmlns:p="http://schemas.openxmlformats.org/presentationml/2006/main">
+  <p:cSld>
+    <p:spTree>
+      <p:nvGrpSpPr>
+        <p:cNvPr id="1" name=""/>
+        <p:cNvGrpSpPr/>
+        <p:nvPr/>
+      </p:nvGrpSpPr>
+      <p:grpSpPr>
+        <a:xfrm>
+          <a:off x="0" y="0"/>
+          <a:ext cx="0" cy="0"/>
+          <a:chOff x="0" y="0"/>
+          <a:chExt cx="0" cy="0"/>
+        </a:xfrm>
+      </p:grpSpPr>
+      <p:pic>
+        <p:nvPicPr>
+          <p:cNvPr id="2" name="Picture 1"/>
+          <p:cNvPicPr>
+            <a:picLocks noChangeAspect="1"/>
+          </p:cNvPicPr>
+          <p:nvPr/>
+        </p:nvPicPr>
+        <p:blipFill>
+          <a:blip r:embed="rId2">
+            <a:extLst>
+              <a:ext uri="{28A0092B-C50C-407E-A947-70E740481C1C}">
+                <a14:useLocalDpi xmlns:a14="http://schemas.microsoft.com/office/drawing/2010/main" val="0"/>
+              </a:ext>
+            </a:extLst>
+          </a:blip>
+          <a:stretch>
+            <a:fillRect/>
+          </a:stretch>
+        </p:blipFill>
+        <p:spPr>
+          <a:xfrm>
+            <a:off x="459366" y="0"/>
+            <a:ext cx="11143353" cy="6778967"/>
+          </a:xfrm>
+          <a:prstGeom prst="rect">
+            <a:avLst/>
+          </a:prstGeom>
+        </p:spPr>
+      </p:pic>
+    </p:spTree>
+    <p:extLst>
+      <p:ext uri="{BB962C8B-B14F-4D97-AF65-F5344CB8AC3E}">
+        <p14:creationId xmlns:p14="http://schemas.microsoft.com/office/powerpoint/2010/main" val="870521833"/>
+      </p:ext>
+    </p:extLst>
+  </p:cSld>
+  <p:clrMapOvr>
+    <a:masterClrMapping/>
+  </p:clrMapOvr>
+</p:sld>
+</file>
+
+<file path=ppt/slides/slide36.xml><?xml version="1.0" encoding="utf-8"?>
+<p:sld xmlns:a="http://schemas.openxmlformats.org/drawingml/2006/main" xmlns:r="http://schemas.openxmlformats.org/officeDocument/2006/relationships" xmlns:p="http://schemas.openxmlformats.org/presentationml/2006/main">
+  <p:cSld>
+    <p:spTree>
+      <p:nvGrpSpPr>
+        <p:cNvPr id="1" name=""/>
+        <p:cNvGrpSpPr/>
+        <p:nvPr/>
+      </p:nvGrpSpPr>
+      <p:grpSpPr>
+        <a:xfrm>
+          <a:off x="0" y="0"/>
+          <a:ext cx="0" cy="0"/>
+          <a:chOff x="0" y="0"/>
+          <a:chExt cx="0" cy="0"/>
+        </a:xfrm>
+      </p:grpSpPr>
+      <p:pic>
+        <p:nvPicPr>
+          <p:cNvPr id="2" name="Picture 1"/>
+          <p:cNvPicPr>
+            <a:picLocks noChangeAspect="1"/>
+          </p:cNvPicPr>
+          <p:nvPr/>
+        </p:nvPicPr>
+        <p:blipFill>
+          <a:blip r:embed="rId2">
+            <a:extLst>
+              <a:ext uri="{28A0092B-C50C-407E-A947-70E740481C1C}">
+                <a14:useLocalDpi xmlns:a14="http://schemas.microsoft.com/office/drawing/2010/main" val="0"/>
+              </a:ext>
+            </a:extLst>
+          </a:blip>
+          <a:stretch>
+            <a:fillRect/>
+          </a:stretch>
+        </p:blipFill>
+        <p:spPr>
+          <a:xfrm>
+            <a:off x="459367" y="0"/>
+            <a:ext cx="11273266" cy="6857999"/>
+          </a:xfrm>
+          <a:prstGeom prst="rect">
+            <a:avLst/>
+          </a:prstGeom>
+        </p:spPr>
+      </p:pic>
+    </p:spTree>
+    <p:extLst>
+      <p:ext uri="{BB962C8B-B14F-4D97-AF65-F5344CB8AC3E}">
+        <p14:creationId xmlns:p14="http://schemas.microsoft.com/office/powerpoint/2010/main" val="3567885497"/>
+      </p:ext>
+    </p:extLst>
+  </p:cSld>
+  <p:clrMapOvr>
+    <a:masterClrMapping/>
+  </p:clrMapOvr>
+</p:sld>
+</file>
+
+<file path=ppt/slides/slide37.xml><?xml version="1.0" encoding="utf-8"?>
+<p:sld xmlns:a="http://schemas.openxmlformats.org/drawingml/2006/main" xmlns:r="http://schemas.openxmlformats.org/officeDocument/2006/relationships" xmlns:p="http://schemas.openxmlformats.org/presentationml/2006/main">
+  <p:cSld>
+    <p:spTree>
+      <p:nvGrpSpPr>
+        <p:cNvPr id="1" name=""/>
+        <p:cNvGrpSpPr/>
+        <p:nvPr/>
+      </p:nvGrpSpPr>
+      <p:grpSpPr>
+        <a:xfrm>
+          <a:off x="0" y="0"/>
+          <a:ext cx="0" cy="0"/>
+          <a:chOff x="0" y="0"/>
+          <a:chExt cx="0" cy="0"/>
+        </a:xfrm>
+      </p:grpSpPr>
+      <p:sp>
+        <p:nvSpPr>
+          <p:cNvPr id="2" name="Title 1"/>
+          <p:cNvSpPr>
+            <a:spLocks noGrp="1"/>
+          </p:cNvSpPr>
+          <p:nvPr>
+            <p:ph type="title"/>
+          </p:nvPr>
+        </p:nvSpPr>
+        <p:spPr/>
+        <p:txBody>
+          <a:bodyPr/>
+          <a:lstStyle/>
+          <a:p>
+            <a:r>
+              <a:rPr lang="en-US" dirty="0" smtClean="0"/>
+              <a:t>Options for Sensitivity Item 3</a:t>
+            </a:r>
+            <a:endParaRPr lang="en-US" dirty="0"/>
+          </a:p>
+        </p:txBody>
+      </p:sp>
+      <p:sp>
+        <p:nvSpPr>
+          <p:cNvPr id="3" name="Content Placeholder 2"/>
+          <p:cNvSpPr>
+            <a:spLocks noGrp="1"/>
+          </p:cNvSpPr>
+          <p:nvPr>
+            <p:ph idx="1"/>
+          </p:nvPr>
+        </p:nvSpPr>
+        <p:spPr/>
+        <p:txBody>
+          <a:bodyPr/>
+          <a:lstStyle/>
+          <a:p>
+            <a:pPr marL="514350" indent="-514350">
+              <a:buFont typeface="+mj-lt"/>
+              <a:buAutoNum type="arabicPeriod"/>
+            </a:pPr>
+            <a:r>
+              <a:rPr lang="en-US" dirty="0" smtClean="0"/>
+              <a:t>Compare WHAM SSB estimates to the number/tow time series from the individual surveys</a:t>
+            </a:r>
+          </a:p>
+          <a:p>
+            <a:pPr marL="514350" indent="-514350">
+              <a:buFont typeface="+mj-lt"/>
+              <a:buAutoNum type="arabicPeriod"/>
+            </a:pPr>
+            <a:r>
+              <a:rPr lang="en-US" dirty="0">
+                <a:solidFill>
+                  <a:schemeClr val="bg1">
+                    <a:lumMod val="95000"/>
+                  </a:schemeClr>
+                </a:solidFill>
+              </a:rPr>
+              <a:t>Compare WHAM run with run with each index individually, rather than the VAST INDEX</a:t>
+            </a:r>
+          </a:p>
+          <a:p>
+            <a:pPr lvl="1"/>
+            <a:r>
+              <a:rPr lang="en-US" dirty="0">
+                <a:solidFill>
+                  <a:schemeClr val="bg1">
+                    <a:lumMod val="95000"/>
+                  </a:schemeClr>
+                </a:solidFill>
+              </a:rPr>
+              <a:t>Leave-one-out analysis</a:t>
+            </a:r>
+          </a:p>
+          <a:p>
+            <a:pPr marL="514350" indent="-514350">
+              <a:buFont typeface="+mj-lt"/>
+              <a:buAutoNum type="arabicPeriod"/>
+            </a:pPr>
+            <a:r>
+              <a:rPr lang="en-US" dirty="0" smtClean="0">
+                <a:solidFill>
+                  <a:schemeClr val="bg1">
+                    <a:lumMod val="95000"/>
+                  </a:schemeClr>
+                </a:solidFill>
+              </a:rPr>
+              <a:t>Compare WHAM run with just NEFSC BTS, NEAMAP, and </a:t>
+            </a:r>
+            <a:r>
+              <a:rPr lang="en-US" dirty="0" err="1" smtClean="0">
+                <a:solidFill>
+                  <a:schemeClr val="bg1">
+                    <a:lumMod val="95000"/>
+                  </a:schemeClr>
+                </a:solidFill>
+              </a:rPr>
+              <a:t>RecCPA</a:t>
+            </a:r>
+            <a:endParaRPr lang="en-US" dirty="0" smtClean="0">
+              <a:solidFill>
+                <a:schemeClr val="bg1">
+                  <a:lumMod val="95000"/>
+                </a:schemeClr>
+              </a:solidFill>
+            </a:endParaRPr>
+          </a:p>
+          <a:p>
+            <a:pPr marL="514350" indent="-514350">
+              <a:buFont typeface="+mj-lt"/>
+              <a:buAutoNum type="arabicPeriod"/>
+            </a:pPr>
+            <a:r>
+              <a:rPr lang="en-US" dirty="0" smtClean="0">
+                <a:solidFill>
+                  <a:schemeClr val="bg1">
+                    <a:lumMod val="95000"/>
+                  </a:schemeClr>
+                </a:solidFill>
+              </a:rPr>
+              <a:t>Examine current VAST model to see if weighting for each survey could be extracted</a:t>
+            </a:r>
+          </a:p>
+          <a:p>
+            <a:pPr marL="514350" indent="-514350">
+              <a:buFont typeface="+mj-lt"/>
+              <a:buAutoNum type="arabicPeriod"/>
+            </a:pPr>
+            <a:r>
+              <a:rPr lang="en-US" dirty="0" smtClean="0">
+                <a:solidFill>
+                  <a:schemeClr val="bg1">
+                    <a:lumMod val="95000"/>
+                  </a:schemeClr>
+                </a:solidFill>
+              </a:rPr>
+              <a:t>Re run VAST with just Spring and Fall NEFSC BTS/ NEAMAP</a:t>
+            </a:r>
+            <a:endParaRPr lang="en-US" dirty="0">
+              <a:solidFill>
+                <a:schemeClr val="bg1">
+                  <a:lumMod val="95000"/>
+                </a:schemeClr>
+              </a:solidFill>
+            </a:endParaRPr>
+          </a:p>
+        </p:txBody>
+      </p:sp>
+    </p:spTree>
+    <p:extLst>
+      <p:ext uri="{BB962C8B-B14F-4D97-AF65-F5344CB8AC3E}">
+        <p14:creationId xmlns:p14="http://schemas.microsoft.com/office/powerpoint/2010/main" val="2052859514"/>
       </p:ext>
     </p:extLst>
   </p:cSld>
@@ -7557,8 +7456,2535 @@
 </p:sld>
 </file>
 
-<file path=ppt/slides/slide32.xml><?xml version="1.0" encoding="utf-8"?>
+<file path=ppt/slides/slide38.xml><?xml version="1.0" encoding="utf-8"?>
 <p:sld xmlns:a="http://schemas.openxmlformats.org/drawingml/2006/main" xmlns:r="http://schemas.openxmlformats.org/officeDocument/2006/relationships" xmlns:p="http://schemas.openxmlformats.org/presentationml/2006/main">
+  <p:cSld>
+    <p:spTree>
+      <p:nvGrpSpPr>
+        <p:cNvPr id="1" name="Shape 144"/>
+        <p:cNvGrpSpPr/>
+        <p:nvPr/>
+      </p:nvGrpSpPr>
+      <p:grpSpPr>
+        <a:xfrm>
+          <a:off x="0" y="0"/>
+          <a:ext cx="0" cy="0"/>
+          <a:chOff x="0" y="0"/>
+          <a:chExt cx="0" cy="0"/>
+        </a:xfrm>
+      </p:grpSpPr>
+      <p:pic>
+        <p:nvPicPr>
+          <p:cNvPr id="145" name="Google Shape;145;p21"/>
+          <p:cNvPicPr preferRelativeResize="0"/>
+          <p:nvPr/>
+        </p:nvPicPr>
+        <p:blipFill rotWithShape="1">
+          <a:blip r:embed="rId3">
+            <a:alphaModFix/>
+          </a:blip>
+          <a:srcRect r="31875"/>
+          <a:stretch/>
+        </p:blipFill>
+        <p:spPr>
+          <a:xfrm>
+            <a:off x="1240050" y="313801"/>
+            <a:ext cx="2130374" cy="3195563"/>
+          </a:xfrm>
+          <a:prstGeom prst="rect">
+            <a:avLst/>
+          </a:prstGeom>
+          <a:noFill/>
+          <a:ln>
+            <a:noFill/>
+          </a:ln>
+        </p:spPr>
+      </p:pic>
+      <p:pic>
+        <p:nvPicPr>
+          <p:cNvPr id="146" name="Google Shape;146;p21"/>
+          <p:cNvPicPr preferRelativeResize="0"/>
+          <p:nvPr/>
+        </p:nvPicPr>
+        <p:blipFill rotWithShape="1">
+          <a:blip r:embed="rId4">
+            <a:alphaModFix/>
+          </a:blip>
+          <a:srcRect r="48357"/>
+          <a:stretch/>
+        </p:blipFill>
+        <p:spPr>
+          <a:xfrm>
+            <a:off x="3534781" y="279810"/>
+            <a:ext cx="1439790" cy="3291840"/>
+          </a:xfrm>
+          <a:prstGeom prst="rect">
+            <a:avLst/>
+          </a:prstGeom>
+          <a:noFill/>
+          <a:ln>
+            <a:noFill/>
+          </a:ln>
+        </p:spPr>
+      </p:pic>
+      <p:pic>
+        <p:nvPicPr>
+          <p:cNvPr id="147" name="Google Shape;147;p21"/>
+          <p:cNvPicPr preferRelativeResize="0"/>
+          <p:nvPr/>
+        </p:nvPicPr>
+        <p:blipFill>
+          <a:blip r:embed="rId5">
+            <a:alphaModFix/>
+          </a:blip>
+          <a:stretch>
+            <a:fillRect/>
+          </a:stretch>
+        </p:blipFill>
+        <p:spPr>
+          <a:xfrm>
+            <a:off x="5333580" y="303150"/>
+            <a:ext cx="3127248" cy="3127248"/>
+          </a:xfrm>
+          <a:prstGeom prst="rect">
+            <a:avLst/>
+          </a:prstGeom>
+          <a:noFill/>
+          <a:ln>
+            <a:noFill/>
+          </a:ln>
+        </p:spPr>
+      </p:pic>
+      <p:pic>
+        <p:nvPicPr>
+          <p:cNvPr id="148" name="Google Shape;148;p21"/>
+          <p:cNvPicPr preferRelativeResize="0"/>
+          <p:nvPr/>
+        </p:nvPicPr>
+        <p:blipFill>
+          <a:blip r:embed="rId6">
+            <a:alphaModFix/>
+          </a:blip>
+          <a:stretch>
+            <a:fillRect/>
+          </a:stretch>
+        </p:blipFill>
+        <p:spPr>
+          <a:xfrm>
+            <a:off x="8395260" y="236970"/>
+            <a:ext cx="3127248" cy="3127248"/>
+          </a:xfrm>
+          <a:prstGeom prst="rect">
+            <a:avLst/>
+          </a:prstGeom>
+          <a:noFill/>
+          <a:ln>
+            <a:noFill/>
+          </a:ln>
+        </p:spPr>
+      </p:pic>
+      <p:pic>
+        <p:nvPicPr>
+          <p:cNvPr id="149" name="Google Shape;149;p21"/>
+          <p:cNvPicPr preferRelativeResize="0"/>
+          <p:nvPr/>
+        </p:nvPicPr>
+        <p:blipFill rotWithShape="1">
+          <a:blip r:embed="rId4">
+            <a:alphaModFix/>
+          </a:blip>
+          <a:srcRect l="58426" t="5908"/>
+          <a:stretch/>
+        </p:blipFill>
+        <p:spPr>
+          <a:xfrm>
+            <a:off x="3774751" y="474346"/>
+            <a:ext cx="1300170" cy="2954933"/>
+          </a:xfrm>
+          <a:prstGeom prst="rect">
+            <a:avLst/>
+          </a:prstGeom>
+          <a:noFill/>
+          <a:ln>
+            <a:noFill/>
+          </a:ln>
+        </p:spPr>
+      </p:pic>
+      <p:sp>
+        <p:nvSpPr>
+          <p:cNvPr id="150" name="Google Shape;150;p21"/>
+          <p:cNvSpPr/>
+          <p:nvPr/>
+        </p:nvSpPr>
+        <p:spPr>
+          <a:xfrm>
+            <a:off x="634470" y="6274770"/>
+            <a:ext cx="10972800" cy="766080"/>
+          </a:xfrm>
+          <a:prstGeom prst="rect">
+            <a:avLst/>
+          </a:prstGeom>
+          <a:solidFill>
+            <a:schemeClr val="lt1"/>
+          </a:solidFill>
+          <a:ln w="9525" cap="flat" cmpd="sng">
+            <a:solidFill>
+              <a:schemeClr val="lt1"/>
+            </a:solidFill>
+            <a:prstDash val="solid"/>
+            <a:round/>
+            <a:headEnd type="none" w="sm" len="sm"/>
+            <a:tailEnd type="none" w="sm" len="sm"/>
+          </a:ln>
+        </p:spPr>
+        <p:txBody>
+          <a:bodyPr spcFirstLastPara="1" wrap="square" lIns="109710" tIns="109710" rIns="109710" bIns="109710" anchor="ctr" anchorCtr="0">
+            <a:noAutofit/>
+          </a:bodyPr>
+          <a:lstStyle/>
+          <a:p>
+            <a:pPr algn="ctr"/>
+            <a:endParaRPr sz="2160">
+              <a:latin typeface="Cambria"/>
+              <a:ea typeface="Cambria"/>
+              <a:cs typeface="Cambria"/>
+              <a:sym typeface="Cambria"/>
+            </a:endParaRPr>
+          </a:p>
+        </p:txBody>
+      </p:sp>
+      <p:pic>
+        <p:nvPicPr>
+          <p:cNvPr id="151" name="Google Shape;151;p21"/>
+          <p:cNvPicPr preferRelativeResize="0"/>
+          <p:nvPr/>
+        </p:nvPicPr>
+        <p:blipFill>
+          <a:blip r:embed="rId7">
+            <a:alphaModFix/>
+          </a:blip>
+          <a:stretch>
+            <a:fillRect/>
+          </a:stretch>
+        </p:blipFill>
+        <p:spPr>
+          <a:xfrm>
+            <a:off x="4876380" y="3705840"/>
+            <a:ext cx="3127248" cy="3127248"/>
+          </a:xfrm>
+          <a:prstGeom prst="rect">
+            <a:avLst/>
+          </a:prstGeom>
+          <a:noFill/>
+          <a:ln>
+            <a:noFill/>
+          </a:ln>
+        </p:spPr>
+      </p:pic>
+      <p:pic>
+        <p:nvPicPr>
+          <p:cNvPr id="152" name="Google Shape;152;p21"/>
+          <p:cNvPicPr preferRelativeResize="0"/>
+          <p:nvPr/>
+        </p:nvPicPr>
+        <p:blipFill>
+          <a:blip r:embed="rId8">
+            <a:alphaModFix/>
+          </a:blip>
+          <a:stretch>
+            <a:fillRect/>
+          </a:stretch>
+        </p:blipFill>
+        <p:spPr>
+          <a:xfrm>
+            <a:off x="1370220" y="3702480"/>
+            <a:ext cx="3127248" cy="3127248"/>
+          </a:xfrm>
+          <a:prstGeom prst="rect">
+            <a:avLst/>
+          </a:prstGeom>
+          <a:noFill/>
+          <a:ln>
+            <a:noFill/>
+          </a:ln>
+        </p:spPr>
+      </p:pic>
+      <p:pic>
+        <p:nvPicPr>
+          <p:cNvPr id="153" name="Google Shape;153;p21"/>
+          <p:cNvPicPr preferRelativeResize="0"/>
+          <p:nvPr/>
+        </p:nvPicPr>
+        <p:blipFill>
+          <a:blip r:embed="rId9">
+            <a:alphaModFix/>
+          </a:blip>
+          <a:stretch>
+            <a:fillRect/>
+          </a:stretch>
+        </p:blipFill>
+        <p:spPr>
+          <a:xfrm>
+            <a:off x="8472540" y="3705840"/>
+            <a:ext cx="3127248" cy="3127248"/>
+          </a:xfrm>
+          <a:prstGeom prst="rect">
+            <a:avLst/>
+          </a:prstGeom>
+          <a:noFill/>
+          <a:ln>
+            <a:noFill/>
+          </a:ln>
+        </p:spPr>
+      </p:pic>
+      <p:sp>
+        <p:nvSpPr>
+          <p:cNvPr id="154" name="Google Shape;154;p21"/>
+          <p:cNvSpPr txBox="1"/>
+          <p:nvPr/>
+        </p:nvSpPr>
+        <p:spPr>
+          <a:xfrm>
+            <a:off x="518160" y="-91440"/>
+            <a:ext cx="1368720" cy="553961"/>
+          </a:xfrm>
+          <a:prstGeom prst="rect">
+            <a:avLst/>
+          </a:prstGeom>
+          <a:noFill/>
+          <a:ln>
+            <a:noFill/>
+          </a:ln>
+        </p:spPr>
+        <p:txBody>
+          <a:bodyPr spcFirstLastPara="1" wrap="square" lIns="109710" tIns="109710" rIns="109710" bIns="109710" anchor="t" anchorCtr="0">
+            <a:spAutoFit/>
+          </a:bodyPr>
+          <a:lstStyle/>
+          <a:p>
+            <a:r>
+              <a:rPr lang="en-US" sz="2160">
+                <a:solidFill>
+                  <a:srgbClr val="7F7F7F"/>
+                </a:solidFill>
+                <a:latin typeface="Cambria"/>
+                <a:ea typeface="Cambria"/>
+                <a:cs typeface="Cambria"/>
+                <a:sym typeface="Cambria"/>
+              </a:rPr>
+              <a:t>North</a:t>
+            </a:r>
+            <a:endParaRPr sz="2160">
+              <a:solidFill>
+                <a:srgbClr val="7F7F7F"/>
+              </a:solidFill>
+              <a:latin typeface="Cambria"/>
+              <a:ea typeface="Cambria"/>
+              <a:cs typeface="Cambria"/>
+              <a:sym typeface="Cambria"/>
+            </a:endParaRPr>
+          </a:p>
+        </p:txBody>
+      </p:sp>
+    </p:spTree>
+    <p:extLst>
+      <p:ext uri="{BB962C8B-B14F-4D97-AF65-F5344CB8AC3E}">
+        <p14:creationId xmlns:p14="http://schemas.microsoft.com/office/powerpoint/2010/main" val="622992388"/>
+      </p:ext>
+    </p:extLst>
+  </p:cSld>
+  <p:clrMapOvr>
+    <a:masterClrMapping/>
+  </p:clrMapOvr>
+</p:sld>
+</file>
+
+<file path=ppt/slides/slide39.xml><?xml version="1.0" encoding="utf-8"?>
+<p:sld xmlns:a="http://schemas.openxmlformats.org/drawingml/2006/main" xmlns:r="http://schemas.openxmlformats.org/officeDocument/2006/relationships" xmlns:p="http://schemas.openxmlformats.org/presentationml/2006/main">
+  <p:cSld>
+    <p:spTree>
+      <p:nvGrpSpPr>
+        <p:cNvPr id="1" name="Shape 159"/>
+        <p:cNvGrpSpPr/>
+        <p:nvPr/>
+      </p:nvGrpSpPr>
+      <p:grpSpPr>
+        <a:xfrm>
+          <a:off x="0" y="0"/>
+          <a:ext cx="0" cy="0"/>
+          <a:chOff x="0" y="0"/>
+          <a:chExt cx="0" cy="0"/>
+        </a:xfrm>
+      </p:grpSpPr>
+      <p:pic>
+        <p:nvPicPr>
+          <p:cNvPr id="160" name="Google Shape;160;p22"/>
+          <p:cNvPicPr preferRelativeResize="0"/>
+          <p:nvPr/>
+        </p:nvPicPr>
+        <p:blipFill rotWithShape="1">
+          <a:blip r:embed="rId3">
+            <a:alphaModFix/>
+          </a:blip>
+          <a:srcRect r="48148"/>
+          <a:stretch/>
+        </p:blipFill>
+        <p:spPr>
+          <a:xfrm>
+            <a:off x="4412633" y="373080"/>
+            <a:ext cx="1706851" cy="3291840"/>
+          </a:xfrm>
+          <a:prstGeom prst="rect">
+            <a:avLst/>
+          </a:prstGeom>
+          <a:noFill/>
+          <a:ln>
+            <a:noFill/>
+          </a:ln>
+        </p:spPr>
+      </p:pic>
+      <p:pic>
+        <p:nvPicPr>
+          <p:cNvPr id="161" name="Google Shape;161;p22"/>
+          <p:cNvPicPr preferRelativeResize="0"/>
+          <p:nvPr/>
+        </p:nvPicPr>
+        <p:blipFill rotWithShape="1">
+          <a:blip r:embed="rId4">
+            <a:alphaModFix/>
+          </a:blip>
+          <a:srcRect r="37378"/>
+          <a:stretch/>
+        </p:blipFill>
+        <p:spPr>
+          <a:xfrm>
+            <a:off x="602285" y="314554"/>
+            <a:ext cx="2238451" cy="3291840"/>
+          </a:xfrm>
+          <a:prstGeom prst="rect">
+            <a:avLst/>
+          </a:prstGeom>
+          <a:noFill/>
+          <a:ln>
+            <a:noFill/>
+          </a:ln>
+        </p:spPr>
+      </p:pic>
+      <p:pic>
+        <p:nvPicPr>
+          <p:cNvPr id="162" name="Google Shape;162;p22"/>
+          <p:cNvPicPr preferRelativeResize="0"/>
+          <p:nvPr/>
+        </p:nvPicPr>
+        <p:blipFill rotWithShape="1">
+          <a:blip r:embed="rId5">
+            <a:alphaModFix/>
+          </a:blip>
+          <a:srcRect r="53658"/>
+          <a:stretch/>
+        </p:blipFill>
+        <p:spPr>
+          <a:xfrm>
+            <a:off x="2804161" y="373080"/>
+            <a:ext cx="1519530" cy="3291840"/>
+          </a:xfrm>
+          <a:prstGeom prst="rect">
+            <a:avLst/>
+          </a:prstGeom>
+          <a:noFill/>
+          <a:ln>
+            <a:noFill/>
+          </a:ln>
+        </p:spPr>
+      </p:pic>
+      <p:pic>
+        <p:nvPicPr>
+          <p:cNvPr id="163" name="Google Shape;163;p22"/>
+          <p:cNvPicPr preferRelativeResize="0"/>
+          <p:nvPr/>
+        </p:nvPicPr>
+        <p:blipFill rotWithShape="1">
+          <a:blip r:embed="rId5">
+            <a:alphaModFix/>
+          </a:blip>
+          <a:srcRect l="59328"/>
+          <a:stretch/>
+        </p:blipFill>
+        <p:spPr>
+          <a:xfrm>
+            <a:off x="3036390" y="504735"/>
+            <a:ext cx="1371600" cy="3094330"/>
+          </a:xfrm>
+          <a:prstGeom prst="rect">
+            <a:avLst/>
+          </a:prstGeom>
+          <a:noFill/>
+          <a:ln>
+            <a:noFill/>
+          </a:ln>
+        </p:spPr>
+      </p:pic>
+      <p:pic>
+        <p:nvPicPr>
+          <p:cNvPr id="164" name="Google Shape;164;p22"/>
+          <p:cNvPicPr preferRelativeResize="0"/>
+          <p:nvPr/>
+        </p:nvPicPr>
+        <p:blipFill>
+          <a:blip r:embed="rId6">
+            <a:alphaModFix/>
+          </a:blip>
+          <a:stretch>
+            <a:fillRect/>
+          </a:stretch>
+        </p:blipFill>
+        <p:spPr>
+          <a:xfrm>
+            <a:off x="8429640" y="413310"/>
+            <a:ext cx="3127248" cy="3127248"/>
+          </a:xfrm>
+          <a:prstGeom prst="rect">
+            <a:avLst/>
+          </a:prstGeom>
+          <a:noFill/>
+          <a:ln>
+            <a:noFill/>
+          </a:ln>
+        </p:spPr>
+      </p:pic>
+      <p:pic>
+        <p:nvPicPr>
+          <p:cNvPr id="165" name="Google Shape;165;p22"/>
+          <p:cNvPicPr preferRelativeResize="0"/>
+          <p:nvPr/>
+        </p:nvPicPr>
+        <p:blipFill rotWithShape="1">
+          <a:blip r:embed="rId7">
+            <a:alphaModFix/>
+          </a:blip>
+          <a:srcRect r="38608"/>
+          <a:stretch/>
+        </p:blipFill>
+        <p:spPr>
+          <a:xfrm>
+            <a:off x="6261931" y="281640"/>
+            <a:ext cx="2020890" cy="3291840"/>
+          </a:xfrm>
+          <a:prstGeom prst="rect">
+            <a:avLst/>
+          </a:prstGeom>
+          <a:noFill/>
+          <a:ln>
+            <a:noFill/>
+          </a:ln>
+        </p:spPr>
+      </p:pic>
+      <p:pic>
+        <p:nvPicPr>
+          <p:cNvPr id="166" name="Google Shape;166;p22"/>
+          <p:cNvPicPr preferRelativeResize="0"/>
+          <p:nvPr/>
+        </p:nvPicPr>
+        <p:blipFill rotWithShape="1">
+          <a:blip r:embed="rId3">
+            <a:alphaModFix/>
+          </a:blip>
+          <a:srcRect l="56366"/>
+          <a:stretch/>
+        </p:blipFill>
+        <p:spPr>
+          <a:xfrm>
+            <a:off x="4734127" y="373080"/>
+            <a:ext cx="1436370" cy="3291840"/>
+          </a:xfrm>
+          <a:prstGeom prst="rect">
+            <a:avLst/>
+          </a:prstGeom>
+          <a:noFill/>
+          <a:ln>
+            <a:noFill/>
+          </a:ln>
+        </p:spPr>
+      </p:pic>
+      <p:sp>
+        <p:nvSpPr>
+          <p:cNvPr id="167" name="Google Shape;167;p22"/>
+          <p:cNvSpPr/>
+          <p:nvPr/>
+        </p:nvSpPr>
+        <p:spPr>
+          <a:xfrm>
+            <a:off x="609600" y="6060540"/>
+            <a:ext cx="10972800" cy="850680"/>
+          </a:xfrm>
+          <a:prstGeom prst="rect">
+            <a:avLst/>
+          </a:prstGeom>
+          <a:solidFill>
+            <a:schemeClr val="lt1"/>
+          </a:solidFill>
+          <a:ln w="9525" cap="flat" cmpd="sng">
+            <a:solidFill>
+              <a:schemeClr val="lt1"/>
+            </a:solidFill>
+            <a:prstDash val="solid"/>
+            <a:round/>
+            <a:headEnd type="none" w="sm" len="sm"/>
+            <a:tailEnd type="none" w="sm" len="sm"/>
+          </a:ln>
+        </p:spPr>
+        <p:txBody>
+          <a:bodyPr spcFirstLastPara="1" wrap="square" lIns="109710" tIns="109710" rIns="109710" bIns="109710" anchor="ctr" anchorCtr="0">
+            <a:noAutofit/>
+          </a:bodyPr>
+          <a:lstStyle/>
+          <a:p>
+            <a:pPr algn="ctr"/>
+            <a:endParaRPr sz="2160">
+              <a:latin typeface="Cambria"/>
+              <a:ea typeface="Cambria"/>
+              <a:cs typeface="Cambria"/>
+              <a:sym typeface="Cambria"/>
+            </a:endParaRPr>
+          </a:p>
+        </p:txBody>
+      </p:sp>
+      <p:sp>
+        <p:nvSpPr>
+          <p:cNvPr id="168" name="Google Shape;168;p22"/>
+          <p:cNvSpPr txBox="1"/>
+          <p:nvPr/>
+        </p:nvSpPr>
+        <p:spPr>
+          <a:xfrm>
+            <a:off x="518160" y="-91440"/>
+            <a:ext cx="1368720" cy="553961"/>
+          </a:xfrm>
+          <a:prstGeom prst="rect">
+            <a:avLst/>
+          </a:prstGeom>
+          <a:noFill/>
+          <a:ln>
+            <a:noFill/>
+          </a:ln>
+        </p:spPr>
+        <p:txBody>
+          <a:bodyPr spcFirstLastPara="1" wrap="square" lIns="109710" tIns="109710" rIns="109710" bIns="109710" anchor="t" anchorCtr="0">
+            <a:spAutoFit/>
+          </a:bodyPr>
+          <a:lstStyle/>
+          <a:p>
+            <a:r>
+              <a:rPr lang="en-US" sz="2160">
+                <a:solidFill>
+                  <a:srgbClr val="7F7F7F"/>
+                </a:solidFill>
+                <a:latin typeface="Cambria"/>
+                <a:ea typeface="Cambria"/>
+                <a:cs typeface="Cambria"/>
+                <a:sym typeface="Cambria"/>
+              </a:rPr>
+              <a:t>South</a:t>
+            </a:r>
+            <a:endParaRPr sz="2160">
+              <a:solidFill>
+                <a:srgbClr val="7F7F7F"/>
+              </a:solidFill>
+              <a:latin typeface="Cambria"/>
+              <a:ea typeface="Cambria"/>
+              <a:cs typeface="Cambria"/>
+              <a:sym typeface="Cambria"/>
+            </a:endParaRPr>
+          </a:p>
+        </p:txBody>
+      </p:sp>
+      <p:pic>
+        <p:nvPicPr>
+          <p:cNvPr id="169" name="Google Shape;169;p22"/>
+          <p:cNvPicPr preferRelativeResize="0"/>
+          <p:nvPr/>
+        </p:nvPicPr>
+        <p:blipFill>
+          <a:blip r:embed="rId8">
+            <a:alphaModFix/>
+          </a:blip>
+          <a:stretch>
+            <a:fillRect/>
+          </a:stretch>
+        </p:blipFill>
+        <p:spPr>
+          <a:xfrm>
+            <a:off x="959730" y="3705150"/>
+            <a:ext cx="3127248" cy="3127248"/>
+          </a:xfrm>
+          <a:prstGeom prst="rect">
+            <a:avLst/>
+          </a:prstGeom>
+          <a:noFill/>
+          <a:ln>
+            <a:noFill/>
+          </a:ln>
+        </p:spPr>
+      </p:pic>
+      <p:pic>
+        <p:nvPicPr>
+          <p:cNvPr id="170" name="Google Shape;170;p22"/>
+          <p:cNvPicPr preferRelativeResize="0"/>
+          <p:nvPr/>
+        </p:nvPicPr>
+        <p:blipFill>
+          <a:blip r:embed="rId9">
+            <a:alphaModFix/>
+          </a:blip>
+          <a:stretch>
+            <a:fillRect/>
+          </a:stretch>
+        </p:blipFill>
+        <p:spPr>
+          <a:xfrm>
+            <a:off x="4450080" y="3703590"/>
+            <a:ext cx="3127248" cy="3127248"/>
+          </a:xfrm>
+          <a:prstGeom prst="rect">
+            <a:avLst/>
+          </a:prstGeom>
+          <a:noFill/>
+          <a:ln>
+            <a:noFill/>
+          </a:ln>
+        </p:spPr>
+      </p:pic>
+      <p:pic>
+        <p:nvPicPr>
+          <p:cNvPr id="171" name="Google Shape;171;p22"/>
+          <p:cNvPicPr preferRelativeResize="0"/>
+          <p:nvPr/>
+        </p:nvPicPr>
+        <p:blipFill>
+          <a:blip r:embed="rId10">
+            <a:alphaModFix/>
+          </a:blip>
+          <a:stretch>
+            <a:fillRect/>
+          </a:stretch>
+        </p:blipFill>
+        <p:spPr>
+          <a:xfrm>
+            <a:off x="7940430" y="3703590"/>
+            <a:ext cx="3127248" cy="3127248"/>
+          </a:xfrm>
+          <a:prstGeom prst="rect">
+            <a:avLst/>
+          </a:prstGeom>
+          <a:noFill/>
+          <a:ln>
+            <a:noFill/>
+          </a:ln>
+        </p:spPr>
+      </p:pic>
+    </p:spTree>
+    <p:extLst>
+      <p:ext uri="{BB962C8B-B14F-4D97-AF65-F5344CB8AC3E}">
+        <p14:creationId xmlns:p14="http://schemas.microsoft.com/office/powerpoint/2010/main" val="2383986814"/>
+      </p:ext>
+    </p:extLst>
+  </p:cSld>
+  <p:clrMapOvr>
+    <a:masterClrMapping/>
+  </p:clrMapOvr>
+</p:sld>
+</file>
+
+<file path=ppt/slides/slide4.xml><?xml version="1.0" encoding="utf-8"?>
+<p:sld xmlns:a="http://schemas.openxmlformats.org/drawingml/2006/main" xmlns:r="http://schemas.openxmlformats.org/officeDocument/2006/relationships" xmlns:p="http://schemas.openxmlformats.org/presentationml/2006/main">
+  <p:cSld>
+    <p:bg>
+      <p:bgPr>
+        <a:solidFill>
+          <a:srgbClr val="0070C0"/>
+        </a:solidFill>
+        <a:effectLst/>
+      </p:bgPr>
+    </p:bg>
+    <p:spTree>
+      <p:nvGrpSpPr>
+        <p:cNvPr id="1" name=""/>
+        <p:cNvGrpSpPr/>
+        <p:nvPr/>
+      </p:nvGrpSpPr>
+      <p:grpSpPr>
+        <a:xfrm>
+          <a:off x="0" y="0"/>
+          <a:ext cx="0" cy="0"/>
+          <a:chOff x="0" y="0"/>
+          <a:chExt cx="0" cy="0"/>
+        </a:xfrm>
+      </p:grpSpPr>
+      <p:sp>
+        <p:nvSpPr>
+          <p:cNvPr id="4" name="TextBox 3"/>
+          <p:cNvSpPr txBox="1"/>
+          <p:nvPr/>
+        </p:nvSpPr>
+        <p:spPr>
+          <a:xfrm>
+            <a:off x="1040963" y="2420858"/>
+            <a:ext cx="9925987" cy="1631216"/>
+          </a:xfrm>
+          <a:prstGeom prst="rect">
+            <a:avLst/>
+          </a:prstGeom>
+          <a:noFill/>
+        </p:spPr>
+        <p:txBody>
+          <a:bodyPr wrap="none" rtlCol="0">
+            <a:spAutoFit/>
+          </a:bodyPr>
+          <a:lstStyle/>
+          <a:p>
+            <a:r>
+              <a:rPr lang="en-US" sz="10000" dirty="0" smtClean="0"/>
+              <a:t>Sensitivity Tests #3</a:t>
+            </a:r>
+            <a:endParaRPr lang="en-US" sz="10000" dirty="0"/>
+          </a:p>
+        </p:txBody>
+      </p:sp>
+    </p:spTree>
+    <p:extLst>
+      <p:ext uri="{BB962C8B-B14F-4D97-AF65-F5344CB8AC3E}">
+        <p14:creationId xmlns:p14="http://schemas.microsoft.com/office/powerpoint/2010/main" val="238732756"/>
+      </p:ext>
+    </p:extLst>
+  </p:cSld>
+  <p:clrMapOvr>
+    <a:masterClrMapping/>
+  </p:clrMapOvr>
+</p:sld>
+</file>
+
+<file path=ppt/slides/slide40.xml><?xml version="1.0" encoding="utf-8"?>
+<p:sld xmlns:a="http://schemas.openxmlformats.org/drawingml/2006/main" xmlns:r="http://schemas.openxmlformats.org/officeDocument/2006/relationships" xmlns:p="http://schemas.openxmlformats.org/presentationml/2006/main">
+  <p:cSld>
+    <p:spTree>
+      <p:nvGrpSpPr>
+        <p:cNvPr id="1" name=""/>
+        <p:cNvGrpSpPr/>
+        <p:nvPr/>
+      </p:nvGrpSpPr>
+      <p:grpSpPr>
+        <a:xfrm>
+          <a:off x="0" y="0"/>
+          <a:ext cx="0" cy="0"/>
+          <a:chOff x="0" y="0"/>
+          <a:chExt cx="0" cy="0"/>
+        </a:xfrm>
+      </p:grpSpPr>
+      <p:sp>
+        <p:nvSpPr>
+          <p:cNvPr id="2" name="Title 1"/>
+          <p:cNvSpPr>
+            <a:spLocks noGrp="1"/>
+          </p:cNvSpPr>
+          <p:nvPr>
+            <p:ph type="title"/>
+          </p:nvPr>
+        </p:nvSpPr>
+        <p:spPr/>
+        <p:txBody>
+          <a:bodyPr/>
+          <a:lstStyle/>
+          <a:p>
+            <a:r>
+              <a:rPr lang="en-US" dirty="0" smtClean="0"/>
+              <a:t>Options for Sensitivity Item 3</a:t>
+            </a:r>
+            <a:endParaRPr lang="en-US" dirty="0"/>
+          </a:p>
+        </p:txBody>
+      </p:sp>
+      <p:sp>
+        <p:nvSpPr>
+          <p:cNvPr id="3" name="Content Placeholder 2"/>
+          <p:cNvSpPr>
+            <a:spLocks noGrp="1"/>
+          </p:cNvSpPr>
+          <p:nvPr>
+            <p:ph idx="1"/>
+          </p:nvPr>
+        </p:nvSpPr>
+        <p:spPr/>
+        <p:txBody>
+          <a:bodyPr/>
+          <a:lstStyle/>
+          <a:p>
+            <a:pPr marL="514350" indent="-514350">
+              <a:buFont typeface="+mj-lt"/>
+              <a:buAutoNum type="arabicPeriod"/>
+            </a:pPr>
+            <a:r>
+              <a:rPr lang="en-US" dirty="0" smtClean="0">
+                <a:solidFill>
+                  <a:schemeClr val="bg1">
+                    <a:lumMod val="95000"/>
+                  </a:schemeClr>
+                </a:solidFill>
+              </a:rPr>
+              <a:t>Compare WHAM SSB estimates to the number/tow time series from the individual surveys</a:t>
+            </a:r>
+          </a:p>
+          <a:p>
+            <a:pPr marL="514350" indent="-514350">
+              <a:buFont typeface="+mj-lt"/>
+              <a:buAutoNum type="arabicPeriod"/>
+            </a:pPr>
+            <a:r>
+              <a:rPr lang="en-US" dirty="0">
+                <a:solidFill>
+                  <a:schemeClr val="bg1">
+                    <a:lumMod val="95000"/>
+                  </a:schemeClr>
+                </a:solidFill>
+              </a:rPr>
+              <a:t>Compare WHAM run with run with each index individually, rather than the VAST INDEX</a:t>
+            </a:r>
+          </a:p>
+          <a:p>
+            <a:pPr lvl="1"/>
+            <a:r>
+              <a:rPr lang="en-US" dirty="0">
+                <a:solidFill>
+                  <a:schemeClr val="bg1">
+                    <a:lumMod val="95000"/>
+                  </a:schemeClr>
+                </a:solidFill>
+              </a:rPr>
+              <a:t>Leave-one-out analysis</a:t>
+            </a:r>
+          </a:p>
+          <a:p>
+            <a:pPr marL="514350" indent="-514350">
+              <a:buFont typeface="+mj-lt"/>
+              <a:buAutoNum type="arabicPeriod"/>
+            </a:pPr>
+            <a:r>
+              <a:rPr lang="en-US" dirty="0" smtClean="0">
+                <a:solidFill>
+                  <a:schemeClr val="bg1">
+                    <a:lumMod val="95000"/>
+                  </a:schemeClr>
+                </a:solidFill>
+              </a:rPr>
+              <a:t>Compare WHAM run with just NEFSC BTS, NEAMAP, and </a:t>
+            </a:r>
+            <a:r>
+              <a:rPr lang="en-US" dirty="0" err="1" smtClean="0">
+                <a:solidFill>
+                  <a:schemeClr val="bg1">
+                    <a:lumMod val="95000"/>
+                  </a:schemeClr>
+                </a:solidFill>
+              </a:rPr>
+              <a:t>RecCPA</a:t>
+            </a:r>
+            <a:endParaRPr lang="en-US" dirty="0" smtClean="0">
+              <a:solidFill>
+                <a:schemeClr val="bg1">
+                  <a:lumMod val="95000"/>
+                </a:schemeClr>
+              </a:solidFill>
+            </a:endParaRPr>
+          </a:p>
+          <a:p>
+            <a:pPr marL="514350" indent="-514350">
+              <a:buFont typeface="+mj-lt"/>
+              <a:buAutoNum type="arabicPeriod"/>
+            </a:pPr>
+            <a:r>
+              <a:rPr lang="en-US" dirty="0" smtClean="0"/>
+              <a:t>Examine current VAST model to see if weighting for each survey could be extracted</a:t>
+            </a:r>
+          </a:p>
+          <a:p>
+            <a:pPr marL="514350" indent="-514350">
+              <a:buFont typeface="+mj-lt"/>
+              <a:buAutoNum type="arabicPeriod"/>
+            </a:pPr>
+            <a:r>
+              <a:rPr lang="en-US" dirty="0" smtClean="0">
+                <a:solidFill>
+                  <a:schemeClr val="bg1">
+                    <a:lumMod val="95000"/>
+                  </a:schemeClr>
+                </a:solidFill>
+              </a:rPr>
+              <a:t>Re run VAST with just Spring and Fall NEFSC BTS/ NEAMAP</a:t>
+            </a:r>
+            <a:endParaRPr lang="en-US" dirty="0">
+              <a:solidFill>
+                <a:schemeClr val="bg1">
+                  <a:lumMod val="95000"/>
+                </a:schemeClr>
+              </a:solidFill>
+            </a:endParaRPr>
+          </a:p>
+        </p:txBody>
+      </p:sp>
+    </p:spTree>
+    <p:extLst>
+      <p:ext uri="{BB962C8B-B14F-4D97-AF65-F5344CB8AC3E}">
+        <p14:creationId xmlns:p14="http://schemas.microsoft.com/office/powerpoint/2010/main" val="1945882919"/>
+      </p:ext>
+    </p:extLst>
+  </p:cSld>
+  <p:clrMapOvr>
+    <a:masterClrMapping/>
+  </p:clrMapOvr>
+  <p:timing>
+    <p:tnLst>
+      <p:par>
+        <p:cTn id="1" dur="indefinite" restart="never" nodeType="tmRoot"/>
+      </p:par>
+    </p:tnLst>
+  </p:timing>
+</p:sld>
+</file>
+
+<file path=ppt/slides/slide41.xml><?xml version="1.0" encoding="utf-8"?>
+<p:sld xmlns:a="http://schemas.openxmlformats.org/drawingml/2006/main" xmlns:r="http://schemas.openxmlformats.org/officeDocument/2006/relationships" xmlns:p="http://schemas.openxmlformats.org/presentationml/2006/main">
+  <p:cSld>
+    <p:spTree>
+      <p:nvGrpSpPr>
+        <p:cNvPr id="1" name=""/>
+        <p:cNvGrpSpPr/>
+        <p:nvPr/>
+      </p:nvGrpSpPr>
+      <p:grpSpPr>
+        <a:xfrm>
+          <a:off x="0" y="0"/>
+          <a:ext cx="0" cy="0"/>
+          <a:chOff x="0" y="0"/>
+          <a:chExt cx="0" cy="0"/>
+        </a:xfrm>
+      </p:grpSpPr>
+      <p:pic>
+        <p:nvPicPr>
+          <p:cNvPr id="1027" name="Picture 3" descr="https://lh7-us.googleusercontent.com/UrLwab2bjh-H6iojPZbUuAFKQowI8YHQhL2tzrSRlIPpQdEDBg62ZzMDIAUoKfkt4hyNtVShBHcI_eeZ6f3eHXE2KcCEfzAGtkcOXdQ5BAL-c3I_UPhPGSuCWFMlHQUwcCefbq8p7JdXF0mzIsClkPKijw=s2048"/>
+          <p:cNvPicPr>
+            <a:picLocks noChangeAspect="1" noChangeArrowheads="1"/>
+          </p:cNvPicPr>
+          <p:nvPr/>
+        </p:nvPicPr>
+        <p:blipFill>
+          <a:blip r:embed="rId2">
+            <a:extLst>
+              <a:ext uri="{28A0092B-C50C-407E-A947-70E740481C1C}">
+                <a14:useLocalDpi xmlns:a14="http://schemas.microsoft.com/office/drawing/2010/main" val="0"/>
+              </a:ext>
+            </a:extLst>
+          </a:blip>
+          <a:srcRect/>
+          <a:stretch>
+            <a:fillRect/>
+          </a:stretch>
+        </p:blipFill>
+        <p:spPr bwMode="auto">
+          <a:xfrm>
+            <a:off x="165833" y="964406"/>
+            <a:ext cx="4819650" cy="4929187"/>
+          </a:xfrm>
+          <a:prstGeom prst="rect">
+            <a:avLst/>
+          </a:prstGeom>
+          <a:noFill/>
+          <a:extLst>
+            <a:ext uri="{909E8E84-426E-40DD-AFC4-6F175D3DCCD1}">
+              <a14:hiddenFill xmlns:a14="http://schemas.microsoft.com/office/drawing/2010/main">
+                <a:solidFill>
+                  <a:srgbClr val="FFFFFF"/>
+                </a:solidFill>
+              </a14:hiddenFill>
+            </a:ext>
+          </a:extLst>
+        </p:spPr>
+      </p:pic>
+      <p:pic>
+        <p:nvPicPr>
+          <p:cNvPr id="1026" name="Picture 2" descr="https://lh7-us.googleusercontent.com/7R-Ty2aayX_Cx-n095Nnon30sgk93vLKObPBl7MJYWOcmiXdTBJOykcJiuiJlBtQ2nSKx7rBLqQ9TdXjpK9qCXqylP7sEApOwkTcr_DsqxP0xGEnGKN4Ko4BVfJ3_gFSLLwnC0tc7stjkRkZ2N6gYcl5iw=s2048"/>
+          <p:cNvPicPr>
+            <a:picLocks noChangeAspect="1" noChangeArrowheads="1"/>
+          </p:cNvPicPr>
+          <p:nvPr/>
+        </p:nvPicPr>
+        <p:blipFill>
+          <a:blip r:embed="rId3">
+            <a:extLst>
+              <a:ext uri="{28A0092B-C50C-407E-A947-70E740481C1C}">
+                <a14:useLocalDpi xmlns:a14="http://schemas.microsoft.com/office/drawing/2010/main" val="0"/>
+              </a:ext>
+            </a:extLst>
+          </a:blip>
+          <a:srcRect/>
+          <a:stretch>
+            <a:fillRect/>
+          </a:stretch>
+        </p:blipFill>
+        <p:spPr bwMode="auto">
+          <a:xfrm>
+            <a:off x="5178523" y="-1"/>
+            <a:ext cx="6858000" cy="6858000"/>
+          </a:xfrm>
+          <a:prstGeom prst="rect">
+            <a:avLst/>
+          </a:prstGeom>
+          <a:noFill/>
+          <a:extLst>
+            <a:ext uri="{909E8E84-426E-40DD-AFC4-6F175D3DCCD1}">
+              <a14:hiddenFill xmlns:a14="http://schemas.microsoft.com/office/drawing/2010/main">
+                <a:solidFill>
+                  <a:srgbClr val="FFFFFF"/>
+                </a:solidFill>
+              </a14:hiddenFill>
+            </a:ext>
+          </a:extLst>
+        </p:spPr>
+      </p:pic>
+    </p:spTree>
+    <p:extLst>
+      <p:ext uri="{BB962C8B-B14F-4D97-AF65-F5344CB8AC3E}">
+        <p14:creationId xmlns:p14="http://schemas.microsoft.com/office/powerpoint/2010/main" val="461883125"/>
+      </p:ext>
+    </p:extLst>
+  </p:cSld>
+  <p:clrMapOvr>
+    <a:masterClrMapping/>
+  </p:clrMapOvr>
+</p:sld>
+</file>
+
+<file path=ppt/slides/slide42.xml><?xml version="1.0" encoding="utf-8"?>
+<p:sld xmlns:a="http://schemas.openxmlformats.org/drawingml/2006/main" xmlns:r="http://schemas.openxmlformats.org/officeDocument/2006/relationships" xmlns:p="http://schemas.openxmlformats.org/presentationml/2006/main">
+  <p:cSld>
+    <p:spTree>
+      <p:nvGrpSpPr>
+        <p:cNvPr id="1" name=""/>
+        <p:cNvGrpSpPr/>
+        <p:nvPr/>
+      </p:nvGrpSpPr>
+      <p:grpSpPr>
+        <a:xfrm>
+          <a:off x="0" y="0"/>
+          <a:ext cx="0" cy="0"/>
+          <a:chOff x="0" y="0"/>
+          <a:chExt cx="0" cy="0"/>
+        </a:xfrm>
+      </p:grpSpPr>
+      <p:sp>
+        <p:nvSpPr>
+          <p:cNvPr id="2" name="Title 1"/>
+          <p:cNvSpPr>
+            <a:spLocks noGrp="1"/>
+          </p:cNvSpPr>
+          <p:nvPr>
+            <p:ph type="title"/>
+          </p:nvPr>
+        </p:nvSpPr>
+        <p:spPr/>
+        <p:txBody>
+          <a:bodyPr/>
+          <a:lstStyle/>
+          <a:p>
+            <a:r>
+              <a:rPr lang="en-US" dirty="0" smtClean="0"/>
+              <a:t>Options for Sensitivity Item 3</a:t>
+            </a:r>
+            <a:endParaRPr lang="en-US" dirty="0"/>
+          </a:p>
+        </p:txBody>
+      </p:sp>
+      <p:sp>
+        <p:nvSpPr>
+          <p:cNvPr id="3" name="Content Placeholder 2"/>
+          <p:cNvSpPr>
+            <a:spLocks noGrp="1"/>
+          </p:cNvSpPr>
+          <p:nvPr>
+            <p:ph idx="1"/>
+          </p:nvPr>
+        </p:nvSpPr>
+        <p:spPr/>
+        <p:txBody>
+          <a:bodyPr/>
+          <a:lstStyle/>
+          <a:p>
+            <a:pPr marL="514350" indent="-514350">
+              <a:buFont typeface="+mj-lt"/>
+              <a:buAutoNum type="arabicPeriod"/>
+            </a:pPr>
+            <a:r>
+              <a:rPr lang="en-US" dirty="0" smtClean="0">
+                <a:solidFill>
+                  <a:schemeClr val="bg1">
+                    <a:lumMod val="95000"/>
+                  </a:schemeClr>
+                </a:solidFill>
+              </a:rPr>
+              <a:t>Compare WHAM SSB estimates to the number/tow time series from the individual surveys</a:t>
+            </a:r>
+          </a:p>
+          <a:p>
+            <a:pPr marL="514350" indent="-514350">
+              <a:buFont typeface="+mj-lt"/>
+              <a:buAutoNum type="arabicPeriod"/>
+            </a:pPr>
+            <a:r>
+              <a:rPr lang="en-US" dirty="0">
+                <a:solidFill>
+                  <a:schemeClr val="bg1">
+                    <a:lumMod val="95000"/>
+                  </a:schemeClr>
+                </a:solidFill>
+              </a:rPr>
+              <a:t>Compare WHAM run with run with each index individually, rather than the VAST INDEX</a:t>
+            </a:r>
+          </a:p>
+          <a:p>
+            <a:pPr lvl="1"/>
+            <a:r>
+              <a:rPr lang="en-US" dirty="0">
+                <a:solidFill>
+                  <a:schemeClr val="bg1">
+                    <a:lumMod val="95000"/>
+                  </a:schemeClr>
+                </a:solidFill>
+              </a:rPr>
+              <a:t>Leave-one-out analysis</a:t>
+            </a:r>
+          </a:p>
+          <a:p>
+            <a:pPr marL="514350" indent="-514350">
+              <a:buFont typeface="+mj-lt"/>
+              <a:buAutoNum type="arabicPeriod"/>
+            </a:pPr>
+            <a:r>
+              <a:rPr lang="en-US" dirty="0" smtClean="0">
+                <a:solidFill>
+                  <a:schemeClr val="bg1">
+                    <a:lumMod val="95000"/>
+                  </a:schemeClr>
+                </a:solidFill>
+              </a:rPr>
+              <a:t>Compare WHAM run with just NEFSC BTS, NEAMAP, and </a:t>
+            </a:r>
+            <a:r>
+              <a:rPr lang="en-US" dirty="0" err="1" smtClean="0">
+                <a:solidFill>
+                  <a:schemeClr val="bg1">
+                    <a:lumMod val="95000"/>
+                  </a:schemeClr>
+                </a:solidFill>
+              </a:rPr>
+              <a:t>RecCPA</a:t>
+            </a:r>
+            <a:endParaRPr lang="en-US" dirty="0" smtClean="0">
+              <a:solidFill>
+                <a:schemeClr val="bg1">
+                  <a:lumMod val="95000"/>
+                </a:schemeClr>
+              </a:solidFill>
+            </a:endParaRPr>
+          </a:p>
+          <a:p>
+            <a:pPr marL="514350" indent="-514350">
+              <a:buFont typeface="+mj-lt"/>
+              <a:buAutoNum type="arabicPeriod"/>
+            </a:pPr>
+            <a:r>
+              <a:rPr lang="en-US" dirty="0" smtClean="0"/>
+              <a:t>Examine current VAST model to see if weighting for each survey could be extracted</a:t>
+            </a:r>
+          </a:p>
+          <a:p>
+            <a:pPr marL="514350" indent="-514350">
+              <a:buFont typeface="+mj-lt"/>
+              <a:buAutoNum type="arabicPeriod"/>
+            </a:pPr>
+            <a:r>
+              <a:rPr lang="en-US" dirty="0" smtClean="0">
+                <a:solidFill>
+                  <a:schemeClr val="bg1">
+                    <a:lumMod val="95000"/>
+                  </a:schemeClr>
+                </a:solidFill>
+              </a:rPr>
+              <a:t>Re run VAST with just Spring and Fall NEFSC BTS/ NEAMAP</a:t>
+            </a:r>
+            <a:endParaRPr lang="en-US" dirty="0">
+              <a:solidFill>
+                <a:schemeClr val="bg1">
+                  <a:lumMod val="95000"/>
+                </a:schemeClr>
+              </a:solidFill>
+            </a:endParaRPr>
+          </a:p>
+        </p:txBody>
+      </p:sp>
+    </p:spTree>
+    <p:extLst>
+      <p:ext uri="{BB962C8B-B14F-4D97-AF65-F5344CB8AC3E}">
+        <p14:creationId xmlns:p14="http://schemas.microsoft.com/office/powerpoint/2010/main" val="710893912"/>
+      </p:ext>
+    </p:extLst>
+  </p:cSld>
+  <p:clrMapOvr>
+    <a:masterClrMapping/>
+  </p:clrMapOvr>
+  <p:timing>
+    <p:tnLst>
+      <p:par>
+        <p:cTn id="1" dur="indefinite" restart="never" nodeType="tmRoot"/>
+      </p:par>
+    </p:tnLst>
+  </p:timing>
+</p:sld>
+</file>
+
+<file path=ppt/slides/slide43.xml><?xml version="1.0" encoding="utf-8"?>
+<p:sld xmlns:a="http://schemas.openxmlformats.org/drawingml/2006/main" xmlns:r="http://schemas.openxmlformats.org/officeDocument/2006/relationships" xmlns:p="http://schemas.openxmlformats.org/presentationml/2006/main" show="0">
+  <p:cSld>
+    <p:spTree>
+      <p:nvGrpSpPr>
+        <p:cNvPr id="1" name=""/>
+        <p:cNvGrpSpPr/>
+        <p:nvPr/>
+      </p:nvGrpSpPr>
+      <p:grpSpPr>
+        <a:xfrm>
+          <a:off x="0" y="0"/>
+          <a:ext cx="0" cy="0"/>
+          <a:chOff x="0" y="0"/>
+          <a:chExt cx="0" cy="0"/>
+        </a:xfrm>
+      </p:grpSpPr>
+      <p:sp>
+        <p:nvSpPr>
+          <p:cNvPr id="4" name="Title 3"/>
+          <p:cNvSpPr>
+            <a:spLocks noGrp="1"/>
+          </p:cNvSpPr>
+          <p:nvPr>
+            <p:ph type="title"/>
+          </p:nvPr>
+        </p:nvSpPr>
+        <p:spPr/>
+        <p:txBody>
+          <a:bodyPr/>
+          <a:lstStyle/>
+          <a:p>
+            <a:r>
+              <a:rPr lang="en-US" dirty="0" smtClean="0"/>
+              <a:t>Option 3: Run38 (NEAMAP Spring/Fall?)</a:t>
+            </a:r>
+            <a:endParaRPr lang="en-US" dirty="0"/>
+          </a:p>
+        </p:txBody>
+      </p:sp>
+      <p:sp>
+        <p:nvSpPr>
+          <p:cNvPr id="5" name="Text Placeholder 4"/>
+          <p:cNvSpPr>
+            <a:spLocks noGrp="1"/>
+          </p:cNvSpPr>
+          <p:nvPr>
+            <p:ph type="body" idx="1"/>
+          </p:nvPr>
+        </p:nvSpPr>
+        <p:spPr/>
+        <p:txBody>
+          <a:bodyPr/>
+          <a:lstStyle/>
+          <a:p>
+            <a:r>
+              <a:rPr lang="en-US" dirty="0" smtClean="0"/>
+              <a:t>Run 34 Indices</a:t>
+            </a:r>
+            <a:endParaRPr lang="en-US" dirty="0"/>
+          </a:p>
+        </p:txBody>
+      </p:sp>
+      <p:sp>
+        <p:nvSpPr>
+          <p:cNvPr id="6" name="Content Placeholder 5"/>
+          <p:cNvSpPr>
+            <a:spLocks noGrp="1"/>
+          </p:cNvSpPr>
+          <p:nvPr>
+            <p:ph sz="half" idx="2"/>
+          </p:nvPr>
+        </p:nvSpPr>
+        <p:spPr/>
+        <p:txBody>
+          <a:bodyPr>
+            <a:normAutofit/>
+          </a:bodyPr>
+          <a:lstStyle/>
+          <a:p>
+            <a:r>
+              <a:rPr lang="en-US" dirty="0" smtClean="0"/>
+              <a:t>North VAST</a:t>
+            </a:r>
+          </a:p>
+          <a:p>
+            <a:pPr lvl="1"/>
+            <a:r>
+              <a:rPr lang="en-US" dirty="0" err="1" smtClean="0">
+                <a:solidFill>
+                  <a:schemeClr val="accent5">
+                    <a:lumMod val="75000"/>
+                  </a:schemeClr>
+                </a:solidFill>
+              </a:rPr>
+              <a:t>Sel</a:t>
+            </a:r>
+            <a:r>
+              <a:rPr lang="en-US" dirty="0">
+                <a:solidFill>
+                  <a:schemeClr val="accent5">
+                    <a:lumMod val="75000"/>
+                  </a:schemeClr>
+                </a:solidFill>
+              </a:rPr>
+              <a:t> </a:t>
+            </a:r>
+            <a:r>
+              <a:rPr lang="en-US" dirty="0" smtClean="0">
+                <a:solidFill>
+                  <a:schemeClr val="accent5">
+                    <a:lumMod val="75000"/>
+                  </a:schemeClr>
+                </a:solidFill>
+              </a:rPr>
+              <a:t>RE: 2dar1</a:t>
+            </a:r>
+          </a:p>
+          <a:p>
+            <a:pPr lvl="1"/>
+            <a:r>
+              <a:rPr lang="en-US" dirty="0" smtClean="0">
+                <a:solidFill>
+                  <a:schemeClr val="accent4">
+                    <a:lumMod val="75000"/>
+                  </a:schemeClr>
+                </a:solidFill>
+              </a:rPr>
+              <a:t>Age comp: </a:t>
+            </a:r>
+            <a:r>
+              <a:rPr lang="en-US" dirty="0" err="1" smtClean="0">
+                <a:solidFill>
+                  <a:schemeClr val="accent4">
+                    <a:lumMod val="75000"/>
+                  </a:schemeClr>
+                </a:solidFill>
+              </a:rPr>
+              <a:t>dir-mult</a:t>
+            </a:r>
+            <a:endParaRPr lang="en-US" dirty="0" smtClean="0">
+              <a:solidFill>
+                <a:schemeClr val="accent4">
+                  <a:lumMod val="75000"/>
+                </a:schemeClr>
+              </a:solidFill>
+            </a:endParaRPr>
+          </a:p>
+          <a:p>
+            <a:r>
+              <a:rPr lang="en-US" dirty="0" smtClean="0"/>
+              <a:t>South VAST</a:t>
+            </a:r>
+          </a:p>
+          <a:p>
+            <a:pPr lvl="1"/>
+            <a:r>
+              <a:rPr lang="en-US" dirty="0" err="1" smtClean="0">
+                <a:solidFill>
+                  <a:schemeClr val="accent5">
+                    <a:lumMod val="75000"/>
+                  </a:schemeClr>
+                </a:solidFill>
+              </a:rPr>
+              <a:t>Sel</a:t>
+            </a:r>
+            <a:r>
+              <a:rPr lang="en-US" dirty="0" smtClean="0">
+                <a:solidFill>
+                  <a:schemeClr val="accent5">
+                    <a:lumMod val="75000"/>
+                  </a:schemeClr>
+                </a:solidFill>
+              </a:rPr>
+              <a:t> RE: none</a:t>
+            </a:r>
+          </a:p>
+          <a:p>
+            <a:pPr lvl="1"/>
+            <a:r>
+              <a:rPr lang="en-US" dirty="0" smtClean="0">
+                <a:solidFill>
+                  <a:schemeClr val="accent4">
+                    <a:lumMod val="75000"/>
+                  </a:schemeClr>
+                </a:solidFill>
+              </a:rPr>
+              <a:t>Age comp: logistic-normal-ar1-miss0</a:t>
+            </a:r>
+          </a:p>
+        </p:txBody>
+      </p:sp>
+      <p:sp>
+        <p:nvSpPr>
+          <p:cNvPr id="7" name="Text Placeholder 6"/>
+          <p:cNvSpPr>
+            <a:spLocks noGrp="1"/>
+          </p:cNvSpPr>
+          <p:nvPr>
+            <p:ph type="body" sz="quarter" idx="3"/>
+          </p:nvPr>
+        </p:nvSpPr>
+        <p:spPr/>
+        <p:txBody>
+          <a:bodyPr/>
+          <a:lstStyle/>
+          <a:p>
+            <a:r>
+              <a:rPr lang="en-US" dirty="0" smtClean="0"/>
+              <a:t>Run 38 Indices</a:t>
+            </a:r>
+            <a:endParaRPr lang="en-US" dirty="0"/>
+          </a:p>
+        </p:txBody>
+      </p:sp>
+      <p:sp>
+        <p:nvSpPr>
+          <p:cNvPr id="8" name="Content Placeholder 7"/>
+          <p:cNvSpPr>
+            <a:spLocks noGrp="1"/>
+          </p:cNvSpPr>
+          <p:nvPr>
+            <p:ph sz="quarter" idx="4"/>
+          </p:nvPr>
+        </p:nvSpPr>
+        <p:spPr>
+          <a:xfrm>
+            <a:off x="6172200" y="2505075"/>
+            <a:ext cx="2728866" cy="3684588"/>
+          </a:xfrm>
+        </p:spPr>
+        <p:txBody>
+          <a:bodyPr>
+            <a:normAutofit/>
+          </a:bodyPr>
+          <a:lstStyle/>
+          <a:p>
+            <a:r>
+              <a:rPr lang="en-US" dirty="0" smtClean="0"/>
+              <a:t>North</a:t>
+            </a:r>
+          </a:p>
+          <a:p>
+            <a:pPr lvl="1"/>
+            <a:r>
+              <a:rPr lang="en-US" dirty="0" smtClean="0"/>
+              <a:t>Spring Albatross</a:t>
+            </a:r>
+          </a:p>
+          <a:p>
+            <a:pPr lvl="1"/>
+            <a:r>
+              <a:rPr lang="en-US" dirty="0" smtClean="0"/>
+              <a:t>NEAMAP</a:t>
+            </a:r>
+          </a:p>
+          <a:p>
+            <a:pPr lvl="1"/>
+            <a:r>
+              <a:rPr lang="en-US" dirty="0" smtClean="0"/>
+              <a:t>Bigelow</a:t>
+            </a:r>
+          </a:p>
+          <a:p>
+            <a:r>
+              <a:rPr lang="en-US" dirty="0" err="1" smtClean="0">
+                <a:solidFill>
+                  <a:schemeClr val="accent5">
+                    <a:lumMod val="75000"/>
+                  </a:schemeClr>
+                </a:solidFill>
+              </a:rPr>
+              <a:t>Sel</a:t>
+            </a:r>
+            <a:r>
+              <a:rPr lang="en-US" dirty="0" smtClean="0">
+                <a:solidFill>
+                  <a:schemeClr val="accent5">
+                    <a:lumMod val="75000"/>
+                  </a:schemeClr>
+                </a:solidFill>
+              </a:rPr>
+              <a:t> RE: none</a:t>
+            </a:r>
+          </a:p>
+          <a:p>
+            <a:r>
+              <a:rPr lang="en-US" dirty="0" smtClean="0">
+                <a:solidFill>
+                  <a:schemeClr val="accent4">
+                    <a:lumMod val="75000"/>
+                  </a:schemeClr>
+                </a:solidFill>
+              </a:rPr>
+              <a:t>Age comp: </a:t>
+            </a:r>
+            <a:r>
+              <a:rPr lang="en-US" dirty="0" err="1" smtClean="0">
+                <a:solidFill>
+                  <a:schemeClr val="accent4">
+                    <a:lumMod val="75000"/>
+                  </a:schemeClr>
+                </a:solidFill>
+              </a:rPr>
+              <a:t>dir-mult</a:t>
+            </a:r>
+            <a:endParaRPr lang="en-US" dirty="0" smtClean="0">
+              <a:solidFill>
+                <a:schemeClr val="accent4">
+                  <a:lumMod val="75000"/>
+                </a:schemeClr>
+              </a:solidFill>
+            </a:endParaRPr>
+          </a:p>
+        </p:txBody>
+      </p:sp>
+      <p:sp>
+        <p:nvSpPr>
+          <p:cNvPr id="10" name="Content Placeholder 7"/>
+          <p:cNvSpPr txBox="1">
+            <a:spLocks/>
+          </p:cNvSpPr>
+          <p:nvPr/>
+        </p:nvSpPr>
+        <p:spPr>
+          <a:xfrm>
+            <a:off x="9075691" y="2391863"/>
+            <a:ext cx="2728866" cy="4200527"/>
+          </a:xfrm>
+          <a:prstGeom prst="rect">
+            <a:avLst/>
+          </a:prstGeom>
+        </p:spPr>
+        <p:txBody>
+          <a:bodyPr vert="horz" lIns="91440" tIns="45720" rIns="91440" bIns="45720" rtlCol="0">
+            <a:normAutofit/>
+          </a:bodyPr>
+          <a:lstStyle>
+            <a:lvl1pPr marL="228600" indent="-228600" algn="l" defTabSz="914400" rtl="0" eaLnBrk="1" latinLnBrk="0" hangingPunct="1">
+              <a:lnSpc>
+                <a:spcPct val="90000"/>
+              </a:lnSpc>
+              <a:spcBef>
+                <a:spcPts val="1000"/>
+              </a:spcBef>
+              <a:buFont typeface="Arial" panose="020B0604020202020204" pitchFamily="34" charset="0"/>
+              <a:buChar char="•"/>
+              <a:defRPr sz="2800" kern="1200">
+                <a:solidFill>
+                  <a:schemeClr val="tx1"/>
+                </a:solidFill>
+                <a:latin typeface="+mn-lt"/>
+                <a:ea typeface="+mn-ea"/>
+                <a:cs typeface="+mn-cs"/>
+              </a:defRPr>
+            </a:lvl1pPr>
+            <a:lvl2pPr marL="685800" indent="-228600" algn="l" defTabSz="914400" rtl="0" eaLnBrk="1" latinLnBrk="0" hangingPunct="1">
+              <a:lnSpc>
+                <a:spcPct val="90000"/>
+              </a:lnSpc>
+              <a:spcBef>
+                <a:spcPts val="500"/>
+              </a:spcBef>
+              <a:buFont typeface="Arial" panose="020B0604020202020204" pitchFamily="34" charset="0"/>
+              <a:buChar char="•"/>
+              <a:defRPr sz="2400" kern="1200">
+                <a:solidFill>
+                  <a:schemeClr val="tx1"/>
+                </a:solidFill>
+                <a:latin typeface="+mn-lt"/>
+                <a:ea typeface="+mn-ea"/>
+                <a:cs typeface="+mn-cs"/>
+              </a:defRPr>
+            </a:lvl2pPr>
+            <a:lvl3pPr marL="1143000" indent="-228600" algn="l" defTabSz="914400" rtl="0" eaLnBrk="1" latinLnBrk="0" hangingPunct="1">
+              <a:lnSpc>
+                <a:spcPct val="90000"/>
+              </a:lnSpc>
+              <a:spcBef>
+                <a:spcPts val="500"/>
+              </a:spcBef>
+              <a:buFont typeface="Arial" panose="020B0604020202020204" pitchFamily="34" charset="0"/>
+              <a:buChar char="•"/>
+              <a:defRPr sz="2000" kern="1200">
+                <a:solidFill>
+                  <a:schemeClr val="tx1"/>
+                </a:solidFill>
+                <a:latin typeface="+mn-lt"/>
+                <a:ea typeface="+mn-ea"/>
+                <a:cs typeface="+mn-cs"/>
+              </a:defRPr>
+            </a:lvl3pPr>
+            <a:lvl4pPr marL="1600200" indent="-228600" algn="l" defTabSz="914400" rtl="0" eaLnBrk="1" latinLnBrk="0" hangingPunct="1">
+              <a:lnSpc>
+                <a:spcPct val="90000"/>
+              </a:lnSpc>
+              <a:spcBef>
+                <a:spcPts val="500"/>
+              </a:spcBef>
+              <a:buFont typeface="Arial" panose="020B0604020202020204" pitchFamily="34" charset="0"/>
+              <a:buChar char="•"/>
+              <a:defRPr sz="1800" kern="1200">
+                <a:solidFill>
+                  <a:schemeClr val="tx1"/>
+                </a:solidFill>
+                <a:latin typeface="+mn-lt"/>
+                <a:ea typeface="+mn-ea"/>
+                <a:cs typeface="+mn-cs"/>
+              </a:defRPr>
+            </a:lvl4pPr>
+            <a:lvl5pPr marL="2057400" indent="-228600" algn="l" defTabSz="914400" rtl="0" eaLnBrk="1" latinLnBrk="0" hangingPunct="1">
+              <a:lnSpc>
+                <a:spcPct val="90000"/>
+              </a:lnSpc>
+              <a:spcBef>
+                <a:spcPts val="500"/>
+              </a:spcBef>
+              <a:buFont typeface="Arial" panose="020B0604020202020204" pitchFamily="34" charset="0"/>
+              <a:buChar char="•"/>
+              <a:defRPr sz="1800" kern="1200">
+                <a:solidFill>
+                  <a:schemeClr val="tx1"/>
+                </a:solidFill>
+                <a:latin typeface="+mn-lt"/>
+                <a:ea typeface="+mn-ea"/>
+                <a:cs typeface="+mn-cs"/>
+              </a:defRPr>
+            </a:lvl5pPr>
+            <a:lvl6pPr marL="2514600" indent="-228600" algn="l" defTabSz="914400" rtl="0" eaLnBrk="1" latinLnBrk="0" hangingPunct="1">
+              <a:lnSpc>
+                <a:spcPct val="90000"/>
+              </a:lnSpc>
+              <a:spcBef>
+                <a:spcPts val="500"/>
+              </a:spcBef>
+              <a:buFont typeface="Arial" panose="020B0604020202020204" pitchFamily="34" charset="0"/>
+              <a:buChar char="•"/>
+              <a:defRPr sz="1800" kern="1200">
+                <a:solidFill>
+                  <a:schemeClr val="tx1"/>
+                </a:solidFill>
+                <a:latin typeface="+mn-lt"/>
+                <a:ea typeface="+mn-ea"/>
+                <a:cs typeface="+mn-cs"/>
+              </a:defRPr>
+            </a:lvl6pPr>
+            <a:lvl7pPr marL="2971800" indent="-228600" algn="l" defTabSz="914400" rtl="0" eaLnBrk="1" latinLnBrk="0" hangingPunct="1">
+              <a:lnSpc>
+                <a:spcPct val="90000"/>
+              </a:lnSpc>
+              <a:spcBef>
+                <a:spcPts val="500"/>
+              </a:spcBef>
+              <a:buFont typeface="Arial" panose="020B0604020202020204" pitchFamily="34" charset="0"/>
+              <a:buChar char="•"/>
+              <a:defRPr sz="1800" kern="1200">
+                <a:solidFill>
+                  <a:schemeClr val="tx1"/>
+                </a:solidFill>
+                <a:latin typeface="+mn-lt"/>
+                <a:ea typeface="+mn-ea"/>
+                <a:cs typeface="+mn-cs"/>
+              </a:defRPr>
+            </a:lvl7pPr>
+            <a:lvl8pPr marL="3429000" indent="-228600" algn="l" defTabSz="914400" rtl="0" eaLnBrk="1" latinLnBrk="0" hangingPunct="1">
+              <a:lnSpc>
+                <a:spcPct val="90000"/>
+              </a:lnSpc>
+              <a:spcBef>
+                <a:spcPts val="500"/>
+              </a:spcBef>
+              <a:buFont typeface="Arial" panose="020B0604020202020204" pitchFamily="34" charset="0"/>
+              <a:buChar char="•"/>
+              <a:defRPr sz="1800" kern="1200">
+                <a:solidFill>
+                  <a:schemeClr val="tx1"/>
+                </a:solidFill>
+                <a:latin typeface="+mn-lt"/>
+                <a:ea typeface="+mn-ea"/>
+                <a:cs typeface="+mn-cs"/>
+              </a:defRPr>
+            </a:lvl8pPr>
+            <a:lvl9pPr marL="3886200" indent="-228600" algn="l" defTabSz="914400" rtl="0" eaLnBrk="1" latinLnBrk="0" hangingPunct="1">
+              <a:lnSpc>
+                <a:spcPct val="90000"/>
+              </a:lnSpc>
+              <a:spcBef>
+                <a:spcPts val="500"/>
+              </a:spcBef>
+              <a:buFont typeface="Arial" panose="020B0604020202020204" pitchFamily="34" charset="0"/>
+              <a:buChar char="•"/>
+              <a:defRPr sz="1800" kern="1200">
+                <a:solidFill>
+                  <a:schemeClr val="tx1"/>
+                </a:solidFill>
+                <a:latin typeface="+mn-lt"/>
+                <a:ea typeface="+mn-ea"/>
+                <a:cs typeface="+mn-cs"/>
+              </a:defRPr>
+            </a:lvl9pPr>
+          </a:lstStyle>
+          <a:p>
+            <a:r>
+              <a:rPr lang="en-US" dirty="0" smtClean="0"/>
+              <a:t>South</a:t>
+            </a:r>
+          </a:p>
+          <a:p>
+            <a:pPr lvl="1"/>
+            <a:r>
+              <a:rPr lang="en-US" dirty="0" smtClean="0"/>
+              <a:t>Spring Albatross</a:t>
+            </a:r>
+          </a:p>
+          <a:p>
+            <a:pPr lvl="1"/>
+            <a:r>
+              <a:rPr lang="en-US" dirty="0" smtClean="0"/>
+              <a:t>NEAMAP</a:t>
+            </a:r>
+          </a:p>
+          <a:p>
+            <a:pPr lvl="1"/>
+            <a:r>
+              <a:rPr lang="en-US" dirty="0" smtClean="0"/>
+              <a:t>Winter BT</a:t>
+            </a:r>
+          </a:p>
+          <a:p>
+            <a:pPr lvl="1"/>
+            <a:r>
+              <a:rPr lang="en-US" dirty="0" smtClean="0"/>
+              <a:t>Bigelow</a:t>
+            </a:r>
+          </a:p>
+          <a:p>
+            <a:r>
+              <a:rPr lang="en-US" dirty="0" err="1" smtClean="0">
+                <a:solidFill>
+                  <a:schemeClr val="accent5">
+                    <a:lumMod val="75000"/>
+                  </a:schemeClr>
+                </a:solidFill>
+              </a:rPr>
+              <a:t>Sel</a:t>
+            </a:r>
+            <a:r>
+              <a:rPr lang="en-US" dirty="0" smtClean="0">
+                <a:solidFill>
+                  <a:schemeClr val="accent5">
+                    <a:lumMod val="75000"/>
+                  </a:schemeClr>
+                </a:solidFill>
+              </a:rPr>
+              <a:t> RE: none</a:t>
+            </a:r>
+          </a:p>
+          <a:p>
+            <a:r>
+              <a:rPr lang="en-US" dirty="0" smtClean="0">
+                <a:solidFill>
+                  <a:schemeClr val="accent4">
+                    <a:lumMod val="75000"/>
+                  </a:schemeClr>
+                </a:solidFill>
+              </a:rPr>
+              <a:t>Age comp: logistic-normal-ar1-miss0</a:t>
+            </a:r>
+          </a:p>
+        </p:txBody>
+      </p:sp>
+    </p:spTree>
+    <p:extLst>
+      <p:ext uri="{BB962C8B-B14F-4D97-AF65-F5344CB8AC3E}">
+        <p14:creationId xmlns:p14="http://schemas.microsoft.com/office/powerpoint/2010/main" val="1679956051"/>
+      </p:ext>
+    </p:extLst>
+  </p:cSld>
+  <p:clrMapOvr>
+    <a:masterClrMapping/>
+  </p:clrMapOvr>
+  <mc:AlternateContent xmlns:mc="http://schemas.openxmlformats.org/markup-compatibility/2006" xmlns:p14="http://schemas.microsoft.com/office/powerpoint/2010/main">
+    <mc:Choice Requires="p14">
+      <p:transition spd="slow" p14:dur="2000"/>
+    </mc:Choice>
+    <mc:Fallback xmlns="">
+      <p:transition spd="slow"/>
+    </mc:Fallback>
+  </mc:AlternateContent>
+  <p:timing>
+    <p:tnLst>
+      <p:par>
+        <p:cTn id="1" dur="indefinite" restart="never" nodeType="tmRoot"/>
+      </p:par>
+    </p:tnLst>
+  </p:timing>
+</p:sld>
+</file>
+
+<file path=ppt/slides/slide44.xml><?xml version="1.0" encoding="utf-8"?>
+<p:sld xmlns:a="http://schemas.openxmlformats.org/drawingml/2006/main" xmlns:r="http://schemas.openxmlformats.org/officeDocument/2006/relationships" xmlns:p="http://schemas.openxmlformats.org/presentationml/2006/main" show="0">
+  <p:cSld>
+    <p:spTree>
+      <p:nvGrpSpPr>
+        <p:cNvPr id="1" name=""/>
+        <p:cNvGrpSpPr/>
+        <p:nvPr/>
+      </p:nvGrpSpPr>
+      <p:grpSpPr>
+        <a:xfrm>
+          <a:off x="0" y="0"/>
+          <a:ext cx="0" cy="0"/>
+          <a:chOff x="0" y="0"/>
+          <a:chExt cx="0" cy="0"/>
+        </a:xfrm>
+      </p:grpSpPr>
+      <p:sp>
+        <p:nvSpPr>
+          <p:cNvPr id="4" name="Title 3"/>
+          <p:cNvSpPr>
+            <a:spLocks noGrp="1"/>
+          </p:cNvSpPr>
+          <p:nvPr>
+            <p:ph type="title"/>
+          </p:nvPr>
+        </p:nvSpPr>
+        <p:spPr/>
+        <p:txBody>
+          <a:bodyPr/>
+          <a:lstStyle/>
+          <a:p>
+            <a:r>
+              <a:rPr lang="en-US" dirty="0" smtClean="0"/>
+              <a:t>Option 3: Run38 (NEAMAP Spring/Fall?)</a:t>
+            </a:r>
+            <a:endParaRPr lang="en-US" dirty="0"/>
+          </a:p>
+        </p:txBody>
+      </p:sp>
+      <p:sp>
+        <p:nvSpPr>
+          <p:cNvPr id="5" name="Text Placeholder 4"/>
+          <p:cNvSpPr>
+            <a:spLocks noGrp="1"/>
+          </p:cNvSpPr>
+          <p:nvPr>
+            <p:ph type="body" idx="1"/>
+          </p:nvPr>
+        </p:nvSpPr>
+        <p:spPr/>
+        <p:txBody>
+          <a:bodyPr/>
+          <a:lstStyle/>
+          <a:p>
+            <a:r>
+              <a:rPr lang="en-US" dirty="0" smtClean="0"/>
+              <a:t>Run 34 Indices</a:t>
+            </a:r>
+            <a:endParaRPr lang="en-US" dirty="0"/>
+          </a:p>
+        </p:txBody>
+      </p:sp>
+      <p:sp>
+        <p:nvSpPr>
+          <p:cNvPr id="6" name="Content Placeholder 5"/>
+          <p:cNvSpPr>
+            <a:spLocks noGrp="1"/>
+          </p:cNvSpPr>
+          <p:nvPr>
+            <p:ph sz="half" idx="2"/>
+          </p:nvPr>
+        </p:nvSpPr>
+        <p:spPr/>
+        <p:txBody>
+          <a:bodyPr>
+            <a:normAutofit/>
+          </a:bodyPr>
+          <a:lstStyle/>
+          <a:p>
+            <a:r>
+              <a:rPr lang="en-US" dirty="0" smtClean="0"/>
+              <a:t>North VAST</a:t>
+            </a:r>
+          </a:p>
+          <a:p>
+            <a:pPr lvl="1"/>
+            <a:r>
+              <a:rPr lang="en-US" dirty="0" err="1" smtClean="0">
+                <a:solidFill>
+                  <a:schemeClr val="accent5">
+                    <a:lumMod val="75000"/>
+                  </a:schemeClr>
+                </a:solidFill>
+              </a:rPr>
+              <a:t>Sel</a:t>
+            </a:r>
+            <a:r>
+              <a:rPr lang="en-US" dirty="0">
+                <a:solidFill>
+                  <a:schemeClr val="accent5">
+                    <a:lumMod val="75000"/>
+                  </a:schemeClr>
+                </a:solidFill>
+              </a:rPr>
+              <a:t> </a:t>
+            </a:r>
+            <a:r>
+              <a:rPr lang="en-US" dirty="0" smtClean="0">
+                <a:solidFill>
+                  <a:schemeClr val="accent5">
+                    <a:lumMod val="75000"/>
+                  </a:schemeClr>
+                </a:solidFill>
+              </a:rPr>
+              <a:t>RE: 2dar1</a:t>
+            </a:r>
+          </a:p>
+          <a:p>
+            <a:pPr lvl="1"/>
+            <a:r>
+              <a:rPr lang="en-US" dirty="0" smtClean="0">
+                <a:solidFill>
+                  <a:schemeClr val="accent4">
+                    <a:lumMod val="75000"/>
+                  </a:schemeClr>
+                </a:solidFill>
+              </a:rPr>
+              <a:t>Age comp: </a:t>
+            </a:r>
+            <a:r>
+              <a:rPr lang="en-US" dirty="0" err="1" smtClean="0">
+                <a:solidFill>
+                  <a:schemeClr val="accent4">
+                    <a:lumMod val="75000"/>
+                  </a:schemeClr>
+                </a:solidFill>
+              </a:rPr>
+              <a:t>dir-mult</a:t>
+            </a:r>
+            <a:endParaRPr lang="en-US" dirty="0" smtClean="0">
+              <a:solidFill>
+                <a:schemeClr val="accent4">
+                  <a:lumMod val="75000"/>
+                </a:schemeClr>
+              </a:solidFill>
+            </a:endParaRPr>
+          </a:p>
+          <a:p>
+            <a:r>
+              <a:rPr lang="en-US" dirty="0" smtClean="0"/>
+              <a:t>South VAST</a:t>
+            </a:r>
+          </a:p>
+          <a:p>
+            <a:pPr lvl="1"/>
+            <a:r>
+              <a:rPr lang="en-US" dirty="0" err="1" smtClean="0">
+                <a:solidFill>
+                  <a:schemeClr val="accent5">
+                    <a:lumMod val="75000"/>
+                  </a:schemeClr>
+                </a:solidFill>
+              </a:rPr>
+              <a:t>Sel</a:t>
+            </a:r>
+            <a:r>
+              <a:rPr lang="en-US" dirty="0" smtClean="0">
+                <a:solidFill>
+                  <a:schemeClr val="accent5">
+                    <a:lumMod val="75000"/>
+                  </a:schemeClr>
+                </a:solidFill>
+              </a:rPr>
+              <a:t> RE: none</a:t>
+            </a:r>
+          </a:p>
+          <a:p>
+            <a:pPr lvl="1"/>
+            <a:r>
+              <a:rPr lang="en-US" dirty="0" smtClean="0">
+                <a:solidFill>
+                  <a:schemeClr val="accent4">
+                    <a:lumMod val="75000"/>
+                  </a:schemeClr>
+                </a:solidFill>
+              </a:rPr>
+              <a:t>Age comp: logistic-normal-ar1-miss0</a:t>
+            </a:r>
+          </a:p>
+        </p:txBody>
+      </p:sp>
+      <p:sp>
+        <p:nvSpPr>
+          <p:cNvPr id="7" name="Text Placeholder 6"/>
+          <p:cNvSpPr>
+            <a:spLocks noGrp="1"/>
+          </p:cNvSpPr>
+          <p:nvPr>
+            <p:ph type="body" sz="quarter" idx="3"/>
+          </p:nvPr>
+        </p:nvSpPr>
+        <p:spPr/>
+        <p:txBody>
+          <a:bodyPr/>
+          <a:lstStyle/>
+          <a:p>
+            <a:r>
+              <a:rPr lang="en-US" dirty="0" smtClean="0"/>
+              <a:t>Run 38 Indices</a:t>
+            </a:r>
+            <a:endParaRPr lang="en-US" dirty="0"/>
+          </a:p>
+        </p:txBody>
+      </p:sp>
+      <p:sp>
+        <p:nvSpPr>
+          <p:cNvPr id="8" name="Content Placeholder 7"/>
+          <p:cNvSpPr>
+            <a:spLocks noGrp="1"/>
+          </p:cNvSpPr>
+          <p:nvPr>
+            <p:ph sz="quarter" idx="4"/>
+          </p:nvPr>
+        </p:nvSpPr>
+        <p:spPr>
+          <a:xfrm>
+            <a:off x="6172200" y="2505075"/>
+            <a:ext cx="2728866" cy="3684588"/>
+          </a:xfrm>
+        </p:spPr>
+        <p:txBody>
+          <a:bodyPr>
+            <a:normAutofit/>
+          </a:bodyPr>
+          <a:lstStyle/>
+          <a:p>
+            <a:r>
+              <a:rPr lang="en-US" dirty="0" smtClean="0"/>
+              <a:t>North</a:t>
+            </a:r>
+          </a:p>
+          <a:p>
+            <a:pPr lvl="1"/>
+            <a:r>
+              <a:rPr lang="en-US" dirty="0" smtClean="0"/>
+              <a:t>Spring Albatross</a:t>
+            </a:r>
+          </a:p>
+          <a:p>
+            <a:pPr lvl="1"/>
+            <a:r>
+              <a:rPr lang="en-US" dirty="0" smtClean="0"/>
+              <a:t>NEAMAP</a:t>
+            </a:r>
+          </a:p>
+          <a:p>
+            <a:pPr lvl="1"/>
+            <a:r>
+              <a:rPr lang="en-US" dirty="0" smtClean="0"/>
+              <a:t>Bigelow</a:t>
+            </a:r>
+          </a:p>
+          <a:p>
+            <a:r>
+              <a:rPr lang="en-US" dirty="0" err="1" smtClean="0">
+                <a:solidFill>
+                  <a:schemeClr val="accent5">
+                    <a:lumMod val="75000"/>
+                  </a:schemeClr>
+                </a:solidFill>
+              </a:rPr>
+              <a:t>Sel</a:t>
+            </a:r>
+            <a:r>
+              <a:rPr lang="en-US" dirty="0" smtClean="0">
+                <a:solidFill>
+                  <a:schemeClr val="accent5">
+                    <a:lumMod val="75000"/>
+                  </a:schemeClr>
+                </a:solidFill>
+              </a:rPr>
+              <a:t> RE: none </a:t>
+            </a:r>
+            <a:r>
+              <a:rPr lang="en-US" dirty="0" smtClean="0">
+                <a:solidFill>
+                  <a:schemeClr val="accent4">
+                    <a:lumMod val="75000"/>
+                  </a:schemeClr>
+                </a:solidFill>
+              </a:rPr>
+              <a:t>Age comp: </a:t>
+            </a:r>
+            <a:r>
+              <a:rPr lang="en-US" dirty="0" err="1" smtClean="0">
+                <a:solidFill>
+                  <a:schemeClr val="accent4">
+                    <a:lumMod val="75000"/>
+                  </a:schemeClr>
+                </a:solidFill>
+              </a:rPr>
+              <a:t>dir-mult</a:t>
+            </a:r>
+            <a:endParaRPr lang="en-US" dirty="0" smtClean="0">
+              <a:solidFill>
+                <a:schemeClr val="accent4">
+                  <a:lumMod val="75000"/>
+                </a:schemeClr>
+              </a:solidFill>
+            </a:endParaRPr>
+          </a:p>
+        </p:txBody>
+      </p:sp>
+      <p:sp>
+        <p:nvSpPr>
+          <p:cNvPr id="10" name="Content Placeholder 7"/>
+          <p:cNvSpPr txBox="1">
+            <a:spLocks/>
+          </p:cNvSpPr>
+          <p:nvPr/>
+        </p:nvSpPr>
+        <p:spPr>
+          <a:xfrm>
+            <a:off x="9075691" y="2391863"/>
+            <a:ext cx="2728866" cy="4200527"/>
+          </a:xfrm>
+          <a:prstGeom prst="rect">
+            <a:avLst/>
+          </a:prstGeom>
+        </p:spPr>
+        <p:txBody>
+          <a:bodyPr vert="horz" lIns="91440" tIns="45720" rIns="91440" bIns="45720" rtlCol="0">
+            <a:normAutofit/>
+          </a:bodyPr>
+          <a:lstStyle>
+            <a:lvl1pPr marL="228600" indent="-228600" algn="l" defTabSz="914400" rtl="0" eaLnBrk="1" latinLnBrk="0" hangingPunct="1">
+              <a:lnSpc>
+                <a:spcPct val="90000"/>
+              </a:lnSpc>
+              <a:spcBef>
+                <a:spcPts val="1000"/>
+              </a:spcBef>
+              <a:buFont typeface="Arial" panose="020B0604020202020204" pitchFamily="34" charset="0"/>
+              <a:buChar char="•"/>
+              <a:defRPr sz="2800" kern="1200">
+                <a:solidFill>
+                  <a:schemeClr val="tx1"/>
+                </a:solidFill>
+                <a:latin typeface="+mn-lt"/>
+                <a:ea typeface="+mn-ea"/>
+                <a:cs typeface="+mn-cs"/>
+              </a:defRPr>
+            </a:lvl1pPr>
+            <a:lvl2pPr marL="685800" indent="-228600" algn="l" defTabSz="914400" rtl="0" eaLnBrk="1" latinLnBrk="0" hangingPunct="1">
+              <a:lnSpc>
+                <a:spcPct val="90000"/>
+              </a:lnSpc>
+              <a:spcBef>
+                <a:spcPts val="500"/>
+              </a:spcBef>
+              <a:buFont typeface="Arial" panose="020B0604020202020204" pitchFamily="34" charset="0"/>
+              <a:buChar char="•"/>
+              <a:defRPr sz="2400" kern="1200">
+                <a:solidFill>
+                  <a:schemeClr val="tx1"/>
+                </a:solidFill>
+                <a:latin typeface="+mn-lt"/>
+                <a:ea typeface="+mn-ea"/>
+                <a:cs typeface="+mn-cs"/>
+              </a:defRPr>
+            </a:lvl2pPr>
+            <a:lvl3pPr marL="1143000" indent="-228600" algn="l" defTabSz="914400" rtl="0" eaLnBrk="1" latinLnBrk="0" hangingPunct="1">
+              <a:lnSpc>
+                <a:spcPct val="90000"/>
+              </a:lnSpc>
+              <a:spcBef>
+                <a:spcPts val="500"/>
+              </a:spcBef>
+              <a:buFont typeface="Arial" panose="020B0604020202020204" pitchFamily="34" charset="0"/>
+              <a:buChar char="•"/>
+              <a:defRPr sz="2000" kern="1200">
+                <a:solidFill>
+                  <a:schemeClr val="tx1"/>
+                </a:solidFill>
+                <a:latin typeface="+mn-lt"/>
+                <a:ea typeface="+mn-ea"/>
+                <a:cs typeface="+mn-cs"/>
+              </a:defRPr>
+            </a:lvl3pPr>
+            <a:lvl4pPr marL="1600200" indent="-228600" algn="l" defTabSz="914400" rtl="0" eaLnBrk="1" latinLnBrk="0" hangingPunct="1">
+              <a:lnSpc>
+                <a:spcPct val="90000"/>
+              </a:lnSpc>
+              <a:spcBef>
+                <a:spcPts val="500"/>
+              </a:spcBef>
+              <a:buFont typeface="Arial" panose="020B0604020202020204" pitchFamily="34" charset="0"/>
+              <a:buChar char="•"/>
+              <a:defRPr sz="1800" kern="1200">
+                <a:solidFill>
+                  <a:schemeClr val="tx1"/>
+                </a:solidFill>
+                <a:latin typeface="+mn-lt"/>
+                <a:ea typeface="+mn-ea"/>
+                <a:cs typeface="+mn-cs"/>
+              </a:defRPr>
+            </a:lvl4pPr>
+            <a:lvl5pPr marL="2057400" indent="-228600" algn="l" defTabSz="914400" rtl="0" eaLnBrk="1" latinLnBrk="0" hangingPunct="1">
+              <a:lnSpc>
+                <a:spcPct val="90000"/>
+              </a:lnSpc>
+              <a:spcBef>
+                <a:spcPts val="500"/>
+              </a:spcBef>
+              <a:buFont typeface="Arial" panose="020B0604020202020204" pitchFamily="34" charset="0"/>
+              <a:buChar char="•"/>
+              <a:defRPr sz="1800" kern="1200">
+                <a:solidFill>
+                  <a:schemeClr val="tx1"/>
+                </a:solidFill>
+                <a:latin typeface="+mn-lt"/>
+                <a:ea typeface="+mn-ea"/>
+                <a:cs typeface="+mn-cs"/>
+              </a:defRPr>
+            </a:lvl5pPr>
+            <a:lvl6pPr marL="2514600" indent="-228600" algn="l" defTabSz="914400" rtl="0" eaLnBrk="1" latinLnBrk="0" hangingPunct="1">
+              <a:lnSpc>
+                <a:spcPct val="90000"/>
+              </a:lnSpc>
+              <a:spcBef>
+                <a:spcPts val="500"/>
+              </a:spcBef>
+              <a:buFont typeface="Arial" panose="020B0604020202020204" pitchFamily="34" charset="0"/>
+              <a:buChar char="•"/>
+              <a:defRPr sz="1800" kern="1200">
+                <a:solidFill>
+                  <a:schemeClr val="tx1"/>
+                </a:solidFill>
+                <a:latin typeface="+mn-lt"/>
+                <a:ea typeface="+mn-ea"/>
+                <a:cs typeface="+mn-cs"/>
+              </a:defRPr>
+            </a:lvl6pPr>
+            <a:lvl7pPr marL="2971800" indent="-228600" algn="l" defTabSz="914400" rtl="0" eaLnBrk="1" latinLnBrk="0" hangingPunct="1">
+              <a:lnSpc>
+                <a:spcPct val="90000"/>
+              </a:lnSpc>
+              <a:spcBef>
+                <a:spcPts val="500"/>
+              </a:spcBef>
+              <a:buFont typeface="Arial" panose="020B0604020202020204" pitchFamily="34" charset="0"/>
+              <a:buChar char="•"/>
+              <a:defRPr sz="1800" kern="1200">
+                <a:solidFill>
+                  <a:schemeClr val="tx1"/>
+                </a:solidFill>
+                <a:latin typeface="+mn-lt"/>
+                <a:ea typeface="+mn-ea"/>
+                <a:cs typeface="+mn-cs"/>
+              </a:defRPr>
+            </a:lvl7pPr>
+            <a:lvl8pPr marL="3429000" indent="-228600" algn="l" defTabSz="914400" rtl="0" eaLnBrk="1" latinLnBrk="0" hangingPunct="1">
+              <a:lnSpc>
+                <a:spcPct val="90000"/>
+              </a:lnSpc>
+              <a:spcBef>
+                <a:spcPts val="500"/>
+              </a:spcBef>
+              <a:buFont typeface="Arial" panose="020B0604020202020204" pitchFamily="34" charset="0"/>
+              <a:buChar char="•"/>
+              <a:defRPr sz="1800" kern="1200">
+                <a:solidFill>
+                  <a:schemeClr val="tx1"/>
+                </a:solidFill>
+                <a:latin typeface="+mn-lt"/>
+                <a:ea typeface="+mn-ea"/>
+                <a:cs typeface="+mn-cs"/>
+              </a:defRPr>
+            </a:lvl8pPr>
+            <a:lvl9pPr marL="3886200" indent="-228600" algn="l" defTabSz="914400" rtl="0" eaLnBrk="1" latinLnBrk="0" hangingPunct="1">
+              <a:lnSpc>
+                <a:spcPct val="90000"/>
+              </a:lnSpc>
+              <a:spcBef>
+                <a:spcPts val="500"/>
+              </a:spcBef>
+              <a:buFont typeface="Arial" panose="020B0604020202020204" pitchFamily="34" charset="0"/>
+              <a:buChar char="•"/>
+              <a:defRPr sz="1800" kern="1200">
+                <a:solidFill>
+                  <a:schemeClr val="tx1"/>
+                </a:solidFill>
+                <a:latin typeface="+mn-lt"/>
+                <a:ea typeface="+mn-ea"/>
+                <a:cs typeface="+mn-cs"/>
+              </a:defRPr>
+            </a:lvl9pPr>
+          </a:lstStyle>
+          <a:p>
+            <a:r>
+              <a:rPr lang="en-US" dirty="0" smtClean="0"/>
+              <a:t>South</a:t>
+            </a:r>
+          </a:p>
+          <a:p>
+            <a:pPr lvl="1"/>
+            <a:r>
+              <a:rPr lang="en-US" dirty="0" smtClean="0"/>
+              <a:t>Spring Albatross</a:t>
+            </a:r>
+          </a:p>
+          <a:p>
+            <a:pPr lvl="1"/>
+            <a:r>
+              <a:rPr lang="en-US" dirty="0" smtClean="0"/>
+              <a:t>NEAMAP</a:t>
+            </a:r>
+          </a:p>
+          <a:p>
+            <a:pPr lvl="1"/>
+            <a:r>
+              <a:rPr lang="en-US" dirty="0" smtClean="0"/>
+              <a:t>Winter BT</a:t>
+            </a:r>
+          </a:p>
+          <a:p>
+            <a:pPr lvl="1"/>
+            <a:r>
+              <a:rPr lang="en-US" dirty="0" smtClean="0"/>
+              <a:t>Bigelow</a:t>
+            </a:r>
+          </a:p>
+          <a:p>
+            <a:r>
+              <a:rPr lang="en-US" dirty="0" err="1" smtClean="0">
+                <a:solidFill>
+                  <a:schemeClr val="accent5">
+                    <a:lumMod val="75000"/>
+                  </a:schemeClr>
+                </a:solidFill>
+              </a:rPr>
+              <a:t>Sel</a:t>
+            </a:r>
+            <a:r>
+              <a:rPr lang="en-US" dirty="0" smtClean="0">
+                <a:solidFill>
+                  <a:schemeClr val="accent5">
+                    <a:lumMod val="75000"/>
+                  </a:schemeClr>
+                </a:solidFill>
+              </a:rPr>
+              <a:t> RE: none</a:t>
+            </a:r>
+          </a:p>
+          <a:p>
+            <a:r>
+              <a:rPr lang="en-US" dirty="0" smtClean="0">
+                <a:solidFill>
+                  <a:schemeClr val="accent4">
+                    <a:lumMod val="75000"/>
+                  </a:schemeClr>
+                </a:solidFill>
+              </a:rPr>
+              <a:t>Age comp: logistic-normal-ar1-miss0</a:t>
+            </a:r>
+          </a:p>
+        </p:txBody>
+      </p:sp>
+      <p:sp>
+        <p:nvSpPr>
+          <p:cNvPr id="3" name="TextBox 2"/>
+          <p:cNvSpPr txBox="1"/>
+          <p:nvPr/>
+        </p:nvSpPr>
+        <p:spPr>
+          <a:xfrm>
+            <a:off x="3482482" y="-2933214"/>
+            <a:ext cx="5509842" cy="12403395"/>
+          </a:xfrm>
+          <a:prstGeom prst="rect">
+            <a:avLst/>
+          </a:prstGeom>
+          <a:noFill/>
+        </p:spPr>
+        <p:txBody>
+          <a:bodyPr wrap="none" rtlCol="0">
+            <a:spAutoFit/>
+          </a:bodyPr>
+          <a:lstStyle/>
+          <a:p>
+            <a:r>
+              <a:rPr lang="en-US" sz="80000" dirty="0" smtClean="0">
+                <a:solidFill>
+                  <a:srgbClr val="FF0000"/>
+                </a:solidFill>
+              </a:rPr>
+              <a:t>X</a:t>
+            </a:r>
+            <a:endParaRPr lang="en-US" sz="80000" dirty="0">
+              <a:solidFill>
+                <a:srgbClr val="FF0000"/>
+              </a:solidFill>
+            </a:endParaRPr>
+          </a:p>
+        </p:txBody>
+      </p:sp>
+    </p:spTree>
+    <p:extLst>
+      <p:ext uri="{BB962C8B-B14F-4D97-AF65-F5344CB8AC3E}">
+        <p14:creationId xmlns:p14="http://schemas.microsoft.com/office/powerpoint/2010/main" val="3947875065"/>
+      </p:ext>
+    </p:extLst>
+  </p:cSld>
+  <p:clrMapOvr>
+    <a:masterClrMapping/>
+  </p:clrMapOvr>
+  <mc:AlternateContent xmlns:mc="http://schemas.openxmlformats.org/markup-compatibility/2006" xmlns:p14="http://schemas.microsoft.com/office/powerpoint/2010/main">
+    <mc:Choice Requires="p14">
+      <p:transition spd="slow" p14:dur="2000"/>
+    </mc:Choice>
+    <mc:Fallback xmlns="">
+      <p:transition spd="slow"/>
+    </mc:Fallback>
+  </mc:AlternateContent>
+  <p:timing>
+    <p:tnLst>
+      <p:par>
+        <p:cTn id="1" dur="indefinite" restart="never" nodeType="tmRoot"/>
+      </p:par>
+    </p:tnLst>
+  </p:timing>
+</p:sld>
+</file>
+
+<file path=ppt/slides/slide45.xml><?xml version="1.0" encoding="utf-8"?>
+<p:sld xmlns:a="http://schemas.openxmlformats.org/drawingml/2006/main" xmlns:r="http://schemas.openxmlformats.org/officeDocument/2006/relationships" xmlns:p="http://schemas.openxmlformats.org/presentationml/2006/main" show="0">
   <p:cSld>
     <p:spTree>
       <p:nvGrpSpPr>
@@ -7644,6 +10070,14 @@
   <p:clrMapOvr>
     <a:masterClrMapping/>
   </p:clrMapOvr>
+  <mc:AlternateContent xmlns:mc="http://schemas.openxmlformats.org/markup-compatibility/2006" xmlns:p14="http://schemas.microsoft.com/office/powerpoint/2010/main">
+    <mc:Choice Requires="p14">
+      <p:transition spd="slow" p14:dur="2000"/>
+    </mc:Choice>
+    <mc:Fallback xmlns="">
+      <p:transition spd="slow"/>
+    </mc:Fallback>
+  </mc:AlternateContent>
   <p:timing>
     <p:tnLst>
       <p:par>
@@ -7654,7 +10088,7 @@
 </p:sld>
 </file>
 
-<file path=ppt/slides/slide33.xml><?xml version="1.0" encoding="utf-8"?>
+<file path=ppt/slides/slide46.xml><?xml version="1.0" encoding="utf-8"?>
 <p:sld xmlns:a="http://schemas.openxmlformats.org/drawingml/2006/main" xmlns:r="http://schemas.openxmlformats.org/officeDocument/2006/relationships" xmlns:p="http://schemas.openxmlformats.org/presentationml/2006/main">
   <p:cSld>
     <p:spTree>
@@ -7757,7 +10191,7 @@
 </p:sld>
 </file>
 
-<file path=ppt/slides/slide34.xml><?xml version="1.0" encoding="utf-8"?>
+<file path=ppt/slides/slide47.xml><?xml version="1.0" encoding="utf-8"?>
 <p:sld xmlns:a="http://schemas.openxmlformats.org/drawingml/2006/main" xmlns:r="http://schemas.openxmlformats.org/officeDocument/2006/relationships" xmlns:p="http://schemas.openxmlformats.org/presentationml/2006/main">
   <p:cSld>
     <p:bg>
@@ -7822,10 +10256,17 @@
   <p:clrMapOvr>
     <a:masterClrMapping/>
   </p:clrMapOvr>
+  <p:timing>
+    <p:tnLst>
+      <p:par>
+        <p:cTn id="1" dur="indefinite" restart="never" nodeType="tmRoot"/>
+      </p:par>
+    </p:tnLst>
+  </p:timing>
 </p:sld>
 </file>
 
-<file path=ppt/slides/slide35.xml><?xml version="1.0" encoding="utf-8"?>
+<file path=ppt/slides/slide48.xml><?xml version="1.0" encoding="utf-8"?>
 <p:sld xmlns:a="http://schemas.openxmlformats.org/drawingml/2006/main" xmlns:r="http://schemas.openxmlformats.org/officeDocument/2006/relationships" xmlns:p="http://schemas.openxmlformats.org/presentationml/2006/main">
   <p:cSld>
     <p:spTree>
@@ -7978,7 +10419,7 @@
 </p:sld>
 </file>
 
-<file path=ppt/slides/slide36.xml><?xml version="1.0" encoding="utf-8"?>
+<file path=ppt/slides/slide49.xml><?xml version="1.0" encoding="utf-8"?>
 <p:sld xmlns:a="http://schemas.openxmlformats.org/drawingml/2006/main" xmlns:r="http://schemas.openxmlformats.org/officeDocument/2006/relationships" xmlns:p="http://schemas.openxmlformats.org/presentationml/2006/main">
   <p:cSld>
     <p:spTree>
@@ -8081,7 +10522,7 @@
 </p:sld>
 </file>
 
-<file path=ppt/slides/slide37.xml><?xml version="1.0" encoding="utf-8"?>
+<file path=ppt/slides/slide5.xml><?xml version="1.0" encoding="utf-8"?>
 <p:sld xmlns:a="http://schemas.openxmlformats.org/drawingml/2006/main" xmlns:r="http://schemas.openxmlformats.org/officeDocument/2006/relationships" xmlns:p="http://schemas.openxmlformats.org/presentationml/2006/main">
   <p:cSld>
     <p:spTree>
@@ -8115,7 +10556,7 @@
           <a:p>
             <a:r>
               <a:rPr lang="en-US" dirty="0" smtClean="0"/>
-              <a:t>Options for Sensitivity Item 1</a:t>
+              <a:t>Options for Sensitivity Item 3</a:t>
             </a:r>
             <a:endParaRPr lang="en-US" dirty="0"/>
           </a:p>
@@ -8133,7 +10574,9 @@
         </p:nvSpPr>
         <p:spPr/>
         <p:txBody>
-          <a:bodyPr/>
+          <a:bodyPr>
+            <a:normAutofit/>
+          </a:bodyPr>
           <a:lstStyle/>
           <a:p>
             <a:pPr marL="514350" indent="-514350">
@@ -8141,12 +10584,8 @@
               <a:buAutoNum type="arabicPeriod"/>
             </a:pPr>
             <a:r>
-              <a:rPr lang="en-US" dirty="0"/>
-              <a:t>Estimate </a:t>
-            </a:r>
-            <a:r>
               <a:rPr lang="en-US" dirty="0" smtClean="0"/>
-              <a:t>age-independent M</a:t>
+              <a:t>Compare WHAM SSB estimates to the number/tow time series from the individual surveys</a:t>
             </a:r>
           </a:p>
           <a:p>
@@ -8155,14 +10594,19 @@
               <a:buAutoNum type="arabicPeriod"/>
             </a:pPr>
             <a:r>
-              <a:rPr lang="en-US" dirty="0" smtClean="0">
-                <a:solidFill>
-                  <a:schemeClr val="bg2">
-                    <a:lumMod val="90000"/>
-                  </a:schemeClr>
-                </a:solidFill>
-              </a:rPr>
-              <a:t>Fix M at higher or lower values than was used in Run 34</a:t>
+              <a:rPr lang="en-US" dirty="0" smtClean="0"/>
+              <a:t>Compare WHAM run with run with each index individually, rather than the VAST INDEX -&gt; relax catchability and selectivity </a:t>
+            </a:r>
+          </a:p>
+          <a:p>
+            <a:pPr lvl="1"/>
+            <a:r>
+              <a:rPr lang="en-US" dirty="0"/>
+              <a:t>Leave-one-out </a:t>
+            </a:r>
+            <a:r>
+              <a:rPr lang="en-US" dirty="0" smtClean="0"/>
+              <a:t>analysis</a:t>
             </a:r>
           </a:p>
           <a:p>
@@ -8171,14 +10615,33 @@
               <a:buAutoNum type="arabicPeriod"/>
             </a:pPr>
             <a:r>
-              <a:rPr lang="en-US" dirty="0" smtClean="0">
-                <a:solidFill>
-                  <a:schemeClr val="bg2">
-                    <a:lumMod val="90000"/>
-                  </a:schemeClr>
-                </a:solidFill>
-              </a:rPr>
-              <a:t>Fix age-dependent M</a:t>
+              <a:rPr lang="en-US" dirty="0" smtClean="0"/>
+              <a:t>Compare WHAM run with just NEFSC BTS, NEAMAP, and </a:t>
+            </a:r>
+            <a:r>
+              <a:rPr lang="en-US" dirty="0" err="1" smtClean="0"/>
+              <a:t>RecCPA</a:t>
+            </a:r>
+            <a:endParaRPr lang="en-US" dirty="0" smtClean="0"/>
+          </a:p>
+          <a:p>
+            <a:pPr marL="514350" indent="-514350">
+              <a:buFont typeface="+mj-lt"/>
+              <a:buAutoNum type="arabicPeriod"/>
+            </a:pPr>
+            <a:r>
+              <a:rPr lang="en-US" dirty="0" smtClean="0"/>
+              <a:t>Examine current VAST model to see if weighting for each survey could be extracted</a:t>
+            </a:r>
+          </a:p>
+          <a:p>
+            <a:pPr marL="514350" indent="-514350">
+              <a:buFont typeface="+mj-lt"/>
+              <a:buAutoNum type="arabicPeriod"/>
+            </a:pPr>
+            <a:r>
+              <a:rPr lang="en-US" dirty="0" smtClean="0"/>
+              <a:t>Re run VAST with just Spring and Fall NEFSC BTS/ NEAMAP</a:t>
             </a:r>
           </a:p>
         </p:txBody>
@@ -8186,17 +10649,24 @@
     </p:spTree>
     <p:extLst>
       <p:ext uri="{BB962C8B-B14F-4D97-AF65-F5344CB8AC3E}">
-        <p14:creationId xmlns:p14="http://schemas.microsoft.com/office/powerpoint/2010/main" val="1510165682"/>
+        <p14:creationId xmlns:p14="http://schemas.microsoft.com/office/powerpoint/2010/main" val="1499166679"/>
       </p:ext>
     </p:extLst>
   </p:cSld>
   <p:clrMapOvr>
     <a:masterClrMapping/>
   </p:clrMapOvr>
+  <p:timing>
+    <p:tnLst>
+      <p:par>
+        <p:cTn id="1" dur="indefinite" restart="never" nodeType="tmRoot"/>
+      </p:par>
+    </p:tnLst>
+  </p:timing>
 </p:sld>
 </file>
 
-<file path=ppt/slides/slide38.xml><?xml version="1.0" encoding="utf-8"?>
+<file path=ppt/slides/slide50.xml><?xml version="1.0" encoding="utf-8"?>
 <p:sld xmlns:a="http://schemas.openxmlformats.org/drawingml/2006/main" xmlns:r="http://schemas.openxmlformats.org/officeDocument/2006/relationships" xmlns:p="http://schemas.openxmlformats.org/presentationml/2006/main">
   <p:cSld>
     <p:spTree>
@@ -8215,6 +10685,121 @@
       </p:grpSpPr>
       <p:sp>
         <p:nvSpPr>
+          <p:cNvPr id="2" name="Title 1"/>
+          <p:cNvSpPr>
+            <a:spLocks noGrp="1"/>
+          </p:cNvSpPr>
+          <p:nvPr>
+            <p:ph type="title"/>
+          </p:nvPr>
+        </p:nvSpPr>
+        <p:spPr/>
+        <p:txBody>
+          <a:bodyPr/>
+          <a:lstStyle/>
+          <a:p>
+            <a:r>
+              <a:rPr lang="en-US" dirty="0" smtClean="0"/>
+              <a:t>Options for Sensitivity Item 1</a:t>
+            </a:r>
+            <a:endParaRPr lang="en-US" dirty="0"/>
+          </a:p>
+        </p:txBody>
+      </p:sp>
+      <p:sp>
+        <p:nvSpPr>
+          <p:cNvPr id="3" name="Content Placeholder 2"/>
+          <p:cNvSpPr>
+            <a:spLocks noGrp="1"/>
+          </p:cNvSpPr>
+          <p:nvPr>
+            <p:ph idx="1"/>
+          </p:nvPr>
+        </p:nvSpPr>
+        <p:spPr/>
+        <p:txBody>
+          <a:bodyPr/>
+          <a:lstStyle/>
+          <a:p>
+            <a:pPr marL="514350" indent="-514350">
+              <a:buFont typeface="+mj-lt"/>
+              <a:buAutoNum type="arabicPeriod"/>
+            </a:pPr>
+            <a:r>
+              <a:rPr lang="en-US" dirty="0"/>
+              <a:t>Estimate </a:t>
+            </a:r>
+            <a:r>
+              <a:rPr lang="en-US" dirty="0" smtClean="0"/>
+              <a:t>age-independent M</a:t>
+            </a:r>
+          </a:p>
+          <a:p>
+            <a:pPr marL="514350" indent="-514350">
+              <a:buFont typeface="+mj-lt"/>
+              <a:buAutoNum type="arabicPeriod"/>
+            </a:pPr>
+            <a:r>
+              <a:rPr lang="en-US" dirty="0" smtClean="0">
+                <a:solidFill>
+                  <a:schemeClr val="bg2">
+                    <a:lumMod val="90000"/>
+                  </a:schemeClr>
+                </a:solidFill>
+              </a:rPr>
+              <a:t>Fix M at higher or lower values than was used in Run 34</a:t>
+            </a:r>
+          </a:p>
+          <a:p>
+            <a:pPr marL="514350" indent="-514350">
+              <a:buFont typeface="+mj-lt"/>
+              <a:buAutoNum type="arabicPeriod"/>
+            </a:pPr>
+            <a:r>
+              <a:rPr lang="en-US" dirty="0" smtClean="0">
+                <a:solidFill>
+                  <a:schemeClr val="bg2">
+                    <a:lumMod val="90000"/>
+                  </a:schemeClr>
+                </a:solidFill>
+              </a:rPr>
+              <a:t>Fix age-dependent M</a:t>
+            </a:r>
+          </a:p>
+        </p:txBody>
+      </p:sp>
+    </p:spTree>
+    <p:extLst>
+      <p:ext uri="{BB962C8B-B14F-4D97-AF65-F5344CB8AC3E}">
+        <p14:creationId xmlns:p14="http://schemas.microsoft.com/office/powerpoint/2010/main" val="1510165682"/>
+      </p:ext>
+    </p:extLst>
+  </p:cSld>
+  <p:clrMapOvr>
+    <a:masterClrMapping/>
+  </p:clrMapOvr>
+</p:sld>
+</file>
+
+<file path=ppt/slides/slide51.xml><?xml version="1.0" encoding="utf-8"?>
+<p:sld xmlns:a="http://schemas.openxmlformats.org/drawingml/2006/main" xmlns:r="http://schemas.openxmlformats.org/officeDocument/2006/relationships" xmlns:p="http://schemas.openxmlformats.org/presentationml/2006/main">
+  <p:cSld>
+    <p:spTree>
+      <p:nvGrpSpPr>
+        <p:cNvPr id="1" name=""/>
+        <p:cNvGrpSpPr/>
+        <p:nvPr/>
+      </p:nvGrpSpPr>
+      <p:grpSpPr>
+        <a:xfrm>
+          <a:off x="0" y="0"/>
+          <a:ext cx="0" cy="0"/>
+          <a:chOff x="0" y="0"/>
+          <a:chExt cx="0" cy="0"/>
+        </a:xfrm>
+      </p:grpSpPr>
+      <p:sp>
+        <p:nvSpPr>
           <p:cNvPr id="4" name="Title 3"/>
           <p:cNvSpPr>
             <a:spLocks noGrp="1"/>
@@ -9334,7 +11919,7 @@
 </p:sld>
 </file>
 
-<file path=ppt/slides/slide39.xml><?xml version="1.0" encoding="utf-8"?>
+<file path=ppt/slides/slide52.xml><?xml version="1.0" encoding="utf-8"?>
 <p:sld xmlns:a="http://schemas.openxmlformats.org/drawingml/2006/main" xmlns:r="http://schemas.openxmlformats.org/officeDocument/2006/relationships" xmlns:p="http://schemas.openxmlformats.org/presentationml/2006/main">
   <p:cSld>
     <p:spTree>
@@ -9454,75 +12039,7 @@
 </p:sld>
 </file>
 
-<file path=ppt/slides/slide4.xml><?xml version="1.0" encoding="utf-8"?>
-<p:sld xmlns:a="http://schemas.openxmlformats.org/drawingml/2006/main" xmlns:r="http://schemas.openxmlformats.org/officeDocument/2006/relationships" xmlns:p="http://schemas.openxmlformats.org/presentationml/2006/main">
-  <p:cSld>
-    <p:bg>
-      <p:bgPr>
-        <a:solidFill>
-          <a:srgbClr val="0070C0"/>
-        </a:solidFill>
-        <a:effectLst/>
-      </p:bgPr>
-    </p:bg>
-    <p:spTree>
-      <p:nvGrpSpPr>
-        <p:cNvPr id="1" name=""/>
-        <p:cNvGrpSpPr/>
-        <p:nvPr/>
-      </p:nvGrpSpPr>
-      <p:grpSpPr>
-        <a:xfrm>
-          <a:off x="0" y="0"/>
-          <a:ext cx="0" cy="0"/>
-          <a:chOff x="0" y="0"/>
-          <a:chExt cx="0" cy="0"/>
-        </a:xfrm>
-      </p:grpSpPr>
-      <p:sp>
-        <p:nvSpPr>
-          <p:cNvPr id="4" name="TextBox 3"/>
-          <p:cNvSpPr txBox="1"/>
-          <p:nvPr/>
-        </p:nvSpPr>
-        <p:spPr>
-          <a:xfrm>
-            <a:off x="1040963" y="2420858"/>
-            <a:ext cx="9925987" cy="1631216"/>
-          </a:xfrm>
-          <a:prstGeom prst="rect">
-            <a:avLst/>
-          </a:prstGeom>
-          <a:noFill/>
-        </p:spPr>
-        <p:txBody>
-          <a:bodyPr wrap="none" rtlCol="0">
-            <a:spAutoFit/>
-          </a:bodyPr>
-          <a:lstStyle/>
-          <a:p>
-            <a:r>
-              <a:rPr lang="en-US" sz="10000" dirty="0" smtClean="0"/>
-              <a:t>Sensitivity Tests #3</a:t>
-            </a:r>
-            <a:endParaRPr lang="en-US" sz="10000" dirty="0"/>
-          </a:p>
-        </p:txBody>
-      </p:sp>
-    </p:spTree>
-    <p:extLst>
-      <p:ext uri="{BB962C8B-B14F-4D97-AF65-F5344CB8AC3E}">
-        <p14:creationId xmlns:p14="http://schemas.microsoft.com/office/powerpoint/2010/main" val="238732756"/>
-      </p:ext>
-    </p:extLst>
-  </p:cSld>
-  <p:clrMapOvr>
-    <a:masterClrMapping/>
-  </p:clrMapOvr>
-</p:sld>
-</file>
-
-<file path=ppt/slides/slide40.xml><?xml version="1.0" encoding="utf-8"?>
+<file path=ppt/slides/slide53.xml><?xml version="1.0" encoding="utf-8"?>
 <p:sld xmlns:a="http://schemas.openxmlformats.org/drawingml/2006/main" xmlns:r="http://schemas.openxmlformats.org/officeDocument/2006/relationships" xmlns:p="http://schemas.openxmlformats.org/presentationml/2006/main">
   <p:cSld>
     <p:spTree>
@@ -9643,7 +12160,7 @@
 </p:sld>
 </file>
 
-<file path=ppt/slides/slide41.xml><?xml version="1.0" encoding="utf-8"?>
+<file path=ppt/slides/slide54.xml><?xml version="1.0" encoding="utf-8"?>
 <p:sld xmlns:a="http://schemas.openxmlformats.org/drawingml/2006/main" xmlns:r="http://schemas.openxmlformats.org/officeDocument/2006/relationships" xmlns:p="http://schemas.openxmlformats.org/presentationml/2006/main">
   <p:cSld>
     <p:spTree>
@@ -9677,15 +12194,7 @@
           <a:p>
             <a:r>
               <a:rPr lang="en-US" dirty="0" smtClean="0"/>
-              <a:t>Run </a:t>
-            </a:r>
-            <a:r>
-              <a:rPr lang="en-US" dirty="0" smtClean="0"/>
-              <a:t>39-40 </a:t>
-            </a:r>
-            <a:r>
-              <a:rPr lang="en-US" dirty="0" smtClean="0"/>
-              <a:t>(Option 1) </a:t>
+              <a:t>Run 39-40 (Option 1) </a:t>
             </a:r>
             <a:endParaRPr lang="en-US" dirty="0"/>
           </a:p>
@@ -10786,7 +13295,7 @@
 </p:sld>
 </file>
 
-<file path=ppt/slides/slide42.xml><?xml version="1.0" encoding="utf-8"?>
+<file path=ppt/slides/slide55.xml><?xml version="1.0" encoding="utf-8"?>
 <p:sld xmlns:a="http://schemas.openxmlformats.org/drawingml/2006/main" xmlns:r="http://schemas.openxmlformats.org/officeDocument/2006/relationships" xmlns:p="http://schemas.openxmlformats.org/presentationml/2006/main">
   <p:cSld>
     <p:spTree>
@@ -10876,7 +13385,7 @@
 </p:sld>
 </file>
 
-<file path=ppt/slides/slide43.xml><?xml version="1.0" encoding="utf-8"?>
+<file path=ppt/slides/slide56.xml><?xml version="1.0" encoding="utf-8"?>
 <p:sld xmlns:a="http://schemas.openxmlformats.org/drawingml/2006/main" xmlns:r="http://schemas.openxmlformats.org/officeDocument/2006/relationships" xmlns:p="http://schemas.openxmlformats.org/presentationml/2006/main">
   <p:cSld>
     <p:spTree>
@@ -10959,7 +13468,7 @@
 </p:sld>
 </file>
 
-<file path=ppt/slides/slide44.xml><?xml version="1.0" encoding="utf-8"?>
+<file path=ppt/slides/slide57.xml><?xml version="1.0" encoding="utf-8"?>
 <p:sld xmlns:a="http://schemas.openxmlformats.org/drawingml/2006/main" xmlns:r="http://schemas.openxmlformats.org/officeDocument/2006/relationships" xmlns:p="http://schemas.openxmlformats.org/presentationml/2006/main">
   <p:cSld>
     <p:bg>
@@ -11027,7 +13536,7 @@
 </p:sld>
 </file>
 
-<file path=ppt/slides/slide45.xml><?xml version="1.0" encoding="utf-8"?>
+<file path=ppt/slides/slide58.xml><?xml version="1.0" encoding="utf-8"?>
 <p:sld xmlns:a="http://schemas.openxmlformats.org/drawingml/2006/main" xmlns:r="http://schemas.openxmlformats.org/officeDocument/2006/relationships" xmlns:p="http://schemas.openxmlformats.org/presentationml/2006/main">
   <p:cSld>
     <p:spTree>
@@ -11173,7 +13682,7 @@
 </p:sld>
 </file>
 
-<file path=ppt/slides/slide46.xml><?xml version="1.0" encoding="utf-8"?>
+<file path=ppt/slides/slide59.xml><?xml version="1.0" encoding="utf-8"?>
 <p:sld xmlns:a="http://schemas.openxmlformats.org/drawingml/2006/main" xmlns:r="http://schemas.openxmlformats.org/officeDocument/2006/relationships" xmlns:p="http://schemas.openxmlformats.org/presentationml/2006/main">
   <p:cSld>
     <p:spTree>
@@ -11253,7 +13762,7 @@
 </p:sld>
 </file>
 
-<file path=ppt/slides/slide47.xml><?xml version="1.0" encoding="utf-8"?>
+<file path=ppt/slides/slide6.xml><?xml version="1.0" encoding="utf-8"?>
 <p:sld xmlns:a="http://schemas.openxmlformats.org/drawingml/2006/main" xmlns:r="http://schemas.openxmlformats.org/officeDocument/2006/relationships" xmlns:p="http://schemas.openxmlformats.org/presentationml/2006/main">
   <p:cSld>
     <p:spTree>
@@ -11272,6 +13781,181 @@
       </p:grpSpPr>
       <p:sp>
         <p:nvSpPr>
+          <p:cNvPr id="2" name="Title 1"/>
+          <p:cNvSpPr>
+            <a:spLocks noGrp="1"/>
+          </p:cNvSpPr>
+          <p:nvPr>
+            <p:ph type="title"/>
+          </p:nvPr>
+        </p:nvSpPr>
+        <p:spPr/>
+        <p:txBody>
+          <a:bodyPr/>
+          <a:lstStyle/>
+          <a:p>
+            <a:r>
+              <a:rPr lang="en-US" dirty="0" smtClean="0"/>
+              <a:t>Options for Sensitivity Item 3</a:t>
+            </a:r>
+            <a:endParaRPr lang="en-US" dirty="0"/>
+          </a:p>
+        </p:txBody>
+      </p:sp>
+      <p:sp>
+        <p:nvSpPr>
+          <p:cNvPr id="3" name="Content Placeholder 2"/>
+          <p:cNvSpPr>
+            <a:spLocks noGrp="1"/>
+          </p:cNvSpPr>
+          <p:nvPr>
+            <p:ph idx="1"/>
+          </p:nvPr>
+        </p:nvSpPr>
+        <p:spPr/>
+        <p:txBody>
+          <a:bodyPr>
+            <a:normAutofit/>
+          </a:bodyPr>
+          <a:lstStyle/>
+          <a:p>
+            <a:pPr marL="514350" indent="-514350">
+              <a:buFont typeface="+mj-lt"/>
+              <a:buAutoNum type="arabicPeriod"/>
+            </a:pPr>
+            <a:r>
+              <a:rPr lang="en-US" dirty="0" smtClean="0">
+                <a:solidFill>
+                  <a:schemeClr val="bg2"/>
+                </a:solidFill>
+              </a:rPr>
+              <a:t>Compare WHAM SSB estimates to the number/tow time series from the individual surveys</a:t>
+            </a:r>
+          </a:p>
+          <a:p>
+            <a:pPr marL="514350" indent="-514350">
+              <a:buFont typeface="+mj-lt"/>
+              <a:buAutoNum type="arabicPeriod"/>
+            </a:pPr>
+            <a:r>
+              <a:rPr lang="en-US" dirty="0" smtClean="0"/>
+              <a:t>Compare WHAM run with run with each index individually, rather than the VAST INDEX</a:t>
+            </a:r>
+          </a:p>
+          <a:p>
+            <a:pPr lvl="1"/>
+            <a:r>
+              <a:rPr lang="en-US" dirty="0" smtClean="0">
+                <a:solidFill>
+                  <a:schemeClr val="bg1">
+                    <a:lumMod val="95000"/>
+                  </a:schemeClr>
+                </a:solidFill>
+              </a:rPr>
+              <a:t>Leave-one-out analysis</a:t>
+            </a:r>
+          </a:p>
+          <a:p>
+            <a:pPr marL="514350" indent="-514350">
+              <a:buFont typeface="+mj-lt"/>
+              <a:buAutoNum type="arabicPeriod"/>
+            </a:pPr>
+            <a:r>
+              <a:rPr lang="en-US" dirty="0" smtClean="0">
+                <a:solidFill>
+                  <a:schemeClr val="bg2"/>
+                </a:solidFill>
+              </a:rPr>
+              <a:t>Compare WHAM run with just NEFSC BTS, NEAMAP, and </a:t>
+            </a:r>
+            <a:r>
+              <a:rPr lang="en-US" dirty="0" err="1" smtClean="0">
+                <a:solidFill>
+                  <a:schemeClr val="bg2"/>
+                </a:solidFill>
+              </a:rPr>
+              <a:t>RecCPA</a:t>
+            </a:r>
+            <a:endParaRPr lang="en-US" dirty="0" smtClean="0">
+              <a:solidFill>
+                <a:schemeClr val="bg2"/>
+              </a:solidFill>
+            </a:endParaRPr>
+          </a:p>
+          <a:p>
+            <a:pPr marL="514350" indent="-514350">
+              <a:buFont typeface="+mj-lt"/>
+              <a:buAutoNum type="arabicPeriod"/>
+            </a:pPr>
+            <a:r>
+              <a:rPr lang="en-US" dirty="0" smtClean="0">
+                <a:solidFill>
+                  <a:schemeClr val="bg2"/>
+                </a:solidFill>
+              </a:rPr>
+              <a:t>Examine current VAST model to see if weighting for each survey could be extracted</a:t>
+            </a:r>
+          </a:p>
+          <a:p>
+            <a:pPr marL="514350" indent="-514350">
+              <a:buFont typeface="+mj-lt"/>
+              <a:buAutoNum type="arabicPeriod"/>
+            </a:pPr>
+            <a:r>
+              <a:rPr lang="en-US" dirty="0" smtClean="0">
+                <a:solidFill>
+                  <a:schemeClr val="bg2"/>
+                </a:solidFill>
+              </a:rPr>
+              <a:t>Re run VAST with just NEFSC BTS/ NEAMAP</a:t>
+            </a:r>
+            <a:endParaRPr lang="en-US" dirty="0">
+              <a:solidFill>
+                <a:schemeClr val="bg2"/>
+              </a:solidFill>
+            </a:endParaRPr>
+          </a:p>
+        </p:txBody>
+      </p:sp>
+    </p:spTree>
+    <p:extLst>
+      <p:ext uri="{BB962C8B-B14F-4D97-AF65-F5344CB8AC3E}">
+        <p14:creationId xmlns:p14="http://schemas.microsoft.com/office/powerpoint/2010/main" val="2151754822"/>
+      </p:ext>
+    </p:extLst>
+  </p:cSld>
+  <p:clrMapOvr>
+    <a:masterClrMapping/>
+  </p:clrMapOvr>
+  <p:timing>
+    <p:tnLst>
+      <p:par>
+        <p:cTn id="1" dur="indefinite" restart="never" nodeType="tmRoot"/>
+      </p:par>
+    </p:tnLst>
+  </p:timing>
+</p:sld>
+</file>
+
+<file path=ppt/slides/slide60.xml><?xml version="1.0" encoding="utf-8"?>
+<p:sld xmlns:a="http://schemas.openxmlformats.org/drawingml/2006/main" xmlns:r="http://schemas.openxmlformats.org/officeDocument/2006/relationships" xmlns:p="http://schemas.openxmlformats.org/presentationml/2006/main">
+  <p:cSld>
+    <p:spTree>
+      <p:nvGrpSpPr>
+        <p:cNvPr id="1" name=""/>
+        <p:cNvGrpSpPr/>
+        <p:nvPr/>
+      </p:nvGrpSpPr>
+      <p:grpSpPr>
+        <a:xfrm>
+          <a:off x="0" y="0"/>
+          <a:ext cx="0" cy="0"/>
+          <a:chOff x="0" y="0"/>
+          <a:chExt cx="0" cy="0"/>
+        </a:xfrm>
+      </p:grpSpPr>
+      <p:sp>
+        <p:nvSpPr>
           <p:cNvPr id="4" name="Title 3"/>
           <p:cNvSpPr>
             <a:spLocks noGrp="1"/>
@@ -12243,7 +14927,7 @@
 </p:sld>
 </file>
 
-<file path=ppt/slides/slide48.xml><?xml version="1.0" encoding="utf-8"?>
+<file path=ppt/slides/slide61.xml><?xml version="1.0" encoding="utf-8"?>
 <p:sld xmlns:a="http://schemas.openxmlformats.org/drawingml/2006/main" xmlns:r="http://schemas.openxmlformats.org/officeDocument/2006/relationships" xmlns:p="http://schemas.openxmlformats.org/presentationml/2006/main">
   <p:cSld>
     <p:spTree>
@@ -12381,303 +15065,6 @@
   <p:clrMapOvr>
     <a:masterClrMapping/>
   </p:clrMapOvr>
-</p:sld>
-</file>
-
-<file path=ppt/slides/slide5.xml><?xml version="1.0" encoding="utf-8"?>
-<p:sld xmlns:a="http://schemas.openxmlformats.org/drawingml/2006/main" xmlns:r="http://schemas.openxmlformats.org/officeDocument/2006/relationships" xmlns:p="http://schemas.openxmlformats.org/presentationml/2006/main">
-  <p:cSld>
-    <p:spTree>
-      <p:nvGrpSpPr>
-        <p:cNvPr id="1" name=""/>
-        <p:cNvGrpSpPr/>
-        <p:nvPr/>
-      </p:nvGrpSpPr>
-      <p:grpSpPr>
-        <a:xfrm>
-          <a:off x="0" y="0"/>
-          <a:ext cx="0" cy="0"/>
-          <a:chOff x="0" y="0"/>
-          <a:chExt cx="0" cy="0"/>
-        </a:xfrm>
-      </p:grpSpPr>
-      <p:sp>
-        <p:nvSpPr>
-          <p:cNvPr id="2" name="Title 1"/>
-          <p:cNvSpPr>
-            <a:spLocks noGrp="1"/>
-          </p:cNvSpPr>
-          <p:nvPr>
-            <p:ph type="title"/>
-          </p:nvPr>
-        </p:nvSpPr>
-        <p:spPr/>
-        <p:txBody>
-          <a:bodyPr/>
-          <a:lstStyle/>
-          <a:p>
-            <a:r>
-              <a:rPr lang="en-US" dirty="0" smtClean="0"/>
-              <a:t>Options for Sensitivity Item 3</a:t>
-            </a:r>
-            <a:endParaRPr lang="en-US" dirty="0"/>
-          </a:p>
-        </p:txBody>
-      </p:sp>
-      <p:sp>
-        <p:nvSpPr>
-          <p:cNvPr id="3" name="Content Placeholder 2"/>
-          <p:cNvSpPr>
-            <a:spLocks noGrp="1"/>
-          </p:cNvSpPr>
-          <p:nvPr>
-            <p:ph idx="1"/>
-          </p:nvPr>
-        </p:nvSpPr>
-        <p:spPr/>
-        <p:txBody>
-          <a:bodyPr/>
-          <a:lstStyle/>
-          <a:p>
-            <a:pPr marL="514350" indent="-514350">
-              <a:buFont typeface="+mj-lt"/>
-              <a:buAutoNum type="arabicPeriod"/>
-            </a:pPr>
-            <a:r>
-              <a:rPr lang="en-US" dirty="0" smtClean="0"/>
-              <a:t>Compare WHAM SSB estimates to the number/tow time series from the individual surveys</a:t>
-            </a:r>
-          </a:p>
-          <a:p>
-            <a:pPr marL="514350" indent="-514350">
-              <a:buFont typeface="+mj-lt"/>
-              <a:buAutoNum type="arabicPeriod"/>
-            </a:pPr>
-            <a:r>
-              <a:rPr lang="en-US" dirty="0" smtClean="0"/>
-              <a:t>Compare WHAM run with run with each index individually, rather than the VAST </a:t>
-            </a:r>
-            <a:r>
-              <a:rPr lang="en-US" dirty="0" smtClean="0"/>
-              <a:t>INDEX -&gt; relax catchability and selectivity </a:t>
-            </a:r>
-            <a:endParaRPr lang="en-US" dirty="0" smtClean="0"/>
-          </a:p>
-          <a:p>
-            <a:pPr marL="514350" indent="-514350">
-              <a:buFont typeface="+mj-lt"/>
-              <a:buAutoNum type="arabicPeriod"/>
-            </a:pPr>
-            <a:r>
-              <a:rPr lang="en-US" dirty="0" smtClean="0"/>
-              <a:t>Compare WHAM run with just NEFSC BTS, NEAMAP, and </a:t>
-            </a:r>
-            <a:r>
-              <a:rPr lang="en-US" dirty="0" err="1" smtClean="0"/>
-              <a:t>RecCPA</a:t>
-            </a:r>
-            <a:endParaRPr lang="en-US" dirty="0" smtClean="0"/>
-          </a:p>
-          <a:p>
-            <a:pPr marL="514350" indent="-514350">
-              <a:buFont typeface="+mj-lt"/>
-              <a:buAutoNum type="arabicPeriod"/>
-            </a:pPr>
-            <a:r>
-              <a:rPr lang="en-US" dirty="0" smtClean="0"/>
-              <a:t>Examine current VAST model to see if weighting for each survey could be extracted</a:t>
-            </a:r>
-          </a:p>
-          <a:p>
-            <a:pPr marL="514350" indent="-514350">
-              <a:buFont typeface="+mj-lt"/>
-              <a:buAutoNum type="arabicPeriod"/>
-            </a:pPr>
-            <a:r>
-              <a:rPr lang="en-US" dirty="0" smtClean="0"/>
-              <a:t>Re run VAST with just Spring and Fall NEFSC BTS/ NEAMAP</a:t>
-            </a:r>
-            <a:endParaRPr lang="en-US" dirty="0"/>
-          </a:p>
-        </p:txBody>
-      </p:sp>
-    </p:spTree>
-    <p:extLst>
-      <p:ext uri="{BB962C8B-B14F-4D97-AF65-F5344CB8AC3E}">
-        <p14:creationId xmlns:p14="http://schemas.microsoft.com/office/powerpoint/2010/main" val="1499166679"/>
-      </p:ext>
-    </p:extLst>
-  </p:cSld>
-  <p:clrMapOvr>
-    <a:masterClrMapping/>
-  </p:clrMapOvr>
-  <p:timing>
-    <p:tnLst>
-      <p:par>
-        <p:cTn id="1" dur="indefinite" restart="never" nodeType="tmRoot"/>
-      </p:par>
-    </p:tnLst>
-  </p:timing>
-</p:sld>
-</file>
-
-<file path=ppt/slides/slide6.xml><?xml version="1.0" encoding="utf-8"?>
-<p:sld xmlns:a="http://schemas.openxmlformats.org/drawingml/2006/main" xmlns:r="http://schemas.openxmlformats.org/officeDocument/2006/relationships" xmlns:p="http://schemas.openxmlformats.org/presentationml/2006/main">
-  <p:cSld>
-    <p:spTree>
-      <p:nvGrpSpPr>
-        <p:cNvPr id="1" name=""/>
-        <p:cNvGrpSpPr/>
-        <p:nvPr/>
-      </p:nvGrpSpPr>
-      <p:grpSpPr>
-        <a:xfrm>
-          <a:off x="0" y="0"/>
-          <a:ext cx="0" cy="0"/>
-          <a:chOff x="0" y="0"/>
-          <a:chExt cx="0" cy="0"/>
-        </a:xfrm>
-      </p:grpSpPr>
-      <p:sp>
-        <p:nvSpPr>
-          <p:cNvPr id="2" name="Title 1"/>
-          <p:cNvSpPr>
-            <a:spLocks noGrp="1"/>
-          </p:cNvSpPr>
-          <p:nvPr>
-            <p:ph type="title"/>
-          </p:nvPr>
-        </p:nvSpPr>
-        <p:spPr/>
-        <p:txBody>
-          <a:bodyPr/>
-          <a:lstStyle/>
-          <a:p>
-            <a:r>
-              <a:rPr lang="en-US" dirty="0" smtClean="0"/>
-              <a:t>Options for Sensitivity Item 3</a:t>
-            </a:r>
-            <a:endParaRPr lang="en-US" dirty="0"/>
-          </a:p>
-        </p:txBody>
-      </p:sp>
-      <p:sp>
-        <p:nvSpPr>
-          <p:cNvPr id="3" name="Content Placeholder 2"/>
-          <p:cNvSpPr>
-            <a:spLocks noGrp="1"/>
-          </p:cNvSpPr>
-          <p:nvPr>
-            <p:ph idx="1"/>
-          </p:nvPr>
-        </p:nvSpPr>
-        <p:spPr/>
-        <p:txBody>
-          <a:bodyPr/>
-          <a:lstStyle/>
-          <a:p>
-            <a:pPr marL="514350" indent="-514350">
-              <a:buFont typeface="+mj-lt"/>
-              <a:buAutoNum type="arabicPeriod"/>
-            </a:pPr>
-            <a:r>
-              <a:rPr lang="en-US" dirty="0" smtClean="0">
-                <a:solidFill>
-                  <a:schemeClr val="bg2"/>
-                </a:solidFill>
-              </a:rPr>
-              <a:t>Compare WHAM SSB estimates to the number/tow time series from the individual surveys</a:t>
-            </a:r>
-          </a:p>
-          <a:p>
-            <a:pPr marL="514350" indent="-514350">
-              <a:buFont typeface="+mj-lt"/>
-              <a:buAutoNum type="arabicPeriod"/>
-            </a:pPr>
-            <a:r>
-              <a:rPr lang="en-US" dirty="0" smtClean="0"/>
-              <a:t>Compare WHAM run with run with each index individually, rather than the VAST INDEX</a:t>
-            </a:r>
-          </a:p>
-          <a:p>
-            <a:pPr marL="514350" indent="-514350">
-              <a:buFont typeface="+mj-lt"/>
-              <a:buAutoNum type="arabicPeriod"/>
-            </a:pPr>
-            <a:r>
-              <a:rPr lang="en-US" dirty="0" smtClean="0">
-                <a:solidFill>
-                  <a:schemeClr val="bg2"/>
-                </a:solidFill>
-              </a:rPr>
-              <a:t>Compare WHAM run with just NEFSC BTS, NEAMAP, and </a:t>
-            </a:r>
-            <a:r>
-              <a:rPr lang="en-US" dirty="0" err="1" smtClean="0">
-                <a:solidFill>
-                  <a:schemeClr val="bg2"/>
-                </a:solidFill>
-              </a:rPr>
-              <a:t>RecCPA</a:t>
-            </a:r>
-            <a:endParaRPr lang="en-US" dirty="0" smtClean="0">
-              <a:solidFill>
-                <a:schemeClr val="bg2"/>
-              </a:solidFill>
-            </a:endParaRPr>
-          </a:p>
-          <a:p>
-            <a:pPr marL="514350" indent="-514350">
-              <a:buFont typeface="+mj-lt"/>
-              <a:buAutoNum type="arabicPeriod"/>
-            </a:pPr>
-            <a:r>
-              <a:rPr lang="en-US" dirty="0" smtClean="0">
-                <a:solidFill>
-                  <a:schemeClr val="bg2"/>
-                </a:solidFill>
-              </a:rPr>
-              <a:t>Examine current VAST model to see if weighting for each survey could be extracted</a:t>
-            </a:r>
-          </a:p>
-          <a:p>
-            <a:pPr marL="514350" indent="-514350">
-              <a:buFont typeface="+mj-lt"/>
-              <a:buAutoNum type="arabicPeriod"/>
-            </a:pPr>
-            <a:r>
-              <a:rPr lang="en-US" dirty="0" smtClean="0">
-                <a:solidFill>
-                  <a:schemeClr val="bg2"/>
-                </a:solidFill>
-              </a:rPr>
-              <a:t>Re run VAST with just NEFSC BTS/ NEAMAP</a:t>
-            </a:r>
-            <a:endParaRPr lang="en-US" dirty="0">
-              <a:solidFill>
-                <a:schemeClr val="bg2"/>
-              </a:solidFill>
-            </a:endParaRPr>
-          </a:p>
-        </p:txBody>
-      </p:sp>
-    </p:spTree>
-    <p:extLst>
-      <p:ext uri="{BB962C8B-B14F-4D97-AF65-F5344CB8AC3E}">
-        <p14:creationId xmlns:p14="http://schemas.microsoft.com/office/powerpoint/2010/main" val="2151754822"/>
-      </p:ext>
-    </p:extLst>
-  </p:cSld>
-  <p:clrMapOvr>
-    <a:masterClrMapping/>
-  </p:clrMapOvr>
-  <p:timing>
-    <p:tnLst>
-      <p:par>
-        <p:cTn id="1" dur="indefinite" restart="never" nodeType="tmRoot"/>
-      </p:par>
-    </p:tnLst>
-  </p:timing>
 </p:sld>
 </file>
 
